--- a/document/ROOT 操作指南.pptx
+++ b/document/ROOT 操作指南.pptx
@@ -2,16 +2,16 @@
 <file path=ppt/presentation.xml><?xml version="1.0" encoding="utf-8"?>
 <p:presentation xmlns:a="http://schemas.openxmlformats.org/drawingml/2006/main" xmlns:r="http://schemas.openxmlformats.org/officeDocument/2006/relationships" xmlns:p="http://schemas.openxmlformats.org/presentationml/2006/main" saveSubsetFonts="1">
   <p:sldMasterIdLst>
-    <p:sldMasterId id="2147483648" r:id="rId1"/>
+    <p:sldMasterId id="2147483828" r:id="rId1"/>
   </p:sldMasterIdLst>
   <p:sldIdLst>
     <p:sldId id="256" r:id="rId2"/>
     <p:sldId id="257" r:id="rId3"/>
     <p:sldId id="258" r:id="rId4"/>
     <p:sldId id="261" r:id="rId5"/>
-    <p:sldId id="260" r:id="rId6"/>
-    <p:sldId id="259" r:id="rId7"/>
-    <p:sldId id="262" r:id="rId8"/>
+    <p:sldId id="259" r:id="rId6"/>
+    <p:sldId id="262" r:id="rId7"/>
+    <p:sldId id="260" r:id="rId8"/>
     <p:sldId id="263" r:id="rId9"/>
     <p:sldId id="264" r:id="rId10"/>
     <p:sldId id="266" r:id="rId11"/>
@@ -27,7 +27,7 @@
     <a:defPPr>
       <a:defRPr lang="en-US"/>
     </a:defPPr>
-    <a:lvl1pPr marL="0" algn="l" defTabSz="914400" rtl="0" eaLnBrk="1" latinLnBrk="0" hangingPunct="1">
+    <a:lvl1pPr marL="0" algn="l" defTabSz="457200" rtl="0" eaLnBrk="1" latinLnBrk="0" hangingPunct="1">
       <a:defRPr sz="1800" kern="1200">
         <a:solidFill>
           <a:schemeClr val="tx1"/>
@@ -37,7 +37,7 @@
         <a:cs typeface="+mn-cs"/>
       </a:defRPr>
     </a:lvl1pPr>
-    <a:lvl2pPr marL="457200" algn="l" defTabSz="914400" rtl="0" eaLnBrk="1" latinLnBrk="0" hangingPunct="1">
+    <a:lvl2pPr marL="457200" algn="l" defTabSz="457200" rtl="0" eaLnBrk="1" latinLnBrk="0" hangingPunct="1">
       <a:defRPr sz="1800" kern="1200">
         <a:solidFill>
           <a:schemeClr val="tx1"/>
@@ -47,7 +47,7 @@
         <a:cs typeface="+mn-cs"/>
       </a:defRPr>
     </a:lvl2pPr>
-    <a:lvl3pPr marL="914400" algn="l" defTabSz="914400" rtl="0" eaLnBrk="1" latinLnBrk="0" hangingPunct="1">
+    <a:lvl3pPr marL="914400" algn="l" defTabSz="457200" rtl="0" eaLnBrk="1" latinLnBrk="0" hangingPunct="1">
       <a:defRPr sz="1800" kern="1200">
         <a:solidFill>
           <a:schemeClr val="tx1"/>
@@ -57,7 +57,7 @@
         <a:cs typeface="+mn-cs"/>
       </a:defRPr>
     </a:lvl3pPr>
-    <a:lvl4pPr marL="1371600" algn="l" defTabSz="914400" rtl="0" eaLnBrk="1" latinLnBrk="0" hangingPunct="1">
+    <a:lvl4pPr marL="1371600" algn="l" defTabSz="457200" rtl="0" eaLnBrk="1" latinLnBrk="0" hangingPunct="1">
       <a:defRPr sz="1800" kern="1200">
         <a:solidFill>
           <a:schemeClr val="tx1"/>
@@ -67,7 +67,7 @@
         <a:cs typeface="+mn-cs"/>
       </a:defRPr>
     </a:lvl4pPr>
-    <a:lvl5pPr marL="1828800" algn="l" defTabSz="914400" rtl="0" eaLnBrk="1" latinLnBrk="0" hangingPunct="1">
+    <a:lvl5pPr marL="1828800" algn="l" defTabSz="457200" rtl="0" eaLnBrk="1" latinLnBrk="0" hangingPunct="1">
       <a:defRPr sz="1800" kern="1200">
         <a:solidFill>
           <a:schemeClr val="tx1"/>
@@ -77,7 +77,7 @@
         <a:cs typeface="+mn-cs"/>
       </a:defRPr>
     </a:lvl5pPr>
-    <a:lvl6pPr marL="2286000" algn="l" defTabSz="914400" rtl="0" eaLnBrk="1" latinLnBrk="0" hangingPunct="1">
+    <a:lvl6pPr marL="2286000" algn="l" defTabSz="457200" rtl="0" eaLnBrk="1" latinLnBrk="0" hangingPunct="1">
       <a:defRPr sz="1800" kern="1200">
         <a:solidFill>
           <a:schemeClr val="tx1"/>
@@ -87,7 +87,7 @@
         <a:cs typeface="+mn-cs"/>
       </a:defRPr>
     </a:lvl6pPr>
-    <a:lvl7pPr marL="2743200" algn="l" defTabSz="914400" rtl="0" eaLnBrk="1" latinLnBrk="0" hangingPunct="1">
+    <a:lvl7pPr marL="2743200" algn="l" defTabSz="457200" rtl="0" eaLnBrk="1" latinLnBrk="0" hangingPunct="1">
       <a:defRPr sz="1800" kern="1200">
         <a:solidFill>
           <a:schemeClr val="tx1"/>
@@ -97,7 +97,7 @@
         <a:cs typeface="+mn-cs"/>
       </a:defRPr>
     </a:lvl7pPr>
-    <a:lvl8pPr marL="3200400" algn="l" defTabSz="914400" rtl="0" eaLnBrk="1" latinLnBrk="0" hangingPunct="1">
+    <a:lvl8pPr marL="3200400" algn="l" defTabSz="457200" rtl="0" eaLnBrk="1" latinLnBrk="0" hangingPunct="1">
       <a:defRPr sz="1800" kern="1200">
         <a:solidFill>
           <a:schemeClr val="tx1"/>
@@ -107,7 +107,7 @@
         <a:cs typeface="+mn-cs"/>
       </a:defRPr>
     </a:lvl8pPr>
-    <a:lvl9pPr marL="3657600" algn="l" defTabSz="914400" rtl="0" eaLnBrk="1" latinLnBrk="0" hangingPunct="1">
+    <a:lvl9pPr marL="3657600" algn="l" defTabSz="457200" rtl="0" eaLnBrk="1" latinLnBrk="0" hangingPunct="1">
       <a:defRPr sz="1800" kern="1200">
         <a:solidFill>
           <a:schemeClr val="tx1"/>
@@ -127,7 +127,7 @@
 </file>
 
 <file path=ppt/slideLayouts/slideLayout1.xml><?xml version="1.0" encoding="utf-8"?>
-<p:sldLayout xmlns:a="http://schemas.openxmlformats.org/drawingml/2006/main" xmlns:r="http://schemas.openxmlformats.org/officeDocument/2006/relationships" xmlns:p="http://schemas.openxmlformats.org/presentationml/2006/main" type="title" preserve="1">
+<p:sldLayout xmlns:a="http://schemas.openxmlformats.org/drawingml/2006/main" xmlns:r="http://schemas.openxmlformats.org/officeDocument/2006/relationships" xmlns:p="http://schemas.openxmlformats.org/presentationml/2006/main" showMasterSp="0" type="title" preserve="1">
   <p:cSld name="标题幻灯片">
     <p:spTree>
       <p:nvGrpSpPr>
@@ -145,13 +145,7 @@
       </p:grpSpPr>
       <p:sp>
         <p:nvSpPr>
-          <p:cNvPr id="2" name="标题 1">
-            <a:extLst>
-              <a:ext uri="{FF2B5EF4-FFF2-40B4-BE49-F238E27FC236}">
-                <a16:creationId xmlns:a16="http://schemas.microsoft.com/office/drawing/2014/main" id="{6D67D0E8-5BB6-4F8E-ADD6-5E891C1A8193}"/>
-              </a:ext>
-            </a:extLst>
-          </p:cNvPr>
+          <p:cNvPr id="2" name="Title 1"/>
           <p:cNvSpPr>
             <a:spLocks noGrp="1"/>
           </p:cNvSpPr>
@@ -161,15 +155,24 @@
         </p:nvSpPr>
         <p:spPr>
           <a:xfrm>
-            <a:off x="1524000" y="1122363"/>
-            <a:ext cx="9144000" cy="2387600"/>
+            <a:off x="1261872" y="758952"/>
+            <a:ext cx="9418320" cy="4041648"/>
           </a:xfrm>
         </p:spPr>
         <p:txBody>
-          <a:bodyPr anchor="b"/>
+          <a:bodyPr anchor="b">
+            <a:normAutofit/>
+          </a:bodyPr>
           <a:lstStyle>
-            <a:lvl1pPr algn="ctr">
-              <a:defRPr sz="6000"/>
+            <a:lvl1pPr algn="l">
+              <a:lnSpc>
+                <a:spcPct val="85000"/>
+              </a:lnSpc>
+              <a:defRPr sz="7200" b="0" baseline="0">
+                <a:solidFill>
+                  <a:schemeClr val="tx1"/>
+                </a:solidFill>
+              </a:defRPr>
             </a:lvl1pPr>
           </a:lstStyle>
           <a:p>
@@ -177,19 +180,13 @@
               <a:rPr lang="zh-CN" altLang="en-US"/>
               <a:t>单击此处编辑母版标题样式</a:t>
             </a:r>
-            <a:endParaRPr lang="en-US"/>
-          </a:p>
-        </p:txBody>
-      </p:sp>
-      <p:sp>
-        <p:nvSpPr>
-          <p:cNvPr id="3" name="副标题 2">
-            <a:extLst>
-              <a:ext uri="{FF2B5EF4-FFF2-40B4-BE49-F238E27FC236}">
-                <a16:creationId xmlns:a16="http://schemas.microsoft.com/office/drawing/2014/main" id="{78E18D02-FCEC-4774-A880-D7324DE5B169}"/>
-              </a:ext>
-            </a:extLst>
-          </p:cNvPr>
+            <a:endParaRPr lang="en-US" dirty="0"/>
+          </a:p>
+        </p:txBody>
+      </p:sp>
+      <p:sp>
+        <p:nvSpPr>
+          <p:cNvPr id="3" name="Subtitle 2"/>
           <p:cNvSpPr>
             <a:spLocks noGrp="1"/>
           </p:cNvSpPr>
@@ -199,48 +196,56 @@
         </p:nvSpPr>
         <p:spPr>
           <a:xfrm>
-            <a:off x="1524000" y="3602038"/>
-            <a:ext cx="9144000" cy="1655762"/>
+            <a:off x="1261872" y="4800600"/>
+            <a:ext cx="9418320" cy="1691640"/>
           </a:xfrm>
         </p:spPr>
         <p:txBody>
-          <a:bodyPr/>
+          <a:bodyPr>
+            <a:normAutofit/>
+          </a:bodyPr>
           <a:lstStyle>
-            <a:lvl1pPr marL="0" indent="0" algn="ctr">
+            <a:lvl1pPr marL="0" indent="0" algn="l">
               <a:buNone/>
-              <a:defRPr sz="2400"/>
+              <a:defRPr sz="2200" spc="30" baseline="0">
+                <a:solidFill>
+                  <a:schemeClr val="tx1">
+                    <a:lumMod val="75000"/>
+                  </a:schemeClr>
+                </a:solidFill>
+              </a:defRPr>
             </a:lvl1pPr>
             <a:lvl2pPr marL="457200" indent="0" algn="ctr">
               <a:buNone/>
-              <a:defRPr sz="2000"/>
+              <a:defRPr sz="2200"/>
             </a:lvl2pPr>
             <a:lvl3pPr marL="914400" indent="0" algn="ctr">
               <a:buNone/>
-              <a:defRPr sz="1800"/>
+              <a:defRPr sz="2200"/>
             </a:lvl3pPr>
             <a:lvl4pPr marL="1371600" indent="0" algn="ctr">
               <a:buNone/>
-              <a:defRPr sz="1600"/>
+              <a:defRPr sz="2000"/>
             </a:lvl4pPr>
             <a:lvl5pPr marL="1828800" indent="0" algn="ctr">
               <a:buNone/>
-              <a:defRPr sz="1600"/>
+              <a:defRPr sz="2000"/>
             </a:lvl5pPr>
             <a:lvl6pPr marL="2286000" indent="0" algn="ctr">
               <a:buNone/>
-              <a:defRPr sz="1600"/>
+              <a:defRPr sz="2000"/>
             </a:lvl6pPr>
             <a:lvl7pPr marL="2743200" indent="0" algn="ctr">
               <a:buNone/>
-              <a:defRPr sz="1600"/>
+              <a:defRPr sz="2000"/>
             </a:lvl7pPr>
             <a:lvl8pPr marL="3200400" indent="0" algn="ctr">
               <a:buNone/>
-              <a:defRPr sz="1600"/>
+              <a:defRPr sz="2000"/>
             </a:lvl8pPr>
             <a:lvl9pPr marL="3657600" indent="0" algn="ctr">
               <a:buNone/>
-              <a:defRPr sz="1600"/>
+              <a:defRPr sz="2000"/>
             </a:lvl9pPr>
           </a:lstStyle>
           <a:p>
@@ -248,19 +253,51 @@
               <a:rPr lang="zh-CN" altLang="en-US"/>
               <a:t>单击此处编辑母版副标题样式</a:t>
             </a:r>
-            <a:endParaRPr lang="en-US"/>
-          </a:p>
-        </p:txBody>
-      </p:sp>
-      <p:sp>
-        <p:nvSpPr>
-          <p:cNvPr id="4" name="日期占位符 3">
-            <a:extLst>
-              <a:ext uri="{FF2B5EF4-FFF2-40B4-BE49-F238E27FC236}">
-                <a16:creationId xmlns:a16="http://schemas.microsoft.com/office/drawing/2014/main" id="{8E1DF1D6-0CD8-4686-A90F-898EB9E1E16D}"/>
-              </a:ext>
-            </a:extLst>
-          </p:cNvPr>
+            <a:endParaRPr lang="en-US" dirty="0"/>
+          </a:p>
+        </p:txBody>
+      </p:sp>
+      <p:sp>
+        <p:nvSpPr>
+          <p:cNvPr id="7" name="Rectangle 6"/>
+          <p:cNvSpPr/>
+          <p:nvPr/>
+        </p:nvSpPr>
+        <p:spPr>
+          <a:xfrm>
+            <a:off x="0" y="0"/>
+            <a:ext cx="457200" cy="6858000"/>
+          </a:xfrm>
+          <a:prstGeom prst="rect">
+            <a:avLst/>
+          </a:prstGeom>
+          <a:solidFill>
+            <a:schemeClr val="accent1"/>
+          </a:solidFill>
+          <a:ln>
+            <a:noFill/>
+          </a:ln>
+        </p:spPr>
+        <p:style>
+          <a:lnRef idx="2">
+            <a:schemeClr val="accent1">
+              <a:shade val="50000"/>
+            </a:schemeClr>
+          </a:lnRef>
+          <a:fillRef idx="1">
+            <a:schemeClr val="accent1"/>
+          </a:fillRef>
+          <a:effectRef idx="0">
+            <a:schemeClr val="accent1"/>
+          </a:effectRef>
+          <a:fontRef idx="minor">
+            <a:schemeClr val="lt1"/>
+          </a:fontRef>
+        </p:style>
+      </p:sp>
+      <p:sp>
+        <p:nvSpPr>
+          <p:cNvPr id="8" name="Date Placeholder 7"/>
           <p:cNvSpPr>
             <a:spLocks noGrp="1"/>
           </p:cNvSpPr>
@@ -275,7 +312,7 @@
           <a:p>
             <a:fld id="{8119A5BF-3BF2-4B2D-8433-BB00B16C3754}" type="datetimeFigureOut">
               <a:rPr lang="en-US" smtClean="0"/>
-              <a:t>9/17/2019</a:t>
+              <a:t>9/19/2019</a:t>
             </a:fld>
             <a:endParaRPr lang="en-US"/>
           </a:p>
@@ -283,13 +320,7 @@
       </p:sp>
       <p:sp>
         <p:nvSpPr>
-          <p:cNvPr id="5" name="页脚占位符 4">
-            <a:extLst>
-              <a:ext uri="{FF2B5EF4-FFF2-40B4-BE49-F238E27FC236}">
-                <a16:creationId xmlns:a16="http://schemas.microsoft.com/office/drawing/2014/main" id="{F14CD9D3-5DF3-4A31-9174-3EB846415818}"/>
-              </a:ext>
-            </a:extLst>
-          </p:cNvPr>
+          <p:cNvPr id="9" name="Footer Placeholder 8"/>
           <p:cNvSpPr>
             <a:spLocks noGrp="1"/>
           </p:cNvSpPr>
@@ -308,13 +339,7 @@
       </p:sp>
       <p:sp>
         <p:nvSpPr>
-          <p:cNvPr id="6" name="灯片编号占位符 5">
-            <a:extLst>
-              <a:ext uri="{FF2B5EF4-FFF2-40B4-BE49-F238E27FC236}">
-                <a16:creationId xmlns:a16="http://schemas.microsoft.com/office/drawing/2014/main" id="{7876B628-CF09-4685-A79F-39C1825F2AE8}"/>
-              </a:ext>
-            </a:extLst>
-          </p:cNvPr>
+          <p:cNvPr id="10" name="Slide Number Placeholder 9"/>
           <p:cNvSpPr>
             <a:spLocks noGrp="1"/>
           </p:cNvSpPr>
@@ -335,10 +360,50 @@
           </a:p>
         </p:txBody>
       </p:sp>
+      <p:sp>
+        <p:nvSpPr>
+          <p:cNvPr id="11" name="Rectangle 10"/>
+          <p:cNvSpPr/>
+          <p:nvPr/>
+        </p:nvSpPr>
+        <p:spPr>
+          <a:xfrm>
+            <a:off x="11292840" y="0"/>
+            <a:ext cx="914400" cy="6858000"/>
+          </a:xfrm>
+          <a:prstGeom prst="rect">
+            <a:avLst/>
+          </a:prstGeom>
+          <a:solidFill>
+            <a:schemeClr val="bg2">
+              <a:lumMod val="75000"/>
+            </a:schemeClr>
+          </a:solidFill>
+          <a:ln>
+            <a:noFill/>
+          </a:ln>
+        </p:spPr>
+        <p:style>
+          <a:lnRef idx="2">
+            <a:schemeClr val="accent1">
+              <a:shade val="50000"/>
+            </a:schemeClr>
+          </a:lnRef>
+          <a:fillRef idx="1">
+            <a:schemeClr val="accent1"/>
+          </a:fillRef>
+          <a:effectRef idx="0">
+            <a:schemeClr val="accent1"/>
+          </a:effectRef>
+          <a:fontRef idx="minor">
+            <a:schemeClr val="lt1"/>
+          </a:fontRef>
+        </p:style>
+      </p:sp>
     </p:spTree>
     <p:extLst>
       <p:ext uri="{BB962C8B-B14F-4D97-AF65-F5344CB8AC3E}">
-        <p14:creationId xmlns:p14="http://schemas.microsoft.com/office/powerpoint/2010/main" val="681546998"/>
+        <p14:creationId xmlns:p14="http://schemas.microsoft.com/office/powerpoint/2010/main" val="4141720018"/>
       </p:ext>
     </p:extLst>
   </p:cSld>
@@ -367,13 +432,7 @@
       </p:grpSpPr>
       <p:sp>
         <p:nvSpPr>
-          <p:cNvPr id="2" name="标题 1">
-            <a:extLst>
-              <a:ext uri="{FF2B5EF4-FFF2-40B4-BE49-F238E27FC236}">
-                <a16:creationId xmlns:a16="http://schemas.microsoft.com/office/drawing/2014/main" id="{F1985977-616C-46A5-8BE5-B04189C9B09D}"/>
-              </a:ext>
-            </a:extLst>
-          </p:cNvPr>
+          <p:cNvPr id="2" name="Title 1"/>
           <p:cNvSpPr>
             <a:spLocks noGrp="1"/>
           </p:cNvSpPr>
@@ -390,19 +449,13 @@
               <a:rPr lang="zh-CN" altLang="en-US"/>
               <a:t>单击此处编辑母版标题样式</a:t>
             </a:r>
-            <a:endParaRPr lang="en-US"/>
-          </a:p>
-        </p:txBody>
-      </p:sp>
-      <p:sp>
-        <p:nvSpPr>
-          <p:cNvPr id="3" name="竖排文字占位符 2">
-            <a:extLst>
-              <a:ext uri="{FF2B5EF4-FFF2-40B4-BE49-F238E27FC236}">
-                <a16:creationId xmlns:a16="http://schemas.microsoft.com/office/drawing/2014/main" id="{4FDB710F-7364-49DF-BF62-AC98DD5B5E4E}"/>
-              </a:ext>
-            </a:extLst>
-          </p:cNvPr>
+            <a:endParaRPr lang="en-US" dirty="0"/>
+          </a:p>
+        </p:txBody>
+      </p:sp>
+      <p:sp>
+        <p:nvSpPr>
+          <p:cNvPr id="3" name="Vertical Text Placeholder 2"/>
           <p:cNvSpPr>
             <a:spLocks noGrp="1"/>
           </p:cNvSpPr>
@@ -448,19 +501,13 @@
               <a:rPr lang="zh-CN" altLang="en-US"/>
               <a:t>五级</a:t>
             </a:r>
-            <a:endParaRPr lang="en-US"/>
-          </a:p>
-        </p:txBody>
-      </p:sp>
-      <p:sp>
-        <p:nvSpPr>
-          <p:cNvPr id="4" name="日期占位符 3">
-            <a:extLst>
-              <a:ext uri="{FF2B5EF4-FFF2-40B4-BE49-F238E27FC236}">
-                <a16:creationId xmlns:a16="http://schemas.microsoft.com/office/drawing/2014/main" id="{7BC942AD-9D57-4774-980D-0256ABA4D664}"/>
-              </a:ext>
-            </a:extLst>
-          </p:cNvPr>
+            <a:endParaRPr lang="en-US" dirty="0"/>
+          </a:p>
+        </p:txBody>
+      </p:sp>
+      <p:sp>
+        <p:nvSpPr>
+          <p:cNvPr id="4" name="Date Placeholder 3"/>
           <p:cNvSpPr>
             <a:spLocks noGrp="1"/>
           </p:cNvSpPr>
@@ -475,7 +522,7 @@
           <a:p>
             <a:fld id="{8119A5BF-3BF2-4B2D-8433-BB00B16C3754}" type="datetimeFigureOut">
               <a:rPr lang="en-US" smtClean="0"/>
-              <a:t>9/17/2019</a:t>
+              <a:t>9/19/2019</a:t>
             </a:fld>
             <a:endParaRPr lang="en-US"/>
           </a:p>
@@ -483,13 +530,7 @@
       </p:sp>
       <p:sp>
         <p:nvSpPr>
-          <p:cNvPr id="5" name="页脚占位符 4">
-            <a:extLst>
-              <a:ext uri="{FF2B5EF4-FFF2-40B4-BE49-F238E27FC236}">
-                <a16:creationId xmlns:a16="http://schemas.microsoft.com/office/drawing/2014/main" id="{A4C73413-0837-4490-9E73-0CBB1C3BC5FA}"/>
-              </a:ext>
-            </a:extLst>
-          </p:cNvPr>
+          <p:cNvPr id="5" name="Footer Placeholder 4"/>
           <p:cNvSpPr>
             <a:spLocks noGrp="1"/>
           </p:cNvSpPr>
@@ -508,13 +549,7 @@
       </p:sp>
       <p:sp>
         <p:nvSpPr>
-          <p:cNvPr id="6" name="灯片编号占位符 5">
-            <a:extLst>
-              <a:ext uri="{FF2B5EF4-FFF2-40B4-BE49-F238E27FC236}">
-                <a16:creationId xmlns:a16="http://schemas.microsoft.com/office/drawing/2014/main" id="{F93502B9-BA9E-4AAA-A0AB-67BD9FFD60B5}"/>
-              </a:ext>
-            </a:extLst>
-          </p:cNvPr>
+          <p:cNvPr id="6" name="Slide Number Placeholder 5"/>
           <p:cNvSpPr>
             <a:spLocks noGrp="1"/>
           </p:cNvSpPr>
@@ -538,7 +573,7 @@
     </p:spTree>
     <p:extLst>
       <p:ext uri="{BB962C8B-B14F-4D97-AF65-F5344CB8AC3E}">
-        <p14:creationId xmlns:p14="http://schemas.microsoft.com/office/powerpoint/2010/main" val="1683932211"/>
+        <p14:creationId xmlns:p14="http://schemas.microsoft.com/office/powerpoint/2010/main" val="90934161"/>
       </p:ext>
     </p:extLst>
   </p:cSld>
@@ -567,13 +602,7 @@
       </p:grpSpPr>
       <p:sp>
         <p:nvSpPr>
-          <p:cNvPr id="2" name="竖排标题 1">
-            <a:extLst>
-              <a:ext uri="{FF2B5EF4-FFF2-40B4-BE49-F238E27FC236}">
-                <a16:creationId xmlns:a16="http://schemas.microsoft.com/office/drawing/2014/main" id="{103C4F97-E049-4DAB-8DE0-FBCC4BEACFCA}"/>
-              </a:ext>
-            </a:extLst>
-          </p:cNvPr>
+          <p:cNvPr id="2" name="Vertical Title 1"/>
           <p:cNvSpPr>
             <a:spLocks noGrp="1"/>
           </p:cNvSpPr>
@@ -583,8 +612,8 @@
         </p:nvSpPr>
         <p:spPr>
           <a:xfrm>
-            <a:off x="8724900" y="365125"/>
-            <a:ext cx="2628900" cy="5811838"/>
+            <a:off x="8648700" y="381000"/>
+            <a:ext cx="2476500" cy="5897562"/>
           </a:xfrm>
         </p:spPr>
         <p:txBody>
@@ -595,19 +624,13 @@
               <a:rPr lang="zh-CN" altLang="en-US"/>
               <a:t>单击此处编辑母版标题样式</a:t>
             </a:r>
-            <a:endParaRPr lang="en-US"/>
-          </a:p>
-        </p:txBody>
-      </p:sp>
-      <p:sp>
-        <p:nvSpPr>
-          <p:cNvPr id="3" name="竖排文字占位符 2">
-            <a:extLst>
-              <a:ext uri="{FF2B5EF4-FFF2-40B4-BE49-F238E27FC236}">
-                <a16:creationId xmlns:a16="http://schemas.microsoft.com/office/drawing/2014/main" id="{83593AB5-B27E-4758-92BC-817F6F53C45C}"/>
-              </a:ext>
-            </a:extLst>
-          </p:cNvPr>
+            <a:endParaRPr lang="en-US" dirty="0"/>
+          </a:p>
+        </p:txBody>
+      </p:sp>
+      <p:sp>
+        <p:nvSpPr>
+          <p:cNvPr id="3" name="Vertical Text Placeholder 2"/>
           <p:cNvSpPr>
             <a:spLocks noGrp="1"/>
           </p:cNvSpPr>
@@ -617,8 +640,8 @@
         </p:nvSpPr>
         <p:spPr>
           <a:xfrm>
-            <a:off x="838200" y="365125"/>
-            <a:ext cx="7734300" cy="5811838"/>
+            <a:off x="762000" y="381000"/>
+            <a:ext cx="7734300" cy="5897562"/>
           </a:xfrm>
         </p:spPr>
         <p:txBody>
@@ -658,19 +681,13 @@
               <a:rPr lang="zh-CN" altLang="en-US"/>
               <a:t>五级</a:t>
             </a:r>
-            <a:endParaRPr lang="en-US"/>
-          </a:p>
-        </p:txBody>
-      </p:sp>
-      <p:sp>
-        <p:nvSpPr>
-          <p:cNvPr id="4" name="日期占位符 3">
-            <a:extLst>
-              <a:ext uri="{FF2B5EF4-FFF2-40B4-BE49-F238E27FC236}">
-                <a16:creationId xmlns:a16="http://schemas.microsoft.com/office/drawing/2014/main" id="{09B9EFCD-06F9-4F59-A8AA-BA6DD315DA0B}"/>
-              </a:ext>
-            </a:extLst>
-          </p:cNvPr>
+            <a:endParaRPr lang="en-US" dirty="0"/>
+          </a:p>
+        </p:txBody>
+      </p:sp>
+      <p:sp>
+        <p:nvSpPr>
+          <p:cNvPr id="4" name="Date Placeholder 3"/>
           <p:cNvSpPr>
             <a:spLocks noGrp="1"/>
           </p:cNvSpPr>
@@ -685,7 +702,7 @@
           <a:p>
             <a:fld id="{8119A5BF-3BF2-4B2D-8433-BB00B16C3754}" type="datetimeFigureOut">
               <a:rPr lang="en-US" smtClean="0"/>
-              <a:t>9/17/2019</a:t>
+              <a:t>9/19/2019</a:t>
             </a:fld>
             <a:endParaRPr lang="en-US"/>
           </a:p>
@@ -693,13 +710,7 @@
       </p:sp>
       <p:sp>
         <p:nvSpPr>
-          <p:cNvPr id="5" name="页脚占位符 4">
-            <a:extLst>
-              <a:ext uri="{FF2B5EF4-FFF2-40B4-BE49-F238E27FC236}">
-                <a16:creationId xmlns:a16="http://schemas.microsoft.com/office/drawing/2014/main" id="{17835DB9-F2AF-41FE-A65F-750F1152049D}"/>
-              </a:ext>
-            </a:extLst>
-          </p:cNvPr>
+          <p:cNvPr id="5" name="Footer Placeholder 4"/>
           <p:cNvSpPr>
             <a:spLocks noGrp="1"/>
           </p:cNvSpPr>
@@ -718,13 +729,7 @@
       </p:sp>
       <p:sp>
         <p:nvSpPr>
-          <p:cNvPr id="6" name="灯片编号占位符 5">
-            <a:extLst>
-              <a:ext uri="{FF2B5EF4-FFF2-40B4-BE49-F238E27FC236}">
-                <a16:creationId xmlns:a16="http://schemas.microsoft.com/office/drawing/2014/main" id="{EFAA9C55-F994-49E0-A24B-D7E7B5A2AD01}"/>
-              </a:ext>
-            </a:extLst>
-          </p:cNvPr>
+          <p:cNvPr id="6" name="Slide Number Placeholder 5"/>
           <p:cNvSpPr>
             <a:spLocks noGrp="1"/>
           </p:cNvSpPr>
@@ -748,7 +753,7 @@
     </p:spTree>
     <p:extLst>
       <p:ext uri="{BB962C8B-B14F-4D97-AF65-F5344CB8AC3E}">
-        <p14:creationId xmlns:p14="http://schemas.microsoft.com/office/powerpoint/2010/main" val="1543441366"/>
+        <p14:creationId xmlns:p14="http://schemas.microsoft.com/office/powerpoint/2010/main" val="4188134262"/>
       </p:ext>
     </p:extLst>
   </p:cSld>
@@ -777,13 +782,7 @@
       </p:grpSpPr>
       <p:sp>
         <p:nvSpPr>
-          <p:cNvPr id="2" name="标题 1">
-            <a:extLst>
-              <a:ext uri="{FF2B5EF4-FFF2-40B4-BE49-F238E27FC236}">
-                <a16:creationId xmlns:a16="http://schemas.microsoft.com/office/drawing/2014/main" id="{27D7BEDE-36FC-4468-960E-31A342D10C31}"/>
-              </a:ext>
-            </a:extLst>
-          </p:cNvPr>
+          <p:cNvPr id="2" name="Title 1"/>
           <p:cNvSpPr>
             <a:spLocks noGrp="1"/>
           </p:cNvSpPr>
@@ -800,19 +799,13 @@
               <a:rPr lang="zh-CN" altLang="en-US"/>
               <a:t>单击此处编辑母版标题样式</a:t>
             </a:r>
-            <a:endParaRPr lang="en-US"/>
-          </a:p>
-        </p:txBody>
-      </p:sp>
-      <p:sp>
-        <p:nvSpPr>
-          <p:cNvPr id="3" name="内容占位符 2">
-            <a:extLst>
-              <a:ext uri="{FF2B5EF4-FFF2-40B4-BE49-F238E27FC236}">
-                <a16:creationId xmlns:a16="http://schemas.microsoft.com/office/drawing/2014/main" id="{3D13DC78-CA93-4AF7-92CC-513952947721}"/>
-              </a:ext>
-            </a:extLst>
-          </p:cNvPr>
+            <a:endParaRPr lang="en-US" dirty="0"/>
+          </a:p>
+        </p:txBody>
+      </p:sp>
+      <p:sp>
+        <p:nvSpPr>
+          <p:cNvPr id="3" name="Content Placeholder 2"/>
           <p:cNvSpPr>
             <a:spLocks noGrp="1"/>
           </p:cNvSpPr>
@@ -858,19 +851,13 @@
               <a:rPr lang="zh-CN" altLang="en-US"/>
               <a:t>五级</a:t>
             </a:r>
-            <a:endParaRPr lang="en-US"/>
-          </a:p>
-        </p:txBody>
-      </p:sp>
-      <p:sp>
-        <p:nvSpPr>
-          <p:cNvPr id="4" name="日期占位符 3">
-            <a:extLst>
-              <a:ext uri="{FF2B5EF4-FFF2-40B4-BE49-F238E27FC236}">
-                <a16:creationId xmlns:a16="http://schemas.microsoft.com/office/drawing/2014/main" id="{82757BC2-9DEE-4125-9B08-7C8D983976A0}"/>
-              </a:ext>
-            </a:extLst>
-          </p:cNvPr>
+            <a:endParaRPr lang="en-US" dirty="0"/>
+          </a:p>
+        </p:txBody>
+      </p:sp>
+      <p:sp>
+        <p:nvSpPr>
+          <p:cNvPr id="4" name="Date Placeholder 3"/>
           <p:cNvSpPr>
             <a:spLocks noGrp="1"/>
           </p:cNvSpPr>
@@ -885,7 +872,7 @@
           <a:p>
             <a:fld id="{8119A5BF-3BF2-4B2D-8433-BB00B16C3754}" type="datetimeFigureOut">
               <a:rPr lang="en-US" smtClean="0"/>
-              <a:t>9/17/2019</a:t>
+              <a:t>9/19/2019</a:t>
             </a:fld>
             <a:endParaRPr lang="en-US"/>
           </a:p>
@@ -893,13 +880,7 @@
       </p:sp>
       <p:sp>
         <p:nvSpPr>
-          <p:cNvPr id="5" name="页脚占位符 4">
-            <a:extLst>
-              <a:ext uri="{FF2B5EF4-FFF2-40B4-BE49-F238E27FC236}">
-                <a16:creationId xmlns:a16="http://schemas.microsoft.com/office/drawing/2014/main" id="{D38F5F49-55BB-4C96-AE57-D8009BD269A2}"/>
-              </a:ext>
-            </a:extLst>
-          </p:cNvPr>
+          <p:cNvPr id="5" name="Footer Placeholder 4"/>
           <p:cNvSpPr>
             <a:spLocks noGrp="1"/>
           </p:cNvSpPr>
@@ -918,13 +899,7 @@
       </p:sp>
       <p:sp>
         <p:nvSpPr>
-          <p:cNvPr id="6" name="灯片编号占位符 5">
-            <a:extLst>
-              <a:ext uri="{FF2B5EF4-FFF2-40B4-BE49-F238E27FC236}">
-                <a16:creationId xmlns:a16="http://schemas.microsoft.com/office/drawing/2014/main" id="{8B7B5D48-98D0-4FD2-A5DF-BAA5A68356C5}"/>
-              </a:ext>
-            </a:extLst>
-          </p:cNvPr>
+          <p:cNvPr id="6" name="Slide Number Placeholder 5"/>
           <p:cNvSpPr>
             <a:spLocks noGrp="1"/>
           </p:cNvSpPr>
@@ -948,7 +923,7 @@
     </p:spTree>
     <p:extLst>
       <p:ext uri="{BB962C8B-B14F-4D97-AF65-F5344CB8AC3E}">
-        <p14:creationId xmlns:p14="http://schemas.microsoft.com/office/powerpoint/2010/main" val="464557169"/>
+        <p14:creationId xmlns:p14="http://schemas.microsoft.com/office/powerpoint/2010/main" val="1967923994"/>
       </p:ext>
     </p:extLst>
   </p:cSld>
@@ -977,13 +952,7 @@
       </p:grpSpPr>
       <p:sp>
         <p:nvSpPr>
-          <p:cNvPr id="2" name="标题 1">
-            <a:extLst>
-              <a:ext uri="{FF2B5EF4-FFF2-40B4-BE49-F238E27FC236}">
-                <a16:creationId xmlns:a16="http://schemas.microsoft.com/office/drawing/2014/main" id="{ED20F067-04DF-48EB-942B-80EAED921709}"/>
-              </a:ext>
-            </a:extLst>
-          </p:cNvPr>
+          <p:cNvPr id="2" name="Title 1"/>
           <p:cNvSpPr>
             <a:spLocks noGrp="1"/>
           </p:cNvSpPr>
@@ -993,15 +962,20 @@
         </p:nvSpPr>
         <p:spPr>
           <a:xfrm>
-            <a:off x="831850" y="1709738"/>
-            <a:ext cx="10515600" cy="2852737"/>
+            <a:off x="1261872" y="758952"/>
+            <a:ext cx="9418320" cy="4041648"/>
           </a:xfrm>
         </p:spPr>
         <p:txBody>
-          <a:bodyPr anchor="b"/>
+          <a:bodyPr anchor="b">
+            <a:normAutofit/>
+          </a:bodyPr>
           <a:lstStyle>
             <a:lvl1pPr>
-              <a:defRPr sz="6000"/>
+              <a:lnSpc>
+                <a:spcPct val="85000"/>
+              </a:lnSpc>
+              <a:defRPr sz="7200" b="0"/>
             </a:lvl1pPr>
           </a:lstStyle>
           <a:p>
@@ -1009,19 +983,13 @@
               <a:rPr lang="zh-CN" altLang="en-US"/>
               <a:t>单击此处编辑母版标题样式</a:t>
             </a:r>
-            <a:endParaRPr lang="en-US"/>
-          </a:p>
-        </p:txBody>
-      </p:sp>
-      <p:sp>
-        <p:nvSpPr>
-          <p:cNvPr id="3" name="文本占位符 2">
-            <a:extLst>
-              <a:ext uri="{FF2B5EF4-FFF2-40B4-BE49-F238E27FC236}">
-                <a16:creationId xmlns:a16="http://schemas.microsoft.com/office/drawing/2014/main" id="{C0DEDEC1-18E0-4369-9FE2-BA4F7208CB5F}"/>
-              </a:ext>
-            </a:extLst>
-          </p:cNvPr>
+            <a:endParaRPr lang="en-US" dirty="0"/>
+          </a:p>
+        </p:txBody>
+      </p:sp>
+      <p:sp>
+        <p:nvSpPr>
+          <p:cNvPr id="3" name="Text Placeholder 2"/>
           <p:cNvSpPr>
             <a:spLocks noGrp="1"/>
           </p:cNvSpPr>
@@ -1031,26 +999,29 @@
         </p:nvSpPr>
         <p:spPr>
           <a:xfrm>
-            <a:off x="831850" y="4589463"/>
-            <a:ext cx="10515600" cy="1500187"/>
+            <a:off x="1261872" y="4800600"/>
+            <a:ext cx="9418320" cy="1691640"/>
           </a:xfrm>
         </p:spPr>
         <p:txBody>
-          <a:bodyPr/>
+          <a:bodyPr anchor="t">
+            <a:normAutofit/>
+          </a:bodyPr>
           <a:lstStyle>
             <a:lvl1pPr marL="0" indent="0">
               <a:buNone/>
-              <a:defRPr sz="2400">
+              <a:defRPr sz="2200" spc="30" baseline="0">
                 <a:solidFill>
                   <a:schemeClr val="tx1">
-                    <a:tint val="75000"/>
+                    <a:lumMod val="75000"/>
+                    <a:lumOff val="25000"/>
                   </a:schemeClr>
                 </a:solidFill>
               </a:defRPr>
             </a:lvl1pPr>
             <a:lvl2pPr marL="457200" indent="0">
               <a:buNone/>
-              <a:defRPr sz="2000">
+              <a:defRPr sz="1800">
                 <a:solidFill>
                   <a:schemeClr val="tx1">
                     <a:tint val="75000"/>
@@ -1060,7 +1031,7 @@
             </a:lvl2pPr>
             <a:lvl3pPr marL="914400" indent="0">
               <a:buNone/>
-              <a:defRPr sz="1800">
+              <a:defRPr sz="1600">
                 <a:solidFill>
                   <a:schemeClr val="tx1">
                     <a:tint val="75000"/>
@@ -1070,7 +1041,7 @@
             </a:lvl3pPr>
             <a:lvl4pPr marL="1371600" indent="0">
               <a:buNone/>
-              <a:defRPr sz="1600">
+              <a:defRPr sz="1400">
                 <a:solidFill>
                   <a:schemeClr val="tx1">
                     <a:tint val="75000"/>
@@ -1080,7 +1051,7 @@
             </a:lvl4pPr>
             <a:lvl5pPr marL="1828800" indent="0">
               <a:buNone/>
-              <a:defRPr sz="1600">
+              <a:defRPr sz="1400">
                 <a:solidFill>
                   <a:schemeClr val="tx1">
                     <a:tint val="75000"/>
@@ -1090,7 +1061,7 @@
             </a:lvl5pPr>
             <a:lvl6pPr marL="2286000" indent="0">
               <a:buNone/>
-              <a:defRPr sz="1600">
+              <a:defRPr sz="1400">
                 <a:solidFill>
                   <a:schemeClr val="tx1">
                     <a:tint val="75000"/>
@@ -1100,7 +1071,7 @@
             </a:lvl6pPr>
             <a:lvl7pPr marL="2743200" indent="0">
               <a:buNone/>
-              <a:defRPr sz="1600">
+              <a:defRPr sz="1400">
                 <a:solidFill>
                   <a:schemeClr val="tx1">
                     <a:tint val="75000"/>
@@ -1110,7 +1081,7 @@
             </a:lvl7pPr>
             <a:lvl8pPr marL="3200400" indent="0">
               <a:buNone/>
-              <a:defRPr sz="1600">
+              <a:defRPr sz="1400">
                 <a:solidFill>
                   <a:schemeClr val="tx1">
                     <a:tint val="75000"/>
@@ -1120,7 +1091,7 @@
             </a:lvl8pPr>
             <a:lvl9pPr marL="3657600" indent="0">
               <a:buNone/>
-              <a:defRPr sz="1600">
+              <a:defRPr sz="1400">
                 <a:solidFill>
                   <a:schemeClr val="tx1">
                     <a:tint val="75000"/>
@@ -1140,13 +1111,7 @@
       </p:sp>
       <p:sp>
         <p:nvSpPr>
-          <p:cNvPr id="4" name="日期占位符 3">
-            <a:extLst>
-              <a:ext uri="{FF2B5EF4-FFF2-40B4-BE49-F238E27FC236}">
-                <a16:creationId xmlns:a16="http://schemas.microsoft.com/office/drawing/2014/main" id="{7FF94C48-1648-47C4-A59C-8E62E24FC373}"/>
-              </a:ext>
-            </a:extLst>
-          </p:cNvPr>
+          <p:cNvPr id="4" name="Date Placeholder 3"/>
           <p:cNvSpPr>
             <a:spLocks noGrp="1"/>
           </p:cNvSpPr>
@@ -1161,7 +1126,7 @@
           <a:p>
             <a:fld id="{8119A5BF-3BF2-4B2D-8433-BB00B16C3754}" type="datetimeFigureOut">
               <a:rPr lang="en-US" smtClean="0"/>
-              <a:t>9/17/2019</a:t>
+              <a:t>9/19/2019</a:t>
             </a:fld>
             <a:endParaRPr lang="en-US"/>
           </a:p>
@@ -1169,13 +1134,7 @@
       </p:sp>
       <p:sp>
         <p:nvSpPr>
-          <p:cNvPr id="5" name="页脚占位符 4">
-            <a:extLst>
-              <a:ext uri="{FF2B5EF4-FFF2-40B4-BE49-F238E27FC236}">
-                <a16:creationId xmlns:a16="http://schemas.microsoft.com/office/drawing/2014/main" id="{0883E506-65C0-4C0B-B650-70642C118302}"/>
-              </a:ext>
-            </a:extLst>
-          </p:cNvPr>
+          <p:cNvPr id="5" name="Footer Placeholder 4"/>
           <p:cNvSpPr>
             <a:spLocks noGrp="1"/>
           </p:cNvSpPr>
@@ -1194,13 +1153,7 @@
       </p:sp>
       <p:sp>
         <p:nvSpPr>
-          <p:cNvPr id="6" name="灯片编号占位符 5">
-            <a:extLst>
-              <a:ext uri="{FF2B5EF4-FFF2-40B4-BE49-F238E27FC236}">
-                <a16:creationId xmlns:a16="http://schemas.microsoft.com/office/drawing/2014/main" id="{76313515-787B-4F59-941E-9427F9AE58D1}"/>
-              </a:ext>
-            </a:extLst>
-          </p:cNvPr>
+          <p:cNvPr id="6" name="Slide Number Placeholder 5"/>
           <p:cNvSpPr>
             <a:spLocks noGrp="1"/>
           </p:cNvSpPr>
@@ -1221,10 +1174,48 @@
           </a:p>
         </p:txBody>
       </p:sp>
+      <p:sp>
+        <p:nvSpPr>
+          <p:cNvPr id="8" name="Rectangle 7"/>
+          <p:cNvSpPr/>
+          <p:nvPr/>
+        </p:nvSpPr>
+        <p:spPr>
+          <a:xfrm>
+            <a:off x="0" y="0"/>
+            <a:ext cx="457200" cy="6858000"/>
+          </a:xfrm>
+          <a:prstGeom prst="rect">
+            <a:avLst/>
+          </a:prstGeom>
+          <a:solidFill>
+            <a:schemeClr val="accent1"/>
+          </a:solidFill>
+          <a:ln>
+            <a:noFill/>
+          </a:ln>
+        </p:spPr>
+        <p:style>
+          <a:lnRef idx="2">
+            <a:schemeClr val="accent1">
+              <a:shade val="50000"/>
+            </a:schemeClr>
+          </a:lnRef>
+          <a:fillRef idx="1">
+            <a:schemeClr val="accent1"/>
+          </a:fillRef>
+          <a:effectRef idx="0">
+            <a:schemeClr val="accent1"/>
+          </a:effectRef>
+          <a:fontRef idx="minor">
+            <a:schemeClr val="lt1"/>
+          </a:fontRef>
+        </p:style>
+      </p:sp>
     </p:spTree>
     <p:extLst>
       <p:ext uri="{BB962C8B-B14F-4D97-AF65-F5344CB8AC3E}">
-        <p14:creationId xmlns:p14="http://schemas.microsoft.com/office/powerpoint/2010/main" val="652770297"/>
+        <p14:creationId xmlns:p14="http://schemas.microsoft.com/office/powerpoint/2010/main" val="3716860355"/>
       </p:ext>
     </p:extLst>
   </p:cSld>
@@ -1253,13 +1244,7 @@
       </p:grpSpPr>
       <p:sp>
         <p:nvSpPr>
-          <p:cNvPr id="2" name="标题 1">
-            <a:extLst>
-              <a:ext uri="{FF2B5EF4-FFF2-40B4-BE49-F238E27FC236}">
-                <a16:creationId xmlns:a16="http://schemas.microsoft.com/office/drawing/2014/main" id="{03D8519D-905B-4B6A-8DE8-B66D6C00C924}"/>
-              </a:ext>
-            </a:extLst>
-          </p:cNvPr>
+          <p:cNvPr id="2" name="Title 1"/>
           <p:cNvSpPr>
             <a:spLocks noGrp="1"/>
           </p:cNvSpPr>
@@ -1276,19 +1261,13 @@
               <a:rPr lang="zh-CN" altLang="en-US"/>
               <a:t>单击此处编辑母版标题样式</a:t>
             </a:r>
-            <a:endParaRPr lang="en-US"/>
-          </a:p>
-        </p:txBody>
-      </p:sp>
-      <p:sp>
-        <p:nvSpPr>
-          <p:cNvPr id="3" name="内容占位符 2">
-            <a:extLst>
-              <a:ext uri="{FF2B5EF4-FFF2-40B4-BE49-F238E27FC236}">
-                <a16:creationId xmlns:a16="http://schemas.microsoft.com/office/drawing/2014/main" id="{767EAFC8-7040-41C2-A736-6A0651B8ED41}"/>
-              </a:ext>
-            </a:extLst>
-          </p:cNvPr>
+            <a:endParaRPr lang="en-US" dirty="0"/>
+          </a:p>
+        </p:txBody>
+      </p:sp>
+      <p:sp>
+        <p:nvSpPr>
+          <p:cNvPr id="3" name="Content Placeholder 2"/>
           <p:cNvSpPr>
             <a:spLocks noGrp="1"/>
           </p:cNvSpPr>
@@ -1298,13 +1277,41 @@
         </p:nvSpPr>
         <p:spPr>
           <a:xfrm>
-            <a:off x="838200" y="1825625"/>
-            <a:ext cx="5181600" cy="4351338"/>
+            <a:off x="1261872" y="1828800"/>
+            <a:ext cx="4480560" cy="4351337"/>
           </a:xfrm>
         </p:spPr>
         <p:txBody>
           <a:bodyPr/>
-          <a:lstStyle/>
+          <a:lstStyle>
+            <a:lvl1pPr>
+              <a:defRPr sz="2000"/>
+            </a:lvl1pPr>
+            <a:lvl2pPr>
+              <a:defRPr sz="1800"/>
+            </a:lvl2pPr>
+            <a:lvl3pPr>
+              <a:defRPr sz="1600"/>
+            </a:lvl3pPr>
+            <a:lvl4pPr>
+              <a:defRPr sz="1400"/>
+            </a:lvl4pPr>
+            <a:lvl5pPr>
+              <a:defRPr sz="1400"/>
+            </a:lvl5pPr>
+            <a:lvl6pPr>
+              <a:defRPr sz="1400"/>
+            </a:lvl6pPr>
+            <a:lvl7pPr>
+              <a:defRPr sz="1400"/>
+            </a:lvl7pPr>
+            <a:lvl8pPr>
+              <a:defRPr sz="1400"/>
+            </a:lvl8pPr>
+            <a:lvl9pPr>
+              <a:defRPr sz="1400"/>
+            </a:lvl9pPr>
+          </a:lstStyle>
           <a:p>
             <a:pPr lvl="0"/>
             <a:r>
@@ -1339,19 +1346,13 @@
               <a:rPr lang="zh-CN" altLang="en-US"/>
               <a:t>五级</a:t>
             </a:r>
-            <a:endParaRPr lang="en-US"/>
-          </a:p>
-        </p:txBody>
-      </p:sp>
-      <p:sp>
-        <p:nvSpPr>
-          <p:cNvPr id="4" name="内容占位符 3">
-            <a:extLst>
-              <a:ext uri="{FF2B5EF4-FFF2-40B4-BE49-F238E27FC236}">
-                <a16:creationId xmlns:a16="http://schemas.microsoft.com/office/drawing/2014/main" id="{DC462044-18CA-42D5-B3A3-8380312CA634}"/>
-              </a:ext>
-            </a:extLst>
-          </p:cNvPr>
+            <a:endParaRPr lang="en-US" dirty="0"/>
+          </a:p>
+        </p:txBody>
+      </p:sp>
+      <p:sp>
+        <p:nvSpPr>
+          <p:cNvPr id="4" name="Content Placeholder 3"/>
           <p:cNvSpPr>
             <a:spLocks noGrp="1"/>
           </p:cNvSpPr>
@@ -1361,13 +1362,41 @@
         </p:nvSpPr>
         <p:spPr>
           <a:xfrm>
-            <a:off x="6172200" y="1825625"/>
-            <a:ext cx="5181600" cy="4351338"/>
+            <a:off x="6126480" y="1828800"/>
+            <a:ext cx="4480560" cy="4351337"/>
           </a:xfrm>
         </p:spPr>
         <p:txBody>
           <a:bodyPr/>
-          <a:lstStyle/>
+          <a:lstStyle>
+            <a:lvl1pPr>
+              <a:defRPr sz="2000"/>
+            </a:lvl1pPr>
+            <a:lvl2pPr>
+              <a:defRPr sz="1800"/>
+            </a:lvl2pPr>
+            <a:lvl3pPr>
+              <a:defRPr sz="1600"/>
+            </a:lvl3pPr>
+            <a:lvl4pPr>
+              <a:defRPr sz="1400"/>
+            </a:lvl4pPr>
+            <a:lvl5pPr>
+              <a:defRPr sz="1400"/>
+            </a:lvl5pPr>
+            <a:lvl6pPr>
+              <a:defRPr sz="1400"/>
+            </a:lvl6pPr>
+            <a:lvl7pPr>
+              <a:defRPr sz="1400"/>
+            </a:lvl7pPr>
+            <a:lvl8pPr>
+              <a:defRPr sz="1400"/>
+            </a:lvl8pPr>
+            <a:lvl9pPr>
+              <a:defRPr sz="1400"/>
+            </a:lvl9pPr>
+          </a:lstStyle>
           <a:p>
             <a:pPr lvl="0"/>
             <a:r>
@@ -1402,19 +1431,13 @@
               <a:rPr lang="zh-CN" altLang="en-US"/>
               <a:t>五级</a:t>
             </a:r>
-            <a:endParaRPr lang="en-US"/>
-          </a:p>
-        </p:txBody>
-      </p:sp>
-      <p:sp>
-        <p:nvSpPr>
-          <p:cNvPr id="5" name="日期占位符 4">
-            <a:extLst>
-              <a:ext uri="{FF2B5EF4-FFF2-40B4-BE49-F238E27FC236}">
-                <a16:creationId xmlns:a16="http://schemas.microsoft.com/office/drawing/2014/main" id="{D13D6053-105D-448D-9525-8312067C351B}"/>
-              </a:ext>
-            </a:extLst>
-          </p:cNvPr>
+            <a:endParaRPr lang="en-US" dirty="0"/>
+          </a:p>
+        </p:txBody>
+      </p:sp>
+      <p:sp>
+        <p:nvSpPr>
+          <p:cNvPr id="5" name="Date Placeholder 4"/>
           <p:cNvSpPr>
             <a:spLocks noGrp="1"/>
           </p:cNvSpPr>
@@ -1429,7 +1452,7 @@
           <a:p>
             <a:fld id="{8119A5BF-3BF2-4B2D-8433-BB00B16C3754}" type="datetimeFigureOut">
               <a:rPr lang="en-US" smtClean="0"/>
-              <a:t>9/17/2019</a:t>
+              <a:t>9/19/2019</a:t>
             </a:fld>
             <a:endParaRPr lang="en-US"/>
           </a:p>
@@ -1437,13 +1460,7 @@
       </p:sp>
       <p:sp>
         <p:nvSpPr>
-          <p:cNvPr id="6" name="页脚占位符 5">
-            <a:extLst>
-              <a:ext uri="{FF2B5EF4-FFF2-40B4-BE49-F238E27FC236}">
-                <a16:creationId xmlns:a16="http://schemas.microsoft.com/office/drawing/2014/main" id="{3D2A0BBB-6948-4108-80DE-D415A321B680}"/>
-              </a:ext>
-            </a:extLst>
-          </p:cNvPr>
+          <p:cNvPr id="6" name="Footer Placeholder 5"/>
           <p:cNvSpPr>
             <a:spLocks noGrp="1"/>
           </p:cNvSpPr>
@@ -1462,13 +1479,7 @@
       </p:sp>
       <p:sp>
         <p:nvSpPr>
-          <p:cNvPr id="7" name="灯片编号占位符 6">
-            <a:extLst>
-              <a:ext uri="{FF2B5EF4-FFF2-40B4-BE49-F238E27FC236}">
-                <a16:creationId xmlns:a16="http://schemas.microsoft.com/office/drawing/2014/main" id="{BD9B839E-028D-4453-93F1-A0D8C8F2EB8F}"/>
-              </a:ext>
-            </a:extLst>
-          </p:cNvPr>
+          <p:cNvPr id="7" name="Slide Number Placeholder 6"/>
           <p:cNvSpPr>
             <a:spLocks noGrp="1"/>
           </p:cNvSpPr>
@@ -1492,7 +1503,7 @@
     </p:spTree>
     <p:extLst>
       <p:ext uri="{BB962C8B-B14F-4D97-AF65-F5344CB8AC3E}">
-        <p14:creationId xmlns:p14="http://schemas.microsoft.com/office/powerpoint/2010/main" val="972372130"/>
+        <p14:creationId xmlns:p14="http://schemas.microsoft.com/office/powerpoint/2010/main" val="2626380848"/>
       </p:ext>
     </p:extLst>
   </p:cSld>
@@ -1521,13 +1532,7 @@
       </p:grpSpPr>
       <p:sp>
         <p:nvSpPr>
-          <p:cNvPr id="2" name="标题 1">
-            <a:extLst>
-              <a:ext uri="{FF2B5EF4-FFF2-40B4-BE49-F238E27FC236}">
-                <a16:creationId xmlns:a16="http://schemas.microsoft.com/office/drawing/2014/main" id="{F5F0D2D2-C022-46B8-A761-BE7DB30BA453}"/>
-              </a:ext>
-            </a:extLst>
-          </p:cNvPr>
+          <p:cNvPr id="10" name="Title 9"/>
           <p:cNvSpPr>
             <a:spLocks noGrp="1"/>
           </p:cNvSpPr>
@@ -1535,12 +1540,7 @@
             <p:ph type="title"/>
           </p:nvPr>
         </p:nvSpPr>
-        <p:spPr>
-          <a:xfrm>
-            <a:off x="839788" y="365125"/>
-            <a:ext cx="10515600" cy="1325563"/>
-          </a:xfrm>
-        </p:spPr>
+        <p:spPr/>
         <p:txBody>
           <a:bodyPr/>
           <a:lstStyle/>
@@ -1549,19 +1549,13 @@
               <a:rPr lang="zh-CN" altLang="en-US"/>
               <a:t>单击此处编辑母版标题样式</a:t>
             </a:r>
-            <a:endParaRPr lang="en-US"/>
-          </a:p>
-        </p:txBody>
-      </p:sp>
-      <p:sp>
-        <p:nvSpPr>
-          <p:cNvPr id="3" name="文本占位符 2">
-            <a:extLst>
-              <a:ext uri="{FF2B5EF4-FFF2-40B4-BE49-F238E27FC236}">
-                <a16:creationId xmlns:a16="http://schemas.microsoft.com/office/drawing/2014/main" id="{E27DCC4D-E543-4CC6-B231-149A0B4ADE3E}"/>
-              </a:ext>
-            </a:extLst>
-          </p:cNvPr>
+            <a:endParaRPr lang="en-US" dirty="0"/>
+          </a:p>
+        </p:txBody>
+      </p:sp>
+      <p:sp>
+        <p:nvSpPr>
+          <p:cNvPr id="3" name="Text Placeholder 2"/>
           <p:cNvSpPr>
             <a:spLocks noGrp="1"/>
           </p:cNvSpPr>
@@ -1571,16 +1565,25 @@
         </p:nvSpPr>
         <p:spPr>
           <a:xfrm>
-            <a:off x="839788" y="1681163"/>
-            <a:ext cx="5157787" cy="823912"/>
+            <a:off x="1261872" y="1721606"/>
+            <a:ext cx="4480560" cy="731520"/>
           </a:xfrm>
         </p:spPr>
         <p:txBody>
-          <a:bodyPr anchor="b"/>
+          <a:bodyPr anchor="b">
+            <a:normAutofit/>
+          </a:bodyPr>
           <a:lstStyle>
             <a:lvl1pPr marL="0" indent="0">
+              <a:spcBef>
+                <a:spcPts val="0"/>
+              </a:spcBef>
               <a:buNone/>
-              <a:defRPr sz="2400" b="1"/>
+              <a:defRPr sz="2000" b="0" baseline="0">
+                <a:solidFill>
+                  <a:schemeClr val="tx2"/>
+                </a:solidFill>
+              </a:defRPr>
             </a:lvl1pPr>
             <a:lvl2pPr marL="457200" indent="0">
               <a:buNone/>
@@ -1626,13 +1629,7 @@
       </p:sp>
       <p:sp>
         <p:nvSpPr>
-          <p:cNvPr id="4" name="内容占位符 3">
-            <a:extLst>
-              <a:ext uri="{FF2B5EF4-FFF2-40B4-BE49-F238E27FC236}">
-                <a16:creationId xmlns:a16="http://schemas.microsoft.com/office/drawing/2014/main" id="{454CD60F-6481-414A-ACE5-79EB1D0988D0}"/>
-              </a:ext>
-            </a:extLst>
-          </p:cNvPr>
+          <p:cNvPr id="4" name="Content Placeholder 3"/>
           <p:cNvSpPr>
             <a:spLocks noGrp="1"/>
           </p:cNvSpPr>
@@ -1642,13 +1639,41 @@
         </p:nvSpPr>
         <p:spPr>
           <a:xfrm>
-            <a:off x="839788" y="2505075"/>
-            <a:ext cx="5157787" cy="3684588"/>
+            <a:off x="1261872" y="2507550"/>
+            <a:ext cx="4480560" cy="3664650"/>
           </a:xfrm>
         </p:spPr>
         <p:txBody>
           <a:bodyPr/>
-          <a:lstStyle/>
+          <a:lstStyle>
+            <a:lvl1pPr>
+              <a:defRPr sz="1800"/>
+            </a:lvl1pPr>
+            <a:lvl2pPr>
+              <a:defRPr sz="1600"/>
+            </a:lvl2pPr>
+            <a:lvl3pPr>
+              <a:defRPr sz="1400"/>
+            </a:lvl3pPr>
+            <a:lvl4pPr>
+              <a:defRPr sz="1400"/>
+            </a:lvl4pPr>
+            <a:lvl5pPr>
+              <a:defRPr sz="1400"/>
+            </a:lvl5pPr>
+            <a:lvl6pPr>
+              <a:defRPr sz="1400"/>
+            </a:lvl6pPr>
+            <a:lvl7pPr>
+              <a:defRPr sz="1400"/>
+            </a:lvl7pPr>
+            <a:lvl8pPr>
+              <a:defRPr sz="1400"/>
+            </a:lvl8pPr>
+            <a:lvl9pPr>
+              <a:defRPr sz="1400"/>
+            </a:lvl9pPr>
+          </a:lstStyle>
           <a:p>
             <a:pPr lvl="0"/>
             <a:r>
@@ -1683,19 +1708,13 @@
               <a:rPr lang="zh-CN" altLang="en-US"/>
               <a:t>五级</a:t>
             </a:r>
-            <a:endParaRPr lang="en-US"/>
-          </a:p>
-        </p:txBody>
-      </p:sp>
-      <p:sp>
-        <p:nvSpPr>
-          <p:cNvPr id="5" name="文本占位符 4">
-            <a:extLst>
-              <a:ext uri="{FF2B5EF4-FFF2-40B4-BE49-F238E27FC236}">
-                <a16:creationId xmlns:a16="http://schemas.microsoft.com/office/drawing/2014/main" id="{4E7E225C-AD1E-4659-B22F-07E5724F30F1}"/>
-              </a:ext>
-            </a:extLst>
-          </p:cNvPr>
+            <a:endParaRPr lang="en-US" dirty="0"/>
+          </a:p>
+        </p:txBody>
+      </p:sp>
+      <p:sp>
+        <p:nvSpPr>
+          <p:cNvPr id="11" name="Text Placeholder 4"/>
           <p:cNvSpPr>
             <a:spLocks noGrp="1"/>
           </p:cNvSpPr>
@@ -1705,16 +1724,31 @@
         </p:nvSpPr>
         <p:spPr>
           <a:xfrm>
-            <a:off x="6172200" y="1681163"/>
-            <a:ext cx="5183188" cy="823912"/>
+            <a:off x="6126480" y="1721606"/>
+            <a:ext cx="4480560" cy="731520"/>
           </a:xfrm>
         </p:spPr>
         <p:txBody>
-          <a:bodyPr anchor="b"/>
+          <a:bodyPr anchor="b">
+            <a:normAutofit/>
+          </a:bodyPr>
           <a:lstStyle>
             <a:lvl1pPr marL="0" indent="0">
+              <a:lnSpc>
+                <a:spcPct val="95000"/>
+              </a:lnSpc>
+              <a:spcBef>
+                <a:spcPts val="0"/>
+              </a:spcBef>
               <a:buNone/>
-              <a:defRPr sz="2400" b="1"/>
+              <a:defRPr lang="en-US" sz="2000" b="0" kern="1200" dirty="0">
+                <a:solidFill>
+                  <a:schemeClr val="tx2"/>
+                </a:solidFill>
+                <a:latin typeface="+mn-lt"/>
+                <a:ea typeface="+mn-ea"/>
+                <a:cs typeface="+mn-cs"/>
+              </a:defRPr>
             </a:lvl1pPr>
             <a:lvl2pPr marL="457200" indent="0">
               <a:buNone/>
@@ -1750,7 +1784,16 @@
             </a:lvl9pPr>
           </a:lstStyle>
           <a:p>
-            <a:pPr lvl="0"/>
+            <a:pPr marL="0" lvl="0" indent="0" algn="l" defTabSz="914400" rtl="0" eaLnBrk="1" latinLnBrk="0" hangingPunct="1">
+              <a:lnSpc>
+                <a:spcPct val="90000"/>
+              </a:lnSpc>
+              <a:spcBef>
+                <a:spcPts val="2000"/>
+              </a:spcBef>
+              <a:buFontTx/>
+              <a:buNone/>
+            </a:pPr>
             <a:r>
               <a:rPr lang="zh-CN" altLang="en-US"/>
               <a:t>单击此处编辑母版文本样式</a:t>
@@ -1760,13 +1803,7 @@
       </p:sp>
       <p:sp>
         <p:nvSpPr>
-          <p:cNvPr id="6" name="内容占位符 5">
-            <a:extLst>
-              <a:ext uri="{FF2B5EF4-FFF2-40B4-BE49-F238E27FC236}">
-                <a16:creationId xmlns:a16="http://schemas.microsoft.com/office/drawing/2014/main" id="{84D97DDB-0E6F-4C12-A781-3788212339E3}"/>
-              </a:ext>
-            </a:extLst>
-          </p:cNvPr>
+          <p:cNvPr id="6" name="Content Placeholder 5"/>
           <p:cNvSpPr>
             <a:spLocks noGrp="1"/>
           </p:cNvSpPr>
@@ -1776,13 +1813,41 @@
         </p:nvSpPr>
         <p:spPr>
           <a:xfrm>
-            <a:off x="6172200" y="2505075"/>
-            <a:ext cx="5183188" cy="3684588"/>
+            <a:off x="6126480" y="2507550"/>
+            <a:ext cx="4480560" cy="3664650"/>
           </a:xfrm>
         </p:spPr>
         <p:txBody>
           <a:bodyPr/>
-          <a:lstStyle/>
+          <a:lstStyle>
+            <a:lvl1pPr>
+              <a:defRPr sz="1800"/>
+            </a:lvl1pPr>
+            <a:lvl2pPr>
+              <a:defRPr sz="1600"/>
+            </a:lvl2pPr>
+            <a:lvl3pPr>
+              <a:defRPr sz="1400"/>
+            </a:lvl3pPr>
+            <a:lvl4pPr>
+              <a:defRPr sz="1400"/>
+            </a:lvl4pPr>
+            <a:lvl5pPr>
+              <a:defRPr sz="1400"/>
+            </a:lvl5pPr>
+            <a:lvl6pPr>
+              <a:defRPr sz="1400"/>
+            </a:lvl6pPr>
+            <a:lvl7pPr>
+              <a:defRPr sz="1400"/>
+            </a:lvl7pPr>
+            <a:lvl8pPr>
+              <a:defRPr sz="1400"/>
+            </a:lvl8pPr>
+            <a:lvl9pPr>
+              <a:defRPr sz="1400"/>
+            </a:lvl9pPr>
+          </a:lstStyle>
           <a:p>
             <a:pPr lvl="0"/>
             <a:r>
@@ -1817,19 +1882,13 @@
               <a:rPr lang="zh-CN" altLang="en-US"/>
               <a:t>五级</a:t>
             </a:r>
-            <a:endParaRPr lang="en-US"/>
-          </a:p>
-        </p:txBody>
-      </p:sp>
-      <p:sp>
-        <p:nvSpPr>
-          <p:cNvPr id="7" name="日期占位符 6">
-            <a:extLst>
-              <a:ext uri="{FF2B5EF4-FFF2-40B4-BE49-F238E27FC236}">
-                <a16:creationId xmlns:a16="http://schemas.microsoft.com/office/drawing/2014/main" id="{C7BD40AF-5588-44F3-BE64-9E505388E513}"/>
-              </a:ext>
-            </a:extLst>
-          </p:cNvPr>
+            <a:endParaRPr lang="en-US" dirty="0"/>
+          </a:p>
+        </p:txBody>
+      </p:sp>
+      <p:sp>
+        <p:nvSpPr>
+          <p:cNvPr id="7" name="Date Placeholder 6"/>
           <p:cNvSpPr>
             <a:spLocks noGrp="1"/>
           </p:cNvSpPr>
@@ -1844,7 +1903,7 @@
           <a:p>
             <a:fld id="{8119A5BF-3BF2-4B2D-8433-BB00B16C3754}" type="datetimeFigureOut">
               <a:rPr lang="en-US" smtClean="0"/>
-              <a:t>9/17/2019</a:t>
+              <a:t>9/19/2019</a:t>
             </a:fld>
             <a:endParaRPr lang="en-US"/>
           </a:p>
@@ -1852,13 +1911,7 @@
       </p:sp>
       <p:sp>
         <p:nvSpPr>
-          <p:cNvPr id="8" name="页脚占位符 7">
-            <a:extLst>
-              <a:ext uri="{FF2B5EF4-FFF2-40B4-BE49-F238E27FC236}">
-                <a16:creationId xmlns:a16="http://schemas.microsoft.com/office/drawing/2014/main" id="{451213DE-E29F-41A5-B89D-63D9864D3FB8}"/>
-              </a:ext>
-            </a:extLst>
-          </p:cNvPr>
+          <p:cNvPr id="8" name="Footer Placeholder 7"/>
           <p:cNvSpPr>
             <a:spLocks noGrp="1"/>
           </p:cNvSpPr>
@@ -1877,13 +1930,7 @@
       </p:sp>
       <p:sp>
         <p:nvSpPr>
-          <p:cNvPr id="9" name="灯片编号占位符 8">
-            <a:extLst>
-              <a:ext uri="{FF2B5EF4-FFF2-40B4-BE49-F238E27FC236}">
-                <a16:creationId xmlns:a16="http://schemas.microsoft.com/office/drawing/2014/main" id="{BCD9C228-7122-4682-AE45-F7DC6FB0C8C0}"/>
-              </a:ext>
-            </a:extLst>
-          </p:cNvPr>
+          <p:cNvPr id="9" name="Slide Number Placeholder 8"/>
           <p:cNvSpPr>
             <a:spLocks noGrp="1"/>
           </p:cNvSpPr>
@@ -1907,7 +1954,7 @@
     </p:spTree>
     <p:extLst>
       <p:ext uri="{BB962C8B-B14F-4D97-AF65-F5344CB8AC3E}">
-        <p14:creationId xmlns:p14="http://schemas.microsoft.com/office/powerpoint/2010/main" val="2543844003"/>
+        <p14:creationId xmlns:p14="http://schemas.microsoft.com/office/powerpoint/2010/main" val="400574752"/>
       </p:ext>
     </p:extLst>
   </p:cSld>
@@ -1936,13 +1983,7 @@
       </p:grpSpPr>
       <p:sp>
         <p:nvSpPr>
-          <p:cNvPr id="2" name="标题 1">
-            <a:extLst>
-              <a:ext uri="{FF2B5EF4-FFF2-40B4-BE49-F238E27FC236}">
-                <a16:creationId xmlns:a16="http://schemas.microsoft.com/office/drawing/2014/main" id="{E817887F-21F9-4CAA-8C1E-E0EA7FA67B39}"/>
-              </a:ext>
-            </a:extLst>
-          </p:cNvPr>
+          <p:cNvPr id="6" name="Title 5"/>
           <p:cNvSpPr>
             <a:spLocks noGrp="1"/>
           </p:cNvSpPr>
@@ -1959,19 +2000,13 @@
               <a:rPr lang="zh-CN" altLang="en-US"/>
               <a:t>单击此处编辑母版标题样式</a:t>
             </a:r>
-            <a:endParaRPr lang="en-US"/>
-          </a:p>
-        </p:txBody>
-      </p:sp>
-      <p:sp>
-        <p:nvSpPr>
-          <p:cNvPr id="3" name="日期占位符 2">
-            <a:extLst>
-              <a:ext uri="{FF2B5EF4-FFF2-40B4-BE49-F238E27FC236}">
-                <a16:creationId xmlns:a16="http://schemas.microsoft.com/office/drawing/2014/main" id="{E7AEDF21-5A04-44B9-AD90-E9F7473A549B}"/>
-              </a:ext>
-            </a:extLst>
-          </p:cNvPr>
+            <a:endParaRPr lang="en-US" dirty="0"/>
+          </a:p>
+        </p:txBody>
+      </p:sp>
+      <p:sp>
+        <p:nvSpPr>
+          <p:cNvPr id="3" name="Date Placeholder 2"/>
           <p:cNvSpPr>
             <a:spLocks noGrp="1"/>
           </p:cNvSpPr>
@@ -1986,7 +2021,7 @@
           <a:p>
             <a:fld id="{8119A5BF-3BF2-4B2D-8433-BB00B16C3754}" type="datetimeFigureOut">
               <a:rPr lang="en-US" smtClean="0"/>
-              <a:t>9/17/2019</a:t>
+              <a:t>9/19/2019</a:t>
             </a:fld>
             <a:endParaRPr lang="en-US"/>
           </a:p>
@@ -1994,13 +2029,7 @@
       </p:sp>
       <p:sp>
         <p:nvSpPr>
-          <p:cNvPr id="4" name="页脚占位符 3">
-            <a:extLst>
-              <a:ext uri="{FF2B5EF4-FFF2-40B4-BE49-F238E27FC236}">
-                <a16:creationId xmlns:a16="http://schemas.microsoft.com/office/drawing/2014/main" id="{127F8009-7FEA-497C-B1E8-AA6D169CFE0C}"/>
-              </a:ext>
-            </a:extLst>
-          </p:cNvPr>
+          <p:cNvPr id="4" name="Footer Placeholder 3"/>
           <p:cNvSpPr>
             <a:spLocks noGrp="1"/>
           </p:cNvSpPr>
@@ -2019,13 +2048,7 @@
       </p:sp>
       <p:sp>
         <p:nvSpPr>
-          <p:cNvPr id="5" name="灯片编号占位符 4">
-            <a:extLst>
-              <a:ext uri="{FF2B5EF4-FFF2-40B4-BE49-F238E27FC236}">
-                <a16:creationId xmlns:a16="http://schemas.microsoft.com/office/drawing/2014/main" id="{120ADA2B-FAD5-4FE7-A178-27DD14C017D8}"/>
-              </a:ext>
-            </a:extLst>
-          </p:cNvPr>
+          <p:cNvPr id="5" name="Slide Number Placeholder 4"/>
           <p:cNvSpPr>
             <a:spLocks noGrp="1"/>
           </p:cNvSpPr>
@@ -2049,7 +2072,7 @@
     </p:spTree>
     <p:extLst>
       <p:ext uri="{BB962C8B-B14F-4D97-AF65-F5344CB8AC3E}">
-        <p14:creationId xmlns:p14="http://schemas.microsoft.com/office/powerpoint/2010/main" val="2455836212"/>
+        <p14:creationId xmlns:p14="http://schemas.microsoft.com/office/powerpoint/2010/main" val="1424193206"/>
       </p:ext>
     </p:extLst>
   </p:cSld>
@@ -2078,13 +2101,7 @@
       </p:grpSpPr>
       <p:sp>
         <p:nvSpPr>
-          <p:cNvPr id="2" name="日期占位符 1">
-            <a:extLst>
-              <a:ext uri="{FF2B5EF4-FFF2-40B4-BE49-F238E27FC236}">
-                <a16:creationId xmlns:a16="http://schemas.microsoft.com/office/drawing/2014/main" id="{EDA4B316-DD8C-4B03-BC51-D68104997B35}"/>
-              </a:ext>
-            </a:extLst>
-          </p:cNvPr>
+          <p:cNvPr id="2" name="Date Placeholder 1"/>
           <p:cNvSpPr>
             <a:spLocks noGrp="1"/>
           </p:cNvSpPr>
@@ -2099,7 +2116,7 @@
           <a:p>
             <a:fld id="{8119A5BF-3BF2-4B2D-8433-BB00B16C3754}" type="datetimeFigureOut">
               <a:rPr lang="en-US" smtClean="0"/>
-              <a:t>9/17/2019</a:t>
+              <a:t>9/19/2019</a:t>
             </a:fld>
             <a:endParaRPr lang="en-US"/>
           </a:p>
@@ -2107,13 +2124,7 @@
       </p:sp>
       <p:sp>
         <p:nvSpPr>
-          <p:cNvPr id="3" name="页脚占位符 2">
-            <a:extLst>
-              <a:ext uri="{FF2B5EF4-FFF2-40B4-BE49-F238E27FC236}">
-                <a16:creationId xmlns:a16="http://schemas.microsoft.com/office/drawing/2014/main" id="{210F838C-56AF-4C1F-90E2-3AD0036D036C}"/>
-              </a:ext>
-            </a:extLst>
-          </p:cNvPr>
+          <p:cNvPr id="3" name="Footer Placeholder 2"/>
           <p:cNvSpPr>
             <a:spLocks noGrp="1"/>
           </p:cNvSpPr>
@@ -2132,13 +2143,7 @@
       </p:sp>
       <p:sp>
         <p:nvSpPr>
-          <p:cNvPr id="4" name="灯片编号占位符 3">
-            <a:extLst>
-              <a:ext uri="{FF2B5EF4-FFF2-40B4-BE49-F238E27FC236}">
-                <a16:creationId xmlns:a16="http://schemas.microsoft.com/office/drawing/2014/main" id="{9A12FF24-9867-482B-8104-318E5B18E5BC}"/>
-              </a:ext>
-            </a:extLst>
-          </p:cNvPr>
+          <p:cNvPr id="4" name="Slide Number Placeholder 3"/>
           <p:cNvSpPr>
             <a:spLocks noGrp="1"/>
           </p:cNvSpPr>
@@ -2162,7 +2167,7 @@
     </p:spTree>
     <p:extLst>
       <p:ext uri="{BB962C8B-B14F-4D97-AF65-F5344CB8AC3E}">
-        <p14:creationId xmlns:p14="http://schemas.microsoft.com/office/powerpoint/2010/main" val="1834231235"/>
+        <p14:creationId xmlns:p14="http://schemas.microsoft.com/office/powerpoint/2010/main" val="4137321268"/>
       </p:ext>
     </p:extLst>
   </p:cSld>
@@ -2191,13 +2196,7 @@
       </p:grpSpPr>
       <p:sp>
         <p:nvSpPr>
-          <p:cNvPr id="2" name="标题 1">
-            <a:extLst>
-              <a:ext uri="{FF2B5EF4-FFF2-40B4-BE49-F238E27FC236}">
-                <a16:creationId xmlns:a16="http://schemas.microsoft.com/office/drawing/2014/main" id="{A57CFB14-46F7-4F03-9D18-72B4592DACE1}"/>
-              </a:ext>
-            </a:extLst>
-          </p:cNvPr>
+          <p:cNvPr id="2" name="Title 1"/>
           <p:cNvSpPr>
             <a:spLocks noGrp="1"/>
           </p:cNvSpPr>
@@ -2207,15 +2206,17 @@
         </p:nvSpPr>
         <p:spPr>
           <a:xfrm>
-            <a:off x="839788" y="457200"/>
-            <a:ext cx="3932237" cy="1600200"/>
+            <a:off x="841248" y="457200"/>
+            <a:ext cx="3200400" cy="1600197"/>
           </a:xfrm>
         </p:spPr>
         <p:txBody>
-          <a:bodyPr anchor="b"/>
+          <a:bodyPr anchor="b">
+            <a:normAutofit/>
+          </a:bodyPr>
           <a:lstStyle>
             <a:lvl1pPr>
-              <a:defRPr sz="3200"/>
+              <a:defRPr sz="3200" b="1" baseline="0"/>
             </a:lvl1pPr>
           </a:lstStyle>
           <a:p>
@@ -2223,19 +2224,13 @@
               <a:rPr lang="zh-CN" altLang="en-US"/>
               <a:t>单击此处编辑母版标题样式</a:t>
             </a:r>
-            <a:endParaRPr lang="en-US"/>
-          </a:p>
-        </p:txBody>
-      </p:sp>
-      <p:sp>
-        <p:nvSpPr>
-          <p:cNvPr id="3" name="内容占位符 2">
-            <a:extLst>
-              <a:ext uri="{FF2B5EF4-FFF2-40B4-BE49-F238E27FC236}">
-                <a16:creationId xmlns:a16="http://schemas.microsoft.com/office/drawing/2014/main" id="{D0D60452-271F-4D5E-A3E2-C20FE622264E}"/>
-              </a:ext>
-            </a:extLst>
-          </p:cNvPr>
+            <a:endParaRPr lang="en-US" dirty="0"/>
+          </a:p>
+        </p:txBody>
+      </p:sp>
+      <p:sp>
+        <p:nvSpPr>
+          <p:cNvPr id="3" name="Content Placeholder 2"/>
           <p:cNvSpPr>
             <a:spLocks noGrp="1"/>
           </p:cNvSpPr>
@@ -2245,39 +2240,39 @@
         </p:nvSpPr>
         <p:spPr>
           <a:xfrm>
-            <a:off x="5183188" y="987425"/>
-            <a:ext cx="6172200" cy="4873625"/>
+            <a:off x="4504267" y="685800"/>
+            <a:ext cx="6079066" cy="5486400"/>
           </a:xfrm>
         </p:spPr>
         <p:txBody>
           <a:bodyPr/>
           <a:lstStyle>
             <a:lvl1pPr>
-              <a:defRPr sz="3200"/>
+              <a:defRPr sz="2000"/>
             </a:lvl1pPr>
             <a:lvl2pPr>
-              <a:defRPr sz="2800"/>
+              <a:defRPr sz="1800"/>
             </a:lvl2pPr>
             <a:lvl3pPr>
-              <a:defRPr sz="2400"/>
+              <a:defRPr sz="1600"/>
             </a:lvl3pPr>
             <a:lvl4pPr>
-              <a:defRPr sz="2000"/>
+              <a:defRPr sz="1400"/>
             </a:lvl4pPr>
             <a:lvl5pPr>
-              <a:defRPr sz="2000"/>
+              <a:defRPr sz="1400"/>
             </a:lvl5pPr>
             <a:lvl6pPr>
-              <a:defRPr sz="2000"/>
+              <a:defRPr sz="1400"/>
             </a:lvl6pPr>
             <a:lvl7pPr>
-              <a:defRPr sz="2000"/>
+              <a:defRPr sz="1400"/>
             </a:lvl7pPr>
             <a:lvl8pPr>
-              <a:defRPr sz="2000"/>
+              <a:defRPr sz="1400"/>
             </a:lvl8pPr>
             <a:lvl9pPr>
-              <a:defRPr sz="2000"/>
+              <a:defRPr sz="1400"/>
             </a:lvl9pPr>
           </a:lstStyle>
           <a:p>
@@ -2314,19 +2309,13 @@
               <a:rPr lang="zh-CN" altLang="en-US"/>
               <a:t>五级</a:t>
             </a:r>
-            <a:endParaRPr lang="en-US"/>
-          </a:p>
-        </p:txBody>
-      </p:sp>
-      <p:sp>
-        <p:nvSpPr>
-          <p:cNvPr id="4" name="文本占位符 3">
-            <a:extLst>
-              <a:ext uri="{FF2B5EF4-FFF2-40B4-BE49-F238E27FC236}">
-                <a16:creationId xmlns:a16="http://schemas.microsoft.com/office/drawing/2014/main" id="{043ACB6F-86B1-4ADA-B69A-CE132DA54236}"/>
-              </a:ext>
-            </a:extLst>
-          </p:cNvPr>
+            <a:endParaRPr lang="en-US" dirty="0"/>
+          </a:p>
+        </p:txBody>
+      </p:sp>
+      <p:sp>
+        <p:nvSpPr>
+          <p:cNvPr id="4" name="Text Placeholder 3"/>
           <p:cNvSpPr>
             <a:spLocks noGrp="1"/>
           </p:cNvSpPr>
@@ -2336,48 +2325,56 @@
         </p:nvSpPr>
         <p:spPr>
           <a:xfrm>
-            <a:off x="839788" y="2057400"/>
-            <a:ext cx="3932237" cy="3811588"/>
+            <a:off x="841248" y="2099734"/>
+            <a:ext cx="3200400" cy="3810001"/>
           </a:xfrm>
         </p:spPr>
         <p:txBody>
-          <a:bodyPr/>
+          <a:bodyPr>
+            <a:normAutofit/>
+          </a:bodyPr>
           <a:lstStyle>
             <a:lvl1pPr marL="0" indent="0">
+              <a:lnSpc>
+                <a:spcPct val="114000"/>
+              </a:lnSpc>
+              <a:spcBef>
+                <a:spcPts val="800"/>
+              </a:spcBef>
               <a:buNone/>
-              <a:defRPr sz="1600"/>
+              <a:defRPr sz="1400"/>
             </a:lvl1pPr>
             <a:lvl2pPr marL="457200" indent="0">
               <a:buNone/>
-              <a:defRPr sz="1400"/>
+              <a:defRPr sz="1200"/>
             </a:lvl2pPr>
             <a:lvl3pPr marL="914400" indent="0">
               <a:buNone/>
-              <a:defRPr sz="1200"/>
+              <a:defRPr sz="1000"/>
             </a:lvl3pPr>
             <a:lvl4pPr marL="1371600" indent="0">
               <a:buNone/>
-              <a:defRPr sz="1000"/>
+              <a:defRPr sz="900"/>
             </a:lvl4pPr>
             <a:lvl5pPr marL="1828800" indent="0">
               <a:buNone/>
-              <a:defRPr sz="1000"/>
+              <a:defRPr sz="900"/>
             </a:lvl5pPr>
             <a:lvl6pPr marL="2286000" indent="0">
               <a:buNone/>
-              <a:defRPr sz="1000"/>
+              <a:defRPr sz="900"/>
             </a:lvl6pPr>
             <a:lvl7pPr marL="2743200" indent="0">
               <a:buNone/>
-              <a:defRPr sz="1000"/>
+              <a:defRPr sz="900"/>
             </a:lvl7pPr>
             <a:lvl8pPr marL="3200400" indent="0">
               <a:buNone/>
-              <a:defRPr sz="1000"/>
+              <a:defRPr sz="900"/>
             </a:lvl8pPr>
             <a:lvl9pPr marL="3657600" indent="0">
               <a:buNone/>
-              <a:defRPr sz="1000"/>
+              <a:defRPr sz="900"/>
             </a:lvl9pPr>
           </a:lstStyle>
           <a:p>
@@ -2391,13 +2388,7 @@
       </p:sp>
       <p:sp>
         <p:nvSpPr>
-          <p:cNvPr id="5" name="日期占位符 4">
-            <a:extLst>
-              <a:ext uri="{FF2B5EF4-FFF2-40B4-BE49-F238E27FC236}">
-                <a16:creationId xmlns:a16="http://schemas.microsoft.com/office/drawing/2014/main" id="{63084247-6E66-40B6-AF6C-246CA660233E}"/>
-              </a:ext>
-            </a:extLst>
-          </p:cNvPr>
+          <p:cNvPr id="5" name="Date Placeholder 4"/>
           <p:cNvSpPr>
             <a:spLocks noGrp="1"/>
           </p:cNvSpPr>
@@ -2412,7 +2403,7 @@
           <a:p>
             <a:fld id="{8119A5BF-3BF2-4B2D-8433-BB00B16C3754}" type="datetimeFigureOut">
               <a:rPr lang="en-US" smtClean="0"/>
-              <a:t>9/17/2019</a:t>
+              <a:t>9/19/2019</a:t>
             </a:fld>
             <a:endParaRPr lang="en-US"/>
           </a:p>
@@ -2420,13 +2411,7 @@
       </p:sp>
       <p:sp>
         <p:nvSpPr>
-          <p:cNvPr id="6" name="页脚占位符 5">
-            <a:extLst>
-              <a:ext uri="{FF2B5EF4-FFF2-40B4-BE49-F238E27FC236}">
-                <a16:creationId xmlns:a16="http://schemas.microsoft.com/office/drawing/2014/main" id="{5B29D2AB-209B-4D28-AEDF-AF6B11E18A84}"/>
-              </a:ext>
-            </a:extLst>
-          </p:cNvPr>
+          <p:cNvPr id="6" name="Footer Placeholder 5"/>
           <p:cNvSpPr>
             <a:spLocks noGrp="1"/>
           </p:cNvSpPr>
@@ -2445,13 +2430,7 @@
       </p:sp>
       <p:sp>
         <p:nvSpPr>
-          <p:cNvPr id="7" name="灯片编号占位符 6">
-            <a:extLst>
-              <a:ext uri="{FF2B5EF4-FFF2-40B4-BE49-F238E27FC236}">
-                <a16:creationId xmlns:a16="http://schemas.microsoft.com/office/drawing/2014/main" id="{8483A124-B7A0-4AE4-8C48-BAD559E3F4D6}"/>
-              </a:ext>
-            </a:extLst>
-          </p:cNvPr>
+          <p:cNvPr id="7" name="Slide Number Placeholder 6"/>
           <p:cNvSpPr>
             <a:spLocks noGrp="1"/>
           </p:cNvSpPr>
@@ -2475,7 +2454,7 @@
     </p:spTree>
     <p:extLst>
       <p:ext uri="{BB962C8B-B14F-4D97-AF65-F5344CB8AC3E}">
-        <p14:creationId xmlns:p14="http://schemas.microsoft.com/office/powerpoint/2010/main" val="1247118038"/>
+        <p14:creationId xmlns:p14="http://schemas.microsoft.com/office/powerpoint/2010/main" val="1487696778"/>
       </p:ext>
     </p:extLst>
   </p:cSld>
@@ -2504,13 +2483,47 @@
       </p:grpSpPr>
       <p:sp>
         <p:nvSpPr>
-          <p:cNvPr id="2" name="标题 1">
-            <a:extLst>
-              <a:ext uri="{FF2B5EF4-FFF2-40B4-BE49-F238E27FC236}">
-                <a16:creationId xmlns:a16="http://schemas.microsoft.com/office/drawing/2014/main" id="{8DF65775-D7D5-49AE-A3EE-1CC945042F51}"/>
-              </a:ext>
-            </a:extLst>
-          </p:cNvPr>
+          <p:cNvPr id="8" name="Rectangle 7"/>
+          <p:cNvSpPr/>
+          <p:nvPr/>
+        </p:nvSpPr>
+        <p:spPr>
+          <a:xfrm>
+            <a:off x="0" y="5105400"/>
+            <a:ext cx="11292840" cy="1752600"/>
+          </a:xfrm>
+          <a:prstGeom prst="rect">
+            <a:avLst/>
+          </a:prstGeom>
+          <a:solidFill>
+            <a:schemeClr val="accent1">
+              <a:lumMod val="75000"/>
+            </a:schemeClr>
+          </a:solidFill>
+          <a:ln>
+            <a:noFill/>
+          </a:ln>
+        </p:spPr>
+        <p:style>
+          <a:lnRef idx="2">
+            <a:schemeClr val="accent1">
+              <a:shade val="50000"/>
+            </a:schemeClr>
+          </a:lnRef>
+          <a:fillRef idx="1">
+            <a:schemeClr val="accent1"/>
+          </a:fillRef>
+          <a:effectRef idx="0">
+            <a:schemeClr val="accent1"/>
+          </a:effectRef>
+          <a:fontRef idx="minor">
+            <a:schemeClr val="lt1"/>
+          </a:fontRef>
+        </p:style>
+      </p:sp>
+      <p:sp>
+        <p:nvSpPr>
+          <p:cNvPr id="2" name="Title 1"/>
           <p:cNvSpPr>
             <a:spLocks noGrp="1"/>
           </p:cNvSpPr>
@@ -2520,15 +2533,21 @@
         </p:nvSpPr>
         <p:spPr>
           <a:xfrm>
-            <a:off x="839788" y="457200"/>
-            <a:ext cx="3932237" cy="1600200"/>
+            <a:off x="914400" y="5257800"/>
+            <a:ext cx="9982200" cy="914400"/>
           </a:xfrm>
         </p:spPr>
         <p:txBody>
-          <a:bodyPr anchor="b"/>
+          <a:bodyPr anchor="b">
+            <a:normAutofit/>
+          </a:bodyPr>
           <a:lstStyle>
             <a:lvl1pPr>
-              <a:defRPr sz="3200"/>
+              <a:defRPr sz="2800" b="1">
+                <a:solidFill>
+                  <a:srgbClr val="FFFFFF"/>
+                </a:solidFill>
+              </a:defRPr>
             </a:lvl1pPr>
           </a:lstStyle>
           <a:p>
@@ -2536,21 +2555,15 @@
               <a:rPr lang="zh-CN" altLang="en-US"/>
               <a:t>单击此处编辑母版标题样式</a:t>
             </a:r>
-            <a:endParaRPr lang="en-US"/>
-          </a:p>
-        </p:txBody>
-      </p:sp>
-      <p:sp>
-        <p:nvSpPr>
-          <p:cNvPr id="3" name="图片占位符 2">
-            <a:extLst>
-              <a:ext uri="{FF2B5EF4-FFF2-40B4-BE49-F238E27FC236}">
-                <a16:creationId xmlns:a16="http://schemas.microsoft.com/office/drawing/2014/main" id="{90D6ECB3-A3E5-4BC4-A4CE-4CD00F53E21C}"/>
-              </a:ext>
-            </a:extLst>
-          </p:cNvPr>
+            <a:endParaRPr lang="en-US" dirty="0"/>
+          </a:p>
+        </p:txBody>
+      </p:sp>
+      <p:sp>
+        <p:nvSpPr>
+          <p:cNvPr id="3" name="Picture Placeholder 2"/>
           <p:cNvSpPr>
-            <a:spLocks noGrp="1"/>
+            <a:spLocks noGrp="1" noChangeAspect="1"/>
           </p:cNvSpPr>
           <p:nvPr>
             <p:ph type="pic" idx="1"/>
@@ -2558,12 +2571,12 @@
         </p:nvSpPr>
         <p:spPr>
           <a:xfrm>
-            <a:off x="5183188" y="987425"/>
-            <a:ext cx="6172200" cy="4873625"/>
+            <a:off x="0" y="0"/>
+            <a:ext cx="11292840" cy="5128923"/>
           </a:xfrm>
         </p:spPr>
         <p:txBody>
-          <a:bodyPr/>
+          <a:bodyPr anchor="t"/>
           <a:lstStyle>
             <a:lvl1pPr marL="0" indent="0">
               <a:buNone/>
@@ -2603,19 +2616,17 @@
             </a:lvl9pPr>
           </a:lstStyle>
           <a:p>
-            <a:endParaRPr lang="en-US"/>
-          </a:p>
-        </p:txBody>
-      </p:sp>
-      <p:sp>
-        <p:nvSpPr>
-          <p:cNvPr id="4" name="文本占位符 3">
-            <a:extLst>
-              <a:ext uri="{FF2B5EF4-FFF2-40B4-BE49-F238E27FC236}">
-                <a16:creationId xmlns:a16="http://schemas.microsoft.com/office/drawing/2014/main" id="{5E3B8A41-7AE7-48A0-9C09-D7635D2AD042}"/>
-              </a:ext>
-            </a:extLst>
-          </p:cNvPr>
+            <a:r>
+              <a:rPr lang="zh-CN" altLang="en-US"/>
+              <a:t>单击图标添加图片</a:t>
+            </a:r>
+            <a:endParaRPr lang="en-US" dirty="0"/>
+          </a:p>
+        </p:txBody>
+      </p:sp>
+      <p:sp>
+        <p:nvSpPr>
+          <p:cNvPr id="4" name="Text Placeholder 3"/>
           <p:cNvSpPr>
             <a:spLocks noGrp="1"/>
           </p:cNvSpPr>
@@ -2625,48 +2636,63 @@
         </p:nvSpPr>
         <p:spPr>
           <a:xfrm>
-            <a:off x="839788" y="2057400"/>
-            <a:ext cx="3932237" cy="3811588"/>
+            <a:off x="914400" y="6108589"/>
+            <a:ext cx="9982200" cy="597011"/>
           </a:xfrm>
         </p:spPr>
         <p:txBody>
-          <a:bodyPr/>
+          <a:bodyPr>
+            <a:normAutofit/>
+          </a:bodyPr>
           <a:lstStyle>
             <a:lvl1pPr marL="0" indent="0">
+              <a:lnSpc>
+                <a:spcPct val="100000"/>
+              </a:lnSpc>
+              <a:spcBef>
+                <a:spcPts val="800"/>
+              </a:spcBef>
               <a:buNone/>
-              <a:defRPr sz="1600"/>
+              <a:defRPr sz="1400">
+                <a:solidFill>
+                  <a:schemeClr val="accent1">
+                    <a:lumMod val="20000"/>
+                    <a:lumOff val="80000"/>
+                  </a:schemeClr>
+                </a:solidFill>
+              </a:defRPr>
             </a:lvl1pPr>
             <a:lvl2pPr marL="457200" indent="0">
               <a:buNone/>
-              <a:defRPr sz="1400"/>
+              <a:defRPr sz="1200"/>
             </a:lvl2pPr>
             <a:lvl3pPr marL="914400" indent="0">
               <a:buNone/>
-              <a:defRPr sz="1200"/>
+              <a:defRPr sz="1000"/>
             </a:lvl3pPr>
             <a:lvl4pPr marL="1371600" indent="0">
               <a:buNone/>
-              <a:defRPr sz="1000"/>
+              <a:defRPr sz="900"/>
             </a:lvl4pPr>
             <a:lvl5pPr marL="1828800" indent="0">
               <a:buNone/>
-              <a:defRPr sz="1000"/>
+              <a:defRPr sz="900"/>
             </a:lvl5pPr>
             <a:lvl6pPr marL="2286000" indent="0">
               <a:buNone/>
-              <a:defRPr sz="1000"/>
+              <a:defRPr sz="900"/>
             </a:lvl6pPr>
             <a:lvl7pPr marL="2743200" indent="0">
               <a:buNone/>
-              <a:defRPr sz="1000"/>
+              <a:defRPr sz="900"/>
             </a:lvl7pPr>
             <a:lvl8pPr marL="3200400" indent="0">
               <a:buNone/>
-              <a:defRPr sz="1000"/>
+              <a:defRPr sz="900"/>
             </a:lvl8pPr>
             <a:lvl9pPr marL="3657600" indent="0">
               <a:buNone/>
-              <a:defRPr sz="1000"/>
+              <a:defRPr sz="900"/>
             </a:lvl9pPr>
           </a:lstStyle>
           <a:p>
@@ -2680,13 +2706,7 @@
       </p:sp>
       <p:sp>
         <p:nvSpPr>
-          <p:cNvPr id="5" name="日期占位符 4">
-            <a:extLst>
-              <a:ext uri="{FF2B5EF4-FFF2-40B4-BE49-F238E27FC236}">
-                <a16:creationId xmlns:a16="http://schemas.microsoft.com/office/drawing/2014/main" id="{7363BF13-8452-43CC-825C-C5CC3CED571B}"/>
-              </a:ext>
-            </a:extLst>
-          </p:cNvPr>
+          <p:cNvPr id="5" name="Date Placeholder 4"/>
           <p:cNvSpPr>
             <a:spLocks noGrp="1"/>
           </p:cNvSpPr>
@@ -2701,7 +2721,7 @@
           <a:p>
             <a:fld id="{8119A5BF-3BF2-4B2D-8433-BB00B16C3754}" type="datetimeFigureOut">
               <a:rPr lang="en-US" smtClean="0"/>
-              <a:t>9/17/2019</a:t>
+              <a:t>9/19/2019</a:t>
             </a:fld>
             <a:endParaRPr lang="en-US"/>
           </a:p>
@@ -2709,13 +2729,7 @@
       </p:sp>
       <p:sp>
         <p:nvSpPr>
-          <p:cNvPr id="6" name="页脚占位符 5">
-            <a:extLst>
-              <a:ext uri="{FF2B5EF4-FFF2-40B4-BE49-F238E27FC236}">
-                <a16:creationId xmlns:a16="http://schemas.microsoft.com/office/drawing/2014/main" id="{2D2744A6-305A-4E27-B4DA-F82379354D4E}"/>
-              </a:ext>
-            </a:extLst>
-          </p:cNvPr>
+          <p:cNvPr id="6" name="Footer Placeholder 5"/>
           <p:cNvSpPr>
             <a:spLocks noGrp="1"/>
           </p:cNvSpPr>
@@ -2734,13 +2748,7 @@
       </p:sp>
       <p:sp>
         <p:nvSpPr>
-          <p:cNvPr id="7" name="灯片编号占位符 6">
-            <a:extLst>
-              <a:ext uri="{FF2B5EF4-FFF2-40B4-BE49-F238E27FC236}">
-                <a16:creationId xmlns:a16="http://schemas.microsoft.com/office/drawing/2014/main" id="{7EC28177-F3D8-420E-9AF3-8B2C48BA93E1}"/>
-              </a:ext>
-            </a:extLst>
-          </p:cNvPr>
+          <p:cNvPr id="7" name="Slide Number Placeholder 6"/>
           <p:cNvSpPr>
             <a:spLocks noGrp="1"/>
           </p:cNvSpPr>
@@ -2764,7 +2772,7 @@
     </p:spTree>
     <p:extLst>
       <p:ext uri="{BB962C8B-B14F-4D97-AF65-F5344CB8AC3E}">
-        <p14:creationId xmlns:p14="http://schemas.microsoft.com/office/powerpoint/2010/main" val="1252598799"/>
+        <p14:creationId xmlns:p14="http://schemas.microsoft.com/office/powerpoint/2010/main" val="3975186547"/>
       </p:ext>
     </p:extLst>
   </p:cSld>
@@ -2798,13 +2806,45 @@
       </p:grpSpPr>
       <p:sp>
         <p:nvSpPr>
-          <p:cNvPr id="2" name="标题占位符 1">
-            <a:extLst>
-              <a:ext uri="{FF2B5EF4-FFF2-40B4-BE49-F238E27FC236}">
-                <a16:creationId xmlns:a16="http://schemas.microsoft.com/office/drawing/2014/main" id="{75252339-F883-4D9B-AF3B-75CC61610866}"/>
-              </a:ext>
-            </a:extLst>
-          </p:cNvPr>
+          <p:cNvPr id="7" name="Rectangle 6"/>
+          <p:cNvSpPr/>
+          <p:nvPr/>
+        </p:nvSpPr>
+        <p:spPr>
+          <a:xfrm>
+            <a:off x="11292840" y="0"/>
+            <a:ext cx="914400" cy="6858000"/>
+          </a:xfrm>
+          <a:prstGeom prst="rect">
+            <a:avLst/>
+          </a:prstGeom>
+          <a:solidFill>
+            <a:schemeClr val="tx2"/>
+          </a:solidFill>
+          <a:ln>
+            <a:noFill/>
+          </a:ln>
+        </p:spPr>
+        <p:style>
+          <a:lnRef idx="2">
+            <a:schemeClr val="accent1">
+              <a:shade val="50000"/>
+            </a:schemeClr>
+          </a:lnRef>
+          <a:fillRef idx="1">
+            <a:schemeClr val="accent1"/>
+          </a:fillRef>
+          <a:effectRef idx="0">
+            <a:schemeClr val="accent1"/>
+          </a:effectRef>
+          <a:fontRef idx="minor">
+            <a:schemeClr val="lt1"/>
+          </a:fontRef>
+        </p:style>
+      </p:sp>
+      <p:sp>
+        <p:nvSpPr>
+          <p:cNvPr id="2" name="Title Placeholder 1"/>
           <p:cNvSpPr>
             <a:spLocks noGrp="1"/>
           </p:cNvSpPr>
@@ -2814,15 +2854,15 @@
         </p:nvSpPr>
         <p:spPr>
           <a:xfrm>
-            <a:off x="838200" y="365125"/>
-            <a:ext cx="10515600" cy="1325563"/>
+            <a:off x="1261872" y="262393"/>
+            <a:ext cx="9692640" cy="1428929"/>
           </a:xfrm>
           <a:prstGeom prst="rect">
             <a:avLst/>
           </a:prstGeom>
         </p:spPr>
         <p:txBody>
-          <a:bodyPr vert="horz" lIns="91440" tIns="45720" rIns="91440" bIns="45720" rtlCol="0" anchor="ctr">
+          <a:bodyPr vert="horz" lIns="91440" tIns="27432" rIns="91440" bIns="45720" rtlCol="0" anchor="b">
             <a:normAutofit/>
           </a:bodyPr>
           <a:lstStyle/>
@@ -2831,19 +2871,13 @@
               <a:rPr lang="zh-CN" altLang="en-US"/>
               <a:t>单击此处编辑母版标题样式</a:t>
             </a:r>
-            <a:endParaRPr lang="en-US"/>
-          </a:p>
-        </p:txBody>
-      </p:sp>
-      <p:sp>
-        <p:nvSpPr>
-          <p:cNvPr id="3" name="文本占位符 2">
-            <a:extLst>
-              <a:ext uri="{FF2B5EF4-FFF2-40B4-BE49-F238E27FC236}">
-                <a16:creationId xmlns:a16="http://schemas.microsoft.com/office/drawing/2014/main" id="{CA19D4F7-4322-4875-941E-7FF092192220}"/>
-              </a:ext>
-            </a:extLst>
-          </p:cNvPr>
+            <a:endParaRPr lang="en-US" dirty="0"/>
+          </a:p>
+        </p:txBody>
+      </p:sp>
+      <p:sp>
+        <p:nvSpPr>
+          <p:cNvPr id="3" name="Text Placeholder 2"/>
           <p:cNvSpPr>
             <a:spLocks noGrp="1"/>
           </p:cNvSpPr>
@@ -2853,8 +2887,8 @@
         </p:nvSpPr>
         <p:spPr>
           <a:xfrm>
-            <a:off x="838200" y="1825625"/>
-            <a:ext cx="10515600" cy="4351338"/>
+            <a:off x="1261872" y="1828800"/>
+            <a:ext cx="8595360" cy="4351337"/>
           </a:xfrm>
           <a:prstGeom prst="rect">
             <a:avLst/>
@@ -2899,19 +2933,13 @@
               <a:rPr lang="zh-CN" altLang="en-US"/>
               <a:t>五级</a:t>
             </a:r>
-            <a:endParaRPr lang="en-US"/>
-          </a:p>
-        </p:txBody>
-      </p:sp>
-      <p:sp>
-        <p:nvSpPr>
-          <p:cNvPr id="4" name="日期占位符 3">
-            <a:extLst>
-              <a:ext uri="{FF2B5EF4-FFF2-40B4-BE49-F238E27FC236}">
-                <a16:creationId xmlns:a16="http://schemas.microsoft.com/office/drawing/2014/main" id="{52B61BEC-61EE-43A4-8DF6-CBDAC4AF8634}"/>
-              </a:ext>
-            </a:extLst>
-          </p:cNvPr>
+            <a:endParaRPr lang="en-US" dirty="0"/>
+          </a:p>
+        </p:txBody>
+      </p:sp>
+      <p:sp>
+        <p:nvSpPr>
+          <p:cNvPr id="4" name="Date Placeholder 3"/>
           <p:cNvSpPr>
             <a:spLocks noGrp="1"/>
           </p:cNvSpPr>
@@ -2920,9 +2948,9 @@
           </p:nvPr>
         </p:nvSpPr>
         <p:spPr>
-          <a:xfrm>
-            <a:off x="838200" y="6356350"/>
-            <a:ext cx="2743200" cy="365125"/>
+          <a:xfrm rot="16200000">
+            <a:off x="10797542" y="998537"/>
+            <a:ext cx="1904999" cy="365125"/>
           </a:xfrm>
           <a:prstGeom prst="rect">
             <a:avLst/>
@@ -2931,11 +2959,12 @@
         <p:txBody>
           <a:bodyPr vert="horz" lIns="91440" tIns="45720" rIns="91440" bIns="45720" rtlCol="0" anchor="ctr"/>
           <a:lstStyle>
-            <a:lvl1pPr algn="l">
-              <a:defRPr sz="1200">
+            <a:lvl1pPr algn="r">
+              <a:defRPr sz="1100" b="0">
                 <a:solidFill>
-                  <a:schemeClr val="tx1">
-                    <a:tint val="75000"/>
+                  <a:schemeClr val="tx2">
+                    <a:lumMod val="40000"/>
+                    <a:lumOff val="60000"/>
                   </a:schemeClr>
                 </a:solidFill>
               </a:defRPr>
@@ -2944,7 +2973,7 @@
           <a:p>
             <a:fld id="{8119A5BF-3BF2-4B2D-8433-BB00B16C3754}" type="datetimeFigureOut">
               <a:rPr lang="en-US" smtClean="0"/>
-              <a:t>9/17/2019</a:t>
+              <a:t>9/19/2019</a:t>
             </a:fld>
             <a:endParaRPr lang="en-US"/>
           </a:p>
@@ -2952,13 +2981,7 @@
       </p:sp>
       <p:sp>
         <p:nvSpPr>
-          <p:cNvPr id="5" name="页脚占位符 4">
-            <a:extLst>
-              <a:ext uri="{FF2B5EF4-FFF2-40B4-BE49-F238E27FC236}">
-                <a16:creationId xmlns:a16="http://schemas.microsoft.com/office/drawing/2014/main" id="{F0285827-A6DE-4833-AF0F-FEA764AB8FEE}"/>
-              </a:ext>
-            </a:extLst>
-          </p:cNvPr>
+          <p:cNvPr id="5" name="Footer Placeholder 4"/>
           <p:cNvSpPr>
             <a:spLocks noGrp="1"/>
           </p:cNvSpPr>
@@ -2967,9 +2990,9 @@
           </p:nvPr>
         </p:nvSpPr>
         <p:spPr>
-          <a:xfrm>
-            <a:off x="4038600" y="6356350"/>
-            <a:ext cx="4114800" cy="365125"/>
+          <a:xfrm rot="16200000">
+            <a:off x="9959341" y="4046537"/>
+            <a:ext cx="3581400" cy="365125"/>
           </a:xfrm>
           <a:prstGeom prst="rect">
             <a:avLst/>
@@ -2978,11 +3001,12 @@
         <p:txBody>
           <a:bodyPr vert="horz" lIns="91440" tIns="45720" rIns="91440" bIns="45720" rtlCol="0" anchor="ctr"/>
           <a:lstStyle>
-            <a:lvl1pPr algn="ctr">
-              <a:defRPr sz="1200">
+            <a:lvl1pPr algn="l">
+              <a:defRPr sz="1100">
                 <a:solidFill>
-                  <a:schemeClr val="tx1">
-                    <a:tint val="75000"/>
+                  <a:schemeClr val="tx2">
+                    <a:lumMod val="40000"/>
+                    <a:lumOff val="60000"/>
                   </a:schemeClr>
                 </a:solidFill>
               </a:defRPr>
@@ -2995,13 +3019,7 @@
       </p:sp>
       <p:sp>
         <p:nvSpPr>
-          <p:cNvPr id="6" name="灯片编号占位符 5">
-            <a:extLst>
-              <a:ext uri="{FF2B5EF4-FFF2-40B4-BE49-F238E27FC236}">
-                <a16:creationId xmlns:a16="http://schemas.microsoft.com/office/drawing/2014/main" id="{4479937E-D781-4958-9B6B-265C16A81DF7}"/>
-              </a:ext>
-            </a:extLst>
-          </p:cNvPr>
+          <p:cNvPr id="6" name="Slide Number Placeholder 5"/>
           <p:cNvSpPr>
             <a:spLocks noGrp="1"/>
           </p:cNvSpPr>
@@ -3011,23 +3029,27 @@
         </p:nvSpPr>
         <p:spPr>
           <a:xfrm>
-            <a:off x="8610600" y="6356350"/>
-            <a:ext cx="2743200" cy="365125"/>
+            <a:off x="11292840" y="6172200"/>
+            <a:ext cx="914400" cy="593725"/>
           </a:xfrm>
           <a:prstGeom prst="rect">
             <a:avLst/>
           </a:prstGeom>
         </p:spPr>
         <p:txBody>
-          <a:bodyPr vert="horz" lIns="91440" tIns="45720" rIns="91440" bIns="45720" rtlCol="0" anchor="ctr"/>
+          <a:bodyPr vert="horz" lIns="45720" tIns="45720" rIns="45720" bIns="45720" rtlCol="0" anchor="ctr">
+            <a:normAutofit/>
+          </a:bodyPr>
           <a:lstStyle>
-            <a:lvl1pPr algn="r">
-              <a:defRPr sz="1200">
+            <a:lvl1pPr algn="ctr">
+              <a:defRPr sz="3600">
                 <a:solidFill>
-                  <a:schemeClr val="tx1">
-                    <a:tint val="75000"/>
+                  <a:schemeClr val="tx2">
+                    <a:lumMod val="60000"/>
+                    <a:lumOff val="40000"/>
                   </a:schemeClr>
                 </a:solidFill>
+                <a:latin typeface="+mj-lt"/>
               </a:defRPr>
             </a:lvl1pPr>
           </a:lstStyle>
@@ -3043,23 +3065,23 @@
     </p:spTree>
     <p:extLst>
       <p:ext uri="{BB962C8B-B14F-4D97-AF65-F5344CB8AC3E}">
-        <p14:creationId xmlns:p14="http://schemas.microsoft.com/office/powerpoint/2010/main" val="1401066047"/>
+        <p14:creationId xmlns:p14="http://schemas.microsoft.com/office/powerpoint/2010/main" val="1886715121"/>
       </p:ext>
     </p:extLst>
   </p:cSld>
   <p:clrMap bg1="lt1" tx1="dk1" bg2="lt2" tx2="dk2" accent1="accent1" accent2="accent2" accent3="accent3" accent4="accent4" accent5="accent5" accent6="accent6" hlink="hlink" folHlink="folHlink"/>
   <p:sldLayoutIdLst>
-    <p:sldLayoutId id="2147483649" r:id="rId1"/>
-    <p:sldLayoutId id="2147483650" r:id="rId2"/>
-    <p:sldLayoutId id="2147483651" r:id="rId3"/>
-    <p:sldLayoutId id="2147483652" r:id="rId4"/>
-    <p:sldLayoutId id="2147483653" r:id="rId5"/>
-    <p:sldLayoutId id="2147483654" r:id="rId6"/>
-    <p:sldLayoutId id="2147483655" r:id="rId7"/>
-    <p:sldLayoutId id="2147483656" r:id="rId8"/>
-    <p:sldLayoutId id="2147483657" r:id="rId9"/>
-    <p:sldLayoutId id="2147483658" r:id="rId10"/>
-    <p:sldLayoutId id="2147483659" r:id="rId11"/>
+    <p:sldLayoutId id="2147483829" r:id="rId1"/>
+    <p:sldLayoutId id="2147483830" r:id="rId2"/>
+    <p:sldLayoutId id="2147483831" r:id="rId3"/>
+    <p:sldLayoutId id="2147483832" r:id="rId4"/>
+    <p:sldLayoutId id="2147483833" r:id="rId5"/>
+    <p:sldLayoutId id="2147483834" r:id="rId6"/>
+    <p:sldLayoutId id="2147483835" r:id="rId7"/>
+    <p:sldLayoutId id="2147483836" r:id="rId8"/>
+    <p:sldLayoutId id="2147483837" r:id="rId9"/>
+    <p:sldLayoutId id="2147483838" r:id="rId10"/>
+    <p:sldLayoutId id="2147483839" r:id="rId11"/>
   </p:sldLayoutIdLst>
   <p:txStyles>
     <p:titleStyle>
@@ -3071,9 +3093,9 @@
           <a:spcPct val="0"/>
         </a:spcBef>
         <a:buNone/>
-        <a:defRPr sz="4400" kern="1200">
+        <a:defRPr sz="4400" b="1" kern="1200" spc="-50" baseline="0">
           <a:solidFill>
-            <a:schemeClr val="tx1"/>
+            <a:schemeClr val="accent1"/>
           </a:solidFill>
           <a:latin typeface="+mj-lt"/>
           <a:ea typeface="+mj-ea"/>
@@ -3082,162 +3104,244 @@
       </a:lvl1pPr>
     </p:titleStyle>
     <p:bodyStyle>
-      <a:lvl1pPr marL="228600" indent="-228600" algn="l" defTabSz="914400" rtl="0" eaLnBrk="1" latinLnBrk="0" hangingPunct="1">
+      <a:lvl1pPr marL="182880" indent="-182880" algn="l" defTabSz="914400" rtl="0" eaLnBrk="1" latinLnBrk="0" hangingPunct="1">
         <a:lnSpc>
-          <a:spcPct val="90000"/>
+          <a:spcPct val="95000"/>
         </a:lnSpc>
         <a:spcBef>
-          <a:spcPts val="1000"/>
+          <a:spcPts val="1400"/>
         </a:spcBef>
-        <a:buFont typeface="Arial" panose="020B0604020202020204" pitchFamily="34" charset="0"/>
+        <a:spcAft>
+          <a:spcPts val="200"/>
+        </a:spcAft>
+        <a:buClr>
+          <a:schemeClr val="accent1"/>
+        </a:buClr>
+        <a:buSzPct val="80000"/>
+        <a:buFont typeface="Arial" pitchFamily="34" charset="0"/>
         <a:buChar char="•"/>
-        <a:defRPr sz="2800" kern="1200">
+        <a:defRPr sz="2000" kern="1200" spc="10" baseline="0">
           <a:solidFill>
-            <a:schemeClr val="tx1"/>
+            <a:schemeClr val="tx1">
+              <a:lumMod val="65000"/>
+              <a:lumOff val="35000"/>
+            </a:schemeClr>
           </a:solidFill>
           <a:latin typeface="+mn-lt"/>
           <a:ea typeface="+mn-ea"/>
           <a:cs typeface="+mn-cs"/>
         </a:defRPr>
       </a:lvl1pPr>
-      <a:lvl2pPr marL="685800" indent="-228600" algn="l" defTabSz="914400" rtl="0" eaLnBrk="1" latinLnBrk="0" hangingPunct="1">
+      <a:lvl2pPr marL="457200" indent="-182880" algn="l" defTabSz="914400" rtl="0" eaLnBrk="1" latinLnBrk="0" hangingPunct="1">
         <a:lnSpc>
           <a:spcPct val="90000"/>
         </a:lnSpc>
         <a:spcBef>
-          <a:spcPts val="500"/>
+          <a:spcPts val="300"/>
         </a:spcBef>
-        <a:buFont typeface="Arial" panose="020B0604020202020204" pitchFamily="34" charset="0"/>
-        <a:buChar char="•"/>
-        <a:defRPr sz="2400" kern="1200">
+        <a:spcAft>
+          <a:spcPts val="300"/>
+        </a:spcAft>
+        <a:buClr>
+          <a:schemeClr val="accent1"/>
+        </a:buClr>
+        <a:buFont typeface="Wingdings 2" pitchFamily="18" charset="2"/>
+        <a:buChar char=""/>
+        <a:defRPr sz="1800" kern="1200">
           <a:solidFill>
-            <a:schemeClr val="tx1"/>
+            <a:schemeClr val="tx1">
+              <a:lumMod val="65000"/>
+              <a:lumOff val="35000"/>
+            </a:schemeClr>
           </a:solidFill>
           <a:latin typeface="+mn-lt"/>
           <a:ea typeface="+mn-ea"/>
           <a:cs typeface="+mn-cs"/>
         </a:defRPr>
       </a:lvl2pPr>
-      <a:lvl3pPr marL="1143000" indent="-228600" algn="l" defTabSz="914400" rtl="0" eaLnBrk="1" latinLnBrk="0" hangingPunct="1">
+      <a:lvl3pPr marL="731520" indent="-182880" algn="l" defTabSz="914400" rtl="0" eaLnBrk="1" latinLnBrk="0" hangingPunct="1">
         <a:lnSpc>
           <a:spcPct val="90000"/>
         </a:lnSpc>
         <a:spcBef>
-          <a:spcPts val="500"/>
+          <a:spcPts val="300"/>
         </a:spcBef>
-        <a:buFont typeface="Arial" panose="020B0604020202020204" pitchFamily="34" charset="0"/>
-        <a:buChar char="•"/>
-        <a:defRPr sz="2000" kern="1200">
+        <a:spcAft>
+          <a:spcPts val="300"/>
+        </a:spcAft>
+        <a:buClr>
+          <a:schemeClr val="accent1"/>
+        </a:buClr>
+        <a:buFont typeface="Wingdings 2" pitchFamily="18" charset="2"/>
+        <a:buChar char=""/>
+        <a:defRPr sz="1600" kern="1200">
           <a:solidFill>
-            <a:schemeClr val="tx1"/>
+            <a:schemeClr val="tx1">
+              <a:lumMod val="65000"/>
+              <a:lumOff val="35000"/>
+            </a:schemeClr>
           </a:solidFill>
           <a:latin typeface="+mn-lt"/>
           <a:ea typeface="+mn-ea"/>
           <a:cs typeface="+mn-cs"/>
         </a:defRPr>
       </a:lvl3pPr>
-      <a:lvl4pPr marL="1600200" indent="-228600" algn="l" defTabSz="914400" rtl="0" eaLnBrk="1" latinLnBrk="0" hangingPunct="1">
+      <a:lvl4pPr marL="1005840" indent="-182880" algn="l" defTabSz="914400" rtl="0" eaLnBrk="1" latinLnBrk="0" hangingPunct="1">
         <a:lnSpc>
           <a:spcPct val="90000"/>
         </a:lnSpc>
         <a:spcBef>
-          <a:spcPts val="500"/>
+          <a:spcPts val="300"/>
         </a:spcBef>
-        <a:buFont typeface="Arial" panose="020B0604020202020204" pitchFamily="34" charset="0"/>
-        <a:buChar char="•"/>
-        <a:defRPr sz="1800" kern="1200">
+        <a:spcAft>
+          <a:spcPts val="300"/>
+        </a:spcAft>
+        <a:buClr>
+          <a:schemeClr val="accent1"/>
+        </a:buClr>
+        <a:buFont typeface="Wingdings 2" pitchFamily="18" charset="2"/>
+        <a:buChar char=""/>
+        <a:defRPr sz="1400" kern="1200">
           <a:solidFill>
-            <a:schemeClr val="tx1"/>
+            <a:schemeClr val="tx1">
+              <a:lumMod val="65000"/>
+              <a:lumOff val="35000"/>
+            </a:schemeClr>
           </a:solidFill>
           <a:latin typeface="+mn-lt"/>
           <a:ea typeface="+mn-ea"/>
           <a:cs typeface="+mn-cs"/>
         </a:defRPr>
       </a:lvl4pPr>
-      <a:lvl5pPr marL="2057400" indent="-228600" algn="l" defTabSz="914400" rtl="0" eaLnBrk="1" latinLnBrk="0" hangingPunct="1">
+      <a:lvl5pPr marL="1280160" indent="-182880" algn="l" defTabSz="914400" rtl="0" eaLnBrk="1" latinLnBrk="0" hangingPunct="1">
         <a:lnSpc>
           <a:spcPct val="90000"/>
         </a:lnSpc>
         <a:spcBef>
-          <a:spcPts val="500"/>
+          <a:spcPts val="300"/>
         </a:spcBef>
-        <a:buFont typeface="Arial" panose="020B0604020202020204" pitchFamily="34" charset="0"/>
-        <a:buChar char="•"/>
-        <a:defRPr sz="1800" kern="1200">
+        <a:spcAft>
+          <a:spcPts val="300"/>
+        </a:spcAft>
+        <a:buClr>
+          <a:schemeClr val="accent1"/>
+        </a:buClr>
+        <a:buFont typeface="Wingdings 2" pitchFamily="18" charset="2"/>
+        <a:buChar char=""/>
+        <a:defRPr sz="1400" kern="1200">
           <a:solidFill>
-            <a:schemeClr val="tx1"/>
+            <a:schemeClr val="tx1">
+              <a:lumMod val="65000"/>
+              <a:lumOff val="35000"/>
+            </a:schemeClr>
           </a:solidFill>
           <a:latin typeface="+mn-lt"/>
           <a:ea typeface="+mn-ea"/>
           <a:cs typeface="+mn-cs"/>
         </a:defRPr>
       </a:lvl5pPr>
-      <a:lvl6pPr marL="2514600" indent="-228600" algn="l" defTabSz="914400" rtl="0" eaLnBrk="1" latinLnBrk="0" hangingPunct="1">
+      <a:lvl6pPr marL="1600000" indent="-228600" algn="l" defTabSz="914400" rtl="0" eaLnBrk="1" latinLnBrk="0" hangingPunct="1">
         <a:lnSpc>
           <a:spcPct val="90000"/>
         </a:lnSpc>
         <a:spcBef>
-          <a:spcPts val="500"/>
+          <a:spcPts val="300"/>
         </a:spcBef>
-        <a:buFont typeface="Arial" panose="020B0604020202020204" pitchFamily="34" charset="0"/>
-        <a:buChar char="•"/>
-        <a:defRPr sz="1800" kern="1200">
+        <a:spcAft>
+          <a:spcPts val="300"/>
+        </a:spcAft>
+        <a:buClr>
+          <a:schemeClr val="accent1"/>
+        </a:buClr>
+        <a:buFont typeface="Wingdings 2" pitchFamily="18" charset="2"/>
+        <a:buChar char=""/>
+        <a:defRPr sz="1400" kern="1200">
           <a:solidFill>
-            <a:schemeClr val="tx1"/>
+            <a:schemeClr val="tx1">
+              <a:lumMod val="65000"/>
+              <a:lumOff val="35000"/>
+            </a:schemeClr>
           </a:solidFill>
           <a:latin typeface="+mn-lt"/>
           <a:ea typeface="+mn-ea"/>
           <a:cs typeface="+mn-cs"/>
         </a:defRPr>
       </a:lvl6pPr>
-      <a:lvl7pPr marL="2971800" indent="-228600" algn="l" defTabSz="914400" rtl="0" eaLnBrk="1" latinLnBrk="0" hangingPunct="1">
+      <a:lvl7pPr marL="1900000" indent="-228600" algn="l" defTabSz="914400" rtl="0" eaLnBrk="1" latinLnBrk="0" hangingPunct="1">
         <a:lnSpc>
           <a:spcPct val="90000"/>
         </a:lnSpc>
         <a:spcBef>
-          <a:spcPts val="500"/>
+          <a:spcPts val="300"/>
         </a:spcBef>
-        <a:buFont typeface="Arial" panose="020B0604020202020204" pitchFamily="34" charset="0"/>
-        <a:buChar char="•"/>
-        <a:defRPr sz="1800" kern="1200">
+        <a:spcAft>
+          <a:spcPts val="300"/>
+        </a:spcAft>
+        <a:buClr>
+          <a:schemeClr val="accent1"/>
+        </a:buClr>
+        <a:buFont typeface="Wingdings 2" pitchFamily="18" charset="2"/>
+        <a:buChar char=""/>
+        <a:defRPr sz="1400" kern="1200">
           <a:solidFill>
-            <a:schemeClr val="tx1"/>
+            <a:schemeClr val="tx1">
+              <a:lumMod val="65000"/>
+              <a:lumOff val="35000"/>
+            </a:schemeClr>
           </a:solidFill>
           <a:latin typeface="+mn-lt"/>
           <a:ea typeface="+mn-ea"/>
           <a:cs typeface="+mn-cs"/>
         </a:defRPr>
       </a:lvl7pPr>
-      <a:lvl8pPr marL="3429000" indent="-228600" algn="l" defTabSz="914400" rtl="0" eaLnBrk="1" latinLnBrk="0" hangingPunct="1">
+      <a:lvl8pPr marL="2200000" indent="-228600" algn="l" defTabSz="914400" rtl="0" eaLnBrk="1" latinLnBrk="0" hangingPunct="1">
         <a:lnSpc>
           <a:spcPct val="90000"/>
         </a:lnSpc>
         <a:spcBef>
-          <a:spcPts val="500"/>
+          <a:spcPts val="300"/>
         </a:spcBef>
-        <a:buFont typeface="Arial" panose="020B0604020202020204" pitchFamily="34" charset="0"/>
-        <a:buChar char="•"/>
-        <a:defRPr sz="1800" kern="1200">
+        <a:spcAft>
+          <a:spcPts val="300"/>
+        </a:spcAft>
+        <a:buClr>
+          <a:schemeClr val="accent1"/>
+        </a:buClr>
+        <a:buFont typeface="Wingdings 2" pitchFamily="18" charset="2"/>
+        <a:buChar char=""/>
+        <a:defRPr sz="1400" kern="1200">
           <a:solidFill>
-            <a:schemeClr val="tx1"/>
+            <a:schemeClr val="tx1">
+              <a:lumMod val="65000"/>
+              <a:lumOff val="35000"/>
+            </a:schemeClr>
           </a:solidFill>
           <a:latin typeface="+mn-lt"/>
           <a:ea typeface="+mn-ea"/>
           <a:cs typeface="+mn-cs"/>
         </a:defRPr>
       </a:lvl8pPr>
-      <a:lvl9pPr marL="3886200" indent="-228600" algn="l" defTabSz="914400" rtl="0" eaLnBrk="1" latinLnBrk="0" hangingPunct="1">
+      <a:lvl9pPr marL="2500000" indent="-228600" algn="l" defTabSz="914400" rtl="0" eaLnBrk="1" latinLnBrk="0" hangingPunct="1">
         <a:lnSpc>
           <a:spcPct val="90000"/>
         </a:lnSpc>
         <a:spcBef>
-          <a:spcPts val="500"/>
+          <a:spcPts val="300"/>
         </a:spcBef>
-        <a:buFont typeface="Arial" panose="020B0604020202020204" pitchFamily="34" charset="0"/>
-        <a:buChar char="•"/>
-        <a:defRPr sz="1800" kern="1200">
+        <a:spcAft>
+          <a:spcPts val="300"/>
+        </a:spcAft>
+        <a:buClr>
+          <a:schemeClr val="accent1"/>
+        </a:buClr>
+        <a:buFont typeface="Wingdings 2" pitchFamily="18" charset="2"/>
+        <a:buChar char=""/>
+        <a:defRPr sz="1400" kern="1200">
           <a:solidFill>
-            <a:schemeClr val="tx1"/>
+            <a:schemeClr val="tx1">
+              <a:lumMod val="65000"/>
+              <a:lumOff val="35000"/>
+            </a:schemeClr>
           </a:solidFill>
           <a:latin typeface="+mn-lt"/>
           <a:ea typeface="+mn-ea"/>
@@ -3379,19 +3483,21 @@
         </p:nvSpPr>
         <p:spPr>
           <a:xfrm>
-            <a:off x="4187825" y="3429000"/>
-            <a:ext cx="3524250" cy="1077913"/>
+            <a:off x="7165990" y="4502315"/>
+            <a:ext cx="1979646" cy="428822"/>
           </a:xfrm>
         </p:spPr>
         <p:txBody>
-          <a:bodyPr/>
-          <a:lstStyle/>
-          <a:p>
-            <a:r>
-              <a:rPr lang="zh-CN" altLang="en-US" dirty="0"/>
-              <a:t>操作指南</a:t>
-            </a:r>
-            <a:endParaRPr lang="en-US" dirty="0"/>
+          <a:bodyPr>
+            <a:normAutofit fontScale="90000"/>
+          </a:bodyPr>
+          <a:lstStyle/>
+          <a:p>
+            <a:r>
+              <a:rPr lang="zh-CN" altLang="en-US" sz="2800" dirty="0"/>
+              <a:t>使用说明书</a:t>
+            </a:r>
+            <a:endParaRPr lang="en-US" sz="2800" dirty="0"/>
           </a:p>
         </p:txBody>
       </p:sp>
@@ -3413,12 +3519,14 @@
         </p:nvSpPr>
         <p:spPr>
           <a:xfrm>
-            <a:off x="4930775" y="4640263"/>
+            <a:off x="460047" y="6391277"/>
             <a:ext cx="2330450" cy="466723"/>
           </a:xfrm>
         </p:spPr>
         <p:txBody>
-          <a:bodyPr/>
+          <a:bodyPr>
+            <a:normAutofit/>
+          </a:bodyPr>
           <a:lstStyle/>
           <a:p>
             <a:r>
@@ -3456,14 +3564,114 @@
         </p:blipFill>
         <p:spPr>
           <a:xfrm>
-            <a:off x="3038475" y="1422400"/>
-            <a:ext cx="5822950" cy="1873250"/>
+            <a:off x="2449276" y="2239306"/>
+            <a:ext cx="6696360" cy="2154227"/>
           </a:xfrm>
           <a:prstGeom prst="rect">
             <a:avLst/>
           </a:prstGeom>
         </p:spPr>
       </p:pic>
+      <p:pic>
+        <p:nvPicPr>
+          <p:cNvPr id="6" name="图片 5" descr="图片包含 物体&#10;&#10;描述已自动生成">
+            <a:extLst>
+              <a:ext uri="{FF2B5EF4-FFF2-40B4-BE49-F238E27FC236}">
+                <a16:creationId xmlns:a16="http://schemas.microsoft.com/office/drawing/2014/main" id="{2D356CB1-4363-41DA-84D2-19461F23A878}"/>
+              </a:ext>
+            </a:extLst>
+          </p:cNvPr>
+          <p:cNvPicPr>
+            <a:picLocks noChangeAspect="1"/>
+          </p:cNvPicPr>
+          <p:nvPr/>
+        </p:nvPicPr>
+        <p:blipFill>
+          <a:blip r:embed="rId3">
+            <a:extLst>
+              <a:ext uri="{28A0092B-C50C-407E-A947-70E740481C1C}">
+                <a14:useLocalDpi xmlns:a14="http://schemas.microsoft.com/office/drawing/2010/main" val="0"/>
+              </a:ext>
+            </a:extLst>
+          </a:blip>
+          <a:stretch>
+            <a:fillRect/>
+          </a:stretch>
+        </p:blipFill>
+        <p:spPr>
+          <a:xfrm>
+            <a:off x="2516971" y="6396528"/>
+            <a:ext cx="418569" cy="374423"/>
+          </a:xfrm>
+          <a:prstGeom prst="rect">
+            <a:avLst/>
+          </a:prstGeom>
+        </p:spPr>
+      </p:pic>
+      <p:sp>
+        <p:nvSpPr>
+          <p:cNvPr id="10" name="文本框 9">
+            <a:extLst>
+              <a:ext uri="{FF2B5EF4-FFF2-40B4-BE49-F238E27FC236}">
+                <a16:creationId xmlns:a16="http://schemas.microsoft.com/office/drawing/2014/main" id="{178F1BFA-F2B8-4B21-8944-86CBE4FCAFD7}"/>
+              </a:ext>
+            </a:extLst>
+          </p:cNvPr>
+          <p:cNvSpPr txBox="1"/>
+          <p:nvPr/>
+        </p:nvSpPr>
+        <p:spPr>
+          <a:xfrm rot="10800000">
+            <a:off x="11730335" y="2662501"/>
+            <a:ext cx="461665" cy="4108450"/>
+          </a:xfrm>
+          <a:prstGeom prst="rect">
+            <a:avLst/>
+          </a:prstGeom>
+          <a:noFill/>
+        </p:spPr>
+        <p:txBody>
+          <a:bodyPr vert="eaVert" wrap="square" rtlCol="0">
+            <a:spAutoFit/>
+          </a:bodyPr>
+          <a:lstStyle/>
+          <a:p>
+            <a:r>
+              <a:rPr lang="en-US" altLang="zh-CN" dirty="0"/>
+              <a:t>91151884632</a:t>
+            </a:r>
+            <a:r>
+              <a:rPr lang="en-US" dirty="0"/>
+              <a:t>_</a:t>
+            </a:r>
+            <a:r>
+              <a:rPr lang="en-US" altLang="zh-CN" dirty="0"/>
+              <a:t>B6</a:t>
+            </a:r>
+            <a:r>
+              <a:rPr lang="en-US" dirty="0"/>
+              <a:t>/</a:t>
+            </a:r>
+            <a:r>
+              <a:rPr lang="en-US" baseline="-25000" dirty="0"/>
+              <a:t>0</a:t>
+            </a:r>
+            <a:r>
+              <a:rPr lang="en-US" altLang="zh-CN" baseline="-25000" dirty="0"/>
+              <a:t>7</a:t>
+            </a:r>
+            <a:r>
+              <a:rPr lang="en-US" baseline="-25000" dirty="0"/>
+              <a:t>.</a:t>
+            </a:r>
+            <a:r>
+              <a:rPr lang="en-US" altLang="zh-CN" baseline="-25000" dirty="0"/>
+              <a:t>567</a:t>
+            </a:r>
+            <a:endParaRPr lang="en-US" dirty="0"/>
+          </a:p>
+        </p:txBody>
+      </p:sp>
     </p:spTree>
     <p:extLst>
       <p:ext uri="{BB962C8B-B14F-4D97-AF65-F5344CB8AC3E}">
@@ -3523,12 +3731,136 @@
           </a:p>
         </p:txBody>
       </p:sp>
+      <p:sp>
+        <p:nvSpPr>
+          <p:cNvPr id="3" name="文本框 2">
+            <a:extLst>
+              <a:ext uri="{FF2B5EF4-FFF2-40B4-BE49-F238E27FC236}">
+                <a16:creationId xmlns:a16="http://schemas.microsoft.com/office/drawing/2014/main" id="{99506BED-D15E-42A1-8442-4FD108A714CF}"/>
+              </a:ext>
+            </a:extLst>
+          </p:cNvPr>
+          <p:cNvSpPr txBox="1"/>
+          <p:nvPr/>
+        </p:nvSpPr>
+        <p:spPr>
+          <a:xfrm>
+            <a:off x="6096000" y="1863116"/>
+            <a:ext cx="4044950" cy="923330"/>
+          </a:xfrm>
+          <a:prstGeom prst="rect">
+            <a:avLst/>
+          </a:prstGeom>
+          <a:noFill/>
+        </p:spPr>
+        <p:txBody>
+          <a:bodyPr wrap="square" rtlCol="0">
+            <a:spAutoFit/>
+          </a:bodyPr>
+          <a:lstStyle/>
+          <a:p>
+            <a:r>
+              <a:rPr lang="zh-CN" altLang="en-US" dirty="0"/>
+              <a:t>应贵公司要求，我们在模拟过程中添加了模组摧毁流程，以便于演习贵公司现正遭受到的网络攻击异状。</a:t>
+            </a:r>
+            <a:endParaRPr lang="en-US" dirty="0"/>
+          </a:p>
+        </p:txBody>
+      </p:sp>
+      <p:sp>
+        <p:nvSpPr>
+          <p:cNvPr id="5" name="文本框 4">
+            <a:extLst>
+              <a:ext uri="{FF2B5EF4-FFF2-40B4-BE49-F238E27FC236}">
+                <a16:creationId xmlns:a16="http://schemas.microsoft.com/office/drawing/2014/main" id="{91BDB431-457B-4B22-A50F-20EE49A6B987}"/>
+              </a:ext>
+            </a:extLst>
+          </p:cNvPr>
+          <p:cNvSpPr txBox="1"/>
+          <p:nvPr/>
+        </p:nvSpPr>
+        <p:spPr>
+          <a:xfrm>
+            <a:off x="6096000" y="3251613"/>
+            <a:ext cx="4044950" cy="923330"/>
+          </a:xfrm>
+          <a:prstGeom prst="rect">
+            <a:avLst/>
+          </a:prstGeom>
+          <a:noFill/>
+        </p:spPr>
+        <p:txBody>
+          <a:bodyPr wrap="square" rtlCol="0">
+            <a:spAutoFit/>
+          </a:bodyPr>
+          <a:lstStyle/>
+          <a:p>
+            <a:r>
+              <a:rPr lang="zh-CN" altLang="en-US" dirty="0"/>
+              <a:t>在</a:t>
+            </a:r>
+            <a:r>
+              <a:rPr lang="en-US" altLang="zh-CN" dirty="0"/>
+              <a:t>3~8</a:t>
+            </a:r>
+            <a:r>
+              <a:rPr lang="zh-CN" altLang="en-US" dirty="0"/>
+              <a:t>个周期间（时间随机决定），会随机摧毁面板上的若干模组</a:t>
+            </a:r>
+            <a:r>
+              <a:rPr lang="en-US" altLang="zh-CN" dirty="0"/>
+              <a:t>——</a:t>
+            </a:r>
+            <a:r>
+              <a:rPr lang="zh-CN" altLang="en-US" dirty="0"/>
+              <a:t>大多数为四个。</a:t>
+            </a:r>
+            <a:endParaRPr lang="en-US" dirty="0"/>
+          </a:p>
+        </p:txBody>
+      </p:sp>
+      <p:sp>
+        <p:nvSpPr>
+          <p:cNvPr id="6" name="文本框 5">
+            <a:extLst>
+              <a:ext uri="{FF2B5EF4-FFF2-40B4-BE49-F238E27FC236}">
+                <a16:creationId xmlns:a16="http://schemas.microsoft.com/office/drawing/2014/main" id="{37DC01E3-4E48-4C9A-B9D1-D38433572C99}"/>
+              </a:ext>
+            </a:extLst>
+          </p:cNvPr>
+          <p:cNvSpPr txBox="1"/>
+          <p:nvPr/>
+        </p:nvSpPr>
+        <p:spPr>
+          <a:xfrm>
+            <a:off x="6096000" y="4640110"/>
+            <a:ext cx="4044950" cy="923330"/>
+          </a:xfrm>
+          <a:prstGeom prst="rect">
+            <a:avLst/>
+          </a:prstGeom>
+          <a:noFill/>
+        </p:spPr>
+        <p:txBody>
+          <a:bodyPr wrap="square" rtlCol="0">
+            <a:spAutoFit/>
+          </a:bodyPr>
+          <a:lstStyle/>
+          <a:p>
+            <a:r>
+              <a:rPr lang="zh-CN" altLang="en-US" dirty="0"/>
+              <a:t>考虑到实际的工作条件，在倒数第二个周期是会呈现橙色，倒数第一个周期会呈现红色。之后将执行摧毁。</a:t>
+            </a:r>
+            <a:endParaRPr lang="en-US" dirty="0"/>
+          </a:p>
+        </p:txBody>
+      </p:sp>
       <p:pic>
         <p:nvPicPr>
-          <p:cNvPr id="4" name="图片 3">
+          <p:cNvPr id="7" name="图片 6">
             <a:extLst>
               <a:ext uri="{FF2B5EF4-FFF2-40B4-BE49-F238E27FC236}">
-                <a16:creationId xmlns:a16="http://schemas.microsoft.com/office/drawing/2014/main" id="{3ABA9BF7-56AA-4B67-9B9F-0988C1CBEB51}"/>
+                <a16:creationId xmlns:a16="http://schemas.microsoft.com/office/drawing/2014/main" id="{4C46A86D-EEC3-422E-8C65-DFD570735AD1}"/>
               </a:ext>
             </a:extLst>
           </p:cNvPr>
@@ -3545,135 +3877,19 @@
               </a:ext>
             </a:extLst>
           </a:blip>
-          <a:srcRect l="901" t="5643" r="33444" b="5959"/>
+          <a:srcRect l="1218" t="5053" r="33835" b="6607"/>
           <a:stretch/>
         </p:blipFill>
         <p:spPr>
           <a:xfrm>
-            <a:off x="1098506" y="1690688"/>
-            <a:ext cx="3761929" cy="3798749"/>
+            <a:off x="1141413" y="1901850"/>
+            <a:ext cx="4260715" cy="4346550"/>
           </a:xfrm>
           <a:prstGeom prst="rect">
             <a:avLst/>
           </a:prstGeom>
         </p:spPr>
       </p:pic>
-      <p:sp>
-        <p:nvSpPr>
-          <p:cNvPr id="3" name="文本框 2">
-            <a:extLst>
-              <a:ext uri="{FF2B5EF4-FFF2-40B4-BE49-F238E27FC236}">
-                <a16:creationId xmlns:a16="http://schemas.microsoft.com/office/drawing/2014/main" id="{99506BED-D15E-42A1-8442-4FD108A714CF}"/>
-              </a:ext>
-            </a:extLst>
-          </p:cNvPr>
-          <p:cNvSpPr txBox="1"/>
-          <p:nvPr/>
-        </p:nvSpPr>
-        <p:spPr>
-          <a:xfrm>
-            <a:off x="5791200" y="1739900"/>
-            <a:ext cx="4044950" cy="923330"/>
-          </a:xfrm>
-          <a:prstGeom prst="rect">
-            <a:avLst/>
-          </a:prstGeom>
-          <a:noFill/>
-        </p:spPr>
-        <p:txBody>
-          <a:bodyPr wrap="square" rtlCol="0">
-            <a:spAutoFit/>
-          </a:bodyPr>
-          <a:lstStyle/>
-          <a:p>
-            <a:r>
-              <a:rPr lang="zh-CN" altLang="en-US" dirty="0"/>
-              <a:t>应贵公司要求，我们在模拟过程中添加了模组摧毁流程，以便于练习贵公司遭受到的网络攻击异状</a:t>
-            </a:r>
-            <a:endParaRPr lang="en-US" dirty="0"/>
-          </a:p>
-        </p:txBody>
-      </p:sp>
-      <p:sp>
-        <p:nvSpPr>
-          <p:cNvPr id="5" name="文本框 4">
-            <a:extLst>
-              <a:ext uri="{FF2B5EF4-FFF2-40B4-BE49-F238E27FC236}">
-                <a16:creationId xmlns:a16="http://schemas.microsoft.com/office/drawing/2014/main" id="{91BDB431-457B-4B22-A50F-20EE49A6B987}"/>
-              </a:ext>
-            </a:extLst>
-          </p:cNvPr>
-          <p:cNvSpPr txBox="1"/>
-          <p:nvPr/>
-        </p:nvSpPr>
-        <p:spPr>
-          <a:xfrm>
-            <a:off x="5791200" y="3128397"/>
-            <a:ext cx="4044950" cy="923330"/>
-          </a:xfrm>
-          <a:prstGeom prst="rect">
-            <a:avLst/>
-          </a:prstGeom>
-          <a:noFill/>
-        </p:spPr>
-        <p:txBody>
-          <a:bodyPr wrap="square" rtlCol="0">
-            <a:spAutoFit/>
-          </a:bodyPr>
-          <a:lstStyle/>
-          <a:p>
-            <a:r>
-              <a:rPr lang="zh-CN" altLang="en-US" dirty="0"/>
-              <a:t>在</a:t>
-            </a:r>
-            <a:r>
-              <a:rPr lang="en-US" altLang="zh-CN" dirty="0"/>
-              <a:t>3~8</a:t>
-            </a:r>
-            <a:r>
-              <a:rPr lang="zh-CN" altLang="en-US" dirty="0"/>
-              <a:t>个周期间（时间随机决定），会随机摧毁面板上的若干模组大多数为四个。</a:t>
-            </a:r>
-            <a:endParaRPr lang="en-US" dirty="0"/>
-          </a:p>
-        </p:txBody>
-      </p:sp>
-      <p:sp>
-        <p:nvSpPr>
-          <p:cNvPr id="6" name="文本框 5">
-            <a:extLst>
-              <a:ext uri="{FF2B5EF4-FFF2-40B4-BE49-F238E27FC236}">
-                <a16:creationId xmlns:a16="http://schemas.microsoft.com/office/drawing/2014/main" id="{37DC01E3-4E48-4C9A-B9D1-D38433572C99}"/>
-              </a:ext>
-            </a:extLst>
-          </p:cNvPr>
-          <p:cNvSpPr txBox="1"/>
-          <p:nvPr/>
-        </p:nvSpPr>
-        <p:spPr>
-          <a:xfrm>
-            <a:off x="5791200" y="4566107"/>
-            <a:ext cx="4044950" cy="923330"/>
-          </a:xfrm>
-          <a:prstGeom prst="rect">
-            <a:avLst/>
-          </a:prstGeom>
-          <a:noFill/>
-        </p:spPr>
-        <p:txBody>
-          <a:bodyPr wrap="square" rtlCol="0">
-            <a:spAutoFit/>
-          </a:bodyPr>
-          <a:lstStyle/>
-          <a:p>
-            <a:r>
-              <a:rPr lang="zh-CN" altLang="en-US" dirty="0"/>
-              <a:t>考虑到实际的工作条件，在倒数第二个周期是会呈现橙色，倒数第一个周期会呈现红色。之后将执行摧毁。</a:t>
-            </a:r>
-            <a:endParaRPr lang="en-US" dirty="0"/>
-          </a:p>
-        </p:txBody>
-      </p:sp>
     </p:spTree>
     <p:extLst>
       <p:ext uri="{BB962C8B-B14F-4D97-AF65-F5344CB8AC3E}">
@@ -5420,7 +5636,7 @@
         </p:nvSpPr>
         <p:spPr>
           <a:xfrm>
-            <a:off x="4184650" y="415925"/>
+            <a:off x="3082924" y="201514"/>
             <a:ext cx="3822700" cy="1325563"/>
           </a:xfrm>
         </p:spPr>
@@ -5430,7 +5646,7 @@
           <a:p>
             <a:r>
               <a:rPr lang="zh-CN" altLang="en-US" dirty="0"/>
-              <a:t>感谢您的卒读</a:t>
+              <a:t>感谢您的阅览</a:t>
             </a:r>
             <a:endParaRPr lang="en-US" dirty="0"/>
           </a:p>
@@ -5438,7 +5654,7 @@
       </p:sp>
       <p:pic>
         <p:nvPicPr>
-          <p:cNvPr id="5" name="图片 4" descr="图片包含 物体&#10;&#10;描述已自动生成">
+          <p:cNvPr id="5" name="图片 4">
             <a:extLst>
               <a:ext uri="{FF2B5EF4-FFF2-40B4-BE49-F238E27FC236}">
                 <a16:creationId xmlns:a16="http://schemas.microsoft.com/office/drawing/2014/main" id="{645DB4BC-A103-4FC2-9FD0-16E20BB165FB}"/>
@@ -5450,7 +5666,7 @@
           </p:cNvPicPr>
           <p:nvPr/>
         </p:nvPicPr>
-        <p:blipFill>
+        <p:blipFill rotWithShape="1">
           <a:blip r:embed="rId2">
             <a:extLst>
               <a:ext uri="{28A0092B-C50C-407E-A947-70E740481C1C}">
@@ -5458,14 +5674,13 @@
               </a:ext>
             </a:extLst>
           </a:blip>
-          <a:stretch>
-            <a:fillRect/>
-          </a:stretch>
+          <a:srcRect t="4462" b="8252"/>
+          <a:stretch/>
         </p:blipFill>
         <p:spPr>
           <a:xfrm>
-            <a:off x="4874005" y="1955800"/>
-            <a:ext cx="1873772" cy="1676146"/>
+            <a:off x="3687499" y="1699673"/>
+            <a:ext cx="2613549" cy="2281261"/>
           </a:xfrm>
           <a:prstGeom prst="rect">
             <a:avLst/>
@@ -5566,7 +5781,7 @@
         </p:nvSpPr>
         <p:spPr>
           <a:xfrm>
-            <a:off x="10267950" y="6488668"/>
+            <a:off x="0" y="6488668"/>
             <a:ext cx="2006600" cy="369332"/>
           </a:xfrm>
           <a:prstGeom prst="rect">
@@ -5730,6 +5945,14 @@
 <file path=ppt/slides/slide2.xml><?xml version="1.0" encoding="utf-8"?>
 <p:sld xmlns:a="http://schemas.openxmlformats.org/drawingml/2006/main" xmlns:r="http://schemas.openxmlformats.org/officeDocument/2006/relationships" xmlns:p="http://schemas.openxmlformats.org/presentationml/2006/main">
   <p:cSld>
+    <p:bg>
+      <p:bgPr>
+        <a:solidFill>
+          <a:schemeClr val="bg1"/>
+        </a:solidFill>
+        <a:effectLst/>
+      </p:bgPr>
+    </p:bg>
     <p:spTree>
       <p:nvGrpSpPr>
         <p:cNvPr id="1" name=""/>
@@ -5760,16 +5983,23 @@
             <p:ph type="title"/>
           </p:nvPr>
         </p:nvSpPr>
-        <p:spPr/>
-        <p:txBody>
-          <a:bodyPr/>
-          <a:lstStyle/>
-          <a:p>
-            <a:r>
-              <a:rPr lang="zh-CN" altLang="en-US" dirty="0"/>
+        <p:spPr>
+          <a:xfrm>
+            <a:off x="643831" y="640080"/>
+            <a:ext cx="5271391" cy="1325562"/>
+          </a:xfrm>
+        </p:spPr>
+        <p:txBody>
+          <a:bodyPr>
+            <a:normAutofit/>
+          </a:bodyPr>
+          <a:lstStyle/>
+          <a:p>
+            <a:r>
+              <a:rPr lang="zh-CN" altLang="en-US" sz="3200" dirty="0"/>
               <a:t>欢迎您加入安奇钛科大家庭！</a:t>
             </a:r>
-            <a:endParaRPr lang="en-US" dirty="0"/>
+            <a:endParaRPr lang="en-US" sz="3200" dirty="0"/>
           </a:p>
         </p:txBody>
       </p:sp>
@@ -5791,12 +6021,14 @@
         </p:nvSpPr>
         <p:spPr>
           <a:xfrm>
-            <a:off x="838200" y="1825625"/>
-            <a:ext cx="10515600" cy="4351338"/>
+            <a:off x="984366" y="2283797"/>
+            <a:ext cx="4880406" cy="4243182"/>
           </a:xfrm>
         </p:spPr>
         <p:txBody>
-          <a:bodyPr/>
+          <a:bodyPr>
+            <a:normAutofit/>
+          </a:bodyPr>
           <a:lstStyle/>
           <a:p>
             <a:r>
@@ -5809,14 +6041,17 @@
             </a:r>
             <a:r>
               <a:rPr lang="zh-CN" altLang="en-US" dirty="0"/>
-              <a:t>也就是路由优化导向终端。</a:t>
+              <a:t>即路由优化导向终端。</a:t>
             </a:r>
             <a:endParaRPr lang="en-US" altLang="zh-CN" dirty="0"/>
           </a:p>
           <a:p>
+            <a:endParaRPr lang="en-US" altLang="zh-CN" dirty="0"/>
+          </a:p>
+          <a:p>
             <a:r>
               <a:rPr lang="zh-CN" altLang="en-US" dirty="0"/>
-              <a:t>这次的适用产品是我们部署于吉考斯工业发行的</a:t>
+              <a:t>这次试用的产品是我们部署于吉考斯工业发行的</a:t>
             </a:r>
             <a:r>
               <a:rPr lang="en-US" altLang="zh-CN" dirty="0"/>
@@ -5830,6 +6065,40 @@
           </a:p>
         </p:txBody>
       </p:sp>
+      <p:pic>
+        <p:nvPicPr>
+          <p:cNvPr id="6" name="图片 5">
+            <a:extLst>
+              <a:ext uri="{FF2B5EF4-FFF2-40B4-BE49-F238E27FC236}">
+                <a16:creationId xmlns:a16="http://schemas.microsoft.com/office/drawing/2014/main" id="{1F9FCAF7-600C-45AB-9CB0-EBF6D2354E53}"/>
+              </a:ext>
+            </a:extLst>
+          </p:cNvPr>
+          <p:cNvPicPr>
+            <a:picLocks noChangeAspect="1"/>
+          </p:cNvPicPr>
+          <p:nvPr/>
+        </p:nvPicPr>
+        <p:blipFill>
+          <a:blip r:embed="rId2">
+            <a:extLst>
+              <a:ext uri="{28A0092B-C50C-407E-A947-70E740481C1C}">
+                <a14:useLocalDpi xmlns:a14="http://schemas.microsoft.com/office/drawing/2010/main" val="0"/>
+              </a:ext>
+            </a:extLst>
+          </a:blip>
+          <a:stretch/>
+        </p:blipFill>
+        <p:spPr>
+          <a:xfrm>
+            <a:off x="5316485" y="1005840"/>
+            <a:ext cx="5588101" cy="5588101"/>
+          </a:xfrm>
+          <a:prstGeom prst="rect">
+            <a:avLst/>
+          </a:prstGeom>
+        </p:spPr>
+      </p:pic>
     </p:spTree>
     <p:extLst>
       <p:ext uri="{BB962C8B-B14F-4D97-AF65-F5344CB8AC3E}">
@@ -5907,7 +6176,9 @@
         </p:nvSpPr>
         <p:spPr/>
         <p:txBody>
-          <a:bodyPr/>
+          <a:bodyPr>
+            <a:normAutofit/>
+          </a:bodyPr>
           <a:lstStyle/>
           <a:p>
             <a:pPr marL="0" indent="0">
@@ -5915,16 +6186,36 @@
             </a:pPr>
             <a:r>
               <a:rPr lang="zh-CN" altLang="en-US" dirty="0"/>
-              <a:t>使用本系统前，请仔细阅读下列指引</a:t>
+              <a:t>使用本系统前：</a:t>
             </a:r>
             <a:endParaRPr lang="en-US" altLang="zh-CN" dirty="0"/>
           </a:p>
           <a:p>
+            <a:pPr lvl="1"/>
             <a:r>
               <a:rPr lang="zh-CN" altLang="en-US" dirty="0"/>
-              <a:t>妥善保存本使用手册。</a:t>
+              <a:t>请仔细阅读下列指引，并妥善保存本使用手册。</a:t>
             </a:r>
             <a:endParaRPr lang="en-US" altLang="zh-CN" dirty="0"/>
+          </a:p>
+          <a:p>
+            <a:pPr lvl="1"/>
+            <a:r>
+              <a:rPr lang="zh-CN" altLang="en-US" dirty="0"/>
+              <a:t>操作员务必至少持有</a:t>
+            </a:r>
+            <a:r>
+              <a:rPr lang="en-US" altLang="zh-CN" dirty="0"/>
+              <a:t>【</a:t>
+            </a:r>
+            <a:r>
+              <a:rPr lang="zh-CN" altLang="en-US" dirty="0"/>
+              <a:t>二级现实重组设备操作等级证明</a:t>
+            </a:r>
+            <a:r>
+              <a:rPr lang="en-US" altLang="zh-CN" dirty="0"/>
+              <a:t>】</a:t>
+            </a:r>
           </a:p>
           <a:p>
             <a:pPr marL="0" indent="0">
@@ -5937,6 +6228,15 @@
             <a:endParaRPr lang="en-US" altLang="zh-CN" dirty="0"/>
           </a:p>
           <a:p>
+            <a:pPr lvl="1"/>
+            <a:r>
+              <a:rPr lang="zh-CN" altLang="en-US" dirty="0"/>
+              <a:t>妥善保管技术服务中心名单并找出就近的中心位置</a:t>
+            </a:r>
+            <a:endParaRPr lang="en-US" altLang="zh-CN" dirty="0"/>
+          </a:p>
+          <a:p>
+            <a:pPr lvl="1"/>
             <a:r>
               <a:rPr lang="zh-CN" altLang="en-US" dirty="0"/>
               <a:t>如未能遵守指引，可能导致受伤或本机损坏</a:t>
@@ -5944,11 +6244,104 @@
             <a:endParaRPr lang="en-US" altLang="zh-CN" dirty="0"/>
           </a:p>
           <a:p>
-            <a:r>
-              <a:rPr lang="zh-CN" altLang="en-US" dirty="0"/>
-              <a:t>妥善保管技术服务中心名单并找出就近的中心位置</a:t>
-            </a:r>
+            <a:pPr lvl="2"/>
+            <a:r>
+              <a:rPr lang="zh-CN" altLang="en-US" i="1" dirty="0"/>
+              <a:t>最严重情况，据本公司预期，可能会产生</a:t>
+            </a:r>
+            <a:r>
+              <a:rPr lang="en-US" altLang="zh-CN" i="1" dirty="0"/>
+              <a:t>KX</a:t>
+            </a:r>
+            <a:r>
+              <a:rPr lang="zh-CN" altLang="en-US" i="1" dirty="0"/>
+              <a:t>级现实重组事件</a:t>
+            </a:r>
+            <a:endParaRPr lang="en-US" altLang="zh-CN" i="1" dirty="0"/>
+          </a:p>
+          <a:p>
+            <a:pPr marL="0" indent="0">
+              <a:buNone/>
+            </a:pPr>
             <a:endParaRPr lang="en-US" dirty="0"/>
+          </a:p>
+          <a:p>
+            <a:pPr>
+              <a:buFont typeface="Wingdings" panose="05000000000000000000" pitchFamily="2" charset="2"/>
+              <a:buChar char="§"/>
+            </a:pPr>
+            <a:r>
+              <a:rPr lang="zh-CN" altLang="en-US" i="1" dirty="0">
+                <a:solidFill>
+                  <a:srgbClr val="FF0000"/>
+                </a:solidFill>
+              </a:rPr>
+              <a:t>注</a:t>
+            </a:r>
+            <a:r>
+              <a:rPr lang="en-US" altLang="zh-CN" i="1" dirty="0">
+                <a:solidFill>
+                  <a:srgbClr val="FF0000"/>
+                </a:solidFill>
+              </a:rPr>
+              <a:t>1</a:t>
+            </a:r>
+            <a:r>
+              <a:rPr lang="zh-CN" altLang="en-US" i="1" dirty="0">
+                <a:solidFill>
+                  <a:srgbClr val="FF0000"/>
+                </a:solidFill>
+              </a:rPr>
+              <a:t>：本公司对因违规操作造成任何现实重组事件概不负责</a:t>
+            </a:r>
+            <a:endParaRPr lang="en-US" altLang="zh-CN" i="1" dirty="0">
+              <a:solidFill>
+                <a:srgbClr val="FF0000"/>
+              </a:solidFill>
+            </a:endParaRPr>
+          </a:p>
+          <a:p>
+            <a:pPr>
+              <a:buFont typeface="Wingdings" panose="05000000000000000000" pitchFamily="2" charset="2"/>
+              <a:buChar char="§"/>
+            </a:pPr>
+            <a:r>
+              <a:rPr lang="zh-CN" altLang="en-US" sz="1400" i="1" dirty="0">
+                <a:solidFill>
+                  <a:schemeClr val="bg1">
+                    <a:lumMod val="65000"/>
+                  </a:schemeClr>
+                </a:solidFill>
+              </a:rPr>
+              <a:t>注</a:t>
+            </a:r>
+            <a:r>
+              <a:rPr lang="en-US" altLang="zh-CN" sz="1400" i="1" dirty="0">
+                <a:solidFill>
+                  <a:schemeClr val="bg1">
+                    <a:lumMod val="65000"/>
+                  </a:schemeClr>
+                </a:solidFill>
+              </a:rPr>
+              <a:t>2</a:t>
+            </a:r>
+            <a:r>
+              <a:rPr lang="zh-CN" altLang="en-US" sz="1400" i="1" dirty="0">
+                <a:solidFill>
+                  <a:schemeClr val="bg1">
+                    <a:lumMod val="65000"/>
+                  </a:schemeClr>
+                </a:solidFill>
+              </a:rPr>
+              <a:t>：本公司保留此操作指南的最终解释权</a:t>
+            </a:r>
+            <a:endParaRPr lang="en-US" sz="1400" i="1" dirty="0">
+              <a:solidFill>
+                <a:schemeClr val="bg1">
+                  <a:lumMod val="65000"/>
+                </a:schemeClr>
+              </a:solidFill>
+            </a:endParaRPr>
           </a:p>
         </p:txBody>
       </p:sp>
@@ -6045,15 +6438,86 @@
               <a:t>的全称是：</a:t>
             </a:r>
             <a:r>
-              <a:rPr lang="en-US" altLang="zh-CN" dirty="0"/>
-              <a:t>Routing Optimization Oriented Terminal</a:t>
+              <a:rPr lang="en-US" altLang="zh-CN" b="1" dirty="0">
+                <a:solidFill>
+                  <a:schemeClr val="tx1"/>
+                </a:solidFill>
+              </a:rPr>
+              <a:t>R</a:t>
+            </a:r>
+            <a:r>
+              <a:rPr lang="en-US" altLang="zh-CN" dirty="0">
+                <a:solidFill>
+                  <a:schemeClr val="bg1">
+                    <a:lumMod val="50000"/>
+                  </a:schemeClr>
+                </a:solidFill>
+              </a:rPr>
+              <a:t>outing </a:t>
+            </a:r>
+            <a:r>
+              <a:rPr lang="en-US" altLang="zh-CN" b="1" dirty="0">
+                <a:solidFill>
+                  <a:schemeClr val="tx1"/>
+                </a:solidFill>
+              </a:rPr>
+              <a:t>O</a:t>
+            </a:r>
+            <a:r>
+              <a:rPr lang="en-US" altLang="zh-CN" dirty="0">
+                <a:solidFill>
+                  <a:schemeClr val="bg1">
+                    <a:lumMod val="50000"/>
+                  </a:schemeClr>
+                </a:solidFill>
+              </a:rPr>
+              <a:t>ptimization </a:t>
+            </a:r>
+            <a:r>
+              <a:rPr lang="en-US" altLang="zh-CN" b="1" dirty="0">
+                <a:solidFill>
+                  <a:schemeClr val="tx1"/>
+                </a:solidFill>
+              </a:rPr>
+              <a:t>O</a:t>
+            </a:r>
+            <a:r>
+              <a:rPr lang="en-US" altLang="zh-CN" dirty="0">
+                <a:solidFill>
+                  <a:schemeClr val="bg1">
+                    <a:lumMod val="50000"/>
+                  </a:schemeClr>
+                </a:solidFill>
+              </a:rPr>
+              <a:t>riented </a:t>
+            </a:r>
+            <a:r>
+              <a:rPr lang="en-US" altLang="zh-CN" b="1" dirty="0">
+                <a:solidFill>
+                  <a:schemeClr val="tx1"/>
+                </a:solidFill>
+              </a:rPr>
+              <a:t>T</a:t>
+            </a:r>
+            <a:r>
+              <a:rPr lang="en-US" altLang="zh-CN" dirty="0">
+                <a:solidFill>
+                  <a:schemeClr val="bg1">
+                    <a:lumMod val="50000"/>
+                  </a:schemeClr>
+                </a:solidFill>
+              </a:rPr>
+              <a:t>erminal</a:t>
             </a:r>
           </a:p>
           <a:p>
             <a:r>
               <a:rPr lang="zh-CN" altLang="en-US" dirty="0"/>
-              <a:t>换句话说，也就是路由优化导向的终端系统。贵公司所拥有的服务器模组只有在保持最佳的的链接优化的同时才可能收益最大化。</a:t>
-            </a:r>
+              <a:t>即路由优化导向的终端系统。贵公司所拥有的服务器阵列只有在保持最佳的的链接优化的同时才可能收益最大化。</a:t>
+            </a:r>
+            <a:endParaRPr lang="en-US" altLang="zh-CN" dirty="0"/>
+          </a:p>
+          <a:p>
             <a:endParaRPr lang="en-US" altLang="zh-CN" dirty="0"/>
           </a:p>
           <a:p>
@@ -6066,7 +6530,7 @@
           <a:p>
             <a:r>
               <a:rPr lang="zh-CN" altLang="en-US" dirty="0"/>
-              <a:t>并且附有相关计时、采买等相关功能以便最快得到最大化的收益预期。</a:t>
+              <a:t>并且附有相关计时、采买等相关功能，以便最快得到最大化的收益预期。</a:t>
             </a:r>
             <a:endParaRPr lang="en-US" altLang="zh-CN" dirty="0"/>
           </a:p>
@@ -6107,7 +6571,7 @@
           <p:cNvPr id="2" name="标题 1">
             <a:extLst>
               <a:ext uri="{FF2B5EF4-FFF2-40B4-BE49-F238E27FC236}">
-                <a16:creationId xmlns:a16="http://schemas.microsoft.com/office/drawing/2014/main" id="{F81EE44C-19CB-4103-BF1D-AEED389FB1D7}"/>
+                <a16:creationId xmlns:a16="http://schemas.microsoft.com/office/drawing/2014/main" id="{01D89E99-A124-4D60-95F9-CEBFE9E2D80E}"/>
               </a:ext>
             </a:extLst>
           </p:cNvPr>
@@ -6125,61 +6589,53 @@
           <a:p>
             <a:r>
               <a:rPr lang="zh-CN" altLang="en-US" dirty="0"/>
-              <a:t>主体操作流程</a:t>
+              <a:t>操作界面说明</a:t>
             </a:r>
             <a:endParaRPr lang="en-US" dirty="0"/>
           </a:p>
         </p:txBody>
       </p:sp>
-      <p:sp>
-        <p:nvSpPr>
-          <p:cNvPr id="3" name="内容占位符 2">
+      <p:pic>
+        <p:nvPicPr>
+          <p:cNvPr id="5" name="图片 4">
             <a:extLst>
               <a:ext uri="{FF2B5EF4-FFF2-40B4-BE49-F238E27FC236}">
-                <a16:creationId xmlns:a16="http://schemas.microsoft.com/office/drawing/2014/main" id="{27E34F56-5310-4D38-B3B4-94394305444B}"/>
+                <a16:creationId xmlns:a16="http://schemas.microsoft.com/office/drawing/2014/main" id="{2E978E99-DE84-4BAB-97BF-FE1D52B9FEF0}"/>
               </a:ext>
             </a:extLst>
           </p:cNvPr>
-          <p:cNvSpPr>
-            <a:spLocks noGrp="1"/>
-          </p:cNvSpPr>
-          <p:nvPr>
-            <p:ph idx="1"/>
-          </p:nvPr>
-        </p:nvSpPr>
-        <p:spPr/>
-        <p:txBody>
-          <a:bodyPr/>
-          <a:lstStyle/>
-          <a:p>
-            <a:r>
-              <a:rPr lang="zh-CN" altLang="en-US" dirty="0"/>
-              <a:t>本系统的结算、收益以及时间统计是基于时间为阶段，该时间阶段被称为“周期”。</a:t>
-            </a:r>
-            <a:endParaRPr lang="en-US" altLang="zh-CN" dirty="0"/>
-          </a:p>
-          <a:p>
-            <a:r>
-              <a:rPr lang="zh-CN" altLang="en-US" dirty="0"/>
-              <a:t>具体来说，使用者在主操作界面每移动一次设备模组就会计算一次周期。</a:t>
-            </a:r>
-            <a:endParaRPr lang="en-US" altLang="zh-CN" dirty="0"/>
-          </a:p>
-          <a:p>
-            <a:r>
-              <a:rPr lang="zh-CN" altLang="en-US" dirty="0"/>
-              <a:t>系统将会每个周期结算当前金钱的收支、商店的更新并且模拟时长均会以周期为计算。</a:t>
-            </a:r>
-            <a:endParaRPr lang="en-US" dirty="0"/>
-          </a:p>
-        </p:txBody>
-      </p:sp>
-      <p:sp>
-        <p:nvSpPr>
-          <p:cNvPr id="5" name="文本框 4">
+          <p:cNvPicPr>
+            <a:picLocks noChangeAspect="1"/>
+          </p:cNvPicPr>
+          <p:nvPr/>
+        </p:nvPicPr>
+        <p:blipFill>
+          <a:blip r:embed="rId2">
+            <a:extLst>
+              <a:ext uri="{28A0092B-C50C-407E-A947-70E740481C1C}">
+                <a14:useLocalDpi xmlns:a14="http://schemas.microsoft.com/office/drawing/2010/main" val="0"/>
+              </a:ext>
+            </a:extLst>
+          </a:blip>
+          <a:srcRect/>
+          <a:stretch/>
+        </p:blipFill>
+        <p:spPr>
+          <a:xfrm>
+            <a:off x="838200" y="1690688"/>
+            <a:ext cx="5729830" cy="4297373"/>
+          </a:xfrm>
+          <a:prstGeom prst="rect">
+            <a:avLst/>
+          </a:prstGeom>
+        </p:spPr>
+      </p:pic>
+      <p:sp>
+        <p:nvSpPr>
+          <p:cNvPr id="9" name="文本框 8">
             <a:extLst>
               <a:ext uri="{FF2B5EF4-FFF2-40B4-BE49-F238E27FC236}">
-                <a16:creationId xmlns:a16="http://schemas.microsoft.com/office/drawing/2014/main" id="{B09A26D2-7E10-4A33-8D63-48A79854E111}"/>
+                <a16:creationId xmlns:a16="http://schemas.microsoft.com/office/drawing/2014/main" id="{3572A299-F1DC-478E-906A-76AE3C94D7C5}"/>
               </a:ext>
             </a:extLst>
           </p:cNvPr>
@@ -6188,8 +6644,8 @@
         </p:nvSpPr>
         <p:spPr>
           <a:xfrm>
-            <a:off x="9384875" y="365125"/>
-            <a:ext cx="760977" cy="1200329"/>
+            <a:off x="969632" y="2073586"/>
+            <a:ext cx="576870" cy="369332"/>
           </a:xfrm>
           <a:prstGeom prst="rect">
             <a:avLst/>
@@ -6204,15 +6660,301 @@
           <a:p>
             <a:r>
               <a:rPr lang="en-US" dirty="0"/>
-              <a:t>①②③④</a:t>
-            </a:r>
+              <a:t>①</a:t>
+            </a:r>
+          </a:p>
+        </p:txBody>
+      </p:sp>
+      <p:sp>
+        <p:nvSpPr>
+          <p:cNvPr id="11" name="文本框 10">
+            <a:extLst>
+              <a:ext uri="{FF2B5EF4-FFF2-40B4-BE49-F238E27FC236}">
+                <a16:creationId xmlns:a16="http://schemas.microsoft.com/office/drawing/2014/main" id="{3FED52D5-9A0F-4EF5-9EE6-39669689DBA1}"/>
+              </a:ext>
+            </a:extLst>
+          </p:cNvPr>
+          <p:cNvSpPr txBox="1"/>
+          <p:nvPr/>
+        </p:nvSpPr>
+        <p:spPr>
+          <a:xfrm>
+            <a:off x="5978889" y="2041111"/>
+            <a:ext cx="478679" cy="369332"/>
+          </a:xfrm>
+          <a:prstGeom prst="rect">
+            <a:avLst/>
+          </a:prstGeom>
+          <a:noFill/>
+        </p:spPr>
+        <p:txBody>
+          <a:bodyPr wrap="square" rtlCol="0">
+            <a:spAutoFit/>
+          </a:bodyPr>
+          <a:lstStyle/>
+          <a:p>
+            <a:r>
+              <a:rPr lang="en-US" dirty="0"/>
+              <a:t>②</a:t>
+            </a:r>
+          </a:p>
+        </p:txBody>
+      </p:sp>
+      <p:sp>
+        <p:nvSpPr>
+          <p:cNvPr id="12" name="文本框 11">
+            <a:extLst>
+              <a:ext uri="{FF2B5EF4-FFF2-40B4-BE49-F238E27FC236}">
+                <a16:creationId xmlns:a16="http://schemas.microsoft.com/office/drawing/2014/main" id="{0A8E18F3-073C-41A9-AA34-84BB8BAEBDC9}"/>
+              </a:ext>
+            </a:extLst>
+          </p:cNvPr>
+          <p:cNvSpPr txBox="1"/>
+          <p:nvPr/>
+        </p:nvSpPr>
+        <p:spPr>
+          <a:xfrm>
+            <a:off x="5332978" y="3420948"/>
+            <a:ext cx="570732" cy="369332"/>
+          </a:xfrm>
+          <a:prstGeom prst="rect">
+            <a:avLst/>
+          </a:prstGeom>
+          <a:noFill/>
+        </p:spPr>
+        <p:txBody>
+          <a:bodyPr wrap="square" rtlCol="0">
+            <a:spAutoFit/>
+          </a:bodyPr>
+          <a:lstStyle/>
+          <a:p>
+            <a:r>
+              <a:rPr lang="en-US" dirty="0"/>
+              <a:t>③</a:t>
+            </a:r>
+          </a:p>
+        </p:txBody>
+      </p:sp>
+      <p:sp>
+        <p:nvSpPr>
+          <p:cNvPr id="13" name="文本框 12">
+            <a:extLst>
+              <a:ext uri="{FF2B5EF4-FFF2-40B4-BE49-F238E27FC236}">
+                <a16:creationId xmlns:a16="http://schemas.microsoft.com/office/drawing/2014/main" id="{ECFCF6DC-EE35-4527-96C2-4AE6891D8225}"/>
+              </a:ext>
+            </a:extLst>
+          </p:cNvPr>
+          <p:cNvSpPr txBox="1"/>
+          <p:nvPr/>
+        </p:nvSpPr>
+        <p:spPr>
+          <a:xfrm>
+            <a:off x="7102583" y="2174453"/>
+            <a:ext cx="3485766" cy="3231654"/>
+          </a:xfrm>
+          <a:prstGeom prst="rect">
+            <a:avLst/>
+          </a:prstGeom>
+          <a:noFill/>
+        </p:spPr>
+        <p:txBody>
+          <a:bodyPr wrap="square" rtlCol="0">
+            <a:spAutoFit/>
+          </a:bodyPr>
+          <a:lstStyle/>
+          <a:p>
+            <a:r>
+              <a:rPr lang="en-US" sz="2000" dirty="0">
+                <a:solidFill>
+                  <a:schemeClr val="tx1">
+                    <a:lumMod val="95000"/>
+                    <a:lumOff val="5000"/>
+                  </a:schemeClr>
+                </a:solidFill>
+              </a:rPr>
+              <a:t>①</a:t>
+            </a:r>
+            <a:r>
+              <a:rPr lang="zh-CN" altLang="en-US" sz="2000" dirty="0">
+                <a:solidFill>
+                  <a:schemeClr val="tx1">
+                    <a:lumMod val="95000"/>
+                    <a:lumOff val="5000"/>
+                  </a:schemeClr>
+                </a:solidFill>
+              </a:rPr>
+              <a:t>主操作界面：</a:t>
+            </a:r>
+            <a:endParaRPr lang="en-US" altLang="zh-CN" sz="2000" dirty="0">
+              <a:solidFill>
+                <a:schemeClr val="tx1">
+                  <a:lumMod val="95000"/>
+                  <a:lumOff val="5000"/>
+                </a:schemeClr>
+              </a:solidFill>
+            </a:endParaRPr>
+          </a:p>
+          <a:p>
+            <a:r>
+              <a:rPr lang="zh-CN" altLang="en-US" dirty="0">
+                <a:solidFill>
+                  <a:schemeClr val="tx1">
+                    <a:lumMod val="65000"/>
+                    <a:lumOff val="35000"/>
+                  </a:schemeClr>
+                </a:solidFill>
+              </a:rPr>
+              <a:t>您所操作服务器阵列所在地的实时监控窗口</a:t>
+            </a:r>
+            <a:endParaRPr lang="en-US" altLang="zh-CN" dirty="0">
+              <a:solidFill>
+                <a:schemeClr val="tx1">
+                  <a:lumMod val="65000"/>
+                  <a:lumOff val="35000"/>
+                </a:schemeClr>
+              </a:solidFill>
+            </a:endParaRPr>
+          </a:p>
+          <a:p>
+            <a:pPr marL="285750" indent="-285750">
+              <a:buFont typeface="Arial" panose="020B0604020202020204" pitchFamily="34" charset="0"/>
+              <a:buChar char="•"/>
+            </a:pPr>
+            <a:endParaRPr lang="en-US" dirty="0">
+              <a:solidFill>
+                <a:schemeClr val="tx1">
+                  <a:lumMod val="65000"/>
+                  <a:lumOff val="35000"/>
+                </a:schemeClr>
+              </a:solidFill>
+            </a:endParaRPr>
+          </a:p>
+          <a:p>
+            <a:r>
+              <a:rPr lang="en-US" sz="2000" dirty="0">
+                <a:solidFill>
+                  <a:schemeClr val="tx1">
+                    <a:lumMod val="95000"/>
+                    <a:lumOff val="5000"/>
+                  </a:schemeClr>
+                </a:solidFill>
+              </a:rPr>
+              <a:t>②</a:t>
+            </a:r>
+            <a:r>
+              <a:rPr lang="zh-CN" altLang="en-US" sz="2000" dirty="0">
+                <a:solidFill>
+                  <a:schemeClr val="tx1">
+                    <a:lumMod val="95000"/>
+                    <a:lumOff val="5000"/>
+                  </a:schemeClr>
+                </a:solidFill>
+              </a:rPr>
+              <a:t>实时全局监控面板：</a:t>
+            </a:r>
+            <a:endParaRPr lang="en-US" altLang="zh-CN" sz="2000" dirty="0">
+              <a:solidFill>
+                <a:schemeClr val="tx1">
+                  <a:lumMod val="95000"/>
+                  <a:lumOff val="5000"/>
+                </a:schemeClr>
+              </a:solidFill>
+            </a:endParaRPr>
+          </a:p>
+          <a:p>
+            <a:r>
+              <a:rPr lang="zh-CN" altLang="en-US" dirty="0">
+                <a:solidFill>
+                  <a:schemeClr val="tx1">
+                    <a:lumMod val="65000"/>
+                    <a:lumOff val="35000"/>
+                  </a:schemeClr>
+                </a:solidFill>
+              </a:rPr>
+              <a:t>会将现在您所有金钱、时间等数据显示在这里</a:t>
+            </a:r>
+            <a:endParaRPr lang="en-US" altLang="zh-CN" dirty="0">
+              <a:solidFill>
+                <a:schemeClr val="tx1">
+                  <a:lumMod val="65000"/>
+                  <a:lumOff val="35000"/>
+                </a:schemeClr>
+              </a:solidFill>
+            </a:endParaRPr>
+          </a:p>
+          <a:p>
+            <a:pPr marL="285750" indent="-285750">
+              <a:buFont typeface="Arial" panose="020B0604020202020204" pitchFamily="34" charset="0"/>
+              <a:buChar char="•"/>
+            </a:pPr>
+            <a:endParaRPr lang="en-US" dirty="0">
+              <a:solidFill>
+                <a:schemeClr val="tx1">
+                  <a:lumMod val="95000"/>
+                  <a:lumOff val="5000"/>
+                </a:schemeClr>
+              </a:solidFill>
+            </a:endParaRPr>
+          </a:p>
+          <a:p>
+            <a:r>
+              <a:rPr lang="en-US" sz="2000" dirty="0">
+                <a:solidFill>
+                  <a:schemeClr val="tx1">
+                    <a:lumMod val="95000"/>
+                    <a:lumOff val="5000"/>
+                  </a:schemeClr>
+                </a:solidFill>
+              </a:rPr>
+              <a:t>③</a:t>
+            </a:r>
+            <a:r>
+              <a:rPr lang="zh-CN" altLang="en-US" sz="2000" dirty="0">
+                <a:solidFill>
+                  <a:schemeClr val="tx1">
+                    <a:lumMod val="95000"/>
+                    <a:lumOff val="5000"/>
+                  </a:schemeClr>
+                </a:solidFill>
+              </a:rPr>
+              <a:t>远程商店界面：</a:t>
+            </a:r>
+            <a:endParaRPr lang="en-US" altLang="zh-CN" sz="2000" dirty="0">
+              <a:solidFill>
+                <a:schemeClr val="tx1">
+                  <a:lumMod val="95000"/>
+                  <a:lumOff val="5000"/>
+                </a:schemeClr>
+              </a:solidFill>
+            </a:endParaRPr>
+          </a:p>
+          <a:p>
+            <a:r>
+              <a:rPr lang="zh-CN" altLang="en-US" dirty="0">
+                <a:solidFill>
+                  <a:schemeClr val="tx1">
+                    <a:lumMod val="65000"/>
+                    <a:lumOff val="35000"/>
+                  </a:schemeClr>
+                </a:solidFill>
+              </a:rPr>
+              <a:t>根据您所在公司不同，本终端已经接入远程服务器模组购入渠道</a:t>
+            </a:r>
+            <a:endParaRPr lang="en-US" dirty="0">
+              <a:solidFill>
+                <a:schemeClr val="tx1">
+                  <a:lumMod val="65000"/>
+                  <a:lumOff val="35000"/>
+                </a:schemeClr>
+              </a:solidFill>
+            </a:endParaRPr>
           </a:p>
         </p:txBody>
       </p:sp>
     </p:spTree>
     <p:extLst>
       <p:ext uri="{BB962C8B-B14F-4D97-AF65-F5344CB8AC3E}">
-        <p14:creationId xmlns:p14="http://schemas.microsoft.com/office/powerpoint/2010/main" val="1756929301"/>
+        <p14:creationId xmlns:p14="http://schemas.microsoft.com/office/powerpoint/2010/main" val="1317980706"/>
       </p:ext>
     </p:extLst>
   </p:cSld>
@@ -6244,7 +6986,7 @@
           <p:cNvPr id="2" name="标题 1">
             <a:extLst>
               <a:ext uri="{FF2B5EF4-FFF2-40B4-BE49-F238E27FC236}">
-                <a16:creationId xmlns:a16="http://schemas.microsoft.com/office/drawing/2014/main" id="{01D89E99-A124-4D60-95F9-CEBFE9E2D80E}"/>
+                <a16:creationId xmlns:a16="http://schemas.microsoft.com/office/drawing/2014/main" id="{5E6B013F-A296-46A8-990D-C2220A82F7DD}"/>
               </a:ext>
             </a:extLst>
           </p:cNvPr>
@@ -6262,7 +7004,7 @@
           <a:p>
             <a:r>
               <a:rPr lang="zh-CN" altLang="en-US" dirty="0"/>
-              <a:t>操作界面说明</a:t>
+              <a:t>主界面细节操作说明</a:t>
             </a:r>
             <a:endParaRPr lang="en-US" dirty="0"/>
           </a:p>
@@ -6270,10 +7012,10 @@
       </p:sp>
       <p:pic>
         <p:nvPicPr>
-          <p:cNvPr id="5" name="图片 4">
+          <p:cNvPr id="4" name="图片 3">
             <a:extLst>
               <a:ext uri="{FF2B5EF4-FFF2-40B4-BE49-F238E27FC236}">
-                <a16:creationId xmlns:a16="http://schemas.microsoft.com/office/drawing/2014/main" id="{2E978E99-DE84-4BAB-97BF-FE1D52B9FEF0}"/>
+                <a16:creationId xmlns:a16="http://schemas.microsoft.com/office/drawing/2014/main" id="{3ABA9BF7-56AA-4B67-9B9F-0988C1CBEB51}"/>
               </a:ext>
             </a:extLst>
           </p:cNvPr>
@@ -6282,7 +7024,7 @@
           </p:cNvPicPr>
           <p:nvPr/>
         </p:nvPicPr>
-        <p:blipFill>
+        <p:blipFill rotWithShape="1">
           <a:blip r:embed="rId2">
             <a:extLst>
               <a:ext uri="{28A0092B-C50C-407E-A947-70E740481C1C}">
@@ -6290,14 +7032,13 @@
               </a:ext>
             </a:extLst>
           </a:blip>
-          <a:stretch>
-            <a:fillRect/>
-          </a:stretch>
+          <a:srcRect l="1218" t="5053" r="33835" b="6607"/>
+          <a:stretch/>
         </p:blipFill>
         <p:spPr>
           <a:xfrm>
-            <a:off x="838200" y="1690688"/>
-            <a:ext cx="5729831" cy="4297373"/>
+            <a:off x="1407269" y="1879874"/>
+            <a:ext cx="4260715" cy="4346550"/>
           </a:xfrm>
           <a:prstGeom prst="rect">
             <a:avLst/>
@@ -6306,10 +7047,10 @@
       </p:pic>
       <p:sp>
         <p:nvSpPr>
-          <p:cNvPr id="9" name="文本框 8">
+          <p:cNvPr id="3" name="文本框 2">
             <a:extLst>
               <a:ext uri="{FF2B5EF4-FFF2-40B4-BE49-F238E27FC236}">
-                <a16:creationId xmlns:a16="http://schemas.microsoft.com/office/drawing/2014/main" id="{3572A299-F1DC-478E-906A-76AE3C94D7C5}"/>
+                <a16:creationId xmlns:a16="http://schemas.microsoft.com/office/drawing/2014/main" id="{A010CE16-4D08-4D2A-ABB6-D51B6203E41F}"/>
               </a:ext>
             </a:extLst>
           </p:cNvPr>
@@ -6318,8 +7059,8 @@
         </p:nvSpPr>
         <p:spPr>
           <a:xfrm>
-            <a:off x="969632" y="2073586"/>
-            <a:ext cx="576870" cy="369332"/>
+            <a:off x="6026631" y="2095599"/>
+            <a:ext cx="5059681" cy="1200329"/>
           </a:xfrm>
           <a:prstGeom prst="rect">
             <a:avLst/>
@@ -6333,18 +7074,95 @@
           <a:lstStyle/>
           <a:p>
             <a:r>
-              <a:rPr lang="en-US" dirty="0"/>
-              <a:t>①</a:t>
-            </a:r>
-          </a:p>
-        </p:txBody>
-      </p:sp>
-      <p:sp>
-        <p:nvSpPr>
-          <p:cNvPr id="11" name="文本框 10">
+              <a:rPr lang="zh-CN" altLang="en-US" dirty="0">
+                <a:solidFill>
+                  <a:schemeClr val="tx1">
+                    <a:lumMod val="65000"/>
+                    <a:lumOff val="35000"/>
+                  </a:schemeClr>
+                </a:solidFill>
+              </a:rPr>
+              <a:t>在主界面上，使用</a:t>
+            </a:r>
+            <a:r>
+              <a:rPr lang="zh-CN" altLang="en-US" b="1" dirty="0">
+                <a:solidFill>
+                  <a:schemeClr val="tx1">
+                    <a:lumMod val="95000"/>
+                    <a:lumOff val="5000"/>
+                  </a:schemeClr>
+                </a:solidFill>
+              </a:rPr>
+              <a:t>黑框</a:t>
+            </a:r>
+            <a:r>
+              <a:rPr lang="zh-CN" altLang="en-US" dirty="0">
+                <a:solidFill>
+                  <a:schemeClr val="tx1">
+                    <a:lumMod val="65000"/>
+                    <a:lumOff val="35000"/>
+                  </a:schemeClr>
+                </a:solidFill>
+              </a:rPr>
+              <a:t>代指的就是各种设备模组。</a:t>
+            </a:r>
+            <a:endParaRPr lang="en-US" altLang="zh-CN" dirty="0">
+              <a:solidFill>
+                <a:schemeClr val="tx1">
+                  <a:lumMod val="65000"/>
+                  <a:lumOff val="35000"/>
+                </a:schemeClr>
+              </a:solidFill>
+            </a:endParaRPr>
+          </a:p>
+          <a:p>
+            <a:r>
+              <a:rPr lang="zh-CN" altLang="en-US" dirty="0">
+                <a:solidFill>
+                  <a:schemeClr val="tx1">
+                    <a:lumMod val="65000"/>
+                    <a:lumOff val="35000"/>
+                  </a:schemeClr>
+                </a:solidFill>
+              </a:rPr>
+              <a:t>您就需要使用</a:t>
+            </a:r>
+            <a:r>
+              <a:rPr lang="zh-CN" altLang="en-US" b="1" dirty="0">
+                <a:solidFill>
+                  <a:srgbClr val="00B050"/>
+                </a:solidFill>
+              </a:rPr>
+              <a:t>绿色</a:t>
+            </a:r>
+            <a:r>
+              <a:rPr lang="zh-CN" altLang="en-US" dirty="0">
+                <a:solidFill>
+                  <a:schemeClr val="tx1">
+                    <a:lumMod val="65000"/>
+                    <a:lumOff val="35000"/>
+                  </a:schemeClr>
+                </a:solidFill>
+              </a:rPr>
+              <a:t>的游标移动这些模组。使模组之间通过特定的方式链接，从而可以进行赚取金钱。</a:t>
+            </a:r>
+            <a:endParaRPr lang="en-US" dirty="0">
+              <a:solidFill>
+                <a:schemeClr val="tx1">
+                  <a:lumMod val="65000"/>
+                  <a:lumOff val="35000"/>
+                </a:schemeClr>
+              </a:solidFill>
+            </a:endParaRPr>
+          </a:p>
+        </p:txBody>
+      </p:sp>
+      <p:sp>
+        <p:nvSpPr>
+          <p:cNvPr id="6" name="文本框 5">
             <a:extLst>
               <a:ext uri="{FF2B5EF4-FFF2-40B4-BE49-F238E27FC236}">
-                <a16:creationId xmlns:a16="http://schemas.microsoft.com/office/drawing/2014/main" id="{3FED52D5-9A0F-4EF5-9EE6-39669689DBA1}"/>
+                <a16:creationId xmlns:a16="http://schemas.microsoft.com/office/drawing/2014/main" id="{B9E7BB19-71AB-43B1-948E-0B8587C5F2D3}"/>
               </a:ext>
             </a:extLst>
           </p:cNvPr>
@@ -6353,8 +7171,8 @@
         </p:nvSpPr>
         <p:spPr>
           <a:xfrm>
-            <a:off x="5978889" y="2041111"/>
-            <a:ext cx="478679" cy="369332"/>
+            <a:off x="6297377" y="3560622"/>
+            <a:ext cx="3897549" cy="2585323"/>
           </a:xfrm>
           <a:prstGeom prst="rect">
             <a:avLst/>
@@ -6368,18 +7186,315 @@
           <a:lstStyle/>
           <a:p>
             <a:r>
-              <a:rPr lang="en-US" dirty="0"/>
-              <a:t>②</a:t>
-            </a:r>
-          </a:p>
-        </p:txBody>
-      </p:sp>
-      <p:sp>
-        <p:nvSpPr>
-          <p:cNvPr id="12" name="文本框 11">
+              <a:rPr lang="zh-CN" altLang="en-US" dirty="0">
+                <a:solidFill>
+                  <a:schemeClr val="tx1">
+                    <a:lumMod val="65000"/>
+                    <a:lumOff val="35000"/>
+                  </a:schemeClr>
+                </a:solidFill>
+              </a:rPr>
+              <a:t>随时：</a:t>
+            </a:r>
+            <a:endParaRPr lang="en-US" altLang="zh-CN" dirty="0">
+              <a:solidFill>
+                <a:schemeClr val="tx1">
+                  <a:lumMod val="65000"/>
+                  <a:lumOff val="35000"/>
+                </a:schemeClr>
+              </a:solidFill>
+            </a:endParaRPr>
+          </a:p>
+          <a:p>
+            <a:r>
+              <a:rPr lang="zh-CN" altLang="en-US" dirty="0">
+                <a:solidFill>
+                  <a:schemeClr val="tx1">
+                    <a:lumMod val="65000"/>
+                    <a:lumOff val="35000"/>
+                  </a:schemeClr>
+                </a:solidFill>
+              </a:rPr>
+              <a:t>通过</a:t>
+            </a:r>
+            <a:r>
+              <a:rPr lang="en-US" altLang="zh-CN" dirty="0">
+                <a:solidFill>
+                  <a:schemeClr val="tx1">
+                    <a:lumMod val="95000"/>
+                    <a:lumOff val="5000"/>
+                  </a:schemeClr>
+                </a:solidFill>
+              </a:rPr>
+              <a:t>【</a:t>
+            </a:r>
+            <a:r>
+              <a:rPr lang="zh-CN" altLang="en-US" dirty="0">
+                <a:solidFill>
+                  <a:schemeClr val="tx1">
+                    <a:lumMod val="95000"/>
+                    <a:lumOff val="5000"/>
+                  </a:schemeClr>
+                </a:solidFill>
+              </a:rPr>
+              <a:t>方向键</a:t>
+            </a:r>
+            <a:r>
+              <a:rPr lang="en-US" altLang="zh-CN" dirty="0">
+                <a:solidFill>
+                  <a:schemeClr val="tx1">
+                    <a:lumMod val="95000"/>
+                    <a:lumOff val="5000"/>
+                  </a:schemeClr>
+                </a:solidFill>
+              </a:rPr>
+              <a:t>】</a:t>
+            </a:r>
+            <a:r>
+              <a:rPr lang="zh-CN" altLang="en-US" dirty="0">
+                <a:solidFill>
+                  <a:schemeClr val="tx1">
+                    <a:lumMod val="65000"/>
+                    <a:lumOff val="35000"/>
+                  </a:schemeClr>
+                </a:solidFill>
+              </a:rPr>
+              <a:t>移动游标</a:t>
+            </a:r>
+            <a:endParaRPr lang="en-US" altLang="zh-CN" dirty="0">
+              <a:solidFill>
+                <a:schemeClr val="tx1">
+                  <a:lumMod val="65000"/>
+                  <a:lumOff val="35000"/>
+                </a:schemeClr>
+              </a:solidFill>
+            </a:endParaRPr>
+          </a:p>
+          <a:p>
+            <a:endParaRPr lang="en-US" altLang="zh-CN" dirty="0">
+              <a:solidFill>
+                <a:schemeClr val="tx1">
+                  <a:lumMod val="65000"/>
+                  <a:lumOff val="35000"/>
+                </a:schemeClr>
+              </a:solidFill>
+            </a:endParaRPr>
+          </a:p>
+          <a:p>
+            <a:r>
+              <a:rPr lang="zh-CN" altLang="en-US" dirty="0">
+                <a:solidFill>
+                  <a:schemeClr val="tx1">
+                    <a:lumMod val="65000"/>
+                    <a:lumOff val="35000"/>
+                  </a:schemeClr>
+                </a:solidFill>
+              </a:rPr>
+              <a:t>在游标处于模组上时：</a:t>
+            </a:r>
+            <a:endParaRPr lang="en-US" altLang="zh-CN" dirty="0">
+              <a:solidFill>
+                <a:schemeClr val="tx1">
+                  <a:lumMod val="65000"/>
+                  <a:lumOff val="35000"/>
+                </a:schemeClr>
+              </a:solidFill>
+            </a:endParaRPr>
+          </a:p>
+          <a:p>
+            <a:r>
+              <a:rPr lang="zh-CN" altLang="en-US" dirty="0">
+                <a:solidFill>
+                  <a:schemeClr val="tx1">
+                    <a:lumMod val="65000"/>
+                    <a:lumOff val="35000"/>
+                  </a:schemeClr>
+                </a:solidFill>
+              </a:rPr>
+              <a:t>通过</a:t>
+            </a:r>
+            <a:r>
+              <a:rPr lang="en-US" altLang="zh-CN" dirty="0">
+                <a:solidFill>
+                  <a:schemeClr val="tx1">
+                    <a:lumMod val="95000"/>
+                    <a:lumOff val="5000"/>
+                  </a:schemeClr>
+                </a:solidFill>
+              </a:rPr>
+              <a:t>【</a:t>
+            </a:r>
+            <a:r>
+              <a:rPr lang="zh-CN" altLang="en-US" dirty="0">
+                <a:solidFill>
+                  <a:schemeClr val="tx1">
+                    <a:lumMod val="95000"/>
+                    <a:lumOff val="5000"/>
+                  </a:schemeClr>
+                </a:solidFill>
+              </a:rPr>
+              <a:t>按住</a:t>
+            </a:r>
+            <a:r>
+              <a:rPr lang="en-US" altLang="zh-CN" dirty="0">
+                <a:solidFill>
+                  <a:schemeClr val="tx1">
+                    <a:lumMod val="95000"/>
+                    <a:lumOff val="5000"/>
+                  </a:schemeClr>
+                </a:solidFill>
+              </a:rPr>
+              <a:t>A</a:t>
+            </a:r>
+            <a:r>
+              <a:rPr lang="zh-CN" altLang="en-US" dirty="0">
+                <a:solidFill>
+                  <a:schemeClr val="tx1">
+                    <a:lumMod val="95000"/>
+                    <a:lumOff val="5000"/>
+                  </a:schemeClr>
+                </a:solidFill>
+              </a:rPr>
+              <a:t>键和方向键</a:t>
+            </a:r>
+            <a:r>
+              <a:rPr lang="en-US" altLang="zh-CN" dirty="0">
+                <a:solidFill>
+                  <a:schemeClr val="tx1">
+                    <a:lumMod val="95000"/>
+                    <a:lumOff val="5000"/>
+                  </a:schemeClr>
+                </a:solidFill>
+              </a:rPr>
+              <a:t>】</a:t>
+            </a:r>
+            <a:r>
+              <a:rPr lang="zh-CN" altLang="en-US" dirty="0">
+                <a:solidFill>
+                  <a:schemeClr val="tx1">
+                    <a:lumMod val="65000"/>
+                    <a:lumOff val="35000"/>
+                  </a:schemeClr>
+                </a:solidFill>
+              </a:rPr>
+              <a:t>移动模组</a:t>
+            </a:r>
+            <a:endParaRPr lang="en-US" altLang="zh-CN" dirty="0">
+              <a:solidFill>
+                <a:schemeClr val="tx1">
+                  <a:lumMod val="65000"/>
+                  <a:lumOff val="35000"/>
+                </a:schemeClr>
+              </a:solidFill>
+            </a:endParaRPr>
+          </a:p>
+          <a:p>
+            <a:endParaRPr lang="en-US" altLang="zh-CN" dirty="0">
+              <a:solidFill>
+                <a:schemeClr val="tx1">
+                  <a:lumMod val="65000"/>
+                  <a:lumOff val="35000"/>
+                </a:schemeClr>
+              </a:solidFill>
+            </a:endParaRPr>
+          </a:p>
+          <a:p>
+            <a:r>
+              <a:rPr lang="zh-CN" altLang="en-US" dirty="0">
+                <a:solidFill>
+                  <a:schemeClr val="tx1">
+                    <a:lumMod val="65000"/>
+                    <a:lumOff val="35000"/>
+                  </a:schemeClr>
+                </a:solidFill>
+              </a:rPr>
+              <a:t>在游标处于模组上时：</a:t>
+            </a:r>
+            <a:endParaRPr lang="en-US" altLang="zh-CN" dirty="0">
+              <a:solidFill>
+                <a:schemeClr val="tx1">
+                  <a:lumMod val="65000"/>
+                  <a:lumOff val="35000"/>
+                </a:schemeClr>
+              </a:solidFill>
+            </a:endParaRPr>
+          </a:p>
+          <a:p>
+            <a:r>
+              <a:rPr lang="zh-CN" altLang="en-US" dirty="0">
+                <a:solidFill>
+                  <a:schemeClr val="tx1">
+                    <a:lumMod val="65000"/>
+                    <a:lumOff val="35000"/>
+                  </a:schemeClr>
+                </a:solidFill>
+              </a:rPr>
+              <a:t>通过</a:t>
+            </a:r>
+            <a:r>
+              <a:rPr lang="en-US" altLang="zh-CN" dirty="0">
+                <a:solidFill>
+                  <a:schemeClr val="tx1">
+                    <a:lumMod val="95000"/>
+                    <a:lumOff val="5000"/>
+                  </a:schemeClr>
+                </a:solidFill>
+              </a:rPr>
+              <a:t>【B</a:t>
+            </a:r>
+            <a:r>
+              <a:rPr lang="zh-CN" altLang="en-US" dirty="0">
+                <a:solidFill>
+                  <a:schemeClr val="tx1">
+                    <a:lumMod val="95000"/>
+                    <a:lumOff val="5000"/>
+                  </a:schemeClr>
+                </a:solidFill>
+              </a:rPr>
+              <a:t>键</a:t>
+            </a:r>
+            <a:r>
+              <a:rPr lang="en-US" altLang="zh-CN" dirty="0">
+                <a:solidFill>
+                  <a:schemeClr val="tx1">
+                    <a:lumMod val="95000"/>
+                    <a:lumOff val="5000"/>
+                  </a:schemeClr>
+                </a:solidFill>
+              </a:rPr>
+              <a:t>】</a:t>
+            </a:r>
+            <a:r>
+              <a:rPr lang="zh-CN" altLang="en-US" dirty="0">
+                <a:solidFill>
+                  <a:schemeClr val="tx1">
+                    <a:lumMod val="65000"/>
+                    <a:lumOff val="35000"/>
+                  </a:schemeClr>
+                </a:solidFill>
+              </a:rPr>
+              <a:t>转动模组</a:t>
+            </a:r>
+            <a:endParaRPr lang="en-US" dirty="0">
+              <a:solidFill>
+                <a:schemeClr val="tx1">
+                  <a:lumMod val="65000"/>
+                  <a:lumOff val="35000"/>
+                </a:schemeClr>
+              </a:solidFill>
+            </a:endParaRPr>
+          </a:p>
+          <a:p>
+            <a:endParaRPr lang="en-US" dirty="0"/>
+          </a:p>
+        </p:txBody>
+      </p:sp>
+      <p:sp>
+        <p:nvSpPr>
+          <p:cNvPr id="7" name="文本框 6">
             <a:extLst>
               <a:ext uri="{FF2B5EF4-FFF2-40B4-BE49-F238E27FC236}">
-                <a16:creationId xmlns:a16="http://schemas.microsoft.com/office/drawing/2014/main" id="{0A8E18F3-073C-41A9-AA34-84BB8BAEBDC9}"/>
+                <a16:creationId xmlns:a16="http://schemas.microsoft.com/office/drawing/2014/main" id="{3AD85034-E36B-4F91-88C1-7CA95C154039}"/>
               </a:ext>
             </a:extLst>
           </p:cNvPr>
@@ -6388,8 +7503,8 @@
         </p:nvSpPr>
         <p:spPr>
           <a:xfrm>
-            <a:off x="5332978" y="3420948"/>
-            <a:ext cx="570732" cy="369332"/>
+            <a:off x="7709585" y="6550223"/>
+            <a:ext cx="3565914" cy="307777"/>
           </a:xfrm>
           <a:prstGeom prst="rect">
             <a:avLst/>
@@ -6403,125 +7518,41 @@
           <a:lstStyle/>
           <a:p>
             <a:r>
-              <a:rPr lang="en-US" dirty="0"/>
-              <a:t>③</a:t>
-            </a:r>
-          </a:p>
-        </p:txBody>
-      </p:sp>
-      <p:sp>
-        <p:nvSpPr>
-          <p:cNvPr id="13" name="文本框 12">
-            <a:extLst>
-              <a:ext uri="{FF2B5EF4-FFF2-40B4-BE49-F238E27FC236}">
-                <a16:creationId xmlns:a16="http://schemas.microsoft.com/office/drawing/2014/main" id="{ECFCF6DC-EE35-4527-96C2-4AE6891D8225}"/>
-              </a:ext>
-            </a:extLst>
-          </p:cNvPr>
-          <p:cNvSpPr txBox="1"/>
-          <p:nvPr/>
-        </p:nvSpPr>
-        <p:spPr>
-          <a:xfrm>
-            <a:off x="7335912" y="2082120"/>
-            <a:ext cx="3485766" cy="3416320"/>
-          </a:xfrm>
-          <a:prstGeom prst="rect">
-            <a:avLst/>
-          </a:prstGeom>
-          <a:noFill/>
-        </p:spPr>
-        <p:txBody>
-          <a:bodyPr wrap="square" rtlCol="0">
-            <a:spAutoFit/>
-          </a:bodyPr>
-          <a:lstStyle/>
-          <a:p>
-            <a:r>
-              <a:rPr lang="en-US" dirty="0"/>
-              <a:t>①:</a:t>
-            </a:r>
-            <a:r>
-              <a:rPr lang="zh-CN" altLang="en-US" dirty="0"/>
-              <a:t>主操作界面</a:t>
-            </a:r>
-            <a:endParaRPr lang="en-US" altLang="zh-CN" dirty="0"/>
-          </a:p>
-          <a:p>
-            <a:pPr marL="285750" indent="-285750">
-              <a:buFont typeface="Arial" panose="020B0604020202020204" pitchFamily="34" charset="0"/>
-              <a:buChar char="•"/>
-            </a:pPr>
-            <a:r>
-              <a:rPr lang="zh-CN" altLang="en-US" dirty="0"/>
-              <a:t>您所操作服务器阵列所在地的实时监控窗口</a:t>
-            </a:r>
-            <a:endParaRPr lang="en-US" altLang="zh-CN" dirty="0"/>
-          </a:p>
-          <a:p>
-            <a:pPr marL="285750" indent="-285750">
-              <a:buFont typeface="Arial" panose="020B0604020202020204" pitchFamily="34" charset="0"/>
-              <a:buChar char="•"/>
-            </a:pPr>
-            <a:endParaRPr lang="en-US" dirty="0"/>
-          </a:p>
-          <a:p>
-            <a:r>
-              <a:rPr lang="en-US" dirty="0"/>
-              <a:t>②:</a:t>
-            </a:r>
-            <a:r>
-              <a:rPr lang="zh-CN" altLang="en-US" dirty="0"/>
-              <a:t>实时全局监控面板</a:t>
-            </a:r>
-            <a:endParaRPr lang="en-US" altLang="zh-CN" dirty="0"/>
-          </a:p>
-          <a:p>
-            <a:pPr marL="285750" indent="-285750">
-              <a:buFont typeface="Arial" panose="020B0604020202020204" pitchFamily="34" charset="0"/>
-              <a:buChar char="•"/>
-            </a:pPr>
-            <a:r>
-              <a:rPr lang="zh-CN" altLang="en-US" dirty="0"/>
-              <a:t>会将现在您所有金钱时间等数据显示在这里</a:t>
-            </a:r>
-            <a:endParaRPr lang="en-US" altLang="zh-CN" dirty="0"/>
-          </a:p>
-          <a:p>
-            <a:pPr marL="285750" indent="-285750">
-              <a:buFont typeface="Arial" panose="020B0604020202020204" pitchFamily="34" charset="0"/>
-              <a:buChar char="•"/>
-            </a:pPr>
-            <a:endParaRPr lang="en-US" dirty="0"/>
-          </a:p>
-          <a:p>
-            <a:r>
-              <a:rPr lang="en-US" dirty="0"/>
-              <a:t>③:</a:t>
-            </a:r>
-            <a:r>
-              <a:rPr lang="zh-CN" altLang="en-US" dirty="0"/>
-              <a:t>远程商店界面</a:t>
-            </a:r>
-            <a:endParaRPr lang="en-US" altLang="zh-CN" dirty="0"/>
-          </a:p>
-          <a:p>
-            <a:pPr marL="285750" indent="-285750">
-              <a:buFont typeface="Arial" panose="020B0604020202020204" pitchFamily="34" charset="0"/>
-              <a:buChar char="•"/>
-            </a:pPr>
-            <a:r>
-              <a:rPr lang="zh-CN" altLang="en-US" dirty="0"/>
-              <a:t>根据您所在公司不同，本终端已经接入远程服务器模组购入渠道</a:t>
-            </a:r>
-            <a:endParaRPr lang="en-US" dirty="0"/>
+              <a:rPr lang="zh-CN" altLang="en-US" sz="1400" i="1" dirty="0"/>
+              <a:t>*</a:t>
+            </a:r>
+            <a:r>
+              <a:rPr lang="zh-CN" altLang="en-US" sz="1400" b="1" i="1" dirty="0">
+                <a:solidFill>
+                  <a:srgbClr val="FF0000"/>
+                </a:solidFill>
+              </a:rPr>
+              <a:t>红色</a:t>
+            </a:r>
+            <a:r>
+              <a:rPr lang="zh-CN" altLang="en-US" sz="1400" i="1" dirty="0"/>
+              <a:t>框请参考后文的</a:t>
+            </a:r>
+            <a:r>
+              <a:rPr lang="en-US" altLang="zh-CN" sz="1400" i="1" dirty="0"/>
+              <a:t>【</a:t>
+            </a:r>
+            <a:r>
+              <a:rPr lang="zh-CN" altLang="en-US" sz="1400" i="1" dirty="0"/>
+              <a:t>灾害模拟系统说明</a:t>
+            </a:r>
+            <a:r>
+              <a:rPr lang="en-US" altLang="zh-CN" sz="1400" i="1" dirty="0"/>
+              <a:t>】</a:t>
+            </a:r>
+            <a:endParaRPr lang="en-US" sz="1400" i="1" dirty="0"/>
           </a:p>
         </p:txBody>
       </p:sp>
     </p:spTree>
     <p:extLst>
       <p:ext uri="{BB962C8B-B14F-4D97-AF65-F5344CB8AC3E}">
-        <p14:creationId xmlns:p14="http://schemas.microsoft.com/office/powerpoint/2010/main" val="1317980706"/>
+        <p14:creationId xmlns:p14="http://schemas.microsoft.com/office/powerpoint/2010/main" val="1150196344"/>
       </p:ext>
     </p:extLst>
   </p:cSld>
@@ -6553,7 +7584,7 @@
           <p:cNvPr id="2" name="标题 1">
             <a:extLst>
               <a:ext uri="{FF2B5EF4-FFF2-40B4-BE49-F238E27FC236}">
-                <a16:creationId xmlns:a16="http://schemas.microsoft.com/office/drawing/2014/main" id="{5E6B013F-A296-46A8-990D-C2220A82F7DD}"/>
+                <a16:creationId xmlns:a16="http://schemas.microsoft.com/office/drawing/2014/main" id="{F81EE44C-19CB-4103-BF1D-AEED389FB1D7}"/>
               </a:ext>
             </a:extLst>
           </p:cNvPr>
@@ -6571,118 +7602,242 @@
           <a:p>
             <a:r>
               <a:rPr lang="zh-CN" altLang="en-US" dirty="0"/>
-              <a:t>主界面细节操作说明</a:t>
+              <a:t>主体操作流程</a:t>
+            </a:r>
+            <a:r>
+              <a:rPr lang="en-US" altLang="zh-CN" dirty="0"/>
+              <a:t>——</a:t>
+            </a:r>
+            <a:r>
+              <a:rPr lang="zh-CN" altLang="en-US" dirty="0"/>
+              <a:t>周期的说明</a:t>
             </a:r>
             <a:endParaRPr lang="en-US" dirty="0"/>
           </a:p>
         </p:txBody>
       </p:sp>
-      <p:pic>
-        <p:nvPicPr>
-          <p:cNvPr id="4" name="图片 3">
+      <p:sp>
+        <p:nvSpPr>
+          <p:cNvPr id="3" name="内容占位符 2">
             <a:extLst>
               <a:ext uri="{FF2B5EF4-FFF2-40B4-BE49-F238E27FC236}">
-                <a16:creationId xmlns:a16="http://schemas.microsoft.com/office/drawing/2014/main" id="{3ABA9BF7-56AA-4B67-9B9F-0988C1CBEB51}"/>
+                <a16:creationId xmlns:a16="http://schemas.microsoft.com/office/drawing/2014/main" id="{27E34F56-5310-4D38-B3B4-94394305444B}"/>
               </a:ext>
             </a:extLst>
           </p:cNvPr>
-          <p:cNvPicPr>
-            <a:picLocks noChangeAspect="1"/>
-          </p:cNvPicPr>
-          <p:nvPr/>
-        </p:nvPicPr>
-        <p:blipFill rotWithShape="1">
-          <a:blip r:embed="rId2">
-            <a:extLst>
-              <a:ext uri="{28A0092B-C50C-407E-A947-70E740481C1C}">
-                <a14:useLocalDpi xmlns:a14="http://schemas.microsoft.com/office/drawing/2010/main" val="0"/>
-              </a:ext>
-            </a:extLst>
-          </a:blip>
-          <a:srcRect l="901" t="5643" r="33444" b="5959"/>
-          <a:stretch/>
-        </p:blipFill>
-        <p:spPr>
-          <a:xfrm>
-            <a:off x="1098506" y="1690688"/>
-            <a:ext cx="3761929" cy="3798749"/>
-          </a:xfrm>
-          <a:prstGeom prst="rect">
-            <a:avLst/>
-          </a:prstGeom>
-        </p:spPr>
-      </p:pic>
-      <p:sp>
-        <p:nvSpPr>
-          <p:cNvPr id="5" name="文本框 4">
-            <a:extLst>
-              <a:ext uri="{FF2B5EF4-FFF2-40B4-BE49-F238E27FC236}">
-                <a16:creationId xmlns:a16="http://schemas.microsoft.com/office/drawing/2014/main" id="{44CBE017-0CF3-49B9-B115-C2F96C1F5B32}"/>
-              </a:ext>
-            </a:extLst>
-          </p:cNvPr>
-          <p:cNvSpPr txBox="1"/>
-          <p:nvPr/>
-        </p:nvSpPr>
-        <p:spPr>
-          <a:xfrm>
-            <a:off x="6096000" y="2989898"/>
-            <a:ext cx="4608822" cy="1200329"/>
-          </a:xfrm>
-          <a:prstGeom prst="rect">
-            <a:avLst/>
-          </a:prstGeom>
-          <a:noFill/>
-        </p:spPr>
-        <p:txBody>
-          <a:bodyPr wrap="square" rtlCol="0">
-            <a:spAutoFit/>
-          </a:bodyPr>
+          <p:cNvSpPr>
+            <a:spLocks noGrp="1"/>
+          </p:cNvSpPr>
+          <p:nvPr>
+            <p:ph idx="1"/>
+          </p:nvPr>
+        </p:nvSpPr>
+        <p:spPr/>
+        <p:txBody>
+          <a:bodyPr/>
           <a:lstStyle/>
           <a:p>
             <a:r>
               <a:rPr lang="zh-CN" altLang="en-US" dirty="0"/>
-              <a:t>在界面上，使用</a:t>
+              <a:t>本系统的结算、收益以及时间统计是基于时间为阶段，该时间阶段被称为</a:t>
+            </a:r>
+            <a:r>
+              <a:rPr lang="en-US" altLang="zh-CN" b="1" dirty="0">
+                <a:solidFill>
+                  <a:schemeClr val="tx1">
+                    <a:lumMod val="95000"/>
+                    <a:lumOff val="5000"/>
+                  </a:schemeClr>
+                </a:solidFill>
+              </a:rPr>
+              <a:t>【</a:t>
+            </a:r>
+            <a:r>
+              <a:rPr lang="zh-CN" altLang="en-US" b="1" dirty="0">
+                <a:solidFill>
+                  <a:schemeClr val="tx1">
+                    <a:lumMod val="95000"/>
+                    <a:lumOff val="5000"/>
+                  </a:schemeClr>
+                </a:solidFill>
+              </a:rPr>
+              <a:t>周期</a:t>
+            </a:r>
+            <a:r>
+              <a:rPr lang="en-US" altLang="zh-CN" b="1" dirty="0">
+                <a:solidFill>
+                  <a:schemeClr val="tx1">
+                    <a:lumMod val="95000"/>
+                    <a:lumOff val="5000"/>
+                  </a:schemeClr>
+                </a:solidFill>
+              </a:rPr>
+              <a:t>】</a:t>
+            </a:r>
+            <a:r>
+              <a:rPr lang="zh-CN" altLang="en-US" dirty="0"/>
+              <a:t>。</a:t>
+            </a:r>
+            <a:endParaRPr lang="en-US" altLang="zh-CN" dirty="0"/>
+          </a:p>
+          <a:p>
+            <a:r>
+              <a:rPr lang="zh-CN" altLang="en-US" dirty="0"/>
+              <a:t>具体来说，使用者在主操作界面每</a:t>
+            </a:r>
+            <a:r>
+              <a:rPr lang="en-US" altLang="zh-CN" b="1" dirty="0">
+                <a:solidFill>
+                  <a:schemeClr val="tx1">
+                    <a:lumMod val="95000"/>
+                    <a:lumOff val="5000"/>
+                  </a:schemeClr>
+                </a:solidFill>
+              </a:rPr>
+              <a:t>【</a:t>
+            </a:r>
+            <a:r>
+              <a:rPr lang="zh-CN" altLang="en-US" b="1" dirty="0">
+                <a:solidFill>
+                  <a:schemeClr val="tx1">
+                    <a:lumMod val="95000"/>
+                    <a:lumOff val="5000"/>
+                  </a:schemeClr>
+                </a:solidFill>
+              </a:rPr>
+              <a:t>移动一次设备模组</a:t>
+            </a:r>
+            <a:r>
+              <a:rPr lang="en-US" altLang="zh-CN" b="1" dirty="0">
+                <a:solidFill>
+                  <a:schemeClr val="tx1">
+                    <a:lumMod val="95000"/>
+                    <a:lumOff val="5000"/>
+                  </a:schemeClr>
+                </a:solidFill>
+              </a:rPr>
+              <a:t>】</a:t>
+            </a:r>
+            <a:r>
+              <a:rPr lang="zh-CN" altLang="en-US" dirty="0"/>
+              <a:t>就会计算一次周期。</a:t>
+            </a:r>
+            <a:endParaRPr lang="en-US" altLang="zh-CN" dirty="0"/>
+          </a:p>
+          <a:p>
+            <a:r>
+              <a:rPr lang="zh-CN" altLang="en-US" dirty="0"/>
+              <a:t>系统将会每个周期结算当前</a:t>
+            </a:r>
+            <a:r>
+              <a:rPr lang="zh-CN" altLang="en-US" b="1" i="1" dirty="0">
+                <a:solidFill>
+                  <a:schemeClr val="tx1">
+                    <a:lumMod val="95000"/>
+                    <a:lumOff val="5000"/>
+                  </a:schemeClr>
+                </a:solidFill>
+              </a:rPr>
+              <a:t>金钱的收支</a:t>
+            </a:r>
+            <a:r>
+              <a:rPr lang="zh-CN" altLang="en-US" dirty="0"/>
+              <a:t>、</a:t>
+            </a:r>
+            <a:r>
+              <a:rPr lang="zh-CN" altLang="en-US" b="1" i="1" dirty="0">
+                <a:solidFill>
+                  <a:schemeClr val="tx1">
+                    <a:lumMod val="95000"/>
+                    <a:lumOff val="5000"/>
+                  </a:schemeClr>
+                </a:solidFill>
+              </a:rPr>
+              <a:t>商店的更新</a:t>
+            </a:r>
+            <a:r>
+              <a:rPr lang="zh-CN" altLang="en-US" dirty="0"/>
+              <a:t>并且</a:t>
+            </a:r>
+            <a:r>
+              <a:rPr lang="zh-CN" altLang="en-US" b="1" i="1" dirty="0">
+                <a:solidFill>
+                  <a:schemeClr val="tx1">
+                    <a:lumMod val="95000"/>
+                    <a:lumOff val="5000"/>
+                  </a:schemeClr>
+                </a:solidFill>
+              </a:rPr>
+              <a:t>模拟时长</a:t>
+            </a:r>
+            <a:r>
+              <a:rPr lang="zh-CN" altLang="en-US" dirty="0"/>
+              <a:t>均会以周期为计算。</a:t>
+            </a:r>
+            <a:endParaRPr lang="en-US" altLang="zh-CN" dirty="0"/>
+          </a:p>
+          <a:p>
+            <a:endParaRPr lang="en-US" dirty="0"/>
+          </a:p>
+          <a:p>
+            <a:r>
+              <a:rPr lang="zh-CN" altLang="en-US" dirty="0"/>
+              <a:t>注：</a:t>
             </a:r>
             <a:r>
               <a:rPr lang="en-US" altLang="zh-CN" dirty="0"/>
-              <a:t>DEOT</a:t>
+              <a:t>【</a:t>
             </a:r>
             <a:r>
               <a:rPr lang="zh-CN" altLang="en-US" dirty="0"/>
-              <a:t>的十字键移动游标、在游标框住某个设备模组的同时，按住</a:t>
+              <a:t>旋转模组</a:t>
             </a:r>
             <a:r>
               <a:rPr lang="en-US" altLang="zh-CN" dirty="0"/>
-              <a:t>A</a:t>
+              <a:t>】</a:t>
             </a:r>
             <a:r>
               <a:rPr lang="zh-CN" altLang="en-US" dirty="0"/>
-              <a:t>键再通过十字键移动就可以移动该设备模组。</a:t>
-            </a:r>
-            <a:endParaRPr lang="en-US" altLang="zh-CN" dirty="0"/>
-          </a:p>
-          <a:p>
+              <a:t>和</a:t>
+            </a:r>
+            <a:r>
+              <a:rPr lang="en-US" altLang="zh-CN" dirty="0"/>
+              <a:t>【</a:t>
+            </a:r>
             <a:r>
               <a:rPr lang="zh-CN" altLang="en-US" dirty="0"/>
-              <a:t>单击</a:t>
+              <a:t>仅移动空游标</a:t>
             </a:r>
             <a:r>
               <a:rPr lang="en-US" altLang="zh-CN" dirty="0"/>
-              <a:t>B</a:t>
-            </a:r>
-            <a:r>
-              <a:rPr lang="zh-CN" altLang="en-US" dirty="0"/>
-              <a:t>键则可以旋转游标选定的设备模组。</a:t>
-            </a:r>
-            <a:endParaRPr lang="en-US" dirty="0"/>
+              <a:t>】</a:t>
+            </a:r>
+            <a:r>
+              <a:rPr lang="zh-CN" altLang="en-US" b="1" dirty="0">
+                <a:solidFill>
+                  <a:schemeClr val="tx1">
+                    <a:lumMod val="95000"/>
+                    <a:lumOff val="5000"/>
+                  </a:schemeClr>
+                </a:solidFill>
+              </a:rPr>
+              <a:t>不计算周期</a:t>
+            </a:r>
+            <a:endParaRPr lang="en-US" b="1" dirty="0">
+              <a:solidFill>
+                <a:schemeClr val="tx1">
+                  <a:lumMod val="95000"/>
+                  <a:lumOff val="5000"/>
+                </a:schemeClr>
+              </a:solidFill>
+            </a:endParaRPr>
           </a:p>
         </p:txBody>
       </p:sp>
     </p:spTree>
     <p:extLst>
       <p:ext uri="{BB962C8B-B14F-4D97-AF65-F5344CB8AC3E}">
-        <p14:creationId xmlns:p14="http://schemas.microsoft.com/office/powerpoint/2010/main" val="1150196344"/>
+        <p14:creationId xmlns:p14="http://schemas.microsoft.com/office/powerpoint/2010/main" val="1756929301"/>
       </p:ext>
     </p:extLst>
   </p:cSld>
@@ -6787,7 +7942,7 @@
         </p:nvSpPr>
         <p:spPr>
           <a:xfrm>
-            <a:off x="6535813" y="2786158"/>
+            <a:off x="6463970" y="1948642"/>
             <a:ext cx="3915350" cy="2031325"/>
           </a:xfrm>
           <a:prstGeom prst="rect">
@@ -6803,9 +7958,21 @@
           <a:p>
             <a:r>
               <a:rPr lang="zh-CN" altLang="en-US" dirty="0"/>
-              <a:t>第一行数据为当前主面板中的布局可以在当前周期赚取（或损失）的金钱</a:t>
-            </a:r>
-            <a:endParaRPr lang="en-US" altLang="zh-CN" dirty="0"/>
+              <a:t>第一行数据：当前主面板中的布局可以在当前周期赚取（或损失）的</a:t>
+            </a:r>
+            <a:r>
+              <a:rPr lang="zh-CN" altLang="en-US" b="1" dirty="0">
+                <a:solidFill>
+                  <a:srgbClr val="FF9900"/>
+                </a:solidFill>
+              </a:rPr>
+              <a:t>金钱</a:t>
+            </a:r>
+            <a:endParaRPr lang="en-US" altLang="zh-CN" b="1" dirty="0">
+              <a:solidFill>
+                <a:srgbClr val="FF9900"/>
+              </a:solidFill>
+            </a:endParaRPr>
           </a:p>
           <a:p>
             <a:endParaRPr lang="en-US" dirty="0"/>
@@ -6813,9 +7980,21 @@
           <a:p>
             <a:r>
               <a:rPr lang="zh-CN" altLang="en-US" dirty="0"/>
-              <a:t>第二行数据为你当前拥有的金钱</a:t>
-            </a:r>
-            <a:endParaRPr lang="en-US" altLang="zh-CN" dirty="0"/>
+              <a:t>第二行数据：当前拥有的</a:t>
+            </a:r>
+            <a:r>
+              <a:rPr lang="zh-CN" altLang="en-US" b="1" dirty="0">
+                <a:solidFill>
+                  <a:srgbClr val="FF9900"/>
+                </a:solidFill>
+              </a:rPr>
+              <a:t>金钱</a:t>
+            </a:r>
+            <a:endParaRPr lang="en-US" altLang="zh-CN" b="1" dirty="0">
+              <a:solidFill>
+                <a:srgbClr val="FF9900"/>
+              </a:solidFill>
+            </a:endParaRPr>
           </a:p>
           <a:p>
             <a:endParaRPr lang="en-US" dirty="0"/>
@@ -6823,9 +8002,75 @@
           <a:p>
             <a:r>
               <a:rPr lang="zh-CN" altLang="en-US" dirty="0"/>
-              <a:t>第三行分别显示整个模拟中全部拥有的周期数和剩余周期数</a:t>
-            </a:r>
+              <a:t>第三行数据：整个模拟中全部拥有的</a:t>
+            </a:r>
+            <a:r>
+              <a:rPr lang="zh-CN" altLang="en-US" b="1" dirty="0"/>
+              <a:t>周期数</a:t>
+            </a:r>
+            <a:r>
+              <a:rPr lang="zh-CN" altLang="en-US" dirty="0"/>
+              <a:t>和</a:t>
+            </a:r>
+            <a:r>
+              <a:rPr lang="zh-CN" altLang="en-US" b="1" dirty="0"/>
+              <a:t>剩余周期数</a:t>
+            </a:r>
+            <a:endParaRPr lang="en-US" b="1" dirty="0"/>
+          </a:p>
+        </p:txBody>
+      </p:sp>
+      <p:sp>
+        <p:nvSpPr>
+          <p:cNvPr id="3" name="文本框 2">
+            <a:extLst>
+              <a:ext uri="{FF2B5EF4-FFF2-40B4-BE49-F238E27FC236}">
+                <a16:creationId xmlns:a16="http://schemas.microsoft.com/office/drawing/2014/main" id="{6939DC0A-9940-45C4-9C12-597F1C0B8AED}"/>
+              </a:ext>
+            </a:extLst>
+          </p:cNvPr>
+          <p:cNvSpPr txBox="1"/>
+          <p:nvPr/>
+        </p:nvSpPr>
+        <p:spPr>
+          <a:xfrm>
+            <a:off x="6463970" y="4258912"/>
+            <a:ext cx="4370961" cy="1138773"/>
+          </a:xfrm>
+          <a:prstGeom prst="rect">
+            <a:avLst/>
+          </a:prstGeom>
+          <a:noFill/>
+        </p:spPr>
+        <p:txBody>
+          <a:bodyPr wrap="square" rtlCol="0">
+            <a:spAutoFit/>
+          </a:bodyPr>
+          <a:lstStyle/>
+          <a:p>
+            <a:r>
+              <a:rPr lang="zh-CN" altLang="en-US" i="1" dirty="0"/>
+              <a:t>每一个周期，都会通过第一行所计算出来的当前周期利润更新您当前的金钱。</a:t>
+            </a:r>
+            <a:endParaRPr lang="en-US" altLang="zh-CN" i="1" dirty="0"/>
+          </a:p>
+          <a:p>
             <a:endParaRPr lang="en-US" dirty="0"/>
+          </a:p>
+          <a:p>
+            <a:r>
+              <a:rPr lang="zh-CN" altLang="en-US" sz="1200" b="1" dirty="0">
+                <a:solidFill>
+                  <a:srgbClr val="FF0000"/>
+                </a:solidFill>
+              </a:rPr>
+              <a:t>*注，金钱降到零以下或者时间归零，游戏均结束</a:t>
+            </a:r>
+            <a:endParaRPr lang="en-US" sz="1200" b="1" dirty="0">
+              <a:solidFill>
+                <a:srgbClr val="FF0000"/>
+              </a:solidFill>
+            </a:endParaRPr>
           </a:p>
         </p:txBody>
       </p:sp>
@@ -6937,8 +8182,8 @@
         </p:nvSpPr>
         <p:spPr>
           <a:xfrm>
-            <a:off x="5971216" y="2513039"/>
-            <a:ext cx="3995130" cy="2862322"/>
+            <a:off x="5809089" y="2028952"/>
+            <a:ext cx="5040494" cy="3693319"/>
           </a:xfrm>
           <a:prstGeom prst="rect">
             <a:avLst/>
@@ -6953,7 +8198,32 @@
           <a:p>
             <a:r>
               <a:rPr lang="zh-CN" altLang="en-US" dirty="0"/>
-              <a:t>商店中会持续显示四枚现在可以购买的设备模组，按住</a:t>
+              <a:t>商店中会持续显示四枚现在可以购买的设备模组。花费您已有的金钱就可以进行购买。</a:t>
+            </a:r>
+            <a:endParaRPr lang="en-US" altLang="zh-CN" dirty="0"/>
+          </a:p>
+          <a:p>
+            <a:endParaRPr lang="en-US" altLang="zh-CN" dirty="0"/>
+          </a:p>
+          <a:p>
+            <a:r>
+              <a:rPr lang="zh-CN" altLang="en-US" dirty="0"/>
+              <a:t>随时：</a:t>
+            </a:r>
+            <a:endParaRPr lang="en-US" altLang="zh-CN" dirty="0"/>
+          </a:p>
+          <a:p>
+            <a:r>
+              <a:rPr lang="zh-CN" altLang="en-US" dirty="0"/>
+              <a:t>通过</a:t>
+            </a:r>
+            <a:r>
+              <a:rPr lang="en-US" altLang="zh-CN" dirty="0"/>
+              <a:t>【</a:t>
+            </a:r>
+            <a:r>
+              <a:rPr lang="zh-CN" altLang="en-US" dirty="0"/>
+              <a:t>按住</a:t>
             </a:r>
             <a:r>
               <a:rPr lang="en-US" altLang="zh-CN" dirty="0"/>
@@ -6961,27 +8231,77 @@
             </a:r>
             <a:r>
               <a:rPr lang="zh-CN" altLang="en-US" dirty="0"/>
-              <a:t>再使用方向键就可以后购买和与所显示箭头对应的设备模组。</a:t>
+              <a:t>键和方向键</a:t>
+            </a:r>
+            <a:r>
+              <a:rPr lang="en-US" altLang="zh-CN" dirty="0"/>
+              <a:t>】</a:t>
+            </a:r>
+            <a:r>
+              <a:rPr lang="zh-CN" altLang="en-US" dirty="0"/>
+              <a:t>购买对应箭头和方向键的设备模组。</a:t>
             </a:r>
             <a:endParaRPr lang="en-US" altLang="zh-CN" dirty="0"/>
           </a:p>
           <a:p>
+            <a:endParaRPr lang="en-US" dirty="0"/>
+          </a:p>
+          <a:p>
+            <a:r>
+              <a:rPr lang="zh-CN" altLang="en-US" dirty="0"/>
+              <a:t>*注，因为现有相关法律法规规定，设备模组将会</a:t>
+            </a:r>
+            <a:r>
+              <a:rPr lang="en-US" altLang="zh-CN" dirty="0"/>
+              <a:t>【</a:t>
+            </a:r>
+            <a:r>
+              <a:rPr lang="zh-CN" altLang="en-US" dirty="0"/>
+              <a:t>随机</a:t>
+            </a:r>
+            <a:r>
+              <a:rPr lang="en-US" altLang="zh-CN" dirty="0"/>
+              <a:t>】</a:t>
+            </a:r>
+            <a:r>
+              <a:rPr lang="zh-CN" altLang="en-US" dirty="0"/>
+              <a:t>部署至您的场地。</a:t>
+            </a:r>
             <a:endParaRPr lang="en-US" altLang="zh-CN" dirty="0"/>
           </a:p>
           <a:p>
+            <a:endParaRPr lang="en-US" dirty="0"/>
+          </a:p>
+          <a:p>
             <a:r>
               <a:rPr lang="zh-CN" altLang="en-US" dirty="0"/>
-              <a:t>自然会从您当前拥有金钱中扣除对应的价格。</a:t>
+              <a:t>**注</a:t>
+            </a:r>
+            <a:r>
+              <a:rPr lang="en-US" altLang="zh-CN" dirty="0"/>
+              <a:t>2</a:t>
+            </a:r>
+            <a:r>
+              <a:rPr lang="zh-CN" altLang="en-US" dirty="0"/>
+              <a:t>，一个周期内，您只能购买其中一个模组。</a:t>
             </a:r>
             <a:endParaRPr lang="en-US" altLang="zh-CN" dirty="0"/>
           </a:p>
           <a:p>
-            <a:endParaRPr lang="en-US" altLang="zh-CN" dirty="0"/>
+            <a:endParaRPr lang="en-US" dirty="0"/>
           </a:p>
           <a:p>
             <a:r>
               <a:rPr lang="zh-CN" altLang="en-US" dirty="0"/>
-              <a:t>并且每个周期中，您只能购买其中一个模组。</a:t>
+              <a:t>**注</a:t>
+            </a:r>
+            <a:r>
+              <a:rPr lang="en-US" altLang="zh-CN" dirty="0"/>
+              <a:t>3</a:t>
+            </a:r>
+            <a:r>
+              <a:rPr lang="zh-CN" altLang="en-US" dirty="0"/>
+              <a:t>，购买权和商店内容，每周期更新。</a:t>
             </a:r>
             <a:endParaRPr lang="en-US" dirty="0"/>
           </a:p>
@@ -7001,9 +8321,9 @@
 </file>
 
 <file path=ppt/theme/theme1.xml><?xml version="1.0" encoding="utf-8"?>
-<a:theme xmlns:a="http://schemas.openxmlformats.org/drawingml/2006/main" name="Office 主题​​">
+<a:theme xmlns:a="http://schemas.openxmlformats.org/drawingml/2006/main" name="风景">
   <a:themeElements>
-    <a:clrScheme name="Office">
+    <a:clrScheme name="蓝绿色">
       <a:dk1>
         <a:sysClr val="windowText" lastClr="000000"/>
       </a:dk1>
@@ -7011,34 +8331,34 @@
         <a:sysClr val="window" lastClr="FFFFFF"/>
       </a:lt1>
       <a:dk2>
-        <a:srgbClr val="44546A"/>
+        <a:srgbClr val="373545"/>
       </a:dk2>
       <a:lt2>
-        <a:srgbClr val="E7E6E6"/>
+        <a:srgbClr val="CEDBE6"/>
       </a:lt2>
       <a:accent1>
-        <a:srgbClr val="4472C4"/>
+        <a:srgbClr val="3494BA"/>
       </a:accent1>
       <a:accent2>
-        <a:srgbClr val="ED7D31"/>
+        <a:srgbClr val="58B6C0"/>
       </a:accent2>
       <a:accent3>
-        <a:srgbClr val="A5A5A5"/>
+        <a:srgbClr val="75BDA7"/>
       </a:accent3>
       <a:accent4>
-        <a:srgbClr val="FFC000"/>
+        <a:srgbClr val="7A8C8E"/>
       </a:accent4>
       <a:accent5>
-        <a:srgbClr val="5B9BD5"/>
+        <a:srgbClr val="84ACB6"/>
       </a:accent5>
       <a:accent6>
-        <a:srgbClr val="70AD47"/>
+        <a:srgbClr val="2683C6"/>
       </a:accent6>
       <a:hlink>
-        <a:srgbClr val="0563C1"/>
+        <a:srgbClr val="6B9F25"/>
       </a:hlink>
       <a:folHlink>
-        <a:srgbClr val="954F72"/>
+        <a:srgbClr val="9F6715"/>
       </a:folHlink>
     </a:clrScheme>
     <a:fontScheme name="Office">
@@ -7147,85 +8467,61 @@
         <a:font script="Tfng" typeface="Ebrima"/>
       </a:minorFont>
     </a:fontScheme>
-    <a:fmtScheme name="Office">
+    <a:fmtScheme name="锈迹纹理">
       <a:fillStyleLst>
         <a:solidFill>
           <a:schemeClr val="phClr"/>
         </a:solidFill>
-        <a:gradFill rotWithShape="1">
-          <a:gsLst>
-            <a:gs pos="0">
+        <a:blipFill rotWithShape="1">
+          <a:blip xmlns:r="http://schemas.openxmlformats.org/officeDocument/2006/relationships" r:embed="rId1">
+            <a:duotone>
               <a:schemeClr val="phClr">
-                <a:lumMod val="110000"/>
-                <a:satMod val="105000"/>
                 <a:tint val="67000"/>
+                <a:shade val="65000"/>
               </a:schemeClr>
-            </a:gs>
-            <a:gs pos="50000">
               <a:schemeClr val="phClr">
-                <a:lumMod val="105000"/>
-                <a:satMod val="103000"/>
-                <a:tint val="73000"/>
+                <a:tint val="10000"/>
+                <a:satMod val="130000"/>
               </a:schemeClr>
-            </a:gs>
-            <a:gs pos="100000">
+            </a:duotone>
+          </a:blip>
+          <a:tile tx="0" ty="0" sx="60000" sy="59000" flip="none" algn="b"/>
+        </a:blipFill>
+        <a:blipFill rotWithShape="1">
+          <a:blip xmlns:r="http://schemas.openxmlformats.org/officeDocument/2006/relationships" r:embed="rId1">
+            <a:duotone>
               <a:schemeClr val="phClr">
-                <a:lumMod val="105000"/>
-                <a:satMod val="109000"/>
-                <a:tint val="81000"/>
+                <a:shade val="30000"/>
+                <a:satMod val="115000"/>
               </a:schemeClr>
-            </a:gs>
-          </a:gsLst>
-          <a:lin ang="5400000" scaled="0"/>
-        </a:gradFill>
-        <a:gradFill rotWithShape="1">
-          <a:gsLst>
-            <a:gs pos="0">
               <a:schemeClr val="phClr">
-                <a:satMod val="103000"/>
-                <a:lumMod val="102000"/>
-                <a:tint val="94000"/>
+                <a:tint val="34000"/>
               </a:schemeClr>
-            </a:gs>
-            <a:gs pos="50000">
-              <a:schemeClr val="phClr">
-                <a:satMod val="110000"/>
-                <a:lumMod val="100000"/>
-                <a:shade val="100000"/>
-              </a:schemeClr>
-            </a:gs>
-            <a:gs pos="100000">
-              <a:schemeClr val="phClr">
-                <a:lumMod val="99000"/>
-                <a:satMod val="120000"/>
-                <a:shade val="78000"/>
-              </a:schemeClr>
-            </a:gs>
-          </a:gsLst>
-          <a:lin ang="5400000" scaled="0"/>
-        </a:gradFill>
+            </a:duotone>
+          </a:blip>
+          <a:tile tx="0" ty="0" sx="60000" sy="59000" flip="none" algn="b"/>
+        </a:blipFill>
       </a:fillStyleLst>
       <a:lnStyleLst>
         <a:ln w="6350" cap="flat" cmpd="sng" algn="ctr">
           <a:solidFill>
-            <a:schemeClr val="phClr"/>
+            <a:schemeClr val="phClr">
+              <a:tint val="70000"/>
+            </a:schemeClr>
           </a:solidFill>
           <a:prstDash val="solid"/>
-          <a:miter lim="800000"/>
         </a:ln>
         <a:ln w="12700" cap="flat" cmpd="sng" algn="ctr">
           <a:solidFill>
             <a:schemeClr val="phClr"/>
           </a:solidFill>
           <a:prstDash val="solid"/>
-          <a:miter lim="800000"/>
         </a:ln>
         <a:ln w="19050" cap="flat" cmpd="sng" algn="ctr">
           <a:solidFill>
             <a:schemeClr val="phClr"/>
           </a:solidFill>
           <a:prstDash val="solid"/>
-          <a:miter lim="800000"/>
         </a:ln>
       </a:lnStyleLst>
       <a:effectStyleLst>
@@ -7233,15 +8529,18 @@
           <a:effectLst/>
         </a:effectStyle>
         <a:effectStyle>
-          <a:effectLst/>
+          <a:effectLst>
+            <a:softEdge rad="12700"/>
+          </a:effectLst>
         </a:effectStyle>
         <a:effectStyle>
           <a:effectLst>
-            <a:outerShdw blurRad="57150" dist="19050" dir="5400000" algn="ctr" rotWithShape="0">
+            <a:outerShdw blurRad="50800" dist="19050" dir="5400000" algn="tl" rotWithShape="0">
               <a:srgbClr val="000000">
-                <a:alpha val="63000"/>
+                <a:alpha val="60000"/>
               </a:srgbClr>
             </a:outerShdw>
+            <a:softEdge rad="12700"/>
           </a:effectLst>
         </a:effectStyle>
       </a:effectStyleLst>
@@ -7259,28 +8558,23 @@
           <a:gsLst>
             <a:gs pos="0">
               <a:schemeClr val="phClr">
-                <a:tint val="93000"/>
-                <a:satMod val="150000"/>
+                <a:tint val="94000"/>
                 <a:shade val="98000"/>
+                <a:satMod val="130000"/>
                 <a:lumMod val="102000"/>
-              </a:schemeClr>
-            </a:gs>
-            <a:gs pos="50000">
-              <a:schemeClr val="phClr">
-                <a:tint val="98000"/>
-                <a:satMod val="130000"/>
-                <a:shade val="90000"/>
-                <a:lumMod val="103000"/>
               </a:schemeClr>
             </a:gs>
             <a:gs pos="100000">
               <a:schemeClr val="phClr">
-                <a:shade val="63000"/>
-                <a:satMod val="120000"/>
+                <a:tint val="98000"/>
+                <a:shade val="78000"/>
+                <a:satMod val="140000"/>
               </a:schemeClr>
             </a:gs>
           </a:gsLst>
-          <a:lin ang="5400000" scaled="0"/>
+          <a:path path="circle">
+            <a:fillToRect l="100000" t="100000" r="100000" b="100000"/>
+          </a:path>
         </a:gradFill>
       </a:bgFillStyleLst>
     </a:fmtScheme>
@@ -7289,7 +8583,7 @@
   <a:extraClrSchemeLst/>
   <a:extLst>
     <a:ext uri="{05A4C25C-085E-4340-85A3-A5531E510DB2}">
-      <thm15:themeFamily xmlns:thm15="http://schemas.microsoft.com/office/thememl/2012/main" name="Office Theme" id="{62F939B6-93AF-4DB8-9C6B-D6C7DFDC589F}" vid="{4A3C46E8-61CC-4603-A589-7422A47A8E4A}"/>
+      <thm15:themeFamily xmlns:thm15="http://schemas.microsoft.com/office/thememl/2012/main" name="View" id="{BA0EB5A6-F2D4-4F82-977B-64ADEE4A2A69}" vid="{23C5FE65-18CC-4A65-9EBC-B05E331504EC}"/>
     </a:ext>
   </a:extLst>
 </a:theme>

--- a/document/ROOT 操作指南.pptx
+++ b/document/ROOT 操作指南.pptx
@@ -124,6 +124,134 @@
     </p:ext>
   </p:extLst>
 </p:presentation>
+</file>
+
+<file path=ppt/commentAuthors.xml><?xml version="1.0" encoding="utf-8"?>
+<p:cmAuthorLst xmlns:a="http://schemas.openxmlformats.org/drawingml/2006/main" xmlns:r="http://schemas.openxmlformats.org/officeDocument/2006/relationships" xmlns:p="http://schemas.openxmlformats.org/presentationml/2006/main">
+  <p:cmAuthor id="1" name="Yuxuan Su" initials="YS" lastIdx="9" clrIdx="0">
+    <p:extLst>
+      <p:ext uri="{19B8F6BF-5375-455C-9EA6-DF929625EA0E}">
+        <p15:presenceInfo xmlns:p15="http://schemas.microsoft.com/office/powerpoint/2012/main" userId="f56ed5dd904bc3ed" providerId="Windows Live"/>
+      </p:ext>
+    </p:extLst>
+  </p:cmAuthor>
+</p:cmAuthorLst>
+</file>
+
+<file path=ppt/comments/comment1.xml><?xml version="1.0" encoding="utf-8"?>
+<p:cmLst xmlns:a="http://schemas.openxmlformats.org/drawingml/2006/main" xmlns:r="http://schemas.openxmlformats.org/officeDocument/2006/relationships" xmlns:p="http://schemas.openxmlformats.org/presentationml/2006/main">
+  <p:cm authorId="1" dt="2019-09-19T23:11:08.972" idx="1">
+    <p:pos x="10" y="10"/>
+    <p:text>标志我缩小了一点，微调了一下位置</p:text>
+    <p:extLst>
+      <p:ext uri="{C676402C-5697-4E1C-873F-D02D1690AC5C}">
+        <p15:threadingInfo xmlns:p15="http://schemas.microsoft.com/office/powerpoint/2012/main" timeZoneBias="-480"/>
+      </p:ext>
+    </p:extLst>
+  </p:cm>
+</p:cmLst>
+</file>
+
+<file path=ppt/comments/comment2.xml><?xml version="1.0" encoding="utf-8"?>
+<p:cmLst xmlns:a="http://schemas.openxmlformats.org/drawingml/2006/main" xmlns:r="http://schemas.openxmlformats.org/officeDocument/2006/relationships" xmlns:p="http://schemas.openxmlformats.org/presentationml/2006/main">
+  <p:cm authorId="1" dt="2019-09-19T23:12:21.958" idx="2">
+    <p:pos x="3053" y="3307"/>
+    <p:text>注3： 如有任何问题，和随时与B级研究院联系</p:text>
+    <p:extLst>
+      <p:ext uri="{C676402C-5697-4E1C-873F-D02D1690AC5C}">
+        <p15:threadingInfo xmlns:p15="http://schemas.microsoft.com/office/powerpoint/2012/main" timeZoneBias="-480"/>
+      </p:ext>
+    </p:extLst>
+  </p:cm>
+</p:cmLst>
+</file>
+
+<file path=ppt/comments/comment3.xml><?xml version="1.0" encoding="utf-8"?>
+<p:cmLst xmlns:a="http://schemas.openxmlformats.org/drawingml/2006/main" xmlns:r="http://schemas.openxmlformats.org/officeDocument/2006/relationships" xmlns:p="http://schemas.openxmlformats.org/presentationml/2006/main">
+  <p:cm authorId="1" dt="2019-09-19T23:14:39.417" idx="4">
+    <p:pos x="3570" y="1184"/>
+    <p:text>这块儿要不不要在图片中花红色的消失块儿‘</p:text>
+    <p:extLst>
+      <p:ext uri="{C676402C-5697-4E1C-873F-D02D1690AC5C}">
+        <p15:threadingInfo xmlns:p15="http://schemas.microsoft.com/office/powerpoint/2012/main" timeZoneBias="-480"/>
+      </p:ext>
+    </p:extLst>
+  </p:cm>
+</p:cmLst>
+</file>
+
+<file path=ppt/comments/comment4.xml><?xml version="1.0" encoding="utf-8"?>
+<p:cmLst xmlns:a="http://schemas.openxmlformats.org/drawingml/2006/main" xmlns:r="http://schemas.openxmlformats.org/officeDocument/2006/relationships" xmlns:p="http://schemas.openxmlformats.org/presentationml/2006/main">
+  <p:cm authorId="1" dt="2019-09-19T23:17:29.293" idx="6">
+    <p:pos x="10" y="10"/>
+    <p:text>这页换到第10页之前会不会好一点？</p:text>
+    <p:extLst>
+      <p:ext uri="{C676402C-5697-4E1C-873F-D02D1690AC5C}">
+        <p15:threadingInfo xmlns:p15="http://schemas.microsoft.com/office/powerpoint/2012/main" timeZoneBias="-480"/>
+      </p:ext>
+    </p:extLst>
+  </p:cm>
+</p:cmLst>
+</file>
+
+<file path=ppt/comments/comment5.xml><?xml version="1.0" encoding="utf-8"?>
+<p:cmLst xmlns:a="http://schemas.openxmlformats.org/drawingml/2006/main" xmlns:r="http://schemas.openxmlformats.org/officeDocument/2006/relationships" xmlns:p="http://schemas.openxmlformats.org/presentationml/2006/main">
+  <p:cm authorId="1" dt="2019-09-19T23:13:46.480" idx="3">
+    <p:pos x="5853" y="1425"/>
+    <p:text>赚取改成绿色字体损失改成红色字体会不会好一点</p:text>
+    <p:extLst>
+      <p:ext uri="{C676402C-5697-4E1C-873F-D02D1690AC5C}">
+        <p15:threadingInfo xmlns:p15="http://schemas.microsoft.com/office/powerpoint/2012/main" timeZoneBias="-480"/>
+      </p:ext>
+    </p:extLst>
+  </p:cm>
+</p:cmLst>
+</file>
+
+<file path=ppt/comments/comment6.xml><?xml version="1.0" encoding="utf-8"?>
+<p:cmLst xmlns:a="http://schemas.openxmlformats.org/drawingml/2006/main" xmlns:r="http://schemas.openxmlformats.org/officeDocument/2006/relationships" xmlns:p="http://schemas.openxmlformats.org/presentationml/2006/main">
+  <p:cm authorId="1" dt="2019-09-19T23:16:07.674" idx="5">
+    <p:pos x="5048" y="3122"/>
+    <p:text>字体加上颜色会不会好一点</p:text>
+    <p:extLst>
+      <p:ext uri="{C676402C-5697-4E1C-873F-D02D1690AC5C}">
+        <p15:threadingInfo xmlns:p15="http://schemas.microsoft.com/office/powerpoint/2012/main" timeZoneBias="-480"/>
+      </p:ext>
+    </p:extLst>
+  </p:cm>
+</p:cmLst>
+</file>
+
+<file path=ppt/comments/comment7.xml><?xml version="1.0" encoding="utf-8"?>
+<p:cmLst xmlns:a="http://schemas.openxmlformats.org/drawingml/2006/main" xmlns:r="http://schemas.openxmlformats.org/officeDocument/2006/relationships" xmlns:p="http://schemas.openxmlformats.org/presentationml/2006/main">
+  <p:cm authorId="1" dt="2019-09-19T23:17:47.266" idx="7">
+    <p:pos x="10" y="10"/>
+    <p:text>若有任何需求请与A级管理人员联系</p:text>
+    <p:extLst>
+      <p:ext uri="{C676402C-5697-4E1C-873F-D02D1690AC5C}">
+        <p15:threadingInfo xmlns:p15="http://schemas.microsoft.com/office/powerpoint/2012/main" timeZoneBias="-480"/>
+      </p:ext>
+    </p:extLst>
+  </p:cm>
+  <p:cm authorId="1" dt="2019-09-19T23:18:36.276" idx="8">
+    <p:pos x="146" y="146"/>
+    <p:text>安奇钛科科技有限公司</p:text>
+    <p:extLst>
+      <p:ext uri="{C676402C-5697-4E1C-873F-D02D1690AC5C}">
+        <p15:threadingInfo xmlns:p15="http://schemas.microsoft.com/office/powerpoint/2012/main" timeZoneBias="-480"/>
+      </p:ext>
+    </p:extLst>
+  </p:cm>
+  <p:cm authorId="1" dt="2019-09-19T23:19:23.070" idx="9">
+    <p:pos x="282" y="282"/>
+    <p:text>此文档为一级文档，可按照AP-1.0协议共享，但不可随意删改，如发现违反协议，则按照AP-D协议处理</p:text>
+    <p:extLst>
+      <p:ext uri="{C676402C-5697-4E1C-873F-D02D1690AC5C}">
+        <p15:threadingInfo xmlns:p15="http://schemas.microsoft.com/office/powerpoint/2012/main" timeZoneBias="-480"/>
+      </p:ext>
+    </p:extLst>
+  </p:cm>
+</p:cmLst>
 </file>
 
 <file path=ppt/slideLayouts/slideLayout1.xml><?xml version="1.0" encoding="utf-8"?>
@@ -6091,8 +6219,8 @@
         </p:blipFill>
         <p:spPr>
           <a:xfrm>
-            <a:off x="5316485" y="1005840"/>
-            <a:ext cx="5588101" cy="5588101"/>
+            <a:off x="6096000" y="1005841"/>
+            <a:ext cx="4808586" cy="4808586"/>
           </a:xfrm>
           <a:prstGeom prst="rect">
             <a:avLst/>
@@ -6335,6 +6463,75 @@
               </a:rPr>
               <a:t>：本公司保留此操作指南的最终解释权</a:t>
             </a:r>
+            <a:endParaRPr lang="en-US" altLang="zh-CN" sz="1400" i="1" dirty="0">
+              <a:solidFill>
+                <a:schemeClr val="bg1">
+                  <a:lumMod val="65000"/>
+                </a:schemeClr>
+              </a:solidFill>
+            </a:endParaRPr>
+          </a:p>
+          <a:p>
+            <a:pPr>
+              <a:buFont typeface="Wingdings" panose="05000000000000000000" pitchFamily="2" charset="2"/>
+              <a:buChar char="§"/>
+            </a:pPr>
+            <a:r>
+              <a:rPr lang="zh-CN" altLang="en-US" sz="1400" i="1" dirty="0">
+                <a:solidFill>
+                  <a:schemeClr val="bg1">
+                    <a:lumMod val="65000"/>
+                  </a:schemeClr>
+                </a:solidFill>
+              </a:rPr>
+              <a:t>注</a:t>
+            </a:r>
+            <a:r>
+              <a:rPr lang="en-US" altLang="zh-CN" sz="1400" i="1" dirty="0">
+                <a:solidFill>
+                  <a:schemeClr val="bg1">
+                    <a:lumMod val="65000"/>
+                  </a:schemeClr>
+                </a:solidFill>
+              </a:rPr>
+              <a:t>3</a:t>
+            </a:r>
+            <a:r>
+              <a:rPr lang="zh-CN" altLang="en-US" sz="1400" i="1" dirty="0">
+                <a:solidFill>
+                  <a:schemeClr val="bg1">
+                    <a:lumMod val="65000"/>
+                  </a:schemeClr>
+                </a:solidFill>
+              </a:rPr>
+              <a:t>： 如有任何问题，和随时与</a:t>
+            </a:r>
+            <a:r>
+              <a:rPr lang="en-US" altLang="zh-CN" sz="1400" i="1" dirty="0">
+                <a:solidFill>
+                  <a:schemeClr val="bg1">
+                    <a:lumMod val="65000"/>
+                  </a:schemeClr>
+                </a:solidFill>
+              </a:rPr>
+              <a:t>B</a:t>
+            </a:r>
+            <a:r>
+              <a:rPr lang="zh-CN" altLang="en-US" sz="1400" i="1" dirty="0">
+                <a:solidFill>
+                  <a:schemeClr val="bg1">
+                    <a:lumMod val="65000"/>
+                  </a:schemeClr>
+                </a:solidFill>
+              </a:rPr>
+              <a:t>级研究院联系</a:t>
+            </a:r>
+          </a:p>
+          <a:p>
+            <a:pPr>
+              <a:buFont typeface="Wingdings" panose="05000000000000000000" pitchFamily="2" charset="2"/>
+              <a:buChar char="§"/>
+            </a:pPr>
             <a:endParaRPr lang="en-US" sz="1400" i="1" dirty="0">
               <a:solidFill>
                 <a:schemeClr val="bg1">

--- a/document/ROOT 操作指南.pptx
+++ b/document/ROOT 操作指南.pptx
@@ -15,11 +15,13 @@
     <p:sldId id="263" r:id="rId9"/>
     <p:sldId id="264" r:id="rId10"/>
     <p:sldId id="266" r:id="rId11"/>
-    <p:sldId id="265" r:id="rId12"/>
-    <p:sldId id="267" r:id="rId13"/>
-    <p:sldId id="268" r:id="rId14"/>
-    <p:sldId id="270" r:id="rId15"/>
-    <p:sldId id="269" r:id="rId16"/>
+    <p:sldId id="272" r:id="rId12"/>
+    <p:sldId id="273" r:id="rId13"/>
+    <p:sldId id="274" r:id="rId14"/>
+    <p:sldId id="267" r:id="rId15"/>
+    <p:sldId id="268" r:id="rId16"/>
+    <p:sldId id="270" r:id="rId17"/>
+    <p:sldId id="269" r:id="rId18"/>
   </p:sldIdLst>
   <p:sldSz cx="12192000" cy="6858000"/>
   <p:notesSz cx="6858000" cy="9144000"/>
@@ -3519,7 +3521,7 @@
         </p:nvSpPr>
         <p:spPr>
           <a:xfrm>
-            <a:off x="460047" y="6391277"/>
+            <a:off x="390197" y="6492877"/>
             <a:ext cx="2330450" cy="466723"/>
           </a:xfrm>
         </p:spPr>
@@ -3530,10 +3532,9 @@
           <a:lstStyle/>
           <a:p>
             <a:r>
-              <a:rPr lang="en-US" dirty="0" err="1"/>
-              <a:t>By_theArchitect</a:t>
-            </a:r>
-            <a:endParaRPr lang="en-US" dirty="0"/>
+              <a:rPr lang="en-US" dirty="0"/>
+              <a:t>theArchitect</a:t>
+            </a:r>
           </a:p>
         </p:txBody>
       </p:sp>
@@ -3554,6 +3555,18 @@
         <p:blipFill rotWithShape="1">
           <a:blip r:embed="rId2">
             <a:extLst>
+              <a:ext uri="{BEBA8EAE-BF5A-486C-A8C5-ECC9F3942E4B}">
+                <a14:imgProps xmlns:a14="http://schemas.microsoft.com/office/drawing/2010/main">
+                  <a14:imgLayer r:embed="rId3">
+                    <a14:imgEffect>
+                      <a14:sharpenSoften amount="41000"/>
+                    </a14:imgEffect>
+                    <a14:imgEffect>
+                      <a14:brightnessContrast contrast="26000"/>
+                    </a14:imgEffect>
+                  </a14:imgLayer>
+                </a14:imgProps>
+              </a:ext>
               <a:ext uri="{28A0092B-C50C-407E-A947-70E740481C1C}">
                 <a14:useLocalDpi xmlns:a14="http://schemas.microsoft.com/office/drawing/2010/main" val="0"/>
               </a:ext>
@@ -3587,7 +3600,7 @@
           <p:nvPr/>
         </p:nvPicPr>
         <p:blipFill>
-          <a:blip r:embed="rId3">
+          <a:blip r:embed="rId4">
             <a:extLst>
               <a:ext uri="{28A0092B-C50C-407E-A947-70E740481C1C}">
                 <a14:useLocalDpi xmlns:a14="http://schemas.microsoft.com/office/drawing/2010/main" val="0"/>
@@ -3600,8 +3613,8 @@
         </p:blipFill>
         <p:spPr>
           <a:xfrm>
-            <a:off x="2516971" y="6396528"/>
-            <a:ext cx="418569" cy="374423"/>
+            <a:off x="1960857" y="6569481"/>
+            <a:ext cx="287043" cy="256769"/>
           </a:xfrm>
           <a:prstGeom prst="rect">
             <a:avLst/>
@@ -3622,7 +3635,7 @@
         </p:nvSpPr>
         <p:spPr>
           <a:xfrm rot="10800000">
-            <a:off x="11730335" y="2662501"/>
+            <a:off x="11801803" y="2717800"/>
             <a:ext cx="461665" cy="4108450"/>
           </a:xfrm>
           <a:prstGeom prst="rect">
@@ -3745,7 +3758,7 @@
         </p:nvSpPr>
         <p:spPr>
           <a:xfrm>
-            <a:off x="6096000" y="1863116"/>
+            <a:off x="6096000" y="2173304"/>
             <a:ext cx="4044950" cy="923330"/>
           </a:xfrm>
           <a:prstGeom prst="rect">
@@ -3760,10 +3773,62 @@
           <a:lstStyle/>
           <a:p>
             <a:r>
-              <a:rPr lang="zh-CN" altLang="en-US" dirty="0"/>
-              <a:t>应贵公司要求，我们在模拟过程中添加了模组摧毁流程，以便于演习贵公司现正遭受到的网络攻击异状。</a:t>
-            </a:r>
-            <a:endParaRPr lang="en-US" dirty="0"/>
+              <a:rPr lang="zh-CN" altLang="en-US" dirty="0">
+                <a:solidFill>
+                  <a:schemeClr val="tx1">
+                    <a:lumMod val="65000"/>
+                    <a:lumOff val="35000"/>
+                  </a:schemeClr>
+                </a:solidFill>
+              </a:rPr>
+              <a:t>应贵公司要求，我们在模拟过程中添加了</a:t>
+            </a:r>
+            <a:r>
+              <a:rPr lang="zh-CN" altLang="en-US" b="1" i="1" dirty="0">
+                <a:solidFill>
+                  <a:srgbClr val="FF0000"/>
+                </a:solidFill>
+              </a:rPr>
+              <a:t>模组摧毁流程</a:t>
+            </a:r>
+            <a:r>
+              <a:rPr lang="zh-CN" altLang="en-US" dirty="0">
+                <a:solidFill>
+                  <a:schemeClr val="tx1">
+                    <a:lumMod val="65000"/>
+                    <a:lumOff val="35000"/>
+                  </a:schemeClr>
+                </a:solidFill>
+              </a:rPr>
+              <a:t>，以便于演习贵公司现正遭受到的</a:t>
+            </a:r>
+            <a:r>
+              <a:rPr lang="zh-CN" altLang="en-US" b="1" dirty="0">
+                <a:solidFill>
+                  <a:srgbClr val="C00000"/>
+                </a:solidFill>
+              </a:rPr>
+              <a:t>网络攻击</a:t>
+            </a:r>
+            <a:r>
+              <a:rPr lang="zh-CN" altLang="en-US" dirty="0">
+                <a:solidFill>
+                  <a:schemeClr val="tx1">
+                    <a:lumMod val="65000"/>
+                    <a:lumOff val="35000"/>
+                  </a:schemeClr>
+                </a:solidFill>
+              </a:rPr>
+              <a:t>异状。</a:t>
+            </a:r>
+            <a:endParaRPr lang="en-US" dirty="0">
+              <a:solidFill>
+                <a:schemeClr val="tx1">
+                  <a:lumMod val="65000"/>
+                  <a:lumOff val="35000"/>
+                </a:schemeClr>
+              </a:solidFill>
+            </a:endParaRPr>
           </a:p>
         </p:txBody>
       </p:sp>
@@ -3781,7 +3846,7 @@
         </p:nvSpPr>
         <p:spPr>
           <a:xfrm>
-            <a:off x="6096000" y="3251613"/>
+            <a:off x="6096000" y="3464235"/>
             <a:ext cx="4044950" cy="923330"/>
           </a:xfrm>
           <a:prstGeom prst="rect">
@@ -3796,26 +3861,68 @@
           <a:lstStyle/>
           <a:p>
             <a:r>
-              <a:rPr lang="zh-CN" altLang="en-US" dirty="0"/>
+              <a:rPr lang="zh-CN" altLang="en-US" dirty="0">
+                <a:solidFill>
+                  <a:schemeClr val="tx1">
+                    <a:lumMod val="95000"/>
+                    <a:lumOff val="5000"/>
+                  </a:schemeClr>
+                </a:solidFill>
+              </a:rPr>
               <a:t>在</a:t>
             </a:r>
             <a:r>
-              <a:rPr lang="en-US" altLang="zh-CN" dirty="0"/>
+              <a:rPr lang="en-US" altLang="zh-CN" dirty="0">
+                <a:solidFill>
+                  <a:schemeClr val="tx1">
+                    <a:lumMod val="95000"/>
+                    <a:lumOff val="5000"/>
+                  </a:schemeClr>
+                </a:solidFill>
+              </a:rPr>
               <a:t>3~8</a:t>
             </a:r>
             <a:r>
-              <a:rPr lang="zh-CN" altLang="en-US" dirty="0"/>
+              <a:rPr lang="zh-CN" altLang="en-US" dirty="0">
+                <a:solidFill>
+                  <a:schemeClr val="tx1">
+                    <a:lumMod val="95000"/>
+                    <a:lumOff val="5000"/>
+                  </a:schemeClr>
+                </a:solidFill>
+              </a:rPr>
               <a:t>个周期间（时间随机决定），会随机摧毁面板上的若干模组</a:t>
             </a:r>
             <a:r>
-              <a:rPr lang="en-US" altLang="zh-CN" dirty="0"/>
+              <a:rPr lang="en-US" altLang="zh-CN" dirty="0">
+                <a:solidFill>
+                  <a:schemeClr val="tx1">
+                    <a:lumMod val="95000"/>
+                    <a:lumOff val="5000"/>
+                  </a:schemeClr>
+                </a:solidFill>
+              </a:rPr>
               <a:t>——</a:t>
             </a:r>
             <a:r>
-              <a:rPr lang="zh-CN" altLang="en-US" dirty="0"/>
+              <a:rPr lang="zh-CN" altLang="en-US" dirty="0">
+                <a:solidFill>
+                  <a:schemeClr val="tx1">
+                    <a:lumMod val="95000"/>
+                    <a:lumOff val="5000"/>
+                  </a:schemeClr>
+                </a:solidFill>
+              </a:rPr>
               <a:t>大多数为四个。</a:t>
             </a:r>
-            <a:endParaRPr lang="en-US" dirty="0"/>
+            <a:endParaRPr lang="en-US" dirty="0">
+              <a:solidFill>
+                <a:schemeClr val="tx1">
+                  <a:lumMod val="95000"/>
+                  <a:lumOff val="5000"/>
+                </a:schemeClr>
+              </a:solidFill>
+            </a:endParaRPr>
           </a:p>
         </p:txBody>
       </p:sp>
@@ -3833,8 +3940,8 @@
         </p:nvSpPr>
         <p:spPr>
           <a:xfrm>
-            <a:off x="6096000" y="4640110"/>
-            <a:ext cx="4044950" cy="923330"/>
+            <a:off x="6108192" y="4755167"/>
+            <a:ext cx="4044950" cy="1200329"/>
           </a:xfrm>
           <a:prstGeom prst="rect">
             <a:avLst/>
@@ -3848,10 +3955,76 @@
           <a:lstStyle/>
           <a:p>
             <a:r>
-              <a:rPr lang="zh-CN" altLang="en-US" dirty="0"/>
-              <a:t>考虑到实际的工作条件，在倒数第二个周期是会呈现橙色，倒数第一个周期会呈现红色。之后将执行摧毁。</a:t>
-            </a:r>
-            <a:endParaRPr lang="en-US" dirty="0"/>
+              <a:rPr lang="zh-CN" altLang="en-US" dirty="0">
+                <a:solidFill>
+                  <a:schemeClr val="tx1">
+                    <a:lumMod val="65000"/>
+                    <a:lumOff val="35000"/>
+                  </a:schemeClr>
+                </a:solidFill>
+              </a:rPr>
+              <a:t>考虑到实际的工作条件，我们实现了一定程度的预警系统。</a:t>
+            </a:r>
+            <a:endParaRPr lang="en-US" altLang="zh-CN" dirty="0">
+              <a:solidFill>
+                <a:schemeClr val="tx1">
+                  <a:lumMod val="65000"/>
+                  <a:lumOff val="35000"/>
+                </a:schemeClr>
+              </a:solidFill>
+            </a:endParaRPr>
+          </a:p>
+          <a:p>
+            <a:r>
+              <a:rPr lang="zh-CN" altLang="en-US" dirty="0">
+                <a:solidFill>
+                  <a:schemeClr val="tx1">
+                    <a:lumMod val="95000"/>
+                    <a:lumOff val="5000"/>
+                  </a:schemeClr>
+                </a:solidFill>
+              </a:rPr>
+              <a:t>倒数第二个周期是会呈现</a:t>
+            </a:r>
+            <a:r>
+              <a:rPr lang="zh-CN" altLang="en-US" dirty="0">
+                <a:solidFill>
+                  <a:srgbClr val="FF9900"/>
+                </a:solidFill>
+              </a:rPr>
+              <a:t>橙色</a:t>
+            </a:r>
+            <a:endParaRPr lang="en-US" altLang="zh-CN" dirty="0">
+              <a:solidFill>
+                <a:srgbClr val="FF9900"/>
+              </a:solidFill>
+            </a:endParaRPr>
+          </a:p>
+          <a:p>
+            <a:r>
+              <a:rPr lang="zh-CN" altLang="en-US" dirty="0">
+                <a:solidFill>
+                  <a:schemeClr val="tx1">
+                    <a:lumMod val="95000"/>
+                    <a:lumOff val="5000"/>
+                  </a:schemeClr>
+                </a:solidFill>
+              </a:rPr>
+              <a:t>倒数第一个周期是会呈现</a:t>
+            </a:r>
+            <a:r>
+              <a:rPr lang="zh-CN" altLang="en-US" dirty="0">
+                <a:solidFill>
+                  <a:srgbClr val="FF0000"/>
+                </a:solidFill>
+              </a:rPr>
+              <a:t>红色</a:t>
+            </a:r>
+            <a:endParaRPr lang="en-US" altLang="zh-CN" dirty="0">
+              <a:solidFill>
+                <a:srgbClr val="FF0000"/>
+              </a:solidFill>
+            </a:endParaRPr>
           </a:p>
         </p:txBody>
       </p:sp>
@@ -3882,7 +4055,7 @@
         </p:blipFill>
         <p:spPr>
           <a:xfrm>
-            <a:off x="1141413" y="1901850"/>
+            <a:off x="1261872" y="1863116"/>
             <a:ext cx="4260715" cy="4346550"/>
           </a:xfrm>
           <a:prstGeom prst="rect">
@@ -3890,6 +4063,74 @@
           </a:prstGeom>
         </p:spPr>
       </p:pic>
+      <p:sp>
+        <p:nvSpPr>
+          <p:cNvPr id="4" name="矩形 3">
+            <a:extLst>
+              <a:ext uri="{FF2B5EF4-FFF2-40B4-BE49-F238E27FC236}">
+                <a16:creationId xmlns:a16="http://schemas.microsoft.com/office/drawing/2014/main" id="{00BE13B8-4595-4FB3-A316-C5856681416D}"/>
+              </a:ext>
+            </a:extLst>
+          </p:cNvPr>
+          <p:cNvSpPr/>
+          <p:nvPr/>
+        </p:nvSpPr>
+        <p:spPr>
+          <a:xfrm>
+            <a:off x="8823051" y="6575067"/>
+            <a:ext cx="2500975" cy="276999"/>
+          </a:xfrm>
+          <a:prstGeom prst="rect">
+            <a:avLst/>
+          </a:prstGeom>
+        </p:spPr>
+        <p:txBody>
+          <a:bodyPr wrap="square">
+            <a:spAutoFit/>
+          </a:bodyPr>
+          <a:lstStyle/>
+          <a:p>
+            <a:pPr algn="r"/>
+            <a:r>
+              <a:rPr lang="zh-CN" altLang="en-US" sz="1200" b="1" i="1" dirty="0">
+                <a:solidFill>
+                  <a:schemeClr val="bg1">
+                    <a:lumMod val="50000"/>
+                  </a:schemeClr>
+                </a:solidFill>
+              </a:rPr>
+              <a:t>*注，本系统保证 </a:t>
+            </a:r>
+            <a:r>
+              <a:rPr lang="en-US" altLang="zh-CN" sz="1200" b="1" i="1" dirty="0">
+                <a:solidFill>
+                  <a:schemeClr val="bg1">
+                    <a:lumMod val="50000"/>
+                  </a:schemeClr>
+                </a:solidFill>
+              </a:rPr>
+              <a:t>999.9</a:t>
+            </a:r>
+            <a:r>
+              <a:rPr lang="zh-CN" altLang="en-US" sz="1200" b="1" i="1" dirty="0">
+                <a:solidFill>
+                  <a:schemeClr val="bg1">
+                    <a:lumMod val="50000"/>
+                  </a:schemeClr>
+                </a:solidFill>
+              </a:rPr>
+              <a:t>‰的稳定性</a:t>
+            </a:r>
+            <a:endParaRPr lang="en-US" altLang="zh-CN" sz="1200" b="1" i="1" dirty="0">
+              <a:solidFill>
+                <a:schemeClr val="bg1">
+                  <a:lumMod val="50000"/>
+                </a:schemeClr>
+              </a:solidFill>
+            </a:endParaRPr>
+          </a:p>
+        </p:txBody>
+      </p:sp>
     </p:spTree>
     <p:extLst>
       <p:ext uri="{BB962C8B-B14F-4D97-AF65-F5344CB8AC3E}">
@@ -3945,50 +4186,20 @@
               <a:rPr lang="zh-CN" altLang="en-US" dirty="0"/>
               <a:t>设备模组总体说明</a:t>
             </a:r>
+            <a:r>
+              <a:rPr lang="en-US" altLang="zh-CN" dirty="0"/>
+              <a:t>——1</a:t>
+            </a:r>
             <a:endParaRPr lang="en-US" dirty="0"/>
           </a:p>
         </p:txBody>
       </p:sp>
       <p:pic>
         <p:nvPicPr>
-          <p:cNvPr id="5" name="内容占位符 4" descr="图片包含 电子产品, 电路&#10;&#10;描述已自动生成">
-            <a:extLst>
-              <a:ext uri="{FF2B5EF4-FFF2-40B4-BE49-F238E27FC236}">
-                <a16:creationId xmlns:a16="http://schemas.microsoft.com/office/drawing/2014/main" id="{30229E74-AE64-49AB-BDAC-B00374520151}"/>
-              </a:ext>
-            </a:extLst>
-          </p:cNvPr>
-          <p:cNvPicPr>
-            <a:picLocks noGrp="1" noChangeAspect="1"/>
-          </p:cNvPicPr>
-          <p:nvPr>
-            <p:ph idx="1"/>
-          </p:nvPr>
-        </p:nvPicPr>
-        <p:blipFill rotWithShape="1">
-          <a:blip r:embed="rId2">
-            <a:extLst>
-              <a:ext uri="{28A0092B-C50C-407E-A947-70E740481C1C}">
-                <a14:useLocalDpi xmlns:a14="http://schemas.microsoft.com/office/drawing/2010/main" val="0"/>
-              </a:ext>
-            </a:extLst>
-          </a:blip>
-          <a:srcRect l="8513" t="8188" r="8291" b="8329"/>
-          <a:stretch/>
-        </p:blipFill>
-        <p:spPr>
-          <a:xfrm>
-            <a:off x="1642647" y="2590077"/>
-            <a:ext cx="1785842" cy="1791979"/>
-          </a:xfrm>
-        </p:spPr>
-      </p:pic>
-      <p:pic>
-        <p:nvPicPr>
-          <p:cNvPr id="7" name="图片 6" descr="图片包含 屏幕截图&#10;&#10;描述已自动生成">
-            <a:extLst>
-              <a:ext uri="{FF2B5EF4-FFF2-40B4-BE49-F238E27FC236}">
-                <a16:creationId xmlns:a16="http://schemas.microsoft.com/office/drawing/2014/main" id="{9EFE8A0A-E7DF-4F5B-9C78-3A004E5CEDBE}"/>
+          <p:cNvPr id="8" name="图片 7" descr="图片包含 物体, 相框&#10;&#10;描述已自动生成">
+            <a:extLst>
+              <a:ext uri="{FF2B5EF4-FFF2-40B4-BE49-F238E27FC236}">
+                <a16:creationId xmlns:a16="http://schemas.microsoft.com/office/drawing/2014/main" id="{B8F2DEAB-9BD9-4791-AD88-6AF2884F03F9}"/>
               </a:ext>
             </a:extLst>
           </p:cNvPr>
@@ -3997,21 +4208,22 @@
           </p:cNvPicPr>
           <p:nvPr/>
         </p:nvPicPr>
-        <p:blipFill rotWithShape="1">
-          <a:blip r:embed="rId3">
+        <p:blipFill>
+          <a:blip r:embed="rId2">
             <a:extLst>
               <a:ext uri="{28A0092B-C50C-407E-A947-70E740481C1C}">
                 <a14:useLocalDpi xmlns:a14="http://schemas.microsoft.com/office/drawing/2010/main" val="0"/>
               </a:ext>
             </a:extLst>
           </a:blip>
-          <a:srcRect b="91090"/>
-          <a:stretch/>
+          <a:stretch>
+            <a:fillRect/>
+          </a:stretch>
         </p:blipFill>
         <p:spPr>
-          <a:xfrm rot="5400000">
-            <a:off x="2429988" y="3392508"/>
-            <a:ext cx="2149168" cy="191495"/>
+          <a:xfrm>
+            <a:off x="2307211" y="2729119"/>
+            <a:ext cx="2385439" cy="2385439"/>
           </a:xfrm>
           <a:prstGeom prst="rect">
             <a:avLst/>
@@ -4020,10 +4232,10 @@
       </p:pic>
       <p:pic>
         <p:nvPicPr>
-          <p:cNvPr id="9" name="图片 8">
-            <a:extLst>
-              <a:ext uri="{FF2B5EF4-FFF2-40B4-BE49-F238E27FC236}">
-                <a16:creationId xmlns:a16="http://schemas.microsoft.com/office/drawing/2014/main" id="{4147CB43-7D8B-4853-92BC-F062A3208376}"/>
+          <p:cNvPr id="30" name="图片 29">
+            <a:extLst>
+              <a:ext uri="{FF2B5EF4-FFF2-40B4-BE49-F238E27FC236}">
+                <a16:creationId xmlns:a16="http://schemas.microsoft.com/office/drawing/2014/main" id="{E794F90D-396A-456A-BA21-BA38CA5E8E73}"/>
               </a:ext>
             </a:extLst>
           </p:cNvPr>
@@ -4032,21 +4244,22 @@
           </p:cNvPicPr>
           <p:nvPr/>
         </p:nvPicPr>
-        <p:blipFill rotWithShape="1">
-          <a:blip r:embed="rId4">
+        <p:blipFill>
+          <a:blip r:embed="rId3">
             <a:extLst>
               <a:ext uri="{28A0092B-C50C-407E-A947-70E740481C1C}">
                 <a14:useLocalDpi xmlns:a14="http://schemas.microsoft.com/office/drawing/2010/main" val="0"/>
               </a:ext>
             </a:extLst>
           </a:blip>
-          <a:srcRect b="90493"/>
-          <a:stretch/>
+          <a:stretch>
+            <a:fillRect/>
+          </a:stretch>
         </p:blipFill>
         <p:spPr>
-          <a:xfrm rot="10800000">
-            <a:off x="1515086" y="4357507"/>
-            <a:ext cx="2061124" cy="195943"/>
+          <a:xfrm>
+            <a:off x="2263833" y="2181725"/>
+            <a:ext cx="2385439" cy="275243"/>
           </a:xfrm>
           <a:prstGeom prst="rect">
             <a:avLst/>
@@ -4055,10 +4268,10 @@
       </p:pic>
       <p:pic>
         <p:nvPicPr>
-          <p:cNvPr id="11" name="图片 10">
-            <a:extLst>
-              <a:ext uri="{FF2B5EF4-FFF2-40B4-BE49-F238E27FC236}">
-                <a16:creationId xmlns:a16="http://schemas.microsoft.com/office/drawing/2014/main" id="{7AAD8D85-1545-4FB0-A319-F8DEE8C3E8A8}"/>
+          <p:cNvPr id="31" name="图片 30">
+            <a:extLst>
+              <a:ext uri="{FF2B5EF4-FFF2-40B4-BE49-F238E27FC236}">
+                <a16:creationId xmlns:a16="http://schemas.microsoft.com/office/drawing/2014/main" id="{10FED574-2F45-48E3-828A-4A1F8CFD1F48}"/>
               </a:ext>
             </a:extLst>
           </p:cNvPr>
@@ -4067,21 +4280,22 @@
           </p:cNvPicPr>
           <p:nvPr/>
         </p:nvPicPr>
-        <p:blipFill rotWithShape="1">
-          <a:blip r:embed="rId5">
+        <p:blipFill>
+          <a:blip r:embed="rId3">
             <a:extLst>
               <a:ext uri="{28A0092B-C50C-407E-A947-70E740481C1C}">
                 <a14:useLocalDpi xmlns:a14="http://schemas.microsoft.com/office/drawing/2010/main" val="0"/>
               </a:ext>
             </a:extLst>
           </a:blip>
-          <a:srcRect b="90493"/>
-          <a:stretch/>
+          <a:stretch>
+            <a:fillRect/>
+          </a:stretch>
         </p:blipFill>
         <p:spPr>
-          <a:xfrm>
-            <a:off x="1505006" y="2437093"/>
-            <a:ext cx="2061124" cy="195943"/>
+          <a:xfrm rot="10800000">
+            <a:off x="2307207" y="5383617"/>
+            <a:ext cx="2385439" cy="275243"/>
           </a:xfrm>
           <a:prstGeom prst="rect">
             <a:avLst/>
@@ -4090,10 +4304,10 @@
       </p:pic>
       <p:pic>
         <p:nvPicPr>
-          <p:cNvPr id="12" name="图片 11">
-            <a:extLst>
-              <a:ext uri="{FF2B5EF4-FFF2-40B4-BE49-F238E27FC236}">
-                <a16:creationId xmlns:a16="http://schemas.microsoft.com/office/drawing/2014/main" id="{652A6582-F4C8-4987-9B17-BEA90FD9ABDD}"/>
+          <p:cNvPr id="32" name="图片 31">
+            <a:extLst>
+              <a:ext uri="{FF2B5EF4-FFF2-40B4-BE49-F238E27FC236}">
+                <a16:creationId xmlns:a16="http://schemas.microsoft.com/office/drawing/2014/main" id="{12B6FFC4-4BF8-4F65-A141-DA6FC9C8EF46}"/>
               </a:ext>
             </a:extLst>
           </p:cNvPr>
@@ -4102,7 +4316,7 @@
           </p:cNvPicPr>
           <p:nvPr/>
         </p:nvPicPr>
-        <p:blipFill rotWithShape="1">
+        <p:blipFill>
           <a:blip r:embed="rId4">
             <a:extLst>
               <a:ext uri="{28A0092B-C50C-407E-A947-70E740481C1C}">
@@ -4110,13 +4324,14 @@
               </a:ext>
             </a:extLst>
           </a:blip>
-          <a:srcRect b="91663"/>
-          <a:stretch/>
+          <a:stretch>
+            <a:fillRect/>
+          </a:stretch>
         </p:blipFill>
         <p:spPr>
-          <a:xfrm rot="16200000">
-            <a:off x="562992" y="3400150"/>
-            <a:ext cx="2061124" cy="171831"/>
+          <a:xfrm rot="5400000">
+            <a:off x="3877095" y="3830091"/>
+            <a:ext cx="2385438" cy="183495"/>
           </a:xfrm>
           <a:prstGeom prst="rect">
             <a:avLst/>
@@ -4125,10 +4340,10 @@
       </p:pic>
       <p:pic>
         <p:nvPicPr>
-          <p:cNvPr id="14" name="图片 13" descr="图片包含 屏幕截图&#10;&#10;描述已自动生成">
-            <a:extLst>
-              <a:ext uri="{FF2B5EF4-FFF2-40B4-BE49-F238E27FC236}">
-                <a16:creationId xmlns:a16="http://schemas.microsoft.com/office/drawing/2014/main" id="{D3D9E848-B136-4C28-95BD-24579ED39F91}"/>
+          <p:cNvPr id="37" name="图片 36">
+            <a:extLst>
+              <a:ext uri="{FF2B5EF4-FFF2-40B4-BE49-F238E27FC236}">
+                <a16:creationId xmlns:a16="http://schemas.microsoft.com/office/drawing/2014/main" id="{D268244D-F852-4D23-A7F3-933DAC767E27}"/>
               </a:ext>
             </a:extLst>
           </p:cNvPr>
@@ -4137,7 +4352,7 @@
           </p:cNvPicPr>
           <p:nvPr/>
         </p:nvPicPr>
-        <p:blipFill rotWithShape="1">
+        <p:blipFill>
           <a:blip r:embed="rId3">
             <a:extLst>
               <a:ext uri="{28A0092B-C50C-407E-A947-70E740481C1C}">
@@ -4145,165 +4360,26 @@
               </a:ext>
             </a:extLst>
           </a:blip>
-          <a:srcRect b="91090"/>
-          <a:stretch/>
+          <a:stretch>
+            <a:fillRect/>
+          </a:stretch>
         </p:blipFill>
         <p:spPr>
           <a:xfrm rot="16200000">
-            <a:off x="2615797" y="3392509"/>
-            <a:ext cx="2149168" cy="191494"/>
+            <a:off x="691448" y="3784216"/>
+            <a:ext cx="2385436" cy="275243"/>
           </a:xfrm>
           <a:prstGeom prst="rect">
             <a:avLst/>
           </a:prstGeom>
         </p:spPr>
       </p:pic>
-      <p:pic>
-        <p:nvPicPr>
-          <p:cNvPr id="15" name="图片 14">
-            <a:extLst>
-              <a:ext uri="{FF2B5EF4-FFF2-40B4-BE49-F238E27FC236}">
-                <a16:creationId xmlns:a16="http://schemas.microsoft.com/office/drawing/2014/main" id="{827D44E5-D5AC-49D3-88B3-2D1E4E2B0485}"/>
-              </a:ext>
-            </a:extLst>
-          </p:cNvPr>
-          <p:cNvPicPr>
-            <a:picLocks noChangeAspect="1"/>
-          </p:cNvPicPr>
-          <p:nvPr/>
-        </p:nvPicPr>
-        <p:blipFill rotWithShape="1">
-          <a:blip r:embed="rId4">
-            <a:extLst>
-              <a:ext uri="{28A0092B-C50C-407E-A947-70E740481C1C}">
-                <a14:useLocalDpi xmlns:a14="http://schemas.microsoft.com/office/drawing/2010/main" val="0"/>
-              </a:ext>
-            </a:extLst>
-          </a:blip>
-          <a:srcRect b="89898"/>
-          <a:stretch/>
-        </p:blipFill>
-        <p:spPr>
-          <a:xfrm>
-            <a:off x="3638395" y="2413672"/>
-            <a:ext cx="2061124" cy="208217"/>
-          </a:xfrm>
-          <a:prstGeom prst="rect">
-            <a:avLst/>
-          </a:prstGeom>
-        </p:spPr>
-      </p:pic>
-      <p:pic>
-        <p:nvPicPr>
-          <p:cNvPr id="16" name="图片 15">
-            <a:extLst>
-              <a:ext uri="{FF2B5EF4-FFF2-40B4-BE49-F238E27FC236}">
-                <a16:creationId xmlns:a16="http://schemas.microsoft.com/office/drawing/2014/main" id="{1F91FF03-A733-47B4-91DE-0A033E110A79}"/>
-              </a:ext>
-            </a:extLst>
-          </p:cNvPr>
-          <p:cNvPicPr>
-            <a:picLocks noChangeAspect="1"/>
-          </p:cNvPicPr>
-          <p:nvPr/>
-        </p:nvPicPr>
-        <p:blipFill rotWithShape="1">
-          <a:blip r:embed="rId5">
-            <a:extLst>
-              <a:ext uri="{28A0092B-C50C-407E-A947-70E740481C1C}">
-                <a14:useLocalDpi xmlns:a14="http://schemas.microsoft.com/office/drawing/2010/main" val="0"/>
-              </a:ext>
-            </a:extLst>
-          </a:blip>
-          <a:srcRect b="91229"/>
-          <a:stretch/>
-        </p:blipFill>
-        <p:spPr>
-          <a:xfrm rot="10800000">
-            <a:off x="3638395" y="4369782"/>
-            <a:ext cx="2061124" cy="180784"/>
-          </a:xfrm>
-          <a:prstGeom prst="rect">
-            <a:avLst/>
-          </a:prstGeom>
-        </p:spPr>
-      </p:pic>
-      <p:pic>
-        <p:nvPicPr>
-          <p:cNvPr id="17" name="图片 16">
-            <a:extLst>
-              <a:ext uri="{FF2B5EF4-FFF2-40B4-BE49-F238E27FC236}">
-                <a16:creationId xmlns:a16="http://schemas.microsoft.com/office/drawing/2014/main" id="{C141A740-7D6F-46A5-8F35-FF9D920081B6}"/>
-              </a:ext>
-            </a:extLst>
-          </p:cNvPr>
-          <p:cNvPicPr>
-            <a:picLocks noChangeAspect="1"/>
-          </p:cNvPicPr>
-          <p:nvPr/>
-        </p:nvPicPr>
-        <p:blipFill rotWithShape="1">
-          <a:blip r:embed="rId4">
-            <a:extLst>
-              <a:ext uri="{28A0092B-C50C-407E-A947-70E740481C1C}">
-                <a14:useLocalDpi xmlns:a14="http://schemas.microsoft.com/office/drawing/2010/main" val="0"/>
-              </a:ext>
-            </a:extLst>
-          </a:blip>
-          <a:srcRect b="87898"/>
-          <a:stretch/>
-        </p:blipFill>
-        <p:spPr>
-          <a:xfrm rot="5400000">
-            <a:off x="4580560" y="3342933"/>
-            <a:ext cx="2061124" cy="249445"/>
-          </a:xfrm>
-          <a:prstGeom prst="rect">
-            <a:avLst/>
-          </a:prstGeom>
-        </p:spPr>
-      </p:pic>
-      <p:pic>
-        <p:nvPicPr>
-          <p:cNvPr id="19" name="图片 18" descr="图片包含 物体&#10;&#10;描述已自动生成">
-            <a:extLst>
-              <a:ext uri="{FF2B5EF4-FFF2-40B4-BE49-F238E27FC236}">
-                <a16:creationId xmlns:a16="http://schemas.microsoft.com/office/drawing/2014/main" id="{947EB8B7-DB31-477E-A88D-60426F9A0875}"/>
-              </a:ext>
-            </a:extLst>
-          </p:cNvPr>
-          <p:cNvPicPr>
-            <a:picLocks noChangeAspect="1"/>
-          </p:cNvPicPr>
-          <p:nvPr/>
-        </p:nvPicPr>
-        <p:blipFill rotWithShape="1">
-          <a:blip r:embed="rId6">
-            <a:extLst>
-              <a:ext uri="{28A0092B-C50C-407E-A947-70E740481C1C}">
-                <a14:useLocalDpi xmlns:a14="http://schemas.microsoft.com/office/drawing/2010/main" val="0"/>
-              </a:ext>
-            </a:extLst>
-          </a:blip>
-          <a:srcRect l="10814" t="9646" r="8852" b="9206"/>
-          <a:stretch/>
-        </p:blipFill>
-        <p:spPr>
-          <a:xfrm>
-            <a:off x="3786128" y="2599748"/>
-            <a:ext cx="1764436" cy="1782308"/>
-          </a:xfrm>
-          <a:prstGeom prst="rect">
-            <a:avLst/>
-          </a:prstGeom>
-        </p:spPr>
-      </p:pic>
       <p:sp>
         <p:nvSpPr>
-          <p:cNvPr id="21" name="文本框 20">
-            <a:extLst>
-              <a:ext uri="{FF2B5EF4-FFF2-40B4-BE49-F238E27FC236}">
-                <a16:creationId xmlns:a16="http://schemas.microsoft.com/office/drawing/2014/main" id="{C2D1B3FB-2C85-4DE3-B052-22DC0D8450F4}"/>
+          <p:cNvPr id="38" name="文本框 37">
+            <a:extLst>
+              <a:ext uri="{FF2B5EF4-FFF2-40B4-BE49-F238E27FC236}">
+                <a16:creationId xmlns:a16="http://schemas.microsoft.com/office/drawing/2014/main" id="{7571B7F2-7E7F-4693-9A55-B17F83C13F95}"/>
               </a:ext>
             </a:extLst>
           </p:cNvPr>
@@ -4312,8 +4388,8 @@
         </p:nvSpPr>
         <p:spPr>
           <a:xfrm>
-            <a:off x="6601522" y="864750"/>
-            <a:ext cx="4127810" cy="923330"/>
+            <a:off x="6239152" y="2075177"/>
+            <a:ext cx="4625697" cy="3693319"/>
           </a:xfrm>
           <a:prstGeom prst="rect">
             <a:avLst/>
@@ -4327,211 +4403,397 @@
           <a:lstStyle/>
           <a:p>
             <a:r>
-              <a:rPr lang="zh-CN" altLang="en-US" dirty="0"/>
-              <a:t>在</a:t>
-            </a:r>
-            <a:r>
-              <a:rPr lang="en-US" altLang="zh-CN" dirty="0"/>
-              <a:t>R.O.O.T.</a:t>
-            </a:r>
-            <a:r>
-              <a:rPr lang="zh-CN" altLang="en-US" dirty="0"/>
-              <a:t>系统中，有若干概念要清楚。</a:t>
-            </a:r>
-            <a:endParaRPr lang="en-US" altLang="zh-CN" dirty="0"/>
-          </a:p>
-          <a:p>
-            <a:r>
-              <a:rPr lang="zh-CN" altLang="en-US" dirty="0"/>
-              <a:t>硬件角度上有：核心和端子</a:t>
-            </a:r>
-            <a:endParaRPr lang="en-US" altLang="zh-CN" dirty="0"/>
-          </a:p>
-          <a:p>
-            <a:r>
-              <a:rPr lang="zh-CN" altLang="en-US" dirty="0"/>
-              <a:t>软件角度上有：数据信号和网络信号</a:t>
-            </a:r>
-            <a:endParaRPr lang="en-US" dirty="0"/>
+              <a:rPr lang="zh-CN" altLang="en-US" dirty="0">
+                <a:solidFill>
+                  <a:schemeClr val="tx1">
+                    <a:lumMod val="65000"/>
+                    <a:lumOff val="35000"/>
+                  </a:schemeClr>
+                </a:solidFill>
+              </a:rPr>
+              <a:t>在硬件角度上，一个设备模组由一个核心和四个侧面构成。</a:t>
+            </a:r>
+            <a:endParaRPr lang="en-US" altLang="zh-CN" dirty="0">
+              <a:solidFill>
+                <a:schemeClr val="tx1">
+                  <a:lumMod val="65000"/>
+                  <a:lumOff val="35000"/>
+                </a:schemeClr>
+              </a:solidFill>
+            </a:endParaRPr>
+          </a:p>
+          <a:p>
+            <a:endParaRPr lang="en-US" altLang="zh-CN" dirty="0">
+              <a:solidFill>
+                <a:schemeClr val="tx1">
+                  <a:lumMod val="65000"/>
+                  <a:lumOff val="35000"/>
+                </a:schemeClr>
+              </a:solidFill>
+            </a:endParaRPr>
+          </a:p>
+          <a:p>
+            <a:r>
+              <a:rPr lang="zh-CN" altLang="en-US" dirty="0">
+                <a:solidFill>
+                  <a:schemeClr val="tx1">
+                    <a:lumMod val="65000"/>
+                    <a:lumOff val="35000"/>
+                  </a:schemeClr>
+                </a:solidFill>
+              </a:rPr>
+              <a:t>核心可能有很多种</a:t>
+            </a:r>
+            <a:endParaRPr lang="en-US" altLang="zh-CN" dirty="0">
+              <a:solidFill>
+                <a:schemeClr val="tx1">
+                  <a:lumMod val="65000"/>
+                  <a:lumOff val="35000"/>
+                </a:schemeClr>
+              </a:solidFill>
+            </a:endParaRPr>
+          </a:p>
+          <a:p>
+            <a:endParaRPr lang="en-US" altLang="zh-CN" dirty="0">
+              <a:solidFill>
+                <a:schemeClr val="bg1">
+                  <a:lumMod val="65000"/>
+                </a:schemeClr>
+              </a:solidFill>
+            </a:endParaRPr>
+          </a:p>
+          <a:p>
+            <a:r>
+              <a:rPr lang="zh-CN" altLang="en-US" dirty="0">
+                <a:solidFill>
+                  <a:schemeClr val="tx1">
+                    <a:lumMod val="95000"/>
+                    <a:lumOff val="5000"/>
+                  </a:schemeClr>
+                </a:solidFill>
+              </a:rPr>
+              <a:t>侧面只可能有两种：</a:t>
+            </a:r>
+            <a:endParaRPr lang="en-US" altLang="zh-CN" dirty="0">
+              <a:solidFill>
+                <a:schemeClr val="tx1">
+                  <a:lumMod val="95000"/>
+                  <a:lumOff val="5000"/>
+                </a:schemeClr>
+              </a:solidFill>
+            </a:endParaRPr>
+          </a:p>
+          <a:p>
+            <a:pPr lvl="1"/>
+            <a:r>
+              <a:rPr lang="zh-CN" altLang="en-US" dirty="0">
+                <a:solidFill>
+                  <a:schemeClr val="tx1">
+                    <a:lumMod val="95000"/>
+                    <a:lumOff val="5000"/>
+                  </a:schemeClr>
+                </a:solidFill>
+              </a:rPr>
+              <a:t>端子 </a:t>
+            </a:r>
+            <a:r>
+              <a:rPr lang="en-US" altLang="zh-CN" sz="1200" dirty="0">
+                <a:solidFill>
+                  <a:schemeClr val="tx1">
+                    <a:lumMod val="95000"/>
+                    <a:lumOff val="5000"/>
+                  </a:schemeClr>
+                </a:solidFill>
+              </a:rPr>
+              <a:t>(</a:t>
+            </a:r>
+            <a:r>
+              <a:rPr lang="zh-CN" altLang="en-US" sz="1200" dirty="0">
+                <a:solidFill>
+                  <a:schemeClr val="tx1">
+                    <a:lumMod val="95000"/>
+                    <a:lumOff val="5000"/>
+                  </a:schemeClr>
+                </a:solidFill>
+              </a:rPr>
+              <a:t>示意图中</a:t>
+            </a:r>
+            <a:r>
+              <a:rPr lang="zh-CN" altLang="en-US" sz="1200" dirty="0">
+                <a:solidFill>
+                  <a:schemeClr val="bg2">
+                    <a:lumMod val="50000"/>
+                  </a:schemeClr>
+                </a:solidFill>
+              </a:rPr>
+              <a:t>蓝色</a:t>
+            </a:r>
+            <a:r>
+              <a:rPr lang="zh-CN" altLang="en-US" sz="1200" dirty="0">
+                <a:solidFill>
+                  <a:schemeClr val="tx1">
+                    <a:lumMod val="95000"/>
+                    <a:lumOff val="5000"/>
+                  </a:schemeClr>
+                </a:solidFill>
+              </a:rPr>
+              <a:t>部分</a:t>
+            </a:r>
+            <a:r>
+              <a:rPr lang="en-US" altLang="zh-CN" sz="1200" dirty="0">
+                <a:solidFill>
+                  <a:schemeClr val="tx1">
+                    <a:lumMod val="95000"/>
+                    <a:lumOff val="5000"/>
+                  </a:schemeClr>
+                </a:solidFill>
+              </a:rPr>
+              <a:t>)</a:t>
+            </a:r>
+            <a:endParaRPr lang="en-US" altLang="zh-CN" dirty="0">
+              <a:solidFill>
+                <a:schemeClr val="tx1">
+                  <a:lumMod val="95000"/>
+                  <a:lumOff val="5000"/>
+                </a:schemeClr>
+              </a:solidFill>
+            </a:endParaRPr>
+          </a:p>
+          <a:p>
+            <a:pPr lvl="1"/>
+            <a:r>
+              <a:rPr lang="zh-CN" altLang="en-US" dirty="0">
+                <a:solidFill>
+                  <a:schemeClr val="tx1">
+                    <a:lumMod val="95000"/>
+                    <a:lumOff val="5000"/>
+                  </a:schemeClr>
+                </a:solidFill>
+              </a:rPr>
+              <a:t>死端 </a:t>
+            </a:r>
+            <a:r>
+              <a:rPr lang="en-US" altLang="zh-CN" sz="1200" dirty="0">
+                <a:solidFill>
+                  <a:schemeClr val="tx1">
+                    <a:lumMod val="95000"/>
+                    <a:lumOff val="5000"/>
+                  </a:schemeClr>
+                </a:solidFill>
+              </a:rPr>
+              <a:t>(</a:t>
+            </a:r>
+            <a:r>
+              <a:rPr lang="zh-CN" altLang="en-US" sz="1200" dirty="0">
+                <a:solidFill>
+                  <a:schemeClr val="tx1">
+                    <a:lumMod val="95000"/>
+                    <a:lumOff val="5000"/>
+                  </a:schemeClr>
+                </a:solidFill>
+              </a:rPr>
+              <a:t>示意图中</a:t>
+            </a:r>
+            <a:r>
+              <a:rPr lang="zh-CN" altLang="en-US" sz="1200" dirty="0">
+                <a:solidFill>
+                  <a:srgbClr val="C00000"/>
+                </a:solidFill>
+              </a:rPr>
+              <a:t>红色</a:t>
+            </a:r>
+            <a:r>
+              <a:rPr lang="zh-CN" altLang="en-US" sz="1200" dirty="0">
+                <a:solidFill>
+                  <a:schemeClr val="tx1">
+                    <a:lumMod val="95000"/>
+                    <a:lumOff val="5000"/>
+                  </a:schemeClr>
+                </a:solidFill>
+              </a:rPr>
+              <a:t>部分</a:t>
+            </a:r>
+            <a:r>
+              <a:rPr lang="en-US" altLang="zh-CN" sz="1200" dirty="0">
+                <a:solidFill>
+                  <a:schemeClr val="tx1">
+                    <a:lumMod val="95000"/>
+                    <a:lumOff val="5000"/>
+                  </a:schemeClr>
+                </a:solidFill>
+              </a:rPr>
+              <a:t>)</a:t>
+            </a:r>
+          </a:p>
+          <a:p>
+            <a:endParaRPr lang="en-US" dirty="0">
+              <a:solidFill>
+                <a:schemeClr val="bg1">
+                  <a:lumMod val="65000"/>
+                </a:schemeClr>
+              </a:solidFill>
+            </a:endParaRPr>
+          </a:p>
+          <a:p>
+            <a:r>
+              <a:rPr lang="zh-CN" altLang="en-US" dirty="0">
+                <a:solidFill>
+                  <a:schemeClr val="tx1">
+                    <a:lumMod val="65000"/>
+                    <a:lumOff val="35000"/>
+                  </a:schemeClr>
+                </a:solidFill>
+              </a:rPr>
+              <a:t>路由的过程本身就是将一个个核心和核心链接，而</a:t>
+            </a:r>
+            <a:r>
+              <a:rPr lang="zh-CN" altLang="en-US" dirty="0">
+                <a:solidFill>
+                  <a:schemeClr val="tx1">
+                    <a:lumMod val="95000"/>
+                    <a:lumOff val="5000"/>
+                  </a:schemeClr>
+                </a:solidFill>
+              </a:rPr>
+              <a:t>链接就是通过端子</a:t>
+            </a:r>
+            <a:r>
+              <a:rPr lang="zh-CN" altLang="en-US" dirty="0">
+                <a:solidFill>
+                  <a:schemeClr val="tx1">
+                    <a:lumMod val="65000"/>
+                    <a:lumOff val="35000"/>
+                  </a:schemeClr>
+                </a:solidFill>
+              </a:rPr>
+              <a:t>（死端不能链接）。</a:t>
+            </a:r>
+            <a:endParaRPr lang="en-US" altLang="zh-CN" dirty="0">
+              <a:solidFill>
+                <a:schemeClr val="tx1">
+                  <a:lumMod val="65000"/>
+                  <a:lumOff val="35000"/>
+                </a:schemeClr>
+              </a:solidFill>
+            </a:endParaRPr>
+          </a:p>
+          <a:p>
+            <a:endParaRPr lang="en-US" altLang="zh-CN" dirty="0">
+              <a:solidFill>
+                <a:schemeClr val="bg1">
+                  <a:lumMod val="65000"/>
+                </a:schemeClr>
+              </a:solidFill>
+            </a:endParaRPr>
+          </a:p>
+          <a:p>
+            <a:r>
+              <a:rPr lang="zh-CN" altLang="en-US" dirty="0">
+                <a:solidFill>
+                  <a:schemeClr val="tx1">
+                    <a:lumMod val="65000"/>
+                    <a:lumOff val="35000"/>
+                  </a:schemeClr>
+                </a:solidFill>
+              </a:rPr>
+              <a:t>核心在接收到对应</a:t>
+            </a:r>
+            <a:r>
+              <a:rPr lang="zh-CN" altLang="en-US" dirty="0">
+                <a:solidFill>
+                  <a:schemeClr val="tx1">
+                    <a:lumMod val="95000"/>
+                    <a:lumOff val="5000"/>
+                  </a:schemeClr>
+                </a:solidFill>
+              </a:rPr>
+              <a:t>计分的信号</a:t>
+            </a:r>
+            <a:r>
+              <a:rPr lang="zh-CN" altLang="en-US" dirty="0">
+                <a:solidFill>
+                  <a:schemeClr val="tx1">
+                    <a:lumMod val="65000"/>
+                    <a:lumOff val="35000"/>
+                  </a:schemeClr>
+                </a:solidFill>
+              </a:rPr>
+              <a:t>时会</a:t>
+            </a:r>
+            <a:r>
+              <a:rPr lang="zh-CN" altLang="en-US" dirty="0">
+                <a:solidFill>
+                  <a:schemeClr val="tx1">
+                    <a:lumMod val="95000"/>
+                    <a:lumOff val="5000"/>
+                  </a:schemeClr>
+                </a:solidFill>
+              </a:rPr>
+              <a:t>开始运行。</a:t>
+            </a:r>
+            <a:endParaRPr lang="en-US" altLang="zh-CN" dirty="0">
+              <a:solidFill>
+                <a:schemeClr val="tx1">
+                  <a:lumMod val="95000"/>
+                  <a:lumOff val="5000"/>
+                </a:schemeClr>
+              </a:solidFill>
+            </a:endParaRPr>
           </a:p>
         </p:txBody>
       </p:sp>
       <p:sp>
         <p:nvSpPr>
-          <p:cNvPr id="22" name="文本框 21">
-            <a:extLst>
-              <a:ext uri="{FF2B5EF4-FFF2-40B4-BE49-F238E27FC236}">
-                <a16:creationId xmlns:a16="http://schemas.microsoft.com/office/drawing/2014/main" id="{37B0572A-CD25-463D-8A64-72C7A74011FC}"/>
-              </a:ext>
-            </a:extLst>
-          </p:cNvPr>
-          <p:cNvSpPr txBox="1"/>
+          <p:cNvPr id="41" name="矩形 40">
+            <a:extLst>
+              <a:ext uri="{FF2B5EF4-FFF2-40B4-BE49-F238E27FC236}">
+                <a16:creationId xmlns:a16="http://schemas.microsoft.com/office/drawing/2014/main" id="{91946BF8-20AF-4EA9-A101-D04996AD86C8}"/>
+              </a:ext>
+            </a:extLst>
+          </p:cNvPr>
+          <p:cNvSpPr/>
           <p:nvPr/>
         </p:nvSpPr>
         <p:spPr>
           <a:xfrm>
-            <a:off x="6601522" y="3672280"/>
-            <a:ext cx="3924018" cy="1200329"/>
+            <a:off x="7056354" y="6595607"/>
+            <a:ext cx="4262705" cy="276999"/>
           </a:xfrm>
           <a:prstGeom prst="rect">
             <a:avLst/>
           </a:prstGeom>
-          <a:noFill/>
         </p:spPr>
         <p:txBody>
-          <a:bodyPr wrap="square" rtlCol="0">
+          <a:bodyPr wrap="none">
             <a:spAutoFit/>
           </a:bodyPr>
           <a:lstStyle/>
           <a:p>
-            <a:r>
-              <a:rPr lang="zh-CN" altLang="en-US" dirty="0"/>
-              <a:t>不同的核心负责发送或者接受信号、端子负责在不同核心间传递信号。不同的核心在接收到特定的信号后可以进行收益。</a:t>
-            </a:r>
-            <a:endParaRPr lang="en-US" dirty="0"/>
-          </a:p>
-        </p:txBody>
-      </p:sp>
-      <p:sp>
-        <p:nvSpPr>
-          <p:cNvPr id="23" name="文本框 22">
-            <a:extLst>
-              <a:ext uri="{FF2B5EF4-FFF2-40B4-BE49-F238E27FC236}">
-                <a16:creationId xmlns:a16="http://schemas.microsoft.com/office/drawing/2014/main" id="{D13101BE-A030-4F7B-8CB7-301E65BDB56F}"/>
-              </a:ext>
-            </a:extLst>
-          </p:cNvPr>
-          <p:cNvSpPr txBox="1"/>
-          <p:nvPr/>
-        </p:nvSpPr>
-        <p:spPr>
-          <a:xfrm>
-            <a:off x="6625035" y="5051855"/>
-            <a:ext cx="4127810" cy="1200329"/>
-          </a:xfrm>
-          <a:prstGeom prst="rect">
-            <a:avLst/>
-          </a:prstGeom>
-          <a:noFill/>
-        </p:spPr>
-        <p:txBody>
-          <a:bodyPr wrap="square" rtlCol="0">
-            <a:spAutoFit/>
-          </a:bodyPr>
-          <a:lstStyle/>
-          <a:p>
-            <a:r>
-              <a:rPr lang="zh-CN" altLang="en-US" dirty="0"/>
-              <a:t>数据信号只会由处理器模组发出</a:t>
-            </a:r>
-            <a:endParaRPr lang="en-US" altLang="zh-CN" dirty="0"/>
-          </a:p>
-          <a:p>
-            <a:r>
-              <a:rPr lang="zh-CN" altLang="en-US" dirty="0"/>
-              <a:t>网络信号只会有服务器模组发出，并且只能通过网络、网桥模组传播。</a:t>
-            </a:r>
-            <a:endParaRPr lang="en-US" dirty="0"/>
-          </a:p>
-          <a:p>
-            <a:endParaRPr lang="en-US" dirty="0"/>
-          </a:p>
-        </p:txBody>
-      </p:sp>
-      <p:sp>
-        <p:nvSpPr>
-          <p:cNvPr id="24" name="文本框 23">
-            <a:extLst>
-              <a:ext uri="{FF2B5EF4-FFF2-40B4-BE49-F238E27FC236}">
-                <a16:creationId xmlns:a16="http://schemas.microsoft.com/office/drawing/2014/main" id="{8A4FE41E-46E8-4A26-8DD3-C2F12E879A84}"/>
-              </a:ext>
-            </a:extLst>
-          </p:cNvPr>
-          <p:cNvSpPr txBox="1"/>
-          <p:nvPr/>
-        </p:nvSpPr>
-        <p:spPr>
-          <a:xfrm>
-            <a:off x="6625035" y="2013494"/>
-            <a:ext cx="3924018" cy="1754326"/>
-          </a:xfrm>
-          <a:prstGeom prst="rect">
-            <a:avLst/>
-          </a:prstGeom>
-          <a:noFill/>
-        </p:spPr>
-        <p:txBody>
-          <a:bodyPr wrap="square" rtlCol="0">
-            <a:spAutoFit/>
-          </a:bodyPr>
-          <a:lstStyle/>
-          <a:p>
-            <a:r>
-              <a:rPr lang="zh-CN" altLang="en-US" dirty="0"/>
-              <a:t>一个模组必然由一个核心和四个端子构成。</a:t>
-            </a:r>
-            <a:endParaRPr lang="en-US" altLang="zh-CN" dirty="0"/>
-          </a:p>
-          <a:p>
-            <a:r>
-              <a:rPr lang="zh-CN" altLang="en-US" dirty="0"/>
-              <a:t>核心有多种，然后端子只分为两种：可传播信号和不可传播信号。可传播信号的端子可以同时传递两种信号。</a:t>
-            </a:r>
-            <a:endParaRPr lang="en-US" altLang="zh-CN" dirty="0"/>
-          </a:p>
-          <a:p>
-            <a:endParaRPr lang="en-US" dirty="0"/>
-          </a:p>
-        </p:txBody>
-      </p:sp>
-      <p:sp>
-        <p:nvSpPr>
-          <p:cNvPr id="25" name="文本框 24">
-            <a:extLst>
-              <a:ext uri="{FF2B5EF4-FFF2-40B4-BE49-F238E27FC236}">
-                <a16:creationId xmlns:a16="http://schemas.microsoft.com/office/drawing/2014/main" id="{7FA67B8B-FDE0-4AD4-AC0D-3CDA9FB0F537}"/>
-              </a:ext>
-            </a:extLst>
-          </p:cNvPr>
-          <p:cNvSpPr txBox="1"/>
-          <p:nvPr/>
-        </p:nvSpPr>
-        <p:spPr>
-          <a:xfrm>
-            <a:off x="838200" y="5352585"/>
-            <a:ext cx="4861319" cy="646331"/>
-          </a:xfrm>
-          <a:prstGeom prst="rect">
-            <a:avLst/>
-          </a:prstGeom>
-          <a:noFill/>
-        </p:spPr>
-        <p:txBody>
-          <a:bodyPr wrap="square" rtlCol="0">
-            <a:spAutoFit/>
-          </a:bodyPr>
-          <a:lstStyle/>
-          <a:p>
-            <a:r>
-              <a:rPr lang="zh-CN" altLang="en-US" dirty="0"/>
-              <a:t>在端子传递信号时会点亮相应的</a:t>
-            </a:r>
-            <a:r>
-              <a:rPr lang="en-US" altLang="zh-CN" dirty="0"/>
-              <a:t>LED</a:t>
-            </a:r>
-            <a:r>
-              <a:rPr lang="zh-CN" altLang="en-US" dirty="0"/>
-              <a:t>，核心在接收到对应计分的信号时会开始运行。</a:t>
-            </a:r>
-            <a:endParaRPr lang="en-US" dirty="0"/>
+            <a:pPr lvl="0" algn="r"/>
+            <a:r>
+              <a:rPr lang="zh-CN" altLang="en-US" sz="1200" b="1" i="1" dirty="0">
+                <a:solidFill>
+                  <a:prstClr val="white">
+                    <a:lumMod val="50000"/>
+                  </a:prstClr>
+                </a:solidFill>
+              </a:rPr>
+              <a:t>*注：即使是未工作的模组，只要在场地上就要消费一定金钱</a:t>
+            </a:r>
+            <a:endParaRPr lang="en-US" altLang="zh-CN" sz="1200" b="1" i="1" dirty="0">
+              <a:solidFill>
+                <a:prstClr val="white">
+                  <a:lumMod val="50000"/>
+                </a:prstClr>
+              </a:solidFill>
+            </a:endParaRPr>
           </a:p>
         </p:txBody>
       </p:sp>
     </p:spTree>
     <p:extLst>
       <p:ext uri="{BB962C8B-B14F-4D97-AF65-F5344CB8AC3E}">
-        <p14:creationId xmlns:p14="http://schemas.microsoft.com/office/powerpoint/2010/main" val="4146688022"/>
+        <p14:creationId xmlns:p14="http://schemas.microsoft.com/office/powerpoint/2010/main" val="4203757830"/>
       </p:ext>
     </p:extLst>
   </p:cSld>
@@ -4563,7 +4825,1527 @@
           <p:cNvPr id="2" name="标题 1">
             <a:extLst>
               <a:ext uri="{FF2B5EF4-FFF2-40B4-BE49-F238E27FC236}">
-                <a16:creationId xmlns:a16="http://schemas.microsoft.com/office/drawing/2014/main" id="{B9110261-8660-4936-9702-B2F8C8BF72B5}"/>
+                <a16:creationId xmlns:a16="http://schemas.microsoft.com/office/drawing/2014/main" id="{7E40612C-3957-422B-A3CD-038D55AFA284}"/>
+              </a:ext>
+            </a:extLst>
+          </p:cNvPr>
+          <p:cNvSpPr>
+            <a:spLocks noGrp="1"/>
+          </p:cNvSpPr>
+          <p:nvPr>
+            <p:ph type="title"/>
+          </p:nvPr>
+        </p:nvSpPr>
+        <p:spPr>
+          <a:xfrm>
+            <a:off x="1261872" y="262393"/>
+            <a:ext cx="9692640" cy="1428929"/>
+          </a:xfrm>
+        </p:spPr>
+        <p:txBody>
+          <a:bodyPr/>
+          <a:lstStyle/>
+          <a:p>
+            <a:r>
+              <a:rPr lang="zh-CN" altLang="en-US" dirty="0"/>
+              <a:t>设备模组总体说明</a:t>
+            </a:r>
+            <a:r>
+              <a:rPr lang="en-US" altLang="zh-CN" dirty="0"/>
+              <a:t>——2</a:t>
+            </a:r>
+            <a:endParaRPr lang="en-US" dirty="0"/>
+          </a:p>
+        </p:txBody>
+      </p:sp>
+      <p:sp>
+        <p:nvSpPr>
+          <p:cNvPr id="23" name="文本框 22">
+            <a:extLst>
+              <a:ext uri="{FF2B5EF4-FFF2-40B4-BE49-F238E27FC236}">
+                <a16:creationId xmlns:a16="http://schemas.microsoft.com/office/drawing/2014/main" id="{D13101BE-A030-4F7B-8CB7-301E65BDB56F}"/>
+              </a:ext>
+            </a:extLst>
+          </p:cNvPr>
+          <p:cNvSpPr txBox="1"/>
+          <p:nvPr/>
+        </p:nvSpPr>
+        <p:spPr>
+          <a:xfrm>
+            <a:off x="5231596" y="6211669"/>
+            <a:ext cx="6073652" cy="646331"/>
+          </a:xfrm>
+          <a:prstGeom prst="rect">
+            <a:avLst/>
+          </a:prstGeom>
+          <a:noFill/>
+        </p:spPr>
+        <p:txBody>
+          <a:bodyPr wrap="square" rtlCol="0">
+            <a:spAutoFit/>
+          </a:bodyPr>
+          <a:lstStyle/>
+          <a:p>
+            <a:pPr algn="r"/>
+            <a:r>
+              <a:rPr lang="zh-CN" altLang="en-US" sz="1200" b="1" i="1" dirty="0">
+                <a:solidFill>
+                  <a:schemeClr val="bg1">
+                    <a:lumMod val="50000"/>
+                  </a:schemeClr>
+                </a:solidFill>
+              </a:rPr>
+              <a:t>*注：具体的发送、接受、传递规则在后面的附录可以看到</a:t>
+            </a:r>
+            <a:endParaRPr lang="en-US" altLang="zh-CN" sz="1200" b="1" i="1" dirty="0">
+              <a:solidFill>
+                <a:schemeClr val="bg1">
+                  <a:lumMod val="50000"/>
+                </a:schemeClr>
+              </a:solidFill>
+            </a:endParaRPr>
+          </a:p>
+          <a:p>
+            <a:pPr algn="r"/>
+            <a:r>
+              <a:rPr lang="zh-CN" altLang="en-US" sz="1200" b="1" i="1" dirty="0">
+                <a:solidFill>
+                  <a:schemeClr val="bg1">
+                    <a:lumMod val="50000"/>
+                  </a:schemeClr>
+                </a:solidFill>
+              </a:rPr>
+              <a:t>**注</a:t>
+            </a:r>
+            <a:r>
+              <a:rPr lang="en-US" altLang="zh-CN" sz="1200" b="1" i="1" dirty="0">
+                <a:solidFill>
+                  <a:schemeClr val="bg1">
+                    <a:lumMod val="50000"/>
+                  </a:schemeClr>
+                </a:solidFill>
+              </a:rPr>
+              <a:t>2</a:t>
+            </a:r>
+            <a:r>
+              <a:rPr lang="zh-CN" altLang="en-US" sz="1200" b="1" i="1" dirty="0">
+                <a:solidFill>
+                  <a:schemeClr val="bg1">
+                    <a:lumMod val="50000"/>
+                  </a:schemeClr>
+                </a:solidFill>
+              </a:rPr>
+              <a:t>：同一片场地上只能同时有一个处理器和服务器</a:t>
+            </a:r>
+            <a:endParaRPr lang="en-US" sz="1200" b="1" i="1" dirty="0">
+              <a:solidFill>
+                <a:schemeClr val="bg1">
+                  <a:lumMod val="50000"/>
+                </a:schemeClr>
+              </a:solidFill>
+            </a:endParaRPr>
+          </a:p>
+          <a:p>
+            <a:pPr algn="r"/>
+            <a:r>
+              <a:rPr lang="zh-CN" altLang="en-US" sz="1200" b="1" i="1" dirty="0">
+                <a:solidFill>
+                  <a:schemeClr val="bg1">
+                    <a:lumMod val="50000"/>
+                  </a:schemeClr>
+                </a:solidFill>
+              </a:rPr>
+              <a:t>***注</a:t>
+            </a:r>
+            <a:r>
+              <a:rPr lang="en-US" altLang="zh-CN" sz="1200" b="1" i="1" dirty="0">
+                <a:solidFill>
+                  <a:schemeClr val="bg1">
+                    <a:lumMod val="50000"/>
+                  </a:schemeClr>
+                </a:solidFill>
+              </a:rPr>
+              <a:t>3</a:t>
+            </a:r>
+            <a:r>
+              <a:rPr lang="zh-CN" altLang="en-US" sz="1200" b="1" i="1" dirty="0">
+                <a:solidFill>
+                  <a:schemeClr val="bg1">
+                    <a:lumMod val="50000"/>
+                  </a:schemeClr>
+                </a:solidFill>
+              </a:rPr>
+              <a:t>：只有处理器和服务器模组可以成为信号源，其他模组都只能传递信号</a:t>
+            </a:r>
+            <a:endParaRPr lang="en-US" sz="1200" b="1" i="1" dirty="0">
+              <a:solidFill>
+                <a:schemeClr val="bg1">
+                  <a:lumMod val="50000"/>
+                </a:schemeClr>
+              </a:solidFill>
+            </a:endParaRPr>
+          </a:p>
+        </p:txBody>
+      </p:sp>
+      <p:pic>
+        <p:nvPicPr>
+          <p:cNvPr id="26" name="图片 25" descr="图片包含 监视器, 天空&#10;&#10;描述已自动生成">
+            <a:extLst>
+              <a:ext uri="{FF2B5EF4-FFF2-40B4-BE49-F238E27FC236}">
+                <a16:creationId xmlns:a16="http://schemas.microsoft.com/office/drawing/2014/main" id="{61E0355A-E553-4AC3-BCAF-8B3991CD5C94}"/>
+              </a:ext>
+            </a:extLst>
+          </p:cNvPr>
+          <p:cNvPicPr>
+            <a:picLocks noChangeAspect="1"/>
+          </p:cNvPicPr>
+          <p:nvPr/>
+        </p:nvPicPr>
+        <p:blipFill>
+          <a:blip r:embed="rId2">
+            <a:extLst>
+              <a:ext uri="{28A0092B-C50C-407E-A947-70E740481C1C}">
+                <a14:useLocalDpi xmlns:a14="http://schemas.microsoft.com/office/drawing/2010/main" val="0"/>
+              </a:ext>
+            </a:extLst>
+          </a:blip>
+          <a:stretch>
+            <a:fillRect/>
+          </a:stretch>
+        </p:blipFill>
+        <p:spPr>
+          <a:xfrm rot="16200000">
+            <a:off x="2117124" y="2780228"/>
+            <a:ext cx="1241139" cy="143208"/>
+          </a:xfrm>
+          <a:prstGeom prst="rect">
+            <a:avLst/>
+          </a:prstGeom>
+        </p:spPr>
+      </p:pic>
+      <p:pic>
+        <p:nvPicPr>
+          <p:cNvPr id="49" name="图片 48">
+            <a:extLst>
+              <a:ext uri="{FF2B5EF4-FFF2-40B4-BE49-F238E27FC236}">
+                <a16:creationId xmlns:a16="http://schemas.microsoft.com/office/drawing/2014/main" id="{BFEC2FC9-F864-480D-9BE0-491BCDB0DE11}"/>
+              </a:ext>
+            </a:extLst>
+          </p:cNvPr>
+          <p:cNvPicPr>
+            <a:picLocks noChangeAspect="1"/>
+          </p:cNvPicPr>
+          <p:nvPr/>
+        </p:nvPicPr>
+        <p:blipFill>
+          <a:blip r:embed="rId3">
+            <a:extLst>
+              <a:ext uri="{28A0092B-C50C-407E-A947-70E740481C1C}">
+                <a14:useLocalDpi xmlns:a14="http://schemas.microsoft.com/office/drawing/2010/main" val="0"/>
+              </a:ext>
+            </a:extLst>
+          </a:blip>
+          <a:srcRect/>
+          <a:stretch/>
+        </p:blipFill>
+        <p:spPr>
+          <a:xfrm>
+            <a:off x="2807817" y="2223553"/>
+            <a:ext cx="1243049" cy="1243049"/>
+          </a:xfrm>
+          <a:prstGeom prst="rect">
+            <a:avLst/>
+          </a:prstGeom>
+        </p:spPr>
+      </p:pic>
+      <p:pic>
+        <p:nvPicPr>
+          <p:cNvPr id="50" name="图片 49">
+            <a:extLst>
+              <a:ext uri="{FF2B5EF4-FFF2-40B4-BE49-F238E27FC236}">
+                <a16:creationId xmlns:a16="http://schemas.microsoft.com/office/drawing/2014/main" id="{3A4656D2-2F3D-41DB-9765-184872C9DA93}"/>
+              </a:ext>
+            </a:extLst>
+          </p:cNvPr>
+          <p:cNvPicPr>
+            <a:picLocks noChangeAspect="1"/>
+          </p:cNvPicPr>
+          <p:nvPr/>
+        </p:nvPicPr>
+        <p:blipFill>
+          <a:blip r:embed="rId4">
+            <a:extLst>
+              <a:ext uri="{28A0092B-C50C-407E-A947-70E740481C1C}">
+                <a14:useLocalDpi xmlns:a14="http://schemas.microsoft.com/office/drawing/2010/main" val="0"/>
+              </a:ext>
+            </a:extLst>
+          </a:blip>
+          <a:srcRect/>
+          <a:stretch/>
+        </p:blipFill>
+        <p:spPr>
+          <a:xfrm>
+            <a:off x="1278528" y="2230400"/>
+            <a:ext cx="1243049" cy="1243049"/>
+          </a:xfrm>
+          <a:prstGeom prst="rect">
+            <a:avLst/>
+          </a:prstGeom>
+        </p:spPr>
+      </p:pic>
+      <p:pic>
+        <p:nvPicPr>
+          <p:cNvPr id="51" name="图片 50">
+            <a:extLst>
+              <a:ext uri="{FF2B5EF4-FFF2-40B4-BE49-F238E27FC236}">
+                <a16:creationId xmlns:a16="http://schemas.microsoft.com/office/drawing/2014/main" id="{231B6010-F895-414A-9B8F-53AC4B6A7F1D}"/>
+              </a:ext>
+            </a:extLst>
+          </p:cNvPr>
+          <p:cNvPicPr>
+            <a:picLocks noChangeAspect="1"/>
+          </p:cNvPicPr>
+          <p:nvPr/>
+        </p:nvPicPr>
+        <p:blipFill>
+          <a:blip r:embed="rId5">
+            <a:extLst>
+              <a:ext uri="{28A0092B-C50C-407E-A947-70E740481C1C}">
+                <a14:useLocalDpi xmlns:a14="http://schemas.microsoft.com/office/drawing/2010/main" val="0"/>
+              </a:ext>
+            </a:extLst>
+          </a:blip>
+          <a:stretch>
+            <a:fillRect/>
+          </a:stretch>
+        </p:blipFill>
+        <p:spPr>
+          <a:xfrm rot="16200000">
+            <a:off x="594228" y="2777464"/>
+            <a:ext cx="1235694" cy="142581"/>
+          </a:xfrm>
+          <a:prstGeom prst="rect">
+            <a:avLst/>
+          </a:prstGeom>
+        </p:spPr>
+      </p:pic>
+      <p:pic>
+        <p:nvPicPr>
+          <p:cNvPr id="52" name="图片 51">
+            <a:extLst>
+              <a:ext uri="{FF2B5EF4-FFF2-40B4-BE49-F238E27FC236}">
+                <a16:creationId xmlns:a16="http://schemas.microsoft.com/office/drawing/2014/main" id="{5F34CE22-D221-4008-9A3E-2D92CA129058}"/>
+              </a:ext>
+            </a:extLst>
+          </p:cNvPr>
+          <p:cNvPicPr>
+            <a:picLocks noChangeAspect="1"/>
+          </p:cNvPicPr>
+          <p:nvPr/>
+        </p:nvPicPr>
+        <p:blipFill>
+          <a:blip r:embed="rId6">
+            <a:extLst>
+              <a:ext uri="{28A0092B-C50C-407E-A947-70E740481C1C}">
+                <a14:useLocalDpi xmlns:a14="http://schemas.microsoft.com/office/drawing/2010/main" val="0"/>
+              </a:ext>
+            </a:extLst>
+          </a:blip>
+          <a:stretch>
+            <a:fillRect/>
+          </a:stretch>
+        </p:blipFill>
+        <p:spPr>
+          <a:xfrm>
+            <a:off x="1283366" y="2134310"/>
+            <a:ext cx="1240500" cy="95423"/>
+          </a:xfrm>
+          <a:prstGeom prst="rect">
+            <a:avLst/>
+          </a:prstGeom>
+        </p:spPr>
+      </p:pic>
+      <p:pic>
+        <p:nvPicPr>
+          <p:cNvPr id="53" name="图片 52">
+            <a:extLst>
+              <a:ext uri="{FF2B5EF4-FFF2-40B4-BE49-F238E27FC236}">
+                <a16:creationId xmlns:a16="http://schemas.microsoft.com/office/drawing/2014/main" id="{55402F68-702D-4FB5-A219-1469023FB905}"/>
+              </a:ext>
+            </a:extLst>
+          </p:cNvPr>
+          <p:cNvPicPr>
+            <a:picLocks noChangeAspect="1"/>
+          </p:cNvPicPr>
+          <p:nvPr/>
+        </p:nvPicPr>
+        <p:blipFill>
+          <a:blip r:embed="rId6">
+            <a:extLst>
+              <a:ext uri="{28A0092B-C50C-407E-A947-70E740481C1C}">
+                <a14:useLocalDpi xmlns:a14="http://schemas.microsoft.com/office/drawing/2010/main" val="0"/>
+              </a:ext>
+            </a:extLst>
+          </a:blip>
+          <a:stretch>
+            <a:fillRect/>
+          </a:stretch>
+        </p:blipFill>
+        <p:spPr>
+          <a:xfrm>
+            <a:off x="2809298" y="2136540"/>
+            <a:ext cx="1240500" cy="95423"/>
+          </a:xfrm>
+          <a:prstGeom prst="rect">
+            <a:avLst/>
+          </a:prstGeom>
+        </p:spPr>
+      </p:pic>
+      <p:pic>
+        <p:nvPicPr>
+          <p:cNvPr id="54" name="图片 53">
+            <a:extLst>
+              <a:ext uri="{FF2B5EF4-FFF2-40B4-BE49-F238E27FC236}">
+                <a16:creationId xmlns:a16="http://schemas.microsoft.com/office/drawing/2014/main" id="{50C49F44-534F-4C18-8C10-3CBF644DDD97}"/>
+              </a:ext>
+            </a:extLst>
+          </p:cNvPr>
+          <p:cNvPicPr>
+            <a:picLocks noChangeAspect="1"/>
+          </p:cNvPicPr>
+          <p:nvPr/>
+        </p:nvPicPr>
+        <p:blipFill>
+          <a:blip r:embed="rId6">
+            <a:extLst>
+              <a:ext uri="{28A0092B-C50C-407E-A947-70E740481C1C}">
+                <a14:useLocalDpi xmlns:a14="http://schemas.microsoft.com/office/drawing/2010/main" val="0"/>
+              </a:ext>
+            </a:extLst>
+          </a:blip>
+          <a:stretch>
+            <a:fillRect/>
+          </a:stretch>
+        </p:blipFill>
+        <p:spPr>
+          <a:xfrm rot="10800000">
+            <a:off x="2808885" y="3463376"/>
+            <a:ext cx="1240500" cy="95423"/>
+          </a:xfrm>
+          <a:prstGeom prst="rect">
+            <a:avLst/>
+          </a:prstGeom>
+        </p:spPr>
+      </p:pic>
+      <p:pic>
+        <p:nvPicPr>
+          <p:cNvPr id="55" name="图片 54">
+            <a:extLst>
+              <a:ext uri="{FF2B5EF4-FFF2-40B4-BE49-F238E27FC236}">
+                <a16:creationId xmlns:a16="http://schemas.microsoft.com/office/drawing/2014/main" id="{B0595511-81AB-4958-B094-8372348F4973}"/>
+              </a:ext>
+            </a:extLst>
+          </p:cNvPr>
+          <p:cNvPicPr>
+            <a:picLocks noChangeAspect="1"/>
+          </p:cNvPicPr>
+          <p:nvPr/>
+        </p:nvPicPr>
+        <p:blipFill>
+          <a:blip r:embed="rId6">
+            <a:extLst>
+              <a:ext uri="{28A0092B-C50C-407E-A947-70E740481C1C}">
+                <a14:useLocalDpi xmlns:a14="http://schemas.microsoft.com/office/drawing/2010/main" val="0"/>
+              </a:ext>
+            </a:extLst>
+          </a:blip>
+          <a:stretch>
+            <a:fillRect/>
+          </a:stretch>
+        </p:blipFill>
+        <p:spPr>
+          <a:xfrm rot="10800000">
+            <a:off x="1283366" y="3457017"/>
+            <a:ext cx="1240500" cy="95423"/>
+          </a:xfrm>
+          <a:prstGeom prst="rect">
+            <a:avLst/>
+          </a:prstGeom>
+        </p:spPr>
+      </p:pic>
+      <p:pic>
+        <p:nvPicPr>
+          <p:cNvPr id="58" name="图片 57" descr="图片包含 监视器, 天空&#10;&#10;描述已自动生成">
+            <a:extLst>
+              <a:ext uri="{FF2B5EF4-FFF2-40B4-BE49-F238E27FC236}">
+                <a16:creationId xmlns:a16="http://schemas.microsoft.com/office/drawing/2014/main" id="{3C421663-A829-4AA6-A021-39CA1CC58CFC}"/>
+              </a:ext>
+            </a:extLst>
+          </p:cNvPr>
+          <p:cNvPicPr>
+            <a:picLocks noChangeAspect="1"/>
+          </p:cNvPicPr>
+          <p:nvPr/>
+        </p:nvPicPr>
+        <p:blipFill>
+          <a:blip r:embed="rId2">
+            <a:extLst>
+              <a:ext uri="{28A0092B-C50C-407E-A947-70E740481C1C}">
+                <a14:useLocalDpi xmlns:a14="http://schemas.microsoft.com/office/drawing/2010/main" val="0"/>
+              </a:ext>
+            </a:extLst>
+          </a:blip>
+          <a:stretch>
+            <a:fillRect/>
+          </a:stretch>
+        </p:blipFill>
+        <p:spPr>
+          <a:xfrm rot="5400000">
+            <a:off x="1973917" y="2779032"/>
+            <a:ext cx="1241137" cy="143208"/>
+          </a:xfrm>
+          <a:prstGeom prst="rect">
+            <a:avLst/>
+          </a:prstGeom>
+        </p:spPr>
+      </p:pic>
+      <p:pic>
+        <p:nvPicPr>
+          <p:cNvPr id="59" name="图片 58">
+            <a:extLst>
+              <a:ext uri="{FF2B5EF4-FFF2-40B4-BE49-F238E27FC236}">
+                <a16:creationId xmlns:a16="http://schemas.microsoft.com/office/drawing/2014/main" id="{67A4FBD4-DED0-4F4A-BAEA-DDBC9EE6F563}"/>
+              </a:ext>
+            </a:extLst>
+          </p:cNvPr>
+          <p:cNvPicPr>
+            <a:picLocks noChangeAspect="1"/>
+          </p:cNvPicPr>
+          <p:nvPr/>
+        </p:nvPicPr>
+        <p:blipFill>
+          <a:blip r:embed="rId7">
+            <a:extLst>
+              <a:ext uri="{28A0092B-C50C-407E-A947-70E740481C1C}">
+                <a14:useLocalDpi xmlns:a14="http://schemas.microsoft.com/office/drawing/2010/main" val="0"/>
+              </a:ext>
+            </a:extLst>
+          </a:blip>
+          <a:stretch>
+            <a:fillRect/>
+          </a:stretch>
+        </p:blipFill>
+        <p:spPr>
+          <a:xfrm rot="5400000">
+            <a:off x="1975266" y="4559466"/>
+            <a:ext cx="1230742" cy="142009"/>
+          </a:xfrm>
+          <a:prstGeom prst="rect">
+            <a:avLst/>
+          </a:prstGeom>
+        </p:spPr>
+      </p:pic>
+      <p:pic>
+        <p:nvPicPr>
+          <p:cNvPr id="62" name="图片 61" descr="图片包含 建筑物&#10;&#10;描述已自动生成">
+            <a:extLst>
+              <a:ext uri="{FF2B5EF4-FFF2-40B4-BE49-F238E27FC236}">
+                <a16:creationId xmlns:a16="http://schemas.microsoft.com/office/drawing/2014/main" id="{38454244-03E3-4D33-BB34-A734195A77C0}"/>
+              </a:ext>
+            </a:extLst>
+          </p:cNvPr>
+          <p:cNvPicPr>
+            <a:picLocks noChangeAspect="1"/>
+          </p:cNvPicPr>
+          <p:nvPr/>
+        </p:nvPicPr>
+        <p:blipFill>
+          <a:blip r:embed="rId8">
+            <a:extLst>
+              <a:ext uri="{28A0092B-C50C-407E-A947-70E740481C1C}">
+                <a14:useLocalDpi xmlns:a14="http://schemas.microsoft.com/office/drawing/2010/main" val="0"/>
+              </a:ext>
+            </a:extLst>
+          </a:blip>
+          <a:stretch>
+            <a:fillRect/>
+          </a:stretch>
+        </p:blipFill>
+        <p:spPr>
+          <a:xfrm>
+            <a:off x="2802737" y="4006017"/>
+            <a:ext cx="1243049" cy="1243049"/>
+          </a:xfrm>
+          <a:prstGeom prst="rect">
+            <a:avLst/>
+          </a:prstGeom>
+        </p:spPr>
+      </p:pic>
+      <p:pic>
+        <p:nvPicPr>
+          <p:cNvPr id="63" name="图片 62">
+            <a:extLst>
+              <a:ext uri="{FF2B5EF4-FFF2-40B4-BE49-F238E27FC236}">
+                <a16:creationId xmlns:a16="http://schemas.microsoft.com/office/drawing/2014/main" id="{22358CA8-7CB8-4874-BD5E-3AFE34B9942E}"/>
+              </a:ext>
+            </a:extLst>
+          </p:cNvPr>
+          <p:cNvPicPr>
+            <a:picLocks noChangeAspect="1"/>
+          </p:cNvPicPr>
+          <p:nvPr/>
+        </p:nvPicPr>
+        <p:blipFill>
+          <a:blip r:embed="rId9">
+            <a:extLst>
+              <a:ext uri="{28A0092B-C50C-407E-A947-70E740481C1C}">
+                <a14:useLocalDpi xmlns:a14="http://schemas.microsoft.com/office/drawing/2010/main" val="0"/>
+              </a:ext>
+            </a:extLst>
+          </a:blip>
+          <a:stretch>
+            <a:fillRect/>
+          </a:stretch>
+        </p:blipFill>
+        <p:spPr>
+          <a:xfrm>
+            <a:off x="1278528" y="4019223"/>
+            <a:ext cx="1243049" cy="1243049"/>
+          </a:xfrm>
+          <a:prstGeom prst="rect">
+            <a:avLst/>
+          </a:prstGeom>
+        </p:spPr>
+      </p:pic>
+      <p:pic>
+        <p:nvPicPr>
+          <p:cNvPr id="64" name="图片 63">
+            <a:extLst>
+              <a:ext uri="{FF2B5EF4-FFF2-40B4-BE49-F238E27FC236}">
+                <a16:creationId xmlns:a16="http://schemas.microsoft.com/office/drawing/2014/main" id="{24BAF56F-E4AB-4FD9-BDD3-05BAAE256FD1}"/>
+              </a:ext>
+            </a:extLst>
+          </p:cNvPr>
+          <p:cNvPicPr>
+            <a:picLocks noChangeAspect="1"/>
+          </p:cNvPicPr>
+          <p:nvPr/>
+        </p:nvPicPr>
+        <p:blipFill>
+          <a:blip r:embed="rId5">
+            <a:extLst>
+              <a:ext uri="{28A0092B-C50C-407E-A947-70E740481C1C}">
+                <a14:useLocalDpi xmlns:a14="http://schemas.microsoft.com/office/drawing/2010/main" val="0"/>
+              </a:ext>
+            </a:extLst>
+          </a:blip>
+          <a:stretch>
+            <a:fillRect/>
+          </a:stretch>
+        </p:blipFill>
+        <p:spPr>
+          <a:xfrm rot="16200000">
+            <a:off x="594228" y="4566287"/>
+            <a:ext cx="1235694" cy="142581"/>
+          </a:xfrm>
+          <a:prstGeom prst="rect">
+            <a:avLst/>
+          </a:prstGeom>
+        </p:spPr>
+      </p:pic>
+      <p:pic>
+        <p:nvPicPr>
+          <p:cNvPr id="65" name="图片 64">
+            <a:extLst>
+              <a:ext uri="{FF2B5EF4-FFF2-40B4-BE49-F238E27FC236}">
+                <a16:creationId xmlns:a16="http://schemas.microsoft.com/office/drawing/2014/main" id="{88CF7250-D156-4C06-87C3-E8102E3DF2AB}"/>
+              </a:ext>
+            </a:extLst>
+          </p:cNvPr>
+          <p:cNvPicPr>
+            <a:picLocks noChangeAspect="1"/>
+          </p:cNvPicPr>
+          <p:nvPr/>
+        </p:nvPicPr>
+        <p:blipFill>
+          <a:blip r:embed="rId6">
+            <a:extLst>
+              <a:ext uri="{28A0092B-C50C-407E-A947-70E740481C1C}">
+                <a14:useLocalDpi xmlns:a14="http://schemas.microsoft.com/office/drawing/2010/main" val="0"/>
+              </a:ext>
+            </a:extLst>
+          </a:blip>
+          <a:stretch>
+            <a:fillRect/>
+          </a:stretch>
+        </p:blipFill>
+        <p:spPr>
+          <a:xfrm>
+            <a:off x="1279133" y="3927366"/>
+            <a:ext cx="1240500" cy="95423"/>
+          </a:xfrm>
+          <a:prstGeom prst="rect">
+            <a:avLst/>
+          </a:prstGeom>
+        </p:spPr>
+      </p:pic>
+      <p:pic>
+        <p:nvPicPr>
+          <p:cNvPr id="66" name="图片 65">
+            <a:extLst>
+              <a:ext uri="{FF2B5EF4-FFF2-40B4-BE49-F238E27FC236}">
+                <a16:creationId xmlns:a16="http://schemas.microsoft.com/office/drawing/2014/main" id="{91B5A1CF-299F-43D2-A6BB-CFC43867C921}"/>
+              </a:ext>
+            </a:extLst>
+          </p:cNvPr>
+          <p:cNvPicPr>
+            <a:picLocks noChangeAspect="1"/>
+          </p:cNvPicPr>
+          <p:nvPr/>
+        </p:nvPicPr>
+        <p:blipFill>
+          <a:blip r:embed="rId6">
+            <a:extLst>
+              <a:ext uri="{28A0092B-C50C-407E-A947-70E740481C1C}">
+                <a14:useLocalDpi xmlns:a14="http://schemas.microsoft.com/office/drawing/2010/main" val="0"/>
+              </a:ext>
+            </a:extLst>
+          </a:blip>
+          <a:stretch>
+            <a:fillRect/>
+          </a:stretch>
+        </p:blipFill>
+        <p:spPr>
+          <a:xfrm>
+            <a:off x="2804218" y="3919004"/>
+            <a:ext cx="1240500" cy="95423"/>
+          </a:xfrm>
+          <a:prstGeom prst="rect">
+            <a:avLst/>
+          </a:prstGeom>
+        </p:spPr>
+      </p:pic>
+      <p:pic>
+        <p:nvPicPr>
+          <p:cNvPr id="67" name="图片 66">
+            <a:extLst>
+              <a:ext uri="{FF2B5EF4-FFF2-40B4-BE49-F238E27FC236}">
+                <a16:creationId xmlns:a16="http://schemas.microsoft.com/office/drawing/2014/main" id="{926886C0-EA6F-4A50-8076-6505E03AE260}"/>
+              </a:ext>
+            </a:extLst>
+          </p:cNvPr>
+          <p:cNvPicPr>
+            <a:picLocks noChangeAspect="1"/>
+          </p:cNvPicPr>
+          <p:nvPr/>
+        </p:nvPicPr>
+        <p:blipFill>
+          <a:blip r:embed="rId6">
+            <a:extLst>
+              <a:ext uri="{28A0092B-C50C-407E-A947-70E740481C1C}">
+                <a14:useLocalDpi xmlns:a14="http://schemas.microsoft.com/office/drawing/2010/main" val="0"/>
+              </a:ext>
+            </a:extLst>
+          </a:blip>
+          <a:stretch>
+            <a:fillRect/>
+          </a:stretch>
+        </p:blipFill>
+        <p:spPr>
+          <a:xfrm rot="10800000">
+            <a:off x="2803805" y="5245840"/>
+            <a:ext cx="1240500" cy="95423"/>
+          </a:xfrm>
+          <a:prstGeom prst="rect">
+            <a:avLst/>
+          </a:prstGeom>
+        </p:spPr>
+      </p:pic>
+      <p:pic>
+        <p:nvPicPr>
+          <p:cNvPr id="68" name="图片 67">
+            <a:extLst>
+              <a:ext uri="{FF2B5EF4-FFF2-40B4-BE49-F238E27FC236}">
+                <a16:creationId xmlns:a16="http://schemas.microsoft.com/office/drawing/2014/main" id="{AAE71F43-06BF-4022-94ED-80AEACA02BDB}"/>
+              </a:ext>
+            </a:extLst>
+          </p:cNvPr>
+          <p:cNvPicPr>
+            <a:picLocks noChangeAspect="1"/>
+          </p:cNvPicPr>
+          <p:nvPr/>
+        </p:nvPicPr>
+        <p:blipFill>
+          <a:blip r:embed="rId6">
+            <a:extLst>
+              <a:ext uri="{28A0092B-C50C-407E-A947-70E740481C1C}">
+                <a14:useLocalDpi xmlns:a14="http://schemas.microsoft.com/office/drawing/2010/main" val="0"/>
+              </a:ext>
+            </a:extLst>
+          </a:blip>
+          <a:stretch>
+            <a:fillRect/>
+          </a:stretch>
+        </p:blipFill>
+        <p:spPr>
+          <a:xfrm rot="10800000">
+            <a:off x="1283366" y="5245840"/>
+            <a:ext cx="1240500" cy="95423"/>
+          </a:xfrm>
+          <a:prstGeom prst="rect">
+            <a:avLst/>
+          </a:prstGeom>
+        </p:spPr>
+      </p:pic>
+      <p:pic>
+        <p:nvPicPr>
+          <p:cNvPr id="71" name="图片 70">
+            <a:extLst>
+              <a:ext uri="{FF2B5EF4-FFF2-40B4-BE49-F238E27FC236}">
+                <a16:creationId xmlns:a16="http://schemas.microsoft.com/office/drawing/2014/main" id="{A94CDAB8-916C-4AD5-BE15-8A976626326E}"/>
+              </a:ext>
+            </a:extLst>
+          </p:cNvPr>
+          <p:cNvPicPr>
+            <a:picLocks noChangeAspect="1"/>
+          </p:cNvPicPr>
+          <p:nvPr/>
+        </p:nvPicPr>
+        <p:blipFill>
+          <a:blip r:embed="rId7">
+            <a:extLst>
+              <a:ext uri="{28A0092B-C50C-407E-A947-70E740481C1C}">
+                <a14:useLocalDpi xmlns:a14="http://schemas.microsoft.com/office/drawing/2010/main" val="0"/>
+              </a:ext>
+            </a:extLst>
+          </a:blip>
+          <a:stretch>
+            <a:fillRect/>
+          </a:stretch>
+        </p:blipFill>
+        <p:spPr>
+          <a:xfrm rot="16200000">
+            <a:off x="2113617" y="4559465"/>
+            <a:ext cx="1230742" cy="142009"/>
+          </a:xfrm>
+          <a:prstGeom prst="rect">
+            <a:avLst/>
+          </a:prstGeom>
+        </p:spPr>
+      </p:pic>
+      <p:pic>
+        <p:nvPicPr>
+          <p:cNvPr id="77" name="图片 76" descr="图片包含 监视器, 天空&#10;&#10;描述已自动生成">
+            <a:extLst>
+              <a:ext uri="{FF2B5EF4-FFF2-40B4-BE49-F238E27FC236}">
+                <a16:creationId xmlns:a16="http://schemas.microsoft.com/office/drawing/2014/main" id="{A51538C8-B53E-467D-B9BE-046FC15BBBC1}"/>
+              </a:ext>
+            </a:extLst>
+          </p:cNvPr>
+          <p:cNvPicPr>
+            <a:picLocks noChangeAspect="1"/>
+          </p:cNvPicPr>
+          <p:nvPr/>
+        </p:nvPicPr>
+        <p:blipFill>
+          <a:blip r:embed="rId2">
+            <a:extLst>
+              <a:ext uri="{28A0092B-C50C-407E-A947-70E740481C1C}">
+                <a14:useLocalDpi xmlns:a14="http://schemas.microsoft.com/office/drawing/2010/main" val="0"/>
+              </a:ext>
+            </a:extLst>
+          </a:blip>
+          <a:stretch>
+            <a:fillRect/>
+          </a:stretch>
+        </p:blipFill>
+        <p:spPr>
+          <a:xfrm rot="16200000">
+            <a:off x="3646424" y="2787076"/>
+            <a:ext cx="1241139" cy="143208"/>
+          </a:xfrm>
+          <a:prstGeom prst="rect">
+            <a:avLst/>
+          </a:prstGeom>
+        </p:spPr>
+      </p:pic>
+      <p:pic>
+        <p:nvPicPr>
+          <p:cNvPr id="78" name="图片 77">
+            <a:extLst>
+              <a:ext uri="{FF2B5EF4-FFF2-40B4-BE49-F238E27FC236}">
+                <a16:creationId xmlns:a16="http://schemas.microsoft.com/office/drawing/2014/main" id="{D1C7162A-E595-4A91-A6A3-626DAB1C1657}"/>
+              </a:ext>
+            </a:extLst>
+          </p:cNvPr>
+          <p:cNvPicPr>
+            <a:picLocks noChangeAspect="1"/>
+          </p:cNvPicPr>
+          <p:nvPr/>
+        </p:nvPicPr>
+        <p:blipFill>
+          <a:blip r:embed="rId3">
+            <a:extLst>
+              <a:ext uri="{28A0092B-C50C-407E-A947-70E740481C1C}">
+                <a14:useLocalDpi xmlns:a14="http://schemas.microsoft.com/office/drawing/2010/main" val="0"/>
+              </a:ext>
+            </a:extLst>
+          </a:blip>
+          <a:srcRect/>
+          <a:stretch/>
+        </p:blipFill>
+        <p:spPr>
+          <a:xfrm>
+            <a:off x="4337117" y="2230401"/>
+            <a:ext cx="1243049" cy="1243049"/>
+          </a:xfrm>
+          <a:prstGeom prst="rect">
+            <a:avLst/>
+          </a:prstGeom>
+        </p:spPr>
+      </p:pic>
+      <p:pic>
+        <p:nvPicPr>
+          <p:cNvPr id="79" name="图片 78">
+            <a:extLst>
+              <a:ext uri="{FF2B5EF4-FFF2-40B4-BE49-F238E27FC236}">
+                <a16:creationId xmlns:a16="http://schemas.microsoft.com/office/drawing/2014/main" id="{8A6DBE0D-FDDA-4D29-B452-559DE62FFB2A}"/>
+              </a:ext>
+            </a:extLst>
+          </p:cNvPr>
+          <p:cNvPicPr>
+            <a:picLocks noChangeAspect="1"/>
+          </p:cNvPicPr>
+          <p:nvPr/>
+        </p:nvPicPr>
+        <p:blipFill>
+          <a:blip r:embed="rId6">
+            <a:extLst>
+              <a:ext uri="{28A0092B-C50C-407E-A947-70E740481C1C}">
+                <a14:useLocalDpi xmlns:a14="http://schemas.microsoft.com/office/drawing/2010/main" val="0"/>
+              </a:ext>
+            </a:extLst>
+          </a:blip>
+          <a:stretch>
+            <a:fillRect/>
+          </a:stretch>
+        </p:blipFill>
+        <p:spPr>
+          <a:xfrm>
+            <a:off x="4338598" y="2143388"/>
+            <a:ext cx="1240500" cy="95423"/>
+          </a:xfrm>
+          <a:prstGeom prst="rect">
+            <a:avLst/>
+          </a:prstGeom>
+        </p:spPr>
+      </p:pic>
+      <p:pic>
+        <p:nvPicPr>
+          <p:cNvPr id="80" name="图片 79">
+            <a:extLst>
+              <a:ext uri="{FF2B5EF4-FFF2-40B4-BE49-F238E27FC236}">
+                <a16:creationId xmlns:a16="http://schemas.microsoft.com/office/drawing/2014/main" id="{26973F94-7A44-4667-8CFA-CEBC03897B55}"/>
+              </a:ext>
+            </a:extLst>
+          </p:cNvPr>
+          <p:cNvPicPr>
+            <a:picLocks noChangeAspect="1"/>
+          </p:cNvPicPr>
+          <p:nvPr/>
+        </p:nvPicPr>
+        <p:blipFill>
+          <a:blip r:embed="rId6">
+            <a:extLst>
+              <a:ext uri="{28A0092B-C50C-407E-A947-70E740481C1C}">
+                <a14:useLocalDpi xmlns:a14="http://schemas.microsoft.com/office/drawing/2010/main" val="0"/>
+              </a:ext>
+            </a:extLst>
+          </a:blip>
+          <a:stretch>
+            <a:fillRect/>
+          </a:stretch>
+        </p:blipFill>
+        <p:spPr>
+          <a:xfrm rot="10800000">
+            <a:off x="4338185" y="3470224"/>
+            <a:ext cx="1240500" cy="95423"/>
+          </a:xfrm>
+          <a:prstGeom prst="rect">
+            <a:avLst/>
+          </a:prstGeom>
+        </p:spPr>
+      </p:pic>
+      <p:pic>
+        <p:nvPicPr>
+          <p:cNvPr id="81" name="图片 80">
+            <a:extLst>
+              <a:ext uri="{FF2B5EF4-FFF2-40B4-BE49-F238E27FC236}">
+                <a16:creationId xmlns:a16="http://schemas.microsoft.com/office/drawing/2014/main" id="{7B661A40-4A23-4425-A547-58D3D10304B8}"/>
+              </a:ext>
+            </a:extLst>
+          </p:cNvPr>
+          <p:cNvPicPr>
+            <a:picLocks noChangeAspect="1"/>
+          </p:cNvPicPr>
+          <p:nvPr/>
+        </p:nvPicPr>
+        <p:blipFill>
+          <a:blip r:embed="rId5">
+            <a:extLst>
+              <a:ext uri="{28A0092B-C50C-407E-A947-70E740481C1C}">
+                <a14:useLocalDpi xmlns:a14="http://schemas.microsoft.com/office/drawing/2010/main" val="0"/>
+              </a:ext>
+            </a:extLst>
+          </a:blip>
+          <a:stretch>
+            <a:fillRect/>
+          </a:stretch>
+        </p:blipFill>
+        <p:spPr>
+          <a:xfrm rot="5400000">
+            <a:off x="5032456" y="2776958"/>
+            <a:ext cx="1235694" cy="142581"/>
+          </a:xfrm>
+          <a:prstGeom prst="rect">
+            <a:avLst/>
+          </a:prstGeom>
+        </p:spPr>
+      </p:pic>
+      <p:pic>
+        <p:nvPicPr>
+          <p:cNvPr id="82" name="图片 81" descr="图片包含 监视器, 天空&#10;&#10;描述已自动生成">
+            <a:extLst>
+              <a:ext uri="{FF2B5EF4-FFF2-40B4-BE49-F238E27FC236}">
+                <a16:creationId xmlns:a16="http://schemas.microsoft.com/office/drawing/2014/main" id="{55ABDF06-71A9-4B6B-8477-FB119CA8BD51}"/>
+              </a:ext>
+            </a:extLst>
+          </p:cNvPr>
+          <p:cNvPicPr>
+            <a:picLocks noChangeAspect="1"/>
+          </p:cNvPicPr>
+          <p:nvPr/>
+        </p:nvPicPr>
+        <p:blipFill>
+          <a:blip r:embed="rId2">
+            <a:extLst>
+              <a:ext uri="{28A0092B-C50C-407E-A947-70E740481C1C}">
+                <a14:useLocalDpi xmlns:a14="http://schemas.microsoft.com/office/drawing/2010/main" val="0"/>
+              </a:ext>
+            </a:extLst>
+          </a:blip>
+          <a:stretch>
+            <a:fillRect/>
+          </a:stretch>
+        </p:blipFill>
+        <p:spPr>
+          <a:xfrm rot="5400000">
+            <a:off x="3503217" y="2785880"/>
+            <a:ext cx="1241137" cy="143208"/>
+          </a:xfrm>
+          <a:prstGeom prst="rect">
+            <a:avLst/>
+          </a:prstGeom>
+        </p:spPr>
+      </p:pic>
+      <p:pic>
+        <p:nvPicPr>
+          <p:cNvPr id="83" name="图片 82">
+            <a:extLst>
+              <a:ext uri="{FF2B5EF4-FFF2-40B4-BE49-F238E27FC236}">
+                <a16:creationId xmlns:a16="http://schemas.microsoft.com/office/drawing/2014/main" id="{5EF4D6AB-51A4-42C3-B1BD-11931E4FC89E}"/>
+              </a:ext>
+            </a:extLst>
+          </p:cNvPr>
+          <p:cNvPicPr>
+            <a:picLocks noChangeAspect="1"/>
+          </p:cNvPicPr>
+          <p:nvPr/>
+        </p:nvPicPr>
+        <p:blipFill>
+          <a:blip r:embed="rId7">
+            <a:extLst>
+              <a:ext uri="{28A0092B-C50C-407E-A947-70E740481C1C}">
+                <a14:useLocalDpi xmlns:a14="http://schemas.microsoft.com/office/drawing/2010/main" val="0"/>
+              </a:ext>
+            </a:extLst>
+          </a:blip>
+          <a:stretch>
+            <a:fillRect/>
+          </a:stretch>
+        </p:blipFill>
+        <p:spPr>
+          <a:xfrm rot="5400000">
+            <a:off x="3496772" y="4558851"/>
+            <a:ext cx="1230742" cy="142009"/>
+          </a:xfrm>
+          <a:prstGeom prst="rect">
+            <a:avLst/>
+          </a:prstGeom>
+        </p:spPr>
+      </p:pic>
+      <p:pic>
+        <p:nvPicPr>
+          <p:cNvPr id="84" name="图片 83" descr="图片包含 建筑物&#10;&#10;描述已自动生成">
+            <a:extLst>
+              <a:ext uri="{FF2B5EF4-FFF2-40B4-BE49-F238E27FC236}">
+                <a16:creationId xmlns:a16="http://schemas.microsoft.com/office/drawing/2014/main" id="{E6724EA8-4735-4D9C-8EF3-B19F6580A92F}"/>
+              </a:ext>
+            </a:extLst>
+          </p:cNvPr>
+          <p:cNvPicPr>
+            <a:picLocks noChangeAspect="1"/>
+          </p:cNvPicPr>
+          <p:nvPr/>
+        </p:nvPicPr>
+        <p:blipFill>
+          <a:blip r:embed="rId8">
+            <a:extLst>
+              <a:ext uri="{28A0092B-C50C-407E-A947-70E740481C1C}">
+                <a14:useLocalDpi xmlns:a14="http://schemas.microsoft.com/office/drawing/2010/main" val="0"/>
+              </a:ext>
+            </a:extLst>
+          </a:blip>
+          <a:stretch>
+            <a:fillRect/>
+          </a:stretch>
+        </p:blipFill>
+        <p:spPr>
+          <a:xfrm>
+            <a:off x="4324243" y="4005402"/>
+            <a:ext cx="1243049" cy="1243049"/>
+          </a:xfrm>
+          <a:prstGeom prst="rect">
+            <a:avLst/>
+          </a:prstGeom>
+        </p:spPr>
+      </p:pic>
+      <p:pic>
+        <p:nvPicPr>
+          <p:cNvPr id="85" name="图片 84">
+            <a:extLst>
+              <a:ext uri="{FF2B5EF4-FFF2-40B4-BE49-F238E27FC236}">
+                <a16:creationId xmlns:a16="http://schemas.microsoft.com/office/drawing/2014/main" id="{98E40F3D-F9C5-45C9-9FBA-D4702C6C3BD4}"/>
+              </a:ext>
+            </a:extLst>
+          </p:cNvPr>
+          <p:cNvPicPr>
+            <a:picLocks noChangeAspect="1"/>
+          </p:cNvPicPr>
+          <p:nvPr/>
+        </p:nvPicPr>
+        <p:blipFill>
+          <a:blip r:embed="rId6">
+            <a:extLst>
+              <a:ext uri="{28A0092B-C50C-407E-A947-70E740481C1C}">
+                <a14:useLocalDpi xmlns:a14="http://schemas.microsoft.com/office/drawing/2010/main" val="0"/>
+              </a:ext>
+            </a:extLst>
+          </a:blip>
+          <a:stretch>
+            <a:fillRect/>
+          </a:stretch>
+        </p:blipFill>
+        <p:spPr>
+          <a:xfrm>
+            <a:off x="4325724" y="3918389"/>
+            <a:ext cx="1240500" cy="95423"/>
+          </a:xfrm>
+          <a:prstGeom prst="rect">
+            <a:avLst/>
+          </a:prstGeom>
+        </p:spPr>
+      </p:pic>
+      <p:pic>
+        <p:nvPicPr>
+          <p:cNvPr id="86" name="图片 85">
+            <a:extLst>
+              <a:ext uri="{FF2B5EF4-FFF2-40B4-BE49-F238E27FC236}">
+                <a16:creationId xmlns:a16="http://schemas.microsoft.com/office/drawing/2014/main" id="{3DF6A95F-8F39-4FA6-AE54-788BC68360D6}"/>
+              </a:ext>
+            </a:extLst>
+          </p:cNvPr>
+          <p:cNvPicPr>
+            <a:picLocks noChangeAspect="1"/>
+          </p:cNvPicPr>
+          <p:nvPr/>
+        </p:nvPicPr>
+        <p:blipFill>
+          <a:blip r:embed="rId6">
+            <a:extLst>
+              <a:ext uri="{28A0092B-C50C-407E-A947-70E740481C1C}">
+                <a14:useLocalDpi xmlns:a14="http://schemas.microsoft.com/office/drawing/2010/main" val="0"/>
+              </a:ext>
+            </a:extLst>
+          </a:blip>
+          <a:stretch>
+            <a:fillRect/>
+          </a:stretch>
+        </p:blipFill>
+        <p:spPr>
+          <a:xfrm rot="10800000">
+            <a:off x="4325311" y="5245225"/>
+            <a:ext cx="1240500" cy="95423"/>
+          </a:xfrm>
+          <a:prstGeom prst="rect">
+            <a:avLst/>
+          </a:prstGeom>
+        </p:spPr>
+      </p:pic>
+      <p:pic>
+        <p:nvPicPr>
+          <p:cNvPr id="87" name="图片 86">
+            <a:extLst>
+              <a:ext uri="{FF2B5EF4-FFF2-40B4-BE49-F238E27FC236}">
+                <a16:creationId xmlns:a16="http://schemas.microsoft.com/office/drawing/2014/main" id="{F41F7B76-53D6-4AFF-90D6-224E6391ACBD}"/>
+              </a:ext>
+            </a:extLst>
+          </p:cNvPr>
+          <p:cNvPicPr>
+            <a:picLocks noChangeAspect="1"/>
+          </p:cNvPicPr>
+          <p:nvPr/>
+        </p:nvPicPr>
+        <p:blipFill>
+          <a:blip r:embed="rId7">
+            <a:extLst>
+              <a:ext uri="{28A0092B-C50C-407E-A947-70E740481C1C}">
+                <a14:useLocalDpi xmlns:a14="http://schemas.microsoft.com/office/drawing/2010/main" val="0"/>
+              </a:ext>
+            </a:extLst>
+          </a:blip>
+          <a:stretch>
+            <a:fillRect/>
+          </a:stretch>
+        </p:blipFill>
+        <p:spPr>
+          <a:xfrm rot="16200000">
+            <a:off x="3635123" y="4558850"/>
+            <a:ext cx="1230742" cy="142009"/>
+          </a:xfrm>
+          <a:prstGeom prst="rect">
+            <a:avLst/>
+          </a:prstGeom>
+        </p:spPr>
+      </p:pic>
+      <p:pic>
+        <p:nvPicPr>
+          <p:cNvPr id="88" name="图片 87">
+            <a:extLst>
+              <a:ext uri="{FF2B5EF4-FFF2-40B4-BE49-F238E27FC236}">
+                <a16:creationId xmlns:a16="http://schemas.microsoft.com/office/drawing/2014/main" id="{390D80D2-91DC-4F5A-8D6C-D046B861A9FF}"/>
+              </a:ext>
+            </a:extLst>
+          </p:cNvPr>
+          <p:cNvPicPr>
+            <a:picLocks noChangeAspect="1"/>
+          </p:cNvPicPr>
+          <p:nvPr/>
+        </p:nvPicPr>
+        <p:blipFill>
+          <a:blip r:embed="rId5">
+            <a:extLst>
+              <a:ext uri="{28A0092B-C50C-407E-A947-70E740481C1C}">
+                <a14:useLocalDpi xmlns:a14="http://schemas.microsoft.com/office/drawing/2010/main" val="0"/>
+              </a:ext>
+            </a:extLst>
+          </a:blip>
+          <a:stretch>
+            <a:fillRect/>
+          </a:stretch>
+        </p:blipFill>
+        <p:spPr>
+          <a:xfrm rot="5400000">
+            <a:off x="5019254" y="4559086"/>
+            <a:ext cx="1235694" cy="142581"/>
+          </a:xfrm>
+          <a:prstGeom prst="rect">
+            <a:avLst/>
+          </a:prstGeom>
+        </p:spPr>
+      </p:pic>
+      <p:sp>
+        <p:nvSpPr>
+          <p:cNvPr id="4" name="文本框 3">
+            <a:extLst>
+              <a:ext uri="{FF2B5EF4-FFF2-40B4-BE49-F238E27FC236}">
+                <a16:creationId xmlns:a16="http://schemas.microsoft.com/office/drawing/2014/main" id="{70B227D9-8598-4DC2-9A21-C896A655DE1D}"/>
+              </a:ext>
+            </a:extLst>
+          </p:cNvPr>
+          <p:cNvSpPr txBox="1"/>
+          <p:nvPr/>
+        </p:nvSpPr>
+        <p:spPr>
+          <a:xfrm>
+            <a:off x="6551482" y="3085868"/>
+            <a:ext cx="3924018" cy="1200329"/>
+          </a:xfrm>
+          <a:prstGeom prst="rect">
+            <a:avLst/>
+          </a:prstGeom>
+          <a:noFill/>
+        </p:spPr>
+        <p:txBody>
+          <a:bodyPr wrap="square" rtlCol="0">
+            <a:spAutoFit/>
+          </a:bodyPr>
+          <a:lstStyle/>
+          <a:p>
+            <a:r>
+              <a:rPr lang="zh-CN" altLang="en-US" dirty="0">
+                <a:solidFill>
+                  <a:schemeClr val="tx1">
+                    <a:lumMod val="65000"/>
+                    <a:lumOff val="35000"/>
+                  </a:schemeClr>
+                </a:solidFill>
+              </a:rPr>
+              <a:t>这个颜色会随着不同的信号种类变化而变化：</a:t>
+            </a:r>
+            <a:endParaRPr lang="en-US" altLang="zh-CN" dirty="0">
+              <a:solidFill>
+                <a:schemeClr val="tx1">
+                  <a:lumMod val="65000"/>
+                  <a:lumOff val="35000"/>
+                </a:schemeClr>
+              </a:solidFill>
+            </a:endParaRPr>
+          </a:p>
+          <a:p>
+            <a:pPr lvl="1"/>
+            <a:r>
+              <a:rPr lang="zh-CN" altLang="en-US" dirty="0">
+                <a:solidFill>
+                  <a:schemeClr val="tx1">
+                    <a:lumMod val="95000"/>
+                    <a:lumOff val="5000"/>
+                  </a:schemeClr>
+                </a:solidFill>
+              </a:rPr>
+              <a:t>数据信号是</a:t>
+            </a:r>
+            <a:r>
+              <a:rPr lang="zh-CN" altLang="en-US" dirty="0">
+                <a:solidFill>
+                  <a:srgbClr val="0070C0"/>
+                </a:solidFill>
+              </a:rPr>
+              <a:t>蓝色</a:t>
+            </a:r>
+            <a:endParaRPr lang="en-US" altLang="zh-CN" dirty="0">
+              <a:solidFill>
+                <a:srgbClr val="0070C0"/>
+              </a:solidFill>
+            </a:endParaRPr>
+          </a:p>
+          <a:p>
+            <a:pPr lvl="1"/>
+            <a:r>
+              <a:rPr lang="zh-CN" altLang="en-US" dirty="0">
+                <a:solidFill>
+                  <a:schemeClr val="tx1">
+                    <a:lumMod val="95000"/>
+                    <a:lumOff val="5000"/>
+                  </a:schemeClr>
+                </a:solidFill>
+              </a:rPr>
+              <a:t>网络信号是</a:t>
+            </a:r>
+            <a:r>
+              <a:rPr lang="zh-CN" altLang="en-US" dirty="0">
+                <a:solidFill>
+                  <a:srgbClr val="00B050"/>
+                </a:solidFill>
+              </a:rPr>
+              <a:t>绿色</a:t>
+            </a:r>
+            <a:endParaRPr lang="en-US" altLang="zh-CN" dirty="0">
+              <a:solidFill>
+                <a:srgbClr val="00B050"/>
+              </a:solidFill>
+            </a:endParaRPr>
+          </a:p>
+        </p:txBody>
+      </p:sp>
+      <p:sp>
+        <p:nvSpPr>
+          <p:cNvPr id="5" name="文本框 4">
+            <a:extLst>
+              <a:ext uri="{FF2B5EF4-FFF2-40B4-BE49-F238E27FC236}">
+                <a16:creationId xmlns:a16="http://schemas.microsoft.com/office/drawing/2014/main" id="{7F44A2AD-3065-45CE-A61B-5E26542B5300}"/>
+              </a:ext>
+            </a:extLst>
+          </p:cNvPr>
+          <p:cNvSpPr txBox="1"/>
+          <p:nvPr/>
+        </p:nvSpPr>
+        <p:spPr>
+          <a:xfrm>
+            <a:off x="6575975" y="4766921"/>
+            <a:ext cx="3866827" cy="646331"/>
+          </a:xfrm>
+          <a:prstGeom prst="rect">
+            <a:avLst/>
+          </a:prstGeom>
+          <a:noFill/>
+        </p:spPr>
+        <p:txBody>
+          <a:bodyPr wrap="square" rtlCol="0">
+            <a:spAutoFit/>
+          </a:bodyPr>
+          <a:lstStyle/>
+          <a:p>
+            <a:r>
+              <a:rPr lang="zh-CN" altLang="en-US" dirty="0">
+                <a:solidFill>
+                  <a:schemeClr val="tx1">
+                    <a:lumMod val="65000"/>
+                    <a:lumOff val="35000"/>
+                  </a:schemeClr>
+                </a:solidFill>
+              </a:rPr>
+              <a:t>核心发送或者接受信号，端子传递信号，而且信号还可以</a:t>
+            </a:r>
+            <a:r>
+              <a:rPr lang="zh-CN" altLang="en-US" dirty="0">
+                <a:solidFill>
+                  <a:schemeClr val="tx1">
+                    <a:lumMod val="95000"/>
+                    <a:lumOff val="5000"/>
+                  </a:schemeClr>
+                </a:solidFill>
+              </a:rPr>
+              <a:t>进行转发。</a:t>
+            </a:r>
+            <a:endParaRPr lang="en-US" altLang="zh-CN" dirty="0">
+              <a:solidFill>
+                <a:schemeClr val="tx1">
+                  <a:lumMod val="65000"/>
+                  <a:lumOff val="35000"/>
+                </a:schemeClr>
+              </a:solidFill>
+            </a:endParaRPr>
+          </a:p>
+        </p:txBody>
+      </p:sp>
+      <p:sp>
+        <p:nvSpPr>
+          <p:cNvPr id="6" name="矩形 5">
+            <a:extLst>
+              <a:ext uri="{FF2B5EF4-FFF2-40B4-BE49-F238E27FC236}">
+                <a16:creationId xmlns:a16="http://schemas.microsoft.com/office/drawing/2014/main" id="{CF88D75E-3245-4794-BA77-923FE1416A10}"/>
+              </a:ext>
+            </a:extLst>
+          </p:cNvPr>
+          <p:cNvSpPr/>
+          <p:nvPr/>
+        </p:nvSpPr>
+        <p:spPr>
+          <a:xfrm>
+            <a:off x="6551482" y="2008209"/>
+            <a:ext cx="4170138" cy="646331"/>
+          </a:xfrm>
+          <a:prstGeom prst="rect">
+            <a:avLst/>
+          </a:prstGeom>
+        </p:spPr>
+        <p:txBody>
+          <a:bodyPr wrap="square">
+            <a:spAutoFit/>
+          </a:bodyPr>
+          <a:lstStyle/>
+          <a:p>
+            <a:r>
+              <a:rPr lang="zh-CN" altLang="en-US" dirty="0">
+                <a:solidFill>
+                  <a:schemeClr val="tx1">
+                    <a:lumMod val="65000"/>
+                    <a:lumOff val="35000"/>
+                  </a:schemeClr>
+                </a:solidFill>
+              </a:rPr>
+              <a:t>在端子和端子相连时就可以传递信号</a:t>
+            </a:r>
+            <a:endParaRPr lang="en-US" altLang="zh-CN" dirty="0">
+              <a:solidFill>
+                <a:schemeClr val="tx1">
+                  <a:lumMod val="65000"/>
+                  <a:lumOff val="35000"/>
+                </a:schemeClr>
+              </a:solidFill>
+            </a:endParaRPr>
+          </a:p>
+          <a:p>
+            <a:r>
+              <a:rPr lang="zh-CN" altLang="en-US" dirty="0">
+                <a:solidFill>
+                  <a:schemeClr val="tx1">
+                    <a:lumMod val="65000"/>
+                    <a:lumOff val="35000"/>
+                  </a:schemeClr>
+                </a:solidFill>
+              </a:rPr>
+              <a:t>如左图，</a:t>
+            </a:r>
+            <a:r>
+              <a:rPr lang="zh-CN" altLang="en-US" dirty="0">
+                <a:solidFill>
+                  <a:schemeClr val="tx1">
+                    <a:lumMod val="95000"/>
+                    <a:lumOff val="5000"/>
+                  </a:schemeClr>
+                </a:solidFill>
+              </a:rPr>
+              <a:t>在传递信号的端子就会亮起。</a:t>
+            </a:r>
+            <a:endParaRPr lang="en-US" dirty="0">
+              <a:solidFill>
+                <a:schemeClr val="tx1">
+                  <a:lumMod val="95000"/>
+                  <a:lumOff val="5000"/>
+                </a:schemeClr>
+              </a:solidFill>
+            </a:endParaRPr>
+          </a:p>
+        </p:txBody>
+      </p:sp>
+    </p:spTree>
+    <p:extLst>
+      <p:ext uri="{BB962C8B-B14F-4D97-AF65-F5344CB8AC3E}">
+        <p14:creationId xmlns:p14="http://schemas.microsoft.com/office/powerpoint/2010/main" val="67844271"/>
+      </p:ext>
+    </p:extLst>
+  </p:cSld>
+  <p:clrMapOvr>
+    <a:masterClrMapping/>
+  </p:clrMapOvr>
+</p:sld>
+</file>
+
+<file path=ppt/slides/slide13.xml><?xml version="1.0" encoding="utf-8"?>
+<p:sld xmlns:a="http://schemas.openxmlformats.org/drawingml/2006/main" xmlns:r="http://schemas.openxmlformats.org/officeDocument/2006/relationships" xmlns:p="http://schemas.openxmlformats.org/presentationml/2006/main">
+  <p:cSld>
+    <p:spTree>
+      <p:nvGrpSpPr>
+        <p:cNvPr id="1" name=""/>
+        <p:cNvGrpSpPr/>
+        <p:nvPr/>
+      </p:nvGrpSpPr>
+      <p:grpSpPr>
+        <a:xfrm>
+          <a:off x="0" y="0"/>
+          <a:ext cx="0" cy="0"/>
+          <a:chOff x="0" y="0"/>
+          <a:chExt cx="0" cy="0"/>
+        </a:xfrm>
+      </p:grpSpPr>
+      <p:sp>
+        <p:nvSpPr>
+          <p:cNvPr id="2" name="标题 1">
+            <a:extLst>
+              <a:ext uri="{FF2B5EF4-FFF2-40B4-BE49-F238E27FC236}">
+                <a16:creationId xmlns:a16="http://schemas.microsoft.com/office/drawing/2014/main" id="{7E40612C-3957-422B-A3CD-038D55AFA284}"/>
               </a:ext>
             </a:extLst>
           </p:cNvPr>
@@ -4581,6 +6363,1503 @@
           <a:p>
             <a:r>
               <a:rPr lang="zh-CN" altLang="en-US" dirty="0"/>
+              <a:t>设备模组总体说明</a:t>
+            </a:r>
+            <a:r>
+              <a:rPr lang="en-US" altLang="zh-CN" dirty="0"/>
+              <a:t>——3</a:t>
+            </a:r>
+            <a:endParaRPr lang="en-US" dirty="0"/>
+          </a:p>
+        </p:txBody>
+      </p:sp>
+      <p:pic>
+        <p:nvPicPr>
+          <p:cNvPr id="8" name="图片 7" descr="图片包含 物体, 相框&#10;&#10;描述已自动生成">
+            <a:extLst>
+              <a:ext uri="{FF2B5EF4-FFF2-40B4-BE49-F238E27FC236}">
+                <a16:creationId xmlns:a16="http://schemas.microsoft.com/office/drawing/2014/main" id="{B8F2DEAB-9BD9-4791-AD88-6AF2884F03F9}"/>
+              </a:ext>
+            </a:extLst>
+          </p:cNvPr>
+          <p:cNvPicPr>
+            <a:picLocks noChangeAspect="1"/>
+          </p:cNvPicPr>
+          <p:nvPr/>
+        </p:nvPicPr>
+        <p:blipFill>
+          <a:blip r:embed="rId2">
+            <a:extLst>
+              <a:ext uri="{28A0092B-C50C-407E-A947-70E740481C1C}">
+                <a14:useLocalDpi xmlns:a14="http://schemas.microsoft.com/office/drawing/2010/main" val="0"/>
+              </a:ext>
+            </a:extLst>
+          </a:blip>
+          <a:stretch>
+            <a:fillRect/>
+          </a:stretch>
+        </p:blipFill>
+        <p:spPr>
+          <a:xfrm>
+            <a:off x="3671802" y="2341803"/>
+            <a:ext cx="889962" cy="889962"/>
+          </a:xfrm>
+          <a:prstGeom prst="rect">
+            <a:avLst/>
+          </a:prstGeom>
+        </p:spPr>
+      </p:pic>
+      <p:pic>
+        <p:nvPicPr>
+          <p:cNvPr id="13" name="图片 12" descr="图片包含 物体, 急救箱&#10;&#10;描述已自动生成">
+            <a:extLst>
+              <a:ext uri="{FF2B5EF4-FFF2-40B4-BE49-F238E27FC236}">
+                <a16:creationId xmlns:a16="http://schemas.microsoft.com/office/drawing/2014/main" id="{FA101D5B-A40E-4590-8E81-AF78C00A7B75}"/>
+              </a:ext>
+            </a:extLst>
+          </p:cNvPr>
+          <p:cNvPicPr>
+            <a:picLocks noChangeAspect="1"/>
+          </p:cNvPicPr>
+          <p:nvPr/>
+        </p:nvPicPr>
+        <p:blipFill>
+          <a:blip r:embed="rId3">
+            <a:extLst>
+              <a:ext uri="{28A0092B-C50C-407E-A947-70E740481C1C}">
+                <a14:useLocalDpi xmlns:a14="http://schemas.microsoft.com/office/drawing/2010/main" val="0"/>
+              </a:ext>
+            </a:extLst>
+          </a:blip>
+          <a:stretch>
+            <a:fillRect/>
+          </a:stretch>
+        </p:blipFill>
+        <p:spPr>
+          <a:xfrm>
+            <a:off x="4757232" y="4517117"/>
+            <a:ext cx="889964" cy="889964"/>
+          </a:xfrm>
+          <a:prstGeom prst="rect">
+            <a:avLst/>
+          </a:prstGeom>
+        </p:spPr>
+      </p:pic>
+      <p:pic>
+        <p:nvPicPr>
+          <p:cNvPr id="31" name="图片 30">
+            <a:extLst>
+              <a:ext uri="{FF2B5EF4-FFF2-40B4-BE49-F238E27FC236}">
+                <a16:creationId xmlns:a16="http://schemas.microsoft.com/office/drawing/2014/main" id="{10FED574-2F45-48E3-828A-4A1F8CFD1F48}"/>
+              </a:ext>
+            </a:extLst>
+          </p:cNvPr>
+          <p:cNvPicPr>
+            <a:picLocks noChangeAspect="1"/>
+          </p:cNvPicPr>
+          <p:nvPr/>
+        </p:nvPicPr>
+        <p:blipFill>
+          <a:blip r:embed="rId4">
+            <a:extLst>
+              <a:ext uri="{28A0092B-C50C-407E-A947-70E740481C1C}">
+                <a14:useLocalDpi xmlns:a14="http://schemas.microsoft.com/office/drawing/2010/main" val="0"/>
+              </a:ext>
+            </a:extLst>
+          </a:blip>
+          <a:stretch>
+            <a:fillRect/>
+          </a:stretch>
+        </p:blipFill>
+        <p:spPr>
+          <a:xfrm rot="16200000">
+            <a:off x="3179325" y="2738377"/>
+            <a:ext cx="884697" cy="102081"/>
+          </a:xfrm>
+          <a:prstGeom prst="rect">
+            <a:avLst/>
+          </a:prstGeom>
+        </p:spPr>
+      </p:pic>
+      <p:pic>
+        <p:nvPicPr>
+          <p:cNvPr id="32" name="图片 31">
+            <a:extLst>
+              <a:ext uri="{FF2B5EF4-FFF2-40B4-BE49-F238E27FC236}">
+                <a16:creationId xmlns:a16="http://schemas.microsoft.com/office/drawing/2014/main" id="{12B6FFC4-4BF8-4F65-A141-DA6FC9C8EF46}"/>
+              </a:ext>
+            </a:extLst>
+          </p:cNvPr>
+          <p:cNvPicPr>
+            <a:picLocks noChangeAspect="1"/>
+          </p:cNvPicPr>
+          <p:nvPr/>
+        </p:nvPicPr>
+        <p:blipFill>
+          <a:blip r:embed="rId5">
+            <a:extLst>
+              <a:ext uri="{28A0092B-C50C-407E-A947-70E740481C1C}">
+                <a14:useLocalDpi xmlns:a14="http://schemas.microsoft.com/office/drawing/2010/main" val="0"/>
+              </a:ext>
+            </a:extLst>
+          </a:blip>
+          <a:stretch>
+            <a:fillRect/>
+          </a:stretch>
+        </p:blipFill>
+        <p:spPr>
+          <a:xfrm rot="5400000">
+            <a:off x="4151853" y="2757480"/>
+            <a:ext cx="888135" cy="68318"/>
+          </a:xfrm>
+          <a:prstGeom prst="rect">
+            <a:avLst/>
+          </a:prstGeom>
+        </p:spPr>
+      </p:pic>
+      <p:pic>
+        <p:nvPicPr>
+          <p:cNvPr id="6" name="图片 5">
+            <a:extLst>
+              <a:ext uri="{FF2B5EF4-FFF2-40B4-BE49-F238E27FC236}">
+                <a16:creationId xmlns:a16="http://schemas.microsoft.com/office/drawing/2014/main" id="{12C781C6-5014-4DBE-979C-EA4DB75F4D25}"/>
+              </a:ext>
+            </a:extLst>
+          </p:cNvPr>
+          <p:cNvPicPr>
+            <a:picLocks noChangeAspect="1"/>
+          </p:cNvPicPr>
+          <p:nvPr/>
+        </p:nvPicPr>
+        <p:blipFill>
+          <a:blip r:embed="rId6">
+            <a:extLst>
+              <a:ext uri="{28A0092B-C50C-407E-A947-70E740481C1C}">
+                <a14:useLocalDpi xmlns:a14="http://schemas.microsoft.com/office/drawing/2010/main" val="0"/>
+              </a:ext>
+            </a:extLst>
+          </a:blip>
+          <a:stretch>
+            <a:fillRect/>
+          </a:stretch>
+        </p:blipFill>
+        <p:spPr>
+          <a:xfrm rot="10800000">
+            <a:off x="3671802" y="3231765"/>
+            <a:ext cx="888134" cy="102477"/>
+          </a:xfrm>
+          <a:prstGeom prst="rect">
+            <a:avLst/>
+          </a:prstGeom>
+        </p:spPr>
+      </p:pic>
+      <p:pic>
+        <p:nvPicPr>
+          <p:cNvPr id="9" name="图片 8" descr="图片包含 建筑物&#10;&#10;描述已自动生成">
+            <a:extLst>
+              <a:ext uri="{FF2B5EF4-FFF2-40B4-BE49-F238E27FC236}">
+                <a16:creationId xmlns:a16="http://schemas.microsoft.com/office/drawing/2014/main" id="{E82B5ED4-830B-48B4-8C76-8E34C70B10CA}"/>
+              </a:ext>
+            </a:extLst>
+          </p:cNvPr>
+          <p:cNvPicPr>
+            <a:picLocks noChangeAspect="1"/>
+          </p:cNvPicPr>
+          <p:nvPr/>
+        </p:nvPicPr>
+        <p:blipFill>
+          <a:blip r:embed="rId7">
+            <a:extLst>
+              <a:ext uri="{28A0092B-C50C-407E-A947-70E740481C1C}">
+                <a14:useLocalDpi xmlns:a14="http://schemas.microsoft.com/office/drawing/2010/main" val="0"/>
+              </a:ext>
+            </a:extLst>
+          </a:blip>
+          <a:stretch>
+            <a:fillRect/>
+          </a:stretch>
+        </p:blipFill>
+        <p:spPr>
+          <a:xfrm>
+            <a:off x="2585228" y="3429001"/>
+            <a:ext cx="889963" cy="889963"/>
+          </a:xfrm>
+          <a:prstGeom prst="rect">
+            <a:avLst/>
+          </a:prstGeom>
+        </p:spPr>
+      </p:pic>
+      <p:pic>
+        <p:nvPicPr>
+          <p:cNvPr id="11" name="图片 10">
+            <a:extLst>
+              <a:ext uri="{FF2B5EF4-FFF2-40B4-BE49-F238E27FC236}">
+                <a16:creationId xmlns:a16="http://schemas.microsoft.com/office/drawing/2014/main" id="{14BC6C60-5760-480B-BFBA-025D443AFD16}"/>
+              </a:ext>
+            </a:extLst>
+          </p:cNvPr>
+          <p:cNvPicPr>
+            <a:picLocks noChangeAspect="1"/>
+          </p:cNvPicPr>
+          <p:nvPr/>
+        </p:nvPicPr>
+        <p:blipFill>
+          <a:blip r:embed="rId8">
+            <a:extLst>
+              <a:ext uri="{28A0092B-C50C-407E-A947-70E740481C1C}">
+                <a14:useLocalDpi xmlns:a14="http://schemas.microsoft.com/office/drawing/2010/main" val="0"/>
+              </a:ext>
+            </a:extLst>
+          </a:blip>
+          <a:stretch>
+            <a:fillRect/>
+          </a:stretch>
+        </p:blipFill>
+        <p:spPr>
+          <a:xfrm>
+            <a:off x="1506263" y="3429000"/>
+            <a:ext cx="889963" cy="889963"/>
+          </a:xfrm>
+          <a:prstGeom prst="rect">
+            <a:avLst/>
+          </a:prstGeom>
+        </p:spPr>
+      </p:pic>
+      <p:pic>
+        <p:nvPicPr>
+          <p:cNvPr id="26" name="图片 25" descr="图片包含 建筑物&#10;&#10;描述已自动生成">
+            <a:extLst>
+              <a:ext uri="{FF2B5EF4-FFF2-40B4-BE49-F238E27FC236}">
+                <a16:creationId xmlns:a16="http://schemas.microsoft.com/office/drawing/2014/main" id="{5A3A602A-95C8-4D68-93E5-7A9E410E07AA}"/>
+              </a:ext>
+            </a:extLst>
+          </p:cNvPr>
+          <p:cNvPicPr>
+            <a:picLocks noChangeAspect="1"/>
+          </p:cNvPicPr>
+          <p:nvPr/>
+        </p:nvPicPr>
+        <p:blipFill>
+          <a:blip r:embed="rId7">
+            <a:extLst>
+              <a:ext uri="{28A0092B-C50C-407E-A947-70E740481C1C}">
+                <a14:useLocalDpi xmlns:a14="http://schemas.microsoft.com/office/drawing/2010/main" val="0"/>
+              </a:ext>
+            </a:extLst>
+          </a:blip>
+          <a:stretch>
+            <a:fillRect/>
+          </a:stretch>
+        </p:blipFill>
+        <p:spPr>
+          <a:xfrm>
+            <a:off x="3669972" y="3429000"/>
+            <a:ext cx="889963" cy="889963"/>
+          </a:xfrm>
+          <a:prstGeom prst="rect">
+            <a:avLst/>
+          </a:prstGeom>
+        </p:spPr>
+      </p:pic>
+      <p:pic>
+        <p:nvPicPr>
+          <p:cNvPr id="27" name="图片 26" descr="图片包含 建筑物&#10;&#10;描述已自动生成">
+            <a:extLst>
+              <a:ext uri="{FF2B5EF4-FFF2-40B4-BE49-F238E27FC236}">
+                <a16:creationId xmlns:a16="http://schemas.microsoft.com/office/drawing/2014/main" id="{C70EE6C3-7AD7-4F62-85D8-37BCC3D40778}"/>
+              </a:ext>
+            </a:extLst>
+          </p:cNvPr>
+          <p:cNvPicPr>
+            <a:picLocks noChangeAspect="1"/>
+          </p:cNvPicPr>
+          <p:nvPr/>
+        </p:nvPicPr>
+        <p:blipFill>
+          <a:blip r:embed="rId7">
+            <a:extLst>
+              <a:ext uri="{28A0092B-C50C-407E-A947-70E740481C1C}">
+                <a14:useLocalDpi xmlns:a14="http://schemas.microsoft.com/office/drawing/2010/main" val="0"/>
+              </a:ext>
+            </a:extLst>
+          </a:blip>
+          <a:stretch>
+            <a:fillRect/>
+          </a:stretch>
+        </p:blipFill>
+        <p:spPr>
+          <a:xfrm>
+            <a:off x="4759198" y="3429000"/>
+            <a:ext cx="889963" cy="889963"/>
+          </a:xfrm>
+          <a:prstGeom prst="rect">
+            <a:avLst/>
+          </a:prstGeom>
+        </p:spPr>
+      </p:pic>
+      <p:pic>
+        <p:nvPicPr>
+          <p:cNvPr id="29" name="图片 28">
+            <a:extLst>
+              <a:ext uri="{FF2B5EF4-FFF2-40B4-BE49-F238E27FC236}">
+                <a16:creationId xmlns:a16="http://schemas.microsoft.com/office/drawing/2014/main" id="{C0347E7E-E186-4AB3-A382-D85CE1F258A6}"/>
+              </a:ext>
+            </a:extLst>
+          </p:cNvPr>
+          <p:cNvPicPr>
+            <a:picLocks noChangeAspect="1"/>
+          </p:cNvPicPr>
+          <p:nvPr/>
+        </p:nvPicPr>
+        <p:blipFill>
+          <a:blip r:embed="rId5">
+            <a:extLst>
+              <a:ext uri="{28A0092B-C50C-407E-A947-70E740481C1C}">
+                <a14:useLocalDpi xmlns:a14="http://schemas.microsoft.com/office/drawing/2010/main" val="0"/>
+              </a:ext>
+            </a:extLst>
+          </a:blip>
+          <a:stretch>
+            <a:fillRect/>
+          </a:stretch>
+        </p:blipFill>
+        <p:spPr>
+          <a:xfrm>
+            <a:off x="3673627" y="2278751"/>
+            <a:ext cx="888135" cy="68318"/>
+          </a:xfrm>
+          <a:prstGeom prst="rect">
+            <a:avLst/>
+          </a:prstGeom>
+        </p:spPr>
+      </p:pic>
+      <p:pic>
+        <p:nvPicPr>
+          <p:cNvPr id="34" name="图片 33">
+            <a:extLst>
+              <a:ext uri="{FF2B5EF4-FFF2-40B4-BE49-F238E27FC236}">
+                <a16:creationId xmlns:a16="http://schemas.microsoft.com/office/drawing/2014/main" id="{CB520F2E-3A51-435F-8D76-D4783226DEF2}"/>
+              </a:ext>
+            </a:extLst>
+          </p:cNvPr>
+          <p:cNvPicPr>
+            <a:picLocks noChangeAspect="1"/>
+          </p:cNvPicPr>
+          <p:nvPr/>
+        </p:nvPicPr>
+        <p:blipFill>
+          <a:blip r:embed="rId6">
+            <a:extLst>
+              <a:ext uri="{28A0092B-C50C-407E-A947-70E740481C1C}">
+                <a14:useLocalDpi xmlns:a14="http://schemas.microsoft.com/office/drawing/2010/main" val="0"/>
+              </a:ext>
+            </a:extLst>
+          </a:blip>
+          <a:stretch>
+            <a:fillRect/>
+          </a:stretch>
+        </p:blipFill>
+        <p:spPr>
+          <a:xfrm>
+            <a:off x="3671801" y="3327442"/>
+            <a:ext cx="888134" cy="102477"/>
+          </a:xfrm>
+          <a:prstGeom prst="rect">
+            <a:avLst/>
+          </a:prstGeom>
+        </p:spPr>
+      </p:pic>
+      <p:pic>
+        <p:nvPicPr>
+          <p:cNvPr id="37" name="图片 36">
+            <a:extLst>
+              <a:ext uri="{FF2B5EF4-FFF2-40B4-BE49-F238E27FC236}">
+                <a16:creationId xmlns:a16="http://schemas.microsoft.com/office/drawing/2014/main" id="{80452568-5D19-4E8C-83D0-F2D06ACD9A6C}"/>
+              </a:ext>
+            </a:extLst>
+          </p:cNvPr>
+          <p:cNvPicPr>
+            <a:picLocks noChangeAspect="1"/>
+          </p:cNvPicPr>
+          <p:nvPr/>
+        </p:nvPicPr>
+        <p:blipFill>
+          <a:blip r:embed="rId6">
+            <a:extLst>
+              <a:ext uri="{28A0092B-C50C-407E-A947-70E740481C1C}">
+                <a14:useLocalDpi xmlns:a14="http://schemas.microsoft.com/office/drawing/2010/main" val="0"/>
+              </a:ext>
+            </a:extLst>
+          </a:blip>
+          <a:stretch>
+            <a:fillRect/>
+          </a:stretch>
+        </p:blipFill>
+        <p:spPr>
+          <a:xfrm rot="16200000">
+            <a:off x="4259411" y="3827890"/>
+            <a:ext cx="888134" cy="102477"/>
+          </a:xfrm>
+          <a:prstGeom prst="rect">
+            <a:avLst/>
+          </a:prstGeom>
+        </p:spPr>
+      </p:pic>
+      <p:pic>
+        <p:nvPicPr>
+          <p:cNvPr id="38" name="图片 37">
+            <a:extLst>
+              <a:ext uri="{FF2B5EF4-FFF2-40B4-BE49-F238E27FC236}">
+                <a16:creationId xmlns:a16="http://schemas.microsoft.com/office/drawing/2014/main" id="{CE7C2FD1-FC2C-4456-A36E-B18EB4B2E12E}"/>
+              </a:ext>
+            </a:extLst>
+          </p:cNvPr>
+          <p:cNvPicPr>
+            <a:picLocks noChangeAspect="1"/>
+          </p:cNvPicPr>
+          <p:nvPr/>
+        </p:nvPicPr>
+        <p:blipFill>
+          <a:blip r:embed="rId6">
+            <a:extLst>
+              <a:ext uri="{28A0092B-C50C-407E-A947-70E740481C1C}">
+                <a14:useLocalDpi xmlns:a14="http://schemas.microsoft.com/office/drawing/2010/main" val="0"/>
+              </a:ext>
+            </a:extLst>
+          </a:blip>
+          <a:stretch>
+            <a:fillRect/>
+          </a:stretch>
+        </p:blipFill>
+        <p:spPr>
+          <a:xfrm rot="5400000">
+            <a:off x="4163568" y="3825770"/>
+            <a:ext cx="888134" cy="102477"/>
+          </a:xfrm>
+          <a:prstGeom prst="rect">
+            <a:avLst/>
+          </a:prstGeom>
+        </p:spPr>
+      </p:pic>
+      <p:pic>
+        <p:nvPicPr>
+          <p:cNvPr id="39" name="图片 38">
+            <a:extLst>
+              <a:ext uri="{FF2B5EF4-FFF2-40B4-BE49-F238E27FC236}">
+                <a16:creationId xmlns:a16="http://schemas.microsoft.com/office/drawing/2014/main" id="{D7951191-FEB3-4269-B6BC-7E1D1787E253}"/>
+              </a:ext>
+            </a:extLst>
+          </p:cNvPr>
+          <p:cNvPicPr>
+            <a:picLocks noChangeAspect="1"/>
+          </p:cNvPicPr>
+          <p:nvPr/>
+        </p:nvPicPr>
+        <p:blipFill>
+          <a:blip r:embed="rId5">
+            <a:extLst>
+              <a:ext uri="{28A0092B-C50C-407E-A947-70E740481C1C}">
+                <a14:useLocalDpi xmlns:a14="http://schemas.microsoft.com/office/drawing/2010/main" val="0"/>
+              </a:ext>
+            </a:extLst>
+          </a:blip>
+          <a:stretch>
+            <a:fillRect/>
+          </a:stretch>
+        </p:blipFill>
+        <p:spPr>
+          <a:xfrm rot="5400000">
+            <a:off x="5239252" y="3840737"/>
+            <a:ext cx="888135" cy="68318"/>
+          </a:xfrm>
+          <a:prstGeom prst="rect">
+            <a:avLst/>
+          </a:prstGeom>
+        </p:spPr>
+      </p:pic>
+      <p:pic>
+        <p:nvPicPr>
+          <p:cNvPr id="40" name="图片 39">
+            <a:extLst>
+              <a:ext uri="{FF2B5EF4-FFF2-40B4-BE49-F238E27FC236}">
+                <a16:creationId xmlns:a16="http://schemas.microsoft.com/office/drawing/2014/main" id="{69A5E5E5-8E49-4F6E-8AF4-4B481795364C}"/>
+              </a:ext>
+            </a:extLst>
+          </p:cNvPr>
+          <p:cNvPicPr>
+            <a:picLocks noChangeAspect="1"/>
+          </p:cNvPicPr>
+          <p:nvPr/>
+        </p:nvPicPr>
+        <p:blipFill>
+          <a:blip r:embed="rId5">
+            <a:extLst>
+              <a:ext uri="{28A0092B-C50C-407E-A947-70E740481C1C}">
+                <a14:useLocalDpi xmlns:a14="http://schemas.microsoft.com/office/drawing/2010/main" val="0"/>
+              </a:ext>
+            </a:extLst>
+          </a:blip>
+          <a:stretch>
+            <a:fillRect/>
+          </a:stretch>
+        </p:blipFill>
+        <p:spPr>
+          <a:xfrm>
+            <a:off x="4757233" y="3364623"/>
+            <a:ext cx="888135" cy="68318"/>
+          </a:xfrm>
+          <a:prstGeom prst="rect">
+            <a:avLst/>
+          </a:prstGeom>
+        </p:spPr>
+      </p:pic>
+      <p:pic>
+        <p:nvPicPr>
+          <p:cNvPr id="41" name="图片 40">
+            <a:extLst>
+              <a:ext uri="{FF2B5EF4-FFF2-40B4-BE49-F238E27FC236}">
+                <a16:creationId xmlns:a16="http://schemas.microsoft.com/office/drawing/2014/main" id="{00F3A07A-04E8-470D-8C78-B426E0177F47}"/>
+              </a:ext>
+            </a:extLst>
+          </p:cNvPr>
+          <p:cNvPicPr>
+            <a:picLocks noChangeAspect="1"/>
+          </p:cNvPicPr>
+          <p:nvPr/>
+        </p:nvPicPr>
+        <p:blipFill>
+          <a:blip r:embed="rId6">
+            <a:extLst>
+              <a:ext uri="{28A0092B-C50C-407E-A947-70E740481C1C}">
+                <a14:useLocalDpi xmlns:a14="http://schemas.microsoft.com/office/drawing/2010/main" val="0"/>
+              </a:ext>
+            </a:extLst>
+          </a:blip>
+          <a:stretch>
+            <a:fillRect/>
+          </a:stretch>
+        </p:blipFill>
+        <p:spPr>
+          <a:xfrm rot="10800000">
+            <a:off x="4757233" y="4318963"/>
+            <a:ext cx="888134" cy="102477"/>
+          </a:xfrm>
+          <a:prstGeom prst="rect">
+            <a:avLst/>
+          </a:prstGeom>
+        </p:spPr>
+      </p:pic>
+      <p:pic>
+        <p:nvPicPr>
+          <p:cNvPr id="42" name="图片 41">
+            <a:extLst>
+              <a:ext uri="{FF2B5EF4-FFF2-40B4-BE49-F238E27FC236}">
+                <a16:creationId xmlns:a16="http://schemas.microsoft.com/office/drawing/2014/main" id="{CCD409F8-6A6D-4A9D-8BFE-6E6A3D00150D}"/>
+              </a:ext>
+            </a:extLst>
+          </p:cNvPr>
+          <p:cNvPicPr>
+            <a:picLocks noChangeAspect="1"/>
+          </p:cNvPicPr>
+          <p:nvPr/>
+        </p:nvPicPr>
+        <p:blipFill>
+          <a:blip r:embed="rId6">
+            <a:extLst>
+              <a:ext uri="{28A0092B-C50C-407E-A947-70E740481C1C}">
+                <a14:useLocalDpi xmlns:a14="http://schemas.microsoft.com/office/drawing/2010/main" val="0"/>
+              </a:ext>
+            </a:extLst>
+          </a:blip>
+          <a:stretch>
+            <a:fillRect/>
+          </a:stretch>
+        </p:blipFill>
+        <p:spPr>
+          <a:xfrm>
+            <a:off x="4757232" y="4414640"/>
+            <a:ext cx="888134" cy="102477"/>
+          </a:xfrm>
+          <a:prstGeom prst="rect">
+            <a:avLst/>
+          </a:prstGeom>
+        </p:spPr>
+      </p:pic>
+      <p:pic>
+        <p:nvPicPr>
+          <p:cNvPr id="43" name="图片 42">
+            <a:extLst>
+              <a:ext uri="{FF2B5EF4-FFF2-40B4-BE49-F238E27FC236}">
+                <a16:creationId xmlns:a16="http://schemas.microsoft.com/office/drawing/2014/main" id="{D30E3F12-B88C-49E6-ADD7-21750505E094}"/>
+              </a:ext>
+            </a:extLst>
+          </p:cNvPr>
+          <p:cNvPicPr>
+            <a:picLocks noChangeAspect="1"/>
+          </p:cNvPicPr>
+          <p:nvPr/>
+        </p:nvPicPr>
+        <p:blipFill>
+          <a:blip r:embed="rId4">
+            <a:extLst>
+              <a:ext uri="{28A0092B-C50C-407E-A947-70E740481C1C}">
+                <a14:useLocalDpi xmlns:a14="http://schemas.microsoft.com/office/drawing/2010/main" val="0"/>
+              </a:ext>
+            </a:extLst>
+          </a:blip>
+          <a:stretch>
+            <a:fillRect/>
+          </a:stretch>
+        </p:blipFill>
+        <p:spPr>
+          <a:xfrm rot="10800000">
+            <a:off x="3664277" y="4316217"/>
+            <a:ext cx="902302" cy="104112"/>
+          </a:xfrm>
+          <a:prstGeom prst="rect">
+            <a:avLst/>
+          </a:prstGeom>
+        </p:spPr>
+      </p:pic>
+      <p:pic>
+        <p:nvPicPr>
+          <p:cNvPr id="44" name="图片 43">
+            <a:extLst>
+              <a:ext uri="{FF2B5EF4-FFF2-40B4-BE49-F238E27FC236}">
+                <a16:creationId xmlns:a16="http://schemas.microsoft.com/office/drawing/2014/main" id="{BA43E7F6-6ABD-415F-A5C7-51209D7032C0}"/>
+              </a:ext>
+            </a:extLst>
+          </p:cNvPr>
+          <p:cNvPicPr>
+            <a:picLocks noChangeAspect="1"/>
+          </p:cNvPicPr>
+          <p:nvPr/>
+        </p:nvPicPr>
+        <p:blipFill>
+          <a:blip r:embed="rId5">
+            <a:extLst>
+              <a:ext uri="{28A0092B-C50C-407E-A947-70E740481C1C}">
+                <a14:useLocalDpi xmlns:a14="http://schemas.microsoft.com/office/drawing/2010/main" val="0"/>
+              </a:ext>
+            </a:extLst>
+          </a:blip>
+          <a:stretch>
+            <a:fillRect/>
+          </a:stretch>
+        </p:blipFill>
+        <p:spPr>
+          <a:xfrm rot="5400000">
+            <a:off x="5234906" y="4927027"/>
+            <a:ext cx="888135" cy="68318"/>
+          </a:xfrm>
+          <a:prstGeom prst="rect">
+            <a:avLst/>
+          </a:prstGeom>
+        </p:spPr>
+      </p:pic>
+      <p:pic>
+        <p:nvPicPr>
+          <p:cNvPr id="45" name="图片 44">
+            <a:extLst>
+              <a:ext uri="{FF2B5EF4-FFF2-40B4-BE49-F238E27FC236}">
+                <a16:creationId xmlns:a16="http://schemas.microsoft.com/office/drawing/2014/main" id="{F8DCA63D-AEAB-4E2A-8D63-358BC5FB5CBD}"/>
+              </a:ext>
+            </a:extLst>
+          </p:cNvPr>
+          <p:cNvPicPr>
+            <a:picLocks noChangeAspect="1"/>
+          </p:cNvPicPr>
+          <p:nvPr/>
+        </p:nvPicPr>
+        <p:blipFill>
+          <a:blip r:embed="rId5">
+            <a:extLst>
+              <a:ext uri="{28A0092B-C50C-407E-A947-70E740481C1C}">
+                <a14:useLocalDpi xmlns:a14="http://schemas.microsoft.com/office/drawing/2010/main" val="0"/>
+              </a:ext>
+            </a:extLst>
+          </a:blip>
+          <a:stretch>
+            <a:fillRect/>
+          </a:stretch>
+        </p:blipFill>
+        <p:spPr>
+          <a:xfrm rot="16200000">
+            <a:off x="4279557" y="4927027"/>
+            <a:ext cx="888135" cy="68318"/>
+          </a:xfrm>
+          <a:prstGeom prst="rect">
+            <a:avLst/>
+          </a:prstGeom>
+        </p:spPr>
+      </p:pic>
+      <p:pic>
+        <p:nvPicPr>
+          <p:cNvPr id="46" name="图片 45">
+            <a:extLst>
+              <a:ext uri="{FF2B5EF4-FFF2-40B4-BE49-F238E27FC236}">
+                <a16:creationId xmlns:a16="http://schemas.microsoft.com/office/drawing/2014/main" id="{3D9B74DC-5E4F-49E9-8AE4-E58CC3D34E6A}"/>
+              </a:ext>
+            </a:extLst>
+          </p:cNvPr>
+          <p:cNvPicPr>
+            <a:picLocks noChangeAspect="1"/>
+          </p:cNvPicPr>
+          <p:nvPr/>
+        </p:nvPicPr>
+        <p:blipFill>
+          <a:blip r:embed="rId5">
+            <a:extLst>
+              <a:ext uri="{28A0092B-C50C-407E-A947-70E740481C1C}">
+                <a14:useLocalDpi xmlns:a14="http://schemas.microsoft.com/office/drawing/2010/main" val="0"/>
+              </a:ext>
+            </a:extLst>
+          </a:blip>
+          <a:stretch>
+            <a:fillRect/>
+          </a:stretch>
+        </p:blipFill>
+        <p:spPr>
+          <a:xfrm rot="10800000">
+            <a:off x="4756679" y="5405254"/>
+            <a:ext cx="888135" cy="68318"/>
+          </a:xfrm>
+          <a:prstGeom prst="rect">
+            <a:avLst/>
+          </a:prstGeom>
+        </p:spPr>
+      </p:pic>
+      <p:pic>
+        <p:nvPicPr>
+          <p:cNvPr id="47" name="图片 46">
+            <a:extLst>
+              <a:ext uri="{FF2B5EF4-FFF2-40B4-BE49-F238E27FC236}">
+                <a16:creationId xmlns:a16="http://schemas.microsoft.com/office/drawing/2014/main" id="{160B2A83-EAF8-4C9D-A460-0EAAEC527601}"/>
+              </a:ext>
+            </a:extLst>
+          </p:cNvPr>
+          <p:cNvPicPr>
+            <a:picLocks noChangeAspect="1"/>
+          </p:cNvPicPr>
+          <p:nvPr/>
+        </p:nvPicPr>
+        <p:blipFill>
+          <a:blip r:embed="rId6">
+            <a:extLst>
+              <a:ext uri="{28A0092B-C50C-407E-A947-70E740481C1C}">
+                <a14:useLocalDpi xmlns:a14="http://schemas.microsoft.com/office/drawing/2010/main" val="0"/>
+              </a:ext>
+            </a:extLst>
+          </a:blip>
+          <a:stretch>
+            <a:fillRect/>
+          </a:stretch>
+        </p:blipFill>
+        <p:spPr>
+          <a:xfrm rot="16200000">
+            <a:off x="3173176" y="3821790"/>
+            <a:ext cx="891482" cy="102863"/>
+          </a:xfrm>
+          <a:prstGeom prst="rect">
+            <a:avLst/>
+          </a:prstGeom>
+        </p:spPr>
+      </p:pic>
+      <p:pic>
+        <p:nvPicPr>
+          <p:cNvPr id="48" name="图片 47">
+            <a:extLst>
+              <a:ext uri="{FF2B5EF4-FFF2-40B4-BE49-F238E27FC236}">
+                <a16:creationId xmlns:a16="http://schemas.microsoft.com/office/drawing/2014/main" id="{30661BD9-09BA-4086-8EBF-BD28C8D9B99B}"/>
+              </a:ext>
+            </a:extLst>
+          </p:cNvPr>
+          <p:cNvPicPr>
+            <a:picLocks noChangeAspect="1"/>
+          </p:cNvPicPr>
+          <p:nvPr/>
+        </p:nvPicPr>
+        <p:blipFill>
+          <a:blip r:embed="rId6">
+            <a:extLst>
+              <a:ext uri="{28A0092B-C50C-407E-A947-70E740481C1C}">
+                <a14:useLocalDpi xmlns:a14="http://schemas.microsoft.com/office/drawing/2010/main" val="0"/>
+              </a:ext>
+            </a:extLst>
+          </a:blip>
+          <a:stretch>
+            <a:fillRect/>
+          </a:stretch>
+        </p:blipFill>
+        <p:spPr>
+          <a:xfrm rot="5400000">
+            <a:off x="3078813" y="3822422"/>
+            <a:ext cx="888134" cy="102477"/>
+          </a:xfrm>
+          <a:prstGeom prst="rect">
+            <a:avLst/>
+          </a:prstGeom>
+        </p:spPr>
+      </p:pic>
+      <p:pic>
+        <p:nvPicPr>
+          <p:cNvPr id="49" name="图片 48">
+            <a:extLst>
+              <a:ext uri="{FF2B5EF4-FFF2-40B4-BE49-F238E27FC236}">
+                <a16:creationId xmlns:a16="http://schemas.microsoft.com/office/drawing/2014/main" id="{8EBFE764-3D32-47A6-9EE1-7751B95B793F}"/>
+              </a:ext>
+            </a:extLst>
+          </p:cNvPr>
+          <p:cNvPicPr>
+            <a:picLocks noChangeAspect="1"/>
+          </p:cNvPicPr>
+          <p:nvPr/>
+        </p:nvPicPr>
+        <p:blipFill>
+          <a:blip r:embed="rId6">
+            <a:extLst>
+              <a:ext uri="{28A0092B-C50C-407E-A947-70E740481C1C}">
+                <a14:useLocalDpi xmlns:a14="http://schemas.microsoft.com/office/drawing/2010/main" val="0"/>
+              </a:ext>
+            </a:extLst>
+          </a:blip>
+          <a:stretch>
+            <a:fillRect/>
+          </a:stretch>
+        </p:blipFill>
+        <p:spPr>
+          <a:xfrm rot="16200000">
+            <a:off x="2092074" y="3821789"/>
+            <a:ext cx="891482" cy="102863"/>
+          </a:xfrm>
+          <a:prstGeom prst="rect">
+            <a:avLst/>
+          </a:prstGeom>
+        </p:spPr>
+      </p:pic>
+      <p:pic>
+        <p:nvPicPr>
+          <p:cNvPr id="50" name="图片 49">
+            <a:extLst>
+              <a:ext uri="{FF2B5EF4-FFF2-40B4-BE49-F238E27FC236}">
+                <a16:creationId xmlns:a16="http://schemas.microsoft.com/office/drawing/2014/main" id="{DEB0F3A6-FC39-4A80-8BF2-BDDBF4FDF645}"/>
+              </a:ext>
+            </a:extLst>
+          </p:cNvPr>
+          <p:cNvPicPr>
+            <a:picLocks noChangeAspect="1"/>
+          </p:cNvPicPr>
+          <p:nvPr/>
+        </p:nvPicPr>
+        <p:blipFill>
+          <a:blip r:embed="rId6">
+            <a:extLst>
+              <a:ext uri="{28A0092B-C50C-407E-A947-70E740481C1C}">
+                <a14:useLocalDpi xmlns:a14="http://schemas.microsoft.com/office/drawing/2010/main" val="0"/>
+              </a:ext>
+            </a:extLst>
+          </a:blip>
+          <a:stretch>
+            <a:fillRect/>
+          </a:stretch>
+        </p:blipFill>
+        <p:spPr>
+          <a:xfrm rot="5400000">
+            <a:off x="1997711" y="3822421"/>
+            <a:ext cx="888134" cy="102477"/>
+          </a:xfrm>
+          <a:prstGeom prst="rect">
+            <a:avLst/>
+          </a:prstGeom>
+        </p:spPr>
+      </p:pic>
+      <p:pic>
+        <p:nvPicPr>
+          <p:cNvPr id="51" name="图片 50">
+            <a:extLst>
+              <a:ext uri="{FF2B5EF4-FFF2-40B4-BE49-F238E27FC236}">
+                <a16:creationId xmlns:a16="http://schemas.microsoft.com/office/drawing/2014/main" id="{AB69EFAB-0424-4FCB-A21A-3C4BAD072B3B}"/>
+              </a:ext>
+            </a:extLst>
+          </p:cNvPr>
+          <p:cNvPicPr>
+            <a:picLocks noChangeAspect="1"/>
+          </p:cNvPicPr>
+          <p:nvPr/>
+        </p:nvPicPr>
+        <p:blipFill>
+          <a:blip r:embed="rId4">
+            <a:extLst>
+              <a:ext uri="{28A0092B-C50C-407E-A947-70E740481C1C}">
+                <a14:useLocalDpi xmlns:a14="http://schemas.microsoft.com/office/drawing/2010/main" val="0"/>
+              </a:ext>
+            </a:extLst>
+          </a:blip>
+          <a:stretch>
+            <a:fillRect/>
+          </a:stretch>
+        </p:blipFill>
+        <p:spPr>
+          <a:xfrm rot="16200000">
+            <a:off x="1019102" y="3823020"/>
+            <a:ext cx="884697" cy="102081"/>
+          </a:xfrm>
+          <a:prstGeom prst="rect">
+            <a:avLst/>
+          </a:prstGeom>
+        </p:spPr>
+      </p:pic>
+      <p:pic>
+        <p:nvPicPr>
+          <p:cNvPr id="52" name="图片 51">
+            <a:extLst>
+              <a:ext uri="{FF2B5EF4-FFF2-40B4-BE49-F238E27FC236}">
+                <a16:creationId xmlns:a16="http://schemas.microsoft.com/office/drawing/2014/main" id="{1565B9B0-AFA3-498A-A1FF-994172706F64}"/>
+              </a:ext>
+            </a:extLst>
+          </p:cNvPr>
+          <p:cNvPicPr>
+            <a:picLocks noChangeAspect="1"/>
+          </p:cNvPicPr>
+          <p:nvPr/>
+        </p:nvPicPr>
+        <p:blipFill>
+          <a:blip r:embed="rId5">
+            <a:extLst>
+              <a:ext uri="{28A0092B-C50C-407E-A947-70E740481C1C}">
+                <a14:useLocalDpi xmlns:a14="http://schemas.microsoft.com/office/drawing/2010/main" val="0"/>
+              </a:ext>
+            </a:extLst>
+          </a:blip>
+          <a:stretch>
+            <a:fillRect/>
+          </a:stretch>
+        </p:blipFill>
+        <p:spPr>
+          <a:xfrm>
+            <a:off x="1511396" y="3366743"/>
+            <a:ext cx="888135" cy="68318"/>
+          </a:xfrm>
+          <a:prstGeom prst="rect">
+            <a:avLst/>
+          </a:prstGeom>
+        </p:spPr>
+      </p:pic>
+      <p:pic>
+        <p:nvPicPr>
+          <p:cNvPr id="53" name="图片 52">
+            <a:extLst>
+              <a:ext uri="{FF2B5EF4-FFF2-40B4-BE49-F238E27FC236}">
+                <a16:creationId xmlns:a16="http://schemas.microsoft.com/office/drawing/2014/main" id="{8FF62739-1B6E-4928-A7B1-82321EC47469}"/>
+              </a:ext>
+            </a:extLst>
+          </p:cNvPr>
+          <p:cNvPicPr>
+            <a:picLocks noChangeAspect="1"/>
+          </p:cNvPicPr>
+          <p:nvPr/>
+        </p:nvPicPr>
+        <p:blipFill>
+          <a:blip r:embed="rId5">
+            <a:extLst>
+              <a:ext uri="{28A0092B-C50C-407E-A947-70E740481C1C}">
+                <a14:useLocalDpi xmlns:a14="http://schemas.microsoft.com/office/drawing/2010/main" val="0"/>
+              </a:ext>
+            </a:extLst>
+          </a:blip>
+          <a:stretch>
+            <a:fillRect/>
+          </a:stretch>
+        </p:blipFill>
+        <p:spPr>
+          <a:xfrm>
+            <a:off x="2590753" y="3366743"/>
+            <a:ext cx="888135" cy="68318"/>
+          </a:xfrm>
+          <a:prstGeom prst="rect">
+            <a:avLst/>
+          </a:prstGeom>
+        </p:spPr>
+      </p:pic>
+      <p:pic>
+        <p:nvPicPr>
+          <p:cNvPr id="54" name="图片 53">
+            <a:extLst>
+              <a:ext uri="{FF2B5EF4-FFF2-40B4-BE49-F238E27FC236}">
+                <a16:creationId xmlns:a16="http://schemas.microsoft.com/office/drawing/2014/main" id="{628E134B-BD74-4829-B47F-9A8683A7EBB5}"/>
+              </a:ext>
+            </a:extLst>
+          </p:cNvPr>
+          <p:cNvPicPr>
+            <a:picLocks noChangeAspect="1"/>
+          </p:cNvPicPr>
+          <p:nvPr/>
+        </p:nvPicPr>
+        <p:blipFill>
+          <a:blip r:embed="rId5">
+            <a:extLst>
+              <a:ext uri="{28A0092B-C50C-407E-A947-70E740481C1C}">
+                <a14:useLocalDpi xmlns:a14="http://schemas.microsoft.com/office/drawing/2010/main" val="0"/>
+              </a:ext>
+            </a:extLst>
+          </a:blip>
+          <a:stretch>
+            <a:fillRect/>
+          </a:stretch>
+        </p:blipFill>
+        <p:spPr>
+          <a:xfrm rot="10800000">
+            <a:off x="2586879" y="4316217"/>
+            <a:ext cx="888135" cy="68318"/>
+          </a:xfrm>
+          <a:prstGeom prst="rect">
+            <a:avLst/>
+          </a:prstGeom>
+        </p:spPr>
+      </p:pic>
+      <p:pic>
+        <p:nvPicPr>
+          <p:cNvPr id="55" name="图片 54">
+            <a:extLst>
+              <a:ext uri="{FF2B5EF4-FFF2-40B4-BE49-F238E27FC236}">
+                <a16:creationId xmlns:a16="http://schemas.microsoft.com/office/drawing/2014/main" id="{04CEFB4C-874F-4E83-BA0F-EF34FCF12998}"/>
+              </a:ext>
+            </a:extLst>
+          </p:cNvPr>
+          <p:cNvPicPr>
+            <a:picLocks noChangeAspect="1"/>
+          </p:cNvPicPr>
+          <p:nvPr/>
+        </p:nvPicPr>
+        <p:blipFill>
+          <a:blip r:embed="rId5">
+            <a:extLst>
+              <a:ext uri="{28A0092B-C50C-407E-A947-70E740481C1C}">
+                <a14:useLocalDpi xmlns:a14="http://schemas.microsoft.com/office/drawing/2010/main" val="0"/>
+              </a:ext>
+            </a:extLst>
+          </a:blip>
+          <a:stretch>
+            <a:fillRect/>
+          </a:stretch>
+        </p:blipFill>
+        <p:spPr>
+          <a:xfrm rot="10800000">
+            <a:off x="1511307" y="4312258"/>
+            <a:ext cx="888135" cy="68318"/>
+          </a:xfrm>
+          <a:prstGeom prst="rect">
+            <a:avLst/>
+          </a:prstGeom>
+        </p:spPr>
+      </p:pic>
+      <p:sp>
+        <p:nvSpPr>
+          <p:cNvPr id="12" name="文本框 11">
+            <a:extLst>
+              <a:ext uri="{FF2B5EF4-FFF2-40B4-BE49-F238E27FC236}">
+                <a16:creationId xmlns:a16="http://schemas.microsoft.com/office/drawing/2014/main" id="{814EBD7C-6781-4032-9465-9E1936639179}"/>
+              </a:ext>
+            </a:extLst>
+          </p:cNvPr>
+          <p:cNvSpPr txBox="1"/>
+          <p:nvPr/>
+        </p:nvSpPr>
+        <p:spPr>
+          <a:xfrm>
+            <a:off x="6247892" y="1938861"/>
+            <a:ext cx="4222750" cy="3970318"/>
+          </a:xfrm>
+          <a:prstGeom prst="rect">
+            <a:avLst/>
+          </a:prstGeom>
+          <a:noFill/>
+        </p:spPr>
+        <p:txBody>
+          <a:bodyPr wrap="square" rtlCol="0">
+            <a:spAutoFit/>
+          </a:bodyPr>
+          <a:lstStyle/>
+          <a:p>
+            <a:r>
+              <a:rPr lang="zh-CN" altLang="en-US" dirty="0">
+                <a:solidFill>
+                  <a:schemeClr val="tx1">
+                    <a:lumMod val="50000"/>
+                    <a:lumOff val="50000"/>
+                  </a:schemeClr>
+                </a:solidFill>
+              </a:rPr>
+              <a:t>在</a:t>
+            </a:r>
+            <a:r>
+              <a:rPr lang="en-US" altLang="zh-CN" dirty="0">
+                <a:solidFill>
+                  <a:schemeClr val="tx1">
+                    <a:lumMod val="50000"/>
+                    <a:lumOff val="50000"/>
+                  </a:schemeClr>
+                </a:solidFill>
+              </a:rPr>
+              <a:t>R.O.O.T.</a:t>
+            </a:r>
+            <a:r>
+              <a:rPr lang="zh-CN" altLang="en-US" dirty="0">
+                <a:solidFill>
+                  <a:schemeClr val="tx1">
+                    <a:lumMod val="50000"/>
+                    <a:lumOff val="50000"/>
+                  </a:schemeClr>
+                </a:solidFill>
+              </a:rPr>
+              <a:t>系统中，只有</a:t>
+            </a:r>
+            <a:r>
+              <a:rPr lang="zh-CN" altLang="en-US" dirty="0">
+                <a:solidFill>
+                  <a:schemeClr val="tx1">
+                    <a:lumMod val="95000"/>
+                    <a:lumOff val="5000"/>
+                  </a:schemeClr>
+                </a:solidFill>
+              </a:rPr>
+              <a:t>处理器模组和服务器模组</a:t>
+            </a:r>
+            <a:r>
+              <a:rPr lang="zh-CN" altLang="en-US" dirty="0">
+                <a:solidFill>
+                  <a:schemeClr val="tx1">
+                    <a:lumMod val="50000"/>
+                    <a:lumOff val="50000"/>
+                  </a:schemeClr>
+                </a:solidFill>
+              </a:rPr>
+              <a:t>可以作为信号源</a:t>
+            </a:r>
+            <a:r>
+              <a:rPr lang="zh-CN" altLang="en-US" dirty="0">
+                <a:solidFill>
+                  <a:schemeClr val="tx1">
+                    <a:lumMod val="95000"/>
+                    <a:lumOff val="5000"/>
+                  </a:schemeClr>
+                </a:solidFill>
+              </a:rPr>
+              <a:t>发布信号</a:t>
+            </a:r>
+            <a:r>
+              <a:rPr lang="zh-CN" altLang="en-US" dirty="0">
+                <a:solidFill>
+                  <a:schemeClr val="tx1">
+                    <a:lumMod val="50000"/>
+                    <a:lumOff val="50000"/>
+                  </a:schemeClr>
+                </a:solidFill>
+              </a:rPr>
+              <a:t>。</a:t>
+            </a:r>
+            <a:endParaRPr lang="en-US" altLang="zh-CN" dirty="0">
+              <a:solidFill>
+                <a:schemeClr val="tx1">
+                  <a:lumMod val="50000"/>
+                  <a:lumOff val="50000"/>
+                </a:schemeClr>
+              </a:solidFill>
+            </a:endParaRPr>
+          </a:p>
+          <a:p>
+            <a:r>
+              <a:rPr lang="zh-CN" altLang="en-US" dirty="0">
+                <a:solidFill>
+                  <a:schemeClr val="tx1">
+                    <a:lumMod val="50000"/>
+                    <a:lumOff val="50000"/>
+                  </a:schemeClr>
+                </a:solidFill>
+              </a:rPr>
+              <a:t>但是</a:t>
+            </a:r>
+            <a:r>
+              <a:rPr lang="zh-CN" altLang="en-US" dirty="0">
+                <a:solidFill>
+                  <a:schemeClr val="tx1">
+                    <a:lumMod val="95000"/>
+                    <a:lumOff val="5000"/>
+                  </a:schemeClr>
+                </a:solidFill>
+              </a:rPr>
+              <a:t>所有</a:t>
+            </a:r>
+            <a:r>
+              <a:rPr lang="zh-CN" altLang="en-US" dirty="0">
+                <a:solidFill>
+                  <a:schemeClr val="tx1">
+                    <a:lumMod val="50000"/>
+                    <a:lumOff val="50000"/>
+                  </a:schemeClr>
+                </a:solidFill>
+              </a:rPr>
+              <a:t>具有两个端子的核心都可以一定程度上的</a:t>
+            </a:r>
+            <a:r>
+              <a:rPr lang="zh-CN" altLang="en-US" dirty="0">
+                <a:solidFill>
+                  <a:schemeClr val="tx1">
+                    <a:lumMod val="95000"/>
+                    <a:lumOff val="5000"/>
+                  </a:schemeClr>
+                </a:solidFill>
+              </a:rPr>
+              <a:t>传递信号。</a:t>
+            </a:r>
+            <a:endParaRPr lang="en-US" altLang="zh-CN" dirty="0">
+              <a:solidFill>
+                <a:schemeClr val="tx1">
+                  <a:lumMod val="95000"/>
+                  <a:lumOff val="5000"/>
+                </a:schemeClr>
+              </a:solidFill>
+            </a:endParaRPr>
+          </a:p>
+          <a:p>
+            <a:endParaRPr lang="en-US" altLang="zh-CN" dirty="0">
+              <a:solidFill>
+                <a:schemeClr val="tx1">
+                  <a:lumMod val="50000"/>
+                  <a:lumOff val="50000"/>
+                </a:schemeClr>
+              </a:solidFill>
+            </a:endParaRPr>
+          </a:p>
+          <a:p>
+            <a:r>
+              <a:rPr lang="zh-CN" altLang="en-US" dirty="0">
+                <a:solidFill>
+                  <a:schemeClr val="tx1">
+                    <a:lumMod val="50000"/>
+                    <a:lumOff val="50000"/>
+                  </a:schemeClr>
+                </a:solidFill>
+              </a:rPr>
+              <a:t>就如同右图所示，所有端子都既</a:t>
+            </a:r>
+            <a:r>
+              <a:rPr lang="zh-CN" altLang="en-US" dirty="0">
+                <a:solidFill>
+                  <a:schemeClr val="tx1">
+                    <a:lumMod val="95000"/>
+                    <a:lumOff val="5000"/>
+                  </a:schemeClr>
+                </a:solidFill>
+              </a:rPr>
+              <a:t>非</a:t>
+            </a:r>
+            <a:r>
+              <a:rPr lang="zh-CN" altLang="en-US" dirty="0">
+                <a:solidFill>
+                  <a:srgbClr val="0070C0"/>
+                </a:solidFill>
+              </a:rPr>
+              <a:t>蓝色</a:t>
+            </a:r>
+            <a:r>
+              <a:rPr lang="zh-CN" altLang="en-US" dirty="0">
+                <a:solidFill>
+                  <a:schemeClr val="tx1">
+                    <a:lumMod val="50000"/>
+                    <a:lumOff val="50000"/>
+                  </a:schemeClr>
+                </a:solidFill>
+              </a:rPr>
+              <a:t>亦</a:t>
+            </a:r>
+            <a:r>
+              <a:rPr lang="zh-CN" altLang="en-US" dirty="0">
+                <a:solidFill>
+                  <a:schemeClr val="tx1">
+                    <a:lumMod val="95000"/>
+                    <a:lumOff val="5000"/>
+                  </a:schemeClr>
+                </a:solidFill>
+              </a:rPr>
+              <a:t>非</a:t>
+            </a:r>
+            <a:r>
+              <a:rPr lang="zh-CN" altLang="en-US" dirty="0">
+                <a:solidFill>
+                  <a:srgbClr val="00B050"/>
+                </a:solidFill>
+              </a:rPr>
+              <a:t>绿色</a:t>
+            </a:r>
+            <a:r>
+              <a:rPr lang="zh-CN" altLang="en-US" dirty="0">
+                <a:solidFill>
+                  <a:schemeClr val="tx1">
+                    <a:lumMod val="50000"/>
+                    <a:lumOff val="50000"/>
+                  </a:schemeClr>
+                </a:solidFill>
+              </a:rPr>
+              <a:t>，而是的</a:t>
+            </a:r>
+            <a:r>
+              <a:rPr lang="zh-CN" altLang="en-US" dirty="0">
+                <a:solidFill>
+                  <a:srgbClr val="00B0F0"/>
+                </a:solidFill>
+              </a:rPr>
+              <a:t>水蓝色</a:t>
+            </a:r>
+            <a:r>
+              <a:rPr lang="zh-CN" altLang="en-US" dirty="0">
+                <a:solidFill>
+                  <a:schemeClr val="tx1">
+                    <a:lumMod val="50000"/>
+                    <a:lumOff val="50000"/>
+                  </a:schemeClr>
+                </a:solidFill>
+              </a:rPr>
+              <a:t>。</a:t>
+            </a:r>
+            <a:endParaRPr lang="en-US" altLang="zh-CN" dirty="0">
+              <a:solidFill>
+                <a:schemeClr val="tx1">
+                  <a:lumMod val="50000"/>
+                  <a:lumOff val="50000"/>
+                </a:schemeClr>
+              </a:solidFill>
+            </a:endParaRPr>
+          </a:p>
+          <a:p>
+            <a:r>
+              <a:rPr lang="zh-CN" altLang="en-US" dirty="0">
+                <a:solidFill>
+                  <a:schemeClr val="tx1">
+                    <a:lumMod val="50000"/>
+                    <a:lumOff val="50000"/>
+                  </a:schemeClr>
+                </a:solidFill>
+              </a:rPr>
+              <a:t>这个时候就说明这里的端子都同时在传递网络和数据</a:t>
+            </a:r>
+            <a:r>
+              <a:rPr lang="zh-CN" altLang="en-US" dirty="0">
+                <a:solidFill>
+                  <a:schemeClr val="tx1">
+                    <a:lumMod val="95000"/>
+                    <a:lumOff val="5000"/>
+                  </a:schemeClr>
+                </a:solidFill>
+              </a:rPr>
+              <a:t>两种信号。</a:t>
+            </a:r>
+            <a:endParaRPr lang="en-US" altLang="zh-CN" dirty="0">
+              <a:solidFill>
+                <a:schemeClr val="tx1">
+                  <a:lumMod val="95000"/>
+                  <a:lumOff val="5000"/>
+                </a:schemeClr>
+              </a:solidFill>
+            </a:endParaRPr>
+          </a:p>
+          <a:p>
+            <a:endParaRPr lang="en-US" altLang="zh-CN" dirty="0">
+              <a:solidFill>
+                <a:schemeClr val="tx1">
+                  <a:lumMod val="50000"/>
+                  <a:lumOff val="50000"/>
+                </a:schemeClr>
+              </a:solidFill>
+            </a:endParaRPr>
+          </a:p>
+          <a:p>
+            <a:r>
+              <a:rPr lang="zh-CN" altLang="en-US" dirty="0">
+                <a:solidFill>
+                  <a:schemeClr val="tx1">
+                    <a:lumMod val="50000"/>
+                    <a:lumOff val="50000"/>
+                  </a:schemeClr>
+                </a:solidFill>
+              </a:rPr>
+              <a:t>这也是为什么最下方的硬盘模组没有直接连接到服务器和其他硬盘，但仍然可以计分。中间的</a:t>
+            </a:r>
+            <a:r>
+              <a:rPr lang="zh-CN" altLang="en-US" dirty="0">
+                <a:solidFill>
+                  <a:schemeClr val="tx1">
+                    <a:lumMod val="95000"/>
+                    <a:lumOff val="5000"/>
+                  </a:schemeClr>
+                </a:solidFill>
+              </a:rPr>
+              <a:t>网络模组传递了从处理器发出的数据信号。</a:t>
+            </a:r>
+            <a:endParaRPr lang="en-US" dirty="0">
+              <a:solidFill>
+                <a:schemeClr val="tx1">
+                  <a:lumMod val="95000"/>
+                  <a:lumOff val="5000"/>
+                </a:schemeClr>
+              </a:solidFill>
+            </a:endParaRPr>
+          </a:p>
+        </p:txBody>
+      </p:sp>
+    </p:spTree>
+    <p:extLst>
+      <p:ext uri="{BB962C8B-B14F-4D97-AF65-F5344CB8AC3E}">
+        <p14:creationId xmlns:p14="http://schemas.microsoft.com/office/powerpoint/2010/main" val="773586429"/>
+      </p:ext>
+    </p:extLst>
+  </p:cSld>
+  <p:clrMapOvr>
+    <a:masterClrMapping/>
+  </p:clrMapOvr>
+</p:sld>
+</file>
+
+<file path=ppt/slides/slide14.xml><?xml version="1.0" encoding="utf-8"?>
+<p:sld xmlns:a="http://schemas.openxmlformats.org/drawingml/2006/main" xmlns:r="http://schemas.openxmlformats.org/officeDocument/2006/relationships" xmlns:p="http://schemas.openxmlformats.org/presentationml/2006/main">
+  <p:cSld>
+    <p:spTree>
+      <p:nvGrpSpPr>
+        <p:cNvPr id="1" name=""/>
+        <p:cNvGrpSpPr/>
+        <p:nvPr/>
+      </p:nvGrpSpPr>
+      <p:grpSpPr>
+        <a:xfrm>
+          <a:off x="0" y="0"/>
+          <a:ext cx="0" cy="0"/>
+          <a:chOff x="0" y="0"/>
+          <a:chExt cx="0" cy="0"/>
+        </a:xfrm>
+      </p:grpSpPr>
+      <p:sp>
+        <p:nvSpPr>
+          <p:cNvPr id="2" name="标题 1">
+            <a:extLst>
+              <a:ext uri="{FF2B5EF4-FFF2-40B4-BE49-F238E27FC236}">
+                <a16:creationId xmlns:a16="http://schemas.microsoft.com/office/drawing/2014/main" id="{B9110261-8660-4936-9702-B2F8C8BF72B5}"/>
+              </a:ext>
+            </a:extLst>
+          </p:cNvPr>
+          <p:cNvSpPr>
+            <a:spLocks noGrp="1"/>
+          </p:cNvSpPr>
+          <p:nvPr>
+            <p:ph type="title"/>
+          </p:nvPr>
+        </p:nvSpPr>
+        <p:spPr/>
+        <p:txBody>
+          <a:bodyPr/>
+          <a:lstStyle/>
+          <a:p>
+            <a:r>
+              <a:rPr lang="zh-CN" altLang="en-US" dirty="0"/>
               <a:t>设备模组细节说明</a:t>
             </a:r>
             <a:endParaRPr lang="en-US" dirty="0"/>
@@ -4602,14 +7881,14 @@
           <p:nvPr>
             <p:extLst>
               <p:ext uri="{D42A27DB-BD31-4B8C-83A1-F6EECF244321}">
-                <p14:modId xmlns:p14="http://schemas.microsoft.com/office/powerpoint/2010/main" val="11111119"/>
+                <p14:modId xmlns:p14="http://schemas.microsoft.com/office/powerpoint/2010/main" val="3915211904"/>
               </p:ext>
             </p:extLst>
           </p:nvPr>
         </p:nvGraphicFramePr>
         <p:xfrm>
-          <a:off x="838200" y="1688686"/>
-          <a:ext cx="10007600" cy="3480628"/>
+          <a:off x="2056054" y="2157030"/>
+          <a:ext cx="7277100" cy="3480628"/>
         </p:xfrm>
         <a:graphic>
           <a:graphicData uri="http://schemas.openxmlformats.org/drawingml/2006/table">
@@ -4639,13 +7918,6 @@
                     </a:ext>
                   </a:extLst>
                 </a:gridCol>
-                <a:gridCol w="2730500">
-                  <a:extLst>
-                    <a:ext uri="{9D8B030D-6E8A-4147-A177-3AD203B41FA5}">
-                      <a16:colId xmlns:a16="http://schemas.microsoft.com/office/drawing/2014/main" val="1609952431"/>
-                    </a:ext>
-                  </a:extLst>
-                </a:gridCol>
               </a:tblGrid>
               <a:tr h="402891">
                 <a:tc>
@@ -4655,13 +7927,29 @@
                     <a:p>
                       <a:pPr algn="ctr"/>
                       <a:r>
-                        <a:rPr lang="zh-CN" altLang="en-US" dirty="0"/>
+                        <a:rPr lang="zh-CN" altLang="en-US" dirty="0">
+                          <a:solidFill>
+                            <a:schemeClr val="tx1">
+                              <a:lumMod val="95000"/>
+                              <a:lumOff val="5000"/>
+                            </a:schemeClr>
+                          </a:solidFill>
+                        </a:rPr>
                         <a:t>图标</a:t>
                       </a:r>
-                      <a:endParaRPr lang="en-US" dirty="0"/>
+                      <a:endParaRPr lang="en-US" dirty="0">
+                        <a:solidFill>
+                          <a:schemeClr val="tx1">
+                            <a:lumMod val="95000"/>
+                            <a:lumOff val="5000"/>
+                          </a:schemeClr>
+                        </a:solidFill>
+                      </a:endParaRPr>
                     </a:p>
                   </a:txBody>
-                  <a:tcPr/>
+                  <a:tcPr anchor="ctr">
+                    <a:noFill/>
+                  </a:tcPr>
                 </a:tc>
                 <a:tc>
                   <a:txBody>
@@ -4670,13 +7958,29 @@
                     <a:p>
                       <a:pPr algn="ctr"/>
                       <a:r>
-                        <a:rPr lang="zh-CN" altLang="en-US" dirty="0"/>
+                        <a:rPr lang="zh-CN" altLang="en-US" dirty="0">
+                          <a:solidFill>
+                            <a:schemeClr val="tx1">
+                              <a:lumMod val="95000"/>
+                              <a:lumOff val="5000"/>
+                            </a:schemeClr>
+                          </a:solidFill>
+                        </a:rPr>
                         <a:t>名称</a:t>
                       </a:r>
-                      <a:endParaRPr lang="en-US" dirty="0"/>
+                      <a:endParaRPr lang="en-US" dirty="0">
+                        <a:solidFill>
+                          <a:schemeClr val="tx1">
+                            <a:lumMod val="95000"/>
+                            <a:lumOff val="5000"/>
+                          </a:schemeClr>
+                        </a:solidFill>
+                      </a:endParaRPr>
                     </a:p>
                   </a:txBody>
-                  <a:tcPr/>
+                  <a:tcPr anchor="ctr">
+                    <a:noFill/>
+                  </a:tcPr>
                 </a:tc>
                 <a:tc>
                   <a:txBody>
@@ -4685,28 +7989,29 @@
                     <a:p>
                       <a:pPr algn="ctr"/>
                       <a:r>
-                        <a:rPr lang="zh-CN" altLang="en-US" dirty="0"/>
+                        <a:rPr lang="zh-CN" altLang="en-US" dirty="0">
+                          <a:solidFill>
+                            <a:schemeClr val="tx1">
+                              <a:lumMod val="95000"/>
+                              <a:lumOff val="5000"/>
+                            </a:schemeClr>
+                          </a:solidFill>
+                        </a:rPr>
                         <a:t>说明</a:t>
                       </a:r>
-                      <a:endParaRPr lang="en-US" dirty="0"/>
+                      <a:endParaRPr lang="en-US" dirty="0">
+                        <a:solidFill>
+                          <a:schemeClr val="tx1">
+                            <a:lumMod val="95000"/>
+                            <a:lumOff val="5000"/>
+                          </a:schemeClr>
+                        </a:solidFill>
+                      </a:endParaRPr>
                     </a:p>
                   </a:txBody>
-                  <a:tcPr/>
-                </a:tc>
-                <a:tc>
-                  <a:txBody>
-                    <a:bodyPr/>
-                    <a:lstStyle/>
-                    <a:p>
-                      <a:pPr algn="ctr"/>
-                      <a:r>
-                        <a:rPr lang="zh-CN" altLang="en-US" dirty="0"/>
-                        <a:t>消耗</a:t>
-                      </a:r>
-                      <a:endParaRPr lang="en-US" dirty="0"/>
-                    </a:p>
-                  </a:txBody>
-                  <a:tcPr/>
+                  <a:tcPr anchor="ctr">
+                    <a:noFill/>
+                  </a:tcPr>
                 </a:tc>
                 <a:extLst>
                   <a:ext uri="{0D108BD9-81ED-4DB2-BD59-A6C34878D82A}">
@@ -4720,10 +8025,13 @@
                     <a:bodyPr/>
                     <a:lstStyle/>
                     <a:p>
+                      <a:pPr algn="ctr"/>
                       <a:endParaRPr lang="en-US" dirty="0"/>
                     </a:p>
                   </a:txBody>
-                  <a:tcPr/>
+                  <a:tcPr anchor="ctr">
+                    <a:noFill/>
+                  </a:tcPr>
                 </a:tc>
                 <a:tc>
                   <a:txBody>
@@ -4732,37 +8040,82 @@
                     <a:p>
                       <a:pPr algn="ctr"/>
                       <a:r>
-                        <a:rPr lang="zh-CN" altLang="en-US" dirty="0"/>
+                        <a:rPr lang="zh-CN" altLang="en-US" dirty="0">
+                          <a:solidFill>
+                            <a:schemeClr val="tx1">
+                              <a:lumMod val="95000"/>
+                              <a:lumOff val="5000"/>
+                            </a:schemeClr>
+                          </a:solidFill>
+                        </a:rPr>
                         <a:t>垃圾模组</a:t>
                       </a:r>
-                      <a:endParaRPr lang="en-US" dirty="0"/>
+                      <a:endParaRPr lang="en-US" dirty="0">
+                        <a:solidFill>
+                          <a:schemeClr val="tx1">
+                            <a:lumMod val="95000"/>
+                            <a:lumOff val="5000"/>
+                          </a:schemeClr>
+                        </a:solidFill>
+                      </a:endParaRPr>
                     </a:p>
                   </a:txBody>
-                  <a:tcPr/>
+                  <a:tcPr anchor="ctr">
+                    <a:noFill/>
+                  </a:tcPr>
                 </a:tc>
                 <a:tc>
                   <a:txBody>
                     <a:bodyPr/>
                     <a:lstStyle/>
                     <a:p>
+                      <a:pPr algn="ctr"/>
                       <a:r>
-                        <a:rPr lang="zh-CN" altLang="en-US" dirty="0"/>
-                        <a:t>单纯的阻碍模组，并且四边必然是不可链接端子、并且不会与商店中出现</a:t>
+                        <a:rPr lang="zh-CN" altLang="en-US" dirty="0">
+                          <a:solidFill>
+                            <a:schemeClr val="tx1">
+                              <a:lumMod val="65000"/>
+                              <a:lumOff val="35000"/>
+                            </a:schemeClr>
+                          </a:solidFill>
+                        </a:rPr>
+                        <a:t>单纯的阻碍模组；四边必然是死端</a:t>
                       </a:r>
-                      <a:endParaRPr lang="en-US" dirty="0"/>
+                      <a:endParaRPr lang="en-US" altLang="zh-CN" dirty="0">
+                        <a:solidFill>
+                          <a:schemeClr val="tx1">
+                            <a:lumMod val="65000"/>
+                            <a:lumOff val="35000"/>
+                          </a:schemeClr>
+                        </a:solidFill>
+                      </a:endParaRPr>
+                    </a:p>
+                    <a:p>
+                      <a:pPr algn="ctr"/>
+                      <a:r>
+                        <a:rPr lang="zh-CN" altLang="en-US" dirty="0">
+                          <a:solidFill>
+                            <a:schemeClr val="tx1">
+                              <a:lumMod val="95000"/>
+                              <a:lumOff val="5000"/>
+                            </a:schemeClr>
+                          </a:solidFill>
+                        </a:rPr>
+                        <a:t>不会于商店中出现</a:t>
+                      </a:r>
+                      <a:endParaRPr lang="en-US" dirty="0">
+                        <a:solidFill>
+                          <a:schemeClr val="tx1">
+                            <a:lumMod val="95000"/>
+                            <a:lumOff val="5000"/>
+                          </a:schemeClr>
+                        </a:solidFill>
+                      </a:endParaRPr>
                     </a:p>
                   </a:txBody>
-                  <a:tcPr/>
-                </a:tc>
-                <a:tc>
-                  <a:txBody>
-                    <a:bodyPr/>
-                    <a:lstStyle/>
-                    <a:p>
-                      <a:endParaRPr lang="en-US" dirty="0"/>
-                    </a:p>
-                  </a:txBody>
-                  <a:tcPr/>
+                  <a:tcPr anchor="ctr">
+                    <a:noFill/>
+                  </a:tcPr>
                 </a:tc>
                 <a:extLst>
                   <a:ext uri="{0D108BD9-81ED-4DB2-BD59-A6C34878D82A}">
@@ -4776,10 +8129,13 @@
                     <a:bodyPr/>
                     <a:lstStyle/>
                     <a:p>
+                      <a:pPr algn="ctr"/>
                       <a:endParaRPr lang="en-US" dirty="0"/>
                     </a:p>
                   </a:txBody>
-                  <a:tcPr/>
+                  <a:tcPr anchor="ctr">
+                    <a:noFill/>
+                  </a:tcPr>
                 </a:tc>
                 <a:tc>
                   <a:txBody>
@@ -4788,20 +8144,36 @@
                     <a:p>
                       <a:pPr algn="ctr"/>
                       <a:r>
-                        <a:rPr lang="zh-CN" altLang="en-US" dirty="0"/>
+                        <a:rPr lang="zh-CN" altLang="en-US" dirty="0">
+                          <a:solidFill>
+                            <a:schemeClr val="tx1">
+                              <a:lumMod val="95000"/>
+                              <a:lumOff val="5000"/>
+                            </a:schemeClr>
+                          </a:solidFill>
+                        </a:rPr>
                         <a:t>处理器模组</a:t>
                       </a:r>
-                      <a:endParaRPr lang="en-US" dirty="0"/>
+                      <a:endParaRPr lang="en-US" dirty="0">
+                        <a:solidFill>
+                          <a:schemeClr val="tx1">
+                            <a:lumMod val="95000"/>
+                            <a:lumOff val="5000"/>
+                          </a:schemeClr>
+                        </a:solidFill>
+                      </a:endParaRPr>
                     </a:p>
                   </a:txBody>
-                  <a:tcPr/>
+                  <a:tcPr anchor="ctr">
+                    <a:noFill/>
+                  </a:tcPr>
                 </a:tc>
                 <a:tc>
                   <a:txBody>
                     <a:bodyPr/>
                     <a:lstStyle/>
                     <a:p>
-                      <a:pPr marL="0" marR="0" lvl="0" indent="0" algn="l" defTabSz="914400" rtl="0" eaLnBrk="1" fontAlgn="auto" latinLnBrk="0" hangingPunct="1">
+                      <a:pPr marL="0" marR="0" lvl="0" indent="0" algn="ctr" defTabSz="914400" rtl="0" eaLnBrk="1" fontAlgn="auto" latinLnBrk="0" hangingPunct="1">
                         <a:lnSpc>
                           <a:spcPct val="100000"/>
                         </a:lnSpc>
@@ -4819,26 +8191,73 @@
                         <a:defRPr/>
                       </a:pPr>
                       <a:r>
-                        <a:rPr lang="zh-CN" altLang="en-US" dirty="0"/>
-                        <a:t>会发出数据信号并且统计所有接受到数据信号的硬盘模组</a:t>
+                        <a:rPr lang="zh-CN" altLang="en-US" dirty="0">
+                          <a:solidFill>
+                            <a:schemeClr val="tx1">
+                              <a:lumMod val="95000"/>
+                              <a:lumOff val="5000"/>
+                            </a:schemeClr>
+                          </a:solidFill>
+                        </a:rPr>
+                        <a:t>发出数据信号</a:t>
                       </a:r>
-                      <a:endParaRPr lang="en-US" dirty="0"/>
-                    </a:p>
-                    <a:p>
-                      <a:endParaRPr lang="en-US" dirty="0"/>
+                      <a:r>
+                        <a:rPr lang="zh-CN" altLang="en-US" dirty="0">
+                          <a:solidFill>
+                            <a:schemeClr val="tx1">
+                              <a:lumMod val="65000"/>
+                              <a:lumOff val="35000"/>
+                            </a:schemeClr>
+                          </a:solidFill>
+                        </a:rPr>
+                        <a:t>；</a:t>
+                      </a:r>
+                      <a:r>
+                        <a:rPr lang="zh-CN" altLang="en-US" dirty="0">
+                          <a:solidFill>
+                            <a:schemeClr val="tx1">
+                              <a:lumMod val="95000"/>
+                              <a:lumOff val="5000"/>
+                            </a:schemeClr>
+                          </a:solidFill>
+                        </a:rPr>
+                        <a:t>统计</a:t>
+                      </a:r>
+                      <a:r>
+                        <a:rPr lang="zh-CN" altLang="en-US" dirty="0">
+                          <a:solidFill>
+                            <a:schemeClr val="tx1">
+                              <a:lumMod val="65000"/>
+                              <a:lumOff val="35000"/>
+                            </a:schemeClr>
+                          </a:solidFill>
+                        </a:rPr>
+                        <a:t>所有接受到数据信号的</a:t>
+                      </a:r>
+                      <a:r>
+                        <a:rPr lang="zh-CN" altLang="en-US" dirty="0">
+                          <a:solidFill>
+                            <a:schemeClr val="tx1">
+                              <a:lumMod val="95000"/>
+                              <a:lumOff val="5000"/>
+                            </a:schemeClr>
+                          </a:solidFill>
+                        </a:rPr>
+                        <a:t>硬盘模组</a:t>
+                      </a:r>
+                      <a:endParaRPr lang="en-US" dirty="0">
+                        <a:solidFill>
+                          <a:schemeClr val="tx1">
+                            <a:lumMod val="95000"/>
+                            <a:lumOff val="5000"/>
+                          </a:schemeClr>
+                        </a:solidFill>
+                      </a:endParaRPr>
                     </a:p>
                   </a:txBody>
-                  <a:tcPr/>
-                </a:tc>
-                <a:tc>
-                  <a:txBody>
-                    <a:bodyPr/>
-                    <a:lstStyle/>
-                    <a:p>
-                      <a:endParaRPr lang="en-US" dirty="0"/>
-                    </a:p>
-                  </a:txBody>
-                  <a:tcPr/>
+                  <a:tcPr anchor="ctr">
+                    <a:noFill/>
+                  </a:tcPr>
                 </a:tc>
                 <a:extLst>
                   <a:ext uri="{0D108BD9-81ED-4DB2-BD59-A6C34878D82A}">
@@ -4852,10 +8271,13 @@
                     <a:bodyPr/>
                     <a:lstStyle/>
                     <a:p>
+                      <a:pPr algn="ctr"/>
                       <a:endParaRPr lang="en-US"/>
                     </a:p>
                   </a:txBody>
-                  <a:tcPr/>
+                  <a:tcPr anchor="ctr">
+                    <a:noFill/>
+                  </a:tcPr>
                 </a:tc>
                 <a:tc>
                   <a:txBody>
@@ -4864,45 +8286,137 @@
                     <a:p>
                       <a:pPr algn="ctr"/>
                       <a:r>
-                        <a:rPr lang="zh-CN" altLang="en-US" dirty="0"/>
+                        <a:rPr lang="zh-CN" altLang="en-US" dirty="0">
+                          <a:solidFill>
+                            <a:schemeClr val="tx1">
+                              <a:lumMod val="95000"/>
+                              <a:lumOff val="5000"/>
+                            </a:schemeClr>
+                          </a:solidFill>
+                        </a:rPr>
                         <a:t>硬盘模组</a:t>
                       </a:r>
-                      <a:endParaRPr lang="en-US" dirty="0"/>
+                      <a:endParaRPr lang="en-US" dirty="0">
+                        <a:solidFill>
+                          <a:schemeClr val="tx1">
+                            <a:lumMod val="95000"/>
+                            <a:lumOff val="5000"/>
+                          </a:schemeClr>
+                        </a:solidFill>
+                      </a:endParaRPr>
                     </a:p>
                   </a:txBody>
-                  <a:tcPr/>
+                  <a:tcPr anchor="ctr">
+                    <a:noFill/>
+                  </a:tcPr>
                 </a:tc>
                 <a:tc>
                   <a:txBody>
                     <a:bodyPr/>
                     <a:lstStyle/>
                     <a:p>
+                      <a:pPr algn="ctr"/>
                       <a:r>
-                        <a:rPr lang="zh-CN" altLang="en-US" dirty="0"/>
-                        <a:t>可以转发数据信号，并且在接受到数据信号（无论是处理器直接发出的还是其他模组转发的）时计算</a:t>
+                        <a:rPr lang="zh-CN" altLang="en-US" dirty="0">
+                          <a:solidFill>
+                            <a:schemeClr val="tx1">
+                              <a:lumMod val="65000"/>
+                              <a:lumOff val="35000"/>
+                            </a:schemeClr>
+                          </a:solidFill>
+                        </a:rPr>
+                        <a:t>在接受到</a:t>
                       </a:r>
                       <a:r>
-                        <a:rPr lang="en-US" altLang="zh-CN" dirty="0"/>
+                        <a:rPr lang="zh-CN" altLang="en-US" dirty="0">
+                          <a:solidFill>
+                            <a:schemeClr val="tx1">
+                              <a:lumMod val="95000"/>
+                              <a:lumOff val="5000"/>
+                            </a:schemeClr>
+                          </a:solidFill>
+                        </a:rPr>
+                        <a:t>数据信号</a:t>
+                      </a:r>
+                      <a:r>
+                        <a:rPr lang="zh-CN" altLang="en-US" dirty="0">
+                          <a:solidFill>
+                            <a:schemeClr val="tx1">
+                              <a:lumMod val="65000"/>
+                              <a:lumOff val="35000"/>
+                            </a:schemeClr>
+                          </a:solidFill>
+                        </a:rPr>
+                        <a:t>时</a:t>
+                      </a:r>
+                      <a:r>
+                        <a:rPr lang="zh-CN" altLang="en-US" dirty="0">
+                          <a:solidFill>
+                            <a:schemeClr val="tx1">
+                              <a:lumMod val="95000"/>
+                              <a:lumOff val="5000"/>
+                            </a:schemeClr>
+                          </a:solidFill>
+                        </a:rPr>
+                        <a:t>计算</a:t>
+                      </a:r>
+                      <a:r>
+                        <a:rPr lang="en-US" altLang="zh-CN" dirty="0">
+                          <a:solidFill>
+                            <a:schemeClr val="tx1">
+                              <a:lumMod val="95000"/>
+                              <a:lumOff val="5000"/>
+                            </a:schemeClr>
+                          </a:solidFill>
+                        </a:rPr>
                         <a:t>100</a:t>
                       </a:r>
                       <a:r>
-                        <a:rPr lang="zh-CN" altLang="en-US" dirty="0"/>
+                        <a:rPr lang="zh-CN" altLang="en-US" dirty="0">
+                          <a:solidFill>
+                            <a:schemeClr val="tx1">
+                              <a:lumMod val="95000"/>
+                              <a:lumOff val="5000"/>
+                            </a:schemeClr>
+                          </a:solidFill>
+                        </a:rPr>
                         <a:t>收益</a:t>
                       </a:r>
-                      <a:endParaRPr lang="en-US" dirty="0"/>
+                      <a:r>
+                        <a:rPr lang="zh-CN" altLang="en-US" dirty="0">
+                          <a:solidFill>
+                            <a:schemeClr val="tx1">
+                              <a:lumMod val="65000"/>
+                              <a:lumOff val="35000"/>
+                            </a:schemeClr>
+                          </a:solidFill>
+                        </a:rPr>
+                        <a:t>；可以</a:t>
+                      </a:r>
+                      <a:r>
+                        <a:rPr lang="zh-CN" altLang="en-US" dirty="0">
+                          <a:solidFill>
+                            <a:schemeClr val="tx1">
+                              <a:lumMod val="95000"/>
+                              <a:lumOff val="5000"/>
+                            </a:schemeClr>
+                          </a:solidFill>
+                        </a:rPr>
+                        <a:t>转发数据信号</a:t>
+                      </a:r>
+                      <a:endParaRPr lang="en-US" dirty="0">
+                        <a:solidFill>
+                          <a:schemeClr val="tx1">
+                            <a:lumMod val="95000"/>
+                            <a:lumOff val="5000"/>
+                          </a:schemeClr>
+                        </a:solidFill>
+                      </a:endParaRPr>
                     </a:p>
                   </a:txBody>
-                  <a:tcPr/>
-                </a:tc>
-                <a:tc>
-                  <a:txBody>
-                    <a:bodyPr/>
-                    <a:lstStyle/>
-                    <a:p>
-                      <a:endParaRPr lang="en-US" dirty="0"/>
-                    </a:p>
-                  </a:txBody>
-                  <a:tcPr/>
+                  <a:tcPr anchor="ctr">
+                    <a:noFill/>
+                  </a:tcPr>
                 </a:tc>
                 <a:extLst>
                   <a:ext uri="{0D108BD9-81ED-4DB2-BD59-A6C34878D82A}">
@@ -4942,7 +8456,7 @@
         </p:blipFill>
         <p:spPr>
           <a:xfrm>
-            <a:off x="996853" y="4163127"/>
+            <a:off x="2214707" y="4631471"/>
             <a:ext cx="946592" cy="946592"/>
           </a:xfrm>
           <a:prstGeom prst="rect">
@@ -4978,7 +8492,7 @@
         </p:blipFill>
         <p:spPr>
           <a:xfrm>
-            <a:off x="996853" y="3113605"/>
+            <a:off x="2214707" y="3581949"/>
             <a:ext cx="946592" cy="946592"/>
           </a:xfrm>
           <a:prstGeom prst="rect">
@@ -5014,7 +8528,7 @@
         </p:blipFill>
         <p:spPr>
           <a:xfrm>
-            <a:off x="996855" y="2064085"/>
+            <a:off x="2214709" y="2532429"/>
             <a:ext cx="946590" cy="946590"/>
           </a:xfrm>
           <a:prstGeom prst="rect">
@@ -5026,572 +8540,6 @@
     <p:extLst>
       <p:ext uri="{BB962C8B-B14F-4D97-AF65-F5344CB8AC3E}">
         <p14:creationId xmlns:p14="http://schemas.microsoft.com/office/powerpoint/2010/main" val="1544557440"/>
-      </p:ext>
-    </p:extLst>
-  </p:cSld>
-  <p:clrMapOvr>
-    <a:masterClrMapping/>
-  </p:clrMapOvr>
-</p:sld>
-</file>
-
-<file path=ppt/slides/slide13.xml><?xml version="1.0" encoding="utf-8"?>
-<p:sld xmlns:a="http://schemas.openxmlformats.org/drawingml/2006/main" xmlns:r="http://schemas.openxmlformats.org/officeDocument/2006/relationships" xmlns:p="http://schemas.openxmlformats.org/presentationml/2006/main">
-  <p:cSld>
-    <p:spTree>
-      <p:nvGrpSpPr>
-        <p:cNvPr id="1" name=""/>
-        <p:cNvGrpSpPr/>
-        <p:nvPr/>
-      </p:nvGrpSpPr>
-      <p:grpSpPr>
-        <a:xfrm>
-          <a:off x="0" y="0"/>
-          <a:ext cx="0" cy="0"/>
-          <a:chOff x="0" y="0"/>
-          <a:chExt cx="0" cy="0"/>
-        </a:xfrm>
-      </p:grpSpPr>
-      <p:sp>
-        <p:nvSpPr>
-          <p:cNvPr id="2" name="标题 1">
-            <a:extLst>
-              <a:ext uri="{FF2B5EF4-FFF2-40B4-BE49-F238E27FC236}">
-                <a16:creationId xmlns:a16="http://schemas.microsoft.com/office/drawing/2014/main" id="{B9110261-8660-4936-9702-B2F8C8BF72B5}"/>
-              </a:ext>
-            </a:extLst>
-          </p:cNvPr>
-          <p:cNvSpPr>
-            <a:spLocks noGrp="1"/>
-          </p:cNvSpPr>
-          <p:nvPr>
-            <p:ph type="title"/>
-          </p:nvPr>
-        </p:nvSpPr>
-        <p:spPr/>
-        <p:txBody>
-          <a:bodyPr/>
-          <a:lstStyle/>
-          <a:p>
-            <a:r>
-              <a:rPr lang="zh-CN" altLang="en-US" dirty="0"/>
-              <a:t>设备模组细节说明</a:t>
-            </a:r>
-            <a:endParaRPr lang="en-US" dirty="0"/>
-          </a:p>
-        </p:txBody>
-      </p:sp>
-      <p:graphicFrame>
-        <p:nvGraphicFramePr>
-          <p:cNvPr id="19" name="表格 4">
-            <a:extLst>
-              <a:ext uri="{FF2B5EF4-FFF2-40B4-BE49-F238E27FC236}">
-                <a16:creationId xmlns:a16="http://schemas.microsoft.com/office/drawing/2014/main" id="{480566F2-E439-496C-9CF8-E7EC92445007}"/>
-              </a:ext>
-            </a:extLst>
-          </p:cNvPr>
-          <p:cNvGraphicFramePr>
-            <a:graphicFrameLocks noGrp="1"/>
-          </p:cNvGraphicFramePr>
-          <p:nvPr>
-            <p:extLst>
-              <p:ext uri="{D42A27DB-BD31-4B8C-83A1-F6EECF244321}">
-                <p14:modId xmlns:p14="http://schemas.microsoft.com/office/powerpoint/2010/main" val="3103190030"/>
-              </p:ext>
-            </p:extLst>
-          </p:nvPr>
-        </p:nvGraphicFramePr>
-        <p:xfrm>
-          <a:off x="838200" y="1690688"/>
-          <a:ext cx="10026650" cy="3591396"/>
-        </p:xfrm>
-        <a:graphic>
-          <a:graphicData uri="http://schemas.openxmlformats.org/drawingml/2006/table">
-            <a:tbl>
-              <a:tblPr firstRow="1" bandRow="1">
-                <a:tableStyleId>{073A0DAA-6AF3-43AB-8588-CEC1D06C72B9}</a:tableStyleId>
-              </a:tblPr>
-              <a:tblGrid>
-                <a:gridCol w="1244600">
-                  <a:extLst>
-                    <a:ext uri="{9D8B030D-6E8A-4147-A177-3AD203B41FA5}">
-                      <a16:colId xmlns:a16="http://schemas.microsoft.com/office/drawing/2014/main" val="2621437361"/>
-                    </a:ext>
-                  </a:extLst>
-                </a:gridCol>
-                <a:gridCol w="1530350">
-                  <a:extLst>
-                    <a:ext uri="{9D8B030D-6E8A-4147-A177-3AD203B41FA5}">
-                      <a16:colId xmlns:a16="http://schemas.microsoft.com/office/drawing/2014/main" val="862795126"/>
-                    </a:ext>
-                  </a:extLst>
-                </a:gridCol>
-                <a:gridCol w="4413250">
-                  <a:extLst>
-                    <a:ext uri="{9D8B030D-6E8A-4147-A177-3AD203B41FA5}">
-                      <a16:colId xmlns:a16="http://schemas.microsoft.com/office/drawing/2014/main" val="3721827039"/>
-                    </a:ext>
-                  </a:extLst>
-                </a:gridCol>
-                <a:gridCol w="2838450">
-                  <a:extLst>
-                    <a:ext uri="{9D8B030D-6E8A-4147-A177-3AD203B41FA5}">
-                      <a16:colId xmlns:a16="http://schemas.microsoft.com/office/drawing/2014/main" val="1274899724"/>
-                    </a:ext>
-                  </a:extLst>
-                </a:gridCol>
-              </a:tblGrid>
-              <a:tr h="402891">
-                <a:tc>
-                  <a:txBody>
-                    <a:bodyPr/>
-                    <a:lstStyle/>
-                    <a:p>
-                      <a:pPr algn="ctr"/>
-                      <a:r>
-                        <a:rPr lang="zh-CN" altLang="en-US" dirty="0"/>
-                        <a:t>图标</a:t>
-                      </a:r>
-                      <a:endParaRPr lang="en-US" dirty="0"/>
-                    </a:p>
-                  </a:txBody>
-                  <a:tcPr/>
-                </a:tc>
-                <a:tc>
-                  <a:txBody>
-                    <a:bodyPr/>
-                    <a:lstStyle/>
-                    <a:p>
-                      <a:pPr algn="ctr"/>
-                      <a:r>
-                        <a:rPr lang="zh-CN" altLang="en-US" dirty="0"/>
-                        <a:t>名称</a:t>
-                      </a:r>
-                      <a:endParaRPr lang="en-US" dirty="0"/>
-                    </a:p>
-                  </a:txBody>
-                  <a:tcPr/>
-                </a:tc>
-                <a:tc>
-                  <a:txBody>
-                    <a:bodyPr/>
-                    <a:lstStyle/>
-                    <a:p>
-                      <a:pPr algn="ctr"/>
-                      <a:r>
-                        <a:rPr lang="zh-CN" altLang="en-US" dirty="0"/>
-                        <a:t>说明</a:t>
-                      </a:r>
-                      <a:endParaRPr lang="en-US" dirty="0"/>
-                    </a:p>
-                  </a:txBody>
-                  <a:tcPr/>
-                </a:tc>
-                <a:tc>
-                  <a:txBody>
-                    <a:bodyPr/>
-                    <a:lstStyle/>
-                    <a:p>
-                      <a:pPr algn="ctr"/>
-                      <a:r>
-                        <a:rPr lang="zh-CN" altLang="en-US" dirty="0"/>
-                        <a:t>消耗</a:t>
-                      </a:r>
-                      <a:endParaRPr lang="en-US" dirty="0"/>
-                    </a:p>
-                  </a:txBody>
-                  <a:tcPr/>
-                </a:tc>
-                <a:extLst>
-                  <a:ext uri="{0D108BD9-81ED-4DB2-BD59-A6C34878D82A}">
-                    <a16:rowId xmlns:a16="http://schemas.microsoft.com/office/drawing/2014/main" val="3904174788"/>
-                  </a:ext>
-                </a:extLst>
-              </a:tr>
-              <a:tr h="959005">
-                <a:tc>
-                  <a:txBody>
-                    <a:bodyPr/>
-                    <a:lstStyle/>
-                    <a:p>
-                      <a:endParaRPr lang="en-US" dirty="0"/>
-                    </a:p>
-                  </a:txBody>
-                  <a:tcPr/>
-                </a:tc>
-                <a:tc>
-                  <a:txBody>
-                    <a:bodyPr/>
-                    <a:lstStyle/>
-                    <a:p>
-                      <a:pPr algn="ctr"/>
-                      <a:r>
-                        <a:rPr lang="zh-CN" altLang="en-US" dirty="0"/>
-                        <a:t>服务器模组</a:t>
-                      </a:r>
-                      <a:endParaRPr lang="en-US" dirty="0"/>
-                    </a:p>
-                  </a:txBody>
-                  <a:tcPr/>
-                </a:tc>
-                <a:tc>
-                  <a:txBody>
-                    <a:bodyPr/>
-                    <a:lstStyle/>
-                    <a:p>
-                      <a:r>
-                        <a:rPr lang="zh-CN" altLang="en-US" dirty="0"/>
-                        <a:t>会发出网络信号并且统计必要的最长网线链接并且进行收益</a:t>
-                      </a:r>
-                      <a:endParaRPr lang="en-US" dirty="0"/>
-                    </a:p>
-                  </a:txBody>
-                  <a:tcPr/>
-                </a:tc>
-                <a:tc>
-                  <a:txBody>
-                    <a:bodyPr/>
-                    <a:lstStyle/>
-                    <a:p>
-                      <a:endParaRPr lang="en-US" dirty="0"/>
-                    </a:p>
-                  </a:txBody>
-                  <a:tcPr/>
-                </a:tc>
-                <a:extLst>
-                  <a:ext uri="{0D108BD9-81ED-4DB2-BD59-A6C34878D82A}">
-                    <a16:rowId xmlns:a16="http://schemas.microsoft.com/office/drawing/2014/main" val="1863790508"/>
-                  </a:ext>
-                </a:extLst>
-              </a:tr>
-              <a:tr h="1040780">
-                <a:tc>
-                  <a:txBody>
-                    <a:bodyPr/>
-                    <a:lstStyle/>
-                    <a:p>
-                      <a:endParaRPr lang="en-US" dirty="0"/>
-                    </a:p>
-                  </a:txBody>
-                  <a:tcPr/>
-                </a:tc>
-                <a:tc>
-                  <a:txBody>
-                    <a:bodyPr/>
-                    <a:lstStyle/>
-                    <a:p>
-                      <a:pPr algn="ctr"/>
-                      <a:r>
-                        <a:rPr lang="zh-CN" altLang="en-US" dirty="0"/>
-                        <a:t>网线模组</a:t>
-                      </a:r>
-                      <a:endParaRPr lang="en-US" dirty="0"/>
-                    </a:p>
-                  </a:txBody>
-                  <a:tcPr/>
-                </a:tc>
-                <a:tc>
-                  <a:txBody>
-                    <a:bodyPr/>
-                    <a:lstStyle/>
-                    <a:p>
-                      <a:r>
-                        <a:rPr lang="zh-CN" altLang="en-US" dirty="0"/>
-                        <a:t>可以转发网络和数据信号，并且计入最长网线链接，每块网线模组计算</a:t>
-                      </a:r>
-                      <a:r>
-                        <a:rPr lang="en-US" altLang="zh-CN" dirty="0"/>
-                        <a:t>100</a:t>
-                      </a:r>
-                      <a:r>
-                        <a:rPr lang="zh-CN" altLang="en-US" dirty="0"/>
-                        <a:t>收益</a:t>
-                      </a:r>
-                      <a:endParaRPr lang="en-US" dirty="0"/>
-                    </a:p>
-                  </a:txBody>
-                  <a:tcPr/>
-                </a:tc>
-                <a:tc>
-                  <a:txBody>
-                    <a:bodyPr/>
-                    <a:lstStyle/>
-                    <a:p>
-                      <a:endParaRPr lang="en-US" dirty="0"/>
-                    </a:p>
-                  </a:txBody>
-                  <a:tcPr/>
-                </a:tc>
-                <a:extLst>
-                  <a:ext uri="{0D108BD9-81ED-4DB2-BD59-A6C34878D82A}">
-                    <a16:rowId xmlns:a16="http://schemas.microsoft.com/office/drawing/2014/main" val="3790404969"/>
-                  </a:ext>
-                </a:extLst>
-              </a:tr>
-              <a:tr h="1055649">
-                <a:tc>
-                  <a:txBody>
-                    <a:bodyPr/>
-                    <a:lstStyle/>
-                    <a:p>
-                      <a:endParaRPr lang="en-US"/>
-                    </a:p>
-                  </a:txBody>
-                  <a:tcPr/>
-                </a:tc>
-                <a:tc>
-                  <a:txBody>
-                    <a:bodyPr/>
-                    <a:lstStyle/>
-                    <a:p>
-                      <a:pPr algn="ctr"/>
-                      <a:r>
-                        <a:rPr lang="zh-CN" altLang="en-US" dirty="0"/>
-                        <a:t>网桥模组</a:t>
-                      </a:r>
-                      <a:endParaRPr lang="en-US" dirty="0"/>
-                    </a:p>
-                  </a:txBody>
-                  <a:tcPr/>
-                </a:tc>
-                <a:tc>
-                  <a:txBody>
-                    <a:bodyPr/>
-                    <a:lstStyle/>
-                    <a:p>
-                      <a:r>
-                        <a:rPr lang="zh-CN" altLang="en-US" dirty="0"/>
-                        <a:t>可以转发网络和数据信号，不计入网线链接，但是如果计算的最长网线链接中每有一个网桥模组，最终总价提高</a:t>
-                      </a:r>
-                      <a:r>
-                        <a:rPr lang="en-US" altLang="zh-CN" dirty="0"/>
-                        <a:t>50%</a:t>
-                      </a:r>
-                      <a:r>
-                        <a:rPr lang="zh-CN" altLang="en-US" dirty="0"/>
-                        <a:t>（可以累计）</a:t>
-                      </a:r>
-                      <a:endParaRPr lang="en-US" dirty="0"/>
-                    </a:p>
-                  </a:txBody>
-                  <a:tcPr/>
-                </a:tc>
-                <a:tc>
-                  <a:txBody>
-                    <a:bodyPr/>
-                    <a:lstStyle/>
-                    <a:p>
-                      <a:endParaRPr lang="en-US" dirty="0"/>
-                    </a:p>
-                  </a:txBody>
-                  <a:tcPr/>
-                </a:tc>
-                <a:extLst>
-                  <a:ext uri="{0D108BD9-81ED-4DB2-BD59-A6C34878D82A}">
-                    <a16:rowId xmlns:a16="http://schemas.microsoft.com/office/drawing/2014/main" val="1479023673"/>
-                  </a:ext>
-                </a:extLst>
-              </a:tr>
-            </a:tbl>
-          </a:graphicData>
-        </a:graphic>
-      </p:graphicFrame>
-      <p:pic>
-        <p:nvPicPr>
-          <p:cNvPr id="9" name="图片 8">
-            <a:extLst>
-              <a:ext uri="{FF2B5EF4-FFF2-40B4-BE49-F238E27FC236}">
-                <a16:creationId xmlns:a16="http://schemas.microsoft.com/office/drawing/2014/main" id="{B189F91F-3D0D-4ADC-AE51-7C348B3B804B}"/>
-              </a:ext>
-            </a:extLst>
-          </p:cNvPr>
-          <p:cNvPicPr>
-            <a:picLocks noChangeAspect="1"/>
-          </p:cNvPicPr>
-          <p:nvPr/>
-        </p:nvPicPr>
-        <p:blipFill>
-          <a:blip r:embed="rId2">
-            <a:extLst>
-              <a:ext uri="{28A0092B-C50C-407E-A947-70E740481C1C}">
-                <a14:useLocalDpi xmlns:a14="http://schemas.microsoft.com/office/drawing/2010/main" val="0"/>
-              </a:ext>
-            </a:extLst>
-          </a:blip>
-          <a:stretch>
-            <a:fillRect/>
-          </a:stretch>
-        </p:blipFill>
-        <p:spPr>
-          <a:xfrm>
-            <a:off x="1014257" y="3115607"/>
-            <a:ext cx="946592" cy="946592"/>
-          </a:xfrm>
-          <a:prstGeom prst="rect">
-            <a:avLst/>
-          </a:prstGeom>
-        </p:spPr>
-      </p:pic>
-      <p:pic>
-        <p:nvPicPr>
-          <p:cNvPr id="11" name="图片 10">
-            <a:extLst>
-              <a:ext uri="{FF2B5EF4-FFF2-40B4-BE49-F238E27FC236}">
-                <a16:creationId xmlns:a16="http://schemas.microsoft.com/office/drawing/2014/main" id="{442E7725-C70B-41A2-82AF-CCDC64D1EE8A}"/>
-              </a:ext>
-            </a:extLst>
-          </p:cNvPr>
-          <p:cNvPicPr>
-            <a:picLocks noChangeAspect="1"/>
-          </p:cNvPicPr>
-          <p:nvPr/>
-        </p:nvPicPr>
-        <p:blipFill>
-          <a:blip r:embed="rId3">
-            <a:extLst>
-              <a:ext uri="{28A0092B-C50C-407E-A947-70E740481C1C}">
-                <a14:useLocalDpi xmlns:a14="http://schemas.microsoft.com/office/drawing/2010/main" val="0"/>
-              </a:ext>
-            </a:extLst>
-          </a:blip>
-          <a:stretch>
-            <a:fillRect/>
-          </a:stretch>
-        </p:blipFill>
-        <p:spPr>
-          <a:xfrm>
-            <a:off x="1014257" y="2096966"/>
-            <a:ext cx="946592" cy="946592"/>
-          </a:xfrm>
-          <a:prstGeom prst="rect">
-            <a:avLst/>
-          </a:prstGeom>
-        </p:spPr>
-      </p:pic>
-      <p:pic>
-        <p:nvPicPr>
-          <p:cNvPr id="13" name="图片 12">
-            <a:extLst>
-              <a:ext uri="{FF2B5EF4-FFF2-40B4-BE49-F238E27FC236}">
-                <a16:creationId xmlns:a16="http://schemas.microsoft.com/office/drawing/2014/main" id="{2F2447A8-DA0C-4FB4-A37C-7B5F6B3121B0}"/>
-              </a:ext>
-            </a:extLst>
-          </p:cNvPr>
-          <p:cNvPicPr>
-            <a:picLocks noChangeAspect="1"/>
-          </p:cNvPicPr>
-          <p:nvPr/>
-        </p:nvPicPr>
-        <p:blipFill>
-          <a:blip r:embed="rId4">
-            <a:extLst>
-              <a:ext uri="{28A0092B-C50C-407E-A947-70E740481C1C}">
-                <a14:useLocalDpi xmlns:a14="http://schemas.microsoft.com/office/drawing/2010/main" val="0"/>
-              </a:ext>
-            </a:extLst>
-          </a:blip>
-          <a:stretch>
-            <a:fillRect/>
-          </a:stretch>
-        </p:blipFill>
-        <p:spPr>
-          <a:xfrm>
-            <a:off x="1014257" y="4134248"/>
-            <a:ext cx="946592" cy="946592"/>
-          </a:xfrm>
-          <a:prstGeom prst="rect">
-            <a:avLst/>
-          </a:prstGeom>
-        </p:spPr>
-      </p:pic>
-    </p:spTree>
-    <p:extLst>
-      <p:ext uri="{BB962C8B-B14F-4D97-AF65-F5344CB8AC3E}">
-        <p14:creationId xmlns:p14="http://schemas.microsoft.com/office/powerpoint/2010/main" val="1937094213"/>
-      </p:ext>
-    </p:extLst>
-  </p:cSld>
-  <p:clrMapOvr>
-    <a:masterClrMapping/>
-  </p:clrMapOvr>
-</p:sld>
-</file>
-
-<file path=ppt/slides/slide14.xml><?xml version="1.0" encoding="utf-8"?>
-<p:sld xmlns:a="http://schemas.openxmlformats.org/drawingml/2006/main" xmlns:r="http://schemas.openxmlformats.org/officeDocument/2006/relationships" xmlns:p="http://schemas.openxmlformats.org/presentationml/2006/main">
-  <p:cSld>
-    <p:spTree>
-      <p:nvGrpSpPr>
-        <p:cNvPr id="1" name=""/>
-        <p:cNvGrpSpPr/>
-        <p:nvPr/>
-      </p:nvGrpSpPr>
-      <p:grpSpPr>
-        <a:xfrm>
-          <a:off x="0" y="0"/>
-          <a:ext cx="0" cy="0"/>
-          <a:chOff x="0" y="0"/>
-          <a:chExt cx="0" cy="0"/>
-        </a:xfrm>
-      </p:grpSpPr>
-      <p:sp>
-        <p:nvSpPr>
-          <p:cNvPr id="2" name="标题 1">
-            <a:extLst>
-              <a:ext uri="{FF2B5EF4-FFF2-40B4-BE49-F238E27FC236}">
-                <a16:creationId xmlns:a16="http://schemas.microsoft.com/office/drawing/2014/main" id="{CF624A74-BF3B-4A45-B52D-F6610A693817}"/>
-              </a:ext>
-            </a:extLst>
-          </p:cNvPr>
-          <p:cNvSpPr>
-            <a:spLocks noGrp="1"/>
-          </p:cNvSpPr>
-          <p:nvPr>
-            <p:ph type="title"/>
-          </p:nvPr>
-        </p:nvSpPr>
-        <p:spPr/>
-        <p:txBody>
-          <a:bodyPr/>
-          <a:lstStyle/>
-          <a:p>
-            <a:r>
-              <a:rPr lang="en-US" altLang="zh-CN" dirty="0"/>
-              <a:t>FAQ</a:t>
-            </a:r>
-            <a:endParaRPr lang="en-US" dirty="0"/>
-          </a:p>
-        </p:txBody>
-      </p:sp>
-      <p:sp>
-        <p:nvSpPr>
-          <p:cNvPr id="3" name="内容占位符 2">
-            <a:extLst>
-              <a:ext uri="{FF2B5EF4-FFF2-40B4-BE49-F238E27FC236}">
-                <a16:creationId xmlns:a16="http://schemas.microsoft.com/office/drawing/2014/main" id="{4DB31335-4D20-446B-B27D-0B39C885D576}"/>
-              </a:ext>
-            </a:extLst>
-          </p:cNvPr>
-          <p:cNvSpPr>
-            <a:spLocks noGrp="1"/>
-          </p:cNvSpPr>
-          <p:nvPr>
-            <p:ph idx="1"/>
-          </p:nvPr>
-        </p:nvSpPr>
-        <p:spPr/>
-        <p:txBody>
-          <a:bodyPr/>
-          <a:lstStyle/>
-          <a:p>
-            <a:endParaRPr lang="en-US"/>
-          </a:p>
-        </p:txBody>
-      </p:sp>
-    </p:spTree>
-    <p:extLst>
-      <p:ext uri="{BB962C8B-B14F-4D97-AF65-F5344CB8AC3E}">
-        <p14:creationId xmlns:p14="http://schemas.microsoft.com/office/powerpoint/2010/main" val="2118008259"/>
       </p:ext>
     </p:extLst>
   </p:cSld>
@@ -5623,7 +8571,7 @@
           <p:cNvPr id="2" name="标题 1">
             <a:extLst>
               <a:ext uri="{FF2B5EF4-FFF2-40B4-BE49-F238E27FC236}">
-                <a16:creationId xmlns:a16="http://schemas.microsoft.com/office/drawing/2014/main" id="{C47D03D6-585D-49D0-8BE6-EDF4E4F892C7}"/>
+                <a16:creationId xmlns:a16="http://schemas.microsoft.com/office/drawing/2014/main" id="{B9110261-8660-4936-9702-B2F8C8BF72B5}"/>
               </a:ext>
             </a:extLst>
           </p:cNvPr>
@@ -5634,9 +8582,843 @@
             <p:ph type="title"/>
           </p:nvPr>
         </p:nvSpPr>
+        <p:spPr/>
+        <p:txBody>
+          <a:bodyPr/>
+          <a:lstStyle/>
+          <a:p>
+            <a:r>
+              <a:rPr lang="zh-CN" altLang="en-US" dirty="0"/>
+              <a:t>设备模组细节说明</a:t>
+            </a:r>
+            <a:endParaRPr lang="en-US" dirty="0"/>
+          </a:p>
+        </p:txBody>
+      </p:sp>
+      <p:graphicFrame>
+        <p:nvGraphicFramePr>
+          <p:cNvPr id="19" name="表格 4">
+            <a:extLst>
+              <a:ext uri="{FF2B5EF4-FFF2-40B4-BE49-F238E27FC236}">
+                <a16:creationId xmlns:a16="http://schemas.microsoft.com/office/drawing/2014/main" id="{480566F2-E439-496C-9CF8-E7EC92445007}"/>
+              </a:ext>
+            </a:extLst>
+          </p:cNvPr>
+          <p:cNvGraphicFramePr>
+            <a:graphicFrameLocks noGrp="1"/>
+          </p:cNvGraphicFramePr>
+          <p:nvPr>
+            <p:extLst>
+              <p:ext uri="{D42A27DB-BD31-4B8C-83A1-F6EECF244321}">
+                <p14:modId xmlns:p14="http://schemas.microsoft.com/office/powerpoint/2010/main" val="2129162228"/>
+              </p:ext>
+            </p:extLst>
+          </p:nvPr>
+        </p:nvGraphicFramePr>
+        <p:xfrm>
+          <a:off x="2051050" y="2084388"/>
+          <a:ext cx="7429500" cy="3458325"/>
+        </p:xfrm>
+        <a:graphic>
+          <a:graphicData uri="http://schemas.openxmlformats.org/drawingml/2006/table">
+            <a:tbl>
+              <a:tblPr firstRow="1" bandRow="1">
+                <a:tableStyleId>{073A0DAA-6AF3-43AB-8588-CEC1D06C72B9}</a:tableStyleId>
+              </a:tblPr>
+              <a:tblGrid>
+                <a:gridCol w="1244600">
+                  <a:extLst>
+                    <a:ext uri="{9D8B030D-6E8A-4147-A177-3AD203B41FA5}">
+                      <a16:colId xmlns:a16="http://schemas.microsoft.com/office/drawing/2014/main" val="2621437361"/>
+                    </a:ext>
+                  </a:extLst>
+                </a:gridCol>
+                <a:gridCol w="1530350">
+                  <a:extLst>
+                    <a:ext uri="{9D8B030D-6E8A-4147-A177-3AD203B41FA5}">
+                      <a16:colId xmlns:a16="http://schemas.microsoft.com/office/drawing/2014/main" val="862795126"/>
+                    </a:ext>
+                  </a:extLst>
+                </a:gridCol>
+                <a:gridCol w="4654550">
+                  <a:extLst>
+                    <a:ext uri="{9D8B030D-6E8A-4147-A177-3AD203B41FA5}">
+                      <a16:colId xmlns:a16="http://schemas.microsoft.com/office/drawing/2014/main" val="3721827039"/>
+                    </a:ext>
+                  </a:extLst>
+                </a:gridCol>
+              </a:tblGrid>
+              <a:tr h="402891">
+                <a:tc>
+                  <a:txBody>
+                    <a:bodyPr/>
+                    <a:lstStyle/>
+                    <a:p>
+                      <a:pPr algn="ctr"/>
+                      <a:r>
+                        <a:rPr lang="zh-CN" altLang="en-US" dirty="0">
+                          <a:solidFill>
+                            <a:schemeClr val="tx1">
+                              <a:lumMod val="95000"/>
+                              <a:lumOff val="5000"/>
+                            </a:schemeClr>
+                          </a:solidFill>
+                        </a:rPr>
+                        <a:t>图标</a:t>
+                      </a:r>
+                      <a:endParaRPr lang="en-US" dirty="0">
+                        <a:solidFill>
+                          <a:schemeClr val="tx1">
+                            <a:lumMod val="95000"/>
+                            <a:lumOff val="5000"/>
+                          </a:schemeClr>
+                        </a:solidFill>
+                      </a:endParaRPr>
+                    </a:p>
+                  </a:txBody>
+                  <a:tcPr>
+                    <a:noFill/>
+                  </a:tcPr>
+                </a:tc>
+                <a:tc>
+                  <a:txBody>
+                    <a:bodyPr/>
+                    <a:lstStyle/>
+                    <a:p>
+                      <a:pPr algn="ctr"/>
+                      <a:r>
+                        <a:rPr lang="zh-CN" altLang="en-US" dirty="0">
+                          <a:solidFill>
+                            <a:schemeClr val="tx1">
+                              <a:lumMod val="95000"/>
+                              <a:lumOff val="5000"/>
+                            </a:schemeClr>
+                          </a:solidFill>
+                        </a:rPr>
+                        <a:t>名称</a:t>
+                      </a:r>
+                      <a:endParaRPr lang="en-US" dirty="0">
+                        <a:solidFill>
+                          <a:schemeClr val="tx1">
+                            <a:lumMod val="95000"/>
+                            <a:lumOff val="5000"/>
+                          </a:schemeClr>
+                        </a:solidFill>
+                      </a:endParaRPr>
+                    </a:p>
+                  </a:txBody>
+                  <a:tcPr>
+                    <a:noFill/>
+                  </a:tcPr>
+                </a:tc>
+                <a:tc>
+                  <a:txBody>
+                    <a:bodyPr/>
+                    <a:lstStyle/>
+                    <a:p>
+                      <a:pPr algn="ctr"/>
+                      <a:r>
+                        <a:rPr lang="zh-CN" altLang="en-US" dirty="0">
+                          <a:solidFill>
+                            <a:schemeClr val="tx1">
+                              <a:lumMod val="95000"/>
+                              <a:lumOff val="5000"/>
+                            </a:schemeClr>
+                          </a:solidFill>
+                        </a:rPr>
+                        <a:t>说明</a:t>
+                      </a:r>
+                      <a:endParaRPr lang="en-US" dirty="0">
+                        <a:solidFill>
+                          <a:schemeClr val="tx1">
+                            <a:lumMod val="95000"/>
+                            <a:lumOff val="5000"/>
+                          </a:schemeClr>
+                        </a:solidFill>
+                      </a:endParaRPr>
+                    </a:p>
+                  </a:txBody>
+                  <a:tcPr>
+                    <a:noFill/>
+                  </a:tcPr>
+                </a:tc>
+                <a:extLst>
+                  <a:ext uri="{0D108BD9-81ED-4DB2-BD59-A6C34878D82A}">
+                    <a16:rowId xmlns:a16="http://schemas.microsoft.com/office/drawing/2014/main" val="3904174788"/>
+                  </a:ext>
+                </a:extLst>
+              </a:tr>
+              <a:tr h="959005">
+                <a:tc>
+                  <a:txBody>
+                    <a:bodyPr/>
+                    <a:lstStyle/>
+                    <a:p>
+                      <a:pPr algn="ctr"/>
+                      <a:endParaRPr lang="en-US" dirty="0"/>
+                    </a:p>
+                  </a:txBody>
+                  <a:tcPr anchor="ctr">
+                    <a:noFill/>
+                  </a:tcPr>
+                </a:tc>
+                <a:tc>
+                  <a:txBody>
+                    <a:bodyPr/>
+                    <a:lstStyle/>
+                    <a:p>
+                      <a:pPr algn="ctr"/>
+                      <a:r>
+                        <a:rPr lang="zh-CN" altLang="en-US" dirty="0">
+                          <a:solidFill>
+                            <a:schemeClr val="tx1">
+                              <a:lumMod val="65000"/>
+                              <a:lumOff val="35000"/>
+                            </a:schemeClr>
+                          </a:solidFill>
+                        </a:rPr>
+                        <a:t>服务器模组</a:t>
+                      </a:r>
+                      <a:endParaRPr lang="en-US" dirty="0">
+                        <a:solidFill>
+                          <a:schemeClr val="tx1">
+                            <a:lumMod val="65000"/>
+                            <a:lumOff val="35000"/>
+                          </a:schemeClr>
+                        </a:solidFill>
+                      </a:endParaRPr>
+                    </a:p>
+                  </a:txBody>
+                  <a:tcPr anchor="ctr">
+                    <a:noFill/>
+                  </a:tcPr>
+                </a:tc>
+                <a:tc>
+                  <a:txBody>
+                    <a:bodyPr/>
+                    <a:lstStyle/>
+                    <a:p>
+                      <a:pPr algn="ctr"/>
+                      <a:r>
+                        <a:rPr lang="zh-CN" altLang="en-US" dirty="0">
+                          <a:solidFill>
+                            <a:schemeClr val="tx1">
+                              <a:lumMod val="65000"/>
+                              <a:lumOff val="35000"/>
+                            </a:schemeClr>
+                          </a:solidFill>
+                        </a:rPr>
+                        <a:t>会发出网络信号，统计</a:t>
+                      </a:r>
+                      <a:r>
+                        <a:rPr lang="zh-CN" altLang="en-US" dirty="0">
+                          <a:solidFill>
+                            <a:schemeClr val="tx1">
+                              <a:lumMod val="95000"/>
+                              <a:lumOff val="5000"/>
+                            </a:schemeClr>
+                          </a:solidFill>
+                        </a:rPr>
+                        <a:t>必要的最长网线链路</a:t>
+                      </a:r>
+                      <a:r>
+                        <a:rPr lang="zh-CN" altLang="en-US" dirty="0">
+                          <a:solidFill>
+                            <a:schemeClr val="tx1">
+                              <a:lumMod val="65000"/>
+                              <a:lumOff val="35000"/>
+                            </a:schemeClr>
+                          </a:solidFill>
+                        </a:rPr>
+                        <a:t>并且进行收益</a:t>
+                      </a:r>
+                      <a:endParaRPr lang="en-US" dirty="0">
+                        <a:solidFill>
+                          <a:schemeClr val="tx1">
+                            <a:lumMod val="65000"/>
+                            <a:lumOff val="35000"/>
+                          </a:schemeClr>
+                        </a:solidFill>
+                      </a:endParaRPr>
+                    </a:p>
+                  </a:txBody>
+                  <a:tcPr anchor="ctr">
+                    <a:noFill/>
+                  </a:tcPr>
+                </a:tc>
+                <a:extLst>
+                  <a:ext uri="{0D108BD9-81ED-4DB2-BD59-A6C34878D82A}">
+                    <a16:rowId xmlns:a16="http://schemas.microsoft.com/office/drawing/2014/main" val="1863790508"/>
+                  </a:ext>
+                </a:extLst>
+              </a:tr>
+              <a:tr h="1040780">
+                <a:tc>
+                  <a:txBody>
+                    <a:bodyPr/>
+                    <a:lstStyle/>
+                    <a:p>
+                      <a:pPr algn="ctr"/>
+                      <a:endParaRPr lang="en-US" dirty="0"/>
+                    </a:p>
+                  </a:txBody>
+                  <a:tcPr anchor="ctr">
+                    <a:noFill/>
+                  </a:tcPr>
+                </a:tc>
+                <a:tc>
+                  <a:txBody>
+                    <a:bodyPr/>
+                    <a:lstStyle/>
+                    <a:p>
+                      <a:pPr algn="ctr"/>
+                      <a:r>
+                        <a:rPr lang="zh-CN" altLang="en-US" dirty="0">
+                          <a:solidFill>
+                            <a:schemeClr val="tx1">
+                              <a:lumMod val="65000"/>
+                              <a:lumOff val="35000"/>
+                            </a:schemeClr>
+                          </a:solidFill>
+                        </a:rPr>
+                        <a:t>网线模组</a:t>
+                      </a:r>
+                      <a:endParaRPr lang="en-US" dirty="0">
+                        <a:solidFill>
+                          <a:schemeClr val="tx1">
+                            <a:lumMod val="65000"/>
+                            <a:lumOff val="35000"/>
+                          </a:schemeClr>
+                        </a:solidFill>
+                      </a:endParaRPr>
+                    </a:p>
+                  </a:txBody>
+                  <a:tcPr anchor="ctr">
+                    <a:noFill/>
+                  </a:tcPr>
+                </a:tc>
+                <a:tc>
+                  <a:txBody>
+                    <a:bodyPr/>
+                    <a:lstStyle/>
+                    <a:p>
+                      <a:pPr algn="ctr"/>
+                      <a:r>
+                        <a:rPr lang="zh-CN" altLang="en-US" dirty="0">
+                          <a:solidFill>
+                            <a:schemeClr val="tx1">
+                              <a:lumMod val="65000"/>
+                              <a:lumOff val="35000"/>
+                            </a:schemeClr>
+                          </a:solidFill>
+                        </a:rPr>
+                        <a:t>计入最长网线链路，每块网线模组计算</a:t>
+                      </a:r>
+                      <a:r>
+                        <a:rPr lang="en-US" altLang="zh-CN" dirty="0">
+                          <a:solidFill>
+                            <a:schemeClr val="tx1">
+                              <a:lumMod val="65000"/>
+                              <a:lumOff val="35000"/>
+                            </a:schemeClr>
+                          </a:solidFill>
+                        </a:rPr>
+                        <a:t>100</a:t>
+                      </a:r>
+                      <a:r>
+                        <a:rPr lang="zh-CN" altLang="en-US" dirty="0">
+                          <a:solidFill>
+                            <a:schemeClr val="tx1">
+                              <a:lumMod val="65000"/>
+                              <a:lumOff val="35000"/>
+                            </a:schemeClr>
+                          </a:solidFill>
+                        </a:rPr>
+                        <a:t>收益，</a:t>
+                      </a:r>
+                      <a:r>
+                        <a:rPr lang="zh-CN" altLang="en-US" b="0" dirty="0">
+                          <a:solidFill>
+                            <a:schemeClr val="tx1">
+                              <a:lumMod val="95000"/>
+                              <a:lumOff val="5000"/>
+                            </a:schemeClr>
+                          </a:solidFill>
+                        </a:rPr>
+                        <a:t>可以转发网络和数据信号</a:t>
+                      </a:r>
+                      <a:endParaRPr lang="en-US" b="0" dirty="0">
+                        <a:solidFill>
+                          <a:schemeClr val="tx1">
+                            <a:lumMod val="95000"/>
+                            <a:lumOff val="5000"/>
+                          </a:schemeClr>
+                        </a:solidFill>
+                      </a:endParaRPr>
+                    </a:p>
+                  </a:txBody>
+                  <a:tcPr anchor="ctr">
+                    <a:noFill/>
+                  </a:tcPr>
+                </a:tc>
+                <a:extLst>
+                  <a:ext uri="{0D108BD9-81ED-4DB2-BD59-A6C34878D82A}">
+                    <a16:rowId xmlns:a16="http://schemas.microsoft.com/office/drawing/2014/main" val="3790404969"/>
+                  </a:ext>
+                </a:extLst>
+              </a:tr>
+              <a:tr h="1055649">
+                <a:tc>
+                  <a:txBody>
+                    <a:bodyPr/>
+                    <a:lstStyle/>
+                    <a:p>
+                      <a:pPr algn="ctr"/>
+                      <a:endParaRPr lang="en-US"/>
+                    </a:p>
+                  </a:txBody>
+                  <a:tcPr anchor="ctr">
+                    <a:noFill/>
+                  </a:tcPr>
+                </a:tc>
+                <a:tc>
+                  <a:txBody>
+                    <a:bodyPr/>
+                    <a:lstStyle/>
+                    <a:p>
+                      <a:pPr algn="ctr"/>
+                      <a:r>
+                        <a:rPr lang="zh-CN" altLang="en-US" dirty="0">
+                          <a:solidFill>
+                            <a:schemeClr val="tx1">
+                              <a:lumMod val="65000"/>
+                              <a:lumOff val="35000"/>
+                            </a:schemeClr>
+                          </a:solidFill>
+                        </a:rPr>
+                        <a:t>网桥模组</a:t>
+                      </a:r>
+                      <a:endParaRPr lang="en-US" dirty="0">
+                        <a:solidFill>
+                          <a:schemeClr val="tx1">
+                            <a:lumMod val="65000"/>
+                            <a:lumOff val="35000"/>
+                          </a:schemeClr>
+                        </a:solidFill>
+                      </a:endParaRPr>
+                    </a:p>
+                  </a:txBody>
+                  <a:tcPr anchor="ctr">
+                    <a:noFill/>
+                  </a:tcPr>
+                </a:tc>
+                <a:tc>
+                  <a:txBody>
+                    <a:bodyPr/>
+                    <a:lstStyle/>
+                    <a:p>
+                      <a:pPr algn="ctr"/>
+                      <a:r>
+                        <a:rPr lang="zh-CN" altLang="en-US" sz="1600" dirty="0">
+                          <a:solidFill>
+                            <a:schemeClr val="tx1">
+                              <a:lumMod val="65000"/>
+                              <a:lumOff val="35000"/>
+                            </a:schemeClr>
+                          </a:solidFill>
+                        </a:rPr>
+                        <a:t>必要的最长网线链路中</a:t>
+                      </a:r>
+                      <a:r>
+                        <a:rPr lang="zh-CN" altLang="en-US" sz="1600" dirty="0">
+                          <a:solidFill>
+                            <a:schemeClr val="tx1">
+                              <a:lumMod val="95000"/>
+                              <a:lumOff val="5000"/>
+                            </a:schemeClr>
+                          </a:solidFill>
+                        </a:rPr>
+                        <a:t>每有一个</a:t>
+                      </a:r>
+                      <a:r>
+                        <a:rPr lang="zh-CN" altLang="en-US" sz="1600" dirty="0">
+                          <a:solidFill>
+                            <a:schemeClr val="tx1">
+                              <a:lumMod val="65000"/>
+                              <a:lumOff val="35000"/>
+                            </a:schemeClr>
+                          </a:solidFill>
+                        </a:rPr>
+                        <a:t>网桥模组，最终总价</a:t>
+                      </a:r>
+                      <a:r>
+                        <a:rPr lang="zh-CN" altLang="en-US" sz="1600" dirty="0">
+                          <a:solidFill>
+                            <a:schemeClr val="tx1">
+                              <a:lumMod val="95000"/>
+                              <a:lumOff val="5000"/>
+                            </a:schemeClr>
+                          </a:solidFill>
+                        </a:rPr>
+                        <a:t>提高</a:t>
+                      </a:r>
+                      <a:r>
+                        <a:rPr lang="en-US" altLang="zh-CN" sz="1600" dirty="0">
+                          <a:solidFill>
+                            <a:schemeClr val="tx1">
+                              <a:lumMod val="95000"/>
+                              <a:lumOff val="5000"/>
+                            </a:schemeClr>
+                          </a:solidFill>
+                        </a:rPr>
+                        <a:t>50%</a:t>
+                      </a:r>
+                      <a:r>
+                        <a:rPr lang="zh-CN" altLang="en-US" sz="1600" dirty="0">
+                          <a:solidFill>
+                            <a:schemeClr val="tx1">
+                              <a:lumMod val="95000"/>
+                              <a:lumOff val="5000"/>
+                            </a:schemeClr>
+                          </a:solidFill>
+                        </a:rPr>
+                        <a:t>（累进计算），</a:t>
+                      </a:r>
+                      <a:r>
+                        <a:rPr lang="zh-CN" altLang="en-US" sz="1600" dirty="0">
+                          <a:solidFill>
+                            <a:schemeClr val="tx1">
+                              <a:lumMod val="65000"/>
+                              <a:lumOff val="35000"/>
+                            </a:schemeClr>
+                          </a:solidFill>
+                        </a:rPr>
+                        <a:t>但该模组本身不计入网线链接计数，</a:t>
+                      </a:r>
+                      <a:r>
+                        <a:rPr lang="zh-CN" altLang="en-US" sz="1600" dirty="0">
+                          <a:solidFill>
+                            <a:schemeClr val="tx1">
+                              <a:lumMod val="95000"/>
+                              <a:lumOff val="5000"/>
+                            </a:schemeClr>
+                          </a:solidFill>
+                        </a:rPr>
+                        <a:t>可以转发网络和数据信号</a:t>
+                      </a:r>
+                      <a:endParaRPr lang="en-US" sz="1600" dirty="0">
+                        <a:solidFill>
+                          <a:schemeClr val="tx1">
+                            <a:lumMod val="95000"/>
+                            <a:lumOff val="5000"/>
+                          </a:schemeClr>
+                        </a:solidFill>
+                      </a:endParaRPr>
+                    </a:p>
+                  </a:txBody>
+                  <a:tcPr anchor="ctr">
+                    <a:noFill/>
+                  </a:tcPr>
+                </a:tc>
+                <a:extLst>
+                  <a:ext uri="{0D108BD9-81ED-4DB2-BD59-A6C34878D82A}">
+                    <a16:rowId xmlns:a16="http://schemas.microsoft.com/office/drawing/2014/main" val="1479023673"/>
+                  </a:ext>
+                </a:extLst>
+              </a:tr>
+            </a:tbl>
+          </a:graphicData>
+        </a:graphic>
+      </p:graphicFrame>
+      <p:pic>
+        <p:nvPicPr>
+          <p:cNvPr id="9" name="图片 8">
+            <a:extLst>
+              <a:ext uri="{FF2B5EF4-FFF2-40B4-BE49-F238E27FC236}">
+                <a16:creationId xmlns:a16="http://schemas.microsoft.com/office/drawing/2014/main" id="{B189F91F-3D0D-4ADC-AE51-7C348B3B804B}"/>
+              </a:ext>
+            </a:extLst>
+          </p:cNvPr>
+          <p:cNvPicPr>
+            <a:picLocks noChangeAspect="1"/>
+          </p:cNvPicPr>
+          <p:nvPr/>
+        </p:nvPicPr>
+        <p:blipFill>
+          <a:blip r:embed="rId2">
+            <a:extLst>
+              <a:ext uri="{28A0092B-C50C-407E-A947-70E740481C1C}">
+                <a14:useLocalDpi xmlns:a14="http://schemas.microsoft.com/office/drawing/2010/main" val="0"/>
+              </a:ext>
+            </a:extLst>
+          </a:blip>
+          <a:stretch>
+            <a:fillRect/>
+          </a:stretch>
+        </p:blipFill>
         <p:spPr>
           <a:xfrm>
-            <a:off x="3082924" y="201514"/>
+            <a:off x="2227107" y="3509307"/>
+            <a:ext cx="946592" cy="946592"/>
+          </a:xfrm>
+          <a:prstGeom prst="rect">
+            <a:avLst/>
+          </a:prstGeom>
+        </p:spPr>
+      </p:pic>
+      <p:pic>
+        <p:nvPicPr>
+          <p:cNvPr id="11" name="图片 10">
+            <a:extLst>
+              <a:ext uri="{FF2B5EF4-FFF2-40B4-BE49-F238E27FC236}">
+                <a16:creationId xmlns:a16="http://schemas.microsoft.com/office/drawing/2014/main" id="{442E7725-C70B-41A2-82AF-CCDC64D1EE8A}"/>
+              </a:ext>
+            </a:extLst>
+          </p:cNvPr>
+          <p:cNvPicPr>
+            <a:picLocks noChangeAspect="1"/>
+          </p:cNvPicPr>
+          <p:nvPr/>
+        </p:nvPicPr>
+        <p:blipFill>
+          <a:blip r:embed="rId3">
+            <a:extLst>
+              <a:ext uri="{28A0092B-C50C-407E-A947-70E740481C1C}">
+                <a14:useLocalDpi xmlns:a14="http://schemas.microsoft.com/office/drawing/2010/main" val="0"/>
+              </a:ext>
+            </a:extLst>
+          </a:blip>
+          <a:stretch>
+            <a:fillRect/>
+          </a:stretch>
+        </p:blipFill>
+        <p:spPr>
+          <a:xfrm>
+            <a:off x="2227107" y="2490666"/>
+            <a:ext cx="946592" cy="946592"/>
+          </a:xfrm>
+          <a:prstGeom prst="rect">
+            <a:avLst/>
+          </a:prstGeom>
+        </p:spPr>
+      </p:pic>
+      <p:pic>
+        <p:nvPicPr>
+          <p:cNvPr id="13" name="图片 12">
+            <a:extLst>
+              <a:ext uri="{FF2B5EF4-FFF2-40B4-BE49-F238E27FC236}">
+                <a16:creationId xmlns:a16="http://schemas.microsoft.com/office/drawing/2014/main" id="{2F2447A8-DA0C-4FB4-A37C-7B5F6B3121B0}"/>
+              </a:ext>
+            </a:extLst>
+          </p:cNvPr>
+          <p:cNvPicPr>
+            <a:picLocks noChangeAspect="1"/>
+          </p:cNvPicPr>
+          <p:nvPr/>
+        </p:nvPicPr>
+        <p:blipFill>
+          <a:blip r:embed="rId4">
+            <a:extLst>
+              <a:ext uri="{28A0092B-C50C-407E-A947-70E740481C1C}">
+                <a14:useLocalDpi xmlns:a14="http://schemas.microsoft.com/office/drawing/2010/main" val="0"/>
+              </a:ext>
+            </a:extLst>
+          </a:blip>
+          <a:stretch>
+            <a:fillRect/>
+          </a:stretch>
+        </p:blipFill>
+        <p:spPr>
+          <a:xfrm>
+            <a:off x="2227107" y="4527948"/>
+            <a:ext cx="946592" cy="946592"/>
+          </a:xfrm>
+          <a:prstGeom prst="rect">
+            <a:avLst/>
+          </a:prstGeom>
+        </p:spPr>
+      </p:pic>
+      <p:sp>
+        <p:nvSpPr>
+          <p:cNvPr id="7" name="矩形 6">
+            <a:extLst>
+              <a:ext uri="{FF2B5EF4-FFF2-40B4-BE49-F238E27FC236}">
+                <a16:creationId xmlns:a16="http://schemas.microsoft.com/office/drawing/2014/main" id="{65AC6470-F566-4A3C-9B34-D9FE47B82F03}"/>
+              </a:ext>
+            </a:extLst>
+          </p:cNvPr>
+          <p:cNvSpPr/>
+          <p:nvPr/>
+        </p:nvSpPr>
+        <p:spPr>
+          <a:xfrm>
+            <a:off x="6286912" y="6595607"/>
+            <a:ext cx="5032147" cy="276999"/>
+          </a:xfrm>
+          <a:prstGeom prst="rect">
+            <a:avLst/>
+          </a:prstGeom>
+        </p:spPr>
+        <p:txBody>
+          <a:bodyPr wrap="none">
+            <a:spAutoFit/>
+          </a:bodyPr>
+          <a:lstStyle/>
+          <a:p>
+            <a:pPr lvl="0" algn="r"/>
+            <a:r>
+              <a:rPr lang="zh-CN" altLang="en-US" sz="1200" b="1" i="1" dirty="0">
+                <a:solidFill>
+                  <a:prstClr val="white">
+                    <a:lumMod val="50000"/>
+                  </a:prstClr>
+                </a:solidFill>
+              </a:rPr>
+              <a:t>*注：如果对服务器的计分方式不清楚，请咨询在场的安奇钛科工作人员</a:t>
+            </a:r>
+            <a:endParaRPr lang="en-US" altLang="zh-CN" sz="1200" b="1" i="1" dirty="0">
+              <a:solidFill>
+                <a:prstClr val="white">
+                  <a:lumMod val="50000"/>
+                </a:prstClr>
+              </a:solidFill>
+            </a:endParaRPr>
+          </a:p>
+        </p:txBody>
+      </p:sp>
+    </p:spTree>
+    <p:extLst>
+      <p:ext uri="{BB962C8B-B14F-4D97-AF65-F5344CB8AC3E}">
+        <p14:creationId xmlns:p14="http://schemas.microsoft.com/office/powerpoint/2010/main" val="1937094213"/>
+      </p:ext>
+    </p:extLst>
+  </p:cSld>
+  <p:clrMapOvr>
+    <a:masterClrMapping/>
+  </p:clrMapOvr>
+</p:sld>
+</file>
+
+<file path=ppt/slides/slide16.xml><?xml version="1.0" encoding="utf-8"?>
+<p:sld xmlns:a="http://schemas.openxmlformats.org/drawingml/2006/main" xmlns:r="http://schemas.openxmlformats.org/officeDocument/2006/relationships" xmlns:p="http://schemas.openxmlformats.org/presentationml/2006/main">
+  <p:cSld>
+    <p:spTree>
+      <p:nvGrpSpPr>
+        <p:cNvPr id="1" name=""/>
+        <p:cNvGrpSpPr/>
+        <p:nvPr/>
+      </p:nvGrpSpPr>
+      <p:grpSpPr>
+        <a:xfrm>
+          <a:off x="0" y="0"/>
+          <a:ext cx="0" cy="0"/>
+          <a:chOff x="0" y="0"/>
+          <a:chExt cx="0" cy="0"/>
+        </a:xfrm>
+      </p:grpSpPr>
+      <p:sp>
+        <p:nvSpPr>
+          <p:cNvPr id="2" name="标题 1">
+            <a:extLst>
+              <a:ext uri="{FF2B5EF4-FFF2-40B4-BE49-F238E27FC236}">
+                <a16:creationId xmlns:a16="http://schemas.microsoft.com/office/drawing/2014/main" id="{CF624A74-BF3B-4A45-B52D-F6610A693817}"/>
+              </a:ext>
+            </a:extLst>
+          </p:cNvPr>
+          <p:cNvSpPr>
+            <a:spLocks noGrp="1"/>
+          </p:cNvSpPr>
+          <p:nvPr>
+            <p:ph type="title"/>
+          </p:nvPr>
+        </p:nvSpPr>
+        <p:spPr/>
+        <p:txBody>
+          <a:bodyPr/>
+          <a:lstStyle/>
+          <a:p>
+            <a:r>
+              <a:rPr lang="en-US" altLang="zh-CN" dirty="0"/>
+              <a:t>FAQ</a:t>
+            </a:r>
+            <a:endParaRPr lang="en-US" dirty="0"/>
+          </a:p>
+        </p:txBody>
+      </p:sp>
+      <p:sp>
+        <p:nvSpPr>
+          <p:cNvPr id="3" name="内容占位符 2">
+            <a:extLst>
+              <a:ext uri="{FF2B5EF4-FFF2-40B4-BE49-F238E27FC236}">
+                <a16:creationId xmlns:a16="http://schemas.microsoft.com/office/drawing/2014/main" id="{4DB31335-4D20-446B-B27D-0B39C885D576}"/>
+              </a:ext>
+            </a:extLst>
+          </p:cNvPr>
+          <p:cNvSpPr>
+            <a:spLocks noGrp="1"/>
+          </p:cNvSpPr>
+          <p:nvPr>
+            <p:ph idx="1"/>
+          </p:nvPr>
+        </p:nvSpPr>
+        <p:spPr/>
+        <p:txBody>
+          <a:bodyPr/>
+          <a:lstStyle/>
+          <a:p>
+            <a:endParaRPr lang="en-US"/>
+          </a:p>
+        </p:txBody>
+      </p:sp>
+    </p:spTree>
+    <p:extLst>
+      <p:ext uri="{BB962C8B-B14F-4D97-AF65-F5344CB8AC3E}">
+        <p14:creationId xmlns:p14="http://schemas.microsoft.com/office/powerpoint/2010/main" val="2118008259"/>
+      </p:ext>
+    </p:extLst>
+  </p:cSld>
+  <p:clrMapOvr>
+    <a:masterClrMapping/>
+  </p:clrMapOvr>
+</p:sld>
+</file>
+
+<file path=ppt/slides/slide17.xml><?xml version="1.0" encoding="utf-8"?>
+<p:sld xmlns:a="http://schemas.openxmlformats.org/drawingml/2006/main" xmlns:r="http://schemas.openxmlformats.org/officeDocument/2006/relationships" xmlns:p="http://schemas.openxmlformats.org/presentationml/2006/main">
+  <p:cSld>
+    <p:spTree>
+      <p:nvGrpSpPr>
+        <p:cNvPr id="1" name=""/>
+        <p:cNvGrpSpPr/>
+        <p:nvPr/>
+      </p:nvGrpSpPr>
+      <p:grpSpPr>
+        <a:xfrm>
+          <a:off x="0" y="0"/>
+          <a:ext cx="0" cy="0"/>
+          <a:chOff x="0" y="0"/>
+          <a:chExt cx="0" cy="0"/>
+        </a:xfrm>
+      </p:grpSpPr>
+      <p:sp>
+        <p:nvSpPr>
+          <p:cNvPr id="2" name="标题 1">
+            <a:extLst>
+              <a:ext uri="{FF2B5EF4-FFF2-40B4-BE49-F238E27FC236}">
+                <a16:creationId xmlns:a16="http://schemas.microsoft.com/office/drawing/2014/main" id="{C47D03D6-585D-49D0-8BE6-EDF4E4F892C7}"/>
+              </a:ext>
+            </a:extLst>
+          </p:cNvPr>
+          <p:cNvSpPr>
+            <a:spLocks noGrp="1"/>
+          </p:cNvSpPr>
+          <p:nvPr>
+            <p:ph type="title"/>
+          </p:nvPr>
+        </p:nvSpPr>
+        <p:spPr>
+          <a:xfrm>
+            <a:off x="3933824" y="284064"/>
             <a:ext cx="3822700" cy="1325563"/>
           </a:xfrm>
         </p:spPr>
@@ -5679,7 +9461,7 @@
         </p:blipFill>
         <p:spPr>
           <a:xfrm>
-            <a:off x="3687499" y="1699673"/>
+            <a:off x="4538399" y="1782223"/>
             <a:ext cx="2613549" cy="2281261"/>
           </a:xfrm>
           <a:prstGeom prst="rect">
@@ -5701,7 +9483,7 @@
         </p:nvSpPr>
         <p:spPr>
           <a:xfrm>
-            <a:off x="1403350" y="4350266"/>
+            <a:off x="2254250" y="4432816"/>
             <a:ext cx="7181850" cy="369332"/>
           </a:xfrm>
           <a:prstGeom prst="rect">
@@ -5741,7 +9523,7 @@
         </p:nvSpPr>
         <p:spPr>
           <a:xfrm>
-            <a:off x="1403350" y="4719598"/>
+            <a:off x="2254250" y="4802148"/>
             <a:ext cx="7181850" cy="369332"/>
           </a:xfrm>
           <a:prstGeom prst="rect">
@@ -5782,7 +9564,7 @@
         <p:spPr>
           <a:xfrm>
             <a:off x="0" y="6488668"/>
-            <a:ext cx="2006600" cy="369332"/>
+            <a:ext cx="2374900" cy="369332"/>
           </a:xfrm>
           <a:prstGeom prst="rect">
             <a:avLst/>
@@ -5797,7 +9579,7 @@
           <a:p>
             <a:r>
               <a:rPr lang="en-US" dirty="0"/>
-              <a:t>Update 2038/9/15</a:t>
+              <a:t>Updated on 2038/9/20</a:t>
             </a:r>
           </a:p>
         </p:txBody>
@@ -5816,7 +9598,7 @@
         </p:nvSpPr>
         <p:spPr>
           <a:xfrm rot="10800000">
-            <a:off x="11730335" y="-1727200"/>
+            <a:off x="11812885" y="0"/>
             <a:ext cx="461665" cy="4108450"/>
           </a:xfrm>
           <a:prstGeom prst="rect">
@@ -5830,15 +9612,34 @@
           </a:bodyPr>
           <a:lstStyle/>
           <a:p>
-            <a:r>
-              <a:rPr lang="en-US" dirty="0"/>
+            <a:pPr algn="r"/>
+            <a:r>
+              <a:rPr lang="en-US" dirty="0">
+                <a:solidFill>
+                  <a:schemeClr val="bg1">
+                    <a:lumMod val="65000"/>
+                  </a:schemeClr>
+                </a:solidFill>
+              </a:rPr>
               <a:t>15181221549_C9/</a:t>
             </a:r>
             <a:r>
-              <a:rPr lang="en-US" baseline="-25000" dirty="0"/>
+              <a:rPr lang="en-US" baseline="-25000" dirty="0">
+                <a:solidFill>
+                  <a:schemeClr val="bg1">
+                    <a:lumMod val="65000"/>
+                  </a:schemeClr>
+                </a:solidFill>
+              </a:rPr>
               <a:t>01.687</a:t>
             </a:r>
-            <a:endParaRPr lang="en-US" dirty="0"/>
+            <a:endParaRPr lang="en-US" dirty="0">
+              <a:solidFill>
+                <a:schemeClr val="bg1">
+                  <a:lumMod val="65000"/>
+                </a:schemeClr>
+              </a:solidFill>
+            </a:endParaRPr>
           </a:p>
         </p:txBody>
       </p:sp>
@@ -5856,7 +9657,7 @@
         </p:nvSpPr>
         <p:spPr>
           <a:xfrm>
-            <a:off x="1892300" y="5168384"/>
+            <a:off x="2743200" y="5250934"/>
             <a:ext cx="5071377" cy="646331"/>
           </a:xfrm>
           <a:prstGeom prst="rect">
@@ -5926,6 +9727,54 @@
               <a:t>010-6XXXXXXX</a:t>
             </a:r>
             <a:endParaRPr lang="en-US" dirty="0"/>
+          </a:p>
+        </p:txBody>
+      </p:sp>
+      <p:sp>
+        <p:nvSpPr>
+          <p:cNvPr id="4" name="矩形 3">
+            <a:extLst>
+              <a:ext uri="{FF2B5EF4-FFF2-40B4-BE49-F238E27FC236}">
+                <a16:creationId xmlns:a16="http://schemas.microsoft.com/office/drawing/2014/main" id="{281738F7-841A-49A6-9EF0-1468643A5294}"/>
+              </a:ext>
+            </a:extLst>
+          </p:cNvPr>
+          <p:cNvSpPr/>
+          <p:nvPr/>
+        </p:nvSpPr>
+        <p:spPr>
+          <a:xfrm>
+            <a:off x="7052577" y="6630570"/>
+            <a:ext cx="4281941" cy="230832"/>
+          </a:xfrm>
+          <a:prstGeom prst="rect">
+            <a:avLst/>
+          </a:prstGeom>
+        </p:spPr>
+        <p:txBody>
+          <a:bodyPr wrap="none">
+            <a:spAutoFit/>
+          </a:bodyPr>
+          <a:lstStyle/>
+          <a:p>
+            <a:pPr algn="r"/>
+            <a:r>
+              <a:rPr lang="zh-CN" altLang="en-US" sz="900" b="1" i="1" dirty="0">
+                <a:solidFill>
+                  <a:schemeClr val="bg1">
+                    <a:lumMod val="75000"/>
+                  </a:schemeClr>
+                </a:solidFill>
+              </a:rPr>
+              <a:t>*注：安奇钛科（北京）有限公司为架空公司，为叙事服务，如有雷同，纯属巧合</a:t>
+            </a:r>
+            <a:endParaRPr lang="en-US" sz="900" b="1" i="1" dirty="0">
+              <a:solidFill>
+                <a:schemeClr val="bg1">
+                  <a:lumMod val="75000"/>
+                </a:schemeClr>
+              </a:solidFill>
+            </a:endParaRPr>
           </a:p>
         </p:txBody>
       </p:sp>
@@ -6059,7 +9908,7 @@
             </a:r>
             <a:r>
               <a:rPr lang="zh-CN" altLang="en-US" dirty="0"/>
-              <a:t>上的面向手提式工业版本。</a:t>
+              <a:t>上的，面向手提式工业版本。</a:t>
             </a:r>
             <a:endParaRPr lang="en-US" dirty="0"/>
           </a:p>
@@ -6804,7 +10653,7 @@
                   </a:schemeClr>
                 </a:solidFill>
               </a:rPr>
-              <a:t>您所操作服务器阵列所在地的实时监控窗口</a:t>
+              <a:t>您所操作设备模组阵列所在地的实时监控窗口</a:t>
             </a:r>
             <a:endParaRPr lang="en-US" altLang="zh-CN" dirty="0">
               <a:solidFill>
@@ -6938,7 +10787,7 @@
                   </a:schemeClr>
                 </a:solidFill>
               </a:rPr>
-              <a:t>根据您所在公司不同，本终端已经接入远程服务器模组购入渠道</a:t>
+              <a:t>根据您所在公司不同，本终端已经接入远程设备模组购入渠道</a:t>
             </a:r>
             <a:endParaRPr lang="en-US" dirty="0">
               <a:solidFill>
@@ -7503,8 +11352,8 @@
         </p:nvSpPr>
         <p:spPr>
           <a:xfrm>
-            <a:off x="7709585" y="6550223"/>
-            <a:ext cx="3565914" cy="307777"/>
+            <a:off x="7874685" y="6581001"/>
+            <a:ext cx="3565914" cy="276999"/>
           </a:xfrm>
           <a:prstGeom prst="rect">
             <a:avLst/>
@@ -7518,11 +11367,17 @@
           <a:lstStyle/>
           <a:p>
             <a:r>
-              <a:rPr lang="zh-CN" altLang="en-US" sz="1400" i="1" dirty="0"/>
-              <a:t>*</a:t>
-            </a:r>
-            <a:r>
-              <a:rPr lang="zh-CN" altLang="en-US" sz="1400" b="1" i="1" dirty="0">
+              <a:rPr lang="zh-CN" altLang="en-US" sz="1200" b="1" i="1" spc="10" dirty="0">
+                <a:solidFill>
+                  <a:prstClr val="white">
+                    <a:lumMod val="50000"/>
+                  </a:prstClr>
+                </a:solidFill>
+              </a:rPr>
+              <a:t>*注，</a:t>
+            </a:r>
+            <a:r>
+              <a:rPr lang="zh-CN" altLang="en-US" sz="1200" b="1" i="1" spc="10" dirty="0">
                 <a:solidFill>
                   <a:srgbClr val="FF0000"/>
                 </a:solidFill>
@@ -7530,22 +11385,52 @@
               <a:t>红色</a:t>
             </a:r>
             <a:r>
-              <a:rPr lang="zh-CN" altLang="en-US" sz="1400" i="1" dirty="0"/>
+              <a:rPr lang="zh-CN" altLang="en-US" sz="1200" b="1" i="1" spc="10" dirty="0">
+                <a:solidFill>
+                  <a:prstClr val="white">
+                    <a:lumMod val="50000"/>
+                  </a:prstClr>
+                </a:solidFill>
+              </a:rPr>
               <a:t>框请参考后文的</a:t>
             </a:r>
             <a:r>
-              <a:rPr lang="en-US" altLang="zh-CN" sz="1400" i="1" dirty="0"/>
+              <a:rPr lang="en-US" altLang="zh-CN" sz="1200" b="1" i="1" spc="10" dirty="0">
+                <a:solidFill>
+                  <a:prstClr val="white">
+                    <a:lumMod val="50000"/>
+                  </a:prstClr>
+                </a:solidFill>
+              </a:rPr>
               <a:t>【</a:t>
             </a:r>
             <a:r>
-              <a:rPr lang="zh-CN" altLang="en-US" sz="1400" i="1" dirty="0"/>
+              <a:rPr lang="zh-CN" altLang="en-US" sz="1200" b="1" i="1" spc="10" dirty="0">
+                <a:solidFill>
+                  <a:prstClr val="white">
+                    <a:lumMod val="50000"/>
+                  </a:prstClr>
+                </a:solidFill>
+              </a:rPr>
               <a:t>灾害模拟系统说明</a:t>
             </a:r>
             <a:r>
-              <a:rPr lang="en-US" altLang="zh-CN" sz="1400" i="1" dirty="0"/>
+              <a:rPr lang="en-US" altLang="zh-CN" sz="1200" b="1" i="1" spc="10" dirty="0">
+                <a:solidFill>
+                  <a:prstClr val="white">
+                    <a:lumMod val="50000"/>
+                  </a:prstClr>
+                </a:solidFill>
+              </a:rPr>
               <a:t>】</a:t>
             </a:r>
-            <a:endParaRPr lang="en-US" sz="1400" i="1" dirty="0"/>
+            <a:endParaRPr lang="en-US" sz="1200" b="1" i="1" spc="10" dirty="0">
+              <a:solidFill>
+                <a:prstClr val="white">
+                  <a:lumMod val="50000"/>
+                </a:prstClr>
+              </a:solidFill>
+            </a:endParaRPr>
           </a:p>
         </p:txBody>
       </p:sp>
@@ -7632,7 +11517,12 @@
             <p:ph idx="1"/>
           </p:nvPr>
         </p:nvSpPr>
-        <p:spPr/>
+        <p:spPr>
+          <a:xfrm>
+            <a:off x="1350772" y="1965109"/>
+            <a:ext cx="8595360" cy="4351337"/>
+          </a:xfrm>
+        </p:spPr>
         <p:txBody>
           <a:bodyPr/>
           <a:lstStyle/>
@@ -7681,6 +11571,9 @@
             <a:endParaRPr lang="en-US" altLang="zh-CN" dirty="0"/>
           </a:p>
           <a:p>
+            <a:endParaRPr lang="en-US" altLang="zh-CN" dirty="0"/>
+          </a:p>
+          <a:p>
             <a:r>
               <a:rPr lang="zh-CN" altLang="en-US" dirty="0"/>
               <a:t>具体来说，使用者在主操作界面每</a:t>
@@ -7725,6 +11618,9 @@
             <a:endParaRPr lang="en-US" altLang="zh-CN" dirty="0"/>
           </a:p>
           <a:p>
+            <a:endParaRPr lang="en-US" altLang="zh-CN" dirty="0"/>
+          </a:p>
+          <a:p>
             <a:r>
               <a:rPr lang="zh-CN" altLang="en-US" dirty="0"/>
               <a:t>系统将会每个周期结算当前</a:t>
@@ -7779,56 +11675,143 @@
           <a:p>
             <a:endParaRPr lang="en-US" dirty="0"/>
           </a:p>
-          <a:p>
-            <a:r>
-              <a:rPr lang="zh-CN" altLang="en-US" dirty="0"/>
+        </p:txBody>
+      </p:sp>
+      <p:sp>
+        <p:nvSpPr>
+          <p:cNvPr id="5" name="矩形 4">
+            <a:extLst>
+              <a:ext uri="{FF2B5EF4-FFF2-40B4-BE49-F238E27FC236}">
+                <a16:creationId xmlns:a16="http://schemas.microsoft.com/office/drawing/2014/main" id="{4D665D01-E0D8-4BC3-ADC8-A09DBF7D36B1}"/>
+              </a:ext>
+            </a:extLst>
+          </p:cNvPr>
+          <p:cNvSpPr/>
+          <p:nvPr/>
+        </p:nvSpPr>
+        <p:spPr>
+          <a:xfrm>
+            <a:off x="7550906" y="6590234"/>
+            <a:ext cx="3783087" cy="267766"/>
+          </a:xfrm>
+          <a:prstGeom prst="rect">
+            <a:avLst/>
+          </a:prstGeom>
+        </p:spPr>
+        <p:txBody>
+          <a:bodyPr wrap="none">
+            <a:spAutoFit/>
+          </a:bodyPr>
+          <a:lstStyle/>
+          <a:p>
+            <a:pPr marL="182880" lvl="0" indent="-182880" defTabSz="914400">
+              <a:lnSpc>
+                <a:spcPct val="95000"/>
+              </a:lnSpc>
+              <a:spcBef>
+                <a:spcPts val="1400"/>
+              </a:spcBef>
+              <a:spcAft>
+                <a:spcPts val="200"/>
+              </a:spcAft>
+              <a:buClr>
+                <a:srgbClr val="3494BA"/>
+              </a:buClr>
+              <a:buSzPct val="80000"/>
+              <a:buFont typeface="Arial" pitchFamily="34" charset="0"/>
+              <a:buChar char="•"/>
+            </a:pPr>
+            <a:r>
+              <a:rPr lang="zh-CN" altLang="en-US" sz="1200" b="1" i="1" spc="10" dirty="0">
+                <a:solidFill>
+                  <a:prstClr val="white">
+                    <a:lumMod val="50000"/>
+                  </a:prstClr>
+                </a:solidFill>
+              </a:rPr>
               <a:t>注：</a:t>
             </a:r>
             <a:r>
-              <a:rPr lang="en-US" altLang="zh-CN" dirty="0"/>
+              <a:rPr lang="en-US" altLang="zh-CN" sz="1200" b="1" i="1" spc="10" dirty="0">
+                <a:solidFill>
+                  <a:prstClr val="white">
+                    <a:lumMod val="50000"/>
+                  </a:prstClr>
+                </a:solidFill>
+              </a:rPr>
               <a:t>【</a:t>
             </a:r>
             <a:r>
-              <a:rPr lang="zh-CN" altLang="en-US" dirty="0"/>
+              <a:rPr lang="zh-CN" altLang="en-US" sz="1200" b="1" i="1" spc="10" dirty="0">
+                <a:solidFill>
+                  <a:prstClr val="white">
+                    <a:lumMod val="50000"/>
+                  </a:prstClr>
+                </a:solidFill>
+              </a:rPr>
               <a:t>旋转模组</a:t>
             </a:r>
             <a:r>
-              <a:rPr lang="en-US" altLang="zh-CN" dirty="0"/>
+              <a:rPr lang="en-US" altLang="zh-CN" sz="1200" b="1" i="1" spc="10" dirty="0">
+                <a:solidFill>
+                  <a:prstClr val="white">
+                    <a:lumMod val="50000"/>
+                  </a:prstClr>
+                </a:solidFill>
+              </a:rPr>
               <a:t>】</a:t>
             </a:r>
             <a:r>
-              <a:rPr lang="zh-CN" altLang="en-US" dirty="0"/>
+              <a:rPr lang="zh-CN" altLang="en-US" sz="1200" b="1" i="1" spc="10" dirty="0">
+                <a:solidFill>
+                  <a:prstClr val="white">
+                    <a:lumMod val="50000"/>
+                  </a:prstClr>
+                </a:solidFill>
+              </a:rPr>
               <a:t>和</a:t>
             </a:r>
             <a:r>
-              <a:rPr lang="en-US" altLang="zh-CN" dirty="0"/>
+              <a:rPr lang="en-US" altLang="zh-CN" sz="1200" b="1" i="1" spc="10" dirty="0">
+                <a:solidFill>
+                  <a:prstClr val="white">
+                    <a:lumMod val="50000"/>
+                  </a:prstClr>
+                </a:solidFill>
+              </a:rPr>
               <a:t>【</a:t>
             </a:r>
             <a:r>
-              <a:rPr lang="zh-CN" altLang="en-US" dirty="0"/>
+              <a:rPr lang="zh-CN" altLang="en-US" sz="1200" b="1" i="1" spc="10" dirty="0">
+                <a:solidFill>
+                  <a:prstClr val="white">
+                    <a:lumMod val="50000"/>
+                  </a:prstClr>
+                </a:solidFill>
+              </a:rPr>
               <a:t>仅移动空游标</a:t>
             </a:r>
             <a:r>
-              <a:rPr lang="en-US" altLang="zh-CN" dirty="0"/>
+              <a:rPr lang="en-US" altLang="zh-CN" sz="1200" b="1" i="1" spc="10" dirty="0">
+                <a:solidFill>
+                  <a:prstClr val="white">
+                    <a:lumMod val="50000"/>
+                  </a:prstClr>
+                </a:solidFill>
+              </a:rPr>
               <a:t>】</a:t>
             </a:r>
             <a:r>
-              <a:rPr lang="zh-CN" altLang="en-US" b="1" dirty="0">
-                <a:solidFill>
-                  <a:schemeClr val="tx1">
-                    <a:lumMod val="95000"/>
-                    <a:lumOff val="5000"/>
-                  </a:schemeClr>
+              <a:rPr lang="zh-CN" altLang="en-US" sz="1200" b="1" i="1" spc="10" dirty="0">
+                <a:solidFill>
+                  <a:srgbClr val="FF0000"/>
                 </a:solidFill>
               </a:rPr>
               <a:t>不计算周期</a:t>
             </a:r>
-            <a:endParaRPr lang="en-US" b="1" dirty="0">
+            <a:endParaRPr lang="en-US" sz="1200" b="1" i="1" spc="10" dirty="0">
               <a:solidFill>
-                <a:schemeClr val="tx1">
-                  <a:lumMod val="95000"/>
-                  <a:lumOff val="5000"/>
-                </a:schemeClr>
+                <a:srgbClr val="FF0000"/>
               </a:solidFill>
             </a:endParaRPr>
           </a:p>
@@ -7942,7 +11925,7 @@
         </p:nvSpPr>
         <p:spPr>
           <a:xfrm>
-            <a:off x="6463970" y="1948642"/>
+            <a:off x="6391818" y="2197014"/>
             <a:ext cx="3915350" cy="2031325"/>
           </a:xfrm>
           <a:prstGeom prst="rect">
@@ -7957,7 +11940,14 @@
           <a:lstStyle/>
           <a:p>
             <a:r>
-              <a:rPr lang="zh-CN" altLang="en-US" dirty="0"/>
+              <a:rPr lang="zh-CN" altLang="en-US" dirty="0">
+                <a:solidFill>
+                  <a:schemeClr val="tx1">
+                    <a:lumMod val="65000"/>
+                    <a:lumOff val="35000"/>
+                  </a:schemeClr>
+                </a:solidFill>
+              </a:rPr>
               <a:t>第一行数据：当前主面板中的布局可以在当前周期赚取（或损失）的</a:t>
             </a:r>
             <a:r>
@@ -7979,7 +11969,14 @@
           </a:p>
           <a:p>
             <a:r>
-              <a:rPr lang="zh-CN" altLang="en-US" dirty="0"/>
+              <a:rPr lang="zh-CN" altLang="en-US" dirty="0">
+                <a:solidFill>
+                  <a:schemeClr val="tx1">
+                    <a:lumMod val="65000"/>
+                    <a:lumOff val="35000"/>
+                  </a:schemeClr>
+                </a:solidFill>
+              </a:rPr>
               <a:t>第二行数据：当前拥有的</a:t>
             </a:r>
             <a:r>
@@ -8001,22 +11998,57 @@
           </a:p>
           <a:p>
             <a:r>
-              <a:rPr lang="zh-CN" altLang="en-US" dirty="0"/>
+              <a:rPr lang="zh-CN" altLang="en-US" dirty="0">
+                <a:solidFill>
+                  <a:schemeClr val="tx1">
+                    <a:lumMod val="65000"/>
+                    <a:lumOff val="35000"/>
+                  </a:schemeClr>
+                </a:solidFill>
+              </a:rPr>
               <a:t>第三行数据：整个模拟中全部拥有的</a:t>
             </a:r>
             <a:r>
-              <a:rPr lang="zh-CN" altLang="en-US" b="1" dirty="0"/>
+              <a:rPr lang="zh-CN" altLang="en-US" b="1" dirty="0">
+                <a:solidFill>
+                  <a:schemeClr val="tx1">
+                    <a:lumMod val="95000"/>
+                    <a:lumOff val="5000"/>
+                  </a:schemeClr>
+                </a:solidFill>
+              </a:rPr>
               <a:t>周期数</a:t>
             </a:r>
             <a:r>
-              <a:rPr lang="zh-CN" altLang="en-US" dirty="0"/>
+              <a:rPr lang="zh-CN" altLang="en-US" dirty="0">
+                <a:solidFill>
+                  <a:schemeClr val="tx1">
+                    <a:lumMod val="65000"/>
+                    <a:lumOff val="35000"/>
+                  </a:schemeClr>
+                </a:solidFill>
+              </a:rPr>
               <a:t>和</a:t>
             </a:r>
             <a:r>
-              <a:rPr lang="zh-CN" altLang="en-US" b="1" dirty="0"/>
+              <a:rPr lang="zh-CN" altLang="en-US" b="1" dirty="0">
+                <a:solidFill>
+                  <a:schemeClr val="tx1">
+                    <a:lumMod val="95000"/>
+                    <a:lumOff val="5000"/>
+                  </a:schemeClr>
+                </a:solidFill>
+              </a:rPr>
               <a:t>剩余周期数</a:t>
             </a:r>
-            <a:endParaRPr lang="en-US" b="1" dirty="0"/>
+            <a:endParaRPr lang="en-US" b="1" dirty="0">
+              <a:solidFill>
+                <a:schemeClr val="tx1">
+                  <a:lumMod val="95000"/>
+                  <a:lumOff val="5000"/>
+                </a:schemeClr>
+              </a:solidFill>
+            </a:endParaRPr>
           </a:p>
         </p:txBody>
       </p:sp>
@@ -8034,8 +12066,8 @@
         </p:nvSpPr>
         <p:spPr>
           <a:xfrm>
-            <a:off x="6463970" y="4258912"/>
-            <a:ext cx="4370961" cy="1138773"/>
+            <a:off x="6391818" y="4507284"/>
+            <a:ext cx="4370961" cy="923330"/>
           </a:xfrm>
           <a:prstGeom prst="rect">
             <a:avLst/>
@@ -8049,24 +12081,59 @@
           <a:lstStyle/>
           <a:p>
             <a:r>
-              <a:rPr lang="zh-CN" altLang="en-US" i="1" dirty="0"/>
+              <a:rPr lang="zh-CN" altLang="en-US" i="1" dirty="0">
+                <a:solidFill>
+                  <a:schemeClr val="tx1">
+                    <a:lumMod val="65000"/>
+                    <a:lumOff val="35000"/>
+                  </a:schemeClr>
+                </a:solidFill>
+              </a:rPr>
               <a:t>每一个周期，都会通过第一行所计算出来的当前周期利润更新您当前的金钱。</a:t>
             </a:r>
-            <a:endParaRPr lang="en-US" altLang="zh-CN" i="1" dirty="0"/>
           </a:p>
           <a:p>
             <a:endParaRPr lang="en-US" dirty="0"/>
           </a:p>
-          <a:p>
-            <a:r>
-              <a:rPr lang="zh-CN" altLang="en-US" sz="1200" b="1" dirty="0">
+        </p:txBody>
+      </p:sp>
+      <p:sp>
+        <p:nvSpPr>
+          <p:cNvPr id="7" name="矩形 6">
+            <a:extLst>
+              <a:ext uri="{FF2B5EF4-FFF2-40B4-BE49-F238E27FC236}">
+                <a16:creationId xmlns:a16="http://schemas.microsoft.com/office/drawing/2014/main" id="{0B9E0352-67F0-47DD-9759-CB8D2072A199}"/>
+              </a:ext>
+            </a:extLst>
+          </p:cNvPr>
+          <p:cNvSpPr/>
+          <p:nvPr/>
+        </p:nvSpPr>
+        <p:spPr>
+          <a:xfrm>
+            <a:off x="7359983" y="6578958"/>
+            <a:ext cx="3954929" cy="276999"/>
+          </a:xfrm>
+          <a:prstGeom prst="rect">
+            <a:avLst/>
+          </a:prstGeom>
+        </p:spPr>
+        <p:txBody>
+          <a:bodyPr wrap="none">
+            <a:spAutoFit/>
+          </a:bodyPr>
+          <a:lstStyle/>
+          <a:p>
+            <a:pPr lvl="0" algn="r"/>
+            <a:r>
+              <a:rPr lang="zh-CN" altLang="en-US" sz="1200" b="1" i="1" dirty="0">
                 <a:solidFill>
                   <a:srgbClr val="FF0000"/>
                 </a:solidFill>
               </a:rPr>
-              <a:t>*注，金钱降到零以下或者时间归零，游戏均结束</a:t>
-            </a:r>
-            <a:endParaRPr lang="en-US" sz="1200" b="1" dirty="0">
+              <a:t>*注，金钱降到零以下或者时间归零，模拟均会强制结束</a:t>
+            </a:r>
+            <a:endParaRPr lang="en-US" sz="1200" b="1" i="1" dirty="0">
               <a:solidFill>
                 <a:srgbClr val="FF0000"/>
               </a:solidFill>
@@ -8182,8 +12249,8 @@
         </p:nvSpPr>
         <p:spPr>
           <a:xfrm>
-            <a:off x="5809089" y="2028952"/>
-            <a:ext cx="5040494" cy="3693319"/>
+            <a:off x="6051042" y="6211669"/>
+            <a:ext cx="5262007" cy="646331"/>
           </a:xfrm>
           <a:prstGeom prst="rect">
             <a:avLst/>
@@ -8196,114 +12263,423 @@
           </a:bodyPr>
           <a:lstStyle/>
           <a:p>
-            <a:r>
-              <a:rPr lang="zh-CN" altLang="en-US" dirty="0"/>
-              <a:t>商店中会持续显示四枚现在可以购买的设备模组。花费您已有的金钱就可以进行购买。</a:t>
-            </a:r>
-            <a:endParaRPr lang="en-US" altLang="zh-CN" dirty="0"/>
-          </a:p>
-          <a:p>
-            <a:endParaRPr lang="en-US" altLang="zh-CN" dirty="0"/>
-          </a:p>
-          <a:p>
-            <a:r>
-              <a:rPr lang="zh-CN" altLang="en-US" dirty="0"/>
-              <a:t>随时：</a:t>
-            </a:r>
-            <a:endParaRPr lang="en-US" altLang="zh-CN" dirty="0"/>
-          </a:p>
-          <a:p>
-            <a:r>
-              <a:rPr lang="zh-CN" altLang="en-US" dirty="0"/>
-              <a:t>通过</a:t>
-            </a:r>
-            <a:r>
-              <a:rPr lang="en-US" altLang="zh-CN" dirty="0"/>
+            <a:pPr algn="r"/>
+            <a:r>
+              <a:rPr lang="zh-CN" altLang="en-US" sz="1200" b="1" i="1" dirty="0">
+                <a:solidFill>
+                  <a:schemeClr val="bg1">
+                    <a:lumMod val="50000"/>
+                  </a:schemeClr>
+                </a:solidFill>
+              </a:rPr>
+              <a:t>*注，因为现有相关法律法规规定，设备模组将会</a:t>
+            </a:r>
+            <a:r>
+              <a:rPr lang="en-US" altLang="zh-CN" sz="1200" b="1" i="1" dirty="0">
+                <a:solidFill>
+                  <a:schemeClr val="bg1">
+                    <a:lumMod val="50000"/>
+                  </a:schemeClr>
+                </a:solidFill>
+              </a:rPr>
               <a:t>【</a:t>
             </a:r>
             <a:r>
-              <a:rPr lang="zh-CN" altLang="en-US" dirty="0"/>
+              <a:rPr lang="zh-CN" altLang="en-US" sz="1200" b="1" i="1" dirty="0">
+                <a:solidFill>
+                  <a:schemeClr val="bg1">
+                    <a:lumMod val="50000"/>
+                  </a:schemeClr>
+                </a:solidFill>
+              </a:rPr>
+              <a:t>随机</a:t>
+            </a:r>
+            <a:r>
+              <a:rPr lang="en-US" altLang="zh-CN" sz="1200" b="1" i="1" dirty="0">
+                <a:solidFill>
+                  <a:schemeClr val="bg1">
+                    <a:lumMod val="50000"/>
+                  </a:schemeClr>
+                </a:solidFill>
+              </a:rPr>
+              <a:t>】</a:t>
+            </a:r>
+            <a:r>
+              <a:rPr lang="zh-CN" altLang="en-US" sz="1200" b="1" i="1" dirty="0">
+                <a:solidFill>
+                  <a:schemeClr val="bg1">
+                    <a:lumMod val="50000"/>
+                  </a:schemeClr>
+                </a:solidFill>
+              </a:rPr>
+              <a:t>部署至您的场地</a:t>
+            </a:r>
+            <a:endParaRPr lang="en-US" altLang="zh-CN" sz="1200" b="1" i="1" dirty="0">
+              <a:solidFill>
+                <a:schemeClr val="bg1">
+                  <a:lumMod val="50000"/>
+                </a:schemeClr>
+              </a:solidFill>
+            </a:endParaRPr>
+          </a:p>
+          <a:p>
+            <a:pPr algn="r"/>
+            <a:r>
+              <a:rPr lang="zh-CN" altLang="en-US" sz="1200" b="1" i="1" dirty="0">
+                <a:solidFill>
+                  <a:schemeClr val="bg1">
+                    <a:lumMod val="50000"/>
+                  </a:schemeClr>
+                </a:solidFill>
+              </a:rPr>
+              <a:t>**注</a:t>
+            </a:r>
+            <a:r>
+              <a:rPr lang="en-US" altLang="zh-CN" sz="1200" b="1" i="1" dirty="0">
+                <a:solidFill>
+                  <a:schemeClr val="bg1">
+                    <a:lumMod val="50000"/>
+                  </a:schemeClr>
+                </a:solidFill>
+              </a:rPr>
+              <a:t>2</a:t>
+            </a:r>
+            <a:r>
+              <a:rPr lang="zh-CN" altLang="en-US" sz="1200" b="1" i="1" dirty="0">
+                <a:solidFill>
+                  <a:schemeClr val="bg1">
+                    <a:lumMod val="50000"/>
+                  </a:schemeClr>
+                </a:solidFill>
+              </a:rPr>
+              <a:t>，一个周期内，您只能购买其中一个模组</a:t>
+            </a:r>
+            <a:endParaRPr lang="en-US" altLang="zh-CN" sz="1200" b="1" i="1" dirty="0">
+              <a:solidFill>
+                <a:schemeClr val="bg1">
+                  <a:lumMod val="50000"/>
+                </a:schemeClr>
+              </a:solidFill>
+            </a:endParaRPr>
+          </a:p>
+          <a:p>
+            <a:pPr algn="r"/>
+            <a:r>
+              <a:rPr lang="zh-CN" altLang="en-US" sz="1200" b="1" i="1" dirty="0">
+                <a:solidFill>
+                  <a:schemeClr val="bg1">
+                    <a:lumMod val="50000"/>
+                  </a:schemeClr>
+                </a:solidFill>
+              </a:rPr>
+              <a:t>***注</a:t>
+            </a:r>
+            <a:r>
+              <a:rPr lang="en-US" altLang="zh-CN" sz="1200" b="1" i="1" dirty="0">
+                <a:solidFill>
+                  <a:schemeClr val="bg1">
+                    <a:lumMod val="50000"/>
+                  </a:schemeClr>
+                </a:solidFill>
+              </a:rPr>
+              <a:t>3</a:t>
+            </a:r>
+            <a:r>
+              <a:rPr lang="zh-CN" altLang="en-US" sz="1200" b="1" i="1" dirty="0">
+                <a:solidFill>
+                  <a:schemeClr val="bg1">
+                    <a:lumMod val="50000"/>
+                  </a:schemeClr>
+                </a:solidFill>
+              </a:rPr>
+              <a:t>，购买权和商店内容，每周期更新</a:t>
+            </a:r>
+            <a:endParaRPr lang="en-US" sz="1200" b="1" i="1" dirty="0">
+              <a:solidFill>
+                <a:schemeClr val="bg1">
+                  <a:lumMod val="50000"/>
+                </a:schemeClr>
+              </a:solidFill>
+            </a:endParaRPr>
+          </a:p>
+        </p:txBody>
+      </p:sp>
+      <p:sp>
+        <p:nvSpPr>
+          <p:cNvPr id="3" name="矩形 2">
+            <a:extLst>
+              <a:ext uri="{FF2B5EF4-FFF2-40B4-BE49-F238E27FC236}">
+                <a16:creationId xmlns:a16="http://schemas.microsoft.com/office/drawing/2014/main" id="{57DDCB71-2272-459D-99C1-3449F2A6E96B}"/>
+              </a:ext>
+            </a:extLst>
+          </p:cNvPr>
+          <p:cNvSpPr/>
+          <p:nvPr/>
+        </p:nvSpPr>
+        <p:spPr>
+          <a:xfrm>
+            <a:off x="5554754" y="2263882"/>
+            <a:ext cx="5040494" cy="646331"/>
+          </a:xfrm>
+          <a:prstGeom prst="rect">
+            <a:avLst/>
+          </a:prstGeom>
+        </p:spPr>
+        <p:txBody>
+          <a:bodyPr wrap="square">
+            <a:spAutoFit/>
+          </a:bodyPr>
+          <a:lstStyle/>
+          <a:p>
+            <a:r>
+              <a:rPr lang="zh-CN" altLang="en-US" dirty="0">
+                <a:solidFill>
+                  <a:schemeClr val="tx1">
+                    <a:lumMod val="65000"/>
+                    <a:lumOff val="35000"/>
+                  </a:schemeClr>
+                </a:solidFill>
+              </a:rPr>
+              <a:t>通过右下角的</a:t>
+            </a:r>
+            <a:r>
+              <a:rPr lang="zh-CN" altLang="en-US" dirty="0">
+                <a:solidFill>
+                  <a:schemeClr val="tx1">
+                    <a:lumMod val="95000"/>
+                    <a:lumOff val="5000"/>
+                  </a:schemeClr>
+                </a:solidFill>
+              </a:rPr>
+              <a:t>商店界面</a:t>
+            </a:r>
+            <a:r>
+              <a:rPr lang="zh-CN" altLang="en-US" dirty="0">
+                <a:solidFill>
+                  <a:schemeClr val="tx1">
+                    <a:lumMod val="65000"/>
+                    <a:lumOff val="35000"/>
+                  </a:schemeClr>
+                </a:solidFill>
+              </a:rPr>
+              <a:t>，您可以即时购买模组，我们会</a:t>
+            </a:r>
+            <a:r>
+              <a:rPr lang="zh-CN" altLang="en-US" dirty="0">
+                <a:solidFill>
+                  <a:schemeClr val="tx1">
+                    <a:lumMod val="95000"/>
+                    <a:lumOff val="5000"/>
+                  </a:schemeClr>
+                </a:solidFill>
+              </a:rPr>
+              <a:t>立刻</a:t>
+            </a:r>
+            <a:r>
+              <a:rPr lang="zh-CN" altLang="en-US" dirty="0">
+                <a:solidFill>
+                  <a:schemeClr val="tx1">
+                    <a:lumMod val="65000"/>
+                    <a:lumOff val="35000"/>
+                  </a:schemeClr>
+                </a:solidFill>
+              </a:rPr>
+              <a:t>送至您现有的设备模组集群。</a:t>
+            </a:r>
+            <a:endParaRPr lang="en-US" altLang="zh-CN" dirty="0">
+              <a:solidFill>
+                <a:schemeClr val="tx1">
+                  <a:lumMod val="65000"/>
+                  <a:lumOff val="35000"/>
+                </a:schemeClr>
+              </a:solidFill>
+            </a:endParaRPr>
+          </a:p>
+        </p:txBody>
+      </p:sp>
+      <p:sp>
+        <p:nvSpPr>
+          <p:cNvPr id="6" name="矩形 5">
+            <a:extLst>
+              <a:ext uri="{FF2B5EF4-FFF2-40B4-BE49-F238E27FC236}">
+                <a16:creationId xmlns:a16="http://schemas.microsoft.com/office/drawing/2014/main" id="{ED0595A4-C1A5-4605-B888-A1D828184EF7}"/>
+              </a:ext>
+            </a:extLst>
+          </p:cNvPr>
+          <p:cNvSpPr/>
+          <p:nvPr/>
+        </p:nvSpPr>
+        <p:spPr>
+          <a:xfrm>
+            <a:off x="5554755" y="4992777"/>
+            <a:ext cx="5040492" cy="646331"/>
+          </a:xfrm>
+          <a:prstGeom prst="rect">
+            <a:avLst/>
+          </a:prstGeom>
+        </p:spPr>
+        <p:txBody>
+          <a:bodyPr wrap="square">
+            <a:spAutoFit/>
+          </a:bodyPr>
+          <a:lstStyle/>
+          <a:p>
+            <a:r>
+              <a:rPr lang="zh-CN" altLang="en-US" dirty="0">
+                <a:solidFill>
+                  <a:schemeClr val="tx1">
+                    <a:lumMod val="65000"/>
+                    <a:lumOff val="35000"/>
+                  </a:schemeClr>
+                </a:solidFill>
+              </a:rPr>
+              <a:t>随时：通过</a:t>
+            </a:r>
+            <a:r>
+              <a:rPr lang="en-US" altLang="zh-CN" dirty="0">
+                <a:solidFill>
+                  <a:schemeClr val="tx1">
+                    <a:lumMod val="95000"/>
+                    <a:lumOff val="5000"/>
+                  </a:schemeClr>
+                </a:solidFill>
+              </a:rPr>
+              <a:t>【</a:t>
+            </a:r>
+            <a:r>
+              <a:rPr lang="zh-CN" altLang="en-US" dirty="0">
+                <a:solidFill>
+                  <a:schemeClr val="tx1">
+                    <a:lumMod val="95000"/>
+                    <a:lumOff val="5000"/>
+                  </a:schemeClr>
+                </a:solidFill>
+              </a:rPr>
               <a:t>按住</a:t>
             </a:r>
             <a:r>
-              <a:rPr lang="en-US" altLang="zh-CN" dirty="0"/>
+              <a:rPr lang="en-US" altLang="zh-CN" dirty="0">
+                <a:solidFill>
+                  <a:schemeClr val="tx1">
+                    <a:lumMod val="95000"/>
+                    <a:lumOff val="5000"/>
+                  </a:schemeClr>
+                </a:solidFill>
+              </a:rPr>
               <a:t>Y</a:t>
             </a:r>
             <a:r>
-              <a:rPr lang="zh-CN" altLang="en-US" dirty="0"/>
+              <a:rPr lang="zh-CN" altLang="en-US" dirty="0">
+                <a:solidFill>
+                  <a:schemeClr val="tx1">
+                    <a:lumMod val="95000"/>
+                    <a:lumOff val="5000"/>
+                  </a:schemeClr>
+                </a:solidFill>
+              </a:rPr>
               <a:t>键和方向键</a:t>
             </a:r>
             <a:r>
-              <a:rPr lang="en-US" altLang="zh-CN" dirty="0"/>
+              <a:rPr lang="en-US" altLang="zh-CN" dirty="0">
+                <a:solidFill>
+                  <a:schemeClr val="tx1">
+                    <a:lumMod val="95000"/>
+                    <a:lumOff val="5000"/>
+                  </a:schemeClr>
+                </a:solidFill>
+              </a:rPr>
               <a:t>】</a:t>
             </a:r>
             <a:r>
-              <a:rPr lang="zh-CN" altLang="en-US" dirty="0"/>
-              <a:t>购买对应箭头和方向键的设备模组。</a:t>
-            </a:r>
-            <a:endParaRPr lang="en-US" altLang="zh-CN" dirty="0"/>
-          </a:p>
-          <a:p>
-            <a:endParaRPr lang="en-US" dirty="0"/>
-          </a:p>
-          <a:p>
-            <a:r>
-              <a:rPr lang="zh-CN" altLang="en-US" dirty="0"/>
-              <a:t>*注，因为现有相关法律法规规定，设备模组将会</a:t>
-            </a:r>
-            <a:r>
-              <a:rPr lang="en-US" altLang="zh-CN" dirty="0"/>
-              <a:t>【</a:t>
-            </a:r>
-            <a:r>
-              <a:rPr lang="zh-CN" altLang="en-US" dirty="0"/>
-              <a:t>随机</a:t>
-            </a:r>
-            <a:r>
-              <a:rPr lang="en-US" altLang="zh-CN" dirty="0"/>
-              <a:t>】</a:t>
-            </a:r>
-            <a:r>
-              <a:rPr lang="zh-CN" altLang="en-US" dirty="0"/>
-              <a:t>部署至您的场地。</a:t>
-            </a:r>
-            <a:endParaRPr lang="en-US" altLang="zh-CN" dirty="0"/>
-          </a:p>
-          <a:p>
-            <a:endParaRPr lang="en-US" dirty="0"/>
-          </a:p>
-          <a:p>
-            <a:r>
-              <a:rPr lang="zh-CN" altLang="en-US" dirty="0"/>
-              <a:t>**注</a:t>
-            </a:r>
-            <a:r>
-              <a:rPr lang="en-US" altLang="zh-CN" dirty="0"/>
-              <a:t>2</a:t>
-            </a:r>
-            <a:r>
-              <a:rPr lang="zh-CN" altLang="en-US" dirty="0"/>
-              <a:t>，一个周期内，您只能购买其中一个模组。</a:t>
-            </a:r>
-            <a:endParaRPr lang="en-US" altLang="zh-CN" dirty="0"/>
-          </a:p>
-          <a:p>
-            <a:endParaRPr lang="en-US" dirty="0"/>
-          </a:p>
-          <a:p>
-            <a:r>
-              <a:rPr lang="zh-CN" altLang="en-US" dirty="0"/>
-              <a:t>**注</a:t>
-            </a:r>
-            <a:r>
-              <a:rPr lang="en-US" altLang="zh-CN" dirty="0"/>
-              <a:t>3</a:t>
-            </a:r>
-            <a:r>
-              <a:rPr lang="zh-CN" altLang="en-US" dirty="0"/>
-              <a:t>，购买权和商店内容，每周期更新。</a:t>
-            </a:r>
-            <a:endParaRPr lang="en-US" dirty="0"/>
+              <a:rPr lang="zh-CN" altLang="en-US" dirty="0">
+                <a:solidFill>
+                  <a:schemeClr val="tx1">
+                    <a:lumMod val="65000"/>
+                    <a:lumOff val="35000"/>
+                  </a:schemeClr>
+                </a:solidFill>
+              </a:rPr>
+              <a:t>购买箭头和方向键对应的设备模组。</a:t>
+            </a:r>
+            <a:endParaRPr lang="en-US" altLang="zh-CN" dirty="0">
+              <a:solidFill>
+                <a:schemeClr val="tx1">
+                  <a:lumMod val="65000"/>
+                  <a:lumOff val="35000"/>
+                </a:schemeClr>
+              </a:solidFill>
+            </a:endParaRPr>
+          </a:p>
+        </p:txBody>
+      </p:sp>
+      <p:sp>
+        <p:nvSpPr>
+          <p:cNvPr id="8" name="矩形 7">
+            <a:extLst>
+              <a:ext uri="{FF2B5EF4-FFF2-40B4-BE49-F238E27FC236}">
+                <a16:creationId xmlns:a16="http://schemas.microsoft.com/office/drawing/2014/main" id="{4CB00A8D-3A8E-4BE5-9B0B-C60E95BC62DF}"/>
+              </a:ext>
+            </a:extLst>
+          </p:cNvPr>
+          <p:cNvSpPr/>
+          <p:nvPr/>
+        </p:nvSpPr>
+        <p:spPr>
+          <a:xfrm>
+            <a:off x="5554754" y="3628329"/>
+            <a:ext cx="5040493" cy="646331"/>
+          </a:xfrm>
+          <a:prstGeom prst="rect">
+            <a:avLst/>
+          </a:prstGeom>
+        </p:spPr>
+        <p:txBody>
+          <a:bodyPr wrap="square">
+            <a:spAutoFit/>
+          </a:bodyPr>
+          <a:lstStyle/>
+          <a:p>
+            <a:r>
+              <a:rPr lang="zh-CN" altLang="en-US" dirty="0">
+                <a:solidFill>
+                  <a:schemeClr val="tx1">
+                    <a:lumMod val="65000"/>
+                    <a:lumOff val="35000"/>
+                  </a:schemeClr>
+                </a:solidFill>
+              </a:rPr>
+              <a:t>商店中会持续显示</a:t>
+            </a:r>
+            <a:r>
+              <a:rPr lang="zh-CN" altLang="en-US" dirty="0">
+                <a:solidFill>
+                  <a:schemeClr val="tx1">
+                    <a:lumMod val="95000"/>
+                    <a:lumOff val="5000"/>
+                  </a:schemeClr>
+                </a:solidFill>
+              </a:rPr>
+              <a:t>四枚</a:t>
+            </a:r>
+            <a:r>
+              <a:rPr lang="zh-CN" altLang="en-US" dirty="0">
+                <a:solidFill>
+                  <a:schemeClr val="tx1">
+                    <a:lumMod val="65000"/>
+                    <a:lumOff val="35000"/>
+                  </a:schemeClr>
+                </a:solidFill>
+              </a:rPr>
+              <a:t>现在可以购买的设备模组。花费您已有的金钱就可以进行购买。</a:t>
+            </a:r>
+            <a:endParaRPr lang="en-US" altLang="zh-CN" dirty="0">
+              <a:solidFill>
+                <a:schemeClr val="tx1">
+                  <a:lumMod val="65000"/>
+                  <a:lumOff val="35000"/>
+                </a:schemeClr>
+              </a:solidFill>
+            </a:endParaRPr>
           </a:p>
         </p:txBody>
       </p:sp>

--- a/document/ROOT 操作指南.pptx
+++ b/document/ROOT 操作指南.pptx
@@ -314,7 +314,7 @@
           <a:p>
             <a:fld id="{8119A5BF-3BF2-4B2D-8433-BB00B16C3754}" type="datetimeFigureOut">
               <a:rPr lang="en-US" smtClean="0"/>
-              <a:t>9/19/2019</a:t>
+              <a:t>9/20/2019</a:t>
             </a:fld>
             <a:endParaRPr lang="en-US"/>
           </a:p>
@@ -524,7 +524,7 @@
           <a:p>
             <a:fld id="{8119A5BF-3BF2-4B2D-8433-BB00B16C3754}" type="datetimeFigureOut">
               <a:rPr lang="en-US" smtClean="0"/>
-              <a:t>9/19/2019</a:t>
+              <a:t>9/20/2019</a:t>
             </a:fld>
             <a:endParaRPr lang="en-US"/>
           </a:p>
@@ -704,7 +704,7 @@
           <a:p>
             <a:fld id="{8119A5BF-3BF2-4B2D-8433-BB00B16C3754}" type="datetimeFigureOut">
               <a:rPr lang="en-US" smtClean="0"/>
-              <a:t>9/19/2019</a:t>
+              <a:t>9/20/2019</a:t>
             </a:fld>
             <a:endParaRPr lang="en-US"/>
           </a:p>
@@ -874,7 +874,7 @@
           <a:p>
             <a:fld id="{8119A5BF-3BF2-4B2D-8433-BB00B16C3754}" type="datetimeFigureOut">
               <a:rPr lang="en-US" smtClean="0"/>
-              <a:t>9/19/2019</a:t>
+              <a:t>9/20/2019</a:t>
             </a:fld>
             <a:endParaRPr lang="en-US"/>
           </a:p>
@@ -1128,7 +1128,7 @@
           <a:p>
             <a:fld id="{8119A5BF-3BF2-4B2D-8433-BB00B16C3754}" type="datetimeFigureOut">
               <a:rPr lang="en-US" smtClean="0"/>
-              <a:t>9/19/2019</a:t>
+              <a:t>9/20/2019</a:t>
             </a:fld>
             <a:endParaRPr lang="en-US"/>
           </a:p>
@@ -1454,7 +1454,7 @@
           <a:p>
             <a:fld id="{8119A5BF-3BF2-4B2D-8433-BB00B16C3754}" type="datetimeFigureOut">
               <a:rPr lang="en-US" smtClean="0"/>
-              <a:t>9/19/2019</a:t>
+              <a:t>9/20/2019</a:t>
             </a:fld>
             <a:endParaRPr lang="en-US"/>
           </a:p>
@@ -1905,7 +1905,7 @@
           <a:p>
             <a:fld id="{8119A5BF-3BF2-4B2D-8433-BB00B16C3754}" type="datetimeFigureOut">
               <a:rPr lang="en-US" smtClean="0"/>
-              <a:t>9/19/2019</a:t>
+              <a:t>9/20/2019</a:t>
             </a:fld>
             <a:endParaRPr lang="en-US"/>
           </a:p>
@@ -2023,7 +2023,7 @@
           <a:p>
             <a:fld id="{8119A5BF-3BF2-4B2D-8433-BB00B16C3754}" type="datetimeFigureOut">
               <a:rPr lang="en-US" smtClean="0"/>
-              <a:t>9/19/2019</a:t>
+              <a:t>9/20/2019</a:t>
             </a:fld>
             <a:endParaRPr lang="en-US"/>
           </a:p>
@@ -2118,7 +2118,7 @@
           <a:p>
             <a:fld id="{8119A5BF-3BF2-4B2D-8433-BB00B16C3754}" type="datetimeFigureOut">
               <a:rPr lang="en-US" smtClean="0"/>
-              <a:t>9/19/2019</a:t>
+              <a:t>9/20/2019</a:t>
             </a:fld>
             <a:endParaRPr lang="en-US"/>
           </a:p>
@@ -2405,7 +2405,7 @@
           <a:p>
             <a:fld id="{8119A5BF-3BF2-4B2D-8433-BB00B16C3754}" type="datetimeFigureOut">
               <a:rPr lang="en-US" smtClean="0"/>
-              <a:t>9/19/2019</a:t>
+              <a:t>9/20/2019</a:t>
             </a:fld>
             <a:endParaRPr lang="en-US"/>
           </a:p>
@@ -2723,7 +2723,7 @@
           <a:p>
             <a:fld id="{8119A5BF-3BF2-4B2D-8433-BB00B16C3754}" type="datetimeFigureOut">
               <a:rPr lang="en-US" smtClean="0"/>
-              <a:t>9/19/2019</a:t>
+              <a:t>9/20/2019</a:t>
             </a:fld>
             <a:endParaRPr lang="en-US"/>
           </a:p>
@@ -2975,7 +2975,7 @@
           <a:p>
             <a:fld id="{8119A5BF-3BF2-4B2D-8433-BB00B16C3754}" type="datetimeFigureOut">
               <a:rPr lang="en-US" smtClean="0"/>
-              <a:t>9/19/2019</a:t>
+              <a:t>9/20/2019</a:t>
             </a:fld>
             <a:endParaRPr lang="en-US"/>
           </a:p>

--- a/document/ROOT 操作指南.pptx
+++ b/document/ROOT 操作指南.pptx
@@ -15,11 +15,13 @@
     <p:sldId id="263" r:id="rId9"/>
     <p:sldId id="264" r:id="rId10"/>
     <p:sldId id="266" r:id="rId11"/>
-    <p:sldId id="265" r:id="rId12"/>
-    <p:sldId id="267" r:id="rId13"/>
-    <p:sldId id="268" r:id="rId14"/>
-    <p:sldId id="270" r:id="rId15"/>
-    <p:sldId id="269" r:id="rId16"/>
+    <p:sldId id="272" r:id="rId12"/>
+    <p:sldId id="273" r:id="rId13"/>
+    <p:sldId id="274" r:id="rId14"/>
+    <p:sldId id="267" r:id="rId15"/>
+    <p:sldId id="268" r:id="rId16"/>
+    <p:sldId id="270" r:id="rId17"/>
+    <p:sldId id="269" r:id="rId18"/>
   </p:sldIdLst>
   <p:sldSz cx="12192000" cy="6858000"/>
   <p:notesSz cx="6858000" cy="9144000"/>
@@ -126,134 +128,6 @@
 </p:presentation>
 </file>
 
-<file path=ppt/commentAuthors.xml><?xml version="1.0" encoding="utf-8"?>
-<p:cmAuthorLst xmlns:a="http://schemas.openxmlformats.org/drawingml/2006/main" xmlns:r="http://schemas.openxmlformats.org/officeDocument/2006/relationships" xmlns:p="http://schemas.openxmlformats.org/presentationml/2006/main">
-  <p:cmAuthor id="1" name="Yuxuan Su" initials="YS" lastIdx="9" clrIdx="0">
-    <p:extLst>
-      <p:ext uri="{19B8F6BF-5375-455C-9EA6-DF929625EA0E}">
-        <p15:presenceInfo xmlns:p15="http://schemas.microsoft.com/office/powerpoint/2012/main" userId="f56ed5dd904bc3ed" providerId="Windows Live"/>
-      </p:ext>
-    </p:extLst>
-  </p:cmAuthor>
-</p:cmAuthorLst>
-</file>
-
-<file path=ppt/comments/comment1.xml><?xml version="1.0" encoding="utf-8"?>
-<p:cmLst xmlns:a="http://schemas.openxmlformats.org/drawingml/2006/main" xmlns:r="http://schemas.openxmlformats.org/officeDocument/2006/relationships" xmlns:p="http://schemas.openxmlformats.org/presentationml/2006/main">
-  <p:cm authorId="1" dt="2019-09-19T23:11:08.972" idx="1">
-    <p:pos x="10" y="10"/>
-    <p:text>标志我缩小了一点，微调了一下位置</p:text>
-    <p:extLst>
-      <p:ext uri="{C676402C-5697-4E1C-873F-D02D1690AC5C}">
-        <p15:threadingInfo xmlns:p15="http://schemas.microsoft.com/office/powerpoint/2012/main" timeZoneBias="-480"/>
-      </p:ext>
-    </p:extLst>
-  </p:cm>
-</p:cmLst>
-</file>
-
-<file path=ppt/comments/comment2.xml><?xml version="1.0" encoding="utf-8"?>
-<p:cmLst xmlns:a="http://schemas.openxmlformats.org/drawingml/2006/main" xmlns:r="http://schemas.openxmlformats.org/officeDocument/2006/relationships" xmlns:p="http://schemas.openxmlformats.org/presentationml/2006/main">
-  <p:cm authorId="1" dt="2019-09-19T23:12:21.958" idx="2">
-    <p:pos x="3053" y="3307"/>
-    <p:text>注3： 如有任何问题，和随时与B级研究院联系</p:text>
-    <p:extLst>
-      <p:ext uri="{C676402C-5697-4E1C-873F-D02D1690AC5C}">
-        <p15:threadingInfo xmlns:p15="http://schemas.microsoft.com/office/powerpoint/2012/main" timeZoneBias="-480"/>
-      </p:ext>
-    </p:extLst>
-  </p:cm>
-</p:cmLst>
-</file>
-
-<file path=ppt/comments/comment3.xml><?xml version="1.0" encoding="utf-8"?>
-<p:cmLst xmlns:a="http://schemas.openxmlformats.org/drawingml/2006/main" xmlns:r="http://schemas.openxmlformats.org/officeDocument/2006/relationships" xmlns:p="http://schemas.openxmlformats.org/presentationml/2006/main">
-  <p:cm authorId="1" dt="2019-09-19T23:14:39.417" idx="4">
-    <p:pos x="3570" y="1184"/>
-    <p:text>这块儿要不不要在图片中花红色的消失块儿‘</p:text>
-    <p:extLst>
-      <p:ext uri="{C676402C-5697-4E1C-873F-D02D1690AC5C}">
-        <p15:threadingInfo xmlns:p15="http://schemas.microsoft.com/office/powerpoint/2012/main" timeZoneBias="-480"/>
-      </p:ext>
-    </p:extLst>
-  </p:cm>
-</p:cmLst>
-</file>
-
-<file path=ppt/comments/comment4.xml><?xml version="1.0" encoding="utf-8"?>
-<p:cmLst xmlns:a="http://schemas.openxmlformats.org/drawingml/2006/main" xmlns:r="http://schemas.openxmlformats.org/officeDocument/2006/relationships" xmlns:p="http://schemas.openxmlformats.org/presentationml/2006/main">
-  <p:cm authorId="1" dt="2019-09-19T23:17:29.293" idx="6">
-    <p:pos x="10" y="10"/>
-    <p:text>这页换到第10页之前会不会好一点？</p:text>
-    <p:extLst>
-      <p:ext uri="{C676402C-5697-4E1C-873F-D02D1690AC5C}">
-        <p15:threadingInfo xmlns:p15="http://schemas.microsoft.com/office/powerpoint/2012/main" timeZoneBias="-480"/>
-      </p:ext>
-    </p:extLst>
-  </p:cm>
-</p:cmLst>
-</file>
-
-<file path=ppt/comments/comment5.xml><?xml version="1.0" encoding="utf-8"?>
-<p:cmLst xmlns:a="http://schemas.openxmlformats.org/drawingml/2006/main" xmlns:r="http://schemas.openxmlformats.org/officeDocument/2006/relationships" xmlns:p="http://schemas.openxmlformats.org/presentationml/2006/main">
-  <p:cm authorId="1" dt="2019-09-19T23:13:46.480" idx="3">
-    <p:pos x="5853" y="1425"/>
-    <p:text>赚取改成绿色字体损失改成红色字体会不会好一点</p:text>
-    <p:extLst>
-      <p:ext uri="{C676402C-5697-4E1C-873F-D02D1690AC5C}">
-        <p15:threadingInfo xmlns:p15="http://schemas.microsoft.com/office/powerpoint/2012/main" timeZoneBias="-480"/>
-      </p:ext>
-    </p:extLst>
-  </p:cm>
-</p:cmLst>
-</file>
-
-<file path=ppt/comments/comment6.xml><?xml version="1.0" encoding="utf-8"?>
-<p:cmLst xmlns:a="http://schemas.openxmlformats.org/drawingml/2006/main" xmlns:r="http://schemas.openxmlformats.org/officeDocument/2006/relationships" xmlns:p="http://schemas.openxmlformats.org/presentationml/2006/main">
-  <p:cm authorId="1" dt="2019-09-19T23:16:07.674" idx="5">
-    <p:pos x="5048" y="3122"/>
-    <p:text>字体加上颜色会不会好一点</p:text>
-    <p:extLst>
-      <p:ext uri="{C676402C-5697-4E1C-873F-D02D1690AC5C}">
-        <p15:threadingInfo xmlns:p15="http://schemas.microsoft.com/office/powerpoint/2012/main" timeZoneBias="-480"/>
-      </p:ext>
-    </p:extLst>
-  </p:cm>
-</p:cmLst>
-</file>
-
-<file path=ppt/comments/comment7.xml><?xml version="1.0" encoding="utf-8"?>
-<p:cmLst xmlns:a="http://schemas.openxmlformats.org/drawingml/2006/main" xmlns:r="http://schemas.openxmlformats.org/officeDocument/2006/relationships" xmlns:p="http://schemas.openxmlformats.org/presentationml/2006/main">
-  <p:cm authorId="1" dt="2019-09-19T23:17:47.266" idx="7">
-    <p:pos x="10" y="10"/>
-    <p:text>若有任何需求请与A级管理人员联系</p:text>
-    <p:extLst>
-      <p:ext uri="{C676402C-5697-4E1C-873F-D02D1690AC5C}">
-        <p15:threadingInfo xmlns:p15="http://schemas.microsoft.com/office/powerpoint/2012/main" timeZoneBias="-480"/>
-      </p:ext>
-    </p:extLst>
-  </p:cm>
-  <p:cm authorId="1" dt="2019-09-19T23:18:36.276" idx="8">
-    <p:pos x="146" y="146"/>
-    <p:text>安奇钛科科技有限公司</p:text>
-    <p:extLst>
-      <p:ext uri="{C676402C-5697-4E1C-873F-D02D1690AC5C}">
-        <p15:threadingInfo xmlns:p15="http://schemas.microsoft.com/office/powerpoint/2012/main" timeZoneBias="-480"/>
-      </p:ext>
-    </p:extLst>
-  </p:cm>
-  <p:cm authorId="1" dt="2019-09-19T23:19:23.070" idx="9">
-    <p:pos x="282" y="282"/>
-    <p:text>此文档为一级文档，可按照AP-1.0协议共享，但不可随意删改，如发现违反协议，则按照AP-D协议处理</p:text>
-    <p:extLst>
-      <p:ext uri="{C676402C-5697-4E1C-873F-D02D1690AC5C}">
-        <p15:threadingInfo xmlns:p15="http://schemas.microsoft.com/office/powerpoint/2012/main" timeZoneBias="-480"/>
-      </p:ext>
-    </p:extLst>
-  </p:cm>
-</p:cmLst>
-</file>
-
 <file path=ppt/slideLayouts/slideLayout1.xml><?xml version="1.0" encoding="utf-8"?>
 <p:sldLayout xmlns:a="http://schemas.openxmlformats.org/drawingml/2006/main" xmlns:r="http://schemas.openxmlformats.org/officeDocument/2006/relationships" xmlns:p="http://schemas.openxmlformats.org/presentationml/2006/main" showMasterSp="0" type="title" preserve="1">
   <p:cSld name="标题幻灯片">
@@ -440,7 +314,7 @@
           <a:p>
             <a:fld id="{8119A5BF-3BF2-4B2D-8433-BB00B16C3754}" type="datetimeFigureOut">
               <a:rPr lang="en-US" smtClean="0"/>
-              <a:t>9/19/2019</a:t>
+              <a:t>9/20/2019</a:t>
             </a:fld>
             <a:endParaRPr lang="en-US"/>
           </a:p>
@@ -650,7 +524,7 @@
           <a:p>
             <a:fld id="{8119A5BF-3BF2-4B2D-8433-BB00B16C3754}" type="datetimeFigureOut">
               <a:rPr lang="en-US" smtClean="0"/>
-              <a:t>9/19/2019</a:t>
+              <a:t>9/20/2019</a:t>
             </a:fld>
             <a:endParaRPr lang="en-US"/>
           </a:p>
@@ -830,7 +704,7 @@
           <a:p>
             <a:fld id="{8119A5BF-3BF2-4B2D-8433-BB00B16C3754}" type="datetimeFigureOut">
               <a:rPr lang="en-US" smtClean="0"/>
-              <a:t>9/19/2019</a:t>
+              <a:t>9/20/2019</a:t>
             </a:fld>
             <a:endParaRPr lang="en-US"/>
           </a:p>
@@ -1000,7 +874,7 @@
           <a:p>
             <a:fld id="{8119A5BF-3BF2-4B2D-8433-BB00B16C3754}" type="datetimeFigureOut">
               <a:rPr lang="en-US" smtClean="0"/>
-              <a:t>9/19/2019</a:t>
+              <a:t>9/20/2019</a:t>
             </a:fld>
             <a:endParaRPr lang="en-US"/>
           </a:p>
@@ -1254,7 +1128,7 @@
           <a:p>
             <a:fld id="{8119A5BF-3BF2-4B2D-8433-BB00B16C3754}" type="datetimeFigureOut">
               <a:rPr lang="en-US" smtClean="0"/>
-              <a:t>9/19/2019</a:t>
+              <a:t>9/20/2019</a:t>
             </a:fld>
             <a:endParaRPr lang="en-US"/>
           </a:p>
@@ -1580,7 +1454,7 @@
           <a:p>
             <a:fld id="{8119A5BF-3BF2-4B2D-8433-BB00B16C3754}" type="datetimeFigureOut">
               <a:rPr lang="en-US" smtClean="0"/>
-              <a:t>9/19/2019</a:t>
+              <a:t>9/20/2019</a:t>
             </a:fld>
             <a:endParaRPr lang="en-US"/>
           </a:p>
@@ -2031,7 +1905,7 @@
           <a:p>
             <a:fld id="{8119A5BF-3BF2-4B2D-8433-BB00B16C3754}" type="datetimeFigureOut">
               <a:rPr lang="en-US" smtClean="0"/>
-              <a:t>9/19/2019</a:t>
+              <a:t>9/20/2019</a:t>
             </a:fld>
             <a:endParaRPr lang="en-US"/>
           </a:p>
@@ -2149,7 +2023,7 @@
           <a:p>
             <a:fld id="{8119A5BF-3BF2-4B2D-8433-BB00B16C3754}" type="datetimeFigureOut">
               <a:rPr lang="en-US" smtClean="0"/>
-              <a:t>9/19/2019</a:t>
+              <a:t>9/20/2019</a:t>
             </a:fld>
             <a:endParaRPr lang="en-US"/>
           </a:p>
@@ -2244,7 +2118,7 @@
           <a:p>
             <a:fld id="{8119A5BF-3BF2-4B2D-8433-BB00B16C3754}" type="datetimeFigureOut">
               <a:rPr lang="en-US" smtClean="0"/>
-              <a:t>9/19/2019</a:t>
+              <a:t>9/20/2019</a:t>
             </a:fld>
             <a:endParaRPr lang="en-US"/>
           </a:p>
@@ -2531,7 +2405,7 @@
           <a:p>
             <a:fld id="{8119A5BF-3BF2-4B2D-8433-BB00B16C3754}" type="datetimeFigureOut">
               <a:rPr lang="en-US" smtClean="0"/>
-              <a:t>9/19/2019</a:t>
+              <a:t>9/20/2019</a:t>
             </a:fld>
             <a:endParaRPr lang="en-US"/>
           </a:p>
@@ -2849,7 +2723,7 @@
           <a:p>
             <a:fld id="{8119A5BF-3BF2-4B2D-8433-BB00B16C3754}" type="datetimeFigureOut">
               <a:rPr lang="en-US" smtClean="0"/>
-              <a:t>9/19/2019</a:t>
+              <a:t>9/20/2019</a:t>
             </a:fld>
             <a:endParaRPr lang="en-US"/>
           </a:p>
@@ -3101,7 +2975,7 @@
           <a:p>
             <a:fld id="{8119A5BF-3BF2-4B2D-8433-BB00B16C3754}" type="datetimeFigureOut">
               <a:rPr lang="en-US" smtClean="0"/>
-              <a:t>9/19/2019</a:t>
+              <a:t>9/20/2019</a:t>
             </a:fld>
             <a:endParaRPr lang="en-US"/>
           </a:p>
@@ -3647,7 +3521,7 @@
         </p:nvSpPr>
         <p:spPr>
           <a:xfrm>
-            <a:off x="460047" y="6391277"/>
+            <a:off x="390197" y="6492877"/>
             <a:ext cx="2330450" cy="466723"/>
           </a:xfrm>
         </p:spPr>
@@ -3658,10 +3532,9 @@
           <a:lstStyle/>
           <a:p>
             <a:r>
-              <a:rPr lang="en-US" dirty="0" err="1"/>
-              <a:t>By_theArchitect</a:t>
-            </a:r>
-            <a:endParaRPr lang="en-US" dirty="0"/>
+              <a:rPr lang="en-US" dirty="0"/>
+              <a:t>theArchitect</a:t>
+            </a:r>
           </a:p>
         </p:txBody>
       </p:sp>
@@ -3682,6 +3555,18 @@
         <p:blipFill rotWithShape="1">
           <a:blip r:embed="rId2">
             <a:extLst>
+              <a:ext uri="{BEBA8EAE-BF5A-486C-A8C5-ECC9F3942E4B}">
+                <a14:imgProps xmlns:a14="http://schemas.microsoft.com/office/drawing/2010/main">
+                  <a14:imgLayer r:embed="rId3">
+                    <a14:imgEffect>
+                      <a14:sharpenSoften amount="41000"/>
+                    </a14:imgEffect>
+                    <a14:imgEffect>
+                      <a14:brightnessContrast contrast="26000"/>
+                    </a14:imgEffect>
+                  </a14:imgLayer>
+                </a14:imgProps>
+              </a:ext>
               <a:ext uri="{28A0092B-C50C-407E-A947-70E740481C1C}">
                 <a14:useLocalDpi xmlns:a14="http://schemas.microsoft.com/office/drawing/2010/main" val="0"/>
               </a:ext>
@@ -3715,7 +3600,7 @@
           <p:nvPr/>
         </p:nvPicPr>
         <p:blipFill>
-          <a:blip r:embed="rId3">
+          <a:blip r:embed="rId4">
             <a:extLst>
               <a:ext uri="{28A0092B-C50C-407E-A947-70E740481C1C}">
                 <a14:useLocalDpi xmlns:a14="http://schemas.microsoft.com/office/drawing/2010/main" val="0"/>
@@ -3728,8 +3613,8 @@
         </p:blipFill>
         <p:spPr>
           <a:xfrm>
-            <a:off x="2516971" y="6396528"/>
-            <a:ext cx="418569" cy="374423"/>
+            <a:off x="1960857" y="6569481"/>
+            <a:ext cx="287043" cy="256769"/>
           </a:xfrm>
           <a:prstGeom prst="rect">
             <a:avLst/>
@@ -3750,7 +3635,7 @@
         </p:nvSpPr>
         <p:spPr>
           <a:xfrm rot="10800000">
-            <a:off x="11730335" y="2662501"/>
+            <a:off x="11801803" y="2717800"/>
             <a:ext cx="461665" cy="4108450"/>
           </a:xfrm>
           <a:prstGeom prst="rect">
@@ -3873,7 +3758,7 @@
         </p:nvSpPr>
         <p:spPr>
           <a:xfrm>
-            <a:off x="6096000" y="1863116"/>
+            <a:off x="6096000" y="2173304"/>
             <a:ext cx="4044950" cy="923330"/>
           </a:xfrm>
           <a:prstGeom prst="rect">
@@ -3888,10 +3773,62 @@
           <a:lstStyle/>
           <a:p>
             <a:r>
-              <a:rPr lang="zh-CN" altLang="en-US" dirty="0"/>
-              <a:t>应贵公司要求，我们在模拟过程中添加了模组摧毁流程，以便于演习贵公司现正遭受到的网络攻击异状。</a:t>
-            </a:r>
-            <a:endParaRPr lang="en-US" dirty="0"/>
+              <a:rPr lang="zh-CN" altLang="en-US" dirty="0">
+                <a:solidFill>
+                  <a:schemeClr val="tx1">
+                    <a:lumMod val="65000"/>
+                    <a:lumOff val="35000"/>
+                  </a:schemeClr>
+                </a:solidFill>
+              </a:rPr>
+              <a:t>应贵公司要求，我们在模拟过程中添加了</a:t>
+            </a:r>
+            <a:r>
+              <a:rPr lang="zh-CN" altLang="en-US" b="1" i="1" dirty="0">
+                <a:solidFill>
+                  <a:srgbClr val="FF0000"/>
+                </a:solidFill>
+              </a:rPr>
+              <a:t>模组摧毁流程</a:t>
+            </a:r>
+            <a:r>
+              <a:rPr lang="zh-CN" altLang="en-US" dirty="0">
+                <a:solidFill>
+                  <a:schemeClr val="tx1">
+                    <a:lumMod val="65000"/>
+                    <a:lumOff val="35000"/>
+                  </a:schemeClr>
+                </a:solidFill>
+              </a:rPr>
+              <a:t>，以便于演习贵公司现正遭受到的</a:t>
+            </a:r>
+            <a:r>
+              <a:rPr lang="zh-CN" altLang="en-US" b="1" dirty="0">
+                <a:solidFill>
+                  <a:srgbClr val="C00000"/>
+                </a:solidFill>
+              </a:rPr>
+              <a:t>网络攻击</a:t>
+            </a:r>
+            <a:r>
+              <a:rPr lang="zh-CN" altLang="en-US" dirty="0">
+                <a:solidFill>
+                  <a:schemeClr val="tx1">
+                    <a:lumMod val="65000"/>
+                    <a:lumOff val="35000"/>
+                  </a:schemeClr>
+                </a:solidFill>
+              </a:rPr>
+              <a:t>异状。</a:t>
+            </a:r>
+            <a:endParaRPr lang="en-US" dirty="0">
+              <a:solidFill>
+                <a:schemeClr val="tx1">
+                  <a:lumMod val="65000"/>
+                  <a:lumOff val="35000"/>
+                </a:schemeClr>
+              </a:solidFill>
+            </a:endParaRPr>
           </a:p>
         </p:txBody>
       </p:sp>
@@ -3909,7 +3846,7 @@
         </p:nvSpPr>
         <p:spPr>
           <a:xfrm>
-            <a:off x="6096000" y="3251613"/>
+            <a:off x="6096000" y="3464235"/>
             <a:ext cx="4044950" cy="923330"/>
           </a:xfrm>
           <a:prstGeom prst="rect">
@@ -3924,26 +3861,68 @@
           <a:lstStyle/>
           <a:p>
             <a:r>
-              <a:rPr lang="zh-CN" altLang="en-US" dirty="0"/>
+              <a:rPr lang="zh-CN" altLang="en-US" dirty="0">
+                <a:solidFill>
+                  <a:schemeClr val="tx1">
+                    <a:lumMod val="95000"/>
+                    <a:lumOff val="5000"/>
+                  </a:schemeClr>
+                </a:solidFill>
+              </a:rPr>
               <a:t>在</a:t>
             </a:r>
             <a:r>
-              <a:rPr lang="en-US" altLang="zh-CN" dirty="0"/>
+              <a:rPr lang="en-US" altLang="zh-CN" dirty="0">
+                <a:solidFill>
+                  <a:schemeClr val="tx1">
+                    <a:lumMod val="95000"/>
+                    <a:lumOff val="5000"/>
+                  </a:schemeClr>
+                </a:solidFill>
+              </a:rPr>
               <a:t>3~8</a:t>
             </a:r>
             <a:r>
-              <a:rPr lang="zh-CN" altLang="en-US" dirty="0"/>
+              <a:rPr lang="zh-CN" altLang="en-US" dirty="0">
+                <a:solidFill>
+                  <a:schemeClr val="tx1">
+                    <a:lumMod val="95000"/>
+                    <a:lumOff val="5000"/>
+                  </a:schemeClr>
+                </a:solidFill>
+              </a:rPr>
               <a:t>个周期间（时间随机决定），会随机摧毁面板上的若干模组</a:t>
             </a:r>
             <a:r>
-              <a:rPr lang="en-US" altLang="zh-CN" dirty="0"/>
+              <a:rPr lang="en-US" altLang="zh-CN" dirty="0">
+                <a:solidFill>
+                  <a:schemeClr val="tx1">
+                    <a:lumMod val="95000"/>
+                    <a:lumOff val="5000"/>
+                  </a:schemeClr>
+                </a:solidFill>
+              </a:rPr>
               <a:t>——</a:t>
             </a:r>
             <a:r>
-              <a:rPr lang="zh-CN" altLang="en-US" dirty="0"/>
+              <a:rPr lang="zh-CN" altLang="en-US" dirty="0">
+                <a:solidFill>
+                  <a:schemeClr val="tx1">
+                    <a:lumMod val="95000"/>
+                    <a:lumOff val="5000"/>
+                  </a:schemeClr>
+                </a:solidFill>
+              </a:rPr>
               <a:t>大多数为四个。</a:t>
             </a:r>
-            <a:endParaRPr lang="en-US" dirty="0"/>
+            <a:endParaRPr lang="en-US" dirty="0">
+              <a:solidFill>
+                <a:schemeClr val="tx1">
+                  <a:lumMod val="95000"/>
+                  <a:lumOff val="5000"/>
+                </a:schemeClr>
+              </a:solidFill>
+            </a:endParaRPr>
           </a:p>
         </p:txBody>
       </p:sp>
@@ -3961,8 +3940,8 @@
         </p:nvSpPr>
         <p:spPr>
           <a:xfrm>
-            <a:off x="6096000" y="4640110"/>
-            <a:ext cx="4044950" cy="923330"/>
+            <a:off x="6108192" y="4755167"/>
+            <a:ext cx="4044950" cy="1200329"/>
           </a:xfrm>
           <a:prstGeom prst="rect">
             <a:avLst/>
@@ -3976,10 +3955,76 @@
           <a:lstStyle/>
           <a:p>
             <a:r>
-              <a:rPr lang="zh-CN" altLang="en-US" dirty="0"/>
-              <a:t>考虑到实际的工作条件，在倒数第二个周期是会呈现橙色，倒数第一个周期会呈现红色。之后将执行摧毁。</a:t>
-            </a:r>
-            <a:endParaRPr lang="en-US" dirty="0"/>
+              <a:rPr lang="zh-CN" altLang="en-US" dirty="0">
+                <a:solidFill>
+                  <a:schemeClr val="tx1">
+                    <a:lumMod val="65000"/>
+                    <a:lumOff val="35000"/>
+                  </a:schemeClr>
+                </a:solidFill>
+              </a:rPr>
+              <a:t>考虑到实际的工作条件，我们实现了一定程度的预警系统。</a:t>
+            </a:r>
+            <a:endParaRPr lang="en-US" altLang="zh-CN" dirty="0">
+              <a:solidFill>
+                <a:schemeClr val="tx1">
+                  <a:lumMod val="65000"/>
+                  <a:lumOff val="35000"/>
+                </a:schemeClr>
+              </a:solidFill>
+            </a:endParaRPr>
+          </a:p>
+          <a:p>
+            <a:r>
+              <a:rPr lang="zh-CN" altLang="en-US" dirty="0">
+                <a:solidFill>
+                  <a:schemeClr val="tx1">
+                    <a:lumMod val="95000"/>
+                    <a:lumOff val="5000"/>
+                  </a:schemeClr>
+                </a:solidFill>
+              </a:rPr>
+              <a:t>倒数第二个周期是会呈现</a:t>
+            </a:r>
+            <a:r>
+              <a:rPr lang="zh-CN" altLang="en-US" dirty="0">
+                <a:solidFill>
+                  <a:srgbClr val="FF9900"/>
+                </a:solidFill>
+              </a:rPr>
+              <a:t>橙色</a:t>
+            </a:r>
+            <a:endParaRPr lang="en-US" altLang="zh-CN" dirty="0">
+              <a:solidFill>
+                <a:srgbClr val="FF9900"/>
+              </a:solidFill>
+            </a:endParaRPr>
+          </a:p>
+          <a:p>
+            <a:r>
+              <a:rPr lang="zh-CN" altLang="en-US" dirty="0">
+                <a:solidFill>
+                  <a:schemeClr val="tx1">
+                    <a:lumMod val="95000"/>
+                    <a:lumOff val="5000"/>
+                  </a:schemeClr>
+                </a:solidFill>
+              </a:rPr>
+              <a:t>倒数第一个周期是会呈现</a:t>
+            </a:r>
+            <a:r>
+              <a:rPr lang="zh-CN" altLang="en-US" dirty="0">
+                <a:solidFill>
+                  <a:srgbClr val="FF0000"/>
+                </a:solidFill>
+              </a:rPr>
+              <a:t>红色</a:t>
+            </a:r>
+            <a:endParaRPr lang="en-US" altLang="zh-CN" dirty="0">
+              <a:solidFill>
+                <a:srgbClr val="FF0000"/>
+              </a:solidFill>
+            </a:endParaRPr>
           </a:p>
         </p:txBody>
       </p:sp>
@@ -4010,7 +4055,7 @@
         </p:blipFill>
         <p:spPr>
           <a:xfrm>
-            <a:off x="1141413" y="1901850"/>
+            <a:off x="1261872" y="1863116"/>
             <a:ext cx="4260715" cy="4346550"/>
           </a:xfrm>
           <a:prstGeom prst="rect">
@@ -4018,6 +4063,74 @@
           </a:prstGeom>
         </p:spPr>
       </p:pic>
+      <p:sp>
+        <p:nvSpPr>
+          <p:cNvPr id="4" name="矩形 3">
+            <a:extLst>
+              <a:ext uri="{FF2B5EF4-FFF2-40B4-BE49-F238E27FC236}">
+                <a16:creationId xmlns:a16="http://schemas.microsoft.com/office/drawing/2014/main" id="{00BE13B8-4595-4FB3-A316-C5856681416D}"/>
+              </a:ext>
+            </a:extLst>
+          </p:cNvPr>
+          <p:cNvSpPr/>
+          <p:nvPr/>
+        </p:nvSpPr>
+        <p:spPr>
+          <a:xfrm>
+            <a:off x="8823051" y="6575067"/>
+            <a:ext cx="2500975" cy="276999"/>
+          </a:xfrm>
+          <a:prstGeom prst="rect">
+            <a:avLst/>
+          </a:prstGeom>
+        </p:spPr>
+        <p:txBody>
+          <a:bodyPr wrap="square">
+            <a:spAutoFit/>
+          </a:bodyPr>
+          <a:lstStyle/>
+          <a:p>
+            <a:pPr algn="r"/>
+            <a:r>
+              <a:rPr lang="zh-CN" altLang="en-US" sz="1200" b="1" i="1" dirty="0">
+                <a:solidFill>
+                  <a:schemeClr val="bg1">
+                    <a:lumMod val="50000"/>
+                  </a:schemeClr>
+                </a:solidFill>
+              </a:rPr>
+              <a:t>*注，本系统保证 </a:t>
+            </a:r>
+            <a:r>
+              <a:rPr lang="en-US" altLang="zh-CN" sz="1200" b="1" i="1" dirty="0">
+                <a:solidFill>
+                  <a:schemeClr val="bg1">
+                    <a:lumMod val="50000"/>
+                  </a:schemeClr>
+                </a:solidFill>
+              </a:rPr>
+              <a:t>999.9</a:t>
+            </a:r>
+            <a:r>
+              <a:rPr lang="zh-CN" altLang="en-US" sz="1200" b="1" i="1" dirty="0">
+                <a:solidFill>
+                  <a:schemeClr val="bg1">
+                    <a:lumMod val="50000"/>
+                  </a:schemeClr>
+                </a:solidFill>
+              </a:rPr>
+              <a:t>‰的稳定性</a:t>
+            </a:r>
+            <a:endParaRPr lang="en-US" altLang="zh-CN" sz="1200" b="1" i="1" dirty="0">
+              <a:solidFill>
+                <a:schemeClr val="bg1">
+                  <a:lumMod val="50000"/>
+                </a:schemeClr>
+              </a:solidFill>
+            </a:endParaRPr>
+          </a:p>
+        </p:txBody>
+      </p:sp>
     </p:spTree>
     <p:extLst>
       <p:ext uri="{BB962C8B-B14F-4D97-AF65-F5344CB8AC3E}">
@@ -4073,50 +4186,20 @@
               <a:rPr lang="zh-CN" altLang="en-US" dirty="0"/>
               <a:t>设备模组总体说明</a:t>
             </a:r>
+            <a:r>
+              <a:rPr lang="en-US" altLang="zh-CN" dirty="0"/>
+              <a:t>——1</a:t>
+            </a:r>
             <a:endParaRPr lang="en-US" dirty="0"/>
           </a:p>
         </p:txBody>
       </p:sp>
       <p:pic>
         <p:nvPicPr>
-          <p:cNvPr id="5" name="内容占位符 4" descr="图片包含 电子产品, 电路&#10;&#10;描述已自动生成">
-            <a:extLst>
-              <a:ext uri="{FF2B5EF4-FFF2-40B4-BE49-F238E27FC236}">
-                <a16:creationId xmlns:a16="http://schemas.microsoft.com/office/drawing/2014/main" id="{30229E74-AE64-49AB-BDAC-B00374520151}"/>
-              </a:ext>
-            </a:extLst>
-          </p:cNvPr>
-          <p:cNvPicPr>
-            <a:picLocks noGrp="1" noChangeAspect="1"/>
-          </p:cNvPicPr>
-          <p:nvPr>
-            <p:ph idx="1"/>
-          </p:nvPr>
-        </p:nvPicPr>
-        <p:blipFill rotWithShape="1">
-          <a:blip r:embed="rId2">
-            <a:extLst>
-              <a:ext uri="{28A0092B-C50C-407E-A947-70E740481C1C}">
-                <a14:useLocalDpi xmlns:a14="http://schemas.microsoft.com/office/drawing/2010/main" val="0"/>
-              </a:ext>
-            </a:extLst>
-          </a:blip>
-          <a:srcRect l="8513" t="8188" r="8291" b="8329"/>
-          <a:stretch/>
-        </p:blipFill>
-        <p:spPr>
-          <a:xfrm>
-            <a:off x="1642647" y="2590077"/>
-            <a:ext cx="1785842" cy="1791979"/>
-          </a:xfrm>
-        </p:spPr>
-      </p:pic>
-      <p:pic>
-        <p:nvPicPr>
-          <p:cNvPr id="7" name="图片 6" descr="图片包含 屏幕截图&#10;&#10;描述已自动生成">
-            <a:extLst>
-              <a:ext uri="{FF2B5EF4-FFF2-40B4-BE49-F238E27FC236}">
-                <a16:creationId xmlns:a16="http://schemas.microsoft.com/office/drawing/2014/main" id="{9EFE8A0A-E7DF-4F5B-9C78-3A004E5CEDBE}"/>
+          <p:cNvPr id="8" name="图片 7" descr="图片包含 物体, 相框&#10;&#10;描述已自动生成">
+            <a:extLst>
+              <a:ext uri="{FF2B5EF4-FFF2-40B4-BE49-F238E27FC236}">
+                <a16:creationId xmlns:a16="http://schemas.microsoft.com/office/drawing/2014/main" id="{B8F2DEAB-9BD9-4791-AD88-6AF2884F03F9}"/>
               </a:ext>
             </a:extLst>
           </p:cNvPr>
@@ -4125,21 +4208,22 @@
           </p:cNvPicPr>
           <p:nvPr/>
         </p:nvPicPr>
-        <p:blipFill rotWithShape="1">
-          <a:blip r:embed="rId3">
+        <p:blipFill>
+          <a:blip r:embed="rId2">
             <a:extLst>
               <a:ext uri="{28A0092B-C50C-407E-A947-70E740481C1C}">
                 <a14:useLocalDpi xmlns:a14="http://schemas.microsoft.com/office/drawing/2010/main" val="0"/>
               </a:ext>
             </a:extLst>
           </a:blip>
-          <a:srcRect b="91090"/>
-          <a:stretch/>
+          <a:stretch>
+            <a:fillRect/>
+          </a:stretch>
         </p:blipFill>
         <p:spPr>
-          <a:xfrm rot="5400000">
-            <a:off x="2429988" y="3392508"/>
-            <a:ext cx="2149168" cy="191495"/>
+          <a:xfrm>
+            <a:off x="2307211" y="2729119"/>
+            <a:ext cx="2385439" cy="2385439"/>
           </a:xfrm>
           <a:prstGeom prst="rect">
             <a:avLst/>
@@ -4148,10 +4232,10 @@
       </p:pic>
       <p:pic>
         <p:nvPicPr>
-          <p:cNvPr id="9" name="图片 8">
-            <a:extLst>
-              <a:ext uri="{FF2B5EF4-FFF2-40B4-BE49-F238E27FC236}">
-                <a16:creationId xmlns:a16="http://schemas.microsoft.com/office/drawing/2014/main" id="{4147CB43-7D8B-4853-92BC-F062A3208376}"/>
+          <p:cNvPr id="30" name="图片 29">
+            <a:extLst>
+              <a:ext uri="{FF2B5EF4-FFF2-40B4-BE49-F238E27FC236}">
+                <a16:creationId xmlns:a16="http://schemas.microsoft.com/office/drawing/2014/main" id="{E794F90D-396A-456A-BA21-BA38CA5E8E73}"/>
               </a:ext>
             </a:extLst>
           </p:cNvPr>
@@ -4160,21 +4244,22 @@
           </p:cNvPicPr>
           <p:nvPr/>
         </p:nvPicPr>
-        <p:blipFill rotWithShape="1">
-          <a:blip r:embed="rId4">
+        <p:blipFill>
+          <a:blip r:embed="rId3">
             <a:extLst>
               <a:ext uri="{28A0092B-C50C-407E-A947-70E740481C1C}">
                 <a14:useLocalDpi xmlns:a14="http://schemas.microsoft.com/office/drawing/2010/main" val="0"/>
               </a:ext>
             </a:extLst>
           </a:blip>
-          <a:srcRect b="90493"/>
-          <a:stretch/>
+          <a:stretch>
+            <a:fillRect/>
+          </a:stretch>
         </p:blipFill>
         <p:spPr>
-          <a:xfrm rot="10800000">
-            <a:off x="1515086" y="4357507"/>
-            <a:ext cx="2061124" cy="195943"/>
+          <a:xfrm>
+            <a:off x="2263833" y="2181725"/>
+            <a:ext cx="2385439" cy="275243"/>
           </a:xfrm>
           <a:prstGeom prst="rect">
             <a:avLst/>
@@ -4183,10 +4268,10 @@
       </p:pic>
       <p:pic>
         <p:nvPicPr>
-          <p:cNvPr id="11" name="图片 10">
-            <a:extLst>
-              <a:ext uri="{FF2B5EF4-FFF2-40B4-BE49-F238E27FC236}">
-                <a16:creationId xmlns:a16="http://schemas.microsoft.com/office/drawing/2014/main" id="{7AAD8D85-1545-4FB0-A319-F8DEE8C3E8A8}"/>
+          <p:cNvPr id="31" name="图片 30">
+            <a:extLst>
+              <a:ext uri="{FF2B5EF4-FFF2-40B4-BE49-F238E27FC236}">
+                <a16:creationId xmlns:a16="http://schemas.microsoft.com/office/drawing/2014/main" id="{10FED574-2F45-48E3-828A-4A1F8CFD1F48}"/>
               </a:ext>
             </a:extLst>
           </p:cNvPr>
@@ -4195,21 +4280,22 @@
           </p:cNvPicPr>
           <p:nvPr/>
         </p:nvPicPr>
-        <p:blipFill rotWithShape="1">
-          <a:blip r:embed="rId5">
+        <p:blipFill>
+          <a:blip r:embed="rId3">
             <a:extLst>
               <a:ext uri="{28A0092B-C50C-407E-A947-70E740481C1C}">
                 <a14:useLocalDpi xmlns:a14="http://schemas.microsoft.com/office/drawing/2010/main" val="0"/>
               </a:ext>
             </a:extLst>
           </a:blip>
-          <a:srcRect b="90493"/>
-          <a:stretch/>
+          <a:stretch>
+            <a:fillRect/>
+          </a:stretch>
         </p:blipFill>
         <p:spPr>
-          <a:xfrm>
-            <a:off x="1505006" y="2437093"/>
-            <a:ext cx="2061124" cy="195943"/>
+          <a:xfrm rot="10800000">
+            <a:off x="2307207" y="5383617"/>
+            <a:ext cx="2385439" cy="275243"/>
           </a:xfrm>
           <a:prstGeom prst="rect">
             <a:avLst/>
@@ -4218,10 +4304,10 @@
       </p:pic>
       <p:pic>
         <p:nvPicPr>
-          <p:cNvPr id="12" name="图片 11">
-            <a:extLst>
-              <a:ext uri="{FF2B5EF4-FFF2-40B4-BE49-F238E27FC236}">
-                <a16:creationId xmlns:a16="http://schemas.microsoft.com/office/drawing/2014/main" id="{652A6582-F4C8-4987-9B17-BEA90FD9ABDD}"/>
+          <p:cNvPr id="32" name="图片 31">
+            <a:extLst>
+              <a:ext uri="{FF2B5EF4-FFF2-40B4-BE49-F238E27FC236}">
+                <a16:creationId xmlns:a16="http://schemas.microsoft.com/office/drawing/2014/main" id="{12B6FFC4-4BF8-4F65-A141-DA6FC9C8EF46}"/>
               </a:ext>
             </a:extLst>
           </p:cNvPr>
@@ -4230,7 +4316,7 @@
           </p:cNvPicPr>
           <p:nvPr/>
         </p:nvPicPr>
-        <p:blipFill rotWithShape="1">
+        <p:blipFill>
           <a:blip r:embed="rId4">
             <a:extLst>
               <a:ext uri="{28A0092B-C50C-407E-A947-70E740481C1C}">
@@ -4238,13 +4324,14 @@
               </a:ext>
             </a:extLst>
           </a:blip>
-          <a:srcRect b="91663"/>
-          <a:stretch/>
+          <a:stretch>
+            <a:fillRect/>
+          </a:stretch>
         </p:blipFill>
         <p:spPr>
-          <a:xfrm rot="16200000">
-            <a:off x="562992" y="3400150"/>
-            <a:ext cx="2061124" cy="171831"/>
+          <a:xfrm rot="5400000">
+            <a:off x="3877095" y="3830091"/>
+            <a:ext cx="2385438" cy="183495"/>
           </a:xfrm>
           <a:prstGeom prst="rect">
             <a:avLst/>
@@ -4253,10 +4340,10 @@
       </p:pic>
       <p:pic>
         <p:nvPicPr>
-          <p:cNvPr id="14" name="图片 13" descr="图片包含 屏幕截图&#10;&#10;描述已自动生成">
-            <a:extLst>
-              <a:ext uri="{FF2B5EF4-FFF2-40B4-BE49-F238E27FC236}">
-                <a16:creationId xmlns:a16="http://schemas.microsoft.com/office/drawing/2014/main" id="{D3D9E848-B136-4C28-95BD-24579ED39F91}"/>
+          <p:cNvPr id="37" name="图片 36">
+            <a:extLst>
+              <a:ext uri="{FF2B5EF4-FFF2-40B4-BE49-F238E27FC236}">
+                <a16:creationId xmlns:a16="http://schemas.microsoft.com/office/drawing/2014/main" id="{D268244D-F852-4D23-A7F3-933DAC767E27}"/>
               </a:ext>
             </a:extLst>
           </p:cNvPr>
@@ -4265,7 +4352,7 @@
           </p:cNvPicPr>
           <p:nvPr/>
         </p:nvPicPr>
-        <p:blipFill rotWithShape="1">
+        <p:blipFill>
           <a:blip r:embed="rId3">
             <a:extLst>
               <a:ext uri="{28A0092B-C50C-407E-A947-70E740481C1C}">
@@ -4273,165 +4360,26 @@
               </a:ext>
             </a:extLst>
           </a:blip>
-          <a:srcRect b="91090"/>
-          <a:stretch/>
+          <a:stretch>
+            <a:fillRect/>
+          </a:stretch>
         </p:blipFill>
         <p:spPr>
           <a:xfrm rot="16200000">
-            <a:off x="2615797" y="3392509"/>
-            <a:ext cx="2149168" cy="191494"/>
+            <a:off x="691448" y="3784216"/>
+            <a:ext cx="2385436" cy="275243"/>
           </a:xfrm>
           <a:prstGeom prst="rect">
             <a:avLst/>
           </a:prstGeom>
         </p:spPr>
       </p:pic>
-      <p:pic>
-        <p:nvPicPr>
-          <p:cNvPr id="15" name="图片 14">
-            <a:extLst>
-              <a:ext uri="{FF2B5EF4-FFF2-40B4-BE49-F238E27FC236}">
-                <a16:creationId xmlns:a16="http://schemas.microsoft.com/office/drawing/2014/main" id="{827D44E5-D5AC-49D3-88B3-2D1E4E2B0485}"/>
-              </a:ext>
-            </a:extLst>
-          </p:cNvPr>
-          <p:cNvPicPr>
-            <a:picLocks noChangeAspect="1"/>
-          </p:cNvPicPr>
-          <p:nvPr/>
-        </p:nvPicPr>
-        <p:blipFill rotWithShape="1">
-          <a:blip r:embed="rId4">
-            <a:extLst>
-              <a:ext uri="{28A0092B-C50C-407E-A947-70E740481C1C}">
-                <a14:useLocalDpi xmlns:a14="http://schemas.microsoft.com/office/drawing/2010/main" val="0"/>
-              </a:ext>
-            </a:extLst>
-          </a:blip>
-          <a:srcRect b="89898"/>
-          <a:stretch/>
-        </p:blipFill>
-        <p:spPr>
-          <a:xfrm>
-            <a:off x="3638395" y="2413672"/>
-            <a:ext cx="2061124" cy="208217"/>
-          </a:xfrm>
-          <a:prstGeom prst="rect">
-            <a:avLst/>
-          </a:prstGeom>
-        </p:spPr>
-      </p:pic>
-      <p:pic>
-        <p:nvPicPr>
-          <p:cNvPr id="16" name="图片 15">
-            <a:extLst>
-              <a:ext uri="{FF2B5EF4-FFF2-40B4-BE49-F238E27FC236}">
-                <a16:creationId xmlns:a16="http://schemas.microsoft.com/office/drawing/2014/main" id="{1F91FF03-A733-47B4-91DE-0A033E110A79}"/>
-              </a:ext>
-            </a:extLst>
-          </p:cNvPr>
-          <p:cNvPicPr>
-            <a:picLocks noChangeAspect="1"/>
-          </p:cNvPicPr>
-          <p:nvPr/>
-        </p:nvPicPr>
-        <p:blipFill rotWithShape="1">
-          <a:blip r:embed="rId5">
-            <a:extLst>
-              <a:ext uri="{28A0092B-C50C-407E-A947-70E740481C1C}">
-                <a14:useLocalDpi xmlns:a14="http://schemas.microsoft.com/office/drawing/2010/main" val="0"/>
-              </a:ext>
-            </a:extLst>
-          </a:blip>
-          <a:srcRect b="91229"/>
-          <a:stretch/>
-        </p:blipFill>
-        <p:spPr>
-          <a:xfrm rot="10800000">
-            <a:off x="3638395" y="4369782"/>
-            <a:ext cx="2061124" cy="180784"/>
-          </a:xfrm>
-          <a:prstGeom prst="rect">
-            <a:avLst/>
-          </a:prstGeom>
-        </p:spPr>
-      </p:pic>
-      <p:pic>
-        <p:nvPicPr>
-          <p:cNvPr id="17" name="图片 16">
-            <a:extLst>
-              <a:ext uri="{FF2B5EF4-FFF2-40B4-BE49-F238E27FC236}">
-                <a16:creationId xmlns:a16="http://schemas.microsoft.com/office/drawing/2014/main" id="{C141A740-7D6F-46A5-8F35-FF9D920081B6}"/>
-              </a:ext>
-            </a:extLst>
-          </p:cNvPr>
-          <p:cNvPicPr>
-            <a:picLocks noChangeAspect="1"/>
-          </p:cNvPicPr>
-          <p:nvPr/>
-        </p:nvPicPr>
-        <p:blipFill rotWithShape="1">
-          <a:blip r:embed="rId4">
-            <a:extLst>
-              <a:ext uri="{28A0092B-C50C-407E-A947-70E740481C1C}">
-                <a14:useLocalDpi xmlns:a14="http://schemas.microsoft.com/office/drawing/2010/main" val="0"/>
-              </a:ext>
-            </a:extLst>
-          </a:blip>
-          <a:srcRect b="87898"/>
-          <a:stretch/>
-        </p:blipFill>
-        <p:spPr>
-          <a:xfrm rot="5400000">
-            <a:off x="4580560" y="3342933"/>
-            <a:ext cx="2061124" cy="249445"/>
-          </a:xfrm>
-          <a:prstGeom prst="rect">
-            <a:avLst/>
-          </a:prstGeom>
-        </p:spPr>
-      </p:pic>
-      <p:pic>
-        <p:nvPicPr>
-          <p:cNvPr id="19" name="图片 18" descr="图片包含 物体&#10;&#10;描述已自动生成">
-            <a:extLst>
-              <a:ext uri="{FF2B5EF4-FFF2-40B4-BE49-F238E27FC236}">
-                <a16:creationId xmlns:a16="http://schemas.microsoft.com/office/drawing/2014/main" id="{947EB8B7-DB31-477E-A88D-60426F9A0875}"/>
-              </a:ext>
-            </a:extLst>
-          </p:cNvPr>
-          <p:cNvPicPr>
-            <a:picLocks noChangeAspect="1"/>
-          </p:cNvPicPr>
-          <p:nvPr/>
-        </p:nvPicPr>
-        <p:blipFill rotWithShape="1">
-          <a:blip r:embed="rId6">
-            <a:extLst>
-              <a:ext uri="{28A0092B-C50C-407E-A947-70E740481C1C}">
-                <a14:useLocalDpi xmlns:a14="http://schemas.microsoft.com/office/drawing/2010/main" val="0"/>
-              </a:ext>
-            </a:extLst>
-          </a:blip>
-          <a:srcRect l="10814" t="9646" r="8852" b="9206"/>
-          <a:stretch/>
-        </p:blipFill>
-        <p:spPr>
-          <a:xfrm>
-            <a:off x="3786128" y="2599748"/>
-            <a:ext cx="1764436" cy="1782308"/>
-          </a:xfrm>
-          <a:prstGeom prst="rect">
-            <a:avLst/>
-          </a:prstGeom>
-        </p:spPr>
-      </p:pic>
       <p:sp>
         <p:nvSpPr>
-          <p:cNvPr id="21" name="文本框 20">
-            <a:extLst>
-              <a:ext uri="{FF2B5EF4-FFF2-40B4-BE49-F238E27FC236}">
-                <a16:creationId xmlns:a16="http://schemas.microsoft.com/office/drawing/2014/main" id="{C2D1B3FB-2C85-4DE3-B052-22DC0D8450F4}"/>
+          <p:cNvPr id="38" name="文本框 37">
+            <a:extLst>
+              <a:ext uri="{FF2B5EF4-FFF2-40B4-BE49-F238E27FC236}">
+                <a16:creationId xmlns:a16="http://schemas.microsoft.com/office/drawing/2014/main" id="{7571B7F2-7E7F-4693-9A55-B17F83C13F95}"/>
               </a:ext>
             </a:extLst>
           </p:cNvPr>
@@ -4440,8 +4388,8 @@
         </p:nvSpPr>
         <p:spPr>
           <a:xfrm>
-            <a:off x="6601522" y="864750"/>
-            <a:ext cx="4127810" cy="923330"/>
+            <a:off x="6239152" y="2075177"/>
+            <a:ext cx="4625697" cy="3693319"/>
           </a:xfrm>
           <a:prstGeom prst="rect">
             <a:avLst/>
@@ -4455,211 +4403,397 @@
           <a:lstStyle/>
           <a:p>
             <a:r>
-              <a:rPr lang="zh-CN" altLang="en-US" dirty="0"/>
-              <a:t>在</a:t>
-            </a:r>
-            <a:r>
-              <a:rPr lang="en-US" altLang="zh-CN" dirty="0"/>
-              <a:t>R.O.O.T.</a:t>
-            </a:r>
-            <a:r>
-              <a:rPr lang="zh-CN" altLang="en-US" dirty="0"/>
-              <a:t>系统中，有若干概念要清楚。</a:t>
-            </a:r>
-            <a:endParaRPr lang="en-US" altLang="zh-CN" dirty="0"/>
-          </a:p>
-          <a:p>
-            <a:r>
-              <a:rPr lang="zh-CN" altLang="en-US" dirty="0"/>
-              <a:t>硬件角度上有：核心和端子</a:t>
-            </a:r>
-            <a:endParaRPr lang="en-US" altLang="zh-CN" dirty="0"/>
-          </a:p>
-          <a:p>
-            <a:r>
-              <a:rPr lang="zh-CN" altLang="en-US" dirty="0"/>
-              <a:t>软件角度上有：数据信号和网络信号</a:t>
-            </a:r>
-            <a:endParaRPr lang="en-US" dirty="0"/>
+              <a:rPr lang="zh-CN" altLang="en-US" dirty="0">
+                <a:solidFill>
+                  <a:schemeClr val="tx1">
+                    <a:lumMod val="65000"/>
+                    <a:lumOff val="35000"/>
+                  </a:schemeClr>
+                </a:solidFill>
+              </a:rPr>
+              <a:t>在硬件角度上，一个设备模组由一个核心和四个侧面构成。</a:t>
+            </a:r>
+            <a:endParaRPr lang="en-US" altLang="zh-CN" dirty="0">
+              <a:solidFill>
+                <a:schemeClr val="tx1">
+                  <a:lumMod val="65000"/>
+                  <a:lumOff val="35000"/>
+                </a:schemeClr>
+              </a:solidFill>
+            </a:endParaRPr>
+          </a:p>
+          <a:p>
+            <a:endParaRPr lang="en-US" altLang="zh-CN" dirty="0">
+              <a:solidFill>
+                <a:schemeClr val="tx1">
+                  <a:lumMod val="65000"/>
+                  <a:lumOff val="35000"/>
+                </a:schemeClr>
+              </a:solidFill>
+            </a:endParaRPr>
+          </a:p>
+          <a:p>
+            <a:r>
+              <a:rPr lang="zh-CN" altLang="en-US" dirty="0">
+                <a:solidFill>
+                  <a:schemeClr val="tx1">
+                    <a:lumMod val="65000"/>
+                    <a:lumOff val="35000"/>
+                  </a:schemeClr>
+                </a:solidFill>
+              </a:rPr>
+              <a:t>核心可能有很多种</a:t>
+            </a:r>
+            <a:endParaRPr lang="en-US" altLang="zh-CN" dirty="0">
+              <a:solidFill>
+                <a:schemeClr val="tx1">
+                  <a:lumMod val="65000"/>
+                  <a:lumOff val="35000"/>
+                </a:schemeClr>
+              </a:solidFill>
+            </a:endParaRPr>
+          </a:p>
+          <a:p>
+            <a:endParaRPr lang="en-US" altLang="zh-CN" dirty="0">
+              <a:solidFill>
+                <a:schemeClr val="bg1">
+                  <a:lumMod val="65000"/>
+                </a:schemeClr>
+              </a:solidFill>
+            </a:endParaRPr>
+          </a:p>
+          <a:p>
+            <a:r>
+              <a:rPr lang="zh-CN" altLang="en-US" dirty="0">
+                <a:solidFill>
+                  <a:schemeClr val="tx1">
+                    <a:lumMod val="95000"/>
+                    <a:lumOff val="5000"/>
+                  </a:schemeClr>
+                </a:solidFill>
+              </a:rPr>
+              <a:t>侧面只可能有两种：</a:t>
+            </a:r>
+            <a:endParaRPr lang="en-US" altLang="zh-CN" dirty="0">
+              <a:solidFill>
+                <a:schemeClr val="tx1">
+                  <a:lumMod val="95000"/>
+                  <a:lumOff val="5000"/>
+                </a:schemeClr>
+              </a:solidFill>
+            </a:endParaRPr>
+          </a:p>
+          <a:p>
+            <a:pPr lvl="1"/>
+            <a:r>
+              <a:rPr lang="zh-CN" altLang="en-US" dirty="0">
+                <a:solidFill>
+                  <a:schemeClr val="tx1">
+                    <a:lumMod val="95000"/>
+                    <a:lumOff val="5000"/>
+                  </a:schemeClr>
+                </a:solidFill>
+              </a:rPr>
+              <a:t>端子 </a:t>
+            </a:r>
+            <a:r>
+              <a:rPr lang="en-US" altLang="zh-CN" sz="1200" dirty="0">
+                <a:solidFill>
+                  <a:schemeClr val="tx1">
+                    <a:lumMod val="95000"/>
+                    <a:lumOff val="5000"/>
+                  </a:schemeClr>
+                </a:solidFill>
+              </a:rPr>
+              <a:t>(</a:t>
+            </a:r>
+            <a:r>
+              <a:rPr lang="zh-CN" altLang="en-US" sz="1200" dirty="0">
+                <a:solidFill>
+                  <a:schemeClr val="tx1">
+                    <a:lumMod val="95000"/>
+                    <a:lumOff val="5000"/>
+                  </a:schemeClr>
+                </a:solidFill>
+              </a:rPr>
+              <a:t>示意图中</a:t>
+            </a:r>
+            <a:r>
+              <a:rPr lang="zh-CN" altLang="en-US" sz="1200" dirty="0">
+                <a:solidFill>
+                  <a:schemeClr val="bg2">
+                    <a:lumMod val="50000"/>
+                  </a:schemeClr>
+                </a:solidFill>
+              </a:rPr>
+              <a:t>蓝色</a:t>
+            </a:r>
+            <a:r>
+              <a:rPr lang="zh-CN" altLang="en-US" sz="1200" dirty="0">
+                <a:solidFill>
+                  <a:schemeClr val="tx1">
+                    <a:lumMod val="95000"/>
+                    <a:lumOff val="5000"/>
+                  </a:schemeClr>
+                </a:solidFill>
+              </a:rPr>
+              <a:t>部分</a:t>
+            </a:r>
+            <a:r>
+              <a:rPr lang="en-US" altLang="zh-CN" sz="1200" dirty="0">
+                <a:solidFill>
+                  <a:schemeClr val="tx1">
+                    <a:lumMod val="95000"/>
+                    <a:lumOff val="5000"/>
+                  </a:schemeClr>
+                </a:solidFill>
+              </a:rPr>
+              <a:t>)</a:t>
+            </a:r>
+            <a:endParaRPr lang="en-US" altLang="zh-CN" dirty="0">
+              <a:solidFill>
+                <a:schemeClr val="tx1">
+                  <a:lumMod val="95000"/>
+                  <a:lumOff val="5000"/>
+                </a:schemeClr>
+              </a:solidFill>
+            </a:endParaRPr>
+          </a:p>
+          <a:p>
+            <a:pPr lvl="1"/>
+            <a:r>
+              <a:rPr lang="zh-CN" altLang="en-US" dirty="0">
+                <a:solidFill>
+                  <a:schemeClr val="tx1">
+                    <a:lumMod val="95000"/>
+                    <a:lumOff val="5000"/>
+                  </a:schemeClr>
+                </a:solidFill>
+              </a:rPr>
+              <a:t>死端 </a:t>
+            </a:r>
+            <a:r>
+              <a:rPr lang="en-US" altLang="zh-CN" sz="1200" dirty="0">
+                <a:solidFill>
+                  <a:schemeClr val="tx1">
+                    <a:lumMod val="95000"/>
+                    <a:lumOff val="5000"/>
+                  </a:schemeClr>
+                </a:solidFill>
+              </a:rPr>
+              <a:t>(</a:t>
+            </a:r>
+            <a:r>
+              <a:rPr lang="zh-CN" altLang="en-US" sz="1200" dirty="0">
+                <a:solidFill>
+                  <a:schemeClr val="tx1">
+                    <a:lumMod val="95000"/>
+                    <a:lumOff val="5000"/>
+                  </a:schemeClr>
+                </a:solidFill>
+              </a:rPr>
+              <a:t>示意图中</a:t>
+            </a:r>
+            <a:r>
+              <a:rPr lang="zh-CN" altLang="en-US" sz="1200" dirty="0">
+                <a:solidFill>
+                  <a:srgbClr val="C00000"/>
+                </a:solidFill>
+              </a:rPr>
+              <a:t>红色</a:t>
+            </a:r>
+            <a:r>
+              <a:rPr lang="zh-CN" altLang="en-US" sz="1200" dirty="0">
+                <a:solidFill>
+                  <a:schemeClr val="tx1">
+                    <a:lumMod val="95000"/>
+                    <a:lumOff val="5000"/>
+                  </a:schemeClr>
+                </a:solidFill>
+              </a:rPr>
+              <a:t>部分</a:t>
+            </a:r>
+            <a:r>
+              <a:rPr lang="en-US" altLang="zh-CN" sz="1200" dirty="0">
+                <a:solidFill>
+                  <a:schemeClr val="tx1">
+                    <a:lumMod val="95000"/>
+                    <a:lumOff val="5000"/>
+                  </a:schemeClr>
+                </a:solidFill>
+              </a:rPr>
+              <a:t>)</a:t>
+            </a:r>
+          </a:p>
+          <a:p>
+            <a:endParaRPr lang="en-US" dirty="0">
+              <a:solidFill>
+                <a:schemeClr val="bg1">
+                  <a:lumMod val="65000"/>
+                </a:schemeClr>
+              </a:solidFill>
+            </a:endParaRPr>
+          </a:p>
+          <a:p>
+            <a:r>
+              <a:rPr lang="zh-CN" altLang="en-US" dirty="0">
+                <a:solidFill>
+                  <a:schemeClr val="tx1">
+                    <a:lumMod val="65000"/>
+                    <a:lumOff val="35000"/>
+                  </a:schemeClr>
+                </a:solidFill>
+              </a:rPr>
+              <a:t>路由的过程本身就是将一个个核心和核心链接，而</a:t>
+            </a:r>
+            <a:r>
+              <a:rPr lang="zh-CN" altLang="en-US" dirty="0">
+                <a:solidFill>
+                  <a:schemeClr val="tx1">
+                    <a:lumMod val="95000"/>
+                    <a:lumOff val="5000"/>
+                  </a:schemeClr>
+                </a:solidFill>
+              </a:rPr>
+              <a:t>链接就是通过端子</a:t>
+            </a:r>
+            <a:r>
+              <a:rPr lang="zh-CN" altLang="en-US" dirty="0">
+                <a:solidFill>
+                  <a:schemeClr val="tx1">
+                    <a:lumMod val="65000"/>
+                    <a:lumOff val="35000"/>
+                  </a:schemeClr>
+                </a:solidFill>
+              </a:rPr>
+              <a:t>（死端不能链接）。</a:t>
+            </a:r>
+            <a:endParaRPr lang="en-US" altLang="zh-CN" dirty="0">
+              <a:solidFill>
+                <a:schemeClr val="tx1">
+                  <a:lumMod val="65000"/>
+                  <a:lumOff val="35000"/>
+                </a:schemeClr>
+              </a:solidFill>
+            </a:endParaRPr>
+          </a:p>
+          <a:p>
+            <a:endParaRPr lang="en-US" altLang="zh-CN" dirty="0">
+              <a:solidFill>
+                <a:schemeClr val="bg1">
+                  <a:lumMod val="65000"/>
+                </a:schemeClr>
+              </a:solidFill>
+            </a:endParaRPr>
+          </a:p>
+          <a:p>
+            <a:r>
+              <a:rPr lang="zh-CN" altLang="en-US" dirty="0">
+                <a:solidFill>
+                  <a:schemeClr val="tx1">
+                    <a:lumMod val="65000"/>
+                    <a:lumOff val="35000"/>
+                  </a:schemeClr>
+                </a:solidFill>
+              </a:rPr>
+              <a:t>核心在接收到对应</a:t>
+            </a:r>
+            <a:r>
+              <a:rPr lang="zh-CN" altLang="en-US" dirty="0">
+                <a:solidFill>
+                  <a:schemeClr val="tx1">
+                    <a:lumMod val="95000"/>
+                    <a:lumOff val="5000"/>
+                  </a:schemeClr>
+                </a:solidFill>
+              </a:rPr>
+              <a:t>计分的信号</a:t>
+            </a:r>
+            <a:r>
+              <a:rPr lang="zh-CN" altLang="en-US" dirty="0">
+                <a:solidFill>
+                  <a:schemeClr val="tx1">
+                    <a:lumMod val="65000"/>
+                    <a:lumOff val="35000"/>
+                  </a:schemeClr>
+                </a:solidFill>
+              </a:rPr>
+              <a:t>时会</a:t>
+            </a:r>
+            <a:r>
+              <a:rPr lang="zh-CN" altLang="en-US" dirty="0">
+                <a:solidFill>
+                  <a:schemeClr val="tx1">
+                    <a:lumMod val="95000"/>
+                    <a:lumOff val="5000"/>
+                  </a:schemeClr>
+                </a:solidFill>
+              </a:rPr>
+              <a:t>开始运行。</a:t>
+            </a:r>
+            <a:endParaRPr lang="en-US" altLang="zh-CN" dirty="0">
+              <a:solidFill>
+                <a:schemeClr val="tx1">
+                  <a:lumMod val="95000"/>
+                  <a:lumOff val="5000"/>
+                </a:schemeClr>
+              </a:solidFill>
+            </a:endParaRPr>
           </a:p>
         </p:txBody>
       </p:sp>
       <p:sp>
         <p:nvSpPr>
-          <p:cNvPr id="22" name="文本框 21">
-            <a:extLst>
-              <a:ext uri="{FF2B5EF4-FFF2-40B4-BE49-F238E27FC236}">
-                <a16:creationId xmlns:a16="http://schemas.microsoft.com/office/drawing/2014/main" id="{37B0572A-CD25-463D-8A64-72C7A74011FC}"/>
-              </a:ext>
-            </a:extLst>
-          </p:cNvPr>
-          <p:cNvSpPr txBox="1"/>
+          <p:cNvPr id="41" name="矩形 40">
+            <a:extLst>
+              <a:ext uri="{FF2B5EF4-FFF2-40B4-BE49-F238E27FC236}">
+                <a16:creationId xmlns:a16="http://schemas.microsoft.com/office/drawing/2014/main" id="{91946BF8-20AF-4EA9-A101-D04996AD86C8}"/>
+              </a:ext>
+            </a:extLst>
+          </p:cNvPr>
+          <p:cNvSpPr/>
           <p:nvPr/>
         </p:nvSpPr>
         <p:spPr>
           <a:xfrm>
-            <a:off x="6601522" y="3672280"/>
-            <a:ext cx="3924018" cy="1200329"/>
+            <a:off x="7056354" y="6595607"/>
+            <a:ext cx="4262705" cy="276999"/>
           </a:xfrm>
           <a:prstGeom prst="rect">
             <a:avLst/>
           </a:prstGeom>
-          <a:noFill/>
         </p:spPr>
         <p:txBody>
-          <a:bodyPr wrap="square" rtlCol="0">
+          <a:bodyPr wrap="none">
             <a:spAutoFit/>
           </a:bodyPr>
           <a:lstStyle/>
           <a:p>
-            <a:r>
-              <a:rPr lang="zh-CN" altLang="en-US" dirty="0"/>
-              <a:t>不同的核心负责发送或者接受信号、端子负责在不同核心间传递信号。不同的核心在接收到特定的信号后可以进行收益。</a:t>
-            </a:r>
-            <a:endParaRPr lang="en-US" dirty="0"/>
-          </a:p>
-        </p:txBody>
-      </p:sp>
-      <p:sp>
-        <p:nvSpPr>
-          <p:cNvPr id="23" name="文本框 22">
-            <a:extLst>
-              <a:ext uri="{FF2B5EF4-FFF2-40B4-BE49-F238E27FC236}">
-                <a16:creationId xmlns:a16="http://schemas.microsoft.com/office/drawing/2014/main" id="{D13101BE-A030-4F7B-8CB7-301E65BDB56F}"/>
-              </a:ext>
-            </a:extLst>
-          </p:cNvPr>
-          <p:cNvSpPr txBox="1"/>
-          <p:nvPr/>
-        </p:nvSpPr>
-        <p:spPr>
-          <a:xfrm>
-            <a:off x="6625035" y="5051855"/>
-            <a:ext cx="4127810" cy="1200329"/>
-          </a:xfrm>
-          <a:prstGeom prst="rect">
-            <a:avLst/>
-          </a:prstGeom>
-          <a:noFill/>
-        </p:spPr>
-        <p:txBody>
-          <a:bodyPr wrap="square" rtlCol="0">
-            <a:spAutoFit/>
-          </a:bodyPr>
-          <a:lstStyle/>
-          <a:p>
-            <a:r>
-              <a:rPr lang="zh-CN" altLang="en-US" dirty="0"/>
-              <a:t>数据信号只会由处理器模组发出</a:t>
-            </a:r>
-            <a:endParaRPr lang="en-US" altLang="zh-CN" dirty="0"/>
-          </a:p>
-          <a:p>
-            <a:r>
-              <a:rPr lang="zh-CN" altLang="en-US" dirty="0"/>
-              <a:t>网络信号只会有服务器模组发出，并且只能通过网络、网桥模组传播。</a:t>
-            </a:r>
-            <a:endParaRPr lang="en-US" dirty="0"/>
-          </a:p>
-          <a:p>
-            <a:endParaRPr lang="en-US" dirty="0"/>
-          </a:p>
-        </p:txBody>
-      </p:sp>
-      <p:sp>
-        <p:nvSpPr>
-          <p:cNvPr id="24" name="文本框 23">
-            <a:extLst>
-              <a:ext uri="{FF2B5EF4-FFF2-40B4-BE49-F238E27FC236}">
-                <a16:creationId xmlns:a16="http://schemas.microsoft.com/office/drawing/2014/main" id="{8A4FE41E-46E8-4A26-8DD3-C2F12E879A84}"/>
-              </a:ext>
-            </a:extLst>
-          </p:cNvPr>
-          <p:cNvSpPr txBox="1"/>
-          <p:nvPr/>
-        </p:nvSpPr>
-        <p:spPr>
-          <a:xfrm>
-            <a:off x="6625035" y="2013494"/>
-            <a:ext cx="3924018" cy="1754326"/>
-          </a:xfrm>
-          <a:prstGeom prst="rect">
-            <a:avLst/>
-          </a:prstGeom>
-          <a:noFill/>
-        </p:spPr>
-        <p:txBody>
-          <a:bodyPr wrap="square" rtlCol="0">
-            <a:spAutoFit/>
-          </a:bodyPr>
-          <a:lstStyle/>
-          <a:p>
-            <a:r>
-              <a:rPr lang="zh-CN" altLang="en-US" dirty="0"/>
-              <a:t>一个模组必然由一个核心和四个端子构成。</a:t>
-            </a:r>
-            <a:endParaRPr lang="en-US" altLang="zh-CN" dirty="0"/>
-          </a:p>
-          <a:p>
-            <a:r>
-              <a:rPr lang="zh-CN" altLang="en-US" dirty="0"/>
-              <a:t>核心有多种，然后端子只分为两种：可传播信号和不可传播信号。可传播信号的端子可以同时传递两种信号。</a:t>
-            </a:r>
-            <a:endParaRPr lang="en-US" altLang="zh-CN" dirty="0"/>
-          </a:p>
-          <a:p>
-            <a:endParaRPr lang="en-US" dirty="0"/>
-          </a:p>
-        </p:txBody>
-      </p:sp>
-      <p:sp>
-        <p:nvSpPr>
-          <p:cNvPr id="25" name="文本框 24">
-            <a:extLst>
-              <a:ext uri="{FF2B5EF4-FFF2-40B4-BE49-F238E27FC236}">
-                <a16:creationId xmlns:a16="http://schemas.microsoft.com/office/drawing/2014/main" id="{7FA67B8B-FDE0-4AD4-AC0D-3CDA9FB0F537}"/>
-              </a:ext>
-            </a:extLst>
-          </p:cNvPr>
-          <p:cNvSpPr txBox="1"/>
-          <p:nvPr/>
-        </p:nvSpPr>
-        <p:spPr>
-          <a:xfrm>
-            <a:off x="838200" y="5352585"/>
-            <a:ext cx="4861319" cy="646331"/>
-          </a:xfrm>
-          <a:prstGeom prst="rect">
-            <a:avLst/>
-          </a:prstGeom>
-          <a:noFill/>
-        </p:spPr>
-        <p:txBody>
-          <a:bodyPr wrap="square" rtlCol="0">
-            <a:spAutoFit/>
-          </a:bodyPr>
-          <a:lstStyle/>
-          <a:p>
-            <a:r>
-              <a:rPr lang="zh-CN" altLang="en-US" dirty="0"/>
-              <a:t>在端子传递信号时会点亮相应的</a:t>
-            </a:r>
-            <a:r>
-              <a:rPr lang="en-US" altLang="zh-CN" dirty="0"/>
-              <a:t>LED</a:t>
-            </a:r>
-            <a:r>
-              <a:rPr lang="zh-CN" altLang="en-US" dirty="0"/>
-              <a:t>，核心在接收到对应计分的信号时会开始运行。</a:t>
-            </a:r>
-            <a:endParaRPr lang="en-US" dirty="0"/>
+            <a:pPr lvl="0" algn="r"/>
+            <a:r>
+              <a:rPr lang="zh-CN" altLang="en-US" sz="1200" b="1" i="1" dirty="0">
+                <a:solidFill>
+                  <a:prstClr val="white">
+                    <a:lumMod val="50000"/>
+                  </a:prstClr>
+                </a:solidFill>
+              </a:rPr>
+              <a:t>*注：即使是未工作的模组，只要在场地上就要消费一定金钱</a:t>
+            </a:r>
+            <a:endParaRPr lang="en-US" altLang="zh-CN" sz="1200" b="1" i="1" dirty="0">
+              <a:solidFill>
+                <a:prstClr val="white">
+                  <a:lumMod val="50000"/>
+                </a:prstClr>
+              </a:solidFill>
+            </a:endParaRPr>
           </a:p>
         </p:txBody>
       </p:sp>
     </p:spTree>
     <p:extLst>
       <p:ext uri="{BB962C8B-B14F-4D97-AF65-F5344CB8AC3E}">
-        <p14:creationId xmlns:p14="http://schemas.microsoft.com/office/powerpoint/2010/main" val="4146688022"/>
+        <p14:creationId xmlns:p14="http://schemas.microsoft.com/office/powerpoint/2010/main" val="4203757830"/>
       </p:ext>
     </p:extLst>
   </p:cSld>
@@ -4691,7 +4825,1527 @@
           <p:cNvPr id="2" name="标题 1">
             <a:extLst>
               <a:ext uri="{FF2B5EF4-FFF2-40B4-BE49-F238E27FC236}">
-                <a16:creationId xmlns:a16="http://schemas.microsoft.com/office/drawing/2014/main" id="{B9110261-8660-4936-9702-B2F8C8BF72B5}"/>
+                <a16:creationId xmlns:a16="http://schemas.microsoft.com/office/drawing/2014/main" id="{7E40612C-3957-422B-A3CD-038D55AFA284}"/>
+              </a:ext>
+            </a:extLst>
+          </p:cNvPr>
+          <p:cNvSpPr>
+            <a:spLocks noGrp="1"/>
+          </p:cNvSpPr>
+          <p:nvPr>
+            <p:ph type="title"/>
+          </p:nvPr>
+        </p:nvSpPr>
+        <p:spPr>
+          <a:xfrm>
+            <a:off x="1261872" y="262393"/>
+            <a:ext cx="9692640" cy="1428929"/>
+          </a:xfrm>
+        </p:spPr>
+        <p:txBody>
+          <a:bodyPr/>
+          <a:lstStyle/>
+          <a:p>
+            <a:r>
+              <a:rPr lang="zh-CN" altLang="en-US" dirty="0"/>
+              <a:t>设备模组总体说明</a:t>
+            </a:r>
+            <a:r>
+              <a:rPr lang="en-US" altLang="zh-CN" dirty="0"/>
+              <a:t>——2</a:t>
+            </a:r>
+            <a:endParaRPr lang="en-US" dirty="0"/>
+          </a:p>
+        </p:txBody>
+      </p:sp>
+      <p:sp>
+        <p:nvSpPr>
+          <p:cNvPr id="23" name="文本框 22">
+            <a:extLst>
+              <a:ext uri="{FF2B5EF4-FFF2-40B4-BE49-F238E27FC236}">
+                <a16:creationId xmlns:a16="http://schemas.microsoft.com/office/drawing/2014/main" id="{D13101BE-A030-4F7B-8CB7-301E65BDB56F}"/>
+              </a:ext>
+            </a:extLst>
+          </p:cNvPr>
+          <p:cNvSpPr txBox="1"/>
+          <p:nvPr/>
+        </p:nvSpPr>
+        <p:spPr>
+          <a:xfrm>
+            <a:off x="5231596" y="6211669"/>
+            <a:ext cx="6073652" cy="646331"/>
+          </a:xfrm>
+          <a:prstGeom prst="rect">
+            <a:avLst/>
+          </a:prstGeom>
+          <a:noFill/>
+        </p:spPr>
+        <p:txBody>
+          <a:bodyPr wrap="square" rtlCol="0">
+            <a:spAutoFit/>
+          </a:bodyPr>
+          <a:lstStyle/>
+          <a:p>
+            <a:pPr algn="r"/>
+            <a:r>
+              <a:rPr lang="zh-CN" altLang="en-US" sz="1200" b="1" i="1" dirty="0">
+                <a:solidFill>
+                  <a:schemeClr val="bg1">
+                    <a:lumMod val="50000"/>
+                  </a:schemeClr>
+                </a:solidFill>
+              </a:rPr>
+              <a:t>*注：具体的发送、接受、传递规则在后面的附录可以看到</a:t>
+            </a:r>
+            <a:endParaRPr lang="en-US" altLang="zh-CN" sz="1200" b="1" i="1" dirty="0">
+              <a:solidFill>
+                <a:schemeClr val="bg1">
+                  <a:lumMod val="50000"/>
+                </a:schemeClr>
+              </a:solidFill>
+            </a:endParaRPr>
+          </a:p>
+          <a:p>
+            <a:pPr algn="r"/>
+            <a:r>
+              <a:rPr lang="zh-CN" altLang="en-US" sz="1200" b="1" i="1" dirty="0">
+                <a:solidFill>
+                  <a:schemeClr val="bg1">
+                    <a:lumMod val="50000"/>
+                  </a:schemeClr>
+                </a:solidFill>
+              </a:rPr>
+              <a:t>**注</a:t>
+            </a:r>
+            <a:r>
+              <a:rPr lang="en-US" altLang="zh-CN" sz="1200" b="1" i="1" dirty="0">
+                <a:solidFill>
+                  <a:schemeClr val="bg1">
+                    <a:lumMod val="50000"/>
+                  </a:schemeClr>
+                </a:solidFill>
+              </a:rPr>
+              <a:t>2</a:t>
+            </a:r>
+            <a:r>
+              <a:rPr lang="zh-CN" altLang="en-US" sz="1200" b="1" i="1" dirty="0">
+                <a:solidFill>
+                  <a:schemeClr val="bg1">
+                    <a:lumMod val="50000"/>
+                  </a:schemeClr>
+                </a:solidFill>
+              </a:rPr>
+              <a:t>：同一片场地上只能同时有一个处理器和服务器</a:t>
+            </a:r>
+            <a:endParaRPr lang="en-US" sz="1200" b="1" i="1" dirty="0">
+              <a:solidFill>
+                <a:schemeClr val="bg1">
+                  <a:lumMod val="50000"/>
+                </a:schemeClr>
+              </a:solidFill>
+            </a:endParaRPr>
+          </a:p>
+          <a:p>
+            <a:pPr algn="r"/>
+            <a:r>
+              <a:rPr lang="zh-CN" altLang="en-US" sz="1200" b="1" i="1" dirty="0">
+                <a:solidFill>
+                  <a:schemeClr val="bg1">
+                    <a:lumMod val="50000"/>
+                  </a:schemeClr>
+                </a:solidFill>
+              </a:rPr>
+              <a:t>***注</a:t>
+            </a:r>
+            <a:r>
+              <a:rPr lang="en-US" altLang="zh-CN" sz="1200" b="1" i="1" dirty="0">
+                <a:solidFill>
+                  <a:schemeClr val="bg1">
+                    <a:lumMod val="50000"/>
+                  </a:schemeClr>
+                </a:solidFill>
+              </a:rPr>
+              <a:t>3</a:t>
+            </a:r>
+            <a:r>
+              <a:rPr lang="zh-CN" altLang="en-US" sz="1200" b="1" i="1" dirty="0">
+                <a:solidFill>
+                  <a:schemeClr val="bg1">
+                    <a:lumMod val="50000"/>
+                  </a:schemeClr>
+                </a:solidFill>
+              </a:rPr>
+              <a:t>：只有处理器和服务器模组可以成为信号源，其他模组都只能传递信号</a:t>
+            </a:r>
+            <a:endParaRPr lang="en-US" sz="1200" b="1" i="1" dirty="0">
+              <a:solidFill>
+                <a:schemeClr val="bg1">
+                  <a:lumMod val="50000"/>
+                </a:schemeClr>
+              </a:solidFill>
+            </a:endParaRPr>
+          </a:p>
+        </p:txBody>
+      </p:sp>
+      <p:pic>
+        <p:nvPicPr>
+          <p:cNvPr id="26" name="图片 25" descr="图片包含 监视器, 天空&#10;&#10;描述已自动生成">
+            <a:extLst>
+              <a:ext uri="{FF2B5EF4-FFF2-40B4-BE49-F238E27FC236}">
+                <a16:creationId xmlns:a16="http://schemas.microsoft.com/office/drawing/2014/main" id="{61E0355A-E553-4AC3-BCAF-8B3991CD5C94}"/>
+              </a:ext>
+            </a:extLst>
+          </p:cNvPr>
+          <p:cNvPicPr>
+            <a:picLocks noChangeAspect="1"/>
+          </p:cNvPicPr>
+          <p:nvPr/>
+        </p:nvPicPr>
+        <p:blipFill>
+          <a:blip r:embed="rId2">
+            <a:extLst>
+              <a:ext uri="{28A0092B-C50C-407E-A947-70E740481C1C}">
+                <a14:useLocalDpi xmlns:a14="http://schemas.microsoft.com/office/drawing/2010/main" val="0"/>
+              </a:ext>
+            </a:extLst>
+          </a:blip>
+          <a:stretch>
+            <a:fillRect/>
+          </a:stretch>
+        </p:blipFill>
+        <p:spPr>
+          <a:xfrm rot="16200000">
+            <a:off x="2117124" y="2780228"/>
+            <a:ext cx="1241139" cy="143208"/>
+          </a:xfrm>
+          <a:prstGeom prst="rect">
+            <a:avLst/>
+          </a:prstGeom>
+        </p:spPr>
+      </p:pic>
+      <p:pic>
+        <p:nvPicPr>
+          <p:cNvPr id="49" name="图片 48">
+            <a:extLst>
+              <a:ext uri="{FF2B5EF4-FFF2-40B4-BE49-F238E27FC236}">
+                <a16:creationId xmlns:a16="http://schemas.microsoft.com/office/drawing/2014/main" id="{BFEC2FC9-F864-480D-9BE0-491BCDB0DE11}"/>
+              </a:ext>
+            </a:extLst>
+          </p:cNvPr>
+          <p:cNvPicPr>
+            <a:picLocks noChangeAspect="1"/>
+          </p:cNvPicPr>
+          <p:nvPr/>
+        </p:nvPicPr>
+        <p:blipFill>
+          <a:blip r:embed="rId3">
+            <a:extLst>
+              <a:ext uri="{28A0092B-C50C-407E-A947-70E740481C1C}">
+                <a14:useLocalDpi xmlns:a14="http://schemas.microsoft.com/office/drawing/2010/main" val="0"/>
+              </a:ext>
+            </a:extLst>
+          </a:blip>
+          <a:srcRect/>
+          <a:stretch/>
+        </p:blipFill>
+        <p:spPr>
+          <a:xfrm>
+            <a:off x="2807817" y="2223553"/>
+            <a:ext cx="1243049" cy="1243049"/>
+          </a:xfrm>
+          <a:prstGeom prst="rect">
+            <a:avLst/>
+          </a:prstGeom>
+        </p:spPr>
+      </p:pic>
+      <p:pic>
+        <p:nvPicPr>
+          <p:cNvPr id="50" name="图片 49">
+            <a:extLst>
+              <a:ext uri="{FF2B5EF4-FFF2-40B4-BE49-F238E27FC236}">
+                <a16:creationId xmlns:a16="http://schemas.microsoft.com/office/drawing/2014/main" id="{3A4656D2-2F3D-41DB-9765-184872C9DA93}"/>
+              </a:ext>
+            </a:extLst>
+          </p:cNvPr>
+          <p:cNvPicPr>
+            <a:picLocks noChangeAspect="1"/>
+          </p:cNvPicPr>
+          <p:nvPr/>
+        </p:nvPicPr>
+        <p:blipFill>
+          <a:blip r:embed="rId4">
+            <a:extLst>
+              <a:ext uri="{28A0092B-C50C-407E-A947-70E740481C1C}">
+                <a14:useLocalDpi xmlns:a14="http://schemas.microsoft.com/office/drawing/2010/main" val="0"/>
+              </a:ext>
+            </a:extLst>
+          </a:blip>
+          <a:srcRect/>
+          <a:stretch/>
+        </p:blipFill>
+        <p:spPr>
+          <a:xfrm>
+            <a:off x="1278528" y="2230400"/>
+            <a:ext cx="1243049" cy="1243049"/>
+          </a:xfrm>
+          <a:prstGeom prst="rect">
+            <a:avLst/>
+          </a:prstGeom>
+        </p:spPr>
+      </p:pic>
+      <p:pic>
+        <p:nvPicPr>
+          <p:cNvPr id="51" name="图片 50">
+            <a:extLst>
+              <a:ext uri="{FF2B5EF4-FFF2-40B4-BE49-F238E27FC236}">
+                <a16:creationId xmlns:a16="http://schemas.microsoft.com/office/drawing/2014/main" id="{231B6010-F895-414A-9B8F-53AC4B6A7F1D}"/>
+              </a:ext>
+            </a:extLst>
+          </p:cNvPr>
+          <p:cNvPicPr>
+            <a:picLocks noChangeAspect="1"/>
+          </p:cNvPicPr>
+          <p:nvPr/>
+        </p:nvPicPr>
+        <p:blipFill>
+          <a:blip r:embed="rId5">
+            <a:extLst>
+              <a:ext uri="{28A0092B-C50C-407E-A947-70E740481C1C}">
+                <a14:useLocalDpi xmlns:a14="http://schemas.microsoft.com/office/drawing/2010/main" val="0"/>
+              </a:ext>
+            </a:extLst>
+          </a:blip>
+          <a:stretch>
+            <a:fillRect/>
+          </a:stretch>
+        </p:blipFill>
+        <p:spPr>
+          <a:xfrm rot="16200000">
+            <a:off x="594228" y="2777464"/>
+            <a:ext cx="1235694" cy="142581"/>
+          </a:xfrm>
+          <a:prstGeom prst="rect">
+            <a:avLst/>
+          </a:prstGeom>
+        </p:spPr>
+      </p:pic>
+      <p:pic>
+        <p:nvPicPr>
+          <p:cNvPr id="52" name="图片 51">
+            <a:extLst>
+              <a:ext uri="{FF2B5EF4-FFF2-40B4-BE49-F238E27FC236}">
+                <a16:creationId xmlns:a16="http://schemas.microsoft.com/office/drawing/2014/main" id="{5F34CE22-D221-4008-9A3E-2D92CA129058}"/>
+              </a:ext>
+            </a:extLst>
+          </p:cNvPr>
+          <p:cNvPicPr>
+            <a:picLocks noChangeAspect="1"/>
+          </p:cNvPicPr>
+          <p:nvPr/>
+        </p:nvPicPr>
+        <p:blipFill>
+          <a:blip r:embed="rId6">
+            <a:extLst>
+              <a:ext uri="{28A0092B-C50C-407E-A947-70E740481C1C}">
+                <a14:useLocalDpi xmlns:a14="http://schemas.microsoft.com/office/drawing/2010/main" val="0"/>
+              </a:ext>
+            </a:extLst>
+          </a:blip>
+          <a:stretch>
+            <a:fillRect/>
+          </a:stretch>
+        </p:blipFill>
+        <p:spPr>
+          <a:xfrm>
+            <a:off x="1283366" y="2134310"/>
+            <a:ext cx="1240500" cy="95423"/>
+          </a:xfrm>
+          <a:prstGeom prst="rect">
+            <a:avLst/>
+          </a:prstGeom>
+        </p:spPr>
+      </p:pic>
+      <p:pic>
+        <p:nvPicPr>
+          <p:cNvPr id="53" name="图片 52">
+            <a:extLst>
+              <a:ext uri="{FF2B5EF4-FFF2-40B4-BE49-F238E27FC236}">
+                <a16:creationId xmlns:a16="http://schemas.microsoft.com/office/drawing/2014/main" id="{55402F68-702D-4FB5-A219-1469023FB905}"/>
+              </a:ext>
+            </a:extLst>
+          </p:cNvPr>
+          <p:cNvPicPr>
+            <a:picLocks noChangeAspect="1"/>
+          </p:cNvPicPr>
+          <p:nvPr/>
+        </p:nvPicPr>
+        <p:blipFill>
+          <a:blip r:embed="rId6">
+            <a:extLst>
+              <a:ext uri="{28A0092B-C50C-407E-A947-70E740481C1C}">
+                <a14:useLocalDpi xmlns:a14="http://schemas.microsoft.com/office/drawing/2010/main" val="0"/>
+              </a:ext>
+            </a:extLst>
+          </a:blip>
+          <a:stretch>
+            <a:fillRect/>
+          </a:stretch>
+        </p:blipFill>
+        <p:spPr>
+          <a:xfrm>
+            <a:off x="2809298" y="2136540"/>
+            <a:ext cx="1240500" cy="95423"/>
+          </a:xfrm>
+          <a:prstGeom prst="rect">
+            <a:avLst/>
+          </a:prstGeom>
+        </p:spPr>
+      </p:pic>
+      <p:pic>
+        <p:nvPicPr>
+          <p:cNvPr id="54" name="图片 53">
+            <a:extLst>
+              <a:ext uri="{FF2B5EF4-FFF2-40B4-BE49-F238E27FC236}">
+                <a16:creationId xmlns:a16="http://schemas.microsoft.com/office/drawing/2014/main" id="{50C49F44-534F-4C18-8C10-3CBF644DDD97}"/>
+              </a:ext>
+            </a:extLst>
+          </p:cNvPr>
+          <p:cNvPicPr>
+            <a:picLocks noChangeAspect="1"/>
+          </p:cNvPicPr>
+          <p:nvPr/>
+        </p:nvPicPr>
+        <p:blipFill>
+          <a:blip r:embed="rId6">
+            <a:extLst>
+              <a:ext uri="{28A0092B-C50C-407E-A947-70E740481C1C}">
+                <a14:useLocalDpi xmlns:a14="http://schemas.microsoft.com/office/drawing/2010/main" val="0"/>
+              </a:ext>
+            </a:extLst>
+          </a:blip>
+          <a:stretch>
+            <a:fillRect/>
+          </a:stretch>
+        </p:blipFill>
+        <p:spPr>
+          <a:xfrm rot="10800000">
+            <a:off x="2808885" y="3463376"/>
+            <a:ext cx="1240500" cy="95423"/>
+          </a:xfrm>
+          <a:prstGeom prst="rect">
+            <a:avLst/>
+          </a:prstGeom>
+        </p:spPr>
+      </p:pic>
+      <p:pic>
+        <p:nvPicPr>
+          <p:cNvPr id="55" name="图片 54">
+            <a:extLst>
+              <a:ext uri="{FF2B5EF4-FFF2-40B4-BE49-F238E27FC236}">
+                <a16:creationId xmlns:a16="http://schemas.microsoft.com/office/drawing/2014/main" id="{B0595511-81AB-4958-B094-8372348F4973}"/>
+              </a:ext>
+            </a:extLst>
+          </p:cNvPr>
+          <p:cNvPicPr>
+            <a:picLocks noChangeAspect="1"/>
+          </p:cNvPicPr>
+          <p:nvPr/>
+        </p:nvPicPr>
+        <p:blipFill>
+          <a:blip r:embed="rId6">
+            <a:extLst>
+              <a:ext uri="{28A0092B-C50C-407E-A947-70E740481C1C}">
+                <a14:useLocalDpi xmlns:a14="http://schemas.microsoft.com/office/drawing/2010/main" val="0"/>
+              </a:ext>
+            </a:extLst>
+          </a:blip>
+          <a:stretch>
+            <a:fillRect/>
+          </a:stretch>
+        </p:blipFill>
+        <p:spPr>
+          <a:xfrm rot="10800000">
+            <a:off x="1283366" y="3457017"/>
+            <a:ext cx="1240500" cy="95423"/>
+          </a:xfrm>
+          <a:prstGeom prst="rect">
+            <a:avLst/>
+          </a:prstGeom>
+        </p:spPr>
+      </p:pic>
+      <p:pic>
+        <p:nvPicPr>
+          <p:cNvPr id="58" name="图片 57" descr="图片包含 监视器, 天空&#10;&#10;描述已自动生成">
+            <a:extLst>
+              <a:ext uri="{FF2B5EF4-FFF2-40B4-BE49-F238E27FC236}">
+                <a16:creationId xmlns:a16="http://schemas.microsoft.com/office/drawing/2014/main" id="{3C421663-A829-4AA6-A021-39CA1CC58CFC}"/>
+              </a:ext>
+            </a:extLst>
+          </p:cNvPr>
+          <p:cNvPicPr>
+            <a:picLocks noChangeAspect="1"/>
+          </p:cNvPicPr>
+          <p:nvPr/>
+        </p:nvPicPr>
+        <p:blipFill>
+          <a:blip r:embed="rId2">
+            <a:extLst>
+              <a:ext uri="{28A0092B-C50C-407E-A947-70E740481C1C}">
+                <a14:useLocalDpi xmlns:a14="http://schemas.microsoft.com/office/drawing/2010/main" val="0"/>
+              </a:ext>
+            </a:extLst>
+          </a:blip>
+          <a:stretch>
+            <a:fillRect/>
+          </a:stretch>
+        </p:blipFill>
+        <p:spPr>
+          <a:xfrm rot="5400000">
+            <a:off x="1973917" y="2779032"/>
+            <a:ext cx="1241137" cy="143208"/>
+          </a:xfrm>
+          <a:prstGeom prst="rect">
+            <a:avLst/>
+          </a:prstGeom>
+        </p:spPr>
+      </p:pic>
+      <p:pic>
+        <p:nvPicPr>
+          <p:cNvPr id="59" name="图片 58">
+            <a:extLst>
+              <a:ext uri="{FF2B5EF4-FFF2-40B4-BE49-F238E27FC236}">
+                <a16:creationId xmlns:a16="http://schemas.microsoft.com/office/drawing/2014/main" id="{67A4FBD4-DED0-4F4A-BAEA-DDBC9EE6F563}"/>
+              </a:ext>
+            </a:extLst>
+          </p:cNvPr>
+          <p:cNvPicPr>
+            <a:picLocks noChangeAspect="1"/>
+          </p:cNvPicPr>
+          <p:nvPr/>
+        </p:nvPicPr>
+        <p:blipFill>
+          <a:blip r:embed="rId7">
+            <a:extLst>
+              <a:ext uri="{28A0092B-C50C-407E-A947-70E740481C1C}">
+                <a14:useLocalDpi xmlns:a14="http://schemas.microsoft.com/office/drawing/2010/main" val="0"/>
+              </a:ext>
+            </a:extLst>
+          </a:blip>
+          <a:stretch>
+            <a:fillRect/>
+          </a:stretch>
+        </p:blipFill>
+        <p:spPr>
+          <a:xfrm rot="5400000">
+            <a:off x="1975266" y="4559466"/>
+            <a:ext cx="1230742" cy="142009"/>
+          </a:xfrm>
+          <a:prstGeom prst="rect">
+            <a:avLst/>
+          </a:prstGeom>
+        </p:spPr>
+      </p:pic>
+      <p:pic>
+        <p:nvPicPr>
+          <p:cNvPr id="62" name="图片 61" descr="图片包含 建筑物&#10;&#10;描述已自动生成">
+            <a:extLst>
+              <a:ext uri="{FF2B5EF4-FFF2-40B4-BE49-F238E27FC236}">
+                <a16:creationId xmlns:a16="http://schemas.microsoft.com/office/drawing/2014/main" id="{38454244-03E3-4D33-BB34-A734195A77C0}"/>
+              </a:ext>
+            </a:extLst>
+          </p:cNvPr>
+          <p:cNvPicPr>
+            <a:picLocks noChangeAspect="1"/>
+          </p:cNvPicPr>
+          <p:nvPr/>
+        </p:nvPicPr>
+        <p:blipFill>
+          <a:blip r:embed="rId8">
+            <a:extLst>
+              <a:ext uri="{28A0092B-C50C-407E-A947-70E740481C1C}">
+                <a14:useLocalDpi xmlns:a14="http://schemas.microsoft.com/office/drawing/2010/main" val="0"/>
+              </a:ext>
+            </a:extLst>
+          </a:blip>
+          <a:stretch>
+            <a:fillRect/>
+          </a:stretch>
+        </p:blipFill>
+        <p:spPr>
+          <a:xfrm>
+            <a:off x="2802737" y="4006017"/>
+            <a:ext cx="1243049" cy="1243049"/>
+          </a:xfrm>
+          <a:prstGeom prst="rect">
+            <a:avLst/>
+          </a:prstGeom>
+        </p:spPr>
+      </p:pic>
+      <p:pic>
+        <p:nvPicPr>
+          <p:cNvPr id="63" name="图片 62">
+            <a:extLst>
+              <a:ext uri="{FF2B5EF4-FFF2-40B4-BE49-F238E27FC236}">
+                <a16:creationId xmlns:a16="http://schemas.microsoft.com/office/drawing/2014/main" id="{22358CA8-7CB8-4874-BD5E-3AFE34B9942E}"/>
+              </a:ext>
+            </a:extLst>
+          </p:cNvPr>
+          <p:cNvPicPr>
+            <a:picLocks noChangeAspect="1"/>
+          </p:cNvPicPr>
+          <p:nvPr/>
+        </p:nvPicPr>
+        <p:blipFill>
+          <a:blip r:embed="rId9">
+            <a:extLst>
+              <a:ext uri="{28A0092B-C50C-407E-A947-70E740481C1C}">
+                <a14:useLocalDpi xmlns:a14="http://schemas.microsoft.com/office/drawing/2010/main" val="0"/>
+              </a:ext>
+            </a:extLst>
+          </a:blip>
+          <a:stretch>
+            <a:fillRect/>
+          </a:stretch>
+        </p:blipFill>
+        <p:spPr>
+          <a:xfrm>
+            <a:off x="1278528" y="4019223"/>
+            <a:ext cx="1243049" cy="1243049"/>
+          </a:xfrm>
+          <a:prstGeom prst="rect">
+            <a:avLst/>
+          </a:prstGeom>
+        </p:spPr>
+      </p:pic>
+      <p:pic>
+        <p:nvPicPr>
+          <p:cNvPr id="64" name="图片 63">
+            <a:extLst>
+              <a:ext uri="{FF2B5EF4-FFF2-40B4-BE49-F238E27FC236}">
+                <a16:creationId xmlns:a16="http://schemas.microsoft.com/office/drawing/2014/main" id="{24BAF56F-E4AB-4FD9-BDD3-05BAAE256FD1}"/>
+              </a:ext>
+            </a:extLst>
+          </p:cNvPr>
+          <p:cNvPicPr>
+            <a:picLocks noChangeAspect="1"/>
+          </p:cNvPicPr>
+          <p:nvPr/>
+        </p:nvPicPr>
+        <p:blipFill>
+          <a:blip r:embed="rId5">
+            <a:extLst>
+              <a:ext uri="{28A0092B-C50C-407E-A947-70E740481C1C}">
+                <a14:useLocalDpi xmlns:a14="http://schemas.microsoft.com/office/drawing/2010/main" val="0"/>
+              </a:ext>
+            </a:extLst>
+          </a:blip>
+          <a:stretch>
+            <a:fillRect/>
+          </a:stretch>
+        </p:blipFill>
+        <p:spPr>
+          <a:xfrm rot="16200000">
+            <a:off x="594228" y="4566287"/>
+            <a:ext cx="1235694" cy="142581"/>
+          </a:xfrm>
+          <a:prstGeom prst="rect">
+            <a:avLst/>
+          </a:prstGeom>
+        </p:spPr>
+      </p:pic>
+      <p:pic>
+        <p:nvPicPr>
+          <p:cNvPr id="65" name="图片 64">
+            <a:extLst>
+              <a:ext uri="{FF2B5EF4-FFF2-40B4-BE49-F238E27FC236}">
+                <a16:creationId xmlns:a16="http://schemas.microsoft.com/office/drawing/2014/main" id="{88CF7250-D156-4C06-87C3-E8102E3DF2AB}"/>
+              </a:ext>
+            </a:extLst>
+          </p:cNvPr>
+          <p:cNvPicPr>
+            <a:picLocks noChangeAspect="1"/>
+          </p:cNvPicPr>
+          <p:nvPr/>
+        </p:nvPicPr>
+        <p:blipFill>
+          <a:blip r:embed="rId6">
+            <a:extLst>
+              <a:ext uri="{28A0092B-C50C-407E-A947-70E740481C1C}">
+                <a14:useLocalDpi xmlns:a14="http://schemas.microsoft.com/office/drawing/2010/main" val="0"/>
+              </a:ext>
+            </a:extLst>
+          </a:blip>
+          <a:stretch>
+            <a:fillRect/>
+          </a:stretch>
+        </p:blipFill>
+        <p:spPr>
+          <a:xfrm>
+            <a:off x="1279133" y="3927366"/>
+            <a:ext cx="1240500" cy="95423"/>
+          </a:xfrm>
+          <a:prstGeom prst="rect">
+            <a:avLst/>
+          </a:prstGeom>
+        </p:spPr>
+      </p:pic>
+      <p:pic>
+        <p:nvPicPr>
+          <p:cNvPr id="66" name="图片 65">
+            <a:extLst>
+              <a:ext uri="{FF2B5EF4-FFF2-40B4-BE49-F238E27FC236}">
+                <a16:creationId xmlns:a16="http://schemas.microsoft.com/office/drawing/2014/main" id="{91B5A1CF-299F-43D2-A6BB-CFC43867C921}"/>
+              </a:ext>
+            </a:extLst>
+          </p:cNvPr>
+          <p:cNvPicPr>
+            <a:picLocks noChangeAspect="1"/>
+          </p:cNvPicPr>
+          <p:nvPr/>
+        </p:nvPicPr>
+        <p:blipFill>
+          <a:blip r:embed="rId6">
+            <a:extLst>
+              <a:ext uri="{28A0092B-C50C-407E-A947-70E740481C1C}">
+                <a14:useLocalDpi xmlns:a14="http://schemas.microsoft.com/office/drawing/2010/main" val="0"/>
+              </a:ext>
+            </a:extLst>
+          </a:blip>
+          <a:stretch>
+            <a:fillRect/>
+          </a:stretch>
+        </p:blipFill>
+        <p:spPr>
+          <a:xfrm>
+            <a:off x="2804218" y="3919004"/>
+            <a:ext cx="1240500" cy="95423"/>
+          </a:xfrm>
+          <a:prstGeom prst="rect">
+            <a:avLst/>
+          </a:prstGeom>
+        </p:spPr>
+      </p:pic>
+      <p:pic>
+        <p:nvPicPr>
+          <p:cNvPr id="67" name="图片 66">
+            <a:extLst>
+              <a:ext uri="{FF2B5EF4-FFF2-40B4-BE49-F238E27FC236}">
+                <a16:creationId xmlns:a16="http://schemas.microsoft.com/office/drawing/2014/main" id="{926886C0-EA6F-4A50-8076-6505E03AE260}"/>
+              </a:ext>
+            </a:extLst>
+          </p:cNvPr>
+          <p:cNvPicPr>
+            <a:picLocks noChangeAspect="1"/>
+          </p:cNvPicPr>
+          <p:nvPr/>
+        </p:nvPicPr>
+        <p:blipFill>
+          <a:blip r:embed="rId6">
+            <a:extLst>
+              <a:ext uri="{28A0092B-C50C-407E-A947-70E740481C1C}">
+                <a14:useLocalDpi xmlns:a14="http://schemas.microsoft.com/office/drawing/2010/main" val="0"/>
+              </a:ext>
+            </a:extLst>
+          </a:blip>
+          <a:stretch>
+            <a:fillRect/>
+          </a:stretch>
+        </p:blipFill>
+        <p:spPr>
+          <a:xfrm rot="10800000">
+            <a:off x="2803805" y="5245840"/>
+            <a:ext cx="1240500" cy="95423"/>
+          </a:xfrm>
+          <a:prstGeom prst="rect">
+            <a:avLst/>
+          </a:prstGeom>
+        </p:spPr>
+      </p:pic>
+      <p:pic>
+        <p:nvPicPr>
+          <p:cNvPr id="68" name="图片 67">
+            <a:extLst>
+              <a:ext uri="{FF2B5EF4-FFF2-40B4-BE49-F238E27FC236}">
+                <a16:creationId xmlns:a16="http://schemas.microsoft.com/office/drawing/2014/main" id="{AAE71F43-06BF-4022-94ED-80AEACA02BDB}"/>
+              </a:ext>
+            </a:extLst>
+          </p:cNvPr>
+          <p:cNvPicPr>
+            <a:picLocks noChangeAspect="1"/>
+          </p:cNvPicPr>
+          <p:nvPr/>
+        </p:nvPicPr>
+        <p:blipFill>
+          <a:blip r:embed="rId6">
+            <a:extLst>
+              <a:ext uri="{28A0092B-C50C-407E-A947-70E740481C1C}">
+                <a14:useLocalDpi xmlns:a14="http://schemas.microsoft.com/office/drawing/2010/main" val="0"/>
+              </a:ext>
+            </a:extLst>
+          </a:blip>
+          <a:stretch>
+            <a:fillRect/>
+          </a:stretch>
+        </p:blipFill>
+        <p:spPr>
+          <a:xfrm rot="10800000">
+            <a:off x="1283366" y="5245840"/>
+            <a:ext cx="1240500" cy="95423"/>
+          </a:xfrm>
+          <a:prstGeom prst="rect">
+            <a:avLst/>
+          </a:prstGeom>
+        </p:spPr>
+      </p:pic>
+      <p:pic>
+        <p:nvPicPr>
+          <p:cNvPr id="71" name="图片 70">
+            <a:extLst>
+              <a:ext uri="{FF2B5EF4-FFF2-40B4-BE49-F238E27FC236}">
+                <a16:creationId xmlns:a16="http://schemas.microsoft.com/office/drawing/2014/main" id="{A94CDAB8-916C-4AD5-BE15-8A976626326E}"/>
+              </a:ext>
+            </a:extLst>
+          </p:cNvPr>
+          <p:cNvPicPr>
+            <a:picLocks noChangeAspect="1"/>
+          </p:cNvPicPr>
+          <p:nvPr/>
+        </p:nvPicPr>
+        <p:blipFill>
+          <a:blip r:embed="rId7">
+            <a:extLst>
+              <a:ext uri="{28A0092B-C50C-407E-A947-70E740481C1C}">
+                <a14:useLocalDpi xmlns:a14="http://schemas.microsoft.com/office/drawing/2010/main" val="0"/>
+              </a:ext>
+            </a:extLst>
+          </a:blip>
+          <a:stretch>
+            <a:fillRect/>
+          </a:stretch>
+        </p:blipFill>
+        <p:spPr>
+          <a:xfrm rot="16200000">
+            <a:off x="2113617" y="4559465"/>
+            <a:ext cx="1230742" cy="142009"/>
+          </a:xfrm>
+          <a:prstGeom prst="rect">
+            <a:avLst/>
+          </a:prstGeom>
+        </p:spPr>
+      </p:pic>
+      <p:pic>
+        <p:nvPicPr>
+          <p:cNvPr id="77" name="图片 76" descr="图片包含 监视器, 天空&#10;&#10;描述已自动生成">
+            <a:extLst>
+              <a:ext uri="{FF2B5EF4-FFF2-40B4-BE49-F238E27FC236}">
+                <a16:creationId xmlns:a16="http://schemas.microsoft.com/office/drawing/2014/main" id="{A51538C8-B53E-467D-B9BE-046FC15BBBC1}"/>
+              </a:ext>
+            </a:extLst>
+          </p:cNvPr>
+          <p:cNvPicPr>
+            <a:picLocks noChangeAspect="1"/>
+          </p:cNvPicPr>
+          <p:nvPr/>
+        </p:nvPicPr>
+        <p:blipFill>
+          <a:blip r:embed="rId2">
+            <a:extLst>
+              <a:ext uri="{28A0092B-C50C-407E-A947-70E740481C1C}">
+                <a14:useLocalDpi xmlns:a14="http://schemas.microsoft.com/office/drawing/2010/main" val="0"/>
+              </a:ext>
+            </a:extLst>
+          </a:blip>
+          <a:stretch>
+            <a:fillRect/>
+          </a:stretch>
+        </p:blipFill>
+        <p:spPr>
+          <a:xfrm rot="16200000">
+            <a:off x="3646424" y="2787076"/>
+            <a:ext cx="1241139" cy="143208"/>
+          </a:xfrm>
+          <a:prstGeom prst="rect">
+            <a:avLst/>
+          </a:prstGeom>
+        </p:spPr>
+      </p:pic>
+      <p:pic>
+        <p:nvPicPr>
+          <p:cNvPr id="78" name="图片 77">
+            <a:extLst>
+              <a:ext uri="{FF2B5EF4-FFF2-40B4-BE49-F238E27FC236}">
+                <a16:creationId xmlns:a16="http://schemas.microsoft.com/office/drawing/2014/main" id="{D1C7162A-E595-4A91-A6A3-626DAB1C1657}"/>
+              </a:ext>
+            </a:extLst>
+          </p:cNvPr>
+          <p:cNvPicPr>
+            <a:picLocks noChangeAspect="1"/>
+          </p:cNvPicPr>
+          <p:nvPr/>
+        </p:nvPicPr>
+        <p:blipFill>
+          <a:blip r:embed="rId3">
+            <a:extLst>
+              <a:ext uri="{28A0092B-C50C-407E-A947-70E740481C1C}">
+                <a14:useLocalDpi xmlns:a14="http://schemas.microsoft.com/office/drawing/2010/main" val="0"/>
+              </a:ext>
+            </a:extLst>
+          </a:blip>
+          <a:srcRect/>
+          <a:stretch/>
+        </p:blipFill>
+        <p:spPr>
+          <a:xfrm>
+            <a:off x="4337117" y="2230401"/>
+            <a:ext cx="1243049" cy="1243049"/>
+          </a:xfrm>
+          <a:prstGeom prst="rect">
+            <a:avLst/>
+          </a:prstGeom>
+        </p:spPr>
+      </p:pic>
+      <p:pic>
+        <p:nvPicPr>
+          <p:cNvPr id="79" name="图片 78">
+            <a:extLst>
+              <a:ext uri="{FF2B5EF4-FFF2-40B4-BE49-F238E27FC236}">
+                <a16:creationId xmlns:a16="http://schemas.microsoft.com/office/drawing/2014/main" id="{8A6DBE0D-FDDA-4D29-B452-559DE62FFB2A}"/>
+              </a:ext>
+            </a:extLst>
+          </p:cNvPr>
+          <p:cNvPicPr>
+            <a:picLocks noChangeAspect="1"/>
+          </p:cNvPicPr>
+          <p:nvPr/>
+        </p:nvPicPr>
+        <p:blipFill>
+          <a:blip r:embed="rId6">
+            <a:extLst>
+              <a:ext uri="{28A0092B-C50C-407E-A947-70E740481C1C}">
+                <a14:useLocalDpi xmlns:a14="http://schemas.microsoft.com/office/drawing/2010/main" val="0"/>
+              </a:ext>
+            </a:extLst>
+          </a:blip>
+          <a:stretch>
+            <a:fillRect/>
+          </a:stretch>
+        </p:blipFill>
+        <p:spPr>
+          <a:xfrm>
+            <a:off x="4338598" y="2143388"/>
+            <a:ext cx="1240500" cy="95423"/>
+          </a:xfrm>
+          <a:prstGeom prst="rect">
+            <a:avLst/>
+          </a:prstGeom>
+        </p:spPr>
+      </p:pic>
+      <p:pic>
+        <p:nvPicPr>
+          <p:cNvPr id="80" name="图片 79">
+            <a:extLst>
+              <a:ext uri="{FF2B5EF4-FFF2-40B4-BE49-F238E27FC236}">
+                <a16:creationId xmlns:a16="http://schemas.microsoft.com/office/drawing/2014/main" id="{26973F94-7A44-4667-8CFA-CEBC03897B55}"/>
+              </a:ext>
+            </a:extLst>
+          </p:cNvPr>
+          <p:cNvPicPr>
+            <a:picLocks noChangeAspect="1"/>
+          </p:cNvPicPr>
+          <p:nvPr/>
+        </p:nvPicPr>
+        <p:blipFill>
+          <a:blip r:embed="rId6">
+            <a:extLst>
+              <a:ext uri="{28A0092B-C50C-407E-A947-70E740481C1C}">
+                <a14:useLocalDpi xmlns:a14="http://schemas.microsoft.com/office/drawing/2010/main" val="0"/>
+              </a:ext>
+            </a:extLst>
+          </a:blip>
+          <a:stretch>
+            <a:fillRect/>
+          </a:stretch>
+        </p:blipFill>
+        <p:spPr>
+          <a:xfrm rot="10800000">
+            <a:off x="4338185" y="3470224"/>
+            <a:ext cx="1240500" cy="95423"/>
+          </a:xfrm>
+          <a:prstGeom prst="rect">
+            <a:avLst/>
+          </a:prstGeom>
+        </p:spPr>
+      </p:pic>
+      <p:pic>
+        <p:nvPicPr>
+          <p:cNvPr id="81" name="图片 80">
+            <a:extLst>
+              <a:ext uri="{FF2B5EF4-FFF2-40B4-BE49-F238E27FC236}">
+                <a16:creationId xmlns:a16="http://schemas.microsoft.com/office/drawing/2014/main" id="{7B661A40-4A23-4425-A547-58D3D10304B8}"/>
+              </a:ext>
+            </a:extLst>
+          </p:cNvPr>
+          <p:cNvPicPr>
+            <a:picLocks noChangeAspect="1"/>
+          </p:cNvPicPr>
+          <p:nvPr/>
+        </p:nvPicPr>
+        <p:blipFill>
+          <a:blip r:embed="rId5">
+            <a:extLst>
+              <a:ext uri="{28A0092B-C50C-407E-A947-70E740481C1C}">
+                <a14:useLocalDpi xmlns:a14="http://schemas.microsoft.com/office/drawing/2010/main" val="0"/>
+              </a:ext>
+            </a:extLst>
+          </a:blip>
+          <a:stretch>
+            <a:fillRect/>
+          </a:stretch>
+        </p:blipFill>
+        <p:spPr>
+          <a:xfrm rot="5400000">
+            <a:off x="5032456" y="2776958"/>
+            <a:ext cx="1235694" cy="142581"/>
+          </a:xfrm>
+          <a:prstGeom prst="rect">
+            <a:avLst/>
+          </a:prstGeom>
+        </p:spPr>
+      </p:pic>
+      <p:pic>
+        <p:nvPicPr>
+          <p:cNvPr id="82" name="图片 81" descr="图片包含 监视器, 天空&#10;&#10;描述已自动生成">
+            <a:extLst>
+              <a:ext uri="{FF2B5EF4-FFF2-40B4-BE49-F238E27FC236}">
+                <a16:creationId xmlns:a16="http://schemas.microsoft.com/office/drawing/2014/main" id="{55ABDF06-71A9-4B6B-8477-FB119CA8BD51}"/>
+              </a:ext>
+            </a:extLst>
+          </p:cNvPr>
+          <p:cNvPicPr>
+            <a:picLocks noChangeAspect="1"/>
+          </p:cNvPicPr>
+          <p:nvPr/>
+        </p:nvPicPr>
+        <p:blipFill>
+          <a:blip r:embed="rId2">
+            <a:extLst>
+              <a:ext uri="{28A0092B-C50C-407E-A947-70E740481C1C}">
+                <a14:useLocalDpi xmlns:a14="http://schemas.microsoft.com/office/drawing/2010/main" val="0"/>
+              </a:ext>
+            </a:extLst>
+          </a:blip>
+          <a:stretch>
+            <a:fillRect/>
+          </a:stretch>
+        </p:blipFill>
+        <p:spPr>
+          <a:xfrm rot="5400000">
+            <a:off x="3503217" y="2785880"/>
+            <a:ext cx="1241137" cy="143208"/>
+          </a:xfrm>
+          <a:prstGeom prst="rect">
+            <a:avLst/>
+          </a:prstGeom>
+        </p:spPr>
+      </p:pic>
+      <p:pic>
+        <p:nvPicPr>
+          <p:cNvPr id="83" name="图片 82">
+            <a:extLst>
+              <a:ext uri="{FF2B5EF4-FFF2-40B4-BE49-F238E27FC236}">
+                <a16:creationId xmlns:a16="http://schemas.microsoft.com/office/drawing/2014/main" id="{5EF4D6AB-51A4-42C3-B1BD-11931E4FC89E}"/>
+              </a:ext>
+            </a:extLst>
+          </p:cNvPr>
+          <p:cNvPicPr>
+            <a:picLocks noChangeAspect="1"/>
+          </p:cNvPicPr>
+          <p:nvPr/>
+        </p:nvPicPr>
+        <p:blipFill>
+          <a:blip r:embed="rId7">
+            <a:extLst>
+              <a:ext uri="{28A0092B-C50C-407E-A947-70E740481C1C}">
+                <a14:useLocalDpi xmlns:a14="http://schemas.microsoft.com/office/drawing/2010/main" val="0"/>
+              </a:ext>
+            </a:extLst>
+          </a:blip>
+          <a:stretch>
+            <a:fillRect/>
+          </a:stretch>
+        </p:blipFill>
+        <p:spPr>
+          <a:xfrm rot="5400000">
+            <a:off x="3496772" y="4558851"/>
+            <a:ext cx="1230742" cy="142009"/>
+          </a:xfrm>
+          <a:prstGeom prst="rect">
+            <a:avLst/>
+          </a:prstGeom>
+        </p:spPr>
+      </p:pic>
+      <p:pic>
+        <p:nvPicPr>
+          <p:cNvPr id="84" name="图片 83" descr="图片包含 建筑物&#10;&#10;描述已自动生成">
+            <a:extLst>
+              <a:ext uri="{FF2B5EF4-FFF2-40B4-BE49-F238E27FC236}">
+                <a16:creationId xmlns:a16="http://schemas.microsoft.com/office/drawing/2014/main" id="{E6724EA8-4735-4D9C-8EF3-B19F6580A92F}"/>
+              </a:ext>
+            </a:extLst>
+          </p:cNvPr>
+          <p:cNvPicPr>
+            <a:picLocks noChangeAspect="1"/>
+          </p:cNvPicPr>
+          <p:nvPr/>
+        </p:nvPicPr>
+        <p:blipFill>
+          <a:blip r:embed="rId8">
+            <a:extLst>
+              <a:ext uri="{28A0092B-C50C-407E-A947-70E740481C1C}">
+                <a14:useLocalDpi xmlns:a14="http://schemas.microsoft.com/office/drawing/2010/main" val="0"/>
+              </a:ext>
+            </a:extLst>
+          </a:blip>
+          <a:stretch>
+            <a:fillRect/>
+          </a:stretch>
+        </p:blipFill>
+        <p:spPr>
+          <a:xfrm>
+            <a:off x="4324243" y="4005402"/>
+            <a:ext cx="1243049" cy="1243049"/>
+          </a:xfrm>
+          <a:prstGeom prst="rect">
+            <a:avLst/>
+          </a:prstGeom>
+        </p:spPr>
+      </p:pic>
+      <p:pic>
+        <p:nvPicPr>
+          <p:cNvPr id="85" name="图片 84">
+            <a:extLst>
+              <a:ext uri="{FF2B5EF4-FFF2-40B4-BE49-F238E27FC236}">
+                <a16:creationId xmlns:a16="http://schemas.microsoft.com/office/drawing/2014/main" id="{98E40F3D-F9C5-45C9-9FBA-D4702C6C3BD4}"/>
+              </a:ext>
+            </a:extLst>
+          </p:cNvPr>
+          <p:cNvPicPr>
+            <a:picLocks noChangeAspect="1"/>
+          </p:cNvPicPr>
+          <p:nvPr/>
+        </p:nvPicPr>
+        <p:blipFill>
+          <a:blip r:embed="rId6">
+            <a:extLst>
+              <a:ext uri="{28A0092B-C50C-407E-A947-70E740481C1C}">
+                <a14:useLocalDpi xmlns:a14="http://schemas.microsoft.com/office/drawing/2010/main" val="0"/>
+              </a:ext>
+            </a:extLst>
+          </a:blip>
+          <a:stretch>
+            <a:fillRect/>
+          </a:stretch>
+        </p:blipFill>
+        <p:spPr>
+          <a:xfrm>
+            <a:off x="4325724" y="3918389"/>
+            <a:ext cx="1240500" cy="95423"/>
+          </a:xfrm>
+          <a:prstGeom prst="rect">
+            <a:avLst/>
+          </a:prstGeom>
+        </p:spPr>
+      </p:pic>
+      <p:pic>
+        <p:nvPicPr>
+          <p:cNvPr id="86" name="图片 85">
+            <a:extLst>
+              <a:ext uri="{FF2B5EF4-FFF2-40B4-BE49-F238E27FC236}">
+                <a16:creationId xmlns:a16="http://schemas.microsoft.com/office/drawing/2014/main" id="{3DF6A95F-8F39-4FA6-AE54-788BC68360D6}"/>
+              </a:ext>
+            </a:extLst>
+          </p:cNvPr>
+          <p:cNvPicPr>
+            <a:picLocks noChangeAspect="1"/>
+          </p:cNvPicPr>
+          <p:nvPr/>
+        </p:nvPicPr>
+        <p:blipFill>
+          <a:blip r:embed="rId6">
+            <a:extLst>
+              <a:ext uri="{28A0092B-C50C-407E-A947-70E740481C1C}">
+                <a14:useLocalDpi xmlns:a14="http://schemas.microsoft.com/office/drawing/2010/main" val="0"/>
+              </a:ext>
+            </a:extLst>
+          </a:blip>
+          <a:stretch>
+            <a:fillRect/>
+          </a:stretch>
+        </p:blipFill>
+        <p:spPr>
+          <a:xfrm rot="10800000">
+            <a:off x="4325311" y="5245225"/>
+            <a:ext cx="1240500" cy="95423"/>
+          </a:xfrm>
+          <a:prstGeom prst="rect">
+            <a:avLst/>
+          </a:prstGeom>
+        </p:spPr>
+      </p:pic>
+      <p:pic>
+        <p:nvPicPr>
+          <p:cNvPr id="87" name="图片 86">
+            <a:extLst>
+              <a:ext uri="{FF2B5EF4-FFF2-40B4-BE49-F238E27FC236}">
+                <a16:creationId xmlns:a16="http://schemas.microsoft.com/office/drawing/2014/main" id="{F41F7B76-53D6-4AFF-90D6-224E6391ACBD}"/>
+              </a:ext>
+            </a:extLst>
+          </p:cNvPr>
+          <p:cNvPicPr>
+            <a:picLocks noChangeAspect="1"/>
+          </p:cNvPicPr>
+          <p:nvPr/>
+        </p:nvPicPr>
+        <p:blipFill>
+          <a:blip r:embed="rId7">
+            <a:extLst>
+              <a:ext uri="{28A0092B-C50C-407E-A947-70E740481C1C}">
+                <a14:useLocalDpi xmlns:a14="http://schemas.microsoft.com/office/drawing/2010/main" val="0"/>
+              </a:ext>
+            </a:extLst>
+          </a:blip>
+          <a:stretch>
+            <a:fillRect/>
+          </a:stretch>
+        </p:blipFill>
+        <p:spPr>
+          <a:xfrm rot="16200000">
+            <a:off x="3635123" y="4558850"/>
+            <a:ext cx="1230742" cy="142009"/>
+          </a:xfrm>
+          <a:prstGeom prst="rect">
+            <a:avLst/>
+          </a:prstGeom>
+        </p:spPr>
+      </p:pic>
+      <p:pic>
+        <p:nvPicPr>
+          <p:cNvPr id="88" name="图片 87">
+            <a:extLst>
+              <a:ext uri="{FF2B5EF4-FFF2-40B4-BE49-F238E27FC236}">
+                <a16:creationId xmlns:a16="http://schemas.microsoft.com/office/drawing/2014/main" id="{390D80D2-91DC-4F5A-8D6C-D046B861A9FF}"/>
+              </a:ext>
+            </a:extLst>
+          </p:cNvPr>
+          <p:cNvPicPr>
+            <a:picLocks noChangeAspect="1"/>
+          </p:cNvPicPr>
+          <p:nvPr/>
+        </p:nvPicPr>
+        <p:blipFill>
+          <a:blip r:embed="rId5">
+            <a:extLst>
+              <a:ext uri="{28A0092B-C50C-407E-A947-70E740481C1C}">
+                <a14:useLocalDpi xmlns:a14="http://schemas.microsoft.com/office/drawing/2010/main" val="0"/>
+              </a:ext>
+            </a:extLst>
+          </a:blip>
+          <a:stretch>
+            <a:fillRect/>
+          </a:stretch>
+        </p:blipFill>
+        <p:spPr>
+          <a:xfrm rot="5400000">
+            <a:off x="5019254" y="4559086"/>
+            <a:ext cx="1235694" cy="142581"/>
+          </a:xfrm>
+          <a:prstGeom prst="rect">
+            <a:avLst/>
+          </a:prstGeom>
+        </p:spPr>
+      </p:pic>
+      <p:sp>
+        <p:nvSpPr>
+          <p:cNvPr id="4" name="文本框 3">
+            <a:extLst>
+              <a:ext uri="{FF2B5EF4-FFF2-40B4-BE49-F238E27FC236}">
+                <a16:creationId xmlns:a16="http://schemas.microsoft.com/office/drawing/2014/main" id="{70B227D9-8598-4DC2-9A21-C896A655DE1D}"/>
+              </a:ext>
+            </a:extLst>
+          </p:cNvPr>
+          <p:cNvSpPr txBox="1"/>
+          <p:nvPr/>
+        </p:nvSpPr>
+        <p:spPr>
+          <a:xfrm>
+            <a:off x="6551482" y="3085868"/>
+            <a:ext cx="3924018" cy="1200329"/>
+          </a:xfrm>
+          <a:prstGeom prst="rect">
+            <a:avLst/>
+          </a:prstGeom>
+          <a:noFill/>
+        </p:spPr>
+        <p:txBody>
+          <a:bodyPr wrap="square" rtlCol="0">
+            <a:spAutoFit/>
+          </a:bodyPr>
+          <a:lstStyle/>
+          <a:p>
+            <a:r>
+              <a:rPr lang="zh-CN" altLang="en-US" dirty="0">
+                <a:solidFill>
+                  <a:schemeClr val="tx1">
+                    <a:lumMod val="65000"/>
+                    <a:lumOff val="35000"/>
+                  </a:schemeClr>
+                </a:solidFill>
+              </a:rPr>
+              <a:t>这个颜色会随着不同的信号种类变化而变化：</a:t>
+            </a:r>
+            <a:endParaRPr lang="en-US" altLang="zh-CN" dirty="0">
+              <a:solidFill>
+                <a:schemeClr val="tx1">
+                  <a:lumMod val="65000"/>
+                  <a:lumOff val="35000"/>
+                </a:schemeClr>
+              </a:solidFill>
+            </a:endParaRPr>
+          </a:p>
+          <a:p>
+            <a:pPr lvl="1"/>
+            <a:r>
+              <a:rPr lang="zh-CN" altLang="en-US" dirty="0">
+                <a:solidFill>
+                  <a:schemeClr val="tx1">
+                    <a:lumMod val="95000"/>
+                    <a:lumOff val="5000"/>
+                  </a:schemeClr>
+                </a:solidFill>
+              </a:rPr>
+              <a:t>数据信号是</a:t>
+            </a:r>
+            <a:r>
+              <a:rPr lang="zh-CN" altLang="en-US" dirty="0">
+                <a:solidFill>
+                  <a:srgbClr val="0070C0"/>
+                </a:solidFill>
+              </a:rPr>
+              <a:t>蓝色</a:t>
+            </a:r>
+            <a:endParaRPr lang="en-US" altLang="zh-CN" dirty="0">
+              <a:solidFill>
+                <a:srgbClr val="0070C0"/>
+              </a:solidFill>
+            </a:endParaRPr>
+          </a:p>
+          <a:p>
+            <a:pPr lvl="1"/>
+            <a:r>
+              <a:rPr lang="zh-CN" altLang="en-US" dirty="0">
+                <a:solidFill>
+                  <a:schemeClr val="tx1">
+                    <a:lumMod val="95000"/>
+                    <a:lumOff val="5000"/>
+                  </a:schemeClr>
+                </a:solidFill>
+              </a:rPr>
+              <a:t>网络信号是</a:t>
+            </a:r>
+            <a:r>
+              <a:rPr lang="zh-CN" altLang="en-US" dirty="0">
+                <a:solidFill>
+                  <a:srgbClr val="00B050"/>
+                </a:solidFill>
+              </a:rPr>
+              <a:t>绿色</a:t>
+            </a:r>
+            <a:endParaRPr lang="en-US" altLang="zh-CN" dirty="0">
+              <a:solidFill>
+                <a:srgbClr val="00B050"/>
+              </a:solidFill>
+            </a:endParaRPr>
+          </a:p>
+        </p:txBody>
+      </p:sp>
+      <p:sp>
+        <p:nvSpPr>
+          <p:cNvPr id="5" name="文本框 4">
+            <a:extLst>
+              <a:ext uri="{FF2B5EF4-FFF2-40B4-BE49-F238E27FC236}">
+                <a16:creationId xmlns:a16="http://schemas.microsoft.com/office/drawing/2014/main" id="{7F44A2AD-3065-45CE-A61B-5E26542B5300}"/>
+              </a:ext>
+            </a:extLst>
+          </p:cNvPr>
+          <p:cNvSpPr txBox="1"/>
+          <p:nvPr/>
+        </p:nvSpPr>
+        <p:spPr>
+          <a:xfrm>
+            <a:off x="6575975" y="4766921"/>
+            <a:ext cx="3866827" cy="646331"/>
+          </a:xfrm>
+          <a:prstGeom prst="rect">
+            <a:avLst/>
+          </a:prstGeom>
+          <a:noFill/>
+        </p:spPr>
+        <p:txBody>
+          <a:bodyPr wrap="square" rtlCol="0">
+            <a:spAutoFit/>
+          </a:bodyPr>
+          <a:lstStyle/>
+          <a:p>
+            <a:r>
+              <a:rPr lang="zh-CN" altLang="en-US" dirty="0">
+                <a:solidFill>
+                  <a:schemeClr val="tx1">
+                    <a:lumMod val="65000"/>
+                    <a:lumOff val="35000"/>
+                  </a:schemeClr>
+                </a:solidFill>
+              </a:rPr>
+              <a:t>核心发送或者接受信号，端子传递信号，而且信号还可以</a:t>
+            </a:r>
+            <a:r>
+              <a:rPr lang="zh-CN" altLang="en-US" dirty="0">
+                <a:solidFill>
+                  <a:schemeClr val="tx1">
+                    <a:lumMod val="95000"/>
+                    <a:lumOff val="5000"/>
+                  </a:schemeClr>
+                </a:solidFill>
+              </a:rPr>
+              <a:t>进行转发。</a:t>
+            </a:r>
+            <a:endParaRPr lang="en-US" altLang="zh-CN" dirty="0">
+              <a:solidFill>
+                <a:schemeClr val="tx1">
+                  <a:lumMod val="65000"/>
+                  <a:lumOff val="35000"/>
+                </a:schemeClr>
+              </a:solidFill>
+            </a:endParaRPr>
+          </a:p>
+        </p:txBody>
+      </p:sp>
+      <p:sp>
+        <p:nvSpPr>
+          <p:cNvPr id="6" name="矩形 5">
+            <a:extLst>
+              <a:ext uri="{FF2B5EF4-FFF2-40B4-BE49-F238E27FC236}">
+                <a16:creationId xmlns:a16="http://schemas.microsoft.com/office/drawing/2014/main" id="{CF88D75E-3245-4794-BA77-923FE1416A10}"/>
+              </a:ext>
+            </a:extLst>
+          </p:cNvPr>
+          <p:cNvSpPr/>
+          <p:nvPr/>
+        </p:nvSpPr>
+        <p:spPr>
+          <a:xfrm>
+            <a:off x="6551482" y="2008209"/>
+            <a:ext cx="4170138" cy="646331"/>
+          </a:xfrm>
+          <a:prstGeom prst="rect">
+            <a:avLst/>
+          </a:prstGeom>
+        </p:spPr>
+        <p:txBody>
+          <a:bodyPr wrap="square">
+            <a:spAutoFit/>
+          </a:bodyPr>
+          <a:lstStyle/>
+          <a:p>
+            <a:r>
+              <a:rPr lang="zh-CN" altLang="en-US" dirty="0">
+                <a:solidFill>
+                  <a:schemeClr val="tx1">
+                    <a:lumMod val="65000"/>
+                    <a:lumOff val="35000"/>
+                  </a:schemeClr>
+                </a:solidFill>
+              </a:rPr>
+              <a:t>在端子和端子相连时就可以传递信号</a:t>
+            </a:r>
+            <a:endParaRPr lang="en-US" altLang="zh-CN" dirty="0">
+              <a:solidFill>
+                <a:schemeClr val="tx1">
+                  <a:lumMod val="65000"/>
+                  <a:lumOff val="35000"/>
+                </a:schemeClr>
+              </a:solidFill>
+            </a:endParaRPr>
+          </a:p>
+          <a:p>
+            <a:r>
+              <a:rPr lang="zh-CN" altLang="en-US" dirty="0">
+                <a:solidFill>
+                  <a:schemeClr val="tx1">
+                    <a:lumMod val="65000"/>
+                    <a:lumOff val="35000"/>
+                  </a:schemeClr>
+                </a:solidFill>
+              </a:rPr>
+              <a:t>如左图，</a:t>
+            </a:r>
+            <a:r>
+              <a:rPr lang="zh-CN" altLang="en-US" dirty="0">
+                <a:solidFill>
+                  <a:schemeClr val="tx1">
+                    <a:lumMod val="95000"/>
+                    <a:lumOff val="5000"/>
+                  </a:schemeClr>
+                </a:solidFill>
+              </a:rPr>
+              <a:t>在传递信号的端子就会亮起。</a:t>
+            </a:r>
+            <a:endParaRPr lang="en-US" dirty="0">
+              <a:solidFill>
+                <a:schemeClr val="tx1">
+                  <a:lumMod val="95000"/>
+                  <a:lumOff val="5000"/>
+                </a:schemeClr>
+              </a:solidFill>
+            </a:endParaRPr>
+          </a:p>
+        </p:txBody>
+      </p:sp>
+    </p:spTree>
+    <p:extLst>
+      <p:ext uri="{BB962C8B-B14F-4D97-AF65-F5344CB8AC3E}">
+        <p14:creationId xmlns:p14="http://schemas.microsoft.com/office/powerpoint/2010/main" val="67844271"/>
+      </p:ext>
+    </p:extLst>
+  </p:cSld>
+  <p:clrMapOvr>
+    <a:masterClrMapping/>
+  </p:clrMapOvr>
+</p:sld>
+</file>
+
+<file path=ppt/slides/slide13.xml><?xml version="1.0" encoding="utf-8"?>
+<p:sld xmlns:a="http://schemas.openxmlformats.org/drawingml/2006/main" xmlns:r="http://schemas.openxmlformats.org/officeDocument/2006/relationships" xmlns:p="http://schemas.openxmlformats.org/presentationml/2006/main">
+  <p:cSld>
+    <p:spTree>
+      <p:nvGrpSpPr>
+        <p:cNvPr id="1" name=""/>
+        <p:cNvGrpSpPr/>
+        <p:nvPr/>
+      </p:nvGrpSpPr>
+      <p:grpSpPr>
+        <a:xfrm>
+          <a:off x="0" y="0"/>
+          <a:ext cx="0" cy="0"/>
+          <a:chOff x="0" y="0"/>
+          <a:chExt cx="0" cy="0"/>
+        </a:xfrm>
+      </p:grpSpPr>
+      <p:sp>
+        <p:nvSpPr>
+          <p:cNvPr id="2" name="标题 1">
+            <a:extLst>
+              <a:ext uri="{FF2B5EF4-FFF2-40B4-BE49-F238E27FC236}">
+                <a16:creationId xmlns:a16="http://schemas.microsoft.com/office/drawing/2014/main" id="{7E40612C-3957-422B-A3CD-038D55AFA284}"/>
               </a:ext>
             </a:extLst>
           </p:cNvPr>
@@ -4709,6 +6363,1503 @@
           <a:p>
             <a:r>
               <a:rPr lang="zh-CN" altLang="en-US" dirty="0"/>
+              <a:t>设备模组总体说明</a:t>
+            </a:r>
+            <a:r>
+              <a:rPr lang="en-US" altLang="zh-CN" dirty="0"/>
+              <a:t>——3</a:t>
+            </a:r>
+            <a:endParaRPr lang="en-US" dirty="0"/>
+          </a:p>
+        </p:txBody>
+      </p:sp>
+      <p:pic>
+        <p:nvPicPr>
+          <p:cNvPr id="8" name="图片 7" descr="图片包含 物体, 相框&#10;&#10;描述已自动生成">
+            <a:extLst>
+              <a:ext uri="{FF2B5EF4-FFF2-40B4-BE49-F238E27FC236}">
+                <a16:creationId xmlns:a16="http://schemas.microsoft.com/office/drawing/2014/main" id="{B8F2DEAB-9BD9-4791-AD88-6AF2884F03F9}"/>
+              </a:ext>
+            </a:extLst>
+          </p:cNvPr>
+          <p:cNvPicPr>
+            <a:picLocks noChangeAspect="1"/>
+          </p:cNvPicPr>
+          <p:nvPr/>
+        </p:nvPicPr>
+        <p:blipFill>
+          <a:blip r:embed="rId2">
+            <a:extLst>
+              <a:ext uri="{28A0092B-C50C-407E-A947-70E740481C1C}">
+                <a14:useLocalDpi xmlns:a14="http://schemas.microsoft.com/office/drawing/2010/main" val="0"/>
+              </a:ext>
+            </a:extLst>
+          </a:blip>
+          <a:stretch>
+            <a:fillRect/>
+          </a:stretch>
+        </p:blipFill>
+        <p:spPr>
+          <a:xfrm>
+            <a:off x="3671802" y="2341803"/>
+            <a:ext cx="889962" cy="889962"/>
+          </a:xfrm>
+          <a:prstGeom prst="rect">
+            <a:avLst/>
+          </a:prstGeom>
+        </p:spPr>
+      </p:pic>
+      <p:pic>
+        <p:nvPicPr>
+          <p:cNvPr id="13" name="图片 12" descr="图片包含 物体, 急救箱&#10;&#10;描述已自动生成">
+            <a:extLst>
+              <a:ext uri="{FF2B5EF4-FFF2-40B4-BE49-F238E27FC236}">
+                <a16:creationId xmlns:a16="http://schemas.microsoft.com/office/drawing/2014/main" id="{FA101D5B-A40E-4590-8E81-AF78C00A7B75}"/>
+              </a:ext>
+            </a:extLst>
+          </p:cNvPr>
+          <p:cNvPicPr>
+            <a:picLocks noChangeAspect="1"/>
+          </p:cNvPicPr>
+          <p:nvPr/>
+        </p:nvPicPr>
+        <p:blipFill>
+          <a:blip r:embed="rId3">
+            <a:extLst>
+              <a:ext uri="{28A0092B-C50C-407E-A947-70E740481C1C}">
+                <a14:useLocalDpi xmlns:a14="http://schemas.microsoft.com/office/drawing/2010/main" val="0"/>
+              </a:ext>
+            </a:extLst>
+          </a:blip>
+          <a:stretch>
+            <a:fillRect/>
+          </a:stretch>
+        </p:blipFill>
+        <p:spPr>
+          <a:xfrm>
+            <a:off x="4757232" y="4517117"/>
+            <a:ext cx="889964" cy="889964"/>
+          </a:xfrm>
+          <a:prstGeom prst="rect">
+            <a:avLst/>
+          </a:prstGeom>
+        </p:spPr>
+      </p:pic>
+      <p:pic>
+        <p:nvPicPr>
+          <p:cNvPr id="31" name="图片 30">
+            <a:extLst>
+              <a:ext uri="{FF2B5EF4-FFF2-40B4-BE49-F238E27FC236}">
+                <a16:creationId xmlns:a16="http://schemas.microsoft.com/office/drawing/2014/main" id="{10FED574-2F45-48E3-828A-4A1F8CFD1F48}"/>
+              </a:ext>
+            </a:extLst>
+          </p:cNvPr>
+          <p:cNvPicPr>
+            <a:picLocks noChangeAspect="1"/>
+          </p:cNvPicPr>
+          <p:nvPr/>
+        </p:nvPicPr>
+        <p:blipFill>
+          <a:blip r:embed="rId4">
+            <a:extLst>
+              <a:ext uri="{28A0092B-C50C-407E-A947-70E740481C1C}">
+                <a14:useLocalDpi xmlns:a14="http://schemas.microsoft.com/office/drawing/2010/main" val="0"/>
+              </a:ext>
+            </a:extLst>
+          </a:blip>
+          <a:stretch>
+            <a:fillRect/>
+          </a:stretch>
+        </p:blipFill>
+        <p:spPr>
+          <a:xfrm rot="16200000">
+            <a:off x="3179325" y="2738377"/>
+            <a:ext cx="884697" cy="102081"/>
+          </a:xfrm>
+          <a:prstGeom prst="rect">
+            <a:avLst/>
+          </a:prstGeom>
+        </p:spPr>
+      </p:pic>
+      <p:pic>
+        <p:nvPicPr>
+          <p:cNvPr id="32" name="图片 31">
+            <a:extLst>
+              <a:ext uri="{FF2B5EF4-FFF2-40B4-BE49-F238E27FC236}">
+                <a16:creationId xmlns:a16="http://schemas.microsoft.com/office/drawing/2014/main" id="{12B6FFC4-4BF8-4F65-A141-DA6FC9C8EF46}"/>
+              </a:ext>
+            </a:extLst>
+          </p:cNvPr>
+          <p:cNvPicPr>
+            <a:picLocks noChangeAspect="1"/>
+          </p:cNvPicPr>
+          <p:nvPr/>
+        </p:nvPicPr>
+        <p:blipFill>
+          <a:blip r:embed="rId5">
+            <a:extLst>
+              <a:ext uri="{28A0092B-C50C-407E-A947-70E740481C1C}">
+                <a14:useLocalDpi xmlns:a14="http://schemas.microsoft.com/office/drawing/2010/main" val="0"/>
+              </a:ext>
+            </a:extLst>
+          </a:blip>
+          <a:stretch>
+            <a:fillRect/>
+          </a:stretch>
+        </p:blipFill>
+        <p:spPr>
+          <a:xfrm rot="5400000">
+            <a:off x="4151853" y="2757480"/>
+            <a:ext cx="888135" cy="68318"/>
+          </a:xfrm>
+          <a:prstGeom prst="rect">
+            <a:avLst/>
+          </a:prstGeom>
+        </p:spPr>
+      </p:pic>
+      <p:pic>
+        <p:nvPicPr>
+          <p:cNvPr id="6" name="图片 5">
+            <a:extLst>
+              <a:ext uri="{FF2B5EF4-FFF2-40B4-BE49-F238E27FC236}">
+                <a16:creationId xmlns:a16="http://schemas.microsoft.com/office/drawing/2014/main" id="{12C781C6-5014-4DBE-979C-EA4DB75F4D25}"/>
+              </a:ext>
+            </a:extLst>
+          </p:cNvPr>
+          <p:cNvPicPr>
+            <a:picLocks noChangeAspect="1"/>
+          </p:cNvPicPr>
+          <p:nvPr/>
+        </p:nvPicPr>
+        <p:blipFill>
+          <a:blip r:embed="rId6">
+            <a:extLst>
+              <a:ext uri="{28A0092B-C50C-407E-A947-70E740481C1C}">
+                <a14:useLocalDpi xmlns:a14="http://schemas.microsoft.com/office/drawing/2010/main" val="0"/>
+              </a:ext>
+            </a:extLst>
+          </a:blip>
+          <a:stretch>
+            <a:fillRect/>
+          </a:stretch>
+        </p:blipFill>
+        <p:spPr>
+          <a:xfrm rot="10800000">
+            <a:off x="3671802" y="3231765"/>
+            <a:ext cx="888134" cy="102477"/>
+          </a:xfrm>
+          <a:prstGeom prst="rect">
+            <a:avLst/>
+          </a:prstGeom>
+        </p:spPr>
+      </p:pic>
+      <p:pic>
+        <p:nvPicPr>
+          <p:cNvPr id="9" name="图片 8" descr="图片包含 建筑物&#10;&#10;描述已自动生成">
+            <a:extLst>
+              <a:ext uri="{FF2B5EF4-FFF2-40B4-BE49-F238E27FC236}">
+                <a16:creationId xmlns:a16="http://schemas.microsoft.com/office/drawing/2014/main" id="{E82B5ED4-830B-48B4-8C76-8E34C70B10CA}"/>
+              </a:ext>
+            </a:extLst>
+          </p:cNvPr>
+          <p:cNvPicPr>
+            <a:picLocks noChangeAspect="1"/>
+          </p:cNvPicPr>
+          <p:nvPr/>
+        </p:nvPicPr>
+        <p:blipFill>
+          <a:blip r:embed="rId7">
+            <a:extLst>
+              <a:ext uri="{28A0092B-C50C-407E-A947-70E740481C1C}">
+                <a14:useLocalDpi xmlns:a14="http://schemas.microsoft.com/office/drawing/2010/main" val="0"/>
+              </a:ext>
+            </a:extLst>
+          </a:blip>
+          <a:stretch>
+            <a:fillRect/>
+          </a:stretch>
+        </p:blipFill>
+        <p:spPr>
+          <a:xfrm>
+            <a:off x="2585228" y="3429001"/>
+            <a:ext cx="889963" cy="889963"/>
+          </a:xfrm>
+          <a:prstGeom prst="rect">
+            <a:avLst/>
+          </a:prstGeom>
+        </p:spPr>
+      </p:pic>
+      <p:pic>
+        <p:nvPicPr>
+          <p:cNvPr id="11" name="图片 10">
+            <a:extLst>
+              <a:ext uri="{FF2B5EF4-FFF2-40B4-BE49-F238E27FC236}">
+                <a16:creationId xmlns:a16="http://schemas.microsoft.com/office/drawing/2014/main" id="{14BC6C60-5760-480B-BFBA-025D443AFD16}"/>
+              </a:ext>
+            </a:extLst>
+          </p:cNvPr>
+          <p:cNvPicPr>
+            <a:picLocks noChangeAspect="1"/>
+          </p:cNvPicPr>
+          <p:nvPr/>
+        </p:nvPicPr>
+        <p:blipFill>
+          <a:blip r:embed="rId8">
+            <a:extLst>
+              <a:ext uri="{28A0092B-C50C-407E-A947-70E740481C1C}">
+                <a14:useLocalDpi xmlns:a14="http://schemas.microsoft.com/office/drawing/2010/main" val="0"/>
+              </a:ext>
+            </a:extLst>
+          </a:blip>
+          <a:stretch>
+            <a:fillRect/>
+          </a:stretch>
+        </p:blipFill>
+        <p:spPr>
+          <a:xfrm>
+            <a:off x="1506263" y="3429000"/>
+            <a:ext cx="889963" cy="889963"/>
+          </a:xfrm>
+          <a:prstGeom prst="rect">
+            <a:avLst/>
+          </a:prstGeom>
+        </p:spPr>
+      </p:pic>
+      <p:pic>
+        <p:nvPicPr>
+          <p:cNvPr id="26" name="图片 25" descr="图片包含 建筑物&#10;&#10;描述已自动生成">
+            <a:extLst>
+              <a:ext uri="{FF2B5EF4-FFF2-40B4-BE49-F238E27FC236}">
+                <a16:creationId xmlns:a16="http://schemas.microsoft.com/office/drawing/2014/main" id="{5A3A602A-95C8-4D68-93E5-7A9E410E07AA}"/>
+              </a:ext>
+            </a:extLst>
+          </p:cNvPr>
+          <p:cNvPicPr>
+            <a:picLocks noChangeAspect="1"/>
+          </p:cNvPicPr>
+          <p:nvPr/>
+        </p:nvPicPr>
+        <p:blipFill>
+          <a:blip r:embed="rId7">
+            <a:extLst>
+              <a:ext uri="{28A0092B-C50C-407E-A947-70E740481C1C}">
+                <a14:useLocalDpi xmlns:a14="http://schemas.microsoft.com/office/drawing/2010/main" val="0"/>
+              </a:ext>
+            </a:extLst>
+          </a:blip>
+          <a:stretch>
+            <a:fillRect/>
+          </a:stretch>
+        </p:blipFill>
+        <p:spPr>
+          <a:xfrm>
+            <a:off x="3669972" y="3429000"/>
+            <a:ext cx="889963" cy="889963"/>
+          </a:xfrm>
+          <a:prstGeom prst="rect">
+            <a:avLst/>
+          </a:prstGeom>
+        </p:spPr>
+      </p:pic>
+      <p:pic>
+        <p:nvPicPr>
+          <p:cNvPr id="27" name="图片 26" descr="图片包含 建筑物&#10;&#10;描述已自动生成">
+            <a:extLst>
+              <a:ext uri="{FF2B5EF4-FFF2-40B4-BE49-F238E27FC236}">
+                <a16:creationId xmlns:a16="http://schemas.microsoft.com/office/drawing/2014/main" id="{C70EE6C3-7AD7-4F62-85D8-37BCC3D40778}"/>
+              </a:ext>
+            </a:extLst>
+          </p:cNvPr>
+          <p:cNvPicPr>
+            <a:picLocks noChangeAspect="1"/>
+          </p:cNvPicPr>
+          <p:nvPr/>
+        </p:nvPicPr>
+        <p:blipFill>
+          <a:blip r:embed="rId7">
+            <a:extLst>
+              <a:ext uri="{28A0092B-C50C-407E-A947-70E740481C1C}">
+                <a14:useLocalDpi xmlns:a14="http://schemas.microsoft.com/office/drawing/2010/main" val="0"/>
+              </a:ext>
+            </a:extLst>
+          </a:blip>
+          <a:stretch>
+            <a:fillRect/>
+          </a:stretch>
+        </p:blipFill>
+        <p:spPr>
+          <a:xfrm>
+            <a:off x="4759198" y="3429000"/>
+            <a:ext cx="889963" cy="889963"/>
+          </a:xfrm>
+          <a:prstGeom prst="rect">
+            <a:avLst/>
+          </a:prstGeom>
+        </p:spPr>
+      </p:pic>
+      <p:pic>
+        <p:nvPicPr>
+          <p:cNvPr id="29" name="图片 28">
+            <a:extLst>
+              <a:ext uri="{FF2B5EF4-FFF2-40B4-BE49-F238E27FC236}">
+                <a16:creationId xmlns:a16="http://schemas.microsoft.com/office/drawing/2014/main" id="{C0347E7E-E186-4AB3-A382-D85CE1F258A6}"/>
+              </a:ext>
+            </a:extLst>
+          </p:cNvPr>
+          <p:cNvPicPr>
+            <a:picLocks noChangeAspect="1"/>
+          </p:cNvPicPr>
+          <p:nvPr/>
+        </p:nvPicPr>
+        <p:blipFill>
+          <a:blip r:embed="rId5">
+            <a:extLst>
+              <a:ext uri="{28A0092B-C50C-407E-A947-70E740481C1C}">
+                <a14:useLocalDpi xmlns:a14="http://schemas.microsoft.com/office/drawing/2010/main" val="0"/>
+              </a:ext>
+            </a:extLst>
+          </a:blip>
+          <a:stretch>
+            <a:fillRect/>
+          </a:stretch>
+        </p:blipFill>
+        <p:spPr>
+          <a:xfrm>
+            <a:off x="3673627" y="2278751"/>
+            <a:ext cx="888135" cy="68318"/>
+          </a:xfrm>
+          <a:prstGeom prst="rect">
+            <a:avLst/>
+          </a:prstGeom>
+        </p:spPr>
+      </p:pic>
+      <p:pic>
+        <p:nvPicPr>
+          <p:cNvPr id="34" name="图片 33">
+            <a:extLst>
+              <a:ext uri="{FF2B5EF4-FFF2-40B4-BE49-F238E27FC236}">
+                <a16:creationId xmlns:a16="http://schemas.microsoft.com/office/drawing/2014/main" id="{CB520F2E-3A51-435F-8D76-D4783226DEF2}"/>
+              </a:ext>
+            </a:extLst>
+          </p:cNvPr>
+          <p:cNvPicPr>
+            <a:picLocks noChangeAspect="1"/>
+          </p:cNvPicPr>
+          <p:nvPr/>
+        </p:nvPicPr>
+        <p:blipFill>
+          <a:blip r:embed="rId6">
+            <a:extLst>
+              <a:ext uri="{28A0092B-C50C-407E-A947-70E740481C1C}">
+                <a14:useLocalDpi xmlns:a14="http://schemas.microsoft.com/office/drawing/2010/main" val="0"/>
+              </a:ext>
+            </a:extLst>
+          </a:blip>
+          <a:stretch>
+            <a:fillRect/>
+          </a:stretch>
+        </p:blipFill>
+        <p:spPr>
+          <a:xfrm>
+            <a:off x="3671801" y="3327442"/>
+            <a:ext cx="888134" cy="102477"/>
+          </a:xfrm>
+          <a:prstGeom prst="rect">
+            <a:avLst/>
+          </a:prstGeom>
+        </p:spPr>
+      </p:pic>
+      <p:pic>
+        <p:nvPicPr>
+          <p:cNvPr id="37" name="图片 36">
+            <a:extLst>
+              <a:ext uri="{FF2B5EF4-FFF2-40B4-BE49-F238E27FC236}">
+                <a16:creationId xmlns:a16="http://schemas.microsoft.com/office/drawing/2014/main" id="{80452568-5D19-4E8C-83D0-F2D06ACD9A6C}"/>
+              </a:ext>
+            </a:extLst>
+          </p:cNvPr>
+          <p:cNvPicPr>
+            <a:picLocks noChangeAspect="1"/>
+          </p:cNvPicPr>
+          <p:nvPr/>
+        </p:nvPicPr>
+        <p:blipFill>
+          <a:blip r:embed="rId6">
+            <a:extLst>
+              <a:ext uri="{28A0092B-C50C-407E-A947-70E740481C1C}">
+                <a14:useLocalDpi xmlns:a14="http://schemas.microsoft.com/office/drawing/2010/main" val="0"/>
+              </a:ext>
+            </a:extLst>
+          </a:blip>
+          <a:stretch>
+            <a:fillRect/>
+          </a:stretch>
+        </p:blipFill>
+        <p:spPr>
+          <a:xfrm rot="16200000">
+            <a:off x="4259411" y="3827890"/>
+            <a:ext cx="888134" cy="102477"/>
+          </a:xfrm>
+          <a:prstGeom prst="rect">
+            <a:avLst/>
+          </a:prstGeom>
+        </p:spPr>
+      </p:pic>
+      <p:pic>
+        <p:nvPicPr>
+          <p:cNvPr id="38" name="图片 37">
+            <a:extLst>
+              <a:ext uri="{FF2B5EF4-FFF2-40B4-BE49-F238E27FC236}">
+                <a16:creationId xmlns:a16="http://schemas.microsoft.com/office/drawing/2014/main" id="{CE7C2FD1-FC2C-4456-A36E-B18EB4B2E12E}"/>
+              </a:ext>
+            </a:extLst>
+          </p:cNvPr>
+          <p:cNvPicPr>
+            <a:picLocks noChangeAspect="1"/>
+          </p:cNvPicPr>
+          <p:nvPr/>
+        </p:nvPicPr>
+        <p:blipFill>
+          <a:blip r:embed="rId6">
+            <a:extLst>
+              <a:ext uri="{28A0092B-C50C-407E-A947-70E740481C1C}">
+                <a14:useLocalDpi xmlns:a14="http://schemas.microsoft.com/office/drawing/2010/main" val="0"/>
+              </a:ext>
+            </a:extLst>
+          </a:blip>
+          <a:stretch>
+            <a:fillRect/>
+          </a:stretch>
+        </p:blipFill>
+        <p:spPr>
+          <a:xfrm rot="5400000">
+            <a:off x="4163568" y="3825770"/>
+            <a:ext cx="888134" cy="102477"/>
+          </a:xfrm>
+          <a:prstGeom prst="rect">
+            <a:avLst/>
+          </a:prstGeom>
+        </p:spPr>
+      </p:pic>
+      <p:pic>
+        <p:nvPicPr>
+          <p:cNvPr id="39" name="图片 38">
+            <a:extLst>
+              <a:ext uri="{FF2B5EF4-FFF2-40B4-BE49-F238E27FC236}">
+                <a16:creationId xmlns:a16="http://schemas.microsoft.com/office/drawing/2014/main" id="{D7951191-FEB3-4269-B6BC-7E1D1787E253}"/>
+              </a:ext>
+            </a:extLst>
+          </p:cNvPr>
+          <p:cNvPicPr>
+            <a:picLocks noChangeAspect="1"/>
+          </p:cNvPicPr>
+          <p:nvPr/>
+        </p:nvPicPr>
+        <p:blipFill>
+          <a:blip r:embed="rId5">
+            <a:extLst>
+              <a:ext uri="{28A0092B-C50C-407E-A947-70E740481C1C}">
+                <a14:useLocalDpi xmlns:a14="http://schemas.microsoft.com/office/drawing/2010/main" val="0"/>
+              </a:ext>
+            </a:extLst>
+          </a:blip>
+          <a:stretch>
+            <a:fillRect/>
+          </a:stretch>
+        </p:blipFill>
+        <p:spPr>
+          <a:xfrm rot="5400000">
+            <a:off x="5239252" y="3840737"/>
+            <a:ext cx="888135" cy="68318"/>
+          </a:xfrm>
+          <a:prstGeom prst="rect">
+            <a:avLst/>
+          </a:prstGeom>
+        </p:spPr>
+      </p:pic>
+      <p:pic>
+        <p:nvPicPr>
+          <p:cNvPr id="40" name="图片 39">
+            <a:extLst>
+              <a:ext uri="{FF2B5EF4-FFF2-40B4-BE49-F238E27FC236}">
+                <a16:creationId xmlns:a16="http://schemas.microsoft.com/office/drawing/2014/main" id="{69A5E5E5-8E49-4F6E-8AF4-4B481795364C}"/>
+              </a:ext>
+            </a:extLst>
+          </p:cNvPr>
+          <p:cNvPicPr>
+            <a:picLocks noChangeAspect="1"/>
+          </p:cNvPicPr>
+          <p:nvPr/>
+        </p:nvPicPr>
+        <p:blipFill>
+          <a:blip r:embed="rId5">
+            <a:extLst>
+              <a:ext uri="{28A0092B-C50C-407E-A947-70E740481C1C}">
+                <a14:useLocalDpi xmlns:a14="http://schemas.microsoft.com/office/drawing/2010/main" val="0"/>
+              </a:ext>
+            </a:extLst>
+          </a:blip>
+          <a:stretch>
+            <a:fillRect/>
+          </a:stretch>
+        </p:blipFill>
+        <p:spPr>
+          <a:xfrm>
+            <a:off x="4757233" y="3364623"/>
+            <a:ext cx="888135" cy="68318"/>
+          </a:xfrm>
+          <a:prstGeom prst="rect">
+            <a:avLst/>
+          </a:prstGeom>
+        </p:spPr>
+      </p:pic>
+      <p:pic>
+        <p:nvPicPr>
+          <p:cNvPr id="41" name="图片 40">
+            <a:extLst>
+              <a:ext uri="{FF2B5EF4-FFF2-40B4-BE49-F238E27FC236}">
+                <a16:creationId xmlns:a16="http://schemas.microsoft.com/office/drawing/2014/main" id="{00F3A07A-04E8-470D-8C78-B426E0177F47}"/>
+              </a:ext>
+            </a:extLst>
+          </p:cNvPr>
+          <p:cNvPicPr>
+            <a:picLocks noChangeAspect="1"/>
+          </p:cNvPicPr>
+          <p:nvPr/>
+        </p:nvPicPr>
+        <p:blipFill>
+          <a:blip r:embed="rId6">
+            <a:extLst>
+              <a:ext uri="{28A0092B-C50C-407E-A947-70E740481C1C}">
+                <a14:useLocalDpi xmlns:a14="http://schemas.microsoft.com/office/drawing/2010/main" val="0"/>
+              </a:ext>
+            </a:extLst>
+          </a:blip>
+          <a:stretch>
+            <a:fillRect/>
+          </a:stretch>
+        </p:blipFill>
+        <p:spPr>
+          <a:xfrm rot="10800000">
+            <a:off x="4757233" y="4318963"/>
+            <a:ext cx="888134" cy="102477"/>
+          </a:xfrm>
+          <a:prstGeom prst="rect">
+            <a:avLst/>
+          </a:prstGeom>
+        </p:spPr>
+      </p:pic>
+      <p:pic>
+        <p:nvPicPr>
+          <p:cNvPr id="42" name="图片 41">
+            <a:extLst>
+              <a:ext uri="{FF2B5EF4-FFF2-40B4-BE49-F238E27FC236}">
+                <a16:creationId xmlns:a16="http://schemas.microsoft.com/office/drawing/2014/main" id="{CCD409F8-6A6D-4A9D-8BFE-6E6A3D00150D}"/>
+              </a:ext>
+            </a:extLst>
+          </p:cNvPr>
+          <p:cNvPicPr>
+            <a:picLocks noChangeAspect="1"/>
+          </p:cNvPicPr>
+          <p:nvPr/>
+        </p:nvPicPr>
+        <p:blipFill>
+          <a:blip r:embed="rId6">
+            <a:extLst>
+              <a:ext uri="{28A0092B-C50C-407E-A947-70E740481C1C}">
+                <a14:useLocalDpi xmlns:a14="http://schemas.microsoft.com/office/drawing/2010/main" val="0"/>
+              </a:ext>
+            </a:extLst>
+          </a:blip>
+          <a:stretch>
+            <a:fillRect/>
+          </a:stretch>
+        </p:blipFill>
+        <p:spPr>
+          <a:xfrm>
+            <a:off x="4757232" y="4414640"/>
+            <a:ext cx="888134" cy="102477"/>
+          </a:xfrm>
+          <a:prstGeom prst="rect">
+            <a:avLst/>
+          </a:prstGeom>
+        </p:spPr>
+      </p:pic>
+      <p:pic>
+        <p:nvPicPr>
+          <p:cNvPr id="43" name="图片 42">
+            <a:extLst>
+              <a:ext uri="{FF2B5EF4-FFF2-40B4-BE49-F238E27FC236}">
+                <a16:creationId xmlns:a16="http://schemas.microsoft.com/office/drawing/2014/main" id="{D30E3F12-B88C-49E6-ADD7-21750505E094}"/>
+              </a:ext>
+            </a:extLst>
+          </p:cNvPr>
+          <p:cNvPicPr>
+            <a:picLocks noChangeAspect="1"/>
+          </p:cNvPicPr>
+          <p:nvPr/>
+        </p:nvPicPr>
+        <p:blipFill>
+          <a:blip r:embed="rId4">
+            <a:extLst>
+              <a:ext uri="{28A0092B-C50C-407E-A947-70E740481C1C}">
+                <a14:useLocalDpi xmlns:a14="http://schemas.microsoft.com/office/drawing/2010/main" val="0"/>
+              </a:ext>
+            </a:extLst>
+          </a:blip>
+          <a:stretch>
+            <a:fillRect/>
+          </a:stretch>
+        </p:blipFill>
+        <p:spPr>
+          <a:xfrm rot="10800000">
+            <a:off x="3664277" y="4316217"/>
+            <a:ext cx="902302" cy="104112"/>
+          </a:xfrm>
+          <a:prstGeom prst="rect">
+            <a:avLst/>
+          </a:prstGeom>
+        </p:spPr>
+      </p:pic>
+      <p:pic>
+        <p:nvPicPr>
+          <p:cNvPr id="44" name="图片 43">
+            <a:extLst>
+              <a:ext uri="{FF2B5EF4-FFF2-40B4-BE49-F238E27FC236}">
+                <a16:creationId xmlns:a16="http://schemas.microsoft.com/office/drawing/2014/main" id="{BA43E7F6-6ABD-415F-A5C7-51209D7032C0}"/>
+              </a:ext>
+            </a:extLst>
+          </p:cNvPr>
+          <p:cNvPicPr>
+            <a:picLocks noChangeAspect="1"/>
+          </p:cNvPicPr>
+          <p:nvPr/>
+        </p:nvPicPr>
+        <p:blipFill>
+          <a:blip r:embed="rId5">
+            <a:extLst>
+              <a:ext uri="{28A0092B-C50C-407E-A947-70E740481C1C}">
+                <a14:useLocalDpi xmlns:a14="http://schemas.microsoft.com/office/drawing/2010/main" val="0"/>
+              </a:ext>
+            </a:extLst>
+          </a:blip>
+          <a:stretch>
+            <a:fillRect/>
+          </a:stretch>
+        </p:blipFill>
+        <p:spPr>
+          <a:xfrm rot="5400000">
+            <a:off x="5234906" y="4927027"/>
+            <a:ext cx="888135" cy="68318"/>
+          </a:xfrm>
+          <a:prstGeom prst="rect">
+            <a:avLst/>
+          </a:prstGeom>
+        </p:spPr>
+      </p:pic>
+      <p:pic>
+        <p:nvPicPr>
+          <p:cNvPr id="45" name="图片 44">
+            <a:extLst>
+              <a:ext uri="{FF2B5EF4-FFF2-40B4-BE49-F238E27FC236}">
+                <a16:creationId xmlns:a16="http://schemas.microsoft.com/office/drawing/2014/main" id="{F8DCA63D-AEAB-4E2A-8D63-358BC5FB5CBD}"/>
+              </a:ext>
+            </a:extLst>
+          </p:cNvPr>
+          <p:cNvPicPr>
+            <a:picLocks noChangeAspect="1"/>
+          </p:cNvPicPr>
+          <p:nvPr/>
+        </p:nvPicPr>
+        <p:blipFill>
+          <a:blip r:embed="rId5">
+            <a:extLst>
+              <a:ext uri="{28A0092B-C50C-407E-A947-70E740481C1C}">
+                <a14:useLocalDpi xmlns:a14="http://schemas.microsoft.com/office/drawing/2010/main" val="0"/>
+              </a:ext>
+            </a:extLst>
+          </a:blip>
+          <a:stretch>
+            <a:fillRect/>
+          </a:stretch>
+        </p:blipFill>
+        <p:spPr>
+          <a:xfrm rot="16200000">
+            <a:off x="4279557" y="4927027"/>
+            <a:ext cx="888135" cy="68318"/>
+          </a:xfrm>
+          <a:prstGeom prst="rect">
+            <a:avLst/>
+          </a:prstGeom>
+        </p:spPr>
+      </p:pic>
+      <p:pic>
+        <p:nvPicPr>
+          <p:cNvPr id="46" name="图片 45">
+            <a:extLst>
+              <a:ext uri="{FF2B5EF4-FFF2-40B4-BE49-F238E27FC236}">
+                <a16:creationId xmlns:a16="http://schemas.microsoft.com/office/drawing/2014/main" id="{3D9B74DC-5E4F-49E9-8AE4-E58CC3D34E6A}"/>
+              </a:ext>
+            </a:extLst>
+          </p:cNvPr>
+          <p:cNvPicPr>
+            <a:picLocks noChangeAspect="1"/>
+          </p:cNvPicPr>
+          <p:nvPr/>
+        </p:nvPicPr>
+        <p:blipFill>
+          <a:blip r:embed="rId5">
+            <a:extLst>
+              <a:ext uri="{28A0092B-C50C-407E-A947-70E740481C1C}">
+                <a14:useLocalDpi xmlns:a14="http://schemas.microsoft.com/office/drawing/2010/main" val="0"/>
+              </a:ext>
+            </a:extLst>
+          </a:blip>
+          <a:stretch>
+            <a:fillRect/>
+          </a:stretch>
+        </p:blipFill>
+        <p:spPr>
+          <a:xfrm rot="10800000">
+            <a:off x="4756679" y="5405254"/>
+            <a:ext cx="888135" cy="68318"/>
+          </a:xfrm>
+          <a:prstGeom prst="rect">
+            <a:avLst/>
+          </a:prstGeom>
+        </p:spPr>
+      </p:pic>
+      <p:pic>
+        <p:nvPicPr>
+          <p:cNvPr id="47" name="图片 46">
+            <a:extLst>
+              <a:ext uri="{FF2B5EF4-FFF2-40B4-BE49-F238E27FC236}">
+                <a16:creationId xmlns:a16="http://schemas.microsoft.com/office/drawing/2014/main" id="{160B2A83-EAF8-4C9D-A460-0EAAEC527601}"/>
+              </a:ext>
+            </a:extLst>
+          </p:cNvPr>
+          <p:cNvPicPr>
+            <a:picLocks noChangeAspect="1"/>
+          </p:cNvPicPr>
+          <p:nvPr/>
+        </p:nvPicPr>
+        <p:blipFill>
+          <a:blip r:embed="rId6">
+            <a:extLst>
+              <a:ext uri="{28A0092B-C50C-407E-A947-70E740481C1C}">
+                <a14:useLocalDpi xmlns:a14="http://schemas.microsoft.com/office/drawing/2010/main" val="0"/>
+              </a:ext>
+            </a:extLst>
+          </a:blip>
+          <a:stretch>
+            <a:fillRect/>
+          </a:stretch>
+        </p:blipFill>
+        <p:spPr>
+          <a:xfrm rot="16200000">
+            <a:off x="3173176" y="3821790"/>
+            <a:ext cx="891482" cy="102863"/>
+          </a:xfrm>
+          <a:prstGeom prst="rect">
+            <a:avLst/>
+          </a:prstGeom>
+        </p:spPr>
+      </p:pic>
+      <p:pic>
+        <p:nvPicPr>
+          <p:cNvPr id="48" name="图片 47">
+            <a:extLst>
+              <a:ext uri="{FF2B5EF4-FFF2-40B4-BE49-F238E27FC236}">
+                <a16:creationId xmlns:a16="http://schemas.microsoft.com/office/drawing/2014/main" id="{30661BD9-09BA-4086-8EBF-BD28C8D9B99B}"/>
+              </a:ext>
+            </a:extLst>
+          </p:cNvPr>
+          <p:cNvPicPr>
+            <a:picLocks noChangeAspect="1"/>
+          </p:cNvPicPr>
+          <p:nvPr/>
+        </p:nvPicPr>
+        <p:blipFill>
+          <a:blip r:embed="rId6">
+            <a:extLst>
+              <a:ext uri="{28A0092B-C50C-407E-A947-70E740481C1C}">
+                <a14:useLocalDpi xmlns:a14="http://schemas.microsoft.com/office/drawing/2010/main" val="0"/>
+              </a:ext>
+            </a:extLst>
+          </a:blip>
+          <a:stretch>
+            <a:fillRect/>
+          </a:stretch>
+        </p:blipFill>
+        <p:spPr>
+          <a:xfrm rot="5400000">
+            <a:off x="3078813" y="3822422"/>
+            <a:ext cx="888134" cy="102477"/>
+          </a:xfrm>
+          <a:prstGeom prst="rect">
+            <a:avLst/>
+          </a:prstGeom>
+        </p:spPr>
+      </p:pic>
+      <p:pic>
+        <p:nvPicPr>
+          <p:cNvPr id="49" name="图片 48">
+            <a:extLst>
+              <a:ext uri="{FF2B5EF4-FFF2-40B4-BE49-F238E27FC236}">
+                <a16:creationId xmlns:a16="http://schemas.microsoft.com/office/drawing/2014/main" id="{8EBFE764-3D32-47A6-9EE1-7751B95B793F}"/>
+              </a:ext>
+            </a:extLst>
+          </p:cNvPr>
+          <p:cNvPicPr>
+            <a:picLocks noChangeAspect="1"/>
+          </p:cNvPicPr>
+          <p:nvPr/>
+        </p:nvPicPr>
+        <p:blipFill>
+          <a:blip r:embed="rId6">
+            <a:extLst>
+              <a:ext uri="{28A0092B-C50C-407E-A947-70E740481C1C}">
+                <a14:useLocalDpi xmlns:a14="http://schemas.microsoft.com/office/drawing/2010/main" val="0"/>
+              </a:ext>
+            </a:extLst>
+          </a:blip>
+          <a:stretch>
+            <a:fillRect/>
+          </a:stretch>
+        </p:blipFill>
+        <p:spPr>
+          <a:xfrm rot="16200000">
+            <a:off x="2092074" y="3821789"/>
+            <a:ext cx="891482" cy="102863"/>
+          </a:xfrm>
+          <a:prstGeom prst="rect">
+            <a:avLst/>
+          </a:prstGeom>
+        </p:spPr>
+      </p:pic>
+      <p:pic>
+        <p:nvPicPr>
+          <p:cNvPr id="50" name="图片 49">
+            <a:extLst>
+              <a:ext uri="{FF2B5EF4-FFF2-40B4-BE49-F238E27FC236}">
+                <a16:creationId xmlns:a16="http://schemas.microsoft.com/office/drawing/2014/main" id="{DEB0F3A6-FC39-4A80-8BF2-BDDBF4FDF645}"/>
+              </a:ext>
+            </a:extLst>
+          </p:cNvPr>
+          <p:cNvPicPr>
+            <a:picLocks noChangeAspect="1"/>
+          </p:cNvPicPr>
+          <p:nvPr/>
+        </p:nvPicPr>
+        <p:blipFill>
+          <a:blip r:embed="rId6">
+            <a:extLst>
+              <a:ext uri="{28A0092B-C50C-407E-A947-70E740481C1C}">
+                <a14:useLocalDpi xmlns:a14="http://schemas.microsoft.com/office/drawing/2010/main" val="0"/>
+              </a:ext>
+            </a:extLst>
+          </a:blip>
+          <a:stretch>
+            <a:fillRect/>
+          </a:stretch>
+        </p:blipFill>
+        <p:spPr>
+          <a:xfrm rot="5400000">
+            <a:off x="1997711" y="3822421"/>
+            <a:ext cx="888134" cy="102477"/>
+          </a:xfrm>
+          <a:prstGeom prst="rect">
+            <a:avLst/>
+          </a:prstGeom>
+        </p:spPr>
+      </p:pic>
+      <p:pic>
+        <p:nvPicPr>
+          <p:cNvPr id="51" name="图片 50">
+            <a:extLst>
+              <a:ext uri="{FF2B5EF4-FFF2-40B4-BE49-F238E27FC236}">
+                <a16:creationId xmlns:a16="http://schemas.microsoft.com/office/drawing/2014/main" id="{AB69EFAB-0424-4FCB-A21A-3C4BAD072B3B}"/>
+              </a:ext>
+            </a:extLst>
+          </p:cNvPr>
+          <p:cNvPicPr>
+            <a:picLocks noChangeAspect="1"/>
+          </p:cNvPicPr>
+          <p:nvPr/>
+        </p:nvPicPr>
+        <p:blipFill>
+          <a:blip r:embed="rId4">
+            <a:extLst>
+              <a:ext uri="{28A0092B-C50C-407E-A947-70E740481C1C}">
+                <a14:useLocalDpi xmlns:a14="http://schemas.microsoft.com/office/drawing/2010/main" val="0"/>
+              </a:ext>
+            </a:extLst>
+          </a:blip>
+          <a:stretch>
+            <a:fillRect/>
+          </a:stretch>
+        </p:blipFill>
+        <p:spPr>
+          <a:xfrm rot="16200000">
+            <a:off x="1019102" y="3823020"/>
+            <a:ext cx="884697" cy="102081"/>
+          </a:xfrm>
+          <a:prstGeom prst="rect">
+            <a:avLst/>
+          </a:prstGeom>
+        </p:spPr>
+      </p:pic>
+      <p:pic>
+        <p:nvPicPr>
+          <p:cNvPr id="52" name="图片 51">
+            <a:extLst>
+              <a:ext uri="{FF2B5EF4-FFF2-40B4-BE49-F238E27FC236}">
+                <a16:creationId xmlns:a16="http://schemas.microsoft.com/office/drawing/2014/main" id="{1565B9B0-AFA3-498A-A1FF-994172706F64}"/>
+              </a:ext>
+            </a:extLst>
+          </p:cNvPr>
+          <p:cNvPicPr>
+            <a:picLocks noChangeAspect="1"/>
+          </p:cNvPicPr>
+          <p:nvPr/>
+        </p:nvPicPr>
+        <p:blipFill>
+          <a:blip r:embed="rId5">
+            <a:extLst>
+              <a:ext uri="{28A0092B-C50C-407E-A947-70E740481C1C}">
+                <a14:useLocalDpi xmlns:a14="http://schemas.microsoft.com/office/drawing/2010/main" val="0"/>
+              </a:ext>
+            </a:extLst>
+          </a:blip>
+          <a:stretch>
+            <a:fillRect/>
+          </a:stretch>
+        </p:blipFill>
+        <p:spPr>
+          <a:xfrm>
+            <a:off x="1511396" y="3366743"/>
+            <a:ext cx="888135" cy="68318"/>
+          </a:xfrm>
+          <a:prstGeom prst="rect">
+            <a:avLst/>
+          </a:prstGeom>
+        </p:spPr>
+      </p:pic>
+      <p:pic>
+        <p:nvPicPr>
+          <p:cNvPr id="53" name="图片 52">
+            <a:extLst>
+              <a:ext uri="{FF2B5EF4-FFF2-40B4-BE49-F238E27FC236}">
+                <a16:creationId xmlns:a16="http://schemas.microsoft.com/office/drawing/2014/main" id="{8FF62739-1B6E-4928-A7B1-82321EC47469}"/>
+              </a:ext>
+            </a:extLst>
+          </p:cNvPr>
+          <p:cNvPicPr>
+            <a:picLocks noChangeAspect="1"/>
+          </p:cNvPicPr>
+          <p:nvPr/>
+        </p:nvPicPr>
+        <p:blipFill>
+          <a:blip r:embed="rId5">
+            <a:extLst>
+              <a:ext uri="{28A0092B-C50C-407E-A947-70E740481C1C}">
+                <a14:useLocalDpi xmlns:a14="http://schemas.microsoft.com/office/drawing/2010/main" val="0"/>
+              </a:ext>
+            </a:extLst>
+          </a:blip>
+          <a:stretch>
+            <a:fillRect/>
+          </a:stretch>
+        </p:blipFill>
+        <p:spPr>
+          <a:xfrm>
+            <a:off x="2590753" y="3366743"/>
+            <a:ext cx="888135" cy="68318"/>
+          </a:xfrm>
+          <a:prstGeom prst="rect">
+            <a:avLst/>
+          </a:prstGeom>
+        </p:spPr>
+      </p:pic>
+      <p:pic>
+        <p:nvPicPr>
+          <p:cNvPr id="54" name="图片 53">
+            <a:extLst>
+              <a:ext uri="{FF2B5EF4-FFF2-40B4-BE49-F238E27FC236}">
+                <a16:creationId xmlns:a16="http://schemas.microsoft.com/office/drawing/2014/main" id="{628E134B-BD74-4829-B47F-9A8683A7EBB5}"/>
+              </a:ext>
+            </a:extLst>
+          </p:cNvPr>
+          <p:cNvPicPr>
+            <a:picLocks noChangeAspect="1"/>
+          </p:cNvPicPr>
+          <p:nvPr/>
+        </p:nvPicPr>
+        <p:blipFill>
+          <a:blip r:embed="rId5">
+            <a:extLst>
+              <a:ext uri="{28A0092B-C50C-407E-A947-70E740481C1C}">
+                <a14:useLocalDpi xmlns:a14="http://schemas.microsoft.com/office/drawing/2010/main" val="0"/>
+              </a:ext>
+            </a:extLst>
+          </a:blip>
+          <a:stretch>
+            <a:fillRect/>
+          </a:stretch>
+        </p:blipFill>
+        <p:spPr>
+          <a:xfrm rot="10800000">
+            <a:off x="2586879" y="4316217"/>
+            <a:ext cx="888135" cy="68318"/>
+          </a:xfrm>
+          <a:prstGeom prst="rect">
+            <a:avLst/>
+          </a:prstGeom>
+        </p:spPr>
+      </p:pic>
+      <p:pic>
+        <p:nvPicPr>
+          <p:cNvPr id="55" name="图片 54">
+            <a:extLst>
+              <a:ext uri="{FF2B5EF4-FFF2-40B4-BE49-F238E27FC236}">
+                <a16:creationId xmlns:a16="http://schemas.microsoft.com/office/drawing/2014/main" id="{04CEFB4C-874F-4E83-BA0F-EF34FCF12998}"/>
+              </a:ext>
+            </a:extLst>
+          </p:cNvPr>
+          <p:cNvPicPr>
+            <a:picLocks noChangeAspect="1"/>
+          </p:cNvPicPr>
+          <p:nvPr/>
+        </p:nvPicPr>
+        <p:blipFill>
+          <a:blip r:embed="rId5">
+            <a:extLst>
+              <a:ext uri="{28A0092B-C50C-407E-A947-70E740481C1C}">
+                <a14:useLocalDpi xmlns:a14="http://schemas.microsoft.com/office/drawing/2010/main" val="0"/>
+              </a:ext>
+            </a:extLst>
+          </a:blip>
+          <a:stretch>
+            <a:fillRect/>
+          </a:stretch>
+        </p:blipFill>
+        <p:spPr>
+          <a:xfrm rot="10800000">
+            <a:off x="1511307" y="4312258"/>
+            <a:ext cx="888135" cy="68318"/>
+          </a:xfrm>
+          <a:prstGeom prst="rect">
+            <a:avLst/>
+          </a:prstGeom>
+        </p:spPr>
+      </p:pic>
+      <p:sp>
+        <p:nvSpPr>
+          <p:cNvPr id="12" name="文本框 11">
+            <a:extLst>
+              <a:ext uri="{FF2B5EF4-FFF2-40B4-BE49-F238E27FC236}">
+                <a16:creationId xmlns:a16="http://schemas.microsoft.com/office/drawing/2014/main" id="{814EBD7C-6781-4032-9465-9E1936639179}"/>
+              </a:ext>
+            </a:extLst>
+          </p:cNvPr>
+          <p:cNvSpPr txBox="1"/>
+          <p:nvPr/>
+        </p:nvSpPr>
+        <p:spPr>
+          <a:xfrm>
+            <a:off x="6247892" y="1938861"/>
+            <a:ext cx="4222750" cy="3970318"/>
+          </a:xfrm>
+          <a:prstGeom prst="rect">
+            <a:avLst/>
+          </a:prstGeom>
+          <a:noFill/>
+        </p:spPr>
+        <p:txBody>
+          <a:bodyPr wrap="square" rtlCol="0">
+            <a:spAutoFit/>
+          </a:bodyPr>
+          <a:lstStyle/>
+          <a:p>
+            <a:r>
+              <a:rPr lang="zh-CN" altLang="en-US" dirty="0">
+                <a:solidFill>
+                  <a:schemeClr val="tx1">
+                    <a:lumMod val="50000"/>
+                    <a:lumOff val="50000"/>
+                  </a:schemeClr>
+                </a:solidFill>
+              </a:rPr>
+              <a:t>在</a:t>
+            </a:r>
+            <a:r>
+              <a:rPr lang="en-US" altLang="zh-CN" dirty="0">
+                <a:solidFill>
+                  <a:schemeClr val="tx1">
+                    <a:lumMod val="50000"/>
+                    <a:lumOff val="50000"/>
+                  </a:schemeClr>
+                </a:solidFill>
+              </a:rPr>
+              <a:t>R.O.O.T.</a:t>
+            </a:r>
+            <a:r>
+              <a:rPr lang="zh-CN" altLang="en-US" dirty="0">
+                <a:solidFill>
+                  <a:schemeClr val="tx1">
+                    <a:lumMod val="50000"/>
+                    <a:lumOff val="50000"/>
+                  </a:schemeClr>
+                </a:solidFill>
+              </a:rPr>
+              <a:t>系统中，只有</a:t>
+            </a:r>
+            <a:r>
+              <a:rPr lang="zh-CN" altLang="en-US" dirty="0">
+                <a:solidFill>
+                  <a:schemeClr val="tx1">
+                    <a:lumMod val="95000"/>
+                    <a:lumOff val="5000"/>
+                  </a:schemeClr>
+                </a:solidFill>
+              </a:rPr>
+              <a:t>处理器模组和服务器模组</a:t>
+            </a:r>
+            <a:r>
+              <a:rPr lang="zh-CN" altLang="en-US" dirty="0">
+                <a:solidFill>
+                  <a:schemeClr val="tx1">
+                    <a:lumMod val="50000"/>
+                    <a:lumOff val="50000"/>
+                  </a:schemeClr>
+                </a:solidFill>
+              </a:rPr>
+              <a:t>可以作为信号源</a:t>
+            </a:r>
+            <a:r>
+              <a:rPr lang="zh-CN" altLang="en-US" dirty="0">
+                <a:solidFill>
+                  <a:schemeClr val="tx1">
+                    <a:lumMod val="95000"/>
+                    <a:lumOff val="5000"/>
+                  </a:schemeClr>
+                </a:solidFill>
+              </a:rPr>
+              <a:t>发布信号</a:t>
+            </a:r>
+            <a:r>
+              <a:rPr lang="zh-CN" altLang="en-US" dirty="0">
+                <a:solidFill>
+                  <a:schemeClr val="tx1">
+                    <a:lumMod val="50000"/>
+                    <a:lumOff val="50000"/>
+                  </a:schemeClr>
+                </a:solidFill>
+              </a:rPr>
+              <a:t>。</a:t>
+            </a:r>
+            <a:endParaRPr lang="en-US" altLang="zh-CN" dirty="0">
+              <a:solidFill>
+                <a:schemeClr val="tx1">
+                  <a:lumMod val="50000"/>
+                  <a:lumOff val="50000"/>
+                </a:schemeClr>
+              </a:solidFill>
+            </a:endParaRPr>
+          </a:p>
+          <a:p>
+            <a:r>
+              <a:rPr lang="zh-CN" altLang="en-US" dirty="0">
+                <a:solidFill>
+                  <a:schemeClr val="tx1">
+                    <a:lumMod val="50000"/>
+                    <a:lumOff val="50000"/>
+                  </a:schemeClr>
+                </a:solidFill>
+              </a:rPr>
+              <a:t>但是</a:t>
+            </a:r>
+            <a:r>
+              <a:rPr lang="zh-CN" altLang="en-US" dirty="0">
+                <a:solidFill>
+                  <a:schemeClr val="tx1">
+                    <a:lumMod val="95000"/>
+                    <a:lumOff val="5000"/>
+                  </a:schemeClr>
+                </a:solidFill>
+              </a:rPr>
+              <a:t>所有</a:t>
+            </a:r>
+            <a:r>
+              <a:rPr lang="zh-CN" altLang="en-US" dirty="0">
+                <a:solidFill>
+                  <a:schemeClr val="tx1">
+                    <a:lumMod val="50000"/>
+                    <a:lumOff val="50000"/>
+                  </a:schemeClr>
+                </a:solidFill>
+              </a:rPr>
+              <a:t>具有两个端子的核心都可以一定程度上的</a:t>
+            </a:r>
+            <a:r>
+              <a:rPr lang="zh-CN" altLang="en-US" dirty="0">
+                <a:solidFill>
+                  <a:schemeClr val="tx1">
+                    <a:lumMod val="95000"/>
+                    <a:lumOff val="5000"/>
+                  </a:schemeClr>
+                </a:solidFill>
+              </a:rPr>
+              <a:t>传递信号。</a:t>
+            </a:r>
+            <a:endParaRPr lang="en-US" altLang="zh-CN" dirty="0">
+              <a:solidFill>
+                <a:schemeClr val="tx1">
+                  <a:lumMod val="95000"/>
+                  <a:lumOff val="5000"/>
+                </a:schemeClr>
+              </a:solidFill>
+            </a:endParaRPr>
+          </a:p>
+          <a:p>
+            <a:endParaRPr lang="en-US" altLang="zh-CN" dirty="0">
+              <a:solidFill>
+                <a:schemeClr val="tx1">
+                  <a:lumMod val="50000"/>
+                  <a:lumOff val="50000"/>
+                </a:schemeClr>
+              </a:solidFill>
+            </a:endParaRPr>
+          </a:p>
+          <a:p>
+            <a:r>
+              <a:rPr lang="zh-CN" altLang="en-US" dirty="0">
+                <a:solidFill>
+                  <a:schemeClr val="tx1">
+                    <a:lumMod val="50000"/>
+                    <a:lumOff val="50000"/>
+                  </a:schemeClr>
+                </a:solidFill>
+              </a:rPr>
+              <a:t>就如同右图所示，所有端子都既</a:t>
+            </a:r>
+            <a:r>
+              <a:rPr lang="zh-CN" altLang="en-US" dirty="0">
+                <a:solidFill>
+                  <a:schemeClr val="tx1">
+                    <a:lumMod val="95000"/>
+                    <a:lumOff val="5000"/>
+                  </a:schemeClr>
+                </a:solidFill>
+              </a:rPr>
+              <a:t>非</a:t>
+            </a:r>
+            <a:r>
+              <a:rPr lang="zh-CN" altLang="en-US" dirty="0">
+                <a:solidFill>
+                  <a:srgbClr val="0070C0"/>
+                </a:solidFill>
+              </a:rPr>
+              <a:t>蓝色</a:t>
+            </a:r>
+            <a:r>
+              <a:rPr lang="zh-CN" altLang="en-US" dirty="0">
+                <a:solidFill>
+                  <a:schemeClr val="tx1">
+                    <a:lumMod val="50000"/>
+                    <a:lumOff val="50000"/>
+                  </a:schemeClr>
+                </a:solidFill>
+              </a:rPr>
+              <a:t>亦</a:t>
+            </a:r>
+            <a:r>
+              <a:rPr lang="zh-CN" altLang="en-US" dirty="0">
+                <a:solidFill>
+                  <a:schemeClr val="tx1">
+                    <a:lumMod val="95000"/>
+                    <a:lumOff val="5000"/>
+                  </a:schemeClr>
+                </a:solidFill>
+              </a:rPr>
+              <a:t>非</a:t>
+            </a:r>
+            <a:r>
+              <a:rPr lang="zh-CN" altLang="en-US" dirty="0">
+                <a:solidFill>
+                  <a:srgbClr val="00B050"/>
+                </a:solidFill>
+              </a:rPr>
+              <a:t>绿色</a:t>
+            </a:r>
+            <a:r>
+              <a:rPr lang="zh-CN" altLang="en-US" dirty="0">
+                <a:solidFill>
+                  <a:schemeClr val="tx1">
+                    <a:lumMod val="50000"/>
+                    <a:lumOff val="50000"/>
+                  </a:schemeClr>
+                </a:solidFill>
+              </a:rPr>
+              <a:t>，而是的</a:t>
+            </a:r>
+            <a:r>
+              <a:rPr lang="zh-CN" altLang="en-US" dirty="0">
+                <a:solidFill>
+                  <a:srgbClr val="00B0F0"/>
+                </a:solidFill>
+              </a:rPr>
+              <a:t>水蓝色</a:t>
+            </a:r>
+            <a:r>
+              <a:rPr lang="zh-CN" altLang="en-US" dirty="0">
+                <a:solidFill>
+                  <a:schemeClr val="tx1">
+                    <a:lumMod val="50000"/>
+                    <a:lumOff val="50000"/>
+                  </a:schemeClr>
+                </a:solidFill>
+              </a:rPr>
+              <a:t>。</a:t>
+            </a:r>
+            <a:endParaRPr lang="en-US" altLang="zh-CN" dirty="0">
+              <a:solidFill>
+                <a:schemeClr val="tx1">
+                  <a:lumMod val="50000"/>
+                  <a:lumOff val="50000"/>
+                </a:schemeClr>
+              </a:solidFill>
+            </a:endParaRPr>
+          </a:p>
+          <a:p>
+            <a:r>
+              <a:rPr lang="zh-CN" altLang="en-US" dirty="0">
+                <a:solidFill>
+                  <a:schemeClr val="tx1">
+                    <a:lumMod val="50000"/>
+                    <a:lumOff val="50000"/>
+                  </a:schemeClr>
+                </a:solidFill>
+              </a:rPr>
+              <a:t>这个时候就说明这里的端子都同时在传递网络和数据</a:t>
+            </a:r>
+            <a:r>
+              <a:rPr lang="zh-CN" altLang="en-US" dirty="0">
+                <a:solidFill>
+                  <a:schemeClr val="tx1">
+                    <a:lumMod val="95000"/>
+                    <a:lumOff val="5000"/>
+                  </a:schemeClr>
+                </a:solidFill>
+              </a:rPr>
+              <a:t>两种信号。</a:t>
+            </a:r>
+            <a:endParaRPr lang="en-US" altLang="zh-CN" dirty="0">
+              <a:solidFill>
+                <a:schemeClr val="tx1">
+                  <a:lumMod val="95000"/>
+                  <a:lumOff val="5000"/>
+                </a:schemeClr>
+              </a:solidFill>
+            </a:endParaRPr>
+          </a:p>
+          <a:p>
+            <a:endParaRPr lang="en-US" altLang="zh-CN" dirty="0">
+              <a:solidFill>
+                <a:schemeClr val="tx1">
+                  <a:lumMod val="50000"/>
+                  <a:lumOff val="50000"/>
+                </a:schemeClr>
+              </a:solidFill>
+            </a:endParaRPr>
+          </a:p>
+          <a:p>
+            <a:r>
+              <a:rPr lang="zh-CN" altLang="en-US" dirty="0">
+                <a:solidFill>
+                  <a:schemeClr val="tx1">
+                    <a:lumMod val="50000"/>
+                    <a:lumOff val="50000"/>
+                  </a:schemeClr>
+                </a:solidFill>
+              </a:rPr>
+              <a:t>这也是为什么最下方的硬盘模组没有直接连接到服务器和其他硬盘，但仍然可以计分。中间的</a:t>
+            </a:r>
+            <a:r>
+              <a:rPr lang="zh-CN" altLang="en-US" dirty="0">
+                <a:solidFill>
+                  <a:schemeClr val="tx1">
+                    <a:lumMod val="95000"/>
+                    <a:lumOff val="5000"/>
+                  </a:schemeClr>
+                </a:solidFill>
+              </a:rPr>
+              <a:t>网络模组传递了从处理器发出的数据信号。</a:t>
+            </a:r>
+            <a:endParaRPr lang="en-US" dirty="0">
+              <a:solidFill>
+                <a:schemeClr val="tx1">
+                  <a:lumMod val="95000"/>
+                  <a:lumOff val="5000"/>
+                </a:schemeClr>
+              </a:solidFill>
+            </a:endParaRPr>
+          </a:p>
+        </p:txBody>
+      </p:sp>
+    </p:spTree>
+    <p:extLst>
+      <p:ext uri="{BB962C8B-B14F-4D97-AF65-F5344CB8AC3E}">
+        <p14:creationId xmlns:p14="http://schemas.microsoft.com/office/powerpoint/2010/main" val="773586429"/>
+      </p:ext>
+    </p:extLst>
+  </p:cSld>
+  <p:clrMapOvr>
+    <a:masterClrMapping/>
+  </p:clrMapOvr>
+</p:sld>
+</file>
+
+<file path=ppt/slides/slide14.xml><?xml version="1.0" encoding="utf-8"?>
+<p:sld xmlns:a="http://schemas.openxmlformats.org/drawingml/2006/main" xmlns:r="http://schemas.openxmlformats.org/officeDocument/2006/relationships" xmlns:p="http://schemas.openxmlformats.org/presentationml/2006/main">
+  <p:cSld>
+    <p:spTree>
+      <p:nvGrpSpPr>
+        <p:cNvPr id="1" name=""/>
+        <p:cNvGrpSpPr/>
+        <p:nvPr/>
+      </p:nvGrpSpPr>
+      <p:grpSpPr>
+        <a:xfrm>
+          <a:off x="0" y="0"/>
+          <a:ext cx="0" cy="0"/>
+          <a:chOff x="0" y="0"/>
+          <a:chExt cx="0" cy="0"/>
+        </a:xfrm>
+      </p:grpSpPr>
+      <p:sp>
+        <p:nvSpPr>
+          <p:cNvPr id="2" name="标题 1">
+            <a:extLst>
+              <a:ext uri="{FF2B5EF4-FFF2-40B4-BE49-F238E27FC236}">
+                <a16:creationId xmlns:a16="http://schemas.microsoft.com/office/drawing/2014/main" id="{B9110261-8660-4936-9702-B2F8C8BF72B5}"/>
+              </a:ext>
+            </a:extLst>
+          </p:cNvPr>
+          <p:cNvSpPr>
+            <a:spLocks noGrp="1"/>
+          </p:cNvSpPr>
+          <p:nvPr>
+            <p:ph type="title"/>
+          </p:nvPr>
+        </p:nvSpPr>
+        <p:spPr/>
+        <p:txBody>
+          <a:bodyPr/>
+          <a:lstStyle/>
+          <a:p>
+            <a:r>
+              <a:rPr lang="zh-CN" altLang="en-US" dirty="0"/>
               <a:t>设备模组细节说明</a:t>
             </a:r>
             <a:endParaRPr lang="en-US" dirty="0"/>
@@ -4730,14 +7881,14 @@
           <p:nvPr>
             <p:extLst>
               <p:ext uri="{D42A27DB-BD31-4B8C-83A1-F6EECF244321}">
-                <p14:modId xmlns:p14="http://schemas.microsoft.com/office/powerpoint/2010/main" val="11111119"/>
+                <p14:modId xmlns:p14="http://schemas.microsoft.com/office/powerpoint/2010/main" val="3915211904"/>
               </p:ext>
             </p:extLst>
           </p:nvPr>
         </p:nvGraphicFramePr>
         <p:xfrm>
-          <a:off x="838200" y="1688686"/>
-          <a:ext cx="10007600" cy="3480628"/>
+          <a:off x="2056054" y="2157030"/>
+          <a:ext cx="7277100" cy="3480628"/>
         </p:xfrm>
         <a:graphic>
           <a:graphicData uri="http://schemas.openxmlformats.org/drawingml/2006/table">
@@ -4767,13 +7918,6 @@
                     </a:ext>
                   </a:extLst>
                 </a:gridCol>
-                <a:gridCol w="2730500">
-                  <a:extLst>
-                    <a:ext uri="{9D8B030D-6E8A-4147-A177-3AD203B41FA5}">
-                      <a16:colId xmlns:a16="http://schemas.microsoft.com/office/drawing/2014/main" val="1609952431"/>
-                    </a:ext>
-                  </a:extLst>
-                </a:gridCol>
               </a:tblGrid>
               <a:tr h="402891">
                 <a:tc>
@@ -4783,13 +7927,29 @@
                     <a:p>
                       <a:pPr algn="ctr"/>
                       <a:r>
-                        <a:rPr lang="zh-CN" altLang="en-US" dirty="0"/>
+                        <a:rPr lang="zh-CN" altLang="en-US" dirty="0">
+                          <a:solidFill>
+                            <a:schemeClr val="tx1">
+                              <a:lumMod val="95000"/>
+                              <a:lumOff val="5000"/>
+                            </a:schemeClr>
+                          </a:solidFill>
+                        </a:rPr>
                         <a:t>图标</a:t>
                       </a:r>
-                      <a:endParaRPr lang="en-US" dirty="0"/>
+                      <a:endParaRPr lang="en-US" dirty="0">
+                        <a:solidFill>
+                          <a:schemeClr val="tx1">
+                            <a:lumMod val="95000"/>
+                            <a:lumOff val="5000"/>
+                          </a:schemeClr>
+                        </a:solidFill>
+                      </a:endParaRPr>
                     </a:p>
                   </a:txBody>
-                  <a:tcPr/>
+                  <a:tcPr anchor="ctr">
+                    <a:noFill/>
+                  </a:tcPr>
                 </a:tc>
                 <a:tc>
                   <a:txBody>
@@ -4798,13 +7958,29 @@
                     <a:p>
                       <a:pPr algn="ctr"/>
                       <a:r>
-                        <a:rPr lang="zh-CN" altLang="en-US" dirty="0"/>
+                        <a:rPr lang="zh-CN" altLang="en-US" dirty="0">
+                          <a:solidFill>
+                            <a:schemeClr val="tx1">
+                              <a:lumMod val="95000"/>
+                              <a:lumOff val="5000"/>
+                            </a:schemeClr>
+                          </a:solidFill>
+                        </a:rPr>
                         <a:t>名称</a:t>
                       </a:r>
-                      <a:endParaRPr lang="en-US" dirty="0"/>
+                      <a:endParaRPr lang="en-US" dirty="0">
+                        <a:solidFill>
+                          <a:schemeClr val="tx1">
+                            <a:lumMod val="95000"/>
+                            <a:lumOff val="5000"/>
+                          </a:schemeClr>
+                        </a:solidFill>
+                      </a:endParaRPr>
                     </a:p>
                   </a:txBody>
-                  <a:tcPr/>
+                  <a:tcPr anchor="ctr">
+                    <a:noFill/>
+                  </a:tcPr>
                 </a:tc>
                 <a:tc>
                   <a:txBody>
@@ -4813,28 +7989,29 @@
                     <a:p>
                       <a:pPr algn="ctr"/>
                       <a:r>
-                        <a:rPr lang="zh-CN" altLang="en-US" dirty="0"/>
+                        <a:rPr lang="zh-CN" altLang="en-US" dirty="0">
+                          <a:solidFill>
+                            <a:schemeClr val="tx1">
+                              <a:lumMod val="95000"/>
+                              <a:lumOff val="5000"/>
+                            </a:schemeClr>
+                          </a:solidFill>
+                        </a:rPr>
                         <a:t>说明</a:t>
                       </a:r>
-                      <a:endParaRPr lang="en-US" dirty="0"/>
+                      <a:endParaRPr lang="en-US" dirty="0">
+                        <a:solidFill>
+                          <a:schemeClr val="tx1">
+                            <a:lumMod val="95000"/>
+                            <a:lumOff val="5000"/>
+                          </a:schemeClr>
+                        </a:solidFill>
+                      </a:endParaRPr>
                     </a:p>
                   </a:txBody>
-                  <a:tcPr/>
-                </a:tc>
-                <a:tc>
-                  <a:txBody>
-                    <a:bodyPr/>
-                    <a:lstStyle/>
-                    <a:p>
-                      <a:pPr algn="ctr"/>
-                      <a:r>
-                        <a:rPr lang="zh-CN" altLang="en-US" dirty="0"/>
-                        <a:t>消耗</a:t>
-                      </a:r>
-                      <a:endParaRPr lang="en-US" dirty="0"/>
-                    </a:p>
-                  </a:txBody>
-                  <a:tcPr/>
+                  <a:tcPr anchor="ctr">
+                    <a:noFill/>
+                  </a:tcPr>
                 </a:tc>
                 <a:extLst>
                   <a:ext uri="{0D108BD9-81ED-4DB2-BD59-A6C34878D82A}">
@@ -4848,10 +8025,13 @@
                     <a:bodyPr/>
                     <a:lstStyle/>
                     <a:p>
+                      <a:pPr algn="ctr"/>
                       <a:endParaRPr lang="en-US" dirty="0"/>
                     </a:p>
                   </a:txBody>
-                  <a:tcPr/>
+                  <a:tcPr anchor="ctr">
+                    <a:noFill/>
+                  </a:tcPr>
                 </a:tc>
                 <a:tc>
                   <a:txBody>
@@ -4860,37 +8040,82 @@
                     <a:p>
                       <a:pPr algn="ctr"/>
                       <a:r>
-                        <a:rPr lang="zh-CN" altLang="en-US" dirty="0"/>
+                        <a:rPr lang="zh-CN" altLang="en-US" dirty="0">
+                          <a:solidFill>
+                            <a:schemeClr val="tx1">
+                              <a:lumMod val="95000"/>
+                              <a:lumOff val="5000"/>
+                            </a:schemeClr>
+                          </a:solidFill>
+                        </a:rPr>
                         <a:t>垃圾模组</a:t>
                       </a:r>
-                      <a:endParaRPr lang="en-US" dirty="0"/>
+                      <a:endParaRPr lang="en-US" dirty="0">
+                        <a:solidFill>
+                          <a:schemeClr val="tx1">
+                            <a:lumMod val="95000"/>
+                            <a:lumOff val="5000"/>
+                          </a:schemeClr>
+                        </a:solidFill>
+                      </a:endParaRPr>
                     </a:p>
                   </a:txBody>
-                  <a:tcPr/>
+                  <a:tcPr anchor="ctr">
+                    <a:noFill/>
+                  </a:tcPr>
                 </a:tc>
                 <a:tc>
                   <a:txBody>
                     <a:bodyPr/>
                     <a:lstStyle/>
                     <a:p>
+                      <a:pPr algn="ctr"/>
                       <a:r>
-                        <a:rPr lang="zh-CN" altLang="en-US" dirty="0"/>
-                        <a:t>单纯的阻碍模组，并且四边必然是不可链接端子、并且不会与商店中出现</a:t>
+                        <a:rPr lang="zh-CN" altLang="en-US" dirty="0">
+                          <a:solidFill>
+                            <a:schemeClr val="tx1">
+                              <a:lumMod val="65000"/>
+                              <a:lumOff val="35000"/>
+                            </a:schemeClr>
+                          </a:solidFill>
+                        </a:rPr>
+                        <a:t>单纯的阻碍模组；四边必然是死端</a:t>
                       </a:r>
-                      <a:endParaRPr lang="en-US" dirty="0"/>
+                      <a:endParaRPr lang="en-US" altLang="zh-CN" dirty="0">
+                        <a:solidFill>
+                          <a:schemeClr val="tx1">
+                            <a:lumMod val="65000"/>
+                            <a:lumOff val="35000"/>
+                          </a:schemeClr>
+                        </a:solidFill>
+                      </a:endParaRPr>
+                    </a:p>
+                    <a:p>
+                      <a:pPr algn="ctr"/>
+                      <a:r>
+                        <a:rPr lang="zh-CN" altLang="en-US" dirty="0">
+                          <a:solidFill>
+                            <a:schemeClr val="tx1">
+                              <a:lumMod val="95000"/>
+                              <a:lumOff val="5000"/>
+                            </a:schemeClr>
+                          </a:solidFill>
+                        </a:rPr>
+                        <a:t>不会于商店中出现</a:t>
+                      </a:r>
+                      <a:endParaRPr lang="en-US" dirty="0">
+                        <a:solidFill>
+                          <a:schemeClr val="tx1">
+                            <a:lumMod val="95000"/>
+                            <a:lumOff val="5000"/>
+                          </a:schemeClr>
+                        </a:solidFill>
+                      </a:endParaRPr>
                     </a:p>
                   </a:txBody>
-                  <a:tcPr/>
-                </a:tc>
-                <a:tc>
-                  <a:txBody>
-                    <a:bodyPr/>
-                    <a:lstStyle/>
-                    <a:p>
-                      <a:endParaRPr lang="en-US" dirty="0"/>
-                    </a:p>
-                  </a:txBody>
-                  <a:tcPr/>
+                  <a:tcPr anchor="ctr">
+                    <a:noFill/>
+                  </a:tcPr>
                 </a:tc>
                 <a:extLst>
                   <a:ext uri="{0D108BD9-81ED-4DB2-BD59-A6C34878D82A}">
@@ -4904,10 +8129,13 @@
                     <a:bodyPr/>
                     <a:lstStyle/>
                     <a:p>
+                      <a:pPr algn="ctr"/>
                       <a:endParaRPr lang="en-US" dirty="0"/>
                     </a:p>
                   </a:txBody>
-                  <a:tcPr/>
+                  <a:tcPr anchor="ctr">
+                    <a:noFill/>
+                  </a:tcPr>
                 </a:tc>
                 <a:tc>
                   <a:txBody>
@@ -4916,20 +8144,36 @@
                     <a:p>
                       <a:pPr algn="ctr"/>
                       <a:r>
-                        <a:rPr lang="zh-CN" altLang="en-US" dirty="0"/>
+                        <a:rPr lang="zh-CN" altLang="en-US" dirty="0">
+                          <a:solidFill>
+                            <a:schemeClr val="tx1">
+                              <a:lumMod val="95000"/>
+                              <a:lumOff val="5000"/>
+                            </a:schemeClr>
+                          </a:solidFill>
+                        </a:rPr>
                         <a:t>处理器模组</a:t>
                       </a:r>
-                      <a:endParaRPr lang="en-US" dirty="0"/>
+                      <a:endParaRPr lang="en-US" dirty="0">
+                        <a:solidFill>
+                          <a:schemeClr val="tx1">
+                            <a:lumMod val="95000"/>
+                            <a:lumOff val="5000"/>
+                          </a:schemeClr>
+                        </a:solidFill>
+                      </a:endParaRPr>
                     </a:p>
                   </a:txBody>
-                  <a:tcPr/>
+                  <a:tcPr anchor="ctr">
+                    <a:noFill/>
+                  </a:tcPr>
                 </a:tc>
                 <a:tc>
                   <a:txBody>
                     <a:bodyPr/>
                     <a:lstStyle/>
                     <a:p>
-                      <a:pPr marL="0" marR="0" lvl="0" indent="0" algn="l" defTabSz="914400" rtl="0" eaLnBrk="1" fontAlgn="auto" latinLnBrk="0" hangingPunct="1">
+                      <a:pPr marL="0" marR="0" lvl="0" indent="0" algn="ctr" defTabSz="914400" rtl="0" eaLnBrk="1" fontAlgn="auto" latinLnBrk="0" hangingPunct="1">
                         <a:lnSpc>
                           <a:spcPct val="100000"/>
                         </a:lnSpc>
@@ -4947,26 +8191,73 @@
                         <a:defRPr/>
                       </a:pPr>
                       <a:r>
-                        <a:rPr lang="zh-CN" altLang="en-US" dirty="0"/>
-                        <a:t>会发出数据信号并且统计所有接受到数据信号的硬盘模组</a:t>
+                        <a:rPr lang="zh-CN" altLang="en-US" dirty="0">
+                          <a:solidFill>
+                            <a:schemeClr val="tx1">
+                              <a:lumMod val="95000"/>
+                              <a:lumOff val="5000"/>
+                            </a:schemeClr>
+                          </a:solidFill>
+                        </a:rPr>
+                        <a:t>发出数据信号</a:t>
                       </a:r>
-                      <a:endParaRPr lang="en-US" dirty="0"/>
-                    </a:p>
-                    <a:p>
-                      <a:endParaRPr lang="en-US" dirty="0"/>
+                      <a:r>
+                        <a:rPr lang="zh-CN" altLang="en-US" dirty="0">
+                          <a:solidFill>
+                            <a:schemeClr val="tx1">
+                              <a:lumMod val="65000"/>
+                              <a:lumOff val="35000"/>
+                            </a:schemeClr>
+                          </a:solidFill>
+                        </a:rPr>
+                        <a:t>；</a:t>
+                      </a:r>
+                      <a:r>
+                        <a:rPr lang="zh-CN" altLang="en-US" dirty="0">
+                          <a:solidFill>
+                            <a:schemeClr val="tx1">
+                              <a:lumMod val="95000"/>
+                              <a:lumOff val="5000"/>
+                            </a:schemeClr>
+                          </a:solidFill>
+                        </a:rPr>
+                        <a:t>统计</a:t>
+                      </a:r>
+                      <a:r>
+                        <a:rPr lang="zh-CN" altLang="en-US" dirty="0">
+                          <a:solidFill>
+                            <a:schemeClr val="tx1">
+                              <a:lumMod val="65000"/>
+                              <a:lumOff val="35000"/>
+                            </a:schemeClr>
+                          </a:solidFill>
+                        </a:rPr>
+                        <a:t>所有接受到数据信号的</a:t>
+                      </a:r>
+                      <a:r>
+                        <a:rPr lang="zh-CN" altLang="en-US" dirty="0">
+                          <a:solidFill>
+                            <a:schemeClr val="tx1">
+                              <a:lumMod val="95000"/>
+                              <a:lumOff val="5000"/>
+                            </a:schemeClr>
+                          </a:solidFill>
+                        </a:rPr>
+                        <a:t>硬盘模组</a:t>
+                      </a:r>
+                      <a:endParaRPr lang="en-US" dirty="0">
+                        <a:solidFill>
+                          <a:schemeClr val="tx1">
+                            <a:lumMod val="95000"/>
+                            <a:lumOff val="5000"/>
+                          </a:schemeClr>
+                        </a:solidFill>
+                      </a:endParaRPr>
                     </a:p>
                   </a:txBody>
-                  <a:tcPr/>
-                </a:tc>
-                <a:tc>
-                  <a:txBody>
-                    <a:bodyPr/>
-                    <a:lstStyle/>
-                    <a:p>
-                      <a:endParaRPr lang="en-US" dirty="0"/>
-                    </a:p>
-                  </a:txBody>
-                  <a:tcPr/>
+                  <a:tcPr anchor="ctr">
+                    <a:noFill/>
+                  </a:tcPr>
                 </a:tc>
                 <a:extLst>
                   <a:ext uri="{0D108BD9-81ED-4DB2-BD59-A6C34878D82A}">
@@ -4980,10 +8271,13 @@
                     <a:bodyPr/>
                     <a:lstStyle/>
                     <a:p>
+                      <a:pPr algn="ctr"/>
                       <a:endParaRPr lang="en-US"/>
                     </a:p>
                   </a:txBody>
-                  <a:tcPr/>
+                  <a:tcPr anchor="ctr">
+                    <a:noFill/>
+                  </a:tcPr>
                 </a:tc>
                 <a:tc>
                   <a:txBody>
@@ -4992,45 +8286,137 @@
                     <a:p>
                       <a:pPr algn="ctr"/>
                       <a:r>
-                        <a:rPr lang="zh-CN" altLang="en-US" dirty="0"/>
+                        <a:rPr lang="zh-CN" altLang="en-US" dirty="0">
+                          <a:solidFill>
+                            <a:schemeClr val="tx1">
+                              <a:lumMod val="95000"/>
+                              <a:lumOff val="5000"/>
+                            </a:schemeClr>
+                          </a:solidFill>
+                        </a:rPr>
                         <a:t>硬盘模组</a:t>
                       </a:r>
-                      <a:endParaRPr lang="en-US" dirty="0"/>
+                      <a:endParaRPr lang="en-US" dirty="0">
+                        <a:solidFill>
+                          <a:schemeClr val="tx1">
+                            <a:lumMod val="95000"/>
+                            <a:lumOff val="5000"/>
+                          </a:schemeClr>
+                        </a:solidFill>
+                      </a:endParaRPr>
                     </a:p>
                   </a:txBody>
-                  <a:tcPr/>
+                  <a:tcPr anchor="ctr">
+                    <a:noFill/>
+                  </a:tcPr>
                 </a:tc>
                 <a:tc>
                   <a:txBody>
                     <a:bodyPr/>
                     <a:lstStyle/>
                     <a:p>
+                      <a:pPr algn="ctr"/>
                       <a:r>
-                        <a:rPr lang="zh-CN" altLang="en-US" dirty="0"/>
-                        <a:t>可以转发数据信号，并且在接受到数据信号（无论是处理器直接发出的还是其他模组转发的）时计算</a:t>
+                        <a:rPr lang="zh-CN" altLang="en-US" dirty="0">
+                          <a:solidFill>
+                            <a:schemeClr val="tx1">
+                              <a:lumMod val="65000"/>
+                              <a:lumOff val="35000"/>
+                            </a:schemeClr>
+                          </a:solidFill>
+                        </a:rPr>
+                        <a:t>在接受到</a:t>
                       </a:r>
                       <a:r>
-                        <a:rPr lang="en-US" altLang="zh-CN" dirty="0"/>
+                        <a:rPr lang="zh-CN" altLang="en-US" dirty="0">
+                          <a:solidFill>
+                            <a:schemeClr val="tx1">
+                              <a:lumMod val="95000"/>
+                              <a:lumOff val="5000"/>
+                            </a:schemeClr>
+                          </a:solidFill>
+                        </a:rPr>
+                        <a:t>数据信号</a:t>
+                      </a:r>
+                      <a:r>
+                        <a:rPr lang="zh-CN" altLang="en-US" dirty="0">
+                          <a:solidFill>
+                            <a:schemeClr val="tx1">
+                              <a:lumMod val="65000"/>
+                              <a:lumOff val="35000"/>
+                            </a:schemeClr>
+                          </a:solidFill>
+                        </a:rPr>
+                        <a:t>时</a:t>
+                      </a:r>
+                      <a:r>
+                        <a:rPr lang="zh-CN" altLang="en-US" dirty="0">
+                          <a:solidFill>
+                            <a:schemeClr val="tx1">
+                              <a:lumMod val="95000"/>
+                              <a:lumOff val="5000"/>
+                            </a:schemeClr>
+                          </a:solidFill>
+                        </a:rPr>
+                        <a:t>计算</a:t>
+                      </a:r>
+                      <a:r>
+                        <a:rPr lang="en-US" altLang="zh-CN" dirty="0">
+                          <a:solidFill>
+                            <a:schemeClr val="tx1">
+                              <a:lumMod val="95000"/>
+                              <a:lumOff val="5000"/>
+                            </a:schemeClr>
+                          </a:solidFill>
+                        </a:rPr>
                         <a:t>100</a:t>
                       </a:r>
                       <a:r>
-                        <a:rPr lang="zh-CN" altLang="en-US" dirty="0"/>
+                        <a:rPr lang="zh-CN" altLang="en-US" dirty="0">
+                          <a:solidFill>
+                            <a:schemeClr val="tx1">
+                              <a:lumMod val="95000"/>
+                              <a:lumOff val="5000"/>
+                            </a:schemeClr>
+                          </a:solidFill>
+                        </a:rPr>
                         <a:t>收益</a:t>
                       </a:r>
-                      <a:endParaRPr lang="en-US" dirty="0"/>
+                      <a:r>
+                        <a:rPr lang="zh-CN" altLang="en-US" dirty="0">
+                          <a:solidFill>
+                            <a:schemeClr val="tx1">
+                              <a:lumMod val="65000"/>
+                              <a:lumOff val="35000"/>
+                            </a:schemeClr>
+                          </a:solidFill>
+                        </a:rPr>
+                        <a:t>；可以</a:t>
+                      </a:r>
+                      <a:r>
+                        <a:rPr lang="zh-CN" altLang="en-US" dirty="0">
+                          <a:solidFill>
+                            <a:schemeClr val="tx1">
+                              <a:lumMod val="95000"/>
+                              <a:lumOff val="5000"/>
+                            </a:schemeClr>
+                          </a:solidFill>
+                        </a:rPr>
+                        <a:t>转发数据信号</a:t>
+                      </a:r>
+                      <a:endParaRPr lang="en-US" dirty="0">
+                        <a:solidFill>
+                          <a:schemeClr val="tx1">
+                            <a:lumMod val="95000"/>
+                            <a:lumOff val="5000"/>
+                          </a:schemeClr>
+                        </a:solidFill>
+                      </a:endParaRPr>
                     </a:p>
                   </a:txBody>
-                  <a:tcPr/>
-                </a:tc>
-                <a:tc>
-                  <a:txBody>
-                    <a:bodyPr/>
-                    <a:lstStyle/>
-                    <a:p>
-                      <a:endParaRPr lang="en-US" dirty="0"/>
-                    </a:p>
-                  </a:txBody>
-                  <a:tcPr/>
+                  <a:tcPr anchor="ctr">
+                    <a:noFill/>
+                  </a:tcPr>
                 </a:tc>
                 <a:extLst>
                   <a:ext uri="{0D108BD9-81ED-4DB2-BD59-A6C34878D82A}">
@@ -5070,7 +8456,7 @@
         </p:blipFill>
         <p:spPr>
           <a:xfrm>
-            <a:off x="996853" y="4163127"/>
+            <a:off x="2214707" y="4631471"/>
             <a:ext cx="946592" cy="946592"/>
           </a:xfrm>
           <a:prstGeom prst="rect">
@@ -5106,7 +8492,7 @@
         </p:blipFill>
         <p:spPr>
           <a:xfrm>
-            <a:off x="996853" y="3113605"/>
+            <a:off x="2214707" y="3581949"/>
             <a:ext cx="946592" cy="946592"/>
           </a:xfrm>
           <a:prstGeom prst="rect">
@@ -5142,7 +8528,7 @@
         </p:blipFill>
         <p:spPr>
           <a:xfrm>
-            <a:off x="996855" y="2064085"/>
+            <a:off x="2214709" y="2532429"/>
             <a:ext cx="946590" cy="946590"/>
           </a:xfrm>
           <a:prstGeom prst="rect">
@@ -5154,572 +8540,6 @@
     <p:extLst>
       <p:ext uri="{BB962C8B-B14F-4D97-AF65-F5344CB8AC3E}">
         <p14:creationId xmlns:p14="http://schemas.microsoft.com/office/powerpoint/2010/main" val="1544557440"/>
-      </p:ext>
-    </p:extLst>
-  </p:cSld>
-  <p:clrMapOvr>
-    <a:masterClrMapping/>
-  </p:clrMapOvr>
-</p:sld>
-</file>
-
-<file path=ppt/slides/slide13.xml><?xml version="1.0" encoding="utf-8"?>
-<p:sld xmlns:a="http://schemas.openxmlformats.org/drawingml/2006/main" xmlns:r="http://schemas.openxmlformats.org/officeDocument/2006/relationships" xmlns:p="http://schemas.openxmlformats.org/presentationml/2006/main">
-  <p:cSld>
-    <p:spTree>
-      <p:nvGrpSpPr>
-        <p:cNvPr id="1" name=""/>
-        <p:cNvGrpSpPr/>
-        <p:nvPr/>
-      </p:nvGrpSpPr>
-      <p:grpSpPr>
-        <a:xfrm>
-          <a:off x="0" y="0"/>
-          <a:ext cx="0" cy="0"/>
-          <a:chOff x="0" y="0"/>
-          <a:chExt cx="0" cy="0"/>
-        </a:xfrm>
-      </p:grpSpPr>
-      <p:sp>
-        <p:nvSpPr>
-          <p:cNvPr id="2" name="标题 1">
-            <a:extLst>
-              <a:ext uri="{FF2B5EF4-FFF2-40B4-BE49-F238E27FC236}">
-                <a16:creationId xmlns:a16="http://schemas.microsoft.com/office/drawing/2014/main" id="{B9110261-8660-4936-9702-B2F8C8BF72B5}"/>
-              </a:ext>
-            </a:extLst>
-          </p:cNvPr>
-          <p:cNvSpPr>
-            <a:spLocks noGrp="1"/>
-          </p:cNvSpPr>
-          <p:nvPr>
-            <p:ph type="title"/>
-          </p:nvPr>
-        </p:nvSpPr>
-        <p:spPr/>
-        <p:txBody>
-          <a:bodyPr/>
-          <a:lstStyle/>
-          <a:p>
-            <a:r>
-              <a:rPr lang="zh-CN" altLang="en-US" dirty="0"/>
-              <a:t>设备模组细节说明</a:t>
-            </a:r>
-            <a:endParaRPr lang="en-US" dirty="0"/>
-          </a:p>
-        </p:txBody>
-      </p:sp>
-      <p:graphicFrame>
-        <p:nvGraphicFramePr>
-          <p:cNvPr id="19" name="表格 4">
-            <a:extLst>
-              <a:ext uri="{FF2B5EF4-FFF2-40B4-BE49-F238E27FC236}">
-                <a16:creationId xmlns:a16="http://schemas.microsoft.com/office/drawing/2014/main" id="{480566F2-E439-496C-9CF8-E7EC92445007}"/>
-              </a:ext>
-            </a:extLst>
-          </p:cNvPr>
-          <p:cNvGraphicFramePr>
-            <a:graphicFrameLocks noGrp="1"/>
-          </p:cNvGraphicFramePr>
-          <p:nvPr>
-            <p:extLst>
-              <p:ext uri="{D42A27DB-BD31-4B8C-83A1-F6EECF244321}">
-                <p14:modId xmlns:p14="http://schemas.microsoft.com/office/powerpoint/2010/main" val="3103190030"/>
-              </p:ext>
-            </p:extLst>
-          </p:nvPr>
-        </p:nvGraphicFramePr>
-        <p:xfrm>
-          <a:off x="838200" y="1690688"/>
-          <a:ext cx="10026650" cy="3591396"/>
-        </p:xfrm>
-        <a:graphic>
-          <a:graphicData uri="http://schemas.openxmlformats.org/drawingml/2006/table">
-            <a:tbl>
-              <a:tblPr firstRow="1" bandRow="1">
-                <a:tableStyleId>{073A0DAA-6AF3-43AB-8588-CEC1D06C72B9}</a:tableStyleId>
-              </a:tblPr>
-              <a:tblGrid>
-                <a:gridCol w="1244600">
-                  <a:extLst>
-                    <a:ext uri="{9D8B030D-6E8A-4147-A177-3AD203B41FA5}">
-                      <a16:colId xmlns:a16="http://schemas.microsoft.com/office/drawing/2014/main" val="2621437361"/>
-                    </a:ext>
-                  </a:extLst>
-                </a:gridCol>
-                <a:gridCol w="1530350">
-                  <a:extLst>
-                    <a:ext uri="{9D8B030D-6E8A-4147-A177-3AD203B41FA5}">
-                      <a16:colId xmlns:a16="http://schemas.microsoft.com/office/drawing/2014/main" val="862795126"/>
-                    </a:ext>
-                  </a:extLst>
-                </a:gridCol>
-                <a:gridCol w="4413250">
-                  <a:extLst>
-                    <a:ext uri="{9D8B030D-6E8A-4147-A177-3AD203B41FA5}">
-                      <a16:colId xmlns:a16="http://schemas.microsoft.com/office/drawing/2014/main" val="3721827039"/>
-                    </a:ext>
-                  </a:extLst>
-                </a:gridCol>
-                <a:gridCol w="2838450">
-                  <a:extLst>
-                    <a:ext uri="{9D8B030D-6E8A-4147-A177-3AD203B41FA5}">
-                      <a16:colId xmlns:a16="http://schemas.microsoft.com/office/drawing/2014/main" val="1274899724"/>
-                    </a:ext>
-                  </a:extLst>
-                </a:gridCol>
-              </a:tblGrid>
-              <a:tr h="402891">
-                <a:tc>
-                  <a:txBody>
-                    <a:bodyPr/>
-                    <a:lstStyle/>
-                    <a:p>
-                      <a:pPr algn="ctr"/>
-                      <a:r>
-                        <a:rPr lang="zh-CN" altLang="en-US" dirty="0"/>
-                        <a:t>图标</a:t>
-                      </a:r>
-                      <a:endParaRPr lang="en-US" dirty="0"/>
-                    </a:p>
-                  </a:txBody>
-                  <a:tcPr/>
-                </a:tc>
-                <a:tc>
-                  <a:txBody>
-                    <a:bodyPr/>
-                    <a:lstStyle/>
-                    <a:p>
-                      <a:pPr algn="ctr"/>
-                      <a:r>
-                        <a:rPr lang="zh-CN" altLang="en-US" dirty="0"/>
-                        <a:t>名称</a:t>
-                      </a:r>
-                      <a:endParaRPr lang="en-US" dirty="0"/>
-                    </a:p>
-                  </a:txBody>
-                  <a:tcPr/>
-                </a:tc>
-                <a:tc>
-                  <a:txBody>
-                    <a:bodyPr/>
-                    <a:lstStyle/>
-                    <a:p>
-                      <a:pPr algn="ctr"/>
-                      <a:r>
-                        <a:rPr lang="zh-CN" altLang="en-US" dirty="0"/>
-                        <a:t>说明</a:t>
-                      </a:r>
-                      <a:endParaRPr lang="en-US" dirty="0"/>
-                    </a:p>
-                  </a:txBody>
-                  <a:tcPr/>
-                </a:tc>
-                <a:tc>
-                  <a:txBody>
-                    <a:bodyPr/>
-                    <a:lstStyle/>
-                    <a:p>
-                      <a:pPr algn="ctr"/>
-                      <a:r>
-                        <a:rPr lang="zh-CN" altLang="en-US" dirty="0"/>
-                        <a:t>消耗</a:t>
-                      </a:r>
-                      <a:endParaRPr lang="en-US" dirty="0"/>
-                    </a:p>
-                  </a:txBody>
-                  <a:tcPr/>
-                </a:tc>
-                <a:extLst>
-                  <a:ext uri="{0D108BD9-81ED-4DB2-BD59-A6C34878D82A}">
-                    <a16:rowId xmlns:a16="http://schemas.microsoft.com/office/drawing/2014/main" val="3904174788"/>
-                  </a:ext>
-                </a:extLst>
-              </a:tr>
-              <a:tr h="959005">
-                <a:tc>
-                  <a:txBody>
-                    <a:bodyPr/>
-                    <a:lstStyle/>
-                    <a:p>
-                      <a:endParaRPr lang="en-US" dirty="0"/>
-                    </a:p>
-                  </a:txBody>
-                  <a:tcPr/>
-                </a:tc>
-                <a:tc>
-                  <a:txBody>
-                    <a:bodyPr/>
-                    <a:lstStyle/>
-                    <a:p>
-                      <a:pPr algn="ctr"/>
-                      <a:r>
-                        <a:rPr lang="zh-CN" altLang="en-US" dirty="0"/>
-                        <a:t>服务器模组</a:t>
-                      </a:r>
-                      <a:endParaRPr lang="en-US" dirty="0"/>
-                    </a:p>
-                  </a:txBody>
-                  <a:tcPr/>
-                </a:tc>
-                <a:tc>
-                  <a:txBody>
-                    <a:bodyPr/>
-                    <a:lstStyle/>
-                    <a:p>
-                      <a:r>
-                        <a:rPr lang="zh-CN" altLang="en-US" dirty="0"/>
-                        <a:t>会发出网络信号并且统计必要的最长网线链接并且进行收益</a:t>
-                      </a:r>
-                      <a:endParaRPr lang="en-US" dirty="0"/>
-                    </a:p>
-                  </a:txBody>
-                  <a:tcPr/>
-                </a:tc>
-                <a:tc>
-                  <a:txBody>
-                    <a:bodyPr/>
-                    <a:lstStyle/>
-                    <a:p>
-                      <a:endParaRPr lang="en-US" dirty="0"/>
-                    </a:p>
-                  </a:txBody>
-                  <a:tcPr/>
-                </a:tc>
-                <a:extLst>
-                  <a:ext uri="{0D108BD9-81ED-4DB2-BD59-A6C34878D82A}">
-                    <a16:rowId xmlns:a16="http://schemas.microsoft.com/office/drawing/2014/main" val="1863790508"/>
-                  </a:ext>
-                </a:extLst>
-              </a:tr>
-              <a:tr h="1040780">
-                <a:tc>
-                  <a:txBody>
-                    <a:bodyPr/>
-                    <a:lstStyle/>
-                    <a:p>
-                      <a:endParaRPr lang="en-US" dirty="0"/>
-                    </a:p>
-                  </a:txBody>
-                  <a:tcPr/>
-                </a:tc>
-                <a:tc>
-                  <a:txBody>
-                    <a:bodyPr/>
-                    <a:lstStyle/>
-                    <a:p>
-                      <a:pPr algn="ctr"/>
-                      <a:r>
-                        <a:rPr lang="zh-CN" altLang="en-US" dirty="0"/>
-                        <a:t>网线模组</a:t>
-                      </a:r>
-                      <a:endParaRPr lang="en-US" dirty="0"/>
-                    </a:p>
-                  </a:txBody>
-                  <a:tcPr/>
-                </a:tc>
-                <a:tc>
-                  <a:txBody>
-                    <a:bodyPr/>
-                    <a:lstStyle/>
-                    <a:p>
-                      <a:r>
-                        <a:rPr lang="zh-CN" altLang="en-US" dirty="0"/>
-                        <a:t>可以转发网络和数据信号，并且计入最长网线链接，每块网线模组计算</a:t>
-                      </a:r>
-                      <a:r>
-                        <a:rPr lang="en-US" altLang="zh-CN" dirty="0"/>
-                        <a:t>100</a:t>
-                      </a:r>
-                      <a:r>
-                        <a:rPr lang="zh-CN" altLang="en-US" dirty="0"/>
-                        <a:t>收益</a:t>
-                      </a:r>
-                      <a:endParaRPr lang="en-US" dirty="0"/>
-                    </a:p>
-                  </a:txBody>
-                  <a:tcPr/>
-                </a:tc>
-                <a:tc>
-                  <a:txBody>
-                    <a:bodyPr/>
-                    <a:lstStyle/>
-                    <a:p>
-                      <a:endParaRPr lang="en-US" dirty="0"/>
-                    </a:p>
-                  </a:txBody>
-                  <a:tcPr/>
-                </a:tc>
-                <a:extLst>
-                  <a:ext uri="{0D108BD9-81ED-4DB2-BD59-A6C34878D82A}">
-                    <a16:rowId xmlns:a16="http://schemas.microsoft.com/office/drawing/2014/main" val="3790404969"/>
-                  </a:ext>
-                </a:extLst>
-              </a:tr>
-              <a:tr h="1055649">
-                <a:tc>
-                  <a:txBody>
-                    <a:bodyPr/>
-                    <a:lstStyle/>
-                    <a:p>
-                      <a:endParaRPr lang="en-US"/>
-                    </a:p>
-                  </a:txBody>
-                  <a:tcPr/>
-                </a:tc>
-                <a:tc>
-                  <a:txBody>
-                    <a:bodyPr/>
-                    <a:lstStyle/>
-                    <a:p>
-                      <a:pPr algn="ctr"/>
-                      <a:r>
-                        <a:rPr lang="zh-CN" altLang="en-US" dirty="0"/>
-                        <a:t>网桥模组</a:t>
-                      </a:r>
-                      <a:endParaRPr lang="en-US" dirty="0"/>
-                    </a:p>
-                  </a:txBody>
-                  <a:tcPr/>
-                </a:tc>
-                <a:tc>
-                  <a:txBody>
-                    <a:bodyPr/>
-                    <a:lstStyle/>
-                    <a:p>
-                      <a:r>
-                        <a:rPr lang="zh-CN" altLang="en-US" dirty="0"/>
-                        <a:t>可以转发网络和数据信号，不计入网线链接，但是如果计算的最长网线链接中每有一个网桥模组，最终总价提高</a:t>
-                      </a:r>
-                      <a:r>
-                        <a:rPr lang="en-US" altLang="zh-CN" dirty="0"/>
-                        <a:t>50%</a:t>
-                      </a:r>
-                      <a:r>
-                        <a:rPr lang="zh-CN" altLang="en-US" dirty="0"/>
-                        <a:t>（可以累计）</a:t>
-                      </a:r>
-                      <a:endParaRPr lang="en-US" dirty="0"/>
-                    </a:p>
-                  </a:txBody>
-                  <a:tcPr/>
-                </a:tc>
-                <a:tc>
-                  <a:txBody>
-                    <a:bodyPr/>
-                    <a:lstStyle/>
-                    <a:p>
-                      <a:endParaRPr lang="en-US" dirty="0"/>
-                    </a:p>
-                  </a:txBody>
-                  <a:tcPr/>
-                </a:tc>
-                <a:extLst>
-                  <a:ext uri="{0D108BD9-81ED-4DB2-BD59-A6C34878D82A}">
-                    <a16:rowId xmlns:a16="http://schemas.microsoft.com/office/drawing/2014/main" val="1479023673"/>
-                  </a:ext>
-                </a:extLst>
-              </a:tr>
-            </a:tbl>
-          </a:graphicData>
-        </a:graphic>
-      </p:graphicFrame>
-      <p:pic>
-        <p:nvPicPr>
-          <p:cNvPr id="9" name="图片 8">
-            <a:extLst>
-              <a:ext uri="{FF2B5EF4-FFF2-40B4-BE49-F238E27FC236}">
-                <a16:creationId xmlns:a16="http://schemas.microsoft.com/office/drawing/2014/main" id="{B189F91F-3D0D-4ADC-AE51-7C348B3B804B}"/>
-              </a:ext>
-            </a:extLst>
-          </p:cNvPr>
-          <p:cNvPicPr>
-            <a:picLocks noChangeAspect="1"/>
-          </p:cNvPicPr>
-          <p:nvPr/>
-        </p:nvPicPr>
-        <p:blipFill>
-          <a:blip r:embed="rId2">
-            <a:extLst>
-              <a:ext uri="{28A0092B-C50C-407E-A947-70E740481C1C}">
-                <a14:useLocalDpi xmlns:a14="http://schemas.microsoft.com/office/drawing/2010/main" val="0"/>
-              </a:ext>
-            </a:extLst>
-          </a:blip>
-          <a:stretch>
-            <a:fillRect/>
-          </a:stretch>
-        </p:blipFill>
-        <p:spPr>
-          <a:xfrm>
-            <a:off x="1014257" y="3115607"/>
-            <a:ext cx="946592" cy="946592"/>
-          </a:xfrm>
-          <a:prstGeom prst="rect">
-            <a:avLst/>
-          </a:prstGeom>
-        </p:spPr>
-      </p:pic>
-      <p:pic>
-        <p:nvPicPr>
-          <p:cNvPr id="11" name="图片 10">
-            <a:extLst>
-              <a:ext uri="{FF2B5EF4-FFF2-40B4-BE49-F238E27FC236}">
-                <a16:creationId xmlns:a16="http://schemas.microsoft.com/office/drawing/2014/main" id="{442E7725-C70B-41A2-82AF-CCDC64D1EE8A}"/>
-              </a:ext>
-            </a:extLst>
-          </p:cNvPr>
-          <p:cNvPicPr>
-            <a:picLocks noChangeAspect="1"/>
-          </p:cNvPicPr>
-          <p:nvPr/>
-        </p:nvPicPr>
-        <p:blipFill>
-          <a:blip r:embed="rId3">
-            <a:extLst>
-              <a:ext uri="{28A0092B-C50C-407E-A947-70E740481C1C}">
-                <a14:useLocalDpi xmlns:a14="http://schemas.microsoft.com/office/drawing/2010/main" val="0"/>
-              </a:ext>
-            </a:extLst>
-          </a:blip>
-          <a:stretch>
-            <a:fillRect/>
-          </a:stretch>
-        </p:blipFill>
-        <p:spPr>
-          <a:xfrm>
-            <a:off x="1014257" y="2096966"/>
-            <a:ext cx="946592" cy="946592"/>
-          </a:xfrm>
-          <a:prstGeom prst="rect">
-            <a:avLst/>
-          </a:prstGeom>
-        </p:spPr>
-      </p:pic>
-      <p:pic>
-        <p:nvPicPr>
-          <p:cNvPr id="13" name="图片 12">
-            <a:extLst>
-              <a:ext uri="{FF2B5EF4-FFF2-40B4-BE49-F238E27FC236}">
-                <a16:creationId xmlns:a16="http://schemas.microsoft.com/office/drawing/2014/main" id="{2F2447A8-DA0C-4FB4-A37C-7B5F6B3121B0}"/>
-              </a:ext>
-            </a:extLst>
-          </p:cNvPr>
-          <p:cNvPicPr>
-            <a:picLocks noChangeAspect="1"/>
-          </p:cNvPicPr>
-          <p:nvPr/>
-        </p:nvPicPr>
-        <p:blipFill>
-          <a:blip r:embed="rId4">
-            <a:extLst>
-              <a:ext uri="{28A0092B-C50C-407E-A947-70E740481C1C}">
-                <a14:useLocalDpi xmlns:a14="http://schemas.microsoft.com/office/drawing/2010/main" val="0"/>
-              </a:ext>
-            </a:extLst>
-          </a:blip>
-          <a:stretch>
-            <a:fillRect/>
-          </a:stretch>
-        </p:blipFill>
-        <p:spPr>
-          <a:xfrm>
-            <a:off x="1014257" y="4134248"/>
-            <a:ext cx="946592" cy="946592"/>
-          </a:xfrm>
-          <a:prstGeom prst="rect">
-            <a:avLst/>
-          </a:prstGeom>
-        </p:spPr>
-      </p:pic>
-    </p:spTree>
-    <p:extLst>
-      <p:ext uri="{BB962C8B-B14F-4D97-AF65-F5344CB8AC3E}">
-        <p14:creationId xmlns:p14="http://schemas.microsoft.com/office/powerpoint/2010/main" val="1937094213"/>
-      </p:ext>
-    </p:extLst>
-  </p:cSld>
-  <p:clrMapOvr>
-    <a:masterClrMapping/>
-  </p:clrMapOvr>
-</p:sld>
-</file>
-
-<file path=ppt/slides/slide14.xml><?xml version="1.0" encoding="utf-8"?>
-<p:sld xmlns:a="http://schemas.openxmlformats.org/drawingml/2006/main" xmlns:r="http://schemas.openxmlformats.org/officeDocument/2006/relationships" xmlns:p="http://schemas.openxmlformats.org/presentationml/2006/main">
-  <p:cSld>
-    <p:spTree>
-      <p:nvGrpSpPr>
-        <p:cNvPr id="1" name=""/>
-        <p:cNvGrpSpPr/>
-        <p:nvPr/>
-      </p:nvGrpSpPr>
-      <p:grpSpPr>
-        <a:xfrm>
-          <a:off x="0" y="0"/>
-          <a:ext cx="0" cy="0"/>
-          <a:chOff x="0" y="0"/>
-          <a:chExt cx="0" cy="0"/>
-        </a:xfrm>
-      </p:grpSpPr>
-      <p:sp>
-        <p:nvSpPr>
-          <p:cNvPr id="2" name="标题 1">
-            <a:extLst>
-              <a:ext uri="{FF2B5EF4-FFF2-40B4-BE49-F238E27FC236}">
-                <a16:creationId xmlns:a16="http://schemas.microsoft.com/office/drawing/2014/main" id="{CF624A74-BF3B-4A45-B52D-F6610A693817}"/>
-              </a:ext>
-            </a:extLst>
-          </p:cNvPr>
-          <p:cNvSpPr>
-            <a:spLocks noGrp="1"/>
-          </p:cNvSpPr>
-          <p:nvPr>
-            <p:ph type="title"/>
-          </p:nvPr>
-        </p:nvSpPr>
-        <p:spPr/>
-        <p:txBody>
-          <a:bodyPr/>
-          <a:lstStyle/>
-          <a:p>
-            <a:r>
-              <a:rPr lang="en-US" altLang="zh-CN" dirty="0"/>
-              <a:t>FAQ</a:t>
-            </a:r>
-            <a:endParaRPr lang="en-US" dirty="0"/>
-          </a:p>
-        </p:txBody>
-      </p:sp>
-      <p:sp>
-        <p:nvSpPr>
-          <p:cNvPr id="3" name="内容占位符 2">
-            <a:extLst>
-              <a:ext uri="{FF2B5EF4-FFF2-40B4-BE49-F238E27FC236}">
-                <a16:creationId xmlns:a16="http://schemas.microsoft.com/office/drawing/2014/main" id="{4DB31335-4D20-446B-B27D-0B39C885D576}"/>
-              </a:ext>
-            </a:extLst>
-          </p:cNvPr>
-          <p:cNvSpPr>
-            <a:spLocks noGrp="1"/>
-          </p:cNvSpPr>
-          <p:nvPr>
-            <p:ph idx="1"/>
-          </p:nvPr>
-        </p:nvSpPr>
-        <p:spPr/>
-        <p:txBody>
-          <a:bodyPr/>
-          <a:lstStyle/>
-          <a:p>
-            <a:endParaRPr lang="en-US"/>
-          </a:p>
-        </p:txBody>
-      </p:sp>
-    </p:spTree>
-    <p:extLst>
-      <p:ext uri="{BB962C8B-B14F-4D97-AF65-F5344CB8AC3E}">
-        <p14:creationId xmlns:p14="http://schemas.microsoft.com/office/powerpoint/2010/main" val="2118008259"/>
       </p:ext>
     </p:extLst>
   </p:cSld>
@@ -5751,7 +8571,7 @@
           <p:cNvPr id="2" name="标题 1">
             <a:extLst>
               <a:ext uri="{FF2B5EF4-FFF2-40B4-BE49-F238E27FC236}">
-                <a16:creationId xmlns:a16="http://schemas.microsoft.com/office/drawing/2014/main" id="{C47D03D6-585D-49D0-8BE6-EDF4E4F892C7}"/>
+                <a16:creationId xmlns:a16="http://schemas.microsoft.com/office/drawing/2014/main" id="{B9110261-8660-4936-9702-B2F8C8BF72B5}"/>
               </a:ext>
             </a:extLst>
           </p:cNvPr>
@@ -5762,9 +8582,843 @@
             <p:ph type="title"/>
           </p:nvPr>
         </p:nvSpPr>
+        <p:spPr/>
+        <p:txBody>
+          <a:bodyPr/>
+          <a:lstStyle/>
+          <a:p>
+            <a:r>
+              <a:rPr lang="zh-CN" altLang="en-US" dirty="0"/>
+              <a:t>设备模组细节说明</a:t>
+            </a:r>
+            <a:endParaRPr lang="en-US" dirty="0"/>
+          </a:p>
+        </p:txBody>
+      </p:sp>
+      <p:graphicFrame>
+        <p:nvGraphicFramePr>
+          <p:cNvPr id="19" name="表格 4">
+            <a:extLst>
+              <a:ext uri="{FF2B5EF4-FFF2-40B4-BE49-F238E27FC236}">
+                <a16:creationId xmlns:a16="http://schemas.microsoft.com/office/drawing/2014/main" id="{480566F2-E439-496C-9CF8-E7EC92445007}"/>
+              </a:ext>
+            </a:extLst>
+          </p:cNvPr>
+          <p:cNvGraphicFramePr>
+            <a:graphicFrameLocks noGrp="1"/>
+          </p:cNvGraphicFramePr>
+          <p:nvPr>
+            <p:extLst>
+              <p:ext uri="{D42A27DB-BD31-4B8C-83A1-F6EECF244321}">
+                <p14:modId xmlns:p14="http://schemas.microsoft.com/office/powerpoint/2010/main" val="2129162228"/>
+              </p:ext>
+            </p:extLst>
+          </p:nvPr>
+        </p:nvGraphicFramePr>
+        <p:xfrm>
+          <a:off x="2051050" y="2084388"/>
+          <a:ext cx="7429500" cy="3458325"/>
+        </p:xfrm>
+        <a:graphic>
+          <a:graphicData uri="http://schemas.openxmlformats.org/drawingml/2006/table">
+            <a:tbl>
+              <a:tblPr firstRow="1" bandRow="1">
+                <a:tableStyleId>{073A0DAA-6AF3-43AB-8588-CEC1D06C72B9}</a:tableStyleId>
+              </a:tblPr>
+              <a:tblGrid>
+                <a:gridCol w="1244600">
+                  <a:extLst>
+                    <a:ext uri="{9D8B030D-6E8A-4147-A177-3AD203B41FA5}">
+                      <a16:colId xmlns:a16="http://schemas.microsoft.com/office/drawing/2014/main" val="2621437361"/>
+                    </a:ext>
+                  </a:extLst>
+                </a:gridCol>
+                <a:gridCol w="1530350">
+                  <a:extLst>
+                    <a:ext uri="{9D8B030D-6E8A-4147-A177-3AD203B41FA5}">
+                      <a16:colId xmlns:a16="http://schemas.microsoft.com/office/drawing/2014/main" val="862795126"/>
+                    </a:ext>
+                  </a:extLst>
+                </a:gridCol>
+                <a:gridCol w="4654550">
+                  <a:extLst>
+                    <a:ext uri="{9D8B030D-6E8A-4147-A177-3AD203B41FA5}">
+                      <a16:colId xmlns:a16="http://schemas.microsoft.com/office/drawing/2014/main" val="3721827039"/>
+                    </a:ext>
+                  </a:extLst>
+                </a:gridCol>
+              </a:tblGrid>
+              <a:tr h="402891">
+                <a:tc>
+                  <a:txBody>
+                    <a:bodyPr/>
+                    <a:lstStyle/>
+                    <a:p>
+                      <a:pPr algn="ctr"/>
+                      <a:r>
+                        <a:rPr lang="zh-CN" altLang="en-US" dirty="0">
+                          <a:solidFill>
+                            <a:schemeClr val="tx1">
+                              <a:lumMod val="95000"/>
+                              <a:lumOff val="5000"/>
+                            </a:schemeClr>
+                          </a:solidFill>
+                        </a:rPr>
+                        <a:t>图标</a:t>
+                      </a:r>
+                      <a:endParaRPr lang="en-US" dirty="0">
+                        <a:solidFill>
+                          <a:schemeClr val="tx1">
+                            <a:lumMod val="95000"/>
+                            <a:lumOff val="5000"/>
+                          </a:schemeClr>
+                        </a:solidFill>
+                      </a:endParaRPr>
+                    </a:p>
+                  </a:txBody>
+                  <a:tcPr>
+                    <a:noFill/>
+                  </a:tcPr>
+                </a:tc>
+                <a:tc>
+                  <a:txBody>
+                    <a:bodyPr/>
+                    <a:lstStyle/>
+                    <a:p>
+                      <a:pPr algn="ctr"/>
+                      <a:r>
+                        <a:rPr lang="zh-CN" altLang="en-US" dirty="0">
+                          <a:solidFill>
+                            <a:schemeClr val="tx1">
+                              <a:lumMod val="95000"/>
+                              <a:lumOff val="5000"/>
+                            </a:schemeClr>
+                          </a:solidFill>
+                        </a:rPr>
+                        <a:t>名称</a:t>
+                      </a:r>
+                      <a:endParaRPr lang="en-US" dirty="0">
+                        <a:solidFill>
+                          <a:schemeClr val="tx1">
+                            <a:lumMod val="95000"/>
+                            <a:lumOff val="5000"/>
+                          </a:schemeClr>
+                        </a:solidFill>
+                      </a:endParaRPr>
+                    </a:p>
+                  </a:txBody>
+                  <a:tcPr>
+                    <a:noFill/>
+                  </a:tcPr>
+                </a:tc>
+                <a:tc>
+                  <a:txBody>
+                    <a:bodyPr/>
+                    <a:lstStyle/>
+                    <a:p>
+                      <a:pPr algn="ctr"/>
+                      <a:r>
+                        <a:rPr lang="zh-CN" altLang="en-US" dirty="0">
+                          <a:solidFill>
+                            <a:schemeClr val="tx1">
+                              <a:lumMod val="95000"/>
+                              <a:lumOff val="5000"/>
+                            </a:schemeClr>
+                          </a:solidFill>
+                        </a:rPr>
+                        <a:t>说明</a:t>
+                      </a:r>
+                      <a:endParaRPr lang="en-US" dirty="0">
+                        <a:solidFill>
+                          <a:schemeClr val="tx1">
+                            <a:lumMod val="95000"/>
+                            <a:lumOff val="5000"/>
+                          </a:schemeClr>
+                        </a:solidFill>
+                      </a:endParaRPr>
+                    </a:p>
+                  </a:txBody>
+                  <a:tcPr>
+                    <a:noFill/>
+                  </a:tcPr>
+                </a:tc>
+                <a:extLst>
+                  <a:ext uri="{0D108BD9-81ED-4DB2-BD59-A6C34878D82A}">
+                    <a16:rowId xmlns:a16="http://schemas.microsoft.com/office/drawing/2014/main" val="3904174788"/>
+                  </a:ext>
+                </a:extLst>
+              </a:tr>
+              <a:tr h="959005">
+                <a:tc>
+                  <a:txBody>
+                    <a:bodyPr/>
+                    <a:lstStyle/>
+                    <a:p>
+                      <a:pPr algn="ctr"/>
+                      <a:endParaRPr lang="en-US" dirty="0"/>
+                    </a:p>
+                  </a:txBody>
+                  <a:tcPr anchor="ctr">
+                    <a:noFill/>
+                  </a:tcPr>
+                </a:tc>
+                <a:tc>
+                  <a:txBody>
+                    <a:bodyPr/>
+                    <a:lstStyle/>
+                    <a:p>
+                      <a:pPr algn="ctr"/>
+                      <a:r>
+                        <a:rPr lang="zh-CN" altLang="en-US" dirty="0">
+                          <a:solidFill>
+                            <a:schemeClr val="tx1">
+                              <a:lumMod val="65000"/>
+                              <a:lumOff val="35000"/>
+                            </a:schemeClr>
+                          </a:solidFill>
+                        </a:rPr>
+                        <a:t>服务器模组</a:t>
+                      </a:r>
+                      <a:endParaRPr lang="en-US" dirty="0">
+                        <a:solidFill>
+                          <a:schemeClr val="tx1">
+                            <a:lumMod val="65000"/>
+                            <a:lumOff val="35000"/>
+                          </a:schemeClr>
+                        </a:solidFill>
+                      </a:endParaRPr>
+                    </a:p>
+                  </a:txBody>
+                  <a:tcPr anchor="ctr">
+                    <a:noFill/>
+                  </a:tcPr>
+                </a:tc>
+                <a:tc>
+                  <a:txBody>
+                    <a:bodyPr/>
+                    <a:lstStyle/>
+                    <a:p>
+                      <a:pPr algn="ctr"/>
+                      <a:r>
+                        <a:rPr lang="zh-CN" altLang="en-US" dirty="0">
+                          <a:solidFill>
+                            <a:schemeClr val="tx1">
+                              <a:lumMod val="65000"/>
+                              <a:lumOff val="35000"/>
+                            </a:schemeClr>
+                          </a:solidFill>
+                        </a:rPr>
+                        <a:t>会发出网络信号，统计</a:t>
+                      </a:r>
+                      <a:r>
+                        <a:rPr lang="zh-CN" altLang="en-US" dirty="0">
+                          <a:solidFill>
+                            <a:schemeClr val="tx1">
+                              <a:lumMod val="95000"/>
+                              <a:lumOff val="5000"/>
+                            </a:schemeClr>
+                          </a:solidFill>
+                        </a:rPr>
+                        <a:t>必要的最长网线链路</a:t>
+                      </a:r>
+                      <a:r>
+                        <a:rPr lang="zh-CN" altLang="en-US" dirty="0">
+                          <a:solidFill>
+                            <a:schemeClr val="tx1">
+                              <a:lumMod val="65000"/>
+                              <a:lumOff val="35000"/>
+                            </a:schemeClr>
+                          </a:solidFill>
+                        </a:rPr>
+                        <a:t>并且进行收益</a:t>
+                      </a:r>
+                      <a:endParaRPr lang="en-US" dirty="0">
+                        <a:solidFill>
+                          <a:schemeClr val="tx1">
+                            <a:lumMod val="65000"/>
+                            <a:lumOff val="35000"/>
+                          </a:schemeClr>
+                        </a:solidFill>
+                      </a:endParaRPr>
+                    </a:p>
+                  </a:txBody>
+                  <a:tcPr anchor="ctr">
+                    <a:noFill/>
+                  </a:tcPr>
+                </a:tc>
+                <a:extLst>
+                  <a:ext uri="{0D108BD9-81ED-4DB2-BD59-A6C34878D82A}">
+                    <a16:rowId xmlns:a16="http://schemas.microsoft.com/office/drawing/2014/main" val="1863790508"/>
+                  </a:ext>
+                </a:extLst>
+              </a:tr>
+              <a:tr h="1040780">
+                <a:tc>
+                  <a:txBody>
+                    <a:bodyPr/>
+                    <a:lstStyle/>
+                    <a:p>
+                      <a:pPr algn="ctr"/>
+                      <a:endParaRPr lang="en-US" dirty="0"/>
+                    </a:p>
+                  </a:txBody>
+                  <a:tcPr anchor="ctr">
+                    <a:noFill/>
+                  </a:tcPr>
+                </a:tc>
+                <a:tc>
+                  <a:txBody>
+                    <a:bodyPr/>
+                    <a:lstStyle/>
+                    <a:p>
+                      <a:pPr algn="ctr"/>
+                      <a:r>
+                        <a:rPr lang="zh-CN" altLang="en-US" dirty="0">
+                          <a:solidFill>
+                            <a:schemeClr val="tx1">
+                              <a:lumMod val="65000"/>
+                              <a:lumOff val="35000"/>
+                            </a:schemeClr>
+                          </a:solidFill>
+                        </a:rPr>
+                        <a:t>网线模组</a:t>
+                      </a:r>
+                      <a:endParaRPr lang="en-US" dirty="0">
+                        <a:solidFill>
+                          <a:schemeClr val="tx1">
+                            <a:lumMod val="65000"/>
+                            <a:lumOff val="35000"/>
+                          </a:schemeClr>
+                        </a:solidFill>
+                      </a:endParaRPr>
+                    </a:p>
+                  </a:txBody>
+                  <a:tcPr anchor="ctr">
+                    <a:noFill/>
+                  </a:tcPr>
+                </a:tc>
+                <a:tc>
+                  <a:txBody>
+                    <a:bodyPr/>
+                    <a:lstStyle/>
+                    <a:p>
+                      <a:pPr algn="ctr"/>
+                      <a:r>
+                        <a:rPr lang="zh-CN" altLang="en-US" dirty="0">
+                          <a:solidFill>
+                            <a:schemeClr val="tx1">
+                              <a:lumMod val="65000"/>
+                              <a:lumOff val="35000"/>
+                            </a:schemeClr>
+                          </a:solidFill>
+                        </a:rPr>
+                        <a:t>计入最长网线链路，每块网线模组计算</a:t>
+                      </a:r>
+                      <a:r>
+                        <a:rPr lang="en-US" altLang="zh-CN" dirty="0">
+                          <a:solidFill>
+                            <a:schemeClr val="tx1">
+                              <a:lumMod val="65000"/>
+                              <a:lumOff val="35000"/>
+                            </a:schemeClr>
+                          </a:solidFill>
+                        </a:rPr>
+                        <a:t>100</a:t>
+                      </a:r>
+                      <a:r>
+                        <a:rPr lang="zh-CN" altLang="en-US" dirty="0">
+                          <a:solidFill>
+                            <a:schemeClr val="tx1">
+                              <a:lumMod val="65000"/>
+                              <a:lumOff val="35000"/>
+                            </a:schemeClr>
+                          </a:solidFill>
+                        </a:rPr>
+                        <a:t>收益，</a:t>
+                      </a:r>
+                      <a:r>
+                        <a:rPr lang="zh-CN" altLang="en-US" b="0" dirty="0">
+                          <a:solidFill>
+                            <a:schemeClr val="tx1">
+                              <a:lumMod val="95000"/>
+                              <a:lumOff val="5000"/>
+                            </a:schemeClr>
+                          </a:solidFill>
+                        </a:rPr>
+                        <a:t>可以转发网络和数据信号</a:t>
+                      </a:r>
+                      <a:endParaRPr lang="en-US" b="0" dirty="0">
+                        <a:solidFill>
+                          <a:schemeClr val="tx1">
+                            <a:lumMod val="95000"/>
+                            <a:lumOff val="5000"/>
+                          </a:schemeClr>
+                        </a:solidFill>
+                      </a:endParaRPr>
+                    </a:p>
+                  </a:txBody>
+                  <a:tcPr anchor="ctr">
+                    <a:noFill/>
+                  </a:tcPr>
+                </a:tc>
+                <a:extLst>
+                  <a:ext uri="{0D108BD9-81ED-4DB2-BD59-A6C34878D82A}">
+                    <a16:rowId xmlns:a16="http://schemas.microsoft.com/office/drawing/2014/main" val="3790404969"/>
+                  </a:ext>
+                </a:extLst>
+              </a:tr>
+              <a:tr h="1055649">
+                <a:tc>
+                  <a:txBody>
+                    <a:bodyPr/>
+                    <a:lstStyle/>
+                    <a:p>
+                      <a:pPr algn="ctr"/>
+                      <a:endParaRPr lang="en-US"/>
+                    </a:p>
+                  </a:txBody>
+                  <a:tcPr anchor="ctr">
+                    <a:noFill/>
+                  </a:tcPr>
+                </a:tc>
+                <a:tc>
+                  <a:txBody>
+                    <a:bodyPr/>
+                    <a:lstStyle/>
+                    <a:p>
+                      <a:pPr algn="ctr"/>
+                      <a:r>
+                        <a:rPr lang="zh-CN" altLang="en-US" dirty="0">
+                          <a:solidFill>
+                            <a:schemeClr val="tx1">
+                              <a:lumMod val="65000"/>
+                              <a:lumOff val="35000"/>
+                            </a:schemeClr>
+                          </a:solidFill>
+                        </a:rPr>
+                        <a:t>网桥模组</a:t>
+                      </a:r>
+                      <a:endParaRPr lang="en-US" dirty="0">
+                        <a:solidFill>
+                          <a:schemeClr val="tx1">
+                            <a:lumMod val="65000"/>
+                            <a:lumOff val="35000"/>
+                          </a:schemeClr>
+                        </a:solidFill>
+                      </a:endParaRPr>
+                    </a:p>
+                  </a:txBody>
+                  <a:tcPr anchor="ctr">
+                    <a:noFill/>
+                  </a:tcPr>
+                </a:tc>
+                <a:tc>
+                  <a:txBody>
+                    <a:bodyPr/>
+                    <a:lstStyle/>
+                    <a:p>
+                      <a:pPr algn="ctr"/>
+                      <a:r>
+                        <a:rPr lang="zh-CN" altLang="en-US" sz="1600" dirty="0">
+                          <a:solidFill>
+                            <a:schemeClr val="tx1">
+                              <a:lumMod val="65000"/>
+                              <a:lumOff val="35000"/>
+                            </a:schemeClr>
+                          </a:solidFill>
+                        </a:rPr>
+                        <a:t>必要的最长网线链路中</a:t>
+                      </a:r>
+                      <a:r>
+                        <a:rPr lang="zh-CN" altLang="en-US" sz="1600" dirty="0">
+                          <a:solidFill>
+                            <a:schemeClr val="tx1">
+                              <a:lumMod val="95000"/>
+                              <a:lumOff val="5000"/>
+                            </a:schemeClr>
+                          </a:solidFill>
+                        </a:rPr>
+                        <a:t>每有一个</a:t>
+                      </a:r>
+                      <a:r>
+                        <a:rPr lang="zh-CN" altLang="en-US" sz="1600" dirty="0">
+                          <a:solidFill>
+                            <a:schemeClr val="tx1">
+                              <a:lumMod val="65000"/>
+                              <a:lumOff val="35000"/>
+                            </a:schemeClr>
+                          </a:solidFill>
+                        </a:rPr>
+                        <a:t>网桥模组，最终总价</a:t>
+                      </a:r>
+                      <a:r>
+                        <a:rPr lang="zh-CN" altLang="en-US" sz="1600" dirty="0">
+                          <a:solidFill>
+                            <a:schemeClr val="tx1">
+                              <a:lumMod val="95000"/>
+                              <a:lumOff val="5000"/>
+                            </a:schemeClr>
+                          </a:solidFill>
+                        </a:rPr>
+                        <a:t>提高</a:t>
+                      </a:r>
+                      <a:r>
+                        <a:rPr lang="en-US" altLang="zh-CN" sz="1600" dirty="0">
+                          <a:solidFill>
+                            <a:schemeClr val="tx1">
+                              <a:lumMod val="95000"/>
+                              <a:lumOff val="5000"/>
+                            </a:schemeClr>
+                          </a:solidFill>
+                        </a:rPr>
+                        <a:t>50%</a:t>
+                      </a:r>
+                      <a:r>
+                        <a:rPr lang="zh-CN" altLang="en-US" sz="1600" dirty="0">
+                          <a:solidFill>
+                            <a:schemeClr val="tx1">
+                              <a:lumMod val="95000"/>
+                              <a:lumOff val="5000"/>
+                            </a:schemeClr>
+                          </a:solidFill>
+                        </a:rPr>
+                        <a:t>（累进计算），</a:t>
+                      </a:r>
+                      <a:r>
+                        <a:rPr lang="zh-CN" altLang="en-US" sz="1600" dirty="0">
+                          <a:solidFill>
+                            <a:schemeClr val="tx1">
+                              <a:lumMod val="65000"/>
+                              <a:lumOff val="35000"/>
+                            </a:schemeClr>
+                          </a:solidFill>
+                        </a:rPr>
+                        <a:t>但该模组本身不计入网线链接计数，</a:t>
+                      </a:r>
+                      <a:r>
+                        <a:rPr lang="zh-CN" altLang="en-US" sz="1600" dirty="0">
+                          <a:solidFill>
+                            <a:schemeClr val="tx1">
+                              <a:lumMod val="95000"/>
+                              <a:lumOff val="5000"/>
+                            </a:schemeClr>
+                          </a:solidFill>
+                        </a:rPr>
+                        <a:t>可以转发网络和数据信号</a:t>
+                      </a:r>
+                      <a:endParaRPr lang="en-US" sz="1600" dirty="0">
+                        <a:solidFill>
+                          <a:schemeClr val="tx1">
+                            <a:lumMod val="95000"/>
+                            <a:lumOff val="5000"/>
+                          </a:schemeClr>
+                        </a:solidFill>
+                      </a:endParaRPr>
+                    </a:p>
+                  </a:txBody>
+                  <a:tcPr anchor="ctr">
+                    <a:noFill/>
+                  </a:tcPr>
+                </a:tc>
+                <a:extLst>
+                  <a:ext uri="{0D108BD9-81ED-4DB2-BD59-A6C34878D82A}">
+                    <a16:rowId xmlns:a16="http://schemas.microsoft.com/office/drawing/2014/main" val="1479023673"/>
+                  </a:ext>
+                </a:extLst>
+              </a:tr>
+            </a:tbl>
+          </a:graphicData>
+        </a:graphic>
+      </p:graphicFrame>
+      <p:pic>
+        <p:nvPicPr>
+          <p:cNvPr id="9" name="图片 8">
+            <a:extLst>
+              <a:ext uri="{FF2B5EF4-FFF2-40B4-BE49-F238E27FC236}">
+                <a16:creationId xmlns:a16="http://schemas.microsoft.com/office/drawing/2014/main" id="{B189F91F-3D0D-4ADC-AE51-7C348B3B804B}"/>
+              </a:ext>
+            </a:extLst>
+          </p:cNvPr>
+          <p:cNvPicPr>
+            <a:picLocks noChangeAspect="1"/>
+          </p:cNvPicPr>
+          <p:nvPr/>
+        </p:nvPicPr>
+        <p:blipFill>
+          <a:blip r:embed="rId2">
+            <a:extLst>
+              <a:ext uri="{28A0092B-C50C-407E-A947-70E740481C1C}">
+                <a14:useLocalDpi xmlns:a14="http://schemas.microsoft.com/office/drawing/2010/main" val="0"/>
+              </a:ext>
+            </a:extLst>
+          </a:blip>
+          <a:stretch>
+            <a:fillRect/>
+          </a:stretch>
+        </p:blipFill>
         <p:spPr>
           <a:xfrm>
-            <a:off x="3082924" y="201514"/>
+            <a:off x="2227107" y="3509307"/>
+            <a:ext cx="946592" cy="946592"/>
+          </a:xfrm>
+          <a:prstGeom prst="rect">
+            <a:avLst/>
+          </a:prstGeom>
+        </p:spPr>
+      </p:pic>
+      <p:pic>
+        <p:nvPicPr>
+          <p:cNvPr id="11" name="图片 10">
+            <a:extLst>
+              <a:ext uri="{FF2B5EF4-FFF2-40B4-BE49-F238E27FC236}">
+                <a16:creationId xmlns:a16="http://schemas.microsoft.com/office/drawing/2014/main" id="{442E7725-C70B-41A2-82AF-CCDC64D1EE8A}"/>
+              </a:ext>
+            </a:extLst>
+          </p:cNvPr>
+          <p:cNvPicPr>
+            <a:picLocks noChangeAspect="1"/>
+          </p:cNvPicPr>
+          <p:nvPr/>
+        </p:nvPicPr>
+        <p:blipFill>
+          <a:blip r:embed="rId3">
+            <a:extLst>
+              <a:ext uri="{28A0092B-C50C-407E-A947-70E740481C1C}">
+                <a14:useLocalDpi xmlns:a14="http://schemas.microsoft.com/office/drawing/2010/main" val="0"/>
+              </a:ext>
+            </a:extLst>
+          </a:blip>
+          <a:stretch>
+            <a:fillRect/>
+          </a:stretch>
+        </p:blipFill>
+        <p:spPr>
+          <a:xfrm>
+            <a:off x="2227107" y="2490666"/>
+            <a:ext cx="946592" cy="946592"/>
+          </a:xfrm>
+          <a:prstGeom prst="rect">
+            <a:avLst/>
+          </a:prstGeom>
+        </p:spPr>
+      </p:pic>
+      <p:pic>
+        <p:nvPicPr>
+          <p:cNvPr id="13" name="图片 12">
+            <a:extLst>
+              <a:ext uri="{FF2B5EF4-FFF2-40B4-BE49-F238E27FC236}">
+                <a16:creationId xmlns:a16="http://schemas.microsoft.com/office/drawing/2014/main" id="{2F2447A8-DA0C-4FB4-A37C-7B5F6B3121B0}"/>
+              </a:ext>
+            </a:extLst>
+          </p:cNvPr>
+          <p:cNvPicPr>
+            <a:picLocks noChangeAspect="1"/>
+          </p:cNvPicPr>
+          <p:nvPr/>
+        </p:nvPicPr>
+        <p:blipFill>
+          <a:blip r:embed="rId4">
+            <a:extLst>
+              <a:ext uri="{28A0092B-C50C-407E-A947-70E740481C1C}">
+                <a14:useLocalDpi xmlns:a14="http://schemas.microsoft.com/office/drawing/2010/main" val="0"/>
+              </a:ext>
+            </a:extLst>
+          </a:blip>
+          <a:stretch>
+            <a:fillRect/>
+          </a:stretch>
+        </p:blipFill>
+        <p:spPr>
+          <a:xfrm>
+            <a:off x="2227107" y="4527948"/>
+            <a:ext cx="946592" cy="946592"/>
+          </a:xfrm>
+          <a:prstGeom prst="rect">
+            <a:avLst/>
+          </a:prstGeom>
+        </p:spPr>
+      </p:pic>
+      <p:sp>
+        <p:nvSpPr>
+          <p:cNvPr id="7" name="矩形 6">
+            <a:extLst>
+              <a:ext uri="{FF2B5EF4-FFF2-40B4-BE49-F238E27FC236}">
+                <a16:creationId xmlns:a16="http://schemas.microsoft.com/office/drawing/2014/main" id="{65AC6470-F566-4A3C-9B34-D9FE47B82F03}"/>
+              </a:ext>
+            </a:extLst>
+          </p:cNvPr>
+          <p:cNvSpPr/>
+          <p:nvPr/>
+        </p:nvSpPr>
+        <p:spPr>
+          <a:xfrm>
+            <a:off x="6286912" y="6595607"/>
+            <a:ext cx="5032147" cy="276999"/>
+          </a:xfrm>
+          <a:prstGeom prst="rect">
+            <a:avLst/>
+          </a:prstGeom>
+        </p:spPr>
+        <p:txBody>
+          <a:bodyPr wrap="none">
+            <a:spAutoFit/>
+          </a:bodyPr>
+          <a:lstStyle/>
+          <a:p>
+            <a:pPr lvl="0" algn="r"/>
+            <a:r>
+              <a:rPr lang="zh-CN" altLang="en-US" sz="1200" b="1" i="1" dirty="0">
+                <a:solidFill>
+                  <a:prstClr val="white">
+                    <a:lumMod val="50000"/>
+                  </a:prstClr>
+                </a:solidFill>
+              </a:rPr>
+              <a:t>*注：如果对服务器的计分方式不清楚，请咨询在场的安奇钛科工作人员</a:t>
+            </a:r>
+            <a:endParaRPr lang="en-US" altLang="zh-CN" sz="1200" b="1" i="1" dirty="0">
+              <a:solidFill>
+                <a:prstClr val="white">
+                  <a:lumMod val="50000"/>
+                </a:prstClr>
+              </a:solidFill>
+            </a:endParaRPr>
+          </a:p>
+        </p:txBody>
+      </p:sp>
+    </p:spTree>
+    <p:extLst>
+      <p:ext uri="{BB962C8B-B14F-4D97-AF65-F5344CB8AC3E}">
+        <p14:creationId xmlns:p14="http://schemas.microsoft.com/office/powerpoint/2010/main" val="1937094213"/>
+      </p:ext>
+    </p:extLst>
+  </p:cSld>
+  <p:clrMapOvr>
+    <a:masterClrMapping/>
+  </p:clrMapOvr>
+</p:sld>
+</file>
+
+<file path=ppt/slides/slide16.xml><?xml version="1.0" encoding="utf-8"?>
+<p:sld xmlns:a="http://schemas.openxmlformats.org/drawingml/2006/main" xmlns:r="http://schemas.openxmlformats.org/officeDocument/2006/relationships" xmlns:p="http://schemas.openxmlformats.org/presentationml/2006/main">
+  <p:cSld>
+    <p:spTree>
+      <p:nvGrpSpPr>
+        <p:cNvPr id="1" name=""/>
+        <p:cNvGrpSpPr/>
+        <p:nvPr/>
+      </p:nvGrpSpPr>
+      <p:grpSpPr>
+        <a:xfrm>
+          <a:off x="0" y="0"/>
+          <a:ext cx="0" cy="0"/>
+          <a:chOff x="0" y="0"/>
+          <a:chExt cx="0" cy="0"/>
+        </a:xfrm>
+      </p:grpSpPr>
+      <p:sp>
+        <p:nvSpPr>
+          <p:cNvPr id="2" name="标题 1">
+            <a:extLst>
+              <a:ext uri="{FF2B5EF4-FFF2-40B4-BE49-F238E27FC236}">
+                <a16:creationId xmlns:a16="http://schemas.microsoft.com/office/drawing/2014/main" id="{CF624A74-BF3B-4A45-B52D-F6610A693817}"/>
+              </a:ext>
+            </a:extLst>
+          </p:cNvPr>
+          <p:cNvSpPr>
+            <a:spLocks noGrp="1"/>
+          </p:cNvSpPr>
+          <p:nvPr>
+            <p:ph type="title"/>
+          </p:nvPr>
+        </p:nvSpPr>
+        <p:spPr/>
+        <p:txBody>
+          <a:bodyPr/>
+          <a:lstStyle/>
+          <a:p>
+            <a:r>
+              <a:rPr lang="en-US" altLang="zh-CN" dirty="0"/>
+              <a:t>FAQ</a:t>
+            </a:r>
+            <a:endParaRPr lang="en-US" dirty="0"/>
+          </a:p>
+        </p:txBody>
+      </p:sp>
+      <p:sp>
+        <p:nvSpPr>
+          <p:cNvPr id="3" name="内容占位符 2">
+            <a:extLst>
+              <a:ext uri="{FF2B5EF4-FFF2-40B4-BE49-F238E27FC236}">
+                <a16:creationId xmlns:a16="http://schemas.microsoft.com/office/drawing/2014/main" id="{4DB31335-4D20-446B-B27D-0B39C885D576}"/>
+              </a:ext>
+            </a:extLst>
+          </p:cNvPr>
+          <p:cNvSpPr>
+            <a:spLocks noGrp="1"/>
+          </p:cNvSpPr>
+          <p:nvPr>
+            <p:ph idx="1"/>
+          </p:nvPr>
+        </p:nvSpPr>
+        <p:spPr/>
+        <p:txBody>
+          <a:bodyPr/>
+          <a:lstStyle/>
+          <a:p>
+            <a:endParaRPr lang="en-US"/>
+          </a:p>
+        </p:txBody>
+      </p:sp>
+    </p:spTree>
+    <p:extLst>
+      <p:ext uri="{BB962C8B-B14F-4D97-AF65-F5344CB8AC3E}">
+        <p14:creationId xmlns:p14="http://schemas.microsoft.com/office/powerpoint/2010/main" val="2118008259"/>
+      </p:ext>
+    </p:extLst>
+  </p:cSld>
+  <p:clrMapOvr>
+    <a:masterClrMapping/>
+  </p:clrMapOvr>
+</p:sld>
+</file>
+
+<file path=ppt/slides/slide17.xml><?xml version="1.0" encoding="utf-8"?>
+<p:sld xmlns:a="http://schemas.openxmlformats.org/drawingml/2006/main" xmlns:r="http://schemas.openxmlformats.org/officeDocument/2006/relationships" xmlns:p="http://schemas.openxmlformats.org/presentationml/2006/main">
+  <p:cSld>
+    <p:spTree>
+      <p:nvGrpSpPr>
+        <p:cNvPr id="1" name=""/>
+        <p:cNvGrpSpPr/>
+        <p:nvPr/>
+      </p:nvGrpSpPr>
+      <p:grpSpPr>
+        <a:xfrm>
+          <a:off x="0" y="0"/>
+          <a:ext cx="0" cy="0"/>
+          <a:chOff x="0" y="0"/>
+          <a:chExt cx="0" cy="0"/>
+        </a:xfrm>
+      </p:grpSpPr>
+      <p:sp>
+        <p:nvSpPr>
+          <p:cNvPr id="2" name="标题 1">
+            <a:extLst>
+              <a:ext uri="{FF2B5EF4-FFF2-40B4-BE49-F238E27FC236}">
+                <a16:creationId xmlns:a16="http://schemas.microsoft.com/office/drawing/2014/main" id="{C47D03D6-585D-49D0-8BE6-EDF4E4F892C7}"/>
+              </a:ext>
+            </a:extLst>
+          </p:cNvPr>
+          <p:cNvSpPr>
+            <a:spLocks noGrp="1"/>
+          </p:cNvSpPr>
+          <p:nvPr>
+            <p:ph type="title"/>
+          </p:nvPr>
+        </p:nvSpPr>
+        <p:spPr>
+          <a:xfrm>
+            <a:off x="3933824" y="284064"/>
             <a:ext cx="3822700" cy="1325563"/>
           </a:xfrm>
         </p:spPr>
@@ -5807,7 +9461,7 @@
         </p:blipFill>
         <p:spPr>
           <a:xfrm>
-            <a:off x="3687499" y="1699673"/>
+            <a:off x="4538399" y="1782223"/>
             <a:ext cx="2613549" cy="2281261"/>
           </a:xfrm>
           <a:prstGeom prst="rect">
@@ -5829,7 +9483,7 @@
         </p:nvSpPr>
         <p:spPr>
           <a:xfrm>
-            <a:off x="1403350" y="4350266"/>
+            <a:off x="2254250" y="4432816"/>
             <a:ext cx="7181850" cy="369332"/>
           </a:xfrm>
           <a:prstGeom prst="rect">
@@ -5869,7 +9523,7 @@
         </p:nvSpPr>
         <p:spPr>
           <a:xfrm>
-            <a:off x="1403350" y="4719598"/>
+            <a:off x="2254250" y="4802148"/>
             <a:ext cx="7181850" cy="369332"/>
           </a:xfrm>
           <a:prstGeom prst="rect">
@@ -5910,7 +9564,7 @@
         <p:spPr>
           <a:xfrm>
             <a:off x="0" y="6488668"/>
-            <a:ext cx="2006600" cy="369332"/>
+            <a:ext cx="2374900" cy="369332"/>
           </a:xfrm>
           <a:prstGeom prst="rect">
             <a:avLst/>
@@ -5925,7 +9579,7 @@
           <a:p>
             <a:r>
               <a:rPr lang="en-US" dirty="0"/>
-              <a:t>Update 2038/9/15</a:t>
+              <a:t>Updated on 2038/9/20</a:t>
             </a:r>
           </a:p>
         </p:txBody>
@@ -5944,7 +9598,7 @@
         </p:nvSpPr>
         <p:spPr>
           <a:xfrm rot="10800000">
-            <a:off x="11730335" y="-1727200"/>
+            <a:off x="11812885" y="0"/>
             <a:ext cx="461665" cy="4108450"/>
           </a:xfrm>
           <a:prstGeom prst="rect">
@@ -5958,15 +9612,34 @@
           </a:bodyPr>
           <a:lstStyle/>
           <a:p>
-            <a:r>
-              <a:rPr lang="en-US" dirty="0"/>
+            <a:pPr algn="r"/>
+            <a:r>
+              <a:rPr lang="en-US" dirty="0">
+                <a:solidFill>
+                  <a:schemeClr val="bg1">
+                    <a:lumMod val="65000"/>
+                  </a:schemeClr>
+                </a:solidFill>
+              </a:rPr>
               <a:t>15181221549_C9/</a:t>
             </a:r>
             <a:r>
-              <a:rPr lang="en-US" baseline="-25000" dirty="0"/>
+              <a:rPr lang="en-US" baseline="-25000" dirty="0">
+                <a:solidFill>
+                  <a:schemeClr val="bg1">
+                    <a:lumMod val="65000"/>
+                  </a:schemeClr>
+                </a:solidFill>
+              </a:rPr>
               <a:t>01.687</a:t>
             </a:r>
-            <a:endParaRPr lang="en-US" dirty="0"/>
+            <a:endParaRPr lang="en-US" dirty="0">
+              <a:solidFill>
+                <a:schemeClr val="bg1">
+                  <a:lumMod val="65000"/>
+                </a:schemeClr>
+              </a:solidFill>
+            </a:endParaRPr>
           </a:p>
         </p:txBody>
       </p:sp>
@@ -5984,7 +9657,7 @@
         </p:nvSpPr>
         <p:spPr>
           <a:xfrm>
-            <a:off x="1892300" y="5168384"/>
+            <a:off x="2743200" y="5250934"/>
             <a:ext cx="5071377" cy="646331"/>
           </a:xfrm>
           <a:prstGeom prst="rect">
@@ -6054,6 +9727,54 @@
               <a:t>010-6XXXXXXX</a:t>
             </a:r>
             <a:endParaRPr lang="en-US" dirty="0"/>
+          </a:p>
+        </p:txBody>
+      </p:sp>
+      <p:sp>
+        <p:nvSpPr>
+          <p:cNvPr id="4" name="矩形 3">
+            <a:extLst>
+              <a:ext uri="{FF2B5EF4-FFF2-40B4-BE49-F238E27FC236}">
+                <a16:creationId xmlns:a16="http://schemas.microsoft.com/office/drawing/2014/main" id="{281738F7-841A-49A6-9EF0-1468643A5294}"/>
+              </a:ext>
+            </a:extLst>
+          </p:cNvPr>
+          <p:cNvSpPr/>
+          <p:nvPr/>
+        </p:nvSpPr>
+        <p:spPr>
+          <a:xfrm>
+            <a:off x="7052577" y="6630570"/>
+            <a:ext cx="4281941" cy="230832"/>
+          </a:xfrm>
+          <a:prstGeom prst="rect">
+            <a:avLst/>
+          </a:prstGeom>
+        </p:spPr>
+        <p:txBody>
+          <a:bodyPr wrap="none">
+            <a:spAutoFit/>
+          </a:bodyPr>
+          <a:lstStyle/>
+          <a:p>
+            <a:pPr algn="r"/>
+            <a:r>
+              <a:rPr lang="zh-CN" altLang="en-US" sz="900" b="1" i="1" dirty="0">
+                <a:solidFill>
+                  <a:schemeClr val="bg1">
+                    <a:lumMod val="75000"/>
+                  </a:schemeClr>
+                </a:solidFill>
+              </a:rPr>
+              <a:t>*注：安奇钛科（北京）有限公司为架空公司，为叙事服务，如有雷同，纯属巧合</a:t>
+            </a:r>
+            <a:endParaRPr lang="en-US" sz="900" b="1" i="1" dirty="0">
+              <a:solidFill>
+                <a:schemeClr val="bg1">
+                  <a:lumMod val="75000"/>
+                </a:schemeClr>
+              </a:solidFill>
+            </a:endParaRPr>
           </a:p>
         </p:txBody>
       </p:sp>
@@ -6187,7 +9908,7 @@
             </a:r>
             <a:r>
               <a:rPr lang="zh-CN" altLang="en-US" dirty="0"/>
-              <a:t>上的面向手提式工业版本。</a:t>
+              <a:t>上的，面向手提式工业版本。</a:t>
             </a:r>
             <a:endParaRPr lang="en-US" dirty="0"/>
           </a:p>
@@ -6219,8 +9940,8 @@
         </p:blipFill>
         <p:spPr>
           <a:xfrm>
-            <a:off x="6096000" y="1005841"/>
-            <a:ext cx="4808586" cy="4808586"/>
+            <a:off x="5316485" y="1005840"/>
+            <a:ext cx="5588101" cy="5588101"/>
           </a:xfrm>
           <a:prstGeom prst="rect">
             <a:avLst/>
@@ -6463,75 +10184,6 @@
               </a:rPr>
               <a:t>：本公司保留此操作指南的最终解释权</a:t>
             </a:r>
-            <a:endParaRPr lang="en-US" altLang="zh-CN" sz="1400" i="1" dirty="0">
-              <a:solidFill>
-                <a:schemeClr val="bg1">
-                  <a:lumMod val="65000"/>
-                </a:schemeClr>
-              </a:solidFill>
-            </a:endParaRPr>
-          </a:p>
-          <a:p>
-            <a:pPr>
-              <a:buFont typeface="Wingdings" panose="05000000000000000000" pitchFamily="2" charset="2"/>
-              <a:buChar char="§"/>
-            </a:pPr>
-            <a:r>
-              <a:rPr lang="zh-CN" altLang="en-US" sz="1400" i="1" dirty="0">
-                <a:solidFill>
-                  <a:schemeClr val="bg1">
-                    <a:lumMod val="65000"/>
-                  </a:schemeClr>
-                </a:solidFill>
-              </a:rPr>
-              <a:t>注</a:t>
-            </a:r>
-            <a:r>
-              <a:rPr lang="en-US" altLang="zh-CN" sz="1400" i="1" dirty="0">
-                <a:solidFill>
-                  <a:schemeClr val="bg1">
-                    <a:lumMod val="65000"/>
-                  </a:schemeClr>
-                </a:solidFill>
-              </a:rPr>
-              <a:t>3</a:t>
-            </a:r>
-            <a:r>
-              <a:rPr lang="zh-CN" altLang="en-US" sz="1400" i="1" dirty="0">
-                <a:solidFill>
-                  <a:schemeClr val="bg1">
-                    <a:lumMod val="65000"/>
-                  </a:schemeClr>
-                </a:solidFill>
-              </a:rPr>
-              <a:t>： 如有任何问题，和随时与</a:t>
-            </a:r>
-            <a:r>
-              <a:rPr lang="en-US" altLang="zh-CN" sz="1400" i="1" dirty="0">
-                <a:solidFill>
-                  <a:schemeClr val="bg1">
-                    <a:lumMod val="65000"/>
-                  </a:schemeClr>
-                </a:solidFill>
-              </a:rPr>
-              <a:t>B</a:t>
-            </a:r>
-            <a:r>
-              <a:rPr lang="zh-CN" altLang="en-US" sz="1400" i="1" dirty="0">
-                <a:solidFill>
-                  <a:schemeClr val="bg1">
-                    <a:lumMod val="65000"/>
-                  </a:schemeClr>
-                </a:solidFill>
-              </a:rPr>
-              <a:t>级研究院联系</a:t>
-            </a:r>
-          </a:p>
-          <a:p>
-            <a:pPr>
-              <a:buFont typeface="Wingdings" panose="05000000000000000000" pitchFamily="2" charset="2"/>
-              <a:buChar char="§"/>
-            </a:pPr>
             <a:endParaRPr lang="en-US" sz="1400" i="1" dirty="0">
               <a:solidFill>
                 <a:schemeClr val="bg1">
@@ -7001,7 +10653,7 @@
                   </a:schemeClr>
                 </a:solidFill>
               </a:rPr>
-              <a:t>您所操作服务器阵列所在地的实时监控窗口</a:t>
+              <a:t>您所操作设备模组阵列所在地的实时监控窗口</a:t>
             </a:r>
             <a:endParaRPr lang="en-US" altLang="zh-CN" dirty="0">
               <a:solidFill>
@@ -7135,7 +10787,7 @@
                   </a:schemeClr>
                 </a:solidFill>
               </a:rPr>
-              <a:t>根据您所在公司不同，本终端已经接入远程服务器模组购入渠道</a:t>
+              <a:t>根据您所在公司不同，本终端已经接入远程设备模组购入渠道</a:t>
             </a:r>
             <a:endParaRPr lang="en-US" dirty="0">
               <a:solidFill>
@@ -7700,8 +11352,8 @@
         </p:nvSpPr>
         <p:spPr>
           <a:xfrm>
-            <a:off x="7709585" y="6550223"/>
-            <a:ext cx="3565914" cy="307777"/>
+            <a:off x="7874685" y="6581001"/>
+            <a:ext cx="3565914" cy="276999"/>
           </a:xfrm>
           <a:prstGeom prst="rect">
             <a:avLst/>
@@ -7715,11 +11367,17 @@
           <a:lstStyle/>
           <a:p>
             <a:r>
-              <a:rPr lang="zh-CN" altLang="en-US" sz="1400" i="1" dirty="0"/>
-              <a:t>*</a:t>
-            </a:r>
-            <a:r>
-              <a:rPr lang="zh-CN" altLang="en-US" sz="1400" b="1" i="1" dirty="0">
+              <a:rPr lang="zh-CN" altLang="en-US" sz="1200" b="1" i="1" spc="10" dirty="0">
+                <a:solidFill>
+                  <a:prstClr val="white">
+                    <a:lumMod val="50000"/>
+                  </a:prstClr>
+                </a:solidFill>
+              </a:rPr>
+              <a:t>*注，</a:t>
+            </a:r>
+            <a:r>
+              <a:rPr lang="zh-CN" altLang="en-US" sz="1200" b="1" i="1" spc="10" dirty="0">
                 <a:solidFill>
                   <a:srgbClr val="FF0000"/>
                 </a:solidFill>
@@ -7727,22 +11385,52 @@
               <a:t>红色</a:t>
             </a:r>
             <a:r>
-              <a:rPr lang="zh-CN" altLang="en-US" sz="1400" i="1" dirty="0"/>
+              <a:rPr lang="zh-CN" altLang="en-US" sz="1200" b="1" i="1" spc="10" dirty="0">
+                <a:solidFill>
+                  <a:prstClr val="white">
+                    <a:lumMod val="50000"/>
+                  </a:prstClr>
+                </a:solidFill>
+              </a:rPr>
               <a:t>框请参考后文的</a:t>
             </a:r>
             <a:r>
-              <a:rPr lang="en-US" altLang="zh-CN" sz="1400" i="1" dirty="0"/>
+              <a:rPr lang="en-US" altLang="zh-CN" sz="1200" b="1" i="1" spc="10" dirty="0">
+                <a:solidFill>
+                  <a:prstClr val="white">
+                    <a:lumMod val="50000"/>
+                  </a:prstClr>
+                </a:solidFill>
+              </a:rPr>
               <a:t>【</a:t>
             </a:r>
             <a:r>
-              <a:rPr lang="zh-CN" altLang="en-US" sz="1400" i="1" dirty="0"/>
+              <a:rPr lang="zh-CN" altLang="en-US" sz="1200" b="1" i="1" spc="10" dirty="0">
+                <a:solidFill>
+                  <a:prstClr val="white">
+                    <a:lumMod val="50000"/>
+                  </a:prstClr>
+                </a:solidFill>
+              </a:rPr>
               <a:t>灾害模拟系统说明</a:t>
             </a:r>
             <a:r>
-              <a:rPr lang="en-US" altLang="zh-CN" sz="1400" i="1" dirty="0"/>
+              <a:rPr lang="en-US" altLang="zh-CN" sz="1200" b="1" i="1" spc="10" dirty="0">
+                <a:solidFill>
+                  <a:prstClr val="white">
+                    <a:lumMod val="50000"/>
+                  </a:prstClr>
+                </a:solidFill>
+              </a:rPr>
               <a:t>】</a:t>
             </a:r>
-            <a:endParaRPr lang="en-US" sz="1400" i="1" dirty="0"/>
+            <a:endParaRPr lang="en-US" sz="1200" b="1" i="1" spc="10" dirty="0">
+              <a:solidFill>
+                <a:prstClr val="white">
+                  <a:lumMod val="50000"/>
+                </a:prstClr>
+              </a:solidFill>
+            </a:endParaRPr>
           </a:p>
         </p:txBody>
       </p:sp>
@@ -7829,7 +11517,12 @@
             <p:ph idx="1"/>
           </p:nvPr>
         </p:nvSpPr>
-        <p:spPr/>
+        <p:spPr>
+          <a:xfrm>
+            <a:off x="1350772" y="1965109"/>
+            <a:ext cx="8595360" cy="4351337"/>
+          </a:xfrm>
+        </p:spPr>
         <p:txBody>
           <a:bodyPr/>
           <a:lstStyle/>
@@ -7878,6 +11571,9 @@
             <a:endParaRPr lang="en-US" altLang="zh-CN" dirty="0"/>
           </a:p>
           <a:p>
+            <a:endParaRPr lang="en-US" altLang="zh-CN" dirty="0"/>
+          </a:p>
+          <a:p>
             <a:r>
               <a:rPr lang="zh-CN" altLang="en-US" dirty="0"/>
               <a:t>具体来说，使用者在主操作界面每</a:t>
@@ -7922,6 +11618,9 @@
             <a:endParaRPr lang="en-US" altLang="zh-CN" dirty="0"/>
           </a:p>
           <a:p>
+            <a:endParaRPr lang="en-US" altLang="zh-CN" dirty="0"/>
+          </a:p>
+          <a:p>
             <a:r>
               <a:rPr lang="zh-CN" altLang="en-US" dirty="0"/>
               <a:t>系统将会每个周期结算当前</a:t>
@@ -7976,56 +11675,143 @@
           <a:p>
             <a:endParaRPr lang="en-US" dirty="0"/>
           </a:p>
-          <a:p>
-            <a:r>
-              <a:rPr lang="zh-CN" altLang="en-US" dirty="0"/>
+        </p:txBody>
+      </p:sp>
+      <p:sp>
+        <p:nvSpPr>
+          <p:cNvPr id="5" name="矩形 4">
+            <a:extLst>
+              <a:ext uri="{FF2B5EF4-FFF2-40B4-BE49-F238E27FC236}">
+                <a16:creationId xmlns:a16="http://schemas.microsoft.com/office/drawing/2014/main" id="{4D665D01-E0D8-4BC3-ADC8-A09DBF7D36B1}"/>
+              </a:ext>
+            </a:extLst>
+          </p:cNvPr>
+          <p:cNvSpPr/>
+          <p:nvPr/>
+        </p:nvSpPr>
+        <p:spPr>
+          <a:xfrm>
+            <a:off x="7550906" y="6590234"/>
+            <a:ext cx="3783087" cy="267766"/>
+          </a:xfrm>
+          <a:prstGeom prst="rect">
+            <a:avLst/>
+          </a:prstGeom>
+        </p:spPr>
+        <p:txBody>
+          <a:bodyPr wrap="none">
+            <a:spAutoFit/>
+          </a:bodyPr>
+          <a:lstStyle/>
+          <a:p>
+            <a:pPr marL="182880" lvl="0" indent="-182880" defTabSz="914400">
+              <a:lnSpc>
+                <a:spcPct val="95000"/>
+              </a:lnSpc>
+              <a:spcBef>
+                <a:spcPts val="1400"/>
+              </a:spcBef>
+              <a:spcAft>
+                <a:spcPts val="200"/>
+              </a:spcAft>
+              <a:buClr>
+                <a:srgbClr val="3494BA"/>
+              </a:buClr>
+              <a:buSzPct val="80000"/>
+              <a:buFont typeface="Arial" pitchFamily="34" charset="0"/>
+              <a:buChar char="•"/>
+            </a:pPr>
+            <a:r>
+              <a:rPr lang="zh-CN" altLang="en-US" sz="1200" b="1" i="1" spc="10" dirty="0">
+                <a:solidFill>
+                  <a:prstClr val="white">
+                    <a:lumMod val="50000"/>
+                  </a:prstClr>
+                </a:solidFill>
+              </a:rPr>
               <a:t>注：</a:t>
             </a:r>
             <a:r>
-              <a:rPr lang="en-US" altLang="zh-CN" dirty="0"/>
+              <a:rPr lang="en-US" altLang="zh-CN" sz="1200" b="1" i="1" spc="10" dirty="0">
+                <a:solidFill>
+                  <a:prstClr val="white">
+                    <a:lumMod val="50000"/>
+                  </a:prstClr>
+                </a:solidFill>
+              </a:rPr>
               <a:t>【</a:t>
             </a:r>
             <a:r>
-              <a:rPr lang="zh-CN" altLang="en-US" dirty="0"/>
+              <a:rPr lang="zh-CN" altLang="en-US" sz="1200" b="1" i="1" spc="10" dirty="0">
+                <a:solidFill>
+                  <a:prstClr val="white">
+                    <a:lumMod val="50000"/>
+                  </a:prstClr>
+                </a:solidFill>
+              </a:rPr>
               <a:t>旋转模组</a:t>
             </a:r>
             <a:r>
-              <a:rPr lang="en-US" altLang="zh-CN" dirty="0"/>
+              <a:rPr lang="en-US" altLang="zh-CN" sz="1200" b="1" i="1" spc="10" dirty="0">
+                <a:solidFill>
+                  <a:prstClr val="white">
+                    <a:lumMod val="50000"/>
+                  </a:prstClr>
+                </a:solidFill>
+              </a:rPr>
               <a:t>】</a:t>
             </a:r>
             <a:r>
-              <a:rPr lang="zh-CN" altLang="en-US" dirty="0"/>
+              <a:rPr lang="zh-CN" altLang="en-US" sz="1200" b="1" i="1" spc="10" dirty="0">
+                <a:solidFill>
+                  <a:prstClr val="white">
+                    <a:lumMod val="50000"/>
+                  </a:prstClr>
+                </a:solidFill>
+              </a:rPr>
               <a:t>和</a:t>
             </a:r>
             <a:r>
-              <a:rPr lang="en-US" altLang="zh-CN" dirty="0"/>
+              <a:rPr lang="en-US" altLang="zh-CN" sz="1200" b="1" i="1" spc="10" dirty="0">
+                <a:solidFill>
+                  <a:prstClr val="white">
+                    <a:lumMod val="50000"/>
+                  </a:prstClr>
+                </a:solidFill>
+              </a:rPr>
               <a:t>【</a:t>
             </a:r>
             <a:r>
-              <a:rPr lang="zh-CN" altLang="en-US" dirty="0"/>
+              <a:rPr lang="zh-CN" altLang="en-US" sz="1200" b="1" i="1" spc="10" dirty="0">
+                <a:solidFill>
+                  <a:prstClr val="white">
+                    <a:lumMod val="50000"/>
+                  </a:prstClr>
+                </a:solidFill>
+              </a:rPr>
               <a:t>仅移动空游标</a:t>
             </a:r>
             <a:r>
-              <a:rPr lang="en-US" altLang="zh-CN" dirty="0"/>
+              <a:rPr lang="en-US" altLang="zh-CN" sz="1200" b="1" i="1" spc="10" dirty="0">
+                <a:solidFill>
+                  <a:prstClr val="white">
+                    <a:lumMod val="50000"/>
+                  </a:prstClr>
+                </a:solidFill>
+              </a:rPr>
               <a:t>】</a:t>
             </a:r>
             <a:r>
-              <a:rPr lang="zh-CN" altLang="en-US" b="1" dirty="0">
-                <a:solidFill>
-                  <a:schemeClr val="tx1">
-                    <a:lumMod val="95000"/>
-                    <a:lumOff val="5000"/>
-                  </a:schemeClr>
+              <a:rPr lang="zh-CN" altLang="en-US" sz="1200" b="1" i="1" spc="10" dirty="0">
+                <a:solidFill>
+                  <a:srgbClr val="FF0000"/>
                 </a:solidFill>
               </a:rPr>
               <a:t>不计算周期</a:t>
             </a:r>
-            <a:endParaRPr lang="en-US" b="1" dirty="0">
+            <a:endParaRPr lang="en-US" sz="1200" b="1" i="1" spc="10" dirty="0">
               <a:solidFill>
-                <a:schemeClr val="tx1">
-                  <a:lumMod val="95000"/>
-                  <a:lumOff val="5000"/>
-                </a:schemeClr>
+                <a:srgbClr val="FF0000"/>
               </a:solidFill>
             </a:endParaRPr>
           </a:p>
@@ -8139,7 +11925,7 @@
         </p:nvSpPr>
         <p:spPr>
           <a:xfrm>
-            <a:off x="6463970" y="1948642"/>
+            <a:off x="6391818" y="2197014"/>
             <a:ext cx="3915350" cy="2031325"/>
           </a:xfrm>
           <a:prstGeom prst="rect">
@@ -8154,7 +11940,14 @@
           <a:lstStyle/>
           <a:p>
             <a:r>
-              <a:rPr lang="zh-CN" altLang="en-US" dirty="0"/>
+              <a:rPr lang="zh-CN" altLang="en-US" dirty="0">
+                <a:solidFill>
+                  <a:schemeClr val="tx1">
+                    <a:lumMod val="65000"/>
+                    <a:lumOff val="35000"/>
+                  </a:schemeClr>
+                </a:solidFill>
+              </a:rPr>
               <a:t>第一行数据：当前主面板中的布局可以在当前周期赚取（或损失）的</a:t>
             </a:r>
             <a:r>
@@ -8176,7 +11969,14 @@
           </a:p>
           <a:p>
             <a:r>
-              <a:rPr lang="zh-CN" altLang="en-US" dirty="0"/>
+              <a:rPr lang="zh-CN" altLang="en-US" dirty="0">
+                <a:solidFill>
+                  <a:schemeClr val="tx1">
+                    <a:lumMod val="65000"/>
+                    <a:lumOff val="35000"/>
+                  </a:schemeClr>
+                </a:solidFill>
+              </a:rPr>
               <a:t>第二行数据：当前拥有的</a:t>
             </a:r>
             <a:r>
@@ -8198,22 +11998,57 @@
           </a:p>
           <a:p>
             <a:r>
-              <a:rPr lang="zh-CN" altLang="en-US" dirty="0"/>
+              <a:rPr lang="zh-CN" altLang="en-US" dirty="0">
+                <a:solidFill>
+                  <a:schemeClr val="tx1">
+                    <a:lumMod val="65000"/>
+                    <a:lumOff val="35000"/>
+                  </a:schemeClr>
+                </a:solidFill>
+              </a:rPr>
               <a:t>第三行数据：整个模拟中全部拥有的</a:t>
             </a:r>
             <a:r>
-              <a:rPr lang="zh-CN" altLang="en-US" b="1" dirty="0"/>
+              <a:rPr lang="zh-CN" altLang="en-US" b="1" dirty="0">
+                <a:solidFill>
+                  <a:schemeClr val="tx1">
+                    <a:lumMod val="95000"/>
+                    <a:lumOff val="5000"/>
+                  </a:schemeClr>
+                </a:solidFill>
+              </a:rPr>
               <a:t>周期数</a:t>
             </a:r>
             <a:r>
-              <a:rPr lang="zh-CN" altLang="en-US" dirty="0"/>
+              <a:rPr lang="zh-CN" altLang="en-US" dirty="0">
+                <a:solidFill>
+                  <a:schemeClr val="tx1">
+                    <a:lumMod val="65000"/>
+                    <a:lumOff val="35000"/>
+                  </a:schemeClr>
+                </a:solidFill>
+              </a:rPr>
               <a:t>和</a:t>
             </a:r>
             <a:r>
-              <a:rPr lang="zh-CN" altLang="en-US" b="1" dirty="0"/>
+              <a:rPr lang="zh-CN" altLang="en-US" b="1" dirty="0">
+                <a:solidFill>
+                  <a:schemeClr val="tx1">
+                    <a:lumMod val="95000"/>
+                    <a:lumOff val="5000"/>
+                  </a:schemeClr>
+                </a:solidFill>
+              </a:rPr>
               <a:t>剩余周期数</a:t>
             </a:r>
-            <a:endParaRPr lang="en-US" b="1" dirty="0"/>
+            <a:endParaRPr lang="en-US" b="1" dirty="0">
+              <a:solidFill>
+                <a:schemeClr val="tx1">
+                  <a:lumMod val="95000"/>
+                  <a:lumOff val="5000"/>
+                </a:schemeClr>
+              </a:solidFill>
+            </a:endParaRPr>
           </a:p>
         </p:txBody>
       </p:sp>
@@ -8231,8 +12066,8 @@
         </p:nvSpPr>
         <p:spPr>
           <a:xfrm>
-            <a:off x="6463970" y="4258912"/>
-            <a:ext cx="4370961" cy="1138773"/>
+            <a:off x="6391818" y="4507284"/>
+            <a:ext cx="4370961" cy="923330"/>
           </a:xfrm>
           <a:prstGeom prst="rect">
             <a:avLst/>
@@ -8246,24 +12081,59 @@
           <a:lstStyle/>
           <a:p>
             <a:r>
-              <a:rPr lang="zh-CN" altLang="en-US" i="1" dirty="0"/>
+              <a:rPr lang="zh-CN" altLang="en-US" i="1" dirty="0">
+                <a:solidFill>
+                  <a:schemeClr val="tx1">
+                    <a:lumMod val="65000"/>
+                    <a:lumOff val="35000"/>
+                  </a:schemeClr>
+                </a:solidFill>
+              </a:rPr>
               <a:t>每一个周期，都会通过第一行所计算出来的当前周期利润更新您当前的金钱。</a:t>
             </a:r>
-            <a:endParaRPr lang="en-US" altLang="zh-CN" i="1" dirty="0"/>
           </a:p>
           <a:p>
             <a:endParaRPr lang="en-US" dirty="0"/>
           </a:p>
-          <a:p>
-            <a:r>
-              <a:rPr lang="zh-CN" altLang="en-US" sz="1200" b="1" dirty="0">
+        </p:txBody>
+      </p:sp>
+      <p:sp>
+        <p:nvSpPr>
+          <p:cNvPr id="7" name="矩形 6">
+            <a:extLst>
+              <a:ext uri="{FF2B5EF4-FFF2-40B4-BE49-F238E27FC236}">
+                <a16:creationId xmlns:a16="http://schemas.microsoft.com/office/drawing/2014/main" id="{0B9E0352-67F0-47DD-9759-CB8D2072A199}"/>
+              </a:ext>
+            </a:extLst>
+          </p:cNvPr>
+          <p:cNvSpPr/>
+          <p:nvPr/>
+        </p:nvSpPr>
+        <p:spPr>
+          <a:xfrm>
+            <a:off x="7359983" y="6578958"/>
+            <a:ext cx="3954929" cy="276999"/>
+          </a:xfrm>
+          <a:prstGeom prst="rect">
+            <a:avLst/>
+          </a:prstGeom>
+        </p:spPr>
+        <p:txBody>
+          <a:bodyPr wrap="none">
+            <a:spAutoFit/>
+          </a:bodyPr>
+          <a:lstStyle/>
+          <a:p>
+            <a:pPr lvl="0" algn="r"/>
+            <a:r>
+              <a:rPr lang="zh-CN" altLang="en-US" sz="1200" b="1" i="1" dirty="0">
                 <a:solidFill>
                   <a:srgbClr val="FF0000"/>
                 </a:solidFill>
               </a:rPr>
-              <a:t>*注，金钱降到零以下或者时间归零，游戏均结束</a:t>
-            </a:r>
-            <a:endParaRPr lang="en-US" sz="1200" b="1" dirty="0">
+              <a:t>*注，金钱降到零以下或者时间归零，模拟均会强制结束</a:t>
+            </a:r>
+            <a:endParaRPr lang="en-US" sz="1200" b="1" i="1" dirty="0">
               <a:solidFill>
                 <a:srgbClr val="FF0000"/>
               </a:solidFill>
@@ -8379,8 +12249,8 @@
         </p:nvSpPr>
         <p:spPr>
           <a:xfrm>
-            <a:off x="5809089" y="2028952"/>
-            <a:ext cx="5040494" cy="3693319"/>
+            <a:off x="6051042" y="6211669"/>
+            <a:ext cx="5262007" cy="646331"/>
           </a:xfrm>
           <a:prstGeom prst="rect">
             <a:avLst/>
@@ -8393,114 +12263,423 @@
           </a:bodyPr>
           <a:lstStyle/>
           <a:p>
-            <a:r>
-              <a:rPr lang="zh-CN" altLang="en-US" dirty="0"/>
-              <a:t>商店中会持续显示四枚现在可以购买的设备模组。花费您已有的金钱就可以进行购买。</a:t>
-            </a:r>
-            <a:endParaRPr lang="en-US" altLang="zh-CN" dirty="0"/>
-          </a:p>
-          <a:p>
-            <a:endParaRPr lang="en-US" altLang="zh-CN" dirty="0"/>
-          </a:p>
-          <a:p>
-            <a:r>
-              <a:rPr lang="zh-CN" altLang="en-US" dirty="0"/>
-              <a:t>随时：</a:t>
-            </a:r>
-            <a:endParaRPr lang="en-US" altLang="zh-CN" dirty="0"/>
-          </a:p>
-          <a:p>
-            <a:r>
-              <a:rPr lang="zh-CN" altLang="en-US" dirty="0"/>
-              <a:t>通过</a:t>
-            </a:r>
-            <a:r>
-              <a:rPr lang="en-US" altLang="zh-CN" dirty="0"/>
+            <a:pPr algn="r"/>
+            <a:r>
+              <a:rPr lang="zh-CN" altLang="en-US" sz="1200" b="1" i="1" dirty="0">
+                <a:solidFill>
+                  <a:schemeClr val="bg1">
+                    <a:lumMod val="50000"/>
+                  </a:schemeClr>
+                </a:solidFill>
+              </a:rPr>
+              <a:t>*注，因为现有相关法律法规规定，设备模组将会</a:t>
+            </a:r>
+            <a:r>
+              <a:rPr lang="en-US" altLang="zh-CN" sz="1200" b="1" i="1" dirty="0">
+                <a:solidFill>
+                  <a:schemeClr val="bg1">
+                    <a:lumMod val="50000"/>
+                  </a:schemeClr>
+                </a:solidFill>
+              </a:rPr>
               <a:t>【</a:t>
             </a:r>
             <a:r>
-              <a:rPr lang="zh-CN" altLang="en-US" dirty="0"/>
+              <a:rPr lang="zh-CN" altLang="en-US" sz="1200" b="1" i="1" dirty="0">
+                <a:solidFill>
+                  <a:schemeClr val="bg1">
+                    <a:lumMod val="50000"/>
+                  </a:schemeClr>
+                </a:solidFill>
+              </a:rPr>
+              <a:t>随机</a:t>
+            </a:r>
+            <a:r>
+              <a:rPr lang="en-US" altLang="zh-CN" sz="1200" b="1" i="1" dirty="0">
+                <a:solidFill>
+                  <a:schemeClr val="bg1">
+                    <a:lumMod val="50000"/>
+                  </a:schemeClr>
+                </a:solidFill>
+              </a:rPr>
+              <a:t>】</a:t>
+            </a:r>
+            <a:r>
+              <a:rPr lang="zh-CN" altLang="en-US" sz="1200" b="1" i="1" dirty="0">
+                <a:solidFill>
+                  <a:schemeClr val="bg1">
+                    <a:lumMod val="50000"/>
+                  </a:schemeClr>
+                </a:solidFill>
+              </a:rPr>
+              <a:t>部署至您的场地</a:t>
+            </a:r>
+            <a:endParaRPr lang="en-US" altLang="zh-CN" sz="1200" b="1" i="1" dirty="0">
+              <a:solidFill>
+                <a:schemeClr val="bg1">
+                  <a:lumMod val="50000"/>
+                </a:schemeClr>
+              </a:solidFill>
+            </a:endParaRPr>
+          </a:p>
+          <a:p>
+            <a:pPr algn="r"/>
+            <a:r>
+              <a:rPr lang="zh-CN" altLang="en-US" sz="1200" b="1" i="1" dirty="0">
+                <a:solidFill>
+                  <a:schemeClr val="bg1">
+                    <a:lumMod val="50000"/>
+                  </a:schemeClr>
+                </a:solidFill>
+              </a:rPr>
+              <a:t>**注</a:t>
+            </a:r>
+            <a:r>
+              <a:rPr lang="en-US" altLang="zh-CN" sz="1200" b="1" i="1" dirty="0">
+                <a:solidFill>
+                  <a:schemeClr val="bg1">
+                    <a:lumMod val="50000"/>
+                  </a:schemeClr>
+                </a:solidFill>
+              </a:rPr>
+              <a:t>2</a:t>
+            </a:r>
+            <a:r>
+              <a:rPr lang="zh-CN" altLang="en-US" sz="1200" b="1" i="1" dirty="0">
+                <a:solidFill>
+                  <a:schemeClr val="bg1">
+                    <a:lumMod val="50000"/>
+                  </a:schemeClr>
+                </a:solidFill>
+              </a:rPr>
+              <a:t>，一个周期内，您只能购买其中一个模组</a:t>
+            </a:r>
+            <a:endParaRPr lang="en-US" altLang="zh-CN" sz="1200" b="1" i="1" dirty="0">
+              <a:solidFill>
+                <a:schemeClr val="bg1">
+                  <a:lumMod val="50000"/>
+                </a:schemeClr>
+              </a:solidFill>
+            </a:endParaRPr>
+          </a:p>
+          <a:p>
+            <a:pPr algn="r"/>
+            <a:r>
+              <a:rPr lang="zh-CN" altLang="en-US" sz="1200" b="1" i="1" dirty="0">
+                <a:solidFill>
+                  <a:schemeClr val="bg1">
+                    <a:lumMod val="50000"/>
+                  </a:schemeClr>
+                </a:solidFill>
+              </a:rPr>
+              <a:t>***注</a:t>
+            </a:r>
+            <a:r>
+              <a:rPr lang="en-US" altLang="zh-CN" sz="1200" b="1" i="1" dirty="0">
+                <a:solidFill>
+                  <a:schemeClr val="bg1">
+                    <a:lumMod val="50000"/>
+                  </a:schemeClr>
+                </a:solidFill>
+              </a:rPr>
+              <a:t>3</a:t>
+            </a:r>
+            <a:r>
+              <a:rPr lang="zh-CN" altLang="en-US" sz="1200" b="1" i="1" dirty="0">
+                <a:solidFill>
+                  <a:schemeClr val="bg1">
+                    <a:lumMod val="50000"/>
+                  </a:schemeClr>
+                </a:solidFill>
+              </a:rPr>
+              <a:t>，购买权和商店内容，每周期更新</a:t>
+            </a:r>
+            <a:endParaRPr lang="en-US" sz="1200" b="1" i="1" dirty="0">
+              <a:solidFill>
+                <a:schemeClr val="bg1">
+                  <a:lumMod val="50000"/>
+                </a:schemeClr>
+              </a:solidFill>
+            </a:endParaRPr>
+          </a:p>
+        </p:txBody>
+      </p:sp>
+      <p:sp>
+        <p:nvSpPr>
+          <p:cNvPr id="3" name="矩形 2">
+            <a:extLst>
+              <a:ext uri="{FF2B5EF4-FFF2-40B4-BE49-F238E27FC236}">
+                <a16:creationId xmlns:a16="http://schemas.microsoft.com/office/drawing/2014/main" id="{57DDCB71-2272-459D-99C1-3449F2A6E96B}"/>
+              </a:ext>
+            </a:extLst>
+          </p:cNvPr>
+          <p:cNvSpPr/>
+          <p:nvPr/>
+        </p:nvSpPr>
+        <p:spPr>
+          <a:xfrm>
+            <a:off x="5554754" y="2263882"/>
+            <a:ext cx="5040494" cy="646331"/>
+          </a:xfrm>
+          <a:prstGeom prst="rect">
+            <a:avLst/>
+          </a:prstGeom>
+        </p:spPr>
+        <p:txBody>
+          <a:bodyPr wrap="square">
+            <a:spAutoFit/>
+          </a:bodyPr>
+          <a:lstStyle/>
+          <a:p>
+            <a:r>
+              <a:rPr lang="zh-CN" altLang="en-US" dirty="0">
+                <a:solidFill>
+                  <a:schemeClr val="tx1">
+                    <a:lumMod val="65000"/>
+                    <a:lumOff val="35000"/>
+                  </a:schemeClr>
+                </a:solidFill>
+              </a:rPr>
+              <a:t>通过右下角的</a:t>
+            </a:r>
+            <a:r>
+              <a:rPr lang="zh-CN" altLang="en-US" dirty="0">
+                <a:solidFill>
+                  <a:schemeClr val="tx1">
+                    <a:lumMod val="95000"/>
+                    <a:lumOff val="5000"/>
+                  </a:schemeClr>
+                </a:solidFill>
+              </a:rPr>
+              <a:t>商店界面</a:t>
+            </a:r>
+            <a:r>
+              <a:rPr lang="zh-CN" altLang="en-US" dirty="0">
+                <a:solidFill>
+                  <a:schemeClr val="tx1">
+                    <a:lumMod val="65000"/>
+                    <a:lumOff val="35000"/>
+                  </a:schemeClr>
+                </a:solidFill>
+              </a:rPr>
+              <a:t>，您可以即时购买模组，我们会</a:t>
+            </a:r>
+            <a:r>
+              <a:rPr lang="zh-CN" altLang="en-US" dirty="0">
+                <a:solidFill>
+                  <a:schemeClr val="tx1">
+                    <a:lumMod val="95000"/>
+                    <a:lumOff val="5000"/>
+                  </a:schemeClr>
+                </a:solidFill>
+              </a:rPr>
+              <a:t>立刻</a:t>
+            </a:r>
+            <a:r>
+              <a:rPr lang="zh-CN" altLang="en-US" dirty="0">
+                <a:solidFill>
+                  <a:schemeClr val="tx1">
+                    <a:lumMod val="65000"/>
+                    <a:lumOff val="35000"/>
+                  </a:schemeClr>
+                </a:solidFill>
+              </a:rPr>
+              <a:t>送至您现有的设备模组集群。</a:t>
+            </a:r>
+            <a:endParaRPr lang="en-US" altLang="zh-CN" dirty="0">
+              <a:solidFill>
+                <a:schemeClr val="tx1">
+                  <a:lumMod val="65000"/>
+                  <a:lumOff val="35000"/>
+                </a:schemeClr>
+              </a:solidFill>
+            </a:endParaRPr>
+          </a:p>
+        </p:txBody>
+      </p:sp>
+      <p:sp>
+        <p:nvSpPr>
+          <p:cNvPr id="6" name="矩形 5">
+            <a:extLst>
+              <a:ext uri="{FF2B5EF4-FFF2-40B4-BE49-F238E27FC236}">
+                <a16:creationId xmlns:a16="http://schemas.microsoft.com/office/drawing/2014/main" id="{ED0595A4-C1A5-4605-B888-A1D828184EF7}"/>
+              </a:ext>
+            </a:extLst>
+          </p:cNvPr>
+          <p:cNvSpPr/>
+          <p:nvPr/>
+        </p:nvSpPr>
+        <p:spPr>
+          <a:xfrm>
+            <a:off x="5554755" y="4992777"/>
+            <a:ext cx="5040492" cy="646331"/>
+          </a:xfrm>
+          <a:prstGeom prst="rect">
+            <a:avLst/>
+          </a:prstGeom>
+        </p:spPr>
+        <p:txBody>
+          <a:bodyPr wrap="square">
+            <a:spAutoFit/>
+          </a:bodyPr>
+          <a:lstStyle/>
+          <a:p>
+            <a:r>
+              <a:rPr lang="zh-CN" altLang="en-US" dirty="0">
+                <a:solidFill>
+                  <a:schemeClr val="tx1">
+                    <a:lumMod val="65000"/>
+                    <a:lumOff val="35000"/>
+                  </a:schemeClr>
+                </a:solidFill>
+              </a:rPr>
+              <a:t>随时：通过</a:t>
+            </a:r>
+            <a:r>
+              <a:rPr lang="en-US" altLang="zh-CN" dirty="0">
+                <a:solidFill>
+                  <a:schemeClr val="tx1">
+                    <a:lumMod val="95000"/>
+                    <a:lumOff val="5000"/>
+                  </a:schemeClr>
+                </a:solidFill>
+              </a:rPr>
+              <a:t>【</a:t>
+            </a:r>
+            <a:r>
+              <a:rPr lang="zh-CN" altLang="en-US" dirty="0">
+                <a:solidFill>
+                  <a:schemeClr val="tx1">
+                    <a:lumMod val="95000"/>
+                    <a:lumOff val="5000"/>
+                  </a:schemeClr>
+                </a:solidFill>
+              </a:rPr>
               <a:t>按住</a:t>
             </a:r>
             <a:r>
-              <a:rPr lang="en-US" altLang="zh-CN" dirty="0"/>
+              <a:rPr lang="en-US" altLang="zh-CN" dirty="0">
+                <a:solidFill>
+                  <a:schemeClr val="tx1">
+                    <a:lumMod val="95000"/>
+                    <a:lumOff val="5000"/>
+                  </a:schemeClr>
+                </a:solidFill>
+              </a:rPr>
               <a:t>Y</a:t>
             </a:r>
             <a:r>
-              <a:rPr lang="zh-CN" altLang="en-US" dirty="0"/>
+              <a:rPr lang="zh-CN" altLang="en-US" dirty="0">
+                <a:solidFill>
+                  <a:schemeClr val="tx1">
+                    <a:lumMod val="95000"/>
+                    <a:lumOff val="5000"/>
+                  </a:schemeClr>
+                </a:solidFill>
+              </a:rPr>
               <a:t>键和方向键</a:t>
             </a:r>
             <a:r>
-              <a:rPr lang="en-US" altLang="zh-CN" dirty="0"/>
+              <a:rPr lang="en-US" altLang="zh-CN" dirty="0">
+                <a:solidFill>
+                  <a:schemeClr val="tx1">
+                    <a:lumMod val="95000"/>
+                    <a:lumOff val="5000"/>
+                  </a:schemeClr>
+                </a:solidFill>
+              </a:rPr>
               <a:t>】</a:t>
             </a:r>
             <a:r>
-              <a:rPr lang="zh-CN" altLang="en-US" dirty="0"/>
-              <a:t>购买对应箭头和方向键的设备模组。</a:t>
-            </a:r>
-            <a:endParaRPr lang="en-US" altLang="zh-CN" dirty="0"/>
-          </a:p>
-          <a:p>
-            <a:endParaRPr lang="en-US" dirty="0"/>
-          </a:p>
-          <a:p>
-            <a:r>
-              <a:rPr lang="zh-CN" altLang="en-US" dirty="0"/>
-              <a:t>*注，因为现有相关法律法规规定，设备模组将会</a:t>
-            </a:r>
-            <a:r>
-              <a:rPr lang="en-US" altLang="zh-CN" dirty="0"/>
-              <a:t>【</a:t>
-            </a:r>
-            <a:r>
-              <a:rPr lang="zh-CN" altLang="en-US" dirty="0"/>
-              <a:t>随机</a:t>
-            </a:r>
-            <a:r>
-              <a:rPr lang="en-US" altLang="zh-CN" dirty="0"/>
-              <a:t>】</a:t>
-            </a:r>
-            <a:r>
-              <a:rPr lang="zh-CN" altLang="en-US" dirty="0"/>
-              <a:t>部署至您的场地。</a:t>
-            </a:r>
-            <a:endParaRPr lang="en-US" altLang="zh-CN" dirty="0"/>
-          </a:p>
-          <a:p>
-            <a:endParaRPr lang="en-US" dirty="0"/>
-          </a:p>
-          <a:p>
-            <a:r>
-              <a:rPr lang="zh-CN" altLang="en-US" dirty="0"/>
-              <a:t>**注</a:t>
-            </a:r>
-            <a:r>
-              <a:rPr lang="en-US" altLang="zh-CN" dirty="0"/>
-              <a:t>2</a:t>
-            </a:r>
-            <a:r>
-              <a:rPr lang="zh-CN" altLang="en-US" dirty="0"/>
-              <a:t>，一个周期内，您只能购买其中一个模组。</a:t>
-            </a:r>
-            <a:endParaRPr lang="en-US" altLang="zh-CN" dirty="0"/>
-          </a:p>
-          <a:p>
-            <a:endParaRPr lang="en-US" dirty="0"/>
-          </a:p>
-          <a:p>
-            <a:r>
-              <a:rPr lang="zh-CN" altLang="en-US" dirty="0"/>
-              <a:t>**注</a:t>
-            </a:r>
-            <a:r>
-              <a:rPr lang="en-US" altLang="zh-CN" dirty="0"/>
-              <a:t>3</a:t>
-            </a:r>
-            <a:r>
-              <a:rPr lang="zh-CN" altLang="en-US" dirty="0"/>
-              <a:t>，购买权和商店内容，每周期更新。</a:t>
-            </a:r>
-            <a:endParaRPr lang="en-US" dirty="0"/>
+              <a:rPr lang="zh-CN" altLang="en-US" dirty="0">
+                <a:solidFill>
+                  <a:schemeClr val="tx1">
+                    <a:lumMod val="65000"/>
+                    <a:lumOff val="35000"/>
+                  </a:schemeClr>
+                </a:solidFill>
+              </a:rPr>
+              <a:t>购买箭头和方向键对应的设备模组。</a:t>
+            </a:r>
+            <a:endParaRPr lang="en-US" altLang="zh-CN" dirty="0">
+              <a:solidFill>
+                <a:schemeClr val="tx1">
+                  <a:lumMod val="65000"/>
+                  <a:lumOff val="35000"/>
+                </a:schemeClr>
+              </a:solidFill>
+            </a:endParaRPr>
+          </a:p>
+        </p:txBody>
+      </p:sp>
+      <p:sp>
+        <p:nvSpPr>
+          <p:cNvPr id="8" name="矩形 7">
+            <a:extLst>
+              <a:ext uri="{FF2B5EF4-FFF2-40B4-BE49-F238E27FC236}">
+                <a16:creationId xmlns:a16="http://schemas.microsoft.com/office/drawing/2014/main" id="{4CB00A8D-3A8E-4BE5-9B0B-C60E95BC62DF}"/>
+              </a:ext>
+            </a:extLst>
+          </p:cNvPr>
+          <p:cNvSpPr/>
+          <p:nvPr/>
+        </p:nvSpPr>
+        <p:spPr>
+          <a:xfrm>
+            <a:off x="5554754" y="3628329"/>
+            <a:ext cx="5040493" cy="646331"/>
+          </a:xfrm>
+          <a:prstGeom prst="rect">
+            <a:avLst/>
+          </a:prstGeom>
+        </p:spPr>
+        <p:txBody>
+          <a:bodyPr wrap="square">
+            <a:spAutoFit/>
+          </a:bodyPr>
+          <a:lstStyle/>
+          <a:p>
+            <a:r>
+              <a:rPr lang="zh-CN" altLang="en-US" dirty="0">
+                <a:solidFill>
+                  <a:schemeClr val="tx1">
+                    <a:lumMod val="65000"/>
+                    <a:lumOff val="35000"/>
+                  </a:schemeClr>
+                </a:solidFill>
+              </a:rPr>
+              <a:t>商店中会持续显示</a:t>
+            </a:r>
+            <a:r>
+              <a:rPr lang="zh-CN" altLang="en-US" dirty="0">
+                <a:solidFill>
+                  <a:schemeClr val="tx1">
+                    <a:lumMod val="95000"/>
+                    <a:lumOff val="5000"/>
+                  </a:schemeClr>
+                </a:solidFill>
+              </a:rPr>
+              <a:t>四枚</a:t>
+            </a:r>
+            <a:r>
+              <a:rPr lang="zh-CN" altLang="en-US" dirty="0">
+                <a:solidFill>
+                  <a:schemeClr val="tx1">
+                    <a:lumMod val="65000"/>
+                    <a:lumOff val="35000"/>
+                  </a:schemeClr>
+                </a:solidFill>
+              </a:rPr>
+              <a:t>现在可以购买的设备模组。花费您已有的金钱就可以进行购买。</a:t>
+            </a:r>
+            <a:endParaRPr lang="en-US" altLang="zh-CN" dirty="0">
+              <a:solidFill>
+                <a:schemeClr val="tx1">
+                  <a:lumMod val="65000"/>
+                  <a:lumOff val="35000"/>
+                </a:schemeClr>
+              </a:solidFill>
+            </a:endParaRPr>
           </a:p>
         </p:txBody>
       </p:sp>
